--- a/Discussione Laurea/Slides v.1.0.pptx
+++ b/Discussione Laurea/Slides v.1.0.pptx
@@ -5,10 +5,10 @@
     <p:sldMasterId id="2147483648" r:id="rId1"/>
   </p:sldMasterIdLst>
   <p:notesMasterIdLst>
-    <p:notesMasterId r:id="rId23"/>
+    <p:notesMasterId r:id="rId21"/>
   </p:notesMasterIdLst>
   <p:handoutMasterIdLst>
-    <p:handoutMasterId r:id="rId24"/>
+    <p:handoutMasterId r:id="rId22"/>
   </p:handoutMasterIdLst>
   <p:sldIdLst>
     <p:sldId id="256" r:id="rId2"/>
@@ -21,17 +21,15 @@
     <p:sldId id="267" r:id="rId9"/>
     <p:sldId id="268" r:id="rId10"/>
     <p:sldId id="269" r:id="rId11"/>
-    <p:sldId id="270" r:id="rId12"/>
-    <p:sldId id="271" r:id="rId13"/>
-    <p:sldId id="272" r:id="rId14"/>
-    <p:sldId id="273" r:id="rId15"/>
-    <p:sldId id="274" r:id="rId16"/>
-    <p:sldId id="275" r:id="rId17"/>
-    <p:sldId id="276" r:id="rId18"/>
-    <p:sldId id="278" r:id="rId19"/>
-    <p:sldId id="279" r:id="rId20"/>
-    <p:sldId id="281" r:id="rId21"/>
-    <p:sldId id="283" r:id="rId22"/>
+    <p:sldId id="272" r:id="rId12"/>
+    <p:sldId id="273" r:id="rId13"/>
+    <p:sldId id="274" r:id="rId14"/>
+    <p:sldId id="275" r:id="rId15"/>
+    <p:sldId id="276" r:id="rId16"/>
+    <p:sldId id="278" r:id="rId17"/>
+    <p:sldId id="279" r:id="rId18"/>
+    <p:sldId id="281" r:id="rId19"/>
+    <p:sldId id="283" r:id="rId20"/>
   </p:sldIdLst>
   <p:sldSz cx="9144000" cy="6858000" type="screen4x3"/>
   <p:notesSz cx="6858000" cy="9144000"/>
@@ -232,7 +230,7 @@
             <a:fld id="{45BF3CCC-77DD-F84F-A249-CA3C5045A043}" type="datetime1">
               <a:rPr lang="it-IT" smtClean="0"/>
               <a:pPr/>
-              <a:t>02/07/2019</a:t>
+              <a:t>03/07/2019</a:t>
             </a:fld>
             <a:endParaRPr lang="it-IT"/>
           </a:p>
@@ -400,7 +398,7 @@
             <a:fld id="{FE692227-D6DC-FD45-9507-DB2BAD58473C}" type="datetime1">
               <a:rPr lang="it-IT" smtClean="0"/>
               <a:pPr/>
-              <a:t>02/07/2019</a:t>
+              <a:t>03/07/2019</a:t>
             </a:fld>
             <a:endParaRPr lang="it-IT"/>
           </a:p>
@@ -829,7 +827,7 @@
     </p:spTree>
     <p:extLst>
       <p:ext uri="{BB962C8B-B14F-4D97-AF65-F5344CB8AC3E}">
-        <p14:creationId xmlns:p14="http://schemas.microsoft.com/office/powerpoint/2010/main" val="2962159069"/>
+        <p14:creationId xmlns:p14="http://schemas.microsoft.com/office/powerpoint/2010/main" val="3959567019"/>
       </p:ext>
     </p:extLst>
   </p:cSld>
@@ -914,7 +912,7 @@
     </p:spTree>
     <p:extLst>
       <p:ext uri="{BB962C8B-B14F-4D97-AF65-F5344CB8AC3E}">
-        <p14:creationId xmlns:p14="http://schemas.microsoft.com/office/powerpoint/2010/main" val="2601088733"/>
+        <p14:creationId xmlns:p14="http://schemas.microsoft.com/office/powerpoint/2010/main" val="140573768"/>
       </p:ext>
     </p:extLst>
   </p:cSld>
@@ -999,7 +997,7 @@
     </p:spTree>
     <p:extLst>
       <p:ext uri="{BB962C8B-B14F-4D97-AF65-F5344CB8AC3E}">
-        <p14:creationId xmlns:p14="http://schemas.microsoft.com/office/powerpoint/2010/main" val="3959567019"/>
+        <p14:creationId xmlns:p14="http://schemas.microsoft.com/office/powerpoint/2010/main" val="2620571570"/>
       </p:ext>
     </p:extLst>
   </p:cSld>
@@ -1084,7 +1082,7 @@
     </p:spTree>
     <p:extLst>
       <p:ext uri="{BB962C8B-B14F-4D97-AF65-F5344CB8AC3E}">
-        <p14:creationId xmlns:p14="http://schemas.microsoft.com/office/powerpoint/2010/main" val="140573768"/>
+        <p14:creationId xmlns:p14="http://schemas.microsoft.com/office/powerpoint/2010/main" val="1461890236"/>
       </p:ext>
     </p:extLst>
   </p:cSld>
@@ -1169,7 +1167,7 @@
     </p:spTree>
     <p:extLst>
       <p:ext uri="{BB962C8B-B14F-4D97-AF65-F5344CB8AC3E}">
-        <p14:creationId xmlns:p14="http://schemas.microsoft.com/office/powerpoint/2010/main" val="2620571570"/>
+        <p14:creationId xmlns:p14="http://schemas.microsoft.com/office/powerpoint/2010/main" val="2850894603"/>
       </p:ext>
     </p:extLst>
   </p:cSld>
@@ -1254,7 +1252,7 @@
     </p:spTree>
     <p:extLst>
       <p:ext uri="{BB962C8B-B14F-4D97-AF65-F5344CB8AC3E}">
-        <p14:creationId xmlns:p14="http://schemas.microsoft.com/office/powerpoint/2010/main" val="1461890236"/>
+        <p14:creationId xmlns:p14="http://schemas.microsoft.com/office/powerpoint/2010/main" val="2919014423"/>
       </p:ext>
     </p:extLst>
   </p:cSld>
@@ -1339,7 +1337,7 @@
     </p:spTree>
     <p:extLst>
       <p:ext uri="{BB962C8B-B14F-4D97-AF65-F5344CB8AC3E}">
-        <p14:creationId xmlns:p14="http://schemas.microsoft.com/office/powerpoint/2010/main" val="2850894603"/>
+        <p14:creationId xmlns:p14="http://schemas.microsoft.com/office/powerpoint/2010/main" val="1192801064"/>
       </p:ext>
     </p:extLst>
   </p:cSld>
@@ -1424,7 +1422,7 @@
     </p:spTree>
     <p:extLst>
       <p:ext uri="{BB962C8B-B14F-4D97-AF65-F5344CB8AC3E}">
-        <p14:creationId xmlns:p14="http://schemas.microsoft.com/office/powerpoint/2010/main" val="2919014423"/>
+        <p14:creationId xmlns:p14="http://schemas.microsoft.com/office/powerpoint/2010/main" val="986275448"/>
       </p:ext>
     </p:extLst>
   </p:cSld>
@@ -1509,92 +1507,7 @@
     </p:spTree>
     <p:extLst>
       <p:ext uri="{BB962C8B-B14F-4D97-AF65-F5344CB8AC3E}">
-        <p14:creationId xmlns:p14="http://schemas.microsoft.com/office/powerpoint/2010/main" val="1192801064"/>
-      </p:ext>
-    </p:extLst>
-  </p:cSld>
-  <p:clrMapOvr>
-    <a:masterClrMapping/>
-  </p:clrMapOvr>
-</p:notes>
-</file>
-
-<file path=ppt/notesSlides/notesSlide19.xml><?xml version="1.0" encoding="utf-8"?>
-<p:notes xmlns:a="http://schemas.openxmlformats.org/drawingml/2006/main" xmlns:r="http://schemas.openxmlformats.org/officeDocument/2006/relationships" xmlns:p="http://schemas.openxmlformats.org/presentationml/2006/main">
-  <p:cSld>
-    <p:spTree>
-      <p:nvGrpSpPr>
-        <p:cNvPr id="1" name=""/>
-        <p:cNvGrpSpPr/>
-        <p:nvPr/>
-      </p:nvGrpSpPr>
-      <p:grpSpPr>
-        <a:xfrm>
-          <a:off x="0" y="0"/>
-          <a:ext cx="0" cy="0"/>
-          <a:chOff x="0" y="0"/>
-          <a:chExt cx="0" cy="0"/>
-        </a:xfrm>
-      </p:grpSpPr>
-      <p:sp>
-        <p:nvSpPr>
-          <p:cNvPr id="2" name="Segnaposto immagine diapositiva 1"/>
-          <p:cNvSpPr>
-            <a:spLocks noGrp="1" noRot="1" noChangeAspect="1"/>
-          </p:cNvSpPr>
-          <p:nvPr>
-            <p:ph type="sldImg"/>
-          </p:nvPr>
-        </p:nvSpPr>
-        <p:spPr/>
-      </p:sp>
-      <p:sp>
-        <p:nvSpPr>
-          <p:cNvPr id="3" name="Segnaposto note 2"/>
-          <p:cNvSpPr>
-            <a:spLocks noGrp="1"/>
-          </p:cNvSpPr>
-          <p:nvPr>
-            <p:ph type="body" idx="1"/>
-          </p:nvPr>
-        </p:nvSpPr>
-        <p:spPr/>
-        <p:txBody>
-          <a:bodyPr/>
-          <a:lstStyle/>
-          <a:p>
-            <a:endParaRPr lang="it-IT"/>
-          </a:p>
-        </p:txBody>
-      </p:sp>
-      <p:sp>
-        <p:nvSpPr>
-          <p:cNvPr id="4" name="Segnaposto numero diapositiva 3"/>
-          <p:cNvSpPr>
-            <a:spLocks noGrp="1"/>
-          </p:cNvSpPr>
-          <p:nvPr>
-            <p:ph type="sldNum" sz="quarter" idx="10"/>
-          </p:nvPr>
-        </p:nvSpPr>
-        <p:spPr/>
-        <p:txBody>
-          <a:bodyPr/>
-          <a:lstStyle/>
-          <a:p>
-            <a:fld id="{96986711-015B-0142-88C4-65D50E44FA77}" type="slidenum">
-              <a:rPr lang="it-IT" smtClean="0"/>
-              <a:pPr/>
-              <a:t>20</a:t>
-            </a:fld>
-            <a:endParaRPr lang="it-IT"/>
-          </a:p>
-        </p:txBody>
-      </p:sp>
-    </p:spTree>
-    <p:extLst>
-      <p:ext uri="{BB962C8B-B14F-4D97-AF65-F5344CB8AC3E}">
-        <p14:creationId xmlns:p14="http://schemas.microsoft.com/office/powerpoint/2010/main" val="986275448"/>
+        <p14:creationId xmlns:p14="http://schemas.microsoft.com/office/powerpoint/2010/main" val="3460281671"/>
       </p:ext>
     </p:extLst>
   </p:cSld>
@@ -1680,91 +1593,6 @@
     <p:extLst>
       <p:ext uri="{BB962C8B-B14F-4D97-AF65-F5344CB8AC3E}">
         <p14:creationId xmlns:p14="http://schemas.microsoft.com/office/powerpoint/2010/main" val="3550908309"/>
-      </p:ext>
-    </p:extLst>
-  </p:cSld>
-  <p:clrMapOvr>
-    <a:masterClrMapping/>
-  </p:clrMapOvr>
-</p:notes>
-</file>
-
-<file path=ppt/notesSlides/notesSlide20.xml><?xml version="1.0" encoding="utf-8"?>
-<p:notes xmlns:a="http://schemas.openxmlformats.org/drawingml/2006/main" xmlns:r="http://schemas.openxmlformats.org/officeDocument/2006/relationships" xmlns:p="http://schemas.openxmlformats.org/presentationml/2006/main">
-  <p:cSld>
-    <p:spTree>
-      <p:nvGrpSpPr>
-        <p:cNvPr id="1" name=""/>
-        <p:cNvGrpSpPr/>
-        <p:nvPr/>
-      </p:nvGrpSpPr>
-      <p:grpSpPr>
-        <a:xfrm>
-          <a:off x="0" y="0"/>
-          <a:ext cx="0" cy="0"/>
-          <a:chOff x="0" y="0"/>
-          <a:chExt cx="0" cy="0"/>
-        </a:xfrm>
-      </p:grpSpPr>
-      <p:sp>
-        <p:nvSpPr>
-          <p:cNvPr id="2" name="Segnaposto immagine diapositiva 1"/>
-          <p:cNvSpPr>
-            <a:spLocks noGrp="1" noRot="1" noChangeAspect="1"/>
-          </p:cNvSpPr>
-          <p:nvPr>
-            <p:ph type="sldImg"/>
-          </p:nvPr>
-        </p:nvSpPr>
-        <p:spPr/>
-      </p:sp>
-      <p:sp>
-        <p:nvSpPr>
-          <p:cNvPr id="3" name="Segnaposto note 2"/>
-          <p:cNvSpPr>
-            <a:spLocks noGrp="1"/>
-          </p:cNvSpPr>
-          <p:nvPr>
-            <p:ph type="body" idx="1"/>
-          </p:nvPr>
-        </p:nvSpPr>
-        <p:spPr/>
-        <p:txBody>
-          <a:bodyPr/>
-          <a:lstStyle/>
-          <a:p>
-            <a:endParaRPr lang="it-IT"/>
-          </a:p>
-        </p:txBody>
-      </p:sp>
-      <p:sp>
-        <p:nvSpPr>
-          <p:cNvPr id="4" name="Segnaposto numero diapositiva 3"/>
-          <p:cNvSpPr>
-            <a:spLocks noGrp="1"/>
-          </p:cNvSpPr>
-          <p:nvPr>
-            <p:ph type="sldNum" sz="quarter" idx="10"/>
-          </p:nvPr>
-        </p:nvSpPr>
-        <p:spPr/>
-        <p:txBody>
-          <a:bodyPr/>
-          <a:lstStyle/>
-          <a:p>
-            <a:fld id="{96986711-015B-0142-88C4-65D50E44FA77}" type="slidenum">
-              <a:rPr lang="it-IT" smtClean="0"/>
-              <a:pPr/>
-              <a:t>21</a:t>
-            </a:fld>
-            <a:endParaRPr lang="it-IT"/>
-          </a:p>
-        </p:txBody>
-      </p:sp>
-    </p:spTree>
-    <p:extLst>
-      <p:ext uri="{BB962C8B-B14F-4D97-AF65-F5344CB8AC3E}">
-        <p14:creationId xmlns:p14="http://schemas.microsoft.com/office/powerpoint/2010/main" val="3460281671"/>
       </p:ext>
     </p:extLst>
   </p:cSld>
@@ -2549,7 +2377,7 @@
             <a:fld id="{AD8BF249-6BAC-CD40-AAE9-334F110649E5}" type="datetimeFigureOut">
               <a:rPr lang="it-IT" smtClean="0"/>
               <a:pPr/>
-              <a:t>02/07/2019</a:t>
+              <a:t>03/07/2019</a:t>
             </a:fld>
             <a:endParaRPr lang="it-IT"/>
           </a:p>
@@ -2719,7 +2547,7 @@
             <a:fld id="{AD8BF249-6BAC-CD40-AAE9-334F110649E5}" type="datetimeFigureOut">
               <a:rPr lang="it-IT" smtClean="0"/>
               <a:pPr/>
-              <a:t>02/07/2019</a:t>
+              <a:t>03/07/2019</a:t>
             </a:fld>
             <a:endParaRPr lang="it-IT"/>
           </a:p>
@@ -2899,7 +2727,7 @@
             <a:fld id="{AD8BF249-6BAC-CD40-AAE9-334F110649E5}" type="datetimeFigureOut">
               <a:rPr lang="it-IT" smtClean="0"/>
               <a:pPr/>
-              <a:t>02/07/2019</a:t>
+              <a:t>03/07/2019</a:t>
             </a:fld>
             <a:endParaRPr lang="it-IT"/>
           </a:p>
@@ -3069,7 +2897,7 @@
             <a:fld id="{AD8BF249-6BAC-CD40-AAE9-334F110649E5}" type="datetimeFigureOut">
               <a:rPr lang="it-IT" smtClean="0"/>
               <a:pPr/>
-              <a:t>02/07/2019</a:t>
+              <a:t>03/07/2019</a:t>
             </a:fld>
             <a:endParaRPr lang="it-IT"/>
           </a:p>
@@ -3316,7 +3144,7 @@
             <a:fld id="{AD8BF249-6BAC-CD40-AAE9-334F110649E5}" type="datetimeFigureOut">
               <a:rPr lang="it-IT" smtClean="0"/>
               <a:pPr/>
-              <a:t>02/07/2019</a:t>
+              <a:t>03/07/2019</a:t>
             </a:fld>
             <a:endParaRPr lang="it-IT"/>
           </a:p>
@@ -3603,7 +3431,7 @@
             <a:fld id="{AD8BF249-6BAC-CD40-AAE9-334F110649E5}" type="datetimeFigureOut">
               <a:rPr lang="it-IT" smtClean="0"/>
               <a:pPr/>
-              <a:t>02/07/2019</a:t>
+              <a:t>03/07/2019</a:t>
             </a:fld>
             <a:endParaRPr lang="it-IT"/>
           </a:p>
@@ -4024,7 +3852,7 @@
             <a:fld id="{AD8BF249-6BAC-CD40-AAE9-334F110649E5}" type="datetimeFigureOut">
               <a:rPr lang="it-IT" smtClean="0"/>
               <a:pPr/>
-              <a:t>02/07/2019</a:t>
+              <a:t>03/07/2019</a:t>
             </a:fld>
             <a:endParaRPr lang="it-IT"/>
           </a:p>
@@ -4143,7 +3971,7 @@
             <a:fld id="{AD8BF249-6BAC-CD40-AAE9-334F110649E5}" type="datetimeFigureOut">
               <a:rPr lang="it-IT" smtClean="0"/>
               <a:pPr/>
-              <a:t>02/07/2019</a:t>
+              <a:t>03/07/2019</a:t>
             </a:fld>
             <a:endParaRPr lang="it-IT"/>
           </a:p>
@@ -4240,7 +4068,7 @@
             <a:fld id="{AD8BF249-6BAC-CD40-AAE9-334F110649E5}" type="datetimeFigureOut">
               <a:rPr lang="it-IT" smtClean="0"/>
               <a:pPr/>
-              <a:t>02/07/2019</a:t>
+              <a:t>03/07/2019</a:t>
             </a:fld>
             <a:endParaRPr lang="it-IT"/>
           </a:p>
@@ -4517,7 +4345,7 @@
             <a:fld id="{AD8BF249-6BAC-CD40-AAE9-334F110649E5}" type="datetimeFigureOut">
               <a:rPr lang="it-IT" smtClean="0"/>
               <a:pPr/>
-              <a:t>02/07/2019</a:t>
+              <a:t>03/07/2019</a:t>
             </a:fld>
             <a:endParaRPr lang="it-IT"/>
           </a:p>
@@ -4771,7 +4599,7 @@
             <a:fld id="{AD8BF249-6BAC-CD40-AAE9-334F110649E5}" type="datetimeFigureOut">
               <a:rPr lang="it-IT" smtClean="0"/>
               <a:pPr/>
-              <a:t>02/07/2019</a:t>
+              <a:t>03/07/2019</a:t>
             </a:fld>
             <a:endParaRPr lang="it-IT"/>
           </a:p>
@@ -4984,7 +4812,7 @@
             <a:fld id="{AD8BF249-6BAC-CD40-AAE9-334F110649E5}" type="datetimeFigureOut">
               <a:rPr lang="it-IT" smtClean="0"/>
               <a:pPr/>
-              <a:t>02/07/2019</a:t>
+              <a:t>03/07/2019</a:t>
             </a:fld>
             <a:endParaRPr lang="it-IT"/>
           </a:p>
@@ -6847,14 +6675,14 @@
           <p:nvPr/>
         </p:nvPicPr>
         <p:blipFill>
-          <a:blip r:embed="rId7"/>
+          <a:blip r:embed="rId3"/>
           <a:stretch>
             <a:fillRect/>
           </a:stretch>
         </p:blipFill>
         <p:spPr>
           <a:xfrm>
-            <a:off x="-1" y="3123"/>
+            <a:off x="-1" y="-19737"/>
             <a:ext cx="9143817" cy="6872495"/>
           </a:xfrm>
           <a:prstGeom prst="rect">
@@ -6871,7 +6699,7 @@
         <p:spPr>
           <a:xfrm>
             <a:off x="9061" y="649703"/>
-            <a:ext cx="2490299" cy="461665"/>
+            <a:ext cx="3705689" cy="461665"/>
           </a:xfrm>
           <a:prstGeom prst="rect">
             <a:avLst/>
@@ -6894,7 +6722,7 @@
                 <a:latin typeface="Arial"/>
                 <a:cs typeface="Arial"/>
               </a:rPr>
-              <a:t>Albero Additivo</a:t>
+              <a:t>Criticità dell’algoritmo</a:t>
             </a:r>
           </a:p>
         </p:txBody>
@@ -7060,3308 +6888,8 @@
           </a:p>
         </p:txBody>
       </p:sp>
-      <p:sp>
-        <p:nvSpPr>
-          <p:cNvPr id="53" name="CasellaDiTesto 52">
-            <a:extLst>
-              <a:ext uri="{FF2B5EF4-FFF2-40B4-BE49-F238E27FC236}">
-                <a16:creationId xmlns:a16="http://schemas.microsoft.com/office/drawing/2014/main" id="{C4172192-17B0-4035-AFD1-CBC8BDE7E4CD}"/>
-              </a:ext>
-            </a:extLst>
-          </p:cNvPr>
-          <p:cNvSpPr txBox="1"/>
-          <p:nvPr/>
-        </p:nvSpPr>
-        <p:spPr>
-          <a:xfrm>
-            <a:off x="9062" y="1077183"/>
-            <a:ext cx="1082892" cy="369332"/>
-          </a:xfrm>
-          <a:prstGeom prst="rect">
-            <a:avLst/>
-          </a:prstGeom>
-          <a:noFill/>
-        </p:spPr>
-        <p:txBody>
-          <a:bodyPr wrap="square" rtlCol="0">
-            <a:spAutoFit/>
-          </a:bodyPr>
-          <a:lstStyle/>
-          <a:p>
-            <a:r>
-              <a:rPr lang="it-IT" i="1" dirty="0">
-                <a:latin typeface="Arial"/>
-                <a:cs typeface="Arial"/>
-              </a:rPr>
-              <a:t>Parte 2</a:t>
-            </a:r>
-          </a:p>
-        </p:txBody>
-      </p:sp>
-      <mc:AlternateContent xmlns:mc="http://schemas.openxmlformats.org/markup-compatibility/2006" xmlns:a14="http://schemas.microsoft.com/office/drawing/2010/main">
-        <mc:Choice Requires="a14">
-          <p:sp>
-            <p:nvSpPr>
-              <p:cNvPr id="9" name="CasellaDiTesto 8">
-                <a:extLst>
-                  <a:ext uri="{FF2B5EF4-FFF2-40B4-BE49-F238E27FC236}">
-                    <a16:creationId xmlns:a16="http://schemas.microsoft.com/office/drawing/2014/main" id="{0FE0B87E-F336-4CE9-8C15-97BB1056FE04}"/>
-                  </a:ext>
-                </a:extLst>
-              </p:cNvPr>
-              <p:cNvSpPr txBox="1"/>
-              <p:nvPr/>
-            </p:nvSpPr>
-            <p:spPr>
-              <a:xfrm>
-                <a:off x="9061" y="1658679"/>
-                <a:ext cx="9134939" cy="523220"/>
-              </a:xfrm>
-              <a:prstGeom prst="rect">
-                <a:avLst/>
-              </a:prstGeom>
-              <a:noFill/>
-            </p:spPr>
-            <p:txBody>
-              <a:bodyPr wrap="square" rtlCol="0">
-                <a:spAutoFit/>
-              </a:bodyPr>
-              <a:lstStyle/>
-              <a:p>
-                <a:r>
-                  <a:rPr lang="it-IT" sz="1400" b="1" dirty="0">
-                    <a:latin typeface="Arial" panose="020B0604020202020204" pitchFamily="34" charset="0"/>
-                    <a:cs typeface="Arial" panose="020B0604020202020204" pitchFamily="34" charset="0"/>
-                  </a:rPr>
-                  <a:t>Step 1</a:t>
-                </a:r>
-                <a:r>
-                  <a:rPr lang="it-IT" sz="1400" dirty="0">
-                    <a:latin typeface="Arial" panose="020B0604020202020204" pitchFamily="34" charset="0"/>
-                    <a:cs typeface="Arial" panose="020B0604020202020204" pitchFamily="34" charset="0"/>
-                  </a:rPr>
-                  <a:t> </a:t>
-                </a:r>
-                <a:r>
-                  <a:rPr lang="it-IT" sz="1400" dirty="0">
-                    <a:latin typeface="Arial" panose="020B0604020202020204" pitchFamily="34" charset="0"/>
-                    <a:cs typeface="Arial" panose="020B0604020202020204" pitchFamily="34" charset="0"/>
-                    <a:sym typeface="Wingdings" panose="05000000000000000000" pitchFamily="2" charset="2"/>
-                  </a:rPr>
-                  <a:t> Se </a:t>
-                </a:r>
-                <a14:m>
-                  <m:oMath xmlns:m="http://schemas.openxmlformats.org/officeDocument/2006/math">
-                    <m:r>
-                      <a:rPr lang="it-IT" sz="1400" b="0" i="1" smtClean="0">
-                        <a:latin typeface="Cambria Math" panose="02040503050406030204" pitchFamily="18" charset="0"/>
-                        <a:cs typeface="Arial" panose="020B0604020202020204" pitchFamily="34" charset="0"/>
-                        <a:sym typeface="Wingdings" panose="05000000000000000000" pitchFamily="2" charset="2"/>
-                      </a:rPr>
-                      <m:t>𝐷</m:t>
-                    </m:r>
-                  </m:oMath>
-                </a14:m>
-                <a:r>
-                  <a:rPr lang="it-IT" sz="1400" b="0" dirty="0">
-                    <a:latin typeface="Arial" panose="020B0604020202020204" pitchFamily="34" charset="0"/>
-                    <a:cs typeface="Arial" panose="020B0604020202020204" pitchFamily="34" charset="0"/>
-                    <a:sym typeface="Wingdings" panose="05000000000000000000" pitchFamily="2" charset="2"/>
-                  </a:rPr>
-                  <a:t> contiene due elementi</a:t>
-                </a:r>
-                <a:r>
-                  <a:rPr lang="it-IT" sz="1400" dirty="0">
-                    <a:latin typeface="Arial" panose="020B0604020202020204" pitchFamily="34" charset="0"/>
-                    <a:cs typeface="Arial" panose="020B0604020202020204" pitchFamily="34" charset="0"/>
-                    <a:sym typeface="Wingdings" panose="05000000000000000000" pitchFamily="2" charset="2"/>
-                  </a:rPr>
-                  <a:t>, restituisci l’albero costituito da un arco che collega le due foglie. Altrimenti step 2;</a:t>
-                </a:r>
-                <a:endParaRPr lang="it-IT" sz="1400" b="0" dirty="0">
-                  <a:latin typeface="Arial" panose="020B0604020202020204" pitchFamily="34" charset="0"/>
-                  <a:cs typeface="Arial" panose="020B0604020202020204" pitchFamily="34" charset="0"/>
-                  <a:sym typeface="Wingdings" panose="05000000000000000000" pitchFamily="2" charset="2"/>
-                </a:endParaRPr>
-              </a:p>
-            </p:txBody>
-          </p:sp>
-        </mc:Choice>
-        <mc:Fallback xmlns="">
-          <p:sp>
-            <p:nvSpPr>
-              <p:cNvPr id="9" name="CasellaDiTesto 8">
-                <a:extLst>
-                  <a:ext uri="{FF2B5EF4-FFF2-40B4-BE49-F238E27FC236}">
-                    <a16:creationId xmlns:a16="http://schemas.microsoft.com/office/drawing/2014/main" id="{0FE0B87E-F336-4CE9-8C15-97BB1056FE04}"/>
-                  </a:ext>
-                </a:extLst>
-              </p:cNvPr>
-              <p:cNvSpPr txBox="1">
-                <a:spLocks noRot="1" noChangeAspect="1" noMove="1" noResize="1" noEditPoints="1" noAdjustHandles="1" noChangeArrowheads="1" noChangeShapeType="1" noTextEdit="1"/>
-              </p:cNvSpPr>
-              <p:nvPr/>
-            </p:nvSpPr>
-            <p:spPr>
-              <a:xfrm>
-                <a:off x="9061" y="1658679"/>
-                <a:ext cx="9134939" cy="523220"/>
-              </a:xfrm>
-              <a:prstGeom prst="rect">
-                <a:avLst/>
-              </a:prstGeom>
-              <a:blipFill>
-                <a:blip r:embed="rId8"/>
-                <a:stretch>
-                  <a:fillRect l="-200" t="-2326" b="-11628"/>
-                </a:stretch>
-              </a:blipFill>
-            </p:spPr>
-            <p:txBody>
-              <a:bodyPr/>
-              <a:lstStyle/>
-              <a:p>
-                <a:r>
-                  <a:rPr lang="it-IT">
-                    <a:noFill/>
-                  </a:rPr>
-                  <a:t> </a:t>
-                </a:r>
-              </a:p>
-            </p:txBody>
-          </p:sp>
-        </mc:Fallback>
-      </mc:AlternateContent>
-      <mc:AlternateContent xmlns:mc="http://schemas.openxmlformats.org/markup-compatibility/2006" xmlns:a14="http://schemas.microsoft.com/office/drawing/2010/main">
-        <mc:Choice Requires="a14">
-          <p:sp>
-            <p:nvSpPr>
-              <p:cNvPr id="13" name="CasellaDiTesto 12">
-                <a:extLst>
-                  <a:ext uri="{FF2B5EF4-FFF2-40B4-BE49-F238E27FC236}">
-                    <a16:creationId xmlns:a16="http://schemas.microsoft.com/office/drawing/2014/main" id="{4BB688B7-9B54-4FB7-B814-0186D5D0A096}"/>
-                  </a:ext>
-                </a:extLst>
-              </p:cNvPr>
-              <p:cNvSpPr txBox="1"/>
-              <p:nvPr/>
-            </p:nvSpPr>
-            <p:spPr>
-              <a:xfrm>
-                <a:off x="-185" y="2459413"/>
-                <a:ext cx="6544138" cy="307777"/>
-              </a:xfrm>
-              <a:prstGeom prst="rect">
-                <a:avLst/>
-              </a:prstGeom>
-              <a:noFill/>
-            </p:spPr>
-            <p:txBody>
-              <a:bodyPr wrap="square" rtlCol="0">
-                <a:spAutoFit/>
-              </a:bodyPr>
-              <a:lstStyle/>
-              <a:p>
-                <a:r>
-                  <a:rPr lang="it-IT" sz="1400" b="1" dirty="0">
-                    <a:latin typeface="Arial" panose="020B0604020202020204" pitchFamily="34" charset="0"/>
-                    <a:cs typeface="Arial" panose="020B0604020202020204" pitchFamily="34" charset="0"/>
-                  </a:rPr>
-                  <a:t>Step 2</a:t>
-                </a:r>
-                <a:r>
-                  <a:rPr lang="it-IT" sz="1400" dirty="0">
-                    <a:latin typeface="Arial" panose="020B0604020202020204" pitchFamily="34" charset="0"/>
-                    <a:cs typeface="Arial" panose="020B0604020202020204" pitchFamily="34" charset="0"/>
-                  </a:rPr>
-                  <a:t> </a:t>
-                </a:r>
-                <a:r>
-                  <a:rPr lang="it-IT" sz="1400" dirty="0">
-                    <a:latin typeface="Arial" panose="020B0604020202020204" pitchFamily="34" charset="0"/>
-                    <a:cs typeface="Arial" panose="020B0604020202020204" pitchFamily="34" charset="0"/>
-                    <a:sym typeface="Wingdings" panose="05000000000000000000" pitchFamily="2" charset="2"/>
-                  </a:rPr>
-                  <a:t> Scegli </a:t>
-                </a:r>
-                <a14:m>
-                  <m:oMath xmlns:m="http://schemas.openxmlformats.org/officeDocument/2006/math">
-                    <m:r>
-                      <a:rPr lang="it-IT" sz="1400" b="0" i="1" smtClean="0">
-                        <a:latin typeface="Cambria Math" panose="02040503050406030204" pitchFamily="18" charset="0"/>
-                        <a:cs typeface="Arial" panose="020B0604020202020204" pitchFamily="34" charset="0"/>
-                        <a:sym typeface="Wingdings" panose="05000000000000000000" pitchFamily="2" charset="2"/>
-                      </a:rPr>
-                      <m:t>𝑏</m:t>
-                    </m:r>
-                  </m:oMath>
-                </a14:m>
-                <a:r>
-                  <a:rPr lang="it-IT" sz="1400" dirty="0">
-                    <a:latin typeface="Arial" panose="020B0604020202020204" pitchFamily="34" charset="0"/>
-                    <a:cs typeface="Arial" panose="020B0604020202020204" pitchFamily="34" charset="0"/>
-                    <a:sym typeface="Wingdings" panose="05000000000000000000" pitchFamily="2" charset="2"/>
-                  </a:rPr>
-                  <a:t> e calcola </a:t>
-                </a:r>
-                <a14:m>
-                  <m:oMath xmlns:m="http://schemas.openxmlformats.org/officeDocument/2006/math">
-                    <m:r>
-                      <a:rPr lang="it-IT" sz="1400" b="0" i="1" smtClean="0">
-                        <a:latin typeface="Cambria Math" panose="02040503050406030204" pitchFamily="18" charset="0"/>
-                        <a:cs typeface="Arial" panose="020B0604020202020204" pitchFamily="34" charset="0"/>
-                        <a:sym typeface="Wingdings" panose="05000000000000000000" pitchFamily="2" charset="2"/>
-                      </a:rPr>
-                      <m:t>𝑙𝑖𝑚𝑏𝑤𝑒𝑖𝑔h𝑡</m:t>
-                    </m:r>
-                    <m:d>
-                      <m:dPr>
-                        <m:ctrlPr>
-                          <a:rPr lang="it-IT" sz="1400" b="0" i="1" smtClean="0">
-                            <a:latin typeface="Cambria Math" panose="02040503050406030204" pitchFamily="18" charset="0"/>
-                            <a:cs typeface="Arial" panose="020B0604020202020204" pitchFamily="34" charset="0"/>
-                            <a:sym typeface="Wingdings" panose="05000000000000000000" pitchFamily="2" charset="2"/>
-                          </a:rPr>
-                        </m:ctrlPr>
-                      </m:dPr>
-                      <m:e>
-                        <m:r>
-                          <a:rPr lang="it-IT" sz="1400" b="0" i="1" smtClean="0">
-                            <a:latin typeface="Cambria Math" panose="02040503050406030204" pitchFamily="18" charset="0"/>
-                            <a:cs typeface="Arial" panose="020B0604020202020204" pitchFamily="34" charset="0"/>
-                            <a:sym typeface="Wingdings" panose="05000000000000000000" pitchFamily="2" charset="2"/>
-                          </a:rPr>
-                          <m:t>𝑏</m:t>
-                        </m:r>
-                      </m:e>
-                    </m:d>
-                  </m:oMath>
-                </a14:m>
-                <a:r>
-                  <a:rPr lang="it-IT" sz="1400" dirty="0">
-                    <a:latin typeface="Arial" panose="020B0604020202020204" pitchFamily="34" charset="0"/>
-                    <a:cs typeface="Arial" panose="020B0604020202020204" pitchFamily="34" charset="0"/>
-                    <a:sym typeface="Wingdings" panose="05000000000000000000" pitchFamily="2" charset="2"/>
-                  </a:rPr>
-                  <a:t> usando il teorema del peso degli arti:</a:t>
-                </a:r>
-                <a:endParaRPr lang="it-IT" sz="1400" b="0" dirty="0">
-                  <a:latin typeface="Arial" panose="020B0604020202020204" pitchFamily="34" charset="0"/>
-                  <a:cs typeface="Arial" panose="020B0604020202020204" pitchFamily="34" charset="0"/>
-                  <a:sym typeface="Wingdings" panose="05000000000000000000" pitchFamily="2" charset="2"/>
-                </a:endParaRPr>
-              </a:p>
-            </p:txBody>
-          </p:sp>
-        </mc:Choice>
-        <mc:Fallback xmlns="">
-          <p:sp>
-            <p:nvSpPr>
-              <p:cNvPr id="13" name="CasellaDiTesto 12">
-                <a:extLst>
-                  <a:ext uri="{FF2B5EF4-FFF2-40B4-BE49-F238E27FC236}">
-                    <a16:creationId xmlns:a16="http://schemas.microsoft.com/office/drawing/2014/main" id="{4BB688B7-9B54-4FB7-B814-0186D5D0A096}"/>
-                  </a:ext>
-                </a:extLst>
-              </p:cNvPr>
-              <p:cNvSpPr txBox="1">
-                <a:spLocks noRot="1" noChangeAspect="1" noMove="1" noResize="1" noEditPoints="1" noAdjustHandles="1" noChangeArrowheads="1" noChangeShapeType="1" noTextEdit="1"/>
-              </p:cNvSpPr>
-              <p:nvPr/>
-            </p:nvSpPr>
-            <p:spPr>
-              <a:xfrm>
-                <a:off x="-185" y="2459413"/>
-                <a:ext cx="6544138" cy="307777"/>
-              </a:xfrm>
-              <a:prstGeom prst="rect">
-                <a:avLst/>
-              </a:prstGeom>
-              <a:blipFill>
-                <a:blip r:embed="rId9"/>
-                <a:stretch>
-                  <a:fillRect l="-280" t="-1961" b="-19608"/>
-                </a:stretch>
-              </a:blipFill>
-            </p:spPr>
-            <p:txBody>
-              <a:bodyPr/>
-              <a:lstStyle/>
-              <a:p>
-                <a:r>
-                  <a:rPr lang="it-IT">
-                    <a:noFill/>
-                  </a:rPr>
-                  <a:t> </a:t>
-                </a:r>
-              </a:p>
-            </p:txBody>
-          </p:sp>
-        </mc:Fallback>
-      </mc:AlternateContent>
-      <p:pic>
-        <p:nvPicPr>
-          <p:cNvPr id="6" name="Immagine 5">
-            <a:extLst>
-              <a:ext uri="{FF2B5EF4-FFF2-40B4-BE49-F238E27FC236}">
-                <a16:creationId xmlns:a16="http://schemas.microsoft.com/office/drawing/2014/main" id="{5B63084B-856F-4A60-A3D3-53E17E510D9F}"/>
-              </a:ext>
-            </a:extLst>
-          </p:cNvPr>
-          <p:cNvPicPr>
-            <a:picLocks noChangeAspect="1"/>
-          </p:cNvPicPr>
-          <p:nvPr>
-            <p:custDataLst>
-              <p:tags r:id="rId1"/>
-            </p:custDataLst>
-          </p:nvPr>
-        </p:nvPicPr>
-        <p:blipFill>
-          <a:blip r:embed="rId10"/>
-          <a:stretch>
-            <a:fillRect/>
-          </a:stretch>
-        </p:blipFill>
-        <p:spPr>
-          <a:xfrm>
-            <a:off x="7082015" y="2491917"/>
-            <a:ext cx="2004225" cy="254953"/>
-          </a:xfrm>
-          <a:prstGeom prst="rect">
-            <a:avLst/>
-          </a:prstGeom>
-        </p:spPr>
-      </p:pic>
-      <p:cxnSp>
-        <p:nvCxnSpPr>
-          <p:cNvPr id="15" name="Connettore 2 14">
-            <a:extLst>
-              <a:ext uri="{FF2B5EF4-FFF2-40B4-BE49-F238E27FC236}">
-                <a16:creationId xmlns:a16="http://schemas.microsoft.com/office/drawing/2014/main" id="{C759EE69-B43B-479F-88D4-D77F655A158D}"/>
-              </a:ext>
-            </a:extLst>
-          </p:cNvPr>
-          <p:cNvCxnSpPr/>
-          <p:nvPr/>
-        </p:nvCxnSpPr>
-        <p:spPr>
-          <a:xfrm>
-            <a:off x="6553201" y="2619393"/>
-            <a:ext cx="406399" cy="0"/>
-          </a:xfrm>
-          <a:prstGeom prst="straightConnector1">
-            <a:avLst/>
-          </a:prstGeom>
-          <a:ln>
-            <a:tailEnd type="triangle"/>
-          </a:ln>
-        </p:spPr>
-        <p:style>
-          <a:lnRef idx="2">
-            <a:schemeClr val="accent1"/>
-          </a:lnRef>
-          <a:fillRef idx="0">
-            <a:schemeClr val="accent1"/>
-          </a:fillRef>
-          <a:effectRef idx="1">
-            <a:schemeClr val="accent1"/>
-          </a:effectRef>
-          <a:fontRef idx="minor">
-            <a:schemeClr val="tx1"/>
-          </a:fontRef>
-        </p:style>
-      </p:cxnSp>
-      <mc:AlternateContent xmlns:mc="http://schemas.openxmlformats.org/markup-compatibility/2006" xmlns:a14="http://schemas.microsoft.com/office/drawing/2010/main">
-        <mc:Choice Requires="a14">
-          <p:sp>
-            <p:nvSpPr>
-              <p:cNvPr id="17" name="CasellaDiTesto 16">
-                <a:extLst>
-                  <a:ext uri="{FF2B5EF4-FFF2-40B4-BE49-F238E27FC236}">
-                    <a16:creationId xmlns:a16="http://schemas.microsoft.com/office/drawing/2014/main" id="{CAA0A21A-7828-4C81-AEDD-7BB4428F0A1B}"/>
-                  </a:ext>
-                </a:extLst>
-              </p:cNvPr>
-              <p:cNvSpPr txBox="1"/>
-              <p:nvPr/>
-            </p:nvSpPr>
-            <p:spPr>
-              <a:xfrm>
-                <a:off x="-32311" y="3712893"/>
-                <a:ext cx="4604218" cy="523220"/>
-              </a:xfrm>
-              <a:prstGeom prst="rect">
-                <a:avLst/>
-              </a:prstGeom>
-              <a:noFill/>
-            </p:spPr>
-            <p:txBody>
-              <a:bodyPr wrap="square" rtlCol="0">
-                <a:spAutoFit/>
-              </a:bodyPr>
-              <a:lstStyle/>
-              <a:p>
-                <a:r>
-                  <a:rPr lang="it-IT" sz="1400" b="1" dirty="0">
-                    <a:latin typeface="Arial" panose="020B0604020202020204" pitchFamily="34" charset="0"/>
-                    <a:cs typeface="Arial" panose="020B0604020202020204" pitchFamily="34" charset="0"/>
-                  </a:rPr>
-                  <a:t>Step 3</a:t>
-                </a:r>
-                <a:r>
-                  <a:rPr lang="it-IT" sz="1400" dirty="0">
-                    <a:latin typeface="Arial" panose="020B0604020202020204" pitchFamily="34" charset="0"/>
-                    <a:cs typeface="Arial" panose="020B0604020202020204" pitchFamily="34" charset="0"/>
-                  </a:rPr>
-                  <a:t> </a:t>
-                </a:r>
-                <a:r>
-                  <a:rPr lang="it-IT" sz="1400" dirty="0">
-                    <a:latin typeface="Arial" panose="020B0604020202020204" pitchFamily="34" charset="0"/>
-                    <a:cs typeface="Arial" panose="020B0604020202020204" pitchFamily="34" charset="0"/>
-                    <a:sym typeface="Wingdings" panose="05000000000000000000" pitchFamily="2" charset="2"/>
-                  </a:rPr>
-                  <a:t> Sottrai </a:t>
-                </a:r>
-                <a14:m>
-                  <m:oMath xmlns:m="http://schemas.openxmlformats.org/officeDocument/2006/math">
-                    <m:r>
-                      <a:rPr lang="it-IT" sz="1400" b="0" i="1" smtClean="0">
-                        <a:latin typeface="Cambria Math" panose="02040503050406030204" pitchFamily="18" charset="0"/>
-                        <a:cs typeface="Arial" panose="020B0604020202020204" pitchFamily="34" charset="0"/>
-                        <a:sym typeface="Wingdings" panose="05000000000000000000" pitchFamily="2" charset="2"/>
-                      </a:rPr>
-                      <m:t>𝑙𝑖𝑚𝑏𝑤𝑒𝑖𝑔h𝑡</m:t>
-                    </m:r>
-                    <m:d>
-                      <m:dPr>
-                        <m:ctrlPr>
-                          <a:rPr lang="it-IT" sz="1400" b="0" i="1" smtClean="0">
-                            <a:latin typeface="Cambria Math" panose="02040503050406030204" pitchFamily="18" charset="0"/>
-                            <a:cs typeface="Arial" panose="020B0604020202020204" pitchFamily="34" charset="0"/>
-                            <a:sym typeface="Wingdings" panose="05000000000000000000" pitchFamily="2" charset="2"/>
-                          </a:rPr>
-                        </m:ctrlPr>
-                      </m:dPr>
-                      <m:e>
-                        <m:r>
-                          <a:rPr lang="it-IT" sz="1400" b="0" i="1" smtClean="0">
-                            <a:latin typeface="Cambria Math" panose="02040503050406030204" pitchFamily="18" charset="0"/>
-                            <a:cs typeface="Arial" panose="020B0604020202020204" pitchFamily="34" charset="0"/>
-                            <a:sym typeface="Wingdings" panose="05000000000000000000" pitchFamily="2" charset="2"/>
-                          </a:rPr>
-                          <m:t>𝑏</m:t>
-                        </m:r>
-                      </m:e>
-                    </m:d>
-                  </m:oMath>
-                </a14:m>
-                <a:r>
-                  <a:rPr lang="it-IT" sz="1400" dirty="0">
-                    <a:latin typeface="Arial" panose="020B0604020202020204" pitchFamily="34" charset="0"/>
-                    <a:cs typeface="Arial" panose="020B0604020202020204" pitchFamily="34" charset="0"/>
-                    <a:sym typeface="Wingdings" panose="05000000000000000000" pitchFamily="2" charset="2"/>
-                  </a:rPr>
-                  <a:t> nella riga e colonna </a:t>
-                </a:r>
-                <a14:m>
-                  <m:oMath xmlns:m="http://schemas.openxmlformats.org/officeDocument/2006/math">
-                    <m:r>
-                      <a:rPr lang="it-IT" sz="1400" b="0" i="1" smtClean="0">
-                        <a:latin typeface="Cambria Math" panose="02040503050406030204" pitchFamily="18" charset="0"/>
-                        <a:cs typeface="Arial" panose="020B0604020202020204" pitchFamily="34" charset="0"/>
-                        <a:sym typeface="Wingdings" panose="05000000000000000000" pitchFamily="2" charset="2"/>
-                      </a:rPr>
-                      <m:t>𝑏</m:t>
-                    </m:r>
-                  </m:oMath>
-                </a14:m>
-                <a:r>
-                  <a:rPr lang="it-IT" sz="1400" dirty="0">
-                    <a:latin typeface="Arial" panose="020B0604020202020204" pitchFamily="34" charset="0"/>
-                    <a:cs typeface="Arial" panose="020B0604020202020204" pitchFamily="34" charset="0"/>
-                    <a:sym typeface="Wingdings" panose="05000000000000000000" pitchFamily="2" charset="2"/>
-                  </a:rPr>
-                  <a:t> (esclusa la diagonale):</a:t>
-                </a:r>
-                <a:endParaRPr lang="it-IT" sz="1400" b="0" dirty="0">
-                  <a:latin typeface="Arial" panose="020B0604020202020204" pitchFamily="34" charset="0"/>
-                  <a:cs typeface="Arial" panose="020B0604020202020204" pitchFamily="34" charset="0"/>
-                  <a:sym typeface="Wingdings" panose="05000000000000000000" pitchFamily="2" charset="2"/>
-                </a:endParaRPr>
-              </a:p>
-            </p:txBody>
-          </p:sp>
-        </mc:Choice>
-        <mc:Fallback xmlns="">
-          <p:sp>
-            <p:nvSpPr>
-              <p:cNvPr id="17" name="CasellaDiTesto 16">
-                <a:extLst>
-                  <a:ext uri="{FF2B5EF4-FFF2-40B4-BE49-F238E27FC236}">
-                    <a16:creationId xmlns:a16="http://schemas.microsoft.com/office/drawing/2014/main" id="{CAA0A21A-7828-4C81-AEDD-7BB4428F0A1B}"/>
-                  </a:ext>
-                </a:extLst>
-              </p:cNvPr>
-              <p:cNvSpPr txBox="1">
-                <a:spLocks noRot="1" noChangeAspect="1" noMove="1" noResize="1" noEditPoints="1" noAdjustHandles="1" noChangeArrowheads="1" noChangeShapeType="1" noTextEdit="1"/>
-              </p:cNvSpPr>
-              <p:nvPr/>
-            </p:nvSpPr>
-            <p:spPr>
-              <a:xfrm>
-                <a:off x="-32311" y="3712893"/>
-                <a:ext cx="4604218" cy="523220"/>
-              </a:xfrm>
-              <a:prstGeom prst="rect">
-                <a:avLst/>
-              </a:prstGeom>
-              <a:blipFill>
-                <a:blip r:embed="rId11"/>
-                <a:stretch>
-                  <a:fillRect l="-397" t="-2326" b="-11628"/>
-                </a:stretch>
-              </a:blipFill>
-            </p:spPr>
-            <p:txBody>
-              <a:bodyPr/>
-              <a:lstStyle/>
-              <a:p>
-                <a:r>
-                  <a:rPr lang="it-IT">
-                    <a:noFill/>
-                  </a:rPr>
-                  <a:t> </a:t>
-                </a:r>
-              </a:p>
-            </p:txBody>
-          </p:sp>
-        </mc:Fallback>
-      </mc:AlternateContent>
-      <p:pic>
-        <p:nvPicPr>
-          <p:cNvPr id="16" name="Immagine 15">
-            <a:extLst>
-              <a:ext uri="{FF2B5EF4-FFF2-40B4-BE49-F238E27FC236}">
-                <a16:creationId xmlns:a16="http://schemas.microsoft.com/office/drawing/2014/main" id="{D7CF82A1-7176-4F47-9B31-206F33B2C2BC}"/>
-              </a:ext>
-            </a:extLst>
-          </p:cNvPr>
-          <p:cNvPicPr>
-            <a:picLocks noChangeAspect="1"/>
-          </p:cNvPicPr>
-          <p:nvPr/>
-        </p:nvPicPr>
-        <p:blipFill>
-          <a:blip r:embed="rId12"/>
-          <a:stretch>
-            <a:fillRect/>
-          </a:stretch>
-        </p:blipFill>
-        <p:spPr>
-          <a:xfrm>
-            <a:off x="5556726" y="3020650"/>
-            <a:ext cx="3587274" cy="1615018"/>
-          </a:xfrm>
-          <a:prstGeom prst="rect">
-            <a:avLst/>
-          </a:prstGeom>
-        </p:spPr>
-      </p:pic>
-      <p:cxnSp>
-        <p:nvCxnSpPr>
-          <p:cNvPr id="20" name="Connettore 2 19">
-            <a:extLst>
-              <a:ext uri="{FF2B5EF4-FFF2-40B4-BE49-F238E27FC236}">
-                <a16:creationId xmlns:a16="http://schemas.microsoft.com/office/drawing/2014/main" id="{4DEB66D1-DDCF-4004-A3C9-247BE710F380}"/>
-              </a:ext>
-            </a:extLst>
-          </p:cNvPr>
-          <p:cNvCxnSpPr>
-            <a:cxnSpLocks/>
-            <a:stCxn id="17" idx="3"/>
-          </p:cNvCxnSpPr>
-          <p:nvPr/>
-        </p:nvCxnSpPr>
-        <p:spPr>
-          <a:xfrm>
-            <a:off x="4571907" y="3974503"/>
-            <a:ext cx="884013" cy="0"/>
-          </a:xfrm>
-          <a:prstGeom prst="straightConnector1">
-            <a:avLst/>
-          </a:prstGeom>
-          <a:ln>
-            <a:tailEnd type="triangle"/>
-          </a:ln>
-        </p:spPr>
-        <p:style>
-          <a:lnRef idx="2">
-            <a:schemeClr val="accent1"/>
-          </a:lnRef>
-          <a:fillRef idx="0">
-            <a:schemeClr val="accent1"/>
-          </a:fillRef>
-          <a:effectRef idx="1">
-            <a:schemeClr val="accent1"/>
-          </a:effectRef>
-          <a:fontRef idx="minor">
-            <a:schemeClr val="tx1"/>
-          </a:fontRef>
-        </p:style>
-      </p:cxnSp>
-      <mc:AlternateContent xmlns:mc="http://schemas.openxmlformats.org/markup-compatibility/2006" xmlns:a14="http://schemas.microsoft.com/office/drawing/2010/main">
-        <mc:Choice Requires="a14">
-          <p:sp>
-            <p:nvSpPr>
-              <p:cNvPr id="23" name="CasellaDiTesto 22">
-                <a:extLst>
-                  <a:ext uri="{FF2B5EF4-FFF2-40B4-BE49-F238E27FC236}">
-                    <a16:creationId xmlns:a16="http://schemas.microsoft.com/office/drawing/2014/main" id="{395BFC77-03FC-417F-8022-45CE833711FF}"/>
-                  </a:ext>
-                </a:extLst>
-              </p:cNvPr>
-              <p:cNvSpPr txBox="1"/>
-              <p:nvPr/>
-            </p:nvSpPr>
-            <p:spPr>
-              <a:xfrm>
-                <a:off x="-185" y="4821138"/>
-                <a:ext cx="9143817" cy="307777"/>
-              </a:xfrm>
-              <a:prstGeom prst="rect">
-                <a:avLst/>
-              </a:prstGeom>
-              <a:noFill/>
-            </p:spPr>
-            <p:txBody>
-              <a:bodyPr wrap="square" rtlCol="0">
-                <a:spAutoFit/>
-              </a:bodyPr>
-              <a:lstStyle/>
-              <a:p>
-                <a:r>
-                  <a:rPr lang="it-IT" sz="1400" b="1" dirty="0">
-                    <a:latin typeface="Arial" panose="020B0604020202020204" pitchFamily="34" charset="0"/>
-                    <a:cs typeface="Arial" panose="020B0604020202020204" pitchFamily="34" charset="0"/>
-                  </a:rPr>
-                  <a:t>Step 4</a:t>
-                </a:r>
-                <a:r>
-                  <a:rPr lang="it-IT" sz="1400" dirty="0">
-                    <a:latin typeface="Arial" panose="020B0604020202020204" pitchFamily="34" charset="0"/>
-                    <a:cs typeface="Arial" panose="020B0604020202020204" pitchFamily="34" charset="0"/>
-                  </a:rPr>
-                  <a:t> </a:t>
-                </a:r>
-                <a:r>
-                  <a:rPr lang="it-IT" sz="1400" dirty="0">
-                    <a:latin typeface="Arial" panose="020B0604020202020204" pitchFamily="34" charset="0"/>
-                    <a:cs typeface="Arial" panose="020B0604020202020204" pitchFamily="34" charset="0"/>
-                    <a:sym typeface="Wingdings" panose="05000000000000000000" pitchFamily="2" charset="2"/>
-                  </a:rPr>
-                  <a:t> Applica nuovamente il teorema del peso degli arti, con </a:t>
-                </a:r>
-                <a14:m>
-                  <m:oMath xmlns:m="http://schemas.openxmlformats.org/officeDocument/2006/math">
-                    <m:r>
-                      <a:rPr lang="it-IT" sz="1400" b="0" i="1" smtClean="0">
-                        <a:latin typeface="Cambria Math" panose="02040503050406030204" pitchFamily="18" charset="0"/>
-                        <a:cs typeface="Arial" panose="020B0604020202020204" pitchFamily="34" charset="0"/>
-                        <a:sym typeface="Wingdings" panose="05000000000000000000" pitchFamily="2" charset="2"/>
-                      </a:rPr>
-                      <m:t>𝑙𝑖𝑚𝑏𝑤𝑒𝑖𝑔h𝑡</m:t>
-                    </m:r>
-                    <m:d>
-                      <m:dPr>
-                        <m:ctrlPr>
-                          <a:rPr lang="it-IT" sz="1400" b="0" i="1" smtClean="0">
-                            <a:latin typeface="Cambria Math" panose="02040503050406030204" pitchFamily="18" charset="0"/>
-                            <a:cs typeface="Arial" panose="020B0604020202020204" pitchFamily="34" charset="0"/>
-                            <a:sym typeface="Wingdings" panose="05000000000000000000" pitchFamily="2" charset="2"/>
-                          </a:rPr>
-                        </m:ctrlPr>
-                      </m:dPr>
-                      <m:e>
-                        <m:r>
-                          <a:rPr lang="it-IT" sz="1400" b="0" i="1" smtClean="0">
-                            <a:latin typeface="Cambria Math" panose="02040503050406030204" pitchFamily="18" charset="0"/>
-                            <a:cs typeface="Arial" panose="020B0604020202020204" pitchFamily="34" charset="0"/>
-                            <a:sym typeface="Wingdings" panose="05000000000000000000" pitchFamily="2" charset="2"/>
-                          </a:rPr>
-                          <m:t>𝑏</m:t>
-                        </m:r>
-                      </m:e>
-                    </m:d>
-                    <m:r>
-                      <a:rPr lang="it-IT" sz="1400" b="0" i="1" smtClean="0">
-                        <a:latin typeface="Cambria Math" panose="02040503050406030204" pitchFamily="18" charset="0"/>
-                        <a:cs typeface="Arial" panose="020B0604020202020204" pitchFamily="34" charset="0"/>
-                        <a:sym typeface="Wingdings" panose="05000000000000000000" pitchFamily="2" charset="2"/>
-                      </a:rPr>
-                      <m:t>=0</m:t>
-                    </m:r>
-                  </m:oMath>
-                </a14:m>
-                <a:r>
-                  <a:rPr lang="it-IT" sz="1400" b="0" dirty="0">
-                    <a:latin typeface="Arial" panose="020B0604020202020204" pitchFamily="34" charset="0"/>
-                    <a:cs typeface="Arial" panose="020B0604020202020204" pitchFamily="34" charset="0"/>
-                    <a:sym typeface="Wingdings" panose="05000000000000000000" pitchFamily="2" charset="2"/>
-                  </a:rPr>
-                  <a:t>.  </a:t>
-                </a:r>
-              </a:p>
-            </p:txBody>
-          </p:sp>
-        </mc:Choice>
-        <mc:Fallback xmlns="">
-          <p:sp>
-            <p:nvSpPr>
-              <p:cNvPr id="23" name="CasellaDiTesto 22">
-                <a:extLst>
-                  <a:ext uri="{FF2B5EF4-FFF2-40B4-BE49-F238E27FC236}">
-                    <a16:creationId xmlns:a16="http://schemas.microsoft.com/office/drawing/2014/main" id="{395BFC77-03FC-417F-8022-45CE833711FF}"/>
-                  </a:ext>
-                </a:extLst>
-              </p:cNvPr>
-              <p:cNvSpPr txBox="1">
-                <a:spLocks noRot="1" noChangeAspect="1" noMove="1" noResize="1" noEditPoints="1" noAdjustHandles="1" noChangeArrowheads="1" noChangeShapeType="1" noTextEdit="1"/>
-              </p:cNvSpPr>
-              <p:nvPr/>
-            </p:nvSpPr>
-            <p:spPr>
-              <a:xfrm>
-                <a:off x="-185" y="4821138"/>
-                <a:ext cx="9143817" cy="307777"/>
-              </a:xfrm>
-              <a:prstGeom prst="rect">
-                <a:avLst/>
-              </a:prstGeom>
-              <a:blipFill>
-                <a:blip r:embed="rId13"/>
-                <a:stretch>
-                  <a:fillRect l="-200" t="-4000" b="-20000"/>
-                </a:stretch>
-              </a:blipFill>
-            </p:spPr>
-            <p:txBody>
-              <a:bodyPr/>
-              <a:lstStyle/>
-              <a:p>
-                <a:r>
-                  <a:rPr lang="it-IT">
-                    <a:noFill/>
-                  </a:rPr>
-                  <a:t> </a:t>
-                </a:r>
-              </a:p>
-            </p:txBody>
-          </p:sp>
-        </mc:Fallback>
-      </mc:AlternateContent>
-      <p:pic>
-        <p:nvPicPr>
-          <p:cNvPr id="28" name="Immagine 27">
-            <a:extLst>
-              <a:ext uri="{FF2B5EF4-FFF2-40B4-BE49-F238E27FC236}">
-                <a16:creationId xmlns:a16="http://schemas.microsoft.com/office/drawing/2014/main" id="{7C9E9640-F024-4F1A-BE38-FB55EA44055C}"/>
-              </a:ext>
-            </a:extLst>
-          </p:cNvPr>
-          <p:cNvPicPr>
-            <a:picLocks noChangeAspect="1"/>
-          </p:cNvPicPr>
-          <p:nvPr>
-            <p:custDataLst>
-              <p:tags r:id="rId2"/>
-            </p:custDataLst>
-          </p:nvPr>
-        </p:nvPicPr>
-        <p:blipFill>
-          <a:blip r:embed="rId14"/>
-          <a:stretch>
-            <a:fillRect/>
-          </a:stretch>
-        </p:blipFill>
-        <p:spPr>
-          <a:xfrm>
-            <a:off x="82200" y="5402088"/>
-            <a:ext cx="6319964" cy="311852"/>
-          </a:xfrm>
-          <a:prstGeom prst="rect">
-            <a:avLst/>
-          </a:prstGeom>
-        </p:spPr>
-      </p:pic>
-      <p:pic>
-        <p:nvPicPr>
-          <p:cNvPr id="33" name="Immagine 32">
-            <a:extLst>
-              <a:ext uri="{FF2B5EF4-FFF2-40B4-BE49-F238E27FC236}">
-                <a16:creationId xmlns:a16="http://schemas.microsoft.com/office/drawing/2014/main" id="{965304D6-894B-4333-BF5F-7EB150B5FA9E}"/>
-              </a:ext>
-            </a:extLst>
-          </p:cNvPr>
-          <p:cNvPicPr>
-            <a:picLocks noChangeAspect="1"/>
-          </p:cNvPicPr>
-          <p:nvPr>
-            <p:custDataLst>
-              <p:tags r:id="rId3"/>
-            </p:custDataLst>
-          </p:nvPr>
-        </p:nvPicPr>
-        <p:blipFill>
-          <a:blip r:embed="rId15"/>
-          <a:stretch>
-            <a:fillRect/>
-          </a:stretch>
-        </p:blipFill>
-        <p:spPr>
-          <a:xfrm>
-            <a:off x="6484365" y="5381439"/>
-            <a:ext cx="2127816" cy="314615"/>
-          </a:xfrm>
-          <a:prstGeom prst="rect">
-            <a:avLst/>
-          </a:prstGeom>
-        </p:spPr>
-      </p:pic>
-      <p:pic>
-        <p:nvPicPr>
-          <p:cNvPr id="36" name="Immagine 35">
-            <a:extLst>
-              <a:ext uri="{FF2B5EF4-FFF2-40B4-BE49-F238E27FC236}">
-                <a16:creationId xmlns:a16="http://schemas.microsoft.com/office/drawing/2014/main" id="{ECF23CA1-6269-40DC-A680-BF291C2DBDD7}"/>
-              </a:ext>
-            </a:extLst>
-          </p:cNvPr>
-          <p:cNvPicPr>
-            <a:picLocks noChangeAspect="1"/>
-          </p:cNvPicPr>
-          <p:nvPr>
-            <p:custDataLst>
-              <p:tags r:id="rId4"/>
-            </p:custDataLst>
-          </p:nvPr>
-        </p:nvPicPr>
-        <p:blipFill>
-          <a:blip r:embed="rId16"/>
-          <a:stretch>
-            <a:fillRect/>
-          </a:stretch>
-        </p:blipFill>
-        <p:spPr>
-          <a:xfrm>
-            <a:off x="72041" y="6026689"/>
-            <a:ext cx="1851723" cy="231642"/>
-          </a:xfrm>
-          <a:prstGeom prst="rect">
-            <a:avLst/>
-          </a:prstGeom>
-        </p:spPr>
-      </p:pic>
-      <mc:AlternateContent xmlns:mc="http://schemas.openxmlformats.org/markup-compatibility/2006" xmlns:a14="http://schemas.microsoft.com/office/drawing/2010/main">
-        <mc:Choice Requires="a14">
-          <p:sp>
-            <p:nvSpPr>
-              <p:cNvPr id="39" name="CasellaDiTesto 38">
-                <a:extLst>
-                  <a:ext uri="{FF2B5EF4-FFF2-40B4-BE49-F238E27FC236}">
-                    <a16:creationId xmlns:a16="http://schemas.microsoft.com/office/drawing/2014/main" id="{183372F0-4B5E-4337-B922-5F5999E94642}"/>
-                  </a:ext>
-                </a:extLst>
-              </p:cNvPr>
-              <p:cNvSpPr txBox="1"/>
-              <p:nvPr/>
-            </p:nvSpPr>
-            <p:spPr>
-              <a:xfrm>
-                <a:off x="3143840" y="5967536"/>
-                <a:ext cx="3740145" cy="307777"/>
-              </a:xfrm>
-              <a:prstGeom prst="rect">
-                <a:avLst/>
-              </a:prstGeom>
-              <a:noFill/>
-            </p:spPr>
-            <p:txBody>
-              <a:bodyPr wrap="square" rtlCol="0">
-                <a:spAutoFit/>
-              </a:bodyPr>
-              <a:lstStyle/>
-              <a:p>
-                <a:r>
-                  <a:rPr lang="it-IT" sz="1400" b="0" dirty="0">
-                    <a:cs typeface="Arial" panose="020B0604020202020204" pitchFamily="34" charset="0"/>
-                    <a:sym typeface="Wingdings" panose="05000000000000000000" pitchFamily="2" charset="2"/>
-                  </a:rPr>
-                  <a:t>La foglia </a:t>
-                </a:r>
-                <a14:m>
-                  <m:oMath xmlns:m="http://schemas.openxmlformats.org/officeDocument/2006/math">
-                    <m:r>
-                      <a:rPr lang="it-IT" sz="1400" b="0" i="1" smtClean="0">
-                        <a:latin typeface="Cambria Math" panose="02040503050406030204" pitchFamily="18" charset="0"/>
-                        <a:cs typeface="Arial" panose="020B0604020202020204" pitchFamily="34" charset="0"/>
-                        <a:sym typeface="Wingdings" panose="05000000000000000000" pitchFamily="2" charset="2"/>
-                      </a:rPr>
-                      <m:t>𝑏</m:t>
-                    </m:r>
-                  </m:oMath>
-                </a14:m>
-                <a:r>
-                  <a:rPr lang="it-IT" sz="1400" dirty="0">
-                    <a:latin typeface="Arial" panose="020B0604020202020204" pitchFamily="34" charset="0"/>
-                    <a:cs typeface="Arial" panose="020B0604020202020204" pitchFamily="34" charset="0"/>
-                    <a:sym typeface="Wingdings" panose="05000000000000000000" pitchFamily="2" charset="2"/>
-                  </a:rPr>
-                  <a:t> è lungo l’arco che collega </a:t>
-                </a:r>
-                <a14:m>
-                  <m:oMath xmlns:m="http://schemas.openxmlformats.org/officeDocument/2006/math">
-                    <m:r>
-                      <a:rPr lang="it-IT" sz="1400" b="0" i="1" smtClean="0">
-                        <a:latin typeface="Cambria Math" panose="02040503050406030204" pitchFamily="18" charset="0"/>
-                        <a:cs typeface="Arial" panose="020B0604020202020204" pitchFamily="34" charset="0"/>
-                        <a:sym typeface="Wingdings" panose="05000000000000000000" pitchFamily="2" charset="2"/>
-                      </a:rPr>
-                      <m:t>𝑓</m:t>
-                    </m:r>
-                  </m:oMath>
-                </a14:m>
-                <a:r>
-                  <a:rPr lang="it-IT" sz="1400" dirty="0">
-                    <a:latin typeface="Arial" panose="020B0604020202020204" pitchFamily="34" charset="0"/>
-                    <a:cs typeface="Arial" panose="020B0604020202020204" pitchFamily="34" charset="0"/>
-                    <a:sym typeface="Wingdings" panose="05000000000000000000" pitchFamily="2" charset="2"/>
-                  </a:rPr>
-                  <a:t> con </a:t>
-                </a:r>
-                <a14:m>
-                  <m:oMath xmlns:m="http://schemas.openxmlformats.org/officeDocument/2006/math">
-                    <m:r>
-                      <a:rPr lang="it-IT" sz="1400" b="0" i="1" smtClean="0">
-                        <a:latin typeface="Cambria Math" panose="02040503050406030204" pitchFamily="18" charset="0"/>
-                        <a:cs typeface="Arial" panose="020B0604020202020204" pitchFamily="34" charset="0"/>
-                        <a:sym typeface="Wingdings" panose="05000000000000000000" pitchFamily="2" charset="2"/>
-                      </a:rPr>
-                      <m:t>𝑢</m:t>
-                    </m:r>
-                  </m:oMath>
-                </a14:m>
-                <a:r>
-                  <a:rPr lang="it-IT" sz="1400" dirty="0">
-                    <a:latin typeface="Arial" panose="020B0604020202020204" pitchFamily="34" charset="0"/>
-                    <a:cs typeface="Arial" panose="020B0604020202020204" pitchFamily="34" charset="0"/>
-                    <a:sym typeface="Wingdings" panose="05000000000000000000" pitchFamily="2" charset="2"/>
-                  </a:rPr>
-                  <a:t>.</a:t>
-                </a:r>
-              </a:p>
-            </p:txBody>
-          </p:sp>
-        </mc:Choice>
-        <mc:Fallback xmlns="">
-          <p:sp>
-            <p:nvSpPr>
-              <p:cNvPr id="39" name="CasellaDiTesto 38">
-                <a:extLst>
-                  <a:ext uri="{FF2B5EF4-FFF2-40B4-BE49-F238E27FC236}">
-                    <a16:creationId xmlns:a16="http://schemas.microsoft.com/office/drawing/2014/main" id="{183372F0-4B5E-4337-B922-5F5999E94642}"/>
-                  </a:ext>
-                </a:extLst>
-              </p:cNvPr>
-              <p:cNvSpPr txBox="1">
-                <a:spLocks noRot="1" noChangeAspect="1" noMove="1" noResize="1" noEditPoints="1" noAdjustHandles="1" noChangeArrowheads="1" noChangeShapeType="1" noTextEdit="1"/>
-              </p:cNvSpPr>
-              <p:nvPr/>
-            </p:nvSpPr>
-            <p:spPr>
-              <a:xfrm>
-                <a:off x="3143840" y="5967536"/>
-                <a:ext cx="3740145" cy="307777"/>
-              </a:xfrm>
-              <a:prstGeom prst="rect">
-                <a:avLst/>
-              </a:prstGeom>
-              <a:blipFill>
-                <a:blip r:embed="rId17"/>
-                <a:stretch>
-                  <a:fillRect l="-489" t="-4000" b="-22000"/>
-                </a:stretch>
-              </a:blipFill>
-            </p:spPr>
-            <p:txBody>
-              <a:bodyPr/>
-              <a:lstStyle/>
-              <a:p>
-                <a:r>
-                  <a:rPr lang="it-IT">
-                    <a:noFill/>
-                  </a:rPr>
-                  <a:t> </a:t>
-                </a:r>
-              </a:p>
-            </p:txBody>
-          </p:sp>
-        </mc:Fallback>
-      </mc:AlternateContent>
-      <p:cxnSp>
-        <p:nvCxnSpPr>
-          <p:cNvPr id="42" name="Connettore 2 41">
-            <a:extLst>
-              <a:ext uri="{FF2B5EF4-FFF2-40B4-BE49-F238E27FC236}">
-                <a16:creationId xmlns:a16="http://schemas.microsoft.com/office/drawing/2014/main" id="{55149745-2017-4AE4-AA09-89EDD19D3AF7}"/>
-              </a:ext>
-            </a:extLst>
-          </p:cNvPr>
-          <p:cNvCxnSpPr>
-            <a:cxnSpLocks/>
-          </p:cNvCxnSpPr>
-          <p:nvPr/>
-        </p:nvCxnSpPr>
-        <p:spPr>
-          <a:xfrm flipV="1">
-            <a:off x="2082800" y="6121425"/>
-            <a:ext cx="1061040" cy="8714"/>
-          </a:xfrm>
-          <a:prstGeom prst="straightConnector1">
-            <a:avLst/>
-          </a:prstGeom>
-          <a:ln>
-            <a:tailEnd type="triangle"/>
-          </a:ln>
-        </p:spPr>
-        <p:style>
-          <a:lnRef idx="2">
-            <a:schemeClr val="accent1"/>
-          </a:lnRef>
-          <a:fillRef idx="0">
-            <a:schemeClr val="accent1"/>
-          </a:fillRef>
-          <a:effectRef idx="1">
-            <a:schemeClr val="accent1"/>
-          </a:effectRef>
-          <a:fontRef idx="minor">
-            <a:schemeClr val="tx1"/>
-          </a:fontRef>
-        </p:style>
-      </p:cxnSp>
-    </p:spTree>
-    <p:extLst>
-      <p:ext uri="{BB962C8B-B14F-4D97-AF65-F5344CB8AC3E}">
-        <p14:creationId xmlns:p14="http://schemas.microsoft.com/office/powerpoint/2010/main" val="1354716641"/>
-      </p:ext>
-    </p:extLst>
-  </p:cSld>
-  <p:clrMapOvr>
-    <a:masterClrMapping/>
-  </p:clrMapOvr>
-</p:sld>
-</file>
-
-<file path=ppt/slides/slide12.xml><?xml version="1.0" encoding="utf-8"?>
-<p:sld xmlns:a="http://schemas.openxmlformats.org/drawingml/2006/main" xmlns:r="http://schemas.openxmlformats.org/officeDocument/2006/relationships" xmlns:p="http://schemas.openxmlformats.org/presentationml/2006/main">
-  <p:cSld>
-    <p:spTree>
-      <p:nvGrpSpPr>
-        <p:cNvPr id="1" name=""/>
-        <p:cNvGrpSpPr/>
-        <p:nvPr/>
-      </p:nvGrpSpPr>
-      <p:grpSpPr>
-        <a:xfrm>
-          <a:off x="0" y="0"/>
-          <a:ext cx="0" cy="0"/>
-          <a:chOff x="0" y="0"/>
-          <a:chExt cx="0" cy="0"/>
-        </a:xfrm>
-      </p:grpSpPr>
-      <p:pic>
-        <p:nvPicPr>
-          <p:cNvPr id="2" name="Immagine 1"/>
-          <p:cNvPicPr>
-            <a:picLocks noChangeAspect="1"/>
-          </p:cNvPicPr>
-          <p:nvPr/>
-        </p:nvPicPr>
-        <p:blipFill>
-          <a:blip r:embed="rId3"/>
-          <a:stretch>
-            <a:fillRect/>
-          </a:stretch>
-        </p:blipFill>
-        <p:spPr>
-          <a:xfrm>
-            <a:off x="-1" y="3123"/>
-            <a:ext cx="9143817" cy="6872495"/>
-          </a:xfrm>
-          <a:prstGeom prst="rect">
-            <a:avLst/>
-          </a:prstGeom>
-        </p:spPr>
-      </p:pic>
-      <p:sp>
-        <p:nvSpPr>
-          <p:cNvPr id="7" name="CasellaDiTesto 6"/>
-          <p:cNvSpPr txBox="1"/>
-          <p:nvPr/>
-        </p:nvSpPr>
-        <p:spPr>
-          <a:xfrm>
-            <a:off x="9061" y="649703"/>
-            <a:ext cx="2490299" cy="461665"/>
-          </a:xfrm>
-          <a:prstGeom prst="rect">
-            <a:avLst/>
-          </a:prstGeom>
-          <a:noFill/>
-        </p:spPr>
-        <p:txBody>
-          <a:bodyPr wrap="square" rtlCol="0">
-            <a:spAutoFit/>
-          </a:bodyPr>
-          <a:lstStyle/>
-          <a:p>
-            <a:r>
-              <a:rPr lang="it-IT" sz="2400" b="1" dirty="0">
-                <a:solidFill>
-                  <a:schemeClr val="accent1">
-                    <a:lumMod val="75000"/>
-                  </a:schemeClr>
-                </a:solidFill>
-                <a:latin typeface="Arial"/>
-                <a:cs typeface="Arial"/>
-              </a:rPr>
-              <a:t>Albero Additivo</a:t>
-            </a:r>
-          </a:p>
-        </p:txBody>
-      </p:sp>
-      <p:sp>
-        <p:nvSpPr>
-          <p:cNvPr id="12" name="Rettangolo 11"/>
-          <p:cNvSpPr/>
-          <p:nvPr/>
-        </p:nvSpPr>
-        <p:spPr>
-          <a:xfrm>
-            <a:off x="8255000" y="6366466"/>
-            <a:ext cx="280763" cy="501650"/>
-          </a:xfrm>
-          <a:prstGeom prst="rect">
-            <a:avLst/>
-          </a:prstGeom>
-          <a:solidFill>
-            <a:srgbClr val="003053"/>
-          </a:solidFill>
-        </p:spPr>
-        <p:style>
-          <a:lnRef idx="1">
-            <a:schemeClr val="accent1"/>
-          </a:lnRef>
-          <a:fillRef idx="3">
-            <a:schemeClr val="accent1"/>
-          </a:fillRef>
-          <a:effectRef idx="2">
-            <a:schemeClr val="accent1"/>
-          </a:effectRef>
-          <a:fontRef idx="minor">
-            <a:schemeClr val="lt1"/>
-          </a:fontRef>
-        </p:style>
-        <p:txBody>
-          <a:bodyPr rtlCol="0" anchor="ctr"/>
-          <a:lstStyle/>
-          <a:p>
-            <a:pPr algn="ctr"/>
-            <a:endParaRPr lang="it-IT">
-              <a:solidFill>
-                <a:srgbClr val="003257"/>
-              </a:solidFill>
-            </a:endParaRPr>
-          </a:p>
-        </p:txBody>
-      </p:sp>
-      <p:sp>
-        <p:nvSpPr>
-          <p:cNvPr id="11" name="Segnaposto numero diapositiva 10"/>
-          <p:cNvSpPr>
-            <a:spLocks noGrp="1"/>
-          </p:cNvSpPr>
-          <p:nvPr>
-            <p:ph type="sldNum" sz="quarter" idx="12"/>
-          </p:nvPr>
-        </p:nvSpPr>
-        <p:spPr>
-          <a:xfrm>
-            <a:off x="6402163" y="6356350"/>
-            <a:ext cx="2133600" cy="365125"/>
-          </a:xfrm>
-        </p:spPr>
-        <p:txBody>
-          <a:bodyPr/>
-          <a:lstStyle/>
-          <a:p>
-            <a:fld id="{8EB8520A-26EA-DE4B-B141-4532FC98FF0E}" type="slidenum">
-              <a:rPr lang="it-IT" b="1" smtClean="0">
-                <a:solidFill>
-                  <a:schemeClr val="bg1"/>
-                </a:solidFill>
-                <a:latin typeface="Arial"/>
-                <a:cs typeface="Arial"/>
-              </a:rPr>
-              <a:pPr/>
-              <a:t>12</a:t>
-            </a:fld>
-            <a:endParaRPr lang="it-IT" b="1" dirty="0">
-              <a:solidFill>
-                <a:schemeClr val="bg1"/>
-              </a:solidFill>
-              <a:latin typeface="Arial"/>
-              <a:cs typeface="Arial"/>
-            </a:endParaRPr>
-          </a:p>
-        </p:txBody>
-      </p:sp>
-      <p:sp>
-        <p:nvSpPr>
-          <p:cNvPr id="10" name="CasellaDiTesto 9"/>
-          <p:cNvSpPr txBox="1"/>
-          <p:nvPr/>
-        </p:nvSpPr>
-        <p:spPr>
-          <a:xfrm>
-            <a:off x="5735951" y="51433"/>
-            <a:ext cx="2957862" cy="215444"/>
-          </a:xfrm>
-          <a:prstGeom prst="rect">
-            <a:avLst/>
-          </a:prstGeom>
-          <a:noFill/>
-        </p:spPr>
-        <p:txBody>
-          <a:bodyPr wrap="none" rtlCol="0">
-            <a:spAutoFit/>
-          </a:bodyPr>
-          <a:lstStyle/>
-          <a:p>
-            <a:pPr algn="r"/>
-            <a:r>
-              <a:rPr lang="it-IT" sz="800" b="1" dirty="0">
-                <a:solidFill>
-                  <a:schemeClr val="bg1"/>
-                </a:solidFill>
-                <a:latin typeface="Arial"/>
-                <a:cs typeface="Arial"/>
-              </a:rPr>
-              <a:t>Applicazioni dell’algoritmica alla biologia: alberi evolutivi</a:t>
-            </a:r>
-          </a:p>
-        </p:txBody>
-      </p:sp>
-      <p:sp>
-        <p:nvSpPr>
-          <p:cNvPr id="14" name="CasellaDiTesto 13"/>
-          <p:cNvSpPr txBox="1"/>
-          <p:nvPr/>
-        </p:nvSpPr>
-        <p:spPr>
-          <a:xfrm>
-            <a:off x="7082015" y="403482"/>
-            <a:ext cx="1621846" cy="492443"/>
-          </a:xfrm>
-          <a:prstGeom prst="rect">
-            <a:avLst/>
-          </a:prstGeom>
-          <a:noFill/>
-        </p:spPr>
-        <p:txBody>
-          <a:bodyPr wrap="none" rtlCol="0">
-            <a:spAutoFit/>
-          </a:bodyPr>
-          <a:lstStyle/>
-          <a:p>
-            <a:pPr algn="r"/>
-            <a:r>
-              <a:rPr lang="it-IT" sz="800" dirty="0">
-                <a:solidFill>
-                  <a:schemeClr val="bg1"/>
-                </a:solidFill>
-                <a:latin typeface="Arial"/>
-                <a:cs typeface="Arial"/>
-              </a:rPr>
-              <a:t>Firenze, 12 luglio 2019</a:t>
-            </a:r>
-          </a:p>
-          <a:p>
-            <a:endParaRPr lang="it-IT" dirty="0"/>
-          </a:p>
-        </p:txBody>
-      </p:sp>
-      <p:sp>
-        <p:nvSpPr>
-          <p:cNvPr id="53" name="CasellaDiTesto 52">
-            <a:extLst>
-              <a:ext uri="{FF2B5EF4-FFF2-40B4-BE49-F238E27FC236}">
-                <a16:creationId xmlns:a16="http://schemas.microsoft.com/office/drawing/2014/main" id="{C4172192-17B0-4035-AFD1-CBC8BDE7E4CD}"/>
-              </a:ext>
-            </a:extLst>
-          </p:cNvPr>
-          <p:cNvSpPr txBox="1"/>
-          <p:nvPr/>
-        </p:nvSpPr>
-        <p:spPr>
-          <a:xfrm>
-            <a:off x="9062" y="1077183"/>
-            <a:ext cx="1082892" cy="369332"/>
-          </a:xfrm>
-          <a:prstGeom prst="rect">
-            <a:avLst/>
-          </a:prstGeom>
-          <a:noFill/>
-        </p:spPr>
-        <p:txBody>
-          <a:bodyPr wrap="square" rtlCol="0">
-            <a:spAutoFit/>
-          </a:bodyPr>
-          <a:lstStyle/>
-          <a:p>
-            <a:r>
-              <a:rPr lang="it-IT" i="1" dirty="0">
-                <a:latin typeface="Arial"/>
-                <a:cs typeface="Arial"/>
-              </a:rPr>
-              <a:t>Parte 3</a:t>
-            </a:r>
-          </a:p>
-        </p:txBody>
-      </p:sp>
-      <mc:AlternateContent xmlns:mc="http://schemas.openxmlformats.org/markup-compatibility/2006" xmlns:a14="http://schemas.microsoft.com/office/drawing/2010/main">
-        <mc:Choice Requires="a14">
-          <p:sp>
-            <p:nvSpPr>
-              <p:cNvPr id="9" name="CasellaDiTesto 8">
-                <a:extLst>
-                  <a:ext uri="{FF2B5EF4-FFF2-40B4-BE49-F238E27FC236}">
-                    <a16:creationId xmlns:a16="http://schemas.microsoft.com/office/drawing/2014/main" id="{0FE0B87E-F336-4CE9-8C15-97BB1056FE04}"/>
-                  </a:ext>
-                </a:extLst>
-              </p:cNvPr>
-              <p:cNvSpPr txBox="1"/>
-              <p:nvPr/>
-            </p:nvSpPr>
-            <p:spPr>
-              <a:xfrm>
-                <a:off x="9061" y="1655899"/>
-                <a:ext cx="7428059" cy="307777"/>
-              </a:xfrm>
-              <a:prstGeom prst="rect">
-                <a:avLst/>
-              </a:prstGeom>
-              <a:noFill/>
-            </p:spPr>
-            <p:txBody>
-              <a:bodyPr wrap="square" rtlCol="0">
-                <a:spAutoFit/>
-              </a:bodyPr>
-              <a:lstStyle/>
-              <a:p>
-                <a:r>
-                  <a:rPr lang="it-IT" sz="1400" b="1" dirty="0">
-                    <a:latin typeface="Arial" panose="020B0604020202020204" pitchFamily="34" charset="0"/>
-                    <a:cs typeface="Arial" panose="020B0604020202020204" pitchFamily="34" charset="0"/>
-                  </a:rPr>
-                  <a:t>Step 5</a:t>
-                </a:r>
-                <a:r>
-                  <a:rPr lang="it-IT" sz="1400" dirty="0">
-                    <a:latin typeface="Arial" panose="020B0604020202020204" pitchFamily="34" charset="0"/>
-                    <a:cs typeface="Arial" panose="020B0604020202020204" pitchFamily="34" charset="0"/>
-                  </a:rPr>
-                  <a:t> </a:t>
-                </a:r>
-                <a:r>
-                  <a:rPr lang="it-IT" sz="1400" dirty="0">
-                    <a:latin typeface="Arial" panose="020B0604020202020204" pitchFamily="34" charset="0"/>
-                    <a:cs typeface="Arial" panose="020B0604020202020204" pitchFamily="34" charset="0"/>
-                    <a:sym typeface="Wingdings" panose="05000000000000000000" pitchFamily="2" charset="2"/>
-                  </a:rPr>
-                  <a:t> Rimuovi </a:t>
-                </a:r>
-                <a14:m>
-                  <m:oMath xmlns:m="http://schemas.openxmlformats.org/officeDocument/2006/math">
-                    <m:r>
-                      <a:rPr lang="it-IT" sz="1400" b="0" i="1" smtClean="0">
-                        <a:latin typeface="Cambria Math" panose="02040503050406030204" pitchFamily="18" charset="0"/>
-                        <a:cs typeface="Arial" panose="020B0604020202020204" pitchFamily="34" charset="0"/>
-                        <a:sym typeface="Wingdings" panose="05000000000000000000" pitchFamily="2" charset="2"/>
-                      </a:rPr>
-                      <m:t>𝑏</m:t>
-                    </m:r>
-                  </m:oMath>
-                </a14:m>
-                <a:r>
-                  <a:rPr lang="it-IT" sz="1400" b="0" dirty="0">
-                    <a:latin typeface="Arial" panose="020B0604020202020204" pitchFamily="34" charset="0"/>
-                    <a:cs typeface="Arial" panose="020B0604020202020204" pitchFamily="34" charset="0"/>
-                    <a:sym typeface="Wingdings" panose="05000000000000000000" pitchFamily="2" charset="2"/>
-                  </a:rPr>
-                  <a:t> da </a:t>
-                </a:r>
-                <a14:m>
-                  <m:oMath xmlns:m="http://schemas.openxmlformats.org/officeDocument/2006/math">
-                    <m:r>
-                      <a:rPr lang="it-IT" sz="1400" b="0" i="1" smtClean="0">
-                        <a:latin typeface="Cambria Math" panose="02040503050406030204" pitchFamily="18" charset="0"/>
-                        <a:cs typeface="Arial" panose="020B0604020202020204" pitchFamily="34" charset="0"/>
-                        <a:sym typeface="Wingdings" panose="05000000000000000000" pitchFamily="2" charset="2"/>
-                      </a:rPr>
-                      <m:t>𝐷</m:t>
-                    </m:r>
-                  </m:oMath>
-                </a14:m>
-                <a:r>
-                  <a:rPr lang="it-IT" sz="1400" b="0" dirty="0">
-                    <a:latin typeface="Arial" panose="020B0604020202020204" pitchFamily="34" charset="0"/>
-                    <a:cs typeface="Arial" panose="020B0604020202020204" pitchFamily="34" charset="0"/>
-                    <a:sym typeface="Wingdings" panose="05000000000000000000" pitchFamily="2" charset="2"/>
-                  </a:rPr>
-                  <a:t> e </a:t>
-                </a:r>
-                <a:r>
-                  <a:rPr lang="it-IT" sz="1400" b="0" i="1" dirty="0">
-                    <a:latin typeface="Arial" panose="020B0604020202020204" pitchFamily="34" charset="0"/>
-                    <a:cs typeface="Arial" panose="020B0604020202020204" pitchFamily="34" charset="0"/>
-                    <a:sym typeface="Wingdings" panose="05000000000000000000" pitchFamily="2" charset="2"/>
-                  </a:rPr>
-                  <a:t>riesegui tutti gli step </a:t>
-                </a:r>
-                <a:r>
-                  <a:rPr lang="it-IT" sz="1400" b="0" dirty="0">
-                    <a:latin typeface="Arial" panose="020B0604020202020204" pitchFamily="34" charset="0"/>
-                    <a:cs typeface="Arial" panose="020B0604020202020204" pitchFamily="34" charset="0"/>
-                    <a:sym typeface="Wingdings" panose="05000000000000000000" pitchFamily="2" charset="2"/>
-                  </a:rPr>
-                  <a:t>fino a che non si ottiene  una matrice </a:t>
-                </a:r>
-                <a14:m>
-                  <m:oMath xmlns:m="http://schemas.openxmlformats.org/officeDocument/2006/math">
-                    <m:r>
-                      <a:rPr lang="it-IT" sz="1400" b="0" i="1" smtClean="0">
-                        <a:latin typeface="Cambria Math" panose="02040503050406030204" pitchFamily="18" charset="0"/>
-                        <a:cs typeface="Arial" panose="020B0604020202020204" pitchFamily="34" charset="0"/>
-                        <a:sym typeface="Wingdings" panose="05000000000000000000" pitchFamily="2" charset="2"/>
-                      </a:rPr>
-                      <m:t>2</m:t>
-                    </m:r>
-                    <m:r>
-                      <a:rPr lang="it-IT" sz="1400" b="0" i="1" smtClean="0">
-                        <a:latin typeface="Cambria Math" panose="02040503050406030204" pitchFamily="18" charset="0"/>
-                        <a:ea typeface="Cambria Math" panose="02040503050406030204" pitchFamily="18" charset="0"/>
-                        <a:cs typeface="Arial" panose="020B0604020202020204" pitchFamily="34" charset="0"/>
-                        <a:sym typeface="Wingdings" panose="05000000000000000000" pitchFamily="2" charset="2"/>
-                      </a:rPr>
-                      <m:t>×2</m:t>
-                    </m:r>
-                  </m:oMath>
-                </a14:m>
-                <a:r>
-                  <a:rPr lang="it-IT" sz="1400" b="0" dirty="0">
-                    <a:latin typeface="Arial" panose="020B0604020202020204" pitchFamily="34" charset="0"/>
-                    <a:cs typeface="Arial" panose="020B0604020202020204" pitchFamily="34" charset="0"/>
-                    <a:sym typeface="Wingdings" panose="05000000000000000000" pitchFamily="2" charset="2"/>
-                  </a:rPr>
-                  <a:t>;</a:t>
-                </a:r>
-              </a:p>
-            </p:txBody>
-          </p:sp>
-        </mc:Choice>
-        <mc:Fallback xmlns="">
-          <p:sp>
-            <p:nvSpPr>
-              <p:cNvPr id="9" name="CasellaDiTesto 8">
-                <a:extLst>
-                  <a:ext uri="{FF2B5EF4-FFF2-40B4-BE49-F238E27FC236}">
-                    <a16:creationId xmlns:a16="http://schemas.microsoft.com/office/drawing/2014/main" id="{0FE0B87E-F336-4CE9-8C15-97BB1056FE04}"/>
-                  </a:ext>
-                </a:extLst>
-              </p:cNvPr>
-              <p:cNvSpPr txBox="1">
-                <a:spLocks noRot="1" noChangeAspect="1" noMove="1" noResize="1" noEditPoints="1" noAdjustHandles="1" noChangeArrowheads="1" noChangeShapeType="1" noTextEdit="1"/>
-              </p:cNvSpPr>
-              <p:nvPr/>
-            </p:nvSpPr>
-            <p:spPr>
-              <a:xfrm>
-                <a:off x="9061" y="1655899"/>
-                <a:ext cx="7428059" cy="307777"/>
-              </a:xfrm>
-              <a:prstGeom prst="rect">
-                <a:avLst/>
-              </a:prstGeom>
-              <a:blipFill>
-                <a:blip r:embed="rId4"/>
-                <a:stretch>
-                  <a:fillRect l="-246" t="-4000" b="-20000"/>
-                </a:stretch>
-              </a:blipFill>
-            </p:spPr>
-            <p:txBody>
-              <a:bodyPr/>
-              <a:lstStyle/>
-              <a:p>
-                <a:r>
-                  <a:rPr lang="it-IT">
-                    <a:noFill/>
-                  </a:rPr>
-                  <a:t> </a:t>
-                </a:r>
-              </a:p>
-            </p:txBody>
-          </p:sp>
-        </mc:Fallback>
-      </mc:AlternateContent>
-      <mc:AlternateContent xmlns:mc="http://schemas.openxmlformats.org/markup-compatibility/2006" xmlns:a14="http://schemas.microsoft.com/office/drawing/2010/main">
-        <mc:Choice Requires="a14">
-          <p:sp>
-            <p:nvSpPr>
-              <p:cNvPr id="13" name="CasellaDiTesto 12">
-                <a:extLst>
-                  <a:ext uri="{FF2B5EF4-FFF2-40B4-BE49-F238E27FC236}">
-                    <a16:creationId xmlns:a16="http://schemas.microsoft.com/office/drawing/2014/main" id="{4BB688B7-9B54-4FB7-B814-0186D5D0A096}"/>
-                  </a:ext>
-                </a:extLst>
-              </p:cNvPr>
-              <p:cNvSpPr txBox="1"/>
-              <p:nvPr/>
-            </p:nvSpPr>
-            <p:spPr>
-              <a:xfrm>
-                <a:off x="-185" y="2173393"/>
-                <a:ext cx="4755065" cy="307777"/>
-              </a:xfrm>
-              <a:prstGeom prst="rect">
-                <a:avLst/>
-              </a:prstGeom>
-              <a:noFill/>
-            </p:spPr>
-            <p:txBody>
-              <a:bodyPr wrap="square" rtlCol="0">
-                <a:spAutoFit/>
-              </a:bodyPr>
-              <a:lstStyle/>
-              <a:p>
-                <a:r>
-                  <a:rPr lang="it-IT" sz="1400" b="1" dirty="0">
-                    <a:latin typeface="Arial" panose="020B0604020202020204" pitchFamily="34" charset="0"/>
-                    <a:cs typeface="Arial" panose="020B0604020202020204" pitchFamily="34" charset="0"/>
-                  </a:rPr>
-                  <a:t>Step 6</a:t>
-                </a:r>
-                <a:r>
-                  <a:rPr lang="it-IT" sz="1400" dirty="0">
-                    <a:latin typeface="Arial" panose="020B0604020202020204" pitchFamily="34" charset="0"/>
-                    <a:cs typeface="Arial" panose="020B0604020202020204" pitchFamily="34" charset="0"/>
-                  </a:rPr>
-                  <a:t> </a:t>
-                </a:r>
-                <a:r>
-                  <a:rPr lang="it-IT" sz="1400" dirty="0">
-                    <a:latin typeface="Arial" panose="020B0604020202020204" pitchFamily="34" charset="0"/>
-                    <a:cs typeface="Arial" panose="020B0604020202020204" pitchFamily="34" charset="0"/>
-                    <a:sym typeface="Wingdings" panose="05000000000000000000" pitchFamily="2" charset="2"/>
-                  </a:rPr>
-                  <a:t> Costruisci </a:t>
-                </a:r>
-                <a14:m>
-                  <m:oMath xmlns:m="http://schemas.openxmlformats.org/officeDocument/2006/math">
-                    <m:r>
-                      <a:rPr lang="it-IT" sz="1400" b="0" i="1" smtClean="0">
-                        <a:latin typeface="Cambria Math" panose="02040503050406030204" pitchFamily="18" charset="0"/>
-                        <a:cs typeface="Arial" panose="020B0604020202020204" pitchFamily="34" charset="0"/>
-                        <a:sym typeface="Wingdings" panose="05000000000000000000" pitchFamily="2" charset="2"/>
-                      </a:rPr>
-                      <m:t>𝑇</m:t>
-                    </m:r>
-                  </m:oMath>
-                </a14:m>
-                <a:r>
-                  <a:rPr lang="it-IT" sz="1400" b="0" dirty="0">
-                    <a:latin typeface="Arial" panose="020B0604020202020204" pitchFamily="34" charset="0"/>
-                    <a:cs typeface="Arial" panose="020B0604020202020204" pitchFamily="34" charset="0"/>
-                    <a:sym typeface="Wingdings" panose="05000000000000000000" pitchFamily="2" charset="2"/>
-                  </a:rPr>
-                  <a:t> a partire da </a:t>
-                </a:r>
-                <a14:m>
-                  <m:oMath xmlns:m="http://schemas.openxmlformats.org/officeDocument/2006/math">
-                    <m:r>
-                      <a:rPr lang="it-IT" sz="1400" b="0" i="1" smtClean="0">
-                        <a:latin typeface="Cambria Math" panose="02040503050406030204" pitchFamily="18" charset="0"/>
-                        <a:cs typeface="Arial" panose="020B0604020202020204" pitchFamily="34" charset="0"/>
-                        <a:sym typeface="Wingdings" panose="05000000000000000000" pitchFamily="2" charset="2"/>
-                      </a:rPr>
-                      <m:t>𝐷</m:t>
-                    </m:r>
-                  </m:oMath>
-                </a14:m>
-                <a:r>
-                  <a:rPr lang="it-IT" sz="1400" b="0" dirty="0">
-                    <a:latin typeface="Arial" panose="020B0604020202020204" pitchFamily="34" charset="0"/>
-                    <a:cs typeface="Arial" panose="020B0604020202020204" pitchFamily="34" charset="0"/>
-                    <a:sym typeface="Wingdings" panose="05000000000000000000" pitchFamily="2" charset="2"/>
-                  </a:rPr>
-                  <a:t> di dimensione </a:t>
-                </a:r>
-                <a14:m>
-                  <m:oMath xmlns:m="http://schemas.openxmlformats.org/officeDocument/2006/math">
-                    <m:r>
-                      <a:rPr lang="it-IT" sz="1400" b="0" i="1" smtClean="0">
-                        <a:latin typeface="Cambria Math" panose="02040503050406030204" pitchFamily="18" charset="0"/>
-                        <a:cs typeface="Arial" panose="020B0604020202020204" pitchFamily="34" charset="0"/>
-                        <a:sym typeface="Wingdings" panose="05000000000000000000" pitchFamily="2" charset="2"/>
-                      </a:rPr>
-                      <m:t>2</m:t>
-                    </m:r>
-                    <m:r>
-                      <a:rPr lang="it-IT" sz="1400" b="0" i="1" smtClean="0">
-                        <a:latin typeface="Cambria Math" panose="02040503050406030204" pitchFamily="18" charset="0"/>
-                        <a:ea typeface="Cambria Math" panose="02040503050406030204" pitchFamily="18" charset="0"/>
-                        <a:cs typeface="Arial" panose="020B0604020202020204" pitchFamily="34" charset="0"/>
-                        <a:sym typeface="Wingdings" panose="05000000000000000000" pitchFamily="2" charset="2"/>
-                      </a:rPr>
-                      <m:t>×2</m:t>
-                    </m:r>
-                  </m:oMath>
-                </a14:m>
-                <a:endParaRPr lang="it-IT" sz="1400" b="0" dirty="0">
-                  <a:latin typeface="Arial" panose="020B0604020202020204" pitchFamily="34" charset="0"/>
-                  <a:cs typeface="Arial" panose="020B0604020202020204" pitchFamily="34" charset="0"/>
-                  <a:sym typeface="Wingdings" panose="05000000000000000000" pitchFamily="2" charset="2"/>
-                </a:endParaRPr>
-              </a:p>
-            </p:txBody>
-          </p:sp>
-        </mc:Choice>
-        <mc:Fallback xmlns="">
-          <p:sp>
-            <p:nvSpPr>
-              <p:cNvPr id="13" name="CasellaDiTesto 12">
-                <a:extLst>
-                  <a:ext uri="{FF2B5EF4-FFF2-40B4-BE49-F238E27FC236}">
-                    <a16:creationId xmlns:a16="http://schemas.microsoft.com/office/drawing/2014/main" id="{4BB688B7-9B54-4FB7-B814-0186D5D0A096}"/>
-                  </a:ext>
-                </a:extLst>
-              </p:cNvPr>
-              <p:cNvSpPr txBox="1">
-                <a:spLocks noRot="1" noChangeAspect="1" noMove="1" noResize="1" noEditPoints="1" noAdjustHandles="1" noChangeArrowheads="1" noChangeShapeType="1" noTextEdit="1"/>
-              </p:cNvSpPr>
-              <p:nvPr/>
-            </p:nvSpPr>
-            <p:spPr>
-              <a:xfrm>
-                <a:off x="-185" y="2173393"/>
-                <a:ext cx="4755065" cy="307777"/>
-              </a:xfrm>
-              <a:prstGeom prst="rect">
-                <a:avLst/>
-              </a:prstGeom>
-              <a:blipFill>
-                <a:blip r:embed="rId5"/>
-                <a:stretch>
-                  <a:fillRect l="-385" t="-4000" b="-20000"/>
-                </a:stretch>
-              </a:blipFill>
-            </p:spPr>
-            <p:txBody>
-              <a:bodyPr/>
-              <a:lstStyle/>
-              <a:p>
-                <a:r>
-                  <a:rPr lang="it-IT">
-                    <a:noFill/>
-                  </a:rPr>
-                  <a:t> </a:t>
-                </a:r>
-              </a:p>
-            </p:txBody>
-          </p:sp>
-        </mc:Fallback>
-      </mc:AlternateContent>
-      <mc:AlternateContent xmlns:mc="http://schemas.openxmlformats.org/markup-compatibility/2006" xmlns:a14="http://schemas.microsoft.com/office/drawing/2010/main">
-        <mc:Choice Requires="a14">
-          <p:sp>
-            <p:nvSpPr>
-              <p:cNvPr id="17" name="CasellaDiTesto 16">
-                <a:extLst>
-                  <a:ext uri="{FF2B5EF4-FFF2-40B4-BE49-F238E27FC236}">
-                    <a16:creationId xmlns:a16="http://schemas.microsoft.com/office/drawing/2014/main" id="{CAA0A21A-7828-4C81-AEDD-7BB4428F0A1B}"/>
-                  </a:ext>
-                </a:extLst>
-              </p:cNvPr>
-              <p:cNvSpPr txBox="1"/>
-              <p:nvPr/>
-            </p:nvSpPr>
-            <p:spPr>
-              <a:xfrm>
-                <a:off x="-11991" y="2706639"/>
-                <a:ext cx="9143816" cy="523220"/>
-              </a:xfrm>
-              <a:prstGeom prst="rect">
-                <a:avLst/>
-              </a:prstGeom>
-              <a:noFill/>
-            </p:spPr>
-            <p:txBody>
-              <a:bodyPr wrap="square" rtlCol="0">
-                <a:spAutoFit/>
-              </a:bodyPr>
-              <a:lstStyle/>
-              <a:p>
-                <a:r>
-                  <a:rPr lang="it-IT" sz="1400" b="1" dirty="0">
-                    <a:latin typeface="Arial" panose="020B0604020202020204" pitchFamily="34" charset="0"/>
-                    <a:cs typeface="Arial" panose="020B0604020202020204" pitchFamily="34" charset="0"/>
-                  </a:rPr>
-                  <a:t>Step 7</a:t>
-                </a:r>
-                <a:r>
-                  <a:rPr lang="it-IT" sz="1400" dirty="0">
-                    <a:latin typeface="Arial" panose="020B0604020202020204" pitchFamily="34" charset="0"/>
-                    <a:cs typeface="Arial" panose="020B0604020202020204" pitchFamily="34" charset="0"/>
-                  </a:rPr>
-                  <a:t> </a:t>
-                </a:r>
-                <a:r>
-                  <a:rPr lang="it-IT" sz="1400" dirty="0">
-                    <a:latin typeface="Arial" panose="020B0604020202020204" pitchFamily="34" charset="0"/>
-                    <a:cs typeface="Arial" panose="020B0604020202020204" pitchFamily="34" charset="0"/>
-                    <a:sym typeface="Wingdings" panose="05000000000000000000" pitchFamily="2" charset="2"/>
-                  </a:rPr>
-                  <a:t> Inserisci di volta in volta le foglie in </a:t>
-                </a:r>
-                <a14:m>
-                  <m:oMath xmlns:m="http://schemas.openxmlformats.org/officeDocument/2006/math">
-                    <m:r>
-                      <a:rPr lang="it-IT" sz="1400" b="0" i="1" smtClean="0">
-                        <a:latin typeface="Cambria Math" panose="02040503050406030204" pitchFamily="18" charset="0"/>
-                        <a:cs typeface="Arial" panose="020B0604020202020204" pitchFamily="34" charset="0"/>
-                        <a:sym typeface="Wingdings" panose="05000000000000000000" pitchFamily="2" charset="2"/>
-                      </a:rPr>
-                      <m:t>𝑇</m:t>
-                    </m:r>
-                  </m:oMath>
-                </a14:m>
-                <a:r>
-                  <a:rPr lang="it-IT" sz="1400" b="0" dirty="0">
-                    <a:latin typeface="Arial" panose="020B0604020202020204" pitchFamily="34" charset="0"/>
-                    <a:cs typeface="Arial" panose="020B0604020202020204" pitchFamily="34" charset="0"/>
-                    <a:sym typeface="Wingdings" panose="05000000000000000000" pitchFamily="2" charset="2"/>
-                  </a:rPr>
-                  <a:t>, dove il peso del loro arto è  </a:t>
-                </a:r>
-                <a14:m>
-                  <m:oMath xmlns:m="http://schemas.openxmlformats.org/officeDocument/2006/math">
-                    <m:r>
-                      <a:rPr lang="it-IT" sz="1400" b="0" i="1" smtClean="0">
-                        <a:latin typeface="Cambria Math" panose="02040503050406030204" pitchFamily="18" charset="0"/>
-                        <a:cs typeface="Arial" panose="020B0604020202020204" pitchFamily="34" charset="0"/>
-                        <a:sym typeface="Wingdings" panose="05000000000000000000" pitchFamily="2" charset="2"/>
-                      </a:rPr>
-                      <m:t>𝑙𝑖𝑚𝑏𝑤𝑒𝑖𝑔h𝑡</m:t>
-                    </m:r>
-                  </m:oMath>
-                </a14:m>
-                <a:r>
-                  <a:rPr lang="it-IT" sz="1400" b="0" dirty="0">
-                    <a:latin typeface="Arial" panose="020B0604020202020204" pitchFamily="34" charset="0"/>
-                    <a:cs typeface="Arial" panose="020B0604020202020204" pitchFamily="34" charset="0"/>
-                    <a:sym typeface="Wingdings" panose="05000000000000000000" pitchFamily="2" charset="2"/>
-                  </a:rPr>
-                  <a:t>. Il risultato di questa operazione sarà l’albero evolutivo completo.</a:t>
-                </a:r>
-              </a:p>
-            </p:txBody>
-          </p:sp>
-        </mc:Choice>
-        <mc:Fallback xmlns="">
-          <p:sp>
-            <p:nvSpPr>
-              <p:cNvPr id="17" name="CasellaDiTesto 16">
-                <a:extLst>
-                  <a:ext uri="{FF2B5EF4-FFF2-40B4-BE49-F238E27FC236}">
-                    <a16:creationId xmlns:a16="http://schemas.microsoft.com/office/drawing/2014/main" id="{CAA0A21A-7828-4C81-AEDD-7BB4428F0A1B}"/>
-                  </a:ext>
-                </a:extLst>
-              </p:cNvPr>
-              <p:cNvSpPr txBox="1">
-                <a:spLocks noRot="1" noChangeAspect="1" noMove="1" noResize="1" noEditPoints="1" noAdjustHandles="1" noChangeArrowheads="1" noChangeShapeType="1" noTextEdit="1"/>
-              </p:cNvSpPr>
-              <p:nvPr/>
-            </p:nvSpPr>
-            <p:spPr>
-              <a:xfrm>
-                <a:off x="-11991" y="2706639"/>
-                <a:ext cx="9143816" cy="523220"/>
-              </a:xfrm>
-              <a:prstGeom prst="rect">
-                <a:avLst/>
-              </a:prstGeom>
-              <a:blipFill>
-                <a:blip r:embed="rId6"/>
-                <a:stretch>
-                  <a:fillRect l="-200" t="-2326" b="-11628"/>
-                </a:stretch>
-              </a:blipFill>
-            </p:spPr>
-            <p:txBody>
-              <a:bodyPr/>
-              <a:lstStyle/>
-              <a:p>
-                <a:r>
-                  <a:rPr lang="it-IT">
-                    <a:noFill/>
-                  </a:rPr>
-                  <a:t> </a:t>
-                </a:r>
-              </a:p>
-            </p:txBody>
-          </p:sp>
-        </mc:Fallback>
-      </mc:AlternateContent>
-      <p:pic>
-        <p:nvPicPr>
-          <p:cNvPr id="3" name="Immagine 2">
-            <a:extLst>
-              <a:ext uri="{FF2B5EF4-FFF2-40B4-BE49-F238E27FC236}">
-                <a16:creationId xmlns:a16="http://schemas.microsoft.com/office/drawing/2014/main" id="{5A31B4E3-EAA1-47E1-B42B-538552284F53}"/>
-              </a:ext>
-            </a:extLst>
-          </p:cNvPr>
-          <p:cNvPicPr>
-            <a:picLocks noChangeAspect="1"/>
-          </p:cNvPicPr>
-          <p:nvPr/>
-        </p:nvPicPr>
-        <p:blipFill>
-          <a:blip r:embed="rId7"/>
-          <a:stretch>
-            <a:fillRect/>
-          </a:stretch>
-        </p:blipFill>
-        <p:spPr>
-          <a:xfrm>
-            <a:off x="5889263" y="2065838"/>
-            <a:ext cx="3095714" cy="522450"/>
-          </a:xfrm>
-          <a:prstGeom prst="rect">
-            <a:avLst/>
-          </a:prstGeom>
-        </p:spPr>
-      </p:pic>
-      <p:cxnSp>
-        <p:nvCxnSpPr>
-          <p:cNvPr id="5" name="Connettore 2 4">
-            <a:extLst>
-              <a:ext uri="{FF2B5EF4-FFF2-40B4-BE49-F238E27FC236}">
-                <a16:creationId xmlns:a16="http://schemas.microsoft.com/office/drawing/2014/main" id="{B71CFF27-78EF-4F24-A7EB-482544DCBC2C}"/>
-              </a:ext>
-            </a:extLst>
-          </p:cNvPr>
-          <p:cNvCxnSpPr>
-            <a:stCxn id="13" idx="3"/>
-          </p:cNvCxnSpPr>
-          <p:nvPr/>
-        </p:nvCxnSpPr>
-        <p:spPr>
-          <a:xfrm flipV="1">
-            <a:off x="4754880" y="2322713"/>
-            <a:ext cx="1056640" cy="4569"/>
-          </a:xfrm>
-          <a:prstGeom prst="straightConnector1">
-            <a:avLst/>
-          </a:prstGeom>
-          <a:ln>
-            <a:tailEnd type="triangle"/>
-          </a:ln>
-        </p:spPr>
-        <p:style>
-          <a:lnRef idx="2">
-            <a:schemeClr val="accent1"/>
-          </a:lnRef>
-          <a:fillRef idx="0">
-            <a:schemeClr val="accent1"/>
-          </a:fillRef>
-          <a:effectRef idx="1">
-            <a:schemeClr val="accent1"/>
-          </a:effectRef>
-          <a:fontRef idx="minor">
-            <a:schemeClr val="tx1"/>
-          </a:fontRef>
-        </p:style>
-      </p:cxnSp>
-      <p:pic>
-        <p:nvPicPr>
-          <p:cNvPr id="8" name="Immagine 7">
-            <a:extLst>
-              <a:ext uri="{FF2B5EF4-FFF2-40B4-BE49-F238E27FC236}">
-                <a16:creationId xmlns:a16="http://schemas.microsoft.com/office/drawing/2014/main" id="{6B1F3F17-F665-49BE-AD9B-0C5929714105}"/>
-              </a:ext>
-            </a:extLst>
-          </p:cNvPr>
-          <p:cNvPicPr>
-            <a:picLocks noChangeAspect="1"/>
-          </p:cNvPicPr>
-          <p:nvPr/>
-        </p:nvPicPr>
-        <p:blipFill rotWithShape="1">
-          <a:blip r:embed="rId8"/>
-          <a:srcRect l="426" r="1191"/>
-          <a:stretch/>
-        </p:blipFill>
-        <p:spPr>
-          <a:xfrm>
-            <a:off x="2550067" y="3758201"/>
-            <a:ext cx="4043680" cy="2224482"/>
-          </a:xfrm>
-          <a:prstGeom prst="rect">
-            <a:avLst/>
-          </a:prstGeom>
-        </p:spPr>
-      </p:pic>
-      <p:cxnSp>
-        <p:nvCxnSpPr>
-          <p:cNvPr id="19" name="Connettore 2 18">
-            <a:extLst>
-              <a:ext uri="{FF2B5EF4-FFF2-40B4-BE49-F238E27FC236}">
-                <a16:creationId xmlns:a16="http://schemas.microsoft.com/office/drawing/2014/main" id="{EBE1BCA0-343E-4C01-9978-8354F7BB2E53}"/>
-              </a:ext>
-            </a:extLst>
-          </p:cNvPr>
-          <p:cNvCxnSpPr>
-            <a:stCxn id="17" idx="2"/>
-          </p:cNvCxnSpPr>
-          <p:nvPr/>
-        </p:nvCxnSpPr>
-        <p:spPr>
-          <a:xfrm>
-            <a:off x="4559917" y="3229859"/>
-            <a:ext cx="0" cy="451004"/>
-          </a:xfrm>
-          <a:prstGeom prst="straightConnector1">
-            <a:avLst/>
-          </a:prstGeom>
-          <a:ln>
-            <a:tailEnd type="triangle"/>
-          </a:ln>
-        </p:spPr>
-        <p:style>
-          <a:lnRef idx="2">
-            <a:schemeClr val="accent1"/>
-          </a:lnRef>
-          <a:fillRef idx="0">
-            <a:schemeClr val="accent1"/>
-          </a:fillRef>
-          <a:effectRef idx="1">
-            <a:schemeClr val="accent1"/>
-          </a:effectRef>
-          <a:fontRef idx="minor">
-            <a:schemeClr val="tx1"/>
-          </a:fontRef>
-        </p:style>
-      </p:cxnSp>
-      <p:sp>
-        <p:nvSpPr>
-          <p:cNvPr id="29" name="CasellaDiTesto 28">
-            <a:extLst>
-              <a:ext uri="{FF2B5EF4-FFF2-40B4-BE49-F238E27FC236}">
-                <a16:creationId xmlns:a16="http://schemas.microsoft.com/office/drawing/2014/main" id="{32FBB61A-414B-4249-A59F-C329DACA1D7F}"/>
-              </a:ext>
-            </a:extLst>
-          </p:cNvPr>
-          <p:cNvSpPr txBox="1"/>
-          <p:nvPr/>
-        </p:nvSpPr>
-        <p:spPr>
-          <a:xfrm>
-            <a:off x="3450316" y="6099373"/>
-            <a:ext cx="2243182" cy="307777"/>
-          </a:xfrm>
-          <a:prstGeom prst="rect">
-            <a:avLst/>
-          </a:prstGeom>
-          <a:noFill/>
-        </p:spPr>
-        <p:txBody>
-          <a:bodyPr wrap="square" rtlCol="0">
-            <a:spAutoFit/>
-          </a:bodyPr>
-          <a:lstStyle/>
-          <a:p>
-            <a:pPr algn="ctr"/>
-            <a:r>
-              <a:rPr lang="it-IT" sz="1400" b="1" dirty="0">
-                <a:latin typeface="Arial" panose="020B0604020202020204" pitchFamily="34" charset="0"/>
-                <a:cs typeface="Arial" panose="020B0604020202020204" pitchFamily="34" charset="0"/>
-              </a:rPr>
-              <a:t>L’algoritmo è terminato!</a:t>
-            </a:r>
-          </a:p>
-        </p:txBody>
-      </p:sp>
-    </p:spTree>
-    <p:extLst>
-      <p:ext uri="{BB962C8B-B14F-4D97-AF65-F5344CB8AC3E}">
-        <p14:creationId xmlns:p14="http://schemas.microsoft.com/office/powerpoint/2010/main" val="3766617104"/>
-      </p:ext>
-    </p:extLst>
-  </p:cSld>
-  <p:clrMapOvr>
-    <a:masterClrMapping/>
-  </p:clrMapOvr>
-</p:sld>
-</file>
-
-<file path=ppt/slides/slide13.xml><?xml version="1.0" encoding="utf-8"?>
-<p:sld xmlns:a="http://schemas.openxmlformats.org/drawingml/2006/main" xmlns:r="http://schemas.openxmlformats.org/officeDocument/2006/relationships" xmlns:p="http://schemas.openxmlformats.org/presentationml/2006/main">
-  <p:cSld>
-    <p:spTree>
-      <p:nvGrpSpPr>
-        <p:cNvPr id="1" name=""/>
-        <p:cNvGrpSpPr/>
-        <p:nvPr/>
-      </p:nvGrpSpPr>
-      <p:grpSpPr>
-        <a:xfrm>
-          <a:off x="0" y="0"/>
-          <a:ext cx="0" cy="0"/>
-          <a:chOff x="0" y="0"/>
-          <a:chExt cx="0" cy="0"/>
-        </a:xfrm>
-      </p:grpSpPr>
-      <p:pic>
-        <p:nvPicPr>
-          <p:cNvPr id="2" name="Immagine 1"/>
-          <p:cNvPicPr>
-            <a:picLocks noChangeAspect="1"/>
-          </p:cNvPicPr>
-          <p:nvPr/>
-        </p:nvPicPr>
-        <p:blipFill>
-          <a:blip r:embed="rId3"/>
-          <a:stretch>
-            <a:fillRect/>
-          </a:stretch>
-        </p:blipFill>
-        <p:spPr>
-          <a:xfrm>
-            <a:off x="-1" y="3123"/>
-            <a:ext cx="9143817" cy="6872495"/>
-          </a:xfrm>
-          <a:prstGeom prst="rect">
-            <a:avLst/>
-          </a:prstGeom>
-        </p:spPr>
-      </p:pic>
-      <p:sp>
-        <p:nvSpPr>
-          <p:cNvPr id="7" name="CasellaDiTesto 6"/>
-          <p:cNvSpPr txBox="1"/>
-          <p:nvPr/>
-        </p:nvSpPr>
-        <p:spPr>
-          <a:xfrm>
-            <a:off x="9061" y="649703"/>
-            <a:ext cx="2490299" cy="461665"/>
-          </a:xfrm>
-          <a:prstGeom prst="rect">
-            <a:avLst/>
-          </a:prstGeom>
-          <a:noFill/>
-        </p:spPr>
-        <p:txBody>
-          <a:bodyPr wrap="square" rtlCol="0">
-            <a:spAutoFit/>
-          </a:bodyPr>
-          <a:lstStyle/>
-          <a:p>
-            <a:r>
-              <a:rPr lang="it-IT" sz="2400" b="1" dirty="0">
-                <a:solidFill>
-                  <a:schemeClr val="accent1">
-                    <a:lumMod val="75000"/>
-                  </a:schemeClr>
-                </a:solidFill>
-                <a:latin typeface="Arial"/>
-                <a:cs typeface="Arial"/>
-              </a:rPr>
-              <a:t>Albero Additivo</a:t>
-            </a:r>
-          </a:p>
-        </p:txBody>
-      </p:sp>
-      <p:sp>
-        <p:nvSpPr>
-          <p:cNvPr id="12" name="Rettangolo 11"/>
-          <p:cNvSpPr/>
-          <p:nvPr/>
-        </p:nvSpPr>
-        <p:spPr>
-          <a:xfrm>
-            <a:off x="8255000" y="6366466"/>
-            <a:ext cx="280763" cy="501650"/>
-          </a:xfrm>
-          <a:prstGeom prst="rect">
-            <a:avLst/>
-          </a:prstGeom>
-          <a:solidFill>
-            <a:srgbClr val="003053"/>
-          </a:solidFill>
-        </p:spPr>
-        <p:style>
-          <a:lnRef idx="1">
-            <a:schemeClr val="accent1"/>
-          </a:lnRef>
-          <a:fillRef idx="3">
-            <a:schemeClr val="accent1"/>
-          </a:fillRef>
-          <a:effectRef idx="2">
-            <a:schemeClr val="accent1"/>
-          </a:effectRef>
-          <a:fontRef idx="minor">
-            <a:schemeClr val="lt1"/>
-          </a:fontRef>
-        </p:style>
-        <p:txBody>
-          <a:bodyPr rtlCol="0" anchor="ctr"/>
-          <a:lstStyle/>
-          <a:p>
-            <a:pPr algn="ctr"/>
-            <a:endParaRPr lang="it-IT">
-              <a:solidFill>
-                <a:srgbClr val="003257"/>
-              </a:solidFill>
-            </a:endParaRPr>
-          </a:p>
-        </p:txBody>
-      </p:sp>
-      <p:sp>
-        <p:nvSpPr>
-          <p:cNvPr id="11" name="Segnaposto numero diapositiva 10"/>
-          <p:cNvSpPr>
-            <a:spLocks noGrp="1"/>
-          </p:cNvSpPr>
-          <p:nvPr>
-            <p:ph type="sldNum" sz="quarter" idx="12"/>
-          </p:nvPr>
-        </p:nvSpPr>
-        <p:spPr>
-          <a:xfrm>
-            <a:off x="6402163" y="6356350"/>
-            <a:ext cx="2133600" cy="365125"/>
-          </a:xfrm>
-        </p:spPr>
-        <p:txBody>
-          <a:bodyPr/>
-          <a:lstStyle/>
-          <a:p>
-            <a:fld id="{8EB8520A-26EA-DE4B-B141-4532FC98FF0E}" type="slidenum">
-              <a:rPr lang="it-IT" b="1" smtClean="0">
-                <a:solidFill>
-                  <a:schemeClr val="bg1"/>
-                </a:solidFill>
-                <a:latin typeface="Arial"/>
-                <a:cs typeface="Arial"/>
-              </a:rPr>
-              <a:pPr/>
-              <a:t>13</a:t>
-            </a:fld>
-            <a:endParaRPr lang="it-IT" b="1" dirty="0">
-              <a:solidFill>
-                <a:schemeClr val="bg1"/>
-              </a:solidFill>
-              <a:latin typeface="Arial"/>
-              <a:cs typeface="Arial"/>
-            </a:endParaRPr>
-          </a:p>
-        </p:txBody>
-      </p:sp>
-      <p:sp>
-        <p:nvSpPr>
-          <p:cNvPr id="10" name="CasellaDiTesto 9"/>
-          <p:cNvSpPr txBox="1"/>
-          <p:nvPr/>
-        </p:nvSpPr>
-        <p:spPr>
-          <a:xfrm>
-            <a:off x="5735951" y="51433"/>
-            <a:ext cx="2957862" cy="215444"/>
-          </a:xfrm>
-          <a:prstGeom prst="rect">
-            <a:avLst/>
-          </a:prstGeom>
-          <a:noFill/>
-        </p:spPr>
-        <p:txBody>
-          <a:bodyPr wrap="none" rtlCol="0">
-            <a:spAutoFit/>
-          </a:bodyPr>
-          <a:lstStyle/>
-          <a:p>
-            <a:pPr algn="r"/>
-            <a:r>
-              <a:rPr lang="it-IT" sz="800" b="1" dirty="0">
-                <a:solidFill>
-                  <a:schemeClr val="bg1"/>
-                </a:solidFill>
-                <a:latin typeface="Arial"/>
-                <a:cs typeface="Arial"/>
-              </a:rPr>
-              <a:t>Applicazioni dell’algoritmica alla biologia: alberi evolutivi</a:t>
-            </a:r>
-          </a:p>
-        </p:txBody>
-      </p:sp>
-      <p:sp>
-        <p:nvSpPr>
-          <p:cNvPr id="14" name="CasellaDiTesto 13"/>
-          <p:cNvSpPr txBox="1"/>
-          <p:nvPr/>
-        </p:nvSpPr>
-        <p:spPr>
-          <a:xfrm>
-            <a:off x="7082015" y="403482"/>
-            <a:ext cx="1621846" cy="492443"/>
-          </a:xfrm>
-          <a:prstGeom prst="rect">
-            <a:avLst/>
-          </a:prstGeom>
-          <a:noFill/>
-        </p:spPr>
-        <p:txBody>
-          <a:bodyPr wrap="none" rtlCol="0">
-            <a:spAutoFit/>
-          </a:bodyPr>
-          <a:lstStyle/>
-          <a:p>
-            <a:pPr algn="r"/>
-            <a:r>
-              <a:rPr lang="it-IT" sz="800" dirty="0">
-                <a:solidFill>
-                  <a:schemeClr val="bg1"/>
-                </a:solidFill>
-                <a:latin typeface="Arial"/>
-                <a:cs typeface="Arial"/>
-              </a:rPr>
-              <a:t>Firenze, 12 luglio 2019</a:t>
-            </a:r>
-          </a:p>
-          <a:p>
-            <a:endParaRPr lang="it-IT" dirty="0"/>
-          </a:p>
-        </p:txBody>
-      </p:sp>
-      <p:sp>
-        <p:nvSpPr>
-          <p:cNvPr id="53" name="CasellaDiTesto 52">
-            <a:extLst>
-              <a:ext uri="{FF2B5EF4-FFF2-40B4-BE49-F238E27FC236}">
-                <a16:creationId xmlns:a16="http://schemas.microsoft.com/office/drawing/2014/main" id="{C4172192-17B0-4035-AFD1-CBC8BDE7E4CD}"/>
-              </a:ext>
-            </a:extLst>
-          </p:cNvPr>
-          <p:cNvSpPr txBox="1"/>
-          <p:nvPr/>
-        </p:nvSpPr>
-        <p:spPr>
-          <a:xfrm>
-            <a:off x="9062" y="1077183"/>
-            <a:ext cx="3872058" cy="369332"/>
-          </a:xfrm>
-          <a:prstGeom prst="rect">
-            <a:avLst/>
-          </a:prstGeom>
-          <a:noFill/>
-        </p:spPr>
-        <p:txBody>
-          <a:bodyPr wrap="square" rtlCol="0">
-            <a:spAutoFit/>
-          </a:bodyPr>
-          <a:lstStyle/>
-          <a:p>
-            <a:r>
-              <a:rPr lang="it-IT" i="1" dirty="0">
-                <a:latin typeface="Arial"/>
-                <a:cs typeface="Arial"/>
-              </a:rPr>
-              <a:t>Parte 4 – Complessità temporale</a:t>
-            </a:r>
-          </a:p>
-        </p:txBody>
-      </p:sp>
-      <mc:AlternateContent xmlns:mc="http://schemas.openxmlformats.org/markup-compatibility/2006" xmlns:a14="http://schemas.microsoft.com/office/drawing/2010/main">
-        <mc:Choice Requires="a14">
-          <p:sp>
-            <p:nvSpPr>
-              <p:cNvPr id="20" name="CasellaDiTesto 19">
-                <a:extLst>
-                  <a:ext uri="{FF2B5EF4-FFF2-40B4-BE49-F238E27FC236}">
-                    <a16:creationId xmlns:a16="http://schemas.microsoft.com/office/drawing/2014/main" id="{2ADDC409-2037-4C63-98EB-84943F468B73}"/>
-                  </a:ext>
-                </a:extLst>
-              </p:cNvPr>
-              <p:cNvSpPr txBox="1"/>
-              <p:nvPr/>
-            </p:nvSpPr>
-            <p:spPr>
-              <a:xfrm>
-                <a:off x="9062" y="1631995"/>
-                <a:ext cx="4095578" cy="1169551"/>
-              </a:xfrm>
-              <a:prstGeom prst="rect">
-                <a:avLst/>
-              </a:prstGeom>
-              <a:noFill/>
-            </p:spPr>
-            <p:txBody>
-              <a:bodyPr wrap="square" rtlCol="0">
-                <a:spAutoFit/>
-              </a:bodyPr>
-              <a:lstStyle/>
-              <a:p>
-                <a:r>
-                  <a:rPr lang="it-IT" sz="1400" dirty="0">
-                    <a:latin typeface="Arial" panose="020B0604020202020204" pitchFamily="34" charset="0"/>
-                    <a:cs typeface="Arial" panose="020B0604020202020204" pitchFamily="34" charset="0"/>
-                  </a:rPr>
-                  <a:t>3 Step:</a:t>
-                </a:r>
-              </a:p>
-              <a:p>
-                <a:pPr marL="285750" indent="-285750">
-                  <a:buFont typeface="Arial" panose="020B0604020202020204" pitchFamily="34" charset="0"/>
-                  <a:buChar char="•"/>
-                </a:pPr>
-                <a:r>
-                  <a:rPr lang="it-IT" sz="1400" dirty="0">
-                    <a:latin typeface="Arial" panose="020B0604020202020204" pitchFamily="34" charset="0"/>
-                    <a:ea typeface="Cambria Math" panose="02040503050406030204" pitchFamily="18" charset="0"/>
-                    <a:cs typeface="Arial" panose="020B0604020202020204" pitchFamily="34" charset="0"/>
-                  </a:rPr>
-                  <a:t>calcola il peso dell’arto dell’</a:t>
-                </a:r>
-                <a14:m>
-                  <m:oMath xmlns:m="http://schemas.openxmlformats.org/officeDocument/2006/math">
-                    <m:r>
-                      <a:rPr lang="it-IT" sz="1400" i="1" dirty="0" smtClean="0">
-                        <a:latin typeface="Cambria Math" panose="02040503050406030204" pitchFamily="18" charset="0"/>
-                        <a:ea typeface="Cambria Math" panose="02040503050406030204" pitchFamily="18" charset="0"/>
-                        <a:cs typeface="Arial" panose="020B0604020202020204" pitchFamily="34" charset="0"/>
-                      </a:rPr>
-                      <m:t>𝑛</m:t>
-                    </m:r>
-                    <m:r>
-                      <a:rPr lang="it-IT" sz="1400" i="1" dirty="0" smtClean="0">
-                        <a:latin typeface="Cambria Math" panose="02040503050406030204" pitchFamily="18" charset="0"/>
-                        <a:ea typeface="Cambria Math" panose="02040503050406030204" pitchFamily="18" charset="0"/>
-                        <a:cs typeface="Arial" panose="020B0604020202020204" pitchFamily="34" charset="0"/>
-                      </a:rPr>
-                      <m:t>−</m:t>
-                    </m:r>
-                    <m:r>
-                      <a:rPr lang="it-IT" sz="1400" i="1" dirty="0" smtClean="0">
-                        <a:latin typeface="Cambria Math" panose="02040503050406030204" pitchFamily="18" charset="0"/>
-                        <a:ea typeface="Cambria Math" panose="02040503050406030204" pitchFamily="18" charset="0"/>
-                        <a:cs typeface="Arial" panose="020B0604020202020204" pitchFamily="34" charset="0"/>
-                      </a:rPr>
-                      <m:t>𝑒𝑠𝑖𝑚𝑎</m:t>
-                    </m:r>
-                  </m:oMath>
-                </a14:m>
-                <a:r>
-                  <a:rPr lang="it-IT" sz="1400" dirty="0">
-                    <a:latin typeface="Arial" panose="020B0604020202020204" pitchFamily="34" charset="0"/>
-                    <a:ea typeface="Cambria Math" panose="02040503050406030204" pitchFamily="18" charset="0"/>
-                    <a:cs typeface="Arial" panose="020B0604020202020204" pitchFamily="34" charset="0"/>
-                  </a:rPr>
-                  <a:t> foglia;</a:t>
-                </a:r>
-              </a:p>
-              <a:p>
-                <a:pPr marL="285750" indent="-285750">
-                  <a:buFont typeface="Arial" panose="020B0604020202020204" pitchFamily="34" charset="0"/>
-                  <a:buChar char="•"/>
-                </a:pPr>
-                <a:r>
-                  <a:rPr lang="it-IT" sz="1400" b="0" dirty="0">
-                    <a:latin typeface="Arial" panose="020B0604020202020204" pitchFamily="34" charset="0"/>
-                    <a:ea typeface="Cambria Math" panose="02040503050406030204" pitchFamily="18" charset="0"/>
-                    <a:cs typeface="Arial" panose="020B0604020202020204" pitchFamily="34" charset="0"/>
-                  </a:rPr>
-                  <a:t>aggiorna la riga e la colonna </a:t>
-                </a:r>
-                <a14:m>
-                  <m:oMath xmlns:m="http://schemas.openxmlformats.org/officeDocument/2006/math">
-                    <m:r>
-                      <a:rPr lang="it-IT" sz="1400" b="0" i="1" smtClean="0">
-                        <a:latin typeface="Cambria Math" panose="02040503050406030204" pitchFamily="18" charset="0"/>
-                        <a:ea typeface="Cambria Math" panose="02040503050406030204" pitchFamily="18" charset="0"/>
-                        <a:cs typeface="Arial" panose="020B0604020202020204" pitchFamily="34" charset="0"/>
-                      </a:rPr>
-                      <m:t>𝑛</m:t>
-                    </m:r>
-                  </m:oMath>
-                </a14:m>
-                <a:r>
-                  <a:rPr lang="it-IT" sz="1400" b="0" dirty="0">
-                    <a:latin typeface="Arial" panose="020B0604020202020204" pitchFamily="34" charset="0"/>
-                    <a:ea typeface="Cambria Math" panose="02040503050406030204" pitchFamily="18" charset="0"/>
-                    <a:cs typeface="Arial" panose="020B0604020202020204" pitchFamily="34" charset="0"/>
-                  </a:rPr>
-                  <a:t> in </a:t>
-                </a:r>
-                <a14:m>
-                  <m:oMath xmlns:m="http://schemas.openxmlformats.org/officeDocument/2006/math">
-                    <m:r>
-                      <a:rPr lang="it-IT" sz="1400" b="0" i="1" dirty="0" smtClean="0">
-                        <a:latin typeface="Cambria Math" panose="02040503050406030204" pitchFamily="18" charset="0"/>
-                        <a:ea typeface="Cambria Math" panose="02040503050406030204" pitchFamily="18" charset="0"/>
-                        <a:cs typeface="Arial" panose="020B0604020202020204" pitchFamily="34" charset="0"/>
-                      </a:rPr>
-                      <m:t>𝐷</m:t>
-                    </m:r>
-                  </m:oMath>
-                </a14:m>
-                <a:r>
-                  <a:rPr lang="it-IT" sz="1400" b="0" dirty="0">
-                    <a:latin typeface="Arial" panose="020B0604020202020204" pitchFamily="34" charset="0"/>
-                    <a:ea typeface="Cambria Math" panose="02040503050406030204" pitchFamily="18" charset="0"/>
-                    <a:cs typeface="Arial" panose="020B0604020202020204" pitchFamily="34" charset="0"/>
-                  </a:rPr>
-                  <a:t>;</a:t>
-                </a:r>
-              </a:p>
-              <a:p>
-                <a:pPr marL="285750" indent="-285750">
-                  <a:buFont typeface="Arial" panose="020B0604020202020204" pitchFamily="34" charset="0"/>
-                  <a:buChar char="•"/>
-                </a:pPr>
-                <a:r>
-                  <a:rPr lang="it-IT" sz="1400" dirty="0">
-                    <a:latin typeface="Arial" panose="020B0604020202020204" pitchFamily="34" charset="0"/>
-                    <a:ea typeface="Cambria Math" panose="02040503050406030204" pitchFamily="18" charset="0"/>
-                    <a:cs typeface="Arial" panose="020B0604020202020204" pitchFamily="34" charset="0"/>
-                  </a:rPr>
-                  <a:t>Individua il punto in cui </a:t>
-                </a:r>
-                <a14:m>
-                  <m:oMath xmlns:m="http://schemas.openxmlformats.org/officeDocument/2006/math">
-                    <m:r>
-                      <a:rPr lang="it-IT" sz="1400" i="1" dirty="0" smtClean="0">
-                        <a:latin typeface="Cambria Math" panose="02040503050406030204" pitchFamily="18" charset="0"/>
-                        <a:ea typeface="Cambria Math" panose="02040503050406030204" pitchFamily="18" charset="0"/>
-                        <a:cs typeface="Arial" panose="020B0604020202020204" pitchFamily="34" charset="0"/>
-                      </a:rPr>
-                      <m:t>𝑛</m:t>
-                    </m:r>
-                  </m:oMath>
-                </a14:m>
-                <a:r>
-                  <a:rPr lang="it-IT" sz="1400" b="0" dirty="0">
-                    <a:latin typeface="Arial" panose="020B0604020202020204" pitchFamily="34" charset="0"/>
-                    <a:ea typeface="Cambria Math" panose="02040503050406030204" pitchFamily="18" charset="0"/>
-                    <a:cs typeface="Arial" panose="020B0604020202020204" pitchFamily="34" charset="0"/>
-                  </a:rPr>
-                  <a:t> va inserita in </a:t>
-                </a:r>
-                <a14:m>
-                  <m:oMath xmlns:m="http://schemas.openxmlformats.org/officeDocument/2006/math">
-                    <m:r>
-                      <a:rPr lang="it-IT" sz="1400" b="0" i="1" dirty="0" smtClean="0">
-                        <a:latin typeface="Cambria Math" panose="02040503050406030204" pitchFamily="18" charset="0"/>
-                        <a:ea typeface="Cambria Math" panose="02040503050406030204" pitchFamily="18" charset="0"/>
-                        <a:cs typeface="Arial" panose="020B0604020202020204" pitchFamily="34" charset="0"/>
-                      </a:rPr>
-                      <m:t>𝑇</m:t>
-                    </m:r>
-                  </m:oMath>
-                </a14:m>
-                <a:endParaRPr lang="it-IT" sz="1400" b="0" dirty="0">
-                  <a:latin typeface="Arial" panose="020B0604020202020204" pitchFamily="34" charset="0"/>
-                  <a:ea typeface="Cambria Math" panose="02040503050406030204" pitchFamily="18" charset="0"/>
-                  <a:cs typeface="Arial" panose="020B0604020202020204" pitchFamily="34" charset="0"/>
-                </a:endParaRPr>
-              </a:p>
-              <a:p>
-                <a:endParaRPr lang="it-IT" sz="1400" dirty="0">
-                  <a:latin typeface="Arial" panose="020B0604020202020204" pitchFamily="34" charset="0"/>
-                  <a:cs typeface="Arial" panose="020B0604020202020204" pitchFamily="34" charset="0"/>
-                </a:endParaRPr>
-              </a:p>
-            </p:txBody>
-          </p:sp>
-        </mc:Choice>
-        <mc:Fallback xmlns="">
-          <p:sp>
-            <p:nvSpPr>
-              <p:cNvPr id="20" name="CasellaDiTesto 19">
-                <a:extLst>
-                  <a:ext uri="{FF2B5EF4-FFF2-40B4-BE49-F238E27FC236}">
-                    <a16:creationId xmlns:a16="http://schemas.microsoft.com/office/drawing/2014/main" id="{2ADDC409-2037-4C63-98EB-84943F468B73}"/>
-                  </a:ext>
-                </a:extLst>
-              </p:cNvPr>
-              <p:cNvSpPr txBox="1">
-                <a:spLocks noRot="1" noChangeAspect="1" noMove="1" noResize="1" noEditPoints="1" noAdjustHandles="1" noChangeArrowheads="1" noChangeShapeType="1" noTextEdit="1"/>
-              </p:cNvSpPr>
-              <p:nvPr/>
-            </p:nvSpPr>
-            <p:spPr>
-              <a:xfrm>
-                <a:off x="9062" y="1631995"/>
-                <a:ext cx="4095578" cy="1169551"/>
-              </a:xfrm>
-              <a:prstGeom prst="rect">
-                <a:avLst/>
-              </a:prstGeom>
-              <a:blipFill>
-                <a:blip r:embed="rId4"/>
-                <a:stretch>
-                  <a:fillRect l="-446" t="-1042"/>
-                </a:stretch>
-              </a:blipFill>
-            </p:spPr>
-            <p:txBody>
-              <a:bodyPr/>
-              <a:lstStyle/>
-              <a:p>
-                <a:r>
-                  <a:rPr lang="it-IT">
-                    <a:noFill/>
-                  </a:rPr>
-                  <a:t> </a:t>
-                </a:r>
-              </a:p>
-            </p:txBody>
-          </p:sp>
-        </mc:Fallback>
-      </mc:AlternateContent>
-      <mc:AlternateContent xmlns:mc="http://schemas.openxmlformats.org/markup-compatibility/2006" xmlns:a14="http://schemas.microsoft.com/office/drawing/2010/main">
-        <mc:Choice Requires="a14">
-          <p:sp>
-            <p:nvSpPr>
-              <p:cNvPr id="21" name="CasellaDiTesto 20">
-                <a:extLst>
-                  <a:ext uri="{FF2B5EF4-FFF2-40B4-BE49-F238E27FC236}">
-                    <a16:creationId xmlns:a16="http://schemas.microsoft.com/office/drawing/2014/main" id="{3C5EB037-59A4-48D2-AC13-EB126BA328FE}"/>
-                  </a:ext>
-                </a:extLst>
-              </p:cNvPr>
-              <p:cNvSpPr txBox="1"/>
-              <p:nvPr/>
-            </p:nvSpPr>
-            <p:spPr>
-              <a:xfrm>
-                <a:off x="6177076" y="1945958"/>
-                <a:ext cx="2957862" cy="541623"/>
-              </a:xfrm>
-              <a:prstGeom prst="rect">
-                <a:avLst/>
-              </a:prstGeom>
-              <a:noFill/>
-            </p:spPr>
-            <p:txBody>
-              <a:bodyPr wrap="square" rtlCol="0">
-                <a:spAutoFit/>
-              </a:bodyPr>
-              <a:lstStyle/>
-              <a:p>
-                <a:r>
-                  <a:rPr lang="it-IT" sz="1400" dirty="0">
-                    <a:latin typeface="Arial" panose="020B0604020202020204" pitchFamily="34" charset="0"/>
-                    <a:cs typeface="Arial" panose="020B0604020202020204" pitchFamily="34" charset="0"/>
-                  </a:rPr>
-                  <a:t>Matrice di dimensione </a:t>
-                </a:r>
-                <a14:m>
-                  <m:oMath xmlns:m="http://schemas.openxmlformats.org/officeDocument/2006/math">
-                    <m:r>
-                      <a:rPr lang="it-IT" sz="1400" b="0" i="1" smtClean="0">
-                        <a:latin typeface="Cambria Math" panose="02040503050406030204" pitchFamily="18" charset="0"/>
-                        <a:cs typeface="Arial" panose="020B0604020202020204" pitchFamily="34" charset="0"/>
-                      </a:rPr>
-                      <m:t>𝑛</m:t>
-                    </m:r>
-                    <m:r>
-                      <a:rPr lang="it-IT" sz="1400" b="0" i="1" smtClean="0">
-                        <a:latin typeface="Cambria Math" panose="02040503050406030204" pitchFamily="18" charset="0"/>
-                        <a:ea typeface="Cambria Math" panose="02040503050406030204" pitchFamily="18" charset="0"/>
-                        <a:cs typeface="Arial" panose="020B0604020202020204" pitchFamily="34" charset="0"/>
-                      </a:rPr>
-                      <m:t>×</m:t>
-                    </m:r>
-                    <m:r>
-                      <a:rPr lang="it-IT" sz="1400" b="0" i="1" smtClean="0">
-                        <a:latin typeface="Cambria Math" panose="02040503050406030204" pitchFamily="18" charset="0"/>
-                        <a:ea typeface="Cambria Math" panose="02040503050406030204" pitchFamily="18" charset="0"/>
-                        <a:cs typeface="Arial" panose="020B0604020202020204" pitchFamily="34" charset="0"/>
-                      </a:rPr>
-                      <m:t>𝑛</m:t>
-                    </m:r>
-                  </m:oMath>
-                </a14:m>
-                <a:r>
-                  <a:rPr lang="it-IT" sz="1400" dirty="0">
-                    <a:latin typeface="Arial" panose="020B0604020202020204" pitchFamily="34" charset="0"/>
-                    <a:cs typeface="Arial" panose="020B0604020202020204" pitchFamily="34" charset="0"/>
-                  </a:rPr>
-                  <a:t> quindi </a:t>
-                </a:r>
-                <a14:m>
-                  <m:oMath xmlns:m="http://schemas.openxmlformats.org/officeDocument/2006/math">
-                    <m:r>
-                      <a:rPr lang="it-IT" sz="1400" b="0" i="1" smtClean="0">
-                        <a:latin typeface="Cambria Math" panose="02040503050406030204" pitchFamily="18" charset="0"/>
-                        <a:cs typeface="Arial" panose="020B0604020202020204" pitchFamily="34" charset="0"/>
-                      </a:rPr>
-                      <m:t>𝑇</m:t>
-                    </m:r>
-                    <m:d>
-                      <m:dPr>
-                        <m:ctrlPr>
-                          <a:rPr lang="it-IT" sz="1400" b="0" i="1" smtClean="0">
-                            <a:latin typeface="Cambria Math" panose="02040503050406030204" pitchFamily="18" charset="0"/>
-                            <a:cs typeface="Arial" panose="020B0604020202020204" pitchFamily="34" charset="0"/>
-                          </a:rPr>
-                        </m:ctrlPr>
-                      </m:dPr>
-                      <m:e>
-                        <m:r>
-                          <a:rPr lang="it-IT" sz="1400" b="0" i="1" smtClean="0">
-                            <a:latin typeface="Cambria Math" panose="02040503050406030204" pitchFamily="18" charset="0"/>
-                            <a:cs typeface="Arial" panose="020B0604020202020204" pitchFamily="34" charset="0"/>
-                          </a:rPr>
-                          <m:t>𝐴𝑙𝑏𝑒𝑟𝑜𝐴𝑑𝑑𝑖𝑡𝑖𝑣𝑜</m:t>
-                        </m:r>
-                      </m:e>
-                    </m:d>
-                    <m:r>
-                      <a:rPr lang="it-IT" sz="1400" b="0" i="1" smtClean="0">
-                        <a:latin typeface="Cambria Math" panose="02040503050406030204" pitchFamily="18" charset="0"/>
-                        <a:cs typeface="Arial" panose="020B0604020202020204" pitchFamily="34" charset="0"/>
-                      </a:rPr>
-                      <m:t>=</m:t>
-                    </m:r>
-                    <m:r>
-                      <a:rPr lang="it-IT" sz="1400" b="0" i="1" smtClean="0">
-                        <a:latin typeface="Cambria Math" panose="02040503050406030204" pitchFamily="18" charset="0"/>
-                        <a:cs typeface="Arial" panose="020B0604020202020204" pitchFamily="34" charset="0"/>
-                      </a:rPr>
-                      <m:t>𝑂</m:t>
-                    </m:r>
-                    <m:sSup>
-                      <m:sSupPr>
-                        <m:ctrlPr>
-                          <a:rPr lang="it-IT" sz="1400" b="0" i="1" smtClean="0">
-                            <a:latin typeface="Cambria Math" panose="02040503050406030204" pitchFamily="18" charset="0"/>
-                            <a:cs typeface="Arial" panose="020B0604020202020204" pitchFamily="34" charset="0"/>
-                          </a:rPr>
-                        </m:ctrlPr>
-                      </m:sSupPr>
-                      <m:e>
-                        <m:r>
-                          <a:rPr lang="it-IT" sz="1400" b="0" i="1" smtClean="0">
-                            <a:latin typeface="Cambria Math" panose="02040503050406030204" pitchFamily="18" charset="0"/>
-                            <a:cs typeface="Arial" panose="020B0604020202020204" pitchFamily="34" charset="0"/>
-                          </a:rPr>
-                          <m:t>(</m:t>
-                        </m:r>
-                        <m:r>
-                          <a:rPr lang="it-IT" sz="1400" b="0" i="1" smtClean="0">
-                            <a:latin typeface="Cambria Math" panose="02040503050406030204" pitchFamily="18" charset="0"/>
-                            <a:cs typeface="Arial" panose="020B0604020202020204" pitchFamily="34" charset="0"/>
-                          </a:rPr>
-                          <m:t>𝑛</m:t>
-                        </m:r>
-                      </m:e>
-                      <m:sup>
-                        <m:r>
-                          <a:rPr lang="it-IT" sz="1400" b="0" i="1" smtClean="0">
-                            <a:latin typeface="Cambria Math" panose="02040503050406030204" pitchFamily="18" charset="0"/>
-                            <a:cs typeface="Arial" panose="020B0604020202020204" pitchFamily="34" charset="0"/>
-                          </a:rPr>
-                          <m:t>2</m:t>
-                        </m:r>
-                      </m:sup>
-                    </m:sSup>
-                    <m:r>
-                      <a:rPr lang="it-IT" sz="1400" b="0" i="1" smtClean="0">
-                        <a:latin typeface="Cambria Math" panose="02040503050406030204" pitchFamily="18" charset="0"/>
-                        <a:cs typeface="Arial" panose="020B0604020202020204" pitchFamily="34" charset="0"/>
-                      </a:rPr>
-                      <m:t>)</m:t>
-                    </m:r>
-                  </m:oMath>
-                </a14:m>
-                <a:endParaRPr lang="it-IT" sz="1400" dirty="0">
-                  <a:latin typeface="Arial" panose="020B0604020202020204" pitchFamily="34" charset="0"/>
-                  <a:cs typeface="Arial" panose="020B0604020202020204" pitchFamily="34" charset="0"/>
-                </a:endParaRPr>
-              </a:p>
-            </p:txBody>
-          </p:sp>
-        </mc:Choice>
-        <mc:Fallback xmlns="">
-          <p:sp>
-            <p:nvSpPr>
-              <p:cNvPr id="21" name="CasellaDiTesto 20">
-                <a:extLst>
-                  <a:ext uri="{FF2B5EF4-FFF2-40B4-BE49-F238E27FC236}">
-                    <a16:creationId xmlns:a16="http://schemas.microsoft.com/office/drawing/2014/main" id="{3C5EB037-59A4-48D2-AC13-EB126BA328FE}"/>
-                  </a:ext>
-                </a:extLst>
-              </p:cNvPr>
-              <p:cNvSpPr txBox="1">
-                <a:spLocks noRot="1" noChangeAspect="1" noMove="1" noResize="1" noEditPoints="1" noAdjustHandles="1" noChangeArrowheads="1" noChangeShapeType="1" noTextEdit="1"/>
-              </p:cNvSpPr>
-              <p:nvPr/>
-            </p:nvSpPr>
-            <p:spPr>
-              <a:xfrm>
-                <a:off x="6177076" y="1945958"/>
-                <a:ext cx="2957862" cy="541623"/>
-              </a:xfrm>
-              <a:prstGeom prst="rect">
-                <a:avLst/>
-              </a:prstGeom>
-              <a:blipFill>
-                <a:blip r:embed="rId5"/>
-                <a:stretch>
-                  <a:fillRect l="-617" t="-2247" b="-1124"/>
-                </a:stretch>
-              </a:blipFill>
-            </p:spPr>
-            <p:txBody>
-              <a:bodyPr/>
-              <a:lstStyle/>
-              <a:p>
-                <a:r>
-                  <a:rPr lang="it-IT">
-                    <a:noFill/>
-                  </a:rPr>
-                  <a:t> </a:t>
-                </a:r>
-              </a:p>
-            </p:txBody>
-          </p:sp>
-        </mc:Fallback>
-      </mc:AlternateContent>
-      <p:cxnSp>
-        <p:nvCxnSpPr>
-          <p:cNvPr id="6" name="Connettore 2 5">
-            <a:extLst>
-              <a:ext uri="{FF2B5EF4-FFF2-40B4-BE49-F238E27FC236}">
-                <a16:creationId xmlns:a16="http://schemas.microsoft.com/office/drawing/2014/main" id="{DD44D04C-E3C7-4FF0-B451-4BC0556BC62F}"/>
-              </a:ext>
-            </a:extLst>
-          </p:cNvPr>
-          <p:cNvCxnSpPr>
-            <a:stCxn id="20" idx="3"/>
-          </p:cNvCxnSpPr>
-          <p:nvPr/>
-        </p:nvCxnSpPr>
-        <p:spPr>
-          <a:xfrm flipV="1">
-            <a:off x="4104640" y="2216770"/>
-            <a:ext cx="1991360" cy="1"/>
-          </a:xfrm>
-          <a:prstGeom prst="straightConnector1">
-            <a:avLst/>
-          </a:prstGeom>
-          <a:ln>
-            <a:tailEnd type="triangle"/>
-          </a:ln>
-        </p:spPr>
-        <p:style>
-          <a:lnRef idx="2">
-            <a:schemeClr val="accent1"/>
-          </a:lnRef>
-          <a:fillRef idx="0">
-            <a:schemeClr val="accent1"/>
-          </a:fillRef>
-          <a:effectRef idx="1">
-            <a:schemeClr val="accent1"/>
-          </a:effectRef>
-          <a:fontRef idx="minor">
-            <a:schemeClr val="tx1"/>
-          </a:fontRef>
-        </p:style>
-      </p:cxnSp>
-      <mc:AlternateContent xmlns:mc="http://schemas.openxmlformats.org/markup-compatibility/2006" xmlns:a14="http://schemas.microsoft.com/office/drawing/2010/main">
-        <mc:Choice Requires="a14">
-          <p:sp>
-            <p:nvSpPr>
-              <p:cNvPr id="22" name="CasellaDiTesto 21">
-                <a:extLst>
-                  <a:ext uri="{FF2B5EF4-FFF2-40B4-BE49-F238E27FC236}">
-                    <a16:creationId xmlns:a16="http://schemas.microsoft.com/office/drawing/2014/main" id="{B7171666-322E-4242-90BF-FB83DFB1FDFA}"/>
-                  </a:ext>
-                </a:extLst>
-              </p:cNvPr>
-              <p:cNvSpPr txBox="1"/>
-              <p:nvPr/>
-            </p:nvSpPr>
-            <p:spPr>
-              <a:xfrm>
-                <a:off x="827398" y="3195750"/>
-                <a:ext cx="7489018" cy="307777"/>
-              </a:xfrm>
-              <a:prstGeom prst="rect">
-                <a:avLst/>
-              </a:prstGeom>
-              <a:noFill/>
-            </p:spPr>
-            <p:txBody>
-              <a:bodyPr wrap="square" rtlCol="0">
-                <a:spAutoFit/>
-              </a:bodyPr>
-              <a:lstStyle/>
-              <a:p>
-                <a:r>
-                  <a:rPr lang="it-IT" sz="1400" dirty="0">
-                    <a:latin typeface="Arial" panose="020B0604020202020204" pitchFamily="34" charset="0"/>
-                    <a:cs typeface="Arial" panose="020B0604020202020204" pitchFamily="34" charset="0"/>
-                  </a:rPr>
-                  <a:t>Viene eseguito </a:t>
-                </a:r>
-                <a14:m>
-                  <m:oMath xmlns:m="http://schemas.openxmlformats.org/officeDocument/2006/math">
-                    <m:r>
-                      <a:rPr lang="it-IT" sz="1400" b="0" i="1" smtClean="0">
-                        <a:latin typeface="Cambria Math" panose="02040503050406030204" pitchFamily="18" charset="0"/>
-                        <a:cs typeface="Arial" panose="020B0604020202020204" pitchFamily="34" charset="0"/>
-                      </a:rPr>
-                      <m:t>𝑛</m:t>
-                    </m:r>
-                  </m:oMath>
-                </a14:m>
-                <a:r>
-                  <a:rPr lang="it-IT" sz="1400" dirty="0">
-                    <a:latin typeface="Arial" panose="020B0604020202020204" pitchFamily="34" charset="0"/>
-                    <a:cs typeface="Arial" panose="020B0604020202020204" pitchFamily="34" charset="0"/>
-                  </a:rPr>
-                  <a:t> volte, quindi </a:t>
-                </a:r>
-                <a14:m>
-                  <m:oMath xmlns:m="http://schemas.openxmlformats.org/officeDocument/2006/math">
-                    <m:r>
-                      <a:rPr lang="it-IT" sz="1400" b="0" i="1" smtClean="0">
-                        <a:latin typeface="Cambria Math" panose="02040503050406030204" pitchFamily="18" charset="0"/>
-                        <a:cs typeface="Arial" panose="020B0604020202020204" pitchFamily="34" charset="0"/>
-                      </a:rPr>
-                      <m:t>𝑇</m:t>
-                    </m:r>
-                    <m:d>
-                      <m:dPr>
-                        <m:ctrlPr>
-                          <a:rPr lang="it-IT" sz="1400" b="0" i="1" smtClean="0">
-                            <a:latin typeface="Cambria Math" panose="02040503050406030204" pitchFamily="18" charset="0"/>
-                            <a:cs typeface="Arial" panose="020B0604020202020204" pitchFamily="34" charset="0"/>
-                          </a:rPr>
-                        </m:ctrlPr>
-                      </m:dPr>
-                      <m:e>
-                        <m:r>
-                          <a:rPr lang="it-IT" sz="1400" b="0" i="1" smtClean="0">
-                            <a:latin typeface="Cambria Math" panose="02040503050406030204" pitchFamily="18" charset="0"/>
-                            <a:cs typeface="Arial" panose="020B0604020202020204" pitchFamily="34" charset="0"/>
-                          </a:rPr>
-                          <m:t>𝑡𝑜𝑡𝑎𝑙𝑒</m:t>
-                        </m:r>
-                      </m:e>
-                    </m:d>
-                    <m:r>
-                      <a:rPr lang="it-IT" sz="1400" b="0" i="1" smtClean="0">
-                        <a:latin typeface="Cambria Math" panose="02040503050406030204" pitchFamily="18" charset="0"/>
-                        <a:cs typeface="Arial" panose="020B0604020202020204" pitchFamily="34" charset="0"/>
-                      </a:rPr>
-                      <m:t>=</m:t>
-                    </m:r>
-                    <m:r>
-                      <a:rPr lang="it-IT" sz="1400" b="0" i="1" smtClean="0">
-                        <a:latin typeface="Cambria Math" panose="02040503050406030204" pitchFamily="18" charset="0"/>
-                        <a:cs typeface="Arial" panose="020B0604020202020204" pitchFamily="34" charset="0"/>
-                      </a:rPr>
-                      <m:t>𝑂</m:t>
-                    </m:r>
-                    <m:d>
-                      <m:dPr>
-                        <m:ctrlPr>
-                          <a:rPr lang="it-IT" sz="1400" b="0" i="1" smtClean="0">
-                            <a:latin typeface="Cambria Math" panose="02040503050406030204" pitchFamily="18" charset="0"/>
-                            <a:cs typeface="Arial" panose="020B0604020202020204" pitchFamily="34" charset="0"/>
-                          </a:rPr>
-                        </m:ctrlPr>
-                      </m:dPr>
-                      <m:e>
-                        <m:r>
-                          <a:rPr lang="it-IT" sz="1400" b="0" i="1" smtClean="0">
-                            <a:latin typeface="Cambria Math" panose="02040503050406030204" pitchFamily="18" charset="0"/>
-                            <a:cs typeface="Arial" panose="020B0604020202020204" pitchFamily="34" charset="0"/>
-                          </a:rPr>
-                          <m:t>𝑛</m:t>
-                        </m:r>
-                      </m:e>
-                    </m:d>
-                    <m:r>
-                      <a:rPr lang="it-IT" sz="1400" b="0" i="1" smtClean="0">
-                        <a:latin typeface="Cambria Math" panose="02040503050406030204" pitchFamily="18" charset="0"/>
-                        <a:ea typeface="Cambria Math" panose="02040503050406030204" pitchFamily="18" charset="0"/>
-                        <a:cs typeface="Arial" panose="020B0604020202020204" pitchFamily="34" charset="0"/>
-                      </a:rPr>
-                      <m:t>×</m:t>
-                    </m:r>
-                    <m:r>
-                      <a:rPr lang="it-IT" sz="1400" b="0" i="1" smtClean="0">
-                        <a:latin typeface="Cambria Math" panose="02040503050406030204" pitchFamily="18" charset="0"/>
-                        <a:ea typeface="Cambria Math" panose="02040503050406030204" pitchFamily="18" charset="0"/>
-                        <a:cs typeface="Arial" panose="020B0604020202020204" pitchFamily="34" charset="0"/>
-                      </a:rPr>
-                      <m:t>𝑇</m:t>
-                    </m:r>
-                    <m:d>
-                      <m:dPr>
-                        <m:ctrlPr>
-                          <a:rPr lang="it-IT" sz="1400" b="0" i="1" smtClean="0">
-                            <a:latin typeface="Cambria Math" panose="02040503050406030204" pitchFamily="18" charset="0"/>
-                            <a:ea typeface="Cambria Math" panose="02040503050406030204" pitchFamily="18" charset="0"/>
-                            <a:cs typeface="Arial" panose="020B0604020202020204" pitchFamily="34" charset="0"/>
-                          </a:rPr>
-                        </m:ctrlPr>
-                      </m:dPr>
-                      <m:e>
-                        <m:r>
-                          <a:rPr lang="it-IT" sz="1400" b="0" i="1" smtClean="0">
-                            <a:latin typeface="Cambria Math" panose="02040503050406030204" pitchFamily="18" charset="0"/>
-                            <a:ea typeface="Cambria Math" panose="02040503050406030204" pitchFamily="18" charset="0"/>
-                            <a:cs typeface="Arial" panose="020B0604020202020204" pitchFamily="34" charset="0"/>
-                          </a:rPr>
-                          <m:t>𝐴𝑙𝑏𝑒𝑟𝑜𝐴𝑑𝑑𝑖𝑡𝑖𝑣𝑜</m:t>
-                        </m:r>
-                      </m:e>
-                    </m:d>
-                    <m:r>
-                      <a:rPr lang="it-IT" sz="1400" b="0" i="1" smtClean="0">
-                        <a:latin typeface="Cambria Math" panose="02040503050406030204" pitchFamily="18" charset="0"/>
-                        <a:ea typeface="Cambria Math" panose="02040503050406030204" pitchFamily="18" charset="0"/>
-                        <a:cs typeface="Arial" panose="020B0604020202020204" pitchFamily="34" charset="0"/>
-                      </a:rPr>
-                      <m:t>=</m:t>
-                    </m:r>
-                    <m:r>
-                      <a:rPr lang="it-IT" sz="1400" i="1">
-                        <a:latin typeface="Cambria Math" panose="02040503050406030204" pitchFamily="18" charset="0"/>
-                        <a:cs typeface="Arial" panose="020B0604020202020204" pitchFamily="34" charset="0"/>
-                      </a:rPr>
-                      <m:t>𝑂</m:t>
-                    </m:r>
-                    <m:d>
-                      <m:dPr>
-                        <m:ctrlPr>
-                          <a:rPr lang="it-IT" sz="1400" i="1">
-                            <a:latin typeface="Cambria Math" panose="02040503050406030204" pitchFamily="18" charset="0"/>
-                            <a:cs typeface="Arial" panose="020B0604020202020204" pitchFamily="34" charset="0"/>
-                          </a:rPr>
-                        </m:ctrlPr>
-                      </m:dPr>
-                      <m:e>
-                        <m:r>
-                          <a:rPr lang="it-IT" sz="1400" i="1">
-                            <a:latin typeface="Cambria Math" panose="02040503050406030204" pitchFamily="18" charset="0"/>
-                            <a:cs typeface="Arial" panose="020B0604020202020204" pitchFamily="34" charset="0"/>
-                          </a:rPr>
-                          <m:t>𝑛</m:t>
-                        </m:r>
-                      </m:e>
-                    </m:d>
-                    <m:r>
-                      <a:rPr lang="it-IT" sz="1400" i="1">
-                        <a:latin typeface="Cambria Math" panose="02040503050406030204" pitchFamily="18" charset="0"/>
-                        <a:ea typeface="Cambria Math" panose="02040503050406030204" pitchFamily="18" charset="0"/>
-                        <a:cs typeface="Arial" panose="020B0604020202020204" pitchFamily="34" charset="0"/>
-                      </a:rPr>
-                      <m:t>×</m:t>
-                    </m:r>
-                    <m:r>
-                      <a:rPr lang="it-IT" sz="1400" i="1">
-                        <a:latin typeface="Cambria Math" panose="02040503050406030204" pitchFamily="18" charset="0"/>
-                        <a:ea typeface="Cambria Math" panose="02040503050406030204" pitchFamily="18" charset="0"/>
-                        <a:cs typeface="Arial" panose="020B0604020202020204" pitchFamily="34" charset="0"/>
-                      </a:rPr>
-                      <m:t>𝑂</m:t>
-                    </m:r>
-                    <m:r>
-                      <a:rPr lang="it-IT" sz="1400" i="1">
-                        <a:latin typeface="Cambria Math" panose="02040503050406030204" pitchFamily="18" charset="0"/>
-                        <a:ea typeface="Cambria Math" panose="02040503050406030204" pitchFamily="18" charset="0"/>
-                        <a:cs typeface="Arial" panose="020B0604020202020204" pitchFamily="34" charset="0"/>
-                      </a:rPr>
-                      <m:t>(</m:t>
-                    </m:r>
-                    <m:sSup>
-                      <m:sSupPr>
-                        <m:ctrlPr>
-                          <a:rPr lang="it-IT" sz="1400" i="1">
-                            <a:latin typeface="Cambria Math" panose="02040503050406030204" pitchFamily="18" charset="0"/>
-                            <a:ea typeface="Cambria Math" panose="02040503050406030204" pitchFamily="18" charset="0"/>
-                            <a:cs typeface="Arial" panose="020B0604020202020204" pitchFamily="34" charset="0"/>
-                          </a:rPr>
-                        </m:ctrlPr>
-                      </m:sSupPr>
-                      <m:e>
-                        <m:r>
-                          <a:rPr lang="it-IT" sz="1400" i="1">
-                            <a:latin typeface="Cambria Math" panose="02040503050406030204" pitchFamily="18" charset="0"/>
-                            <a:ea typeface="Cambria Math" panose="02040503050406030204" pitchFamily="18" charset="0"/>
-                            <a:cs typeface="Arial" panose="020B0604020202020204" pitchFamily="34" charset="0"/>
-                          </a:rPr>
-                          <m:t>𝑛</m:t>
-                        </m:r>
-                      </m:e>
-                      <m:sup>
-                        <m:r>
-                          <a:rPr lang="it-IT" sz="1400" i="1">
-                            <a:latin typeface="Cambria Math" panose="02040503050406030204" pitchFamily="18" charset="0"/>
-                            <a:ea typeface="Cambria Math" panose="02040503050406030204" pitchFamily="18" charset="0"/>
-                            <a:cs typeface="Arial" panose="020B0604020202020204" pitchFamily="34" charset="0"/>
-                          </a:rPr>
-                          <m:t>2</m:t>
-                        </m:r>
-                      </m:sup>
-                    </m:sSup>
-                    <m:r>
-                      <a:rPr lang="it-IT" sz="1400" b="0" i="1" smtClean="0">
-                        <a:latin typeface="Cambria Math" panose="02040503050406030204" pitchFamily="18" charset="0"/>
-                        <a:ea typeface="Cambria Math" panose="02040503050406030204" pitchFamily="18" charset="0"/>
-                        <a:cs typeface="Arial" panose="020B0604020202020204" pitchFamily="34" charset="0"/>
-                      </a:rPr>
-                      <m:t>)</m:t>
-                    </m:r>
-                  </m:oMath>
-                </a14:m>
-                <a:r>
-                  <a:rPr lang="it-IT" sz="1400" dirty="0">
-                    <a:latin typeface="Arial" panose="020B0604020202020204" pitchFamily="34" charset="0"/>
-                    <a:cs typeface="Arial" panose="020B0604020202020204" pitchFamily="34" charset="0"/>
-                  </a:rPr>
-                  <a:t>=</a:t>
-                </a:r>
-                <a:r>
-                  <a:rPr lang="it-IT" sz="1400" dirty="0">
-                    <a:ea typeface="Cambria Math" panose="02040503050406030204" pitchFamily="18" charset="0"/>
-                    <a:cs typeface="Arial" panose="020B0604020202020204" pitchFamily="34" charset="0"/>
-                  </a:rPr>
-                  <a:t> </a:t>
-                </a:r>
-                <a14:m>
-                  <m:oMath xmlns:m="http://schemas.openxmlformats.org/officeDocument/2006/math">
-                    <m:r>
-                      <a:rPr lang="it-IT" sz="1400" i="1">
-                        <a:latin typeface="Cambria Math" panose="02040503050406030204" pitchFamily="18" charset="0"/>
-                        <a:ea typeface="Cambria Math" panose="02040503050406030204" pitchFamily="18" charset="0"/>
-                        <a:cs typeface="Arial" panose="020B0604020202020204" pitchFamily="34" charset="0"/>
-                      </a:rPr>
-                      <m:t>𝑂</m:t>
-                    </m:r>
-                    <m:r>
-                      <a:rPr lang="it-IT" sz="1400" i="1">
-                        <a:latin typeface="Cambria Math" panose="02040503050406030204" pitchFamily="18" charset="0"/>
-                        <a:ea typeface="Cambria Math" panose="02040503050406030204" pitchFamily="18" charset="0"/>
-                        <a:cs typeface="Arial" panose="020B0604020202020204" pitchFamily="34" charset="0"/>
-                      </a:rPr>
-                      <m:t>(</m:t>
-                    </m:r>
-                    <m:sSup>
-                      <m:sSupPr>
-                        <m:ctrlPr>
-                          <a:rPr lang="it-IT" sz="1400" i="1">
-                            <a:latin typeface="Cambria Math" panose="02040503050406030204" pitchFamily="18" charset="0"/>
-                            <a:ea typeface="Cambria Math" panose="02040503050406030204" pitchFamily="18" charset="0"/>
-                            <a:cs typeface="Arial" panose="020B0604020202020204" pitchFamily="34" charset="0"/>
-                          </a:rPr>
-                        </m:ctrlPr>
-                      </m:sSupPr>
-                      <m:e>
-                        <m:r>
-                          <a:rPr lang="it-IT" sz="1400" i="1">
-                            <a:latin typeface="Cambria Math" panose="02040503050406030204" pitchFamily="18" charset="0"/>
-                            <a:ea typeface="Cambria Math" panose="02040503050406030204" pitchFamily="18" charset="0"/>
-                            <a:cs typeface="Arial" panose="020B0604020202020204" pitchFamily="34" charset="0"/>
-                          </a:rPr>
-                          <m:t>𝑛</m:t>
-                        </m:r>
-                      </m:e>
-                      <m:sup>
-                        <m:r>
-                          <a:rPr lang="it-IT" sz="1400" b="0" i="1" smtClean="0">
-                            <a:latin typeface="Cambria Math" panose="02040503050406030204" pitchFamily="18" charset="0"/>
-                            <a:ea typeface="Cambria Math" panose="02040503050406030204" pitchFamily="18" charset="0"/>
-                            <a:cs typeface="Arial" panose="020B0604020202020204" pitchFamily="34" charset="0"/>
-                          </a:rPr>
-                          <m:t>3</m:t>
-                        </m:r>
-                      </m:sup>
-                    </m:sSup>
-                    <m:r>
-                      <a:rPr lang="it-IT" sz="1400" b="0" i="1" smtClean="0">
-                        <a:latin typeface="Cambria Math" panose="02040503050406030204" pitchFamily="18" charset="0"/>
-                        <a:ea typeface="Cambria Math" panose="02040503050406030204" pitchFamily="18" charset="0"/>
-                        <a:cs typeface="Arial" panose="020B0604020202020204" pitchFamily="34" charset="0"/>
-                      </a:rPr>
-                      <m:t>)</m:t>
-                    </m:r>
-                  </m:oMath>
-                </a14:m>
-                <a:endParaRPr lang="it-IT" sz="1400" dirty="0">
-                  <a:latin typeface="Arial" panose="020B0604020202020204" pitchFamily="34" charset="0"/>
-                  <a:cs typeface="Arial" panose="020B0604020202020204" pitchFamily="34" charset="0"/>
-                </a:endParaRPr>
-              </a:p>
-            </p:txBody>
-          </p:sp>
-        </mc:Choice>
-        <mc:Fallback xmlns="">
-          <p:sp>
-            <p:nvSpPr>
-              <p:cNvPr id="22" name="CasellaDiTesto 21">
-                <a:extLst>
-                  <a:ext uri="{FF2B5EF4-FFF2-40B4-BE49-F238E27FC236}">
-                    <a16:creationId xmlns:a16="http://schemas.microsoft.com/office/drawing/2014/main" id="{B7171666-322E-4242-90BF-FB83DFB1FDFA}"/>
-                  </a:ext>
-                </a:extLst>
-              </p:cNvPr>
-              <p:cNvSpPr txBox="1">
-                <a:spLocks noRot="1" noChangeAspect="1" noMove="1" noResize="1" noEditPoints="1" noAdjustHandles="1" noChangeArrowheads="1" noChangeShapeType="1" noTextEdit="1"/>
-              </p:cNvSpPr>
-              <p:nvPr/>
-            </p:nvSpPr>
-            <p:spPr>
-              <a:xfrm>
-                <a:off x="827398" y="3195750"/>
-                <a:ext cx="7489018" cy="307777"/>
-              </a:xfrm>
-              <a:prstGeom prst="rect">
-                <a:avLst/>
-              </a:prstGeom>
-              <a:blipFill>
-                <a:blip r:embed="rId6"/>
-                <a:stretch>
-                  <a:fillRect l="-244" t="-3922" b="-19608"/>
-                </a:stretch>
-              </a:blipFill>
-            </p:spPr>
-            <p:txBody>
-              <a:bodyPr/>
-              <a:lstStyle/>
-              <a:p>
-                <a:r>
-                  <a:rPr lang="it-IT">
-                    <a:noFill/>
-                  </a:rPr>
-                  <a:t> </a:t>
-                </a:r>
-              </a:p>
-            </p:txBody>
-          </p:sp>
-        </mc:Fallback>
-      </mc:AlternateContent>
-      <p:cxnSp>
-        <p:nvCxnSpPr>
-          <p:cNvPr id="23" name="Connettore a gomito 22">
-            <a:extLst>
-              <a:ext uri="{FF2B5EF4-FFF2-40B4-BE49-F238E27FC236}">
-                <a16:creationId xmlns:a16="http://schemas.microsoft.com/office/drawing/2014/main" id="{F5CC9B33-04B3-498F-A485-5035345C6515}"/>
-              </a:ext>
-            </a:extLst>
-          </p:cNvPr>
-          <p:cNvCxnSpPr>
-            <a:stCxn id="21" idx="2"/>
-            <a:endCxn id="22" idx="0"/>
-          </p:cNvCxnSpPr>
-          <p:nvPr/>
-        </p:nvCxnSpPr>
-        <p:spPr>
-          <a:xfrm rot="5400000">
-            <a:off x="5759873" y="1299615"/>
-            <a:ext cx="708169" cy="3084100"/>
-          </a:xfrm>
-          <a:prstGeom prst="bentConnector3">
-            <a:avLst/>
-          </a:prstGeom>
-          <a:ln>
-            <a:tailEnd type="triangle"/>
-          </a:ln>
-        </p:spPr>
-        <p:style>
-          <a:lnRef idx="2">
-            <a:schemeClr val="accent1"/>
-          </a:lnRef>
-          <a:fillRef idx="0">
-            <a:schemeClr val="accent1"/>
-          </a:fillRef>
-          <a:effectRef idx="1">
-            <a:schemeClr val="accent1"/>
-          </a:effectRef>
-          <a:fontRef idx="minor">
-            <a:schemeClr val="tx1"/>
-          </a:fontRef>
-        </p:style>
-      </p:cxnSp>
-      <p:cxnSp>
-        <p:nvCxnSpPr>
-          <p:cNvPr id="26" name="Connettore diritto 25">
-            <a:extLst>
-              <a:ext uri="{FF2B5EF4-FFF2-40B4-BE49-F238E27FC236}">
-                <a16:creationId xmlns:a16="http://schemas.microsoft.com/office/drawing/2014/main" id="{919C695C-8CB1-41F7-B0E5-A6D079D2607B}"/>
-              </a:ext>
-            </a:extLst>
-          </p:cNvPr>
-          <p:cNvCxnSpPr>
-            <a:cxnSpLocks/>
-          </p:cNvCxnSpPr>
-          <p:nvPr/>
-        </p:nvCxnSpPr>
-        <p:spPr>
-          <a:xfrm flipV="1">
-            <a:off x="436880" y="3774337"/>
-            <a:ext cx="8098883" cy="60960"/>
-          </a:xfrm>
-          <a:prstGeom prst="line">
-            <a:avLst/>
-          </a:prstGeom>
-        </p:spPr>
-        <p:style>
-          <a:lnRef idx="2">
-            <a:schemeClr val="accent1"/>
-          </a:lnRef>
-          <a:fillRef idx="0">
-            <a:schemeClr val="accent1"/>
-          </a:fillRef>
-          <a:effectRef idx="1">
-            <a:schemeClr val="accent1"/>
-          </a:effectRef>
-          <a:fontRef idx="minor">
-            <a:schemeClr val="tx1"/>
-          </a:fontRef>
-        </p:style>
-      </p:cxnSp>
-      <mc:AlternateContent xmlns:mc="http://schemas.openxmlformats.org/markup-compatibility/2006" xmlns:a14="http://schemas.microsoft.com/office/drawing/2010/main">
-        <mc:Choice Requires="a14">
+      <mc:AlternateContent xmlns:mc="http://schemas.openxmlformats.org/markup-compatibility/2006">
+        <mc:Choice xmlns:a14="http://schemas.microsoft.com/office/drawing/2010/main" Requires="a14">
           <p:sp>
             <p:nvSpPr>
               <p:cNvPr id="32" name="CasellaDiTesto 31">
@@ -10376,8 +6904,8 @@
             </p:nvSpPr>
             <p:spPr>
               <a:xfrm>
-                <a:off x="9062" y="4131627"/>
-                <a:ext cx="9134754" cy="307777"/>
+                <a:off x="-185" y="2218684"/>
+                <a:ext cx="9134754" cy="738664"/>
               </a:xfrm>
               <a:prstGeom prst="rect">
                 <a:avLst/>
@@ -10390,31 +6918,27 @@
               </a:bodyPr>
               <a:lstStyle/>
               <a:p>
-                <a:pPr algn="ctr"/>
-                <a:r>
-                  <a:rPr lang="it-IT" sz="1400" dirty="0">
-                    <a:latin typeface="Arial" panose="020B0604020202020204" pitchFamily="34" charset="0"/>
-                    <a:cs typeface="Arial" panose="020B0604020202020204" pitchFamily="34" charset="0"/>
-                  </a:rPr>
-                  <a:t>Criticità </a:t>
-                </a:r>
+                <a:pPr marL="285750" indent="-285750">
+                  <a:buFont typeface="Arial" panose="020B0604020202020204" pitchFamily="34" charset="0"/>
+                  <a:buChar char="•"/>
+                </a:pPr>
                 <a:r>
                   <a:rPr lang="it-IT" sz="1400" dirty="0">
                     <a:latin typeface="Arial" panose="020B0604020202020204" pitchFamily="34" charset="0"/>
                     <a:cs typeface="Arial" panose="020B0604020202020204" pitchFamily="34" charset="0"/>
                     <a:sym typeface="Wingdings" panose="05000000000000000000" pitchFamily="2" charset="2"/>
                   </a:rPr>
-                  <a:t> </a:t>
+                  <a:t>Risolve il problema degli alberi basati sulla distanza solamente se l’elemento più piccolo della matrice </a:t>
                 </a:r>
                 <a14:m>
                   <m:oMath xmlns:m="http://schemas.openxmlformats.org/officeDocument/2006/math">
                     <m:r>
-                      <a:rPr lang="it-IT" sz="1400" b="0" i="1" smtClean="0">
+                      <a:rPr lang="it-IT" sz="1400" i="1" dirty="0">
                         <a:latin typeface="Cambria Math" panose="02040503050406030204" pitchFamily="18" charset="0"/>
                         <a:cs typeface="Arial" panose="020B0604020202020204" pitchFamily="34" charset="0"/>
                         <a:sym typeface="Wingdings" panose="05000000000000000000" pitchFamily="2" charset="2"/>
                       </a:rPr>
-                      <m:t>𝐴𝑙𝑏𝑒𝑟𝑜𝐴𝑑𝑑𝑖𝑡𝑖𝑣𝑜</m:t>
+                      <m:t>𝐷</m:t>
                     </m:r>
                   </m:oMath>
                 </a14:m>
@@ -10422,8 +6946,42 @@
                   <a:rPr lang="it-IT" sz="1400" dirty="0">
                     <a:latin typeface="Arial" panose="020B0604020202020204" pitchFamily="34" charset="0"/>
                     <a:cs typeface="Arial" panose="020B0604020202020204" pitchFamily="34" charset="0"/>
+                    <a:sym typeface="Wingdings" panose="05000000000000000000" pitchFamily="2" charset="2"/>
                   </a:rPr>
-                  <a:t> non riesce a costruire </a:t>
+                  <a:t> corrisponde a due foglie vicine nell’albero </a:t>
+                </a:r>
+                <a14:m>
+                  <m:oMath xmlns:m="http://schemas.openxmlformats.org/officeDocument/2006/math">
+                    <m:r>
+                      <a:rPr lang="it-IT" sz="1400" i="1" dirty="0">
+                        <a:latin typeface="Cambria Math" panose="02040503050406030204" pitchFamily="18" charset="0"/>
+                        <a:cs typeface="Arial" panose="020B0604020202020204" pitchFamily="34" charset="0"/>
+                        <a:sym typeface="Wingdings" panose="05000000000000000000" pitchFamily="2" charset="2"/>
+                      </a:rPr>
+                      <m:t>𝑇</m:t>
+                    </m:r>
+                  </m:oMath>
+                </a14:m>
+                <a:r>
+                  <a:rPr lang="it-IT" sz="1400" b="0" dirty="0">
+                    <a:latin typeface="Cambria Math" panose="02040503050406030204" pitchFamily="18" charset="0"/>
+                    <a:cs typeface="Arial" panose="020B0604020202020204" pitchFamily="34" charset="0"/>
+                    <a:sym typeface="Wingdings" panose="05000000000000000000" pitchFamily="2" charset="2"/>
+                  </a:rPr>
+                  <a:t>;</a:t>
+                </a:r>
+              </a:p>
+              <a:p>
+                <a:pPr marL="285750" indent="-285750">
+                  <a:buFont typeface="Arial" panose="020B0604020202020204" pitchFamily="34" charset="0"/>
+                  <a:buChar char="•"/>
+                </a:pPr>
+                <a:r>
+                  <a:rPr lang="it-IT" sz="1400" dirty="0">
+                    <a:latin typeface="Arial" panose="020B0604020202020204" pitchFamily="34" charset="0"/>
+                    <a:cs typeface="Arial" panose="020B0604020202020204" pitchFamily="34" charset="0"/>
+                  </a:rPr>
+                  <a:t>Non riesce a costruire </a:t>
                 </a:r>
                 <a14:m>
                   <m:oMath xmlns:m="http://schemas.openxmlformats.org/officeDocument/2006/math">
@@ -10465,7 +7023,7 @@
             </p:txBody>
           </p:sp>
         </mc:Choice>
-        <mc:Fallback xmlns="">
+        <mc:Fallback>
           <p:sp>
             <p:nvSpPr>
               <p:cNvPr id="32" name="CasellaDiTesto 31">
@@ -10482,16 +7040,16 @@
             </p:nvSpPr>
             <p:spPr>
               <a:xfrm>
-                <a:off x="9062" y="4131627"/>
-                <a:ext cx="9134754" cy="307777"/>
+                <a:off x="-185" y="2218684"/>
+                <a:ext cx="9134754" cy="738664"/>
               </a:xfrm>
               <a:prstGeom prst="rect">
                 <a:avLst/>
               </a:prstGeom>
               <a:blipFill>
-                <a:blip r:embed="rId7"/>
+                <a:blip r:embed="rId4"/>
                 <a:stretch>
-                  <a:fillRect t="-4000" b="-20000"/>
+                  <a:fillRect l="-134" t="-1653" b="-7438"/>
                 </a:stretch>
               </a:blipFill>
             </p:spPr>
@@ -10512,101 +7070,6 @@
       </mc:AlternateContent>
       <p:sp>
         <p:nvSpPr>
-          <p:cNvPr id="33" name="CasellaDiTesto 32">
-            <a:extLst>
-              <a:ext uri="{FF2B5EF4-FFF2-40B4-BE49-F238E27FC236}">
-                <a16:creationId xmlns:a16="http://schemas.microsoft.com/office/drawing/2014/main" id="{45EE0C61-FB34-4008-A46B-6BF83FC84375}"/>
-              </a:ext>
-            </a:extLst>
-          </p:cNvPr>
-          <p:cNvSpPr txBox="1"/>
-          <p:nvPr/>
-        </p:nvSpPr>
-        <p:spPr>
-          <a:xfrm>
-            <a:off x="9246" y="6037498"/>
-            <a:ext cx="9134754" cy="307777"/>
-          </a:xfrm>
-          <a:prstGeom prst="rect">
-            <a:avLst/>
-          </a:prstGeom>
-          <a:noFill/>
-        </p:spPr>
-        <p:txBody>
-          <a:bodyPr wrap="square" rtlCol="0">
-            <a:spAutoFit/>
-          </a:bodyPr>
-          <a:lstStyle/>
-          <a:p>
-            <a:pPr algn="ctr"/>
-            <a:r>
-              <a:rPr lang="it-IT" sz="1400" dirty="0">
-                <a:latin typeface="Arial" panose="020B0604020202020204" pitchFamily="34" charset="0"/>
-                <a:cs typeface="Arial" panose="020B0604020202020204" pitchFamily="34" charset="0"/>
-              </a:rPr>
-              <a:t>Algoritmo </a:t>
-            </a:r>
-            <a:r>
-              <a:rPr lang="it-IT" sz="1400" b="1" dirty="0">
-                <a:latin typeface="Arial" panose="020B0604020202020204" pitchFamily="34" charset="0"/>
-                <a:cs typeface="Arial" panose="020B0604020202020204" pitchFamily="34" charset="0"/>
-              </a:rPr>
-              <a:t>Neighbor-Joining</a:t>
-            </a:r>
-            <a:r>
-              <a:rPr lang="it-IT" sz="1400" dirty="0">
-                <a:latin typeface="Arial" panose="020B0604020202020204" pitchFamily="34" charset="0"/>
-                <a:cs typeface="Arial" panose="020B0604020202020204" pitchFamily="34" charset="0"/>
-              </a:rPr>
-              <a:t>.</a:t>
-            </a:r>
-          </a:p>
-        </p:txBody>
-      </p:sp>
-      <p:cxnSp>
-        <p:nvCxnSpPr>
-          <p:cNvPr id="4" name="Connettore 2 3">
-            <a:extLst>
-              <a:ext uri="{FF2B5EF4-FFF2-40B4-BE49-F238E27FC236}">
-                <a16:creationId xmlns:a16="http://schemas.microsoft.com/office/drawing/2014/main" id="{071D3AA8-4091-42F3-A65F-B134697C78A9}"/>
-              </a:ext>
-            </a:extLst>
-          </p:cNvPr>
-          <p:cNvCxnSpPr>
-            <a:cxnSpLocks/>
-            <a:stCxn id="32" idx="2"/>
-          </p:cNvCxnSpPr>
-          <p:nvPr/>
-        </p:nvCxnSpPr>
-        <p:spPr>
-          <a:xfrm>
-            <a:off x="4576439" y="4439404"/>
-            <a:ext cx="0" cy="350879"/>
-          </a:xfrm>
-          <a:prstGeom prst="straightConnector1">
-            <a:avLst/>
-          </a:prstGeom>
-          <a:ln>
-            <a:tailEnd type="triangle"/>
-          </a:ln>
-        </p:spPr>
-        <p:style>
-          <a:lnRef idx="2">
-            <a:schemeClr val="accent1"/>
-          </a:lnRef>
-          <a:fillRef idx="0">
-            <a:schemeClr val="accent1"/>
-          </a:fillRef>
-          <a:effectRef idx="1">
-            <a:schemeClr val="accent1"/>
-          </a:effectRef>
-          <a:fontRef idx="minor">
-            <a:schemeClr val="tx1"/>
-          </a:fontRef>
-        </p:style>
-      </p:cxnSp>
-      <p:sp>
-        <p:nvSpPr>
           <p:cNvPr id="19" name="CasellaDiTesto 18">
             <a:extLst>
               <a:ext uri="{FF2B5EF4-FFF2-40B4-BE49-F238E27FC236}">
@@ -10619,7 +7082,7 @@
         </p:nvSpPr>
         <p:spPr>
           <a:xfrm>
-            <a:off x="-185" y="4790283"/>
+            <a:off x="-185" y="3601344"/>
             <a:ext cx="9134754" cy="307777"/>
           </a:xfrm>
           <a:prstGeom prst="rect">
@@ -10644,8 +7107,8 @@
           </a:p>
         </p:txBody>
       </p:sp>
-      <mc:AlternateContent xmlns:mc="http://schemas.openxmlformats.org/markup-compatibility/2006" xmlns:a14="http://schemas.microsoft.com/office/drawing/2010/main">
-        <mc:Choice Requires="a14">
+      <mc:AlternateContent xmlns:mc="http://schemas.openxmlformats.org/markup-compatibility/2006">
+        <mc:Choice xmlns:a14="http://schemas.microsoft.com/office/drawing/2010/main" Requires="a14">
           <p:sp>
             <p:nvSpPr>
               <p:cNvPr id="24" name="CasellaDiTesto 23">
@@ -10660,7 +7123,7 @@
             </p:nvSpPr>
             <p:spPr>
               <a:xfrm>
-                <a:off x="-185" y="5371284"/>
+                <a:off x="9246" y="4600593"/>
                 <a:ext cx="9134754" cy="307777"/>
               </a:xfrm>
               <a:prstGeom prst="rect">
@@ -10722,7 +7185,7 @@
             </p:txBody>
           </p:sp>
         </mc:Choice>
-        <mc:Fallback xmlns="">
+        <mc:Fallback>
           <p:sp>
             <p:nvSpPr>
               <p:cNvPr id="24" name="CasellaDiTesto 23">
@@ -10739,16 +7202,16 @@
             </p:nvSpPr>
             <p:spPr>
               <a:xfrm>
-                <a:off x="-185" y="5371284"/>
+                <a:off x="9246" y="4600593"/>
                 <a:ext cx="9134754" cy="307777"/>
               </a:xfrm>
               <a:prstGeom prst="rect">
                 <a:avLst/>
               </a:prstGeom>
               <a:blipFill>
-                <a:blip r:embed="rId8"/>
+                <a:blip r:embed="rId5"/>
                 <a:stretch>
-                  <a:fillRect t="-3922" b="-19608"/>
+                  <a:fillRect t="-4000" b="-20000"/>
                 </a:stretch>
               </a:blipFill>
             </p:spPr>
@@ -10784,8 +7247,8 @@
         </p:nvCxnSpPr>
         <p:spPr>
           <a:xfrm>
-            <a:off x="4567192" y="5098060"/>
-            <a:ext cx="0" cy="273224"/>
+            <a:off x="4567192" y="3909121"/>
+            <a:ext cx="9431" cy="691472"/>
           </a:xfrm>
           <a:prstGeom prst="straightConnector1">
             <a:avLst/>
@@ -10826,8 +7289,99 @@
         </p:nvCxnSpPr>
         <p:spPr>
           <a:xfrm>
-            <a:off x="4567192" y="5679061"/>
+            <a:off x="4576623" y="4908370"/>
             <a:ext cx="0" cy="358437"/>
+          </a:xfrm>
+          <a:prstGeom prst="straightConnector1">
+            <a:avLst/>
+          </a:prstGeom>
+          <a:ln>
+            <a:tailEnd type="triangle"/>
+          </a:ln>
+        </p:spPr>
+        <p:style>
+          <a:lnRef idx="2">
+            <a:schemeClr val="accent1"/>
+          </a:lnRef>
+          <a:fillRef idx="0">
+            <a:schemeClr val="accent1"/>
+          </a:fillRef>
+          <a:effectRef idx="1">
+            <a:schemeClr val="accent1"/>
+          </a:effectRef>
+          <a:fontRef idx="minor">
+            <a:schemeClr val="tx1"/>
+          </a:fontRef>
+        </p:style>
+      </p:cxnSp>
+      <p:sp>
+        <p:nvSpPr>
+          <p:cNvPr id="27" name="CasellaDiTesto 26">
+            <a:extLst>
+              <a:ext uri="{FF2B5EF4-FFF2-40B4-BE49-F238E27FC236}">
+                <a16:creationId xmlns:a16="http://schemas.microsoft.com/office/drawing/2014/main" id="{EDC4191F-049C-4A1B-96DF-517C461B1E4D}"/>
+              </a:ext>
+            </a:extLst>
+          </p:cNvPr>
+          <p:cNvSpPr txBox="1"/>
+          <p:nvPr/>
+        </p:nvSpPr>
+        <p:spPr>
+          <a:xfrm>
+            <a:off x="-185" y="5266807"/>
+            <a:ext cx="9134754" cy="307777"/>
+          </a:xfrm>
+          <a:prstGeom prst="rect">
+            <a:avLst/>
+          </a:prstGeom>
+          <a:noFill/>
+        </p:spPr>
+        <p:txBody>
+          <a:bodyPr wrap="square" rtlCol="0">
+            <a:spAutoFit/>
+          </a:bodyPr>
+          <a:lstStyle/>
+          <a:p>
+            <a:pPr algn="ctr"/>
+            <a:r>
+              <a:rPr lang="it-IT" sz="1400" dirty="0">
+                <a:latin typeface="Arial" panose="020B0604020202020204" pitchFamily="34" charset="0"/>
+                <a:cs typeface="Arial" panose="020B0604020202020204" pitchFamily="34" charset="0"/>
+              </a:rPr>
+              <a:t>Algoritmo che risolve entrambe le criticità: </a:t>
+            </a:r>
+            <a:r>
+              <a:rPr lang="it-IT" sz="1400" b="1" dirty="0">
+                <a:latin typeface="Arial" panose="020B0604020202020204" pitchFamily="34" charset="0"/>
+                <a:cs typeface="Arial" panose="020B0604020202020204" pitchFamily="34" charset="0"/>
+              </a:rPr>
+              <a:t>Neighbor-Joining</a:t>
+            </a:r>
+            <a:endParaRPr lang="it-IT" sz="1400" dirty="0">
+              <a:latin typeface="Arial" panose="020B0604020202020204" pitchFamily="34" charset="0"/>
+              <a:cs typeface="Arial" panose="020B0604020202020204" pitchFamily="34" charset="0"/>
+            </a:endParaRPr>
+          </a:p>
+        </p:txBody>
+      </p:sp>
+      <p:cxnSp>
+        <p:nvCxnSpPr>
+          <p:cNvPr id="15" name="Connettore 2 14">
+            <a:extLst>
+              <a:ext uri="{FF2B5EF4-FFF2-40B4-BE49-F238E27FC236}">
+                <a16:creationId xmlns:a16="http://schemas.microsoft.com/office/drawing/2014/main" id="{4A97A078-F0A2-45A5-AFE4-03206DCE28D4}"/>
+              </a:ext>
+            </a:extLst>
+          </p:cNvPr>
+          <p:cNvCxnSpPr>
+            <a:stCxn id="32" idx="2"/>
+          </p:cNvCxnSpPr>
+          <p:nvPr/>
+        </p:nvCxnSpPr>
+        <p:spPr>
+          <a:xfrm>
+            <a:off x="4567192" y="2957348"/>
+            <a:ext cx="9431" cy="643996"/>
           </a:xfrm>
           <a:prstGeom prst="straightConnector1">
             <a:avLst/>
@@ -10864,7 +7418,7 @@
 </p:sld>
 </file>
 
-<file path=ppt/slides/slide14.xml><?xml version="1.0" encoding="utf-8"?>
+<file path=ppt/slides/slide12.xml><?xml version="1.0" encoding="utf-8"?>
 <p:sld xmlns:a="http://schemas.openxmlformats.org/drawingml/2006/main" xmlns:r="http://schemas.openxmlformats.org/officeDocument/2006/relationships" xmlns:p="http://schemas.openxmlformats.org/presentationml/2006/main">
   <p:cSld>
     <p:spTree>
@@ -11016,7 +7570,7 @@
                 <a:cs typeface="Arial"/>
               </a:rPr>
               <a:pPr/>
-              <a:t>14</a:t>
+              <a:t>12</a:t>
             </a:fld>
             <a:endParaRPr lang="it-IT" b="1" dirty="0">
               <a:solidFill>
@@ -11924,7 +8478,7 @@
 </p:sld>
 </file>
 
-<file path=ppt/slides/slide15.xml><?xml version="1.0" encoding="utf-8"?>
+<file path=ppt/slides/slide13.xml><?xml version="1.0" encoding="utf-8"?>
 <p:sld xmlns:a="http://schemas.openxmlformats.org/drawingml/2006/main" xmlns:r="http://schemas.openxmlformats.org/officeDocument/2006/relationships" xmlns:p="http://schemas.openxmlformats.org/presentationml/2006/main">
   <p:cSld>
     <p:spTree>
@@ -12076,7 +8630,7 @@
                 <a:cs typeface="Arial"/>
               </a:rPr>
               <a:pPr/>
-              <a:t>15</a:t>
+              <a:t>13</a:t>
             </a:fld>
             <a:endParaRPr lang="it-IT" b="1" dirty="0">
               <a:solidFill>
@@ -13401,7 +9955,7 @@
 </p:sld>
 </file>
 
-<file path=ppt/slides/slide16.xml><?xml version="1.0" encoding="utf-8"?>
+<file path=ppt/slides/slide14.xml><?xml version="1.0" encoding="utf-8"?>
 <p:sld xmlns:a="http://schemas.openxmlformats.org/drawingml/2006/main" xmlns:r="http://schemas.openxmlformats.org/officeDocument/2006/relationships" xmlns:p="http://schemas.openxmlformats.org/presentationml/2006/main">
   <p:cSld>
     <p:spTree>
@@ -13553,7 +10107,7 @@
                 <a:cs typeface="Arial"/>
               </a:rPr>
               <a:pPr/>
-              <a:t>16</a:t>
+              <a:t>14</a:t>
             </a:fld>
             <a:endParaRPr lang="it-IT" b="1" dirty="0">
               <a:solidFill>
@@ -14324,7 +10878,7 @@
 </p:sld>
 </file>
 
-<file path=ppt/slides/slide17.xml><?xml version="1.0" encoding="utf-8"?>
+<file path=ppt/slides/slide15.xml><?xml version="1.0" encoding="utf-8"?>
 <p:sld xmlns:a="http://schemas.openxmlformats.org/drawingml/2006/main" xmlns:r="http://schemas.openxmlformats.org/officeDocument/2006/relationships" xmlns:p="http://schemas.openxmlformats.org/presentationml/2006/main">
   <p:cSld>
     <p:spTree>
@@ -14476,7 +11030,7 @@
                 <a:cs typeface="Arial"/>
               </a:rPr>
               <a:pPr/>
-              <a:t>17</a:t>
+              <a:t>15</a:t>
             </a:fld>
             <a:endParaRPr lang="it-IT" b="1" dirty="0">
               <a:solidFill>
@@ -15688,7 +12242,7 @@
 </p:sld>
 </file>
 
-<file path=ppt/slides/slide18.xml><?xml version="1.0" encoding="utf-8"?>
+<file path=ppt/slides/slide16.xml><?xml version="1.0" encoding="utf-8"?>
 <p:sld xmlns:a="http://schemas.openxmlformats.org/drawingml/2006/main" xmlns:r="http://schemas.openxmlformats.org/officeDocument/2006/relationships" xmlns:p="http://schemas.openxmlformats.org/presentationml/2006/main">
   <p:cSld>
     <p:spTree>
@@ -15849,7 +12403,7 @@
                 <a:cs typeface="Arial"/>
               </a:rPr>
               <a:pPr/>
-              <a:t>18</a:t>
+              <a:t>16</a:t>
             </a:fld>
             <a:endParaRPr lang="it-IT" b="1" dirty="0">
               <a:solidFill>
@@ -15974,8 +12528,8 @@
           </a:p>
         </p:txBody>
       </p:sp>
-      <mc:AlternateContent xmlns:mc="http://schemas.openxmlformats.org/markup-compatibility/2006">
-        <mc:Choice xmlns:a14="http://schemas.microsoft.com/office/drawing/2010/main" Requires="a14">
+      <mc:AlternateContent xmlns:mc="http://schemas.openxmlformats.org/markup-compatibility/2006" xmlns:a14="http://schemas.microsoft.com/office/drawing/2010/main">
+        <mc:Choice Requires="a14">
           <p:sp>
             <p:nvSpPr>
               <p:cNvPr id="29" name="CasellaDiTesto 28">
@@ -16190,7 +12744,7 @@
             </p:txBody>
           </p:sp>
         </mc:Choice>
-        <mc:Fallback>
+        <mc:Fallback xmlns="">
           <p:sp>
             <p:nvSpPr>
               <p:cNvPr id="29" name="CasellaDiTesto 28">
@@ -16636,7 +13190,7 @@
 </p:sld>
 </file>
 
-<file path=ppt/slides/slide19.xml><?xml version="1.0" encoding="utf-8"?>
+<file path=ppt/slides/slide17.xml><?xml version="1.0" encoding="utf-8"?>
 <p:sld xmlns:a="http://schemas.openxmlformats.org/drawingml/2006/main" xmlns:r="http://schemas.openxmlformats.org/officeDocument/2006/relationships" xmlns:p="http://schemas.openxmlformats.org/presentationml/2006/main">
   <p:cSld>
     <p:spTree>
@@ -16797,7 +13351,7 @@
                 <a:cs typeface="Arial"/>
               </a:rPr>
               <a:pPr/>
-              <a:t>19</a:t>
+              <a:t>17</a:t>
             </a:fld>
             <a:endParaRPr lang="it-IT" b="1" dirty="0">
               <a:solidFill>
@@ -18136,686 +14690,7 @@
 </p:sld>
 </file>
 
-<file path=ppt/slides/slide2.xml><?xml version="1.0" encoding="utf-8"?>
-<p:sld xmlns:a="http://schemas.openxmlformats.org/drawingml/2006/main" xmlns:r="http://schemas.openxmlformats.org/officeDocument/2006/relationships" xmlns:p="http://schemas.openxmlformats.org/presentationml/2006/main">
-  <p:cSld>
-    <p:spTree>
-      <p:nvGrpSpPr>
-        <p:cNvPr id="1" name=""/>
-        <p:cNvGrpSpPr/>
-        <p:nvPr/>
-      </p:nvGrpSpPr>
-      <p:grpSpPr>
-        <a:xfrm>
-          <a:off x="0" y="0"/>
-          <a:ext cx="0" cy="0"/>
-          <a:chOff x="0" y="0"/>
-          <a:chExt cx="0" cy="0"/>
-        </a:xfrm>
-      </p:grpSpPr>
-      <p:pic>
-        <p:nvPicPr>
-          <p:cNvPr id="2" name="Immagine 1"/>
-          <p:cNvPicPr>
-            <a:picLocks noChangeAspect="1"/>
-          </p:cNvPicPr>
-          <p:nvPr/>
-        </p:nvPicPr>
-        <p:blipFill>
-          <a:blip r:embed="rId3"/>
-          <a:stretch>
-            <a:fillRect/>
-          </a:stretch>
-        </p:blipFill>
-        <p:spPr>
-          <a:xfrm>
-            <a:off x="-183" y="3123"/>
-            <a:ext cx="9144000" cy="6872633"/>
-          </a:xfrm>
-          <a:prstGeom prst="rect">
-            <a:avLst/>
-          </a:prstGeom>
-        </p:spPr>
-      </p:pic>
-      <p:sp>
-        <p:nvSpPr>
-          <p:cNvPr id="7" name="CasellaDiTesto 6"/>
-          <p:cNvSpPr txBox="1"/>
-          <p:nvPr/>
-        </p:nvSpPr>
-        <p:spPr>
-          <a:xfrm>
-            <a:off x="9061" y="649703"/>
-            <a:ext cx="4663050" cy="461665"/>
-          </a:xfrm>
-          <a:prstGeom prst="rect">
-            <a:avLst/>
-          </a:prstGeom>
-          <a:noFill/>
-        </p:spPr>
-        <p:txBody>
-          <a:bodyPr wrap="square" rtlCol="0">
-            <a:spAutoFit/>
-          </a:bodyPr>
-          <a:lstStyle/>
-          <a:p>
-            <a:r>
-              <a:rPr lang="it-IT" sz="2400" b="1" dirty="0">
-                <a:solidFill>
-                  <a:schemeClr val="accent1">
-                    <a:lumMod val="75000"/>
-                  </a:schemeClr>
-                </a:solidFill>
-                <a:latin typeface="Arial"/>
-                <a:cs typeface="Arial"/>
-              </a:rPr>
-              <a:t>Concetti base di biologia</a:t>
-            </a:r>
-          </a:p>
-        </p:txBody>
-      </p:sp>
-      <p:sp>
-        <p:nvSpPr>
-          <p:cNvPr id="8" name="CasellaDiTesto 7"/>
-          <p:cNvSpPr txBox="1"/>
-          <p:nvPr/>
-        </p:nvSpPr>
-        <p:spPr>
-          <a:xfrm>
-            <a:off x="9061" y="1085353"/>
-            <a:ext cx="3660041" cy="369332"/>
-          </a:xfrm>
-          <a:prstGeom prst="rect">
-            <a:avLst/>
-          </a:prstGeom>
-          <a:noFill/>
-        </p:spPr>
-        <p:txBody>
-          <a:bodyPr wrap="square" rtlCol="0">
-            <a:spAutoFit/>
-          </a:bodyPr>
-          <a:lstStyle/>
-          <a:p>
-            <a:r>
-              <a:rPr lang="it-IT" i="1" dirty="0">
-                <a:latin typeface="Arial"/>
-                <a:cs typeface="Arial"/>
-              </a:rPr>
-              <a:t>DNA ed allineamento di sequenze</a:t>
-            </a:r>
-          </a:p>
-        </p:txBody>
-      </p:sp>
-      <p:sp>
-        <p:nvSpPr>
-          <p:cNvPr id="9" name="CasellaDiTesto 8"/>
-          <p:cNvSpPr txBox="1"/>
-          <p:nvPr/>
-        </p:nvSpPr>
-        <p:spPr>
-          <a:xfrm>
-            <a:off x="9061" y="1649996"/>
-            <a:ext cx="9134939" cy="307777"/>
-          </a:xfrm>
-          <a:prstGeom prst="rect">
-            <a:avLst/>
-          </a:prstGeom>
-          <a:noFill/>
-        </p:spPr>
-        <p:txBody>
-          <a:bodyPr wrap="square" rtlCol="0">
-            <a:spAutoFit/>
-          </a:bodyPr>
-          <a:lstStyle/>
-          <a:p>
-            <a:r>
-              <a:rPr lang="it-IT" sz="1400" dirty="0">
-                <a:latin typeface="Arial" panose="020B0604020202020204" pitchFamily="34" charset="0"/>
-                <a:cs typeface="Arial" panose="020B0604020202020204" pitchFamily="34" charset="0"/>
-              </a:rPr>
-              <a:t>Il </a:t>
-            </a:r>
-            <a:r>
-              <a:rPr lang="it-IT" sz="1400" b="1" dirty="0">
-                <a:latin typeface="Arial" panose="020B0604020202020204" pitchFamily="34" charset="0"/>
-                <a:cs typeface="Arial" panose="020B0604020202020204" pitchFamily="34" charset="0"/>
-              </a:rPr>
-              <a:t>DNA</a:t>
-            </a:r>
-            <a:r>
-              <a:rPr lang="it-IT" sz="1400" dirty="0">
-                <a:latin typeface="Arial" panose="020B0604020202020204" pitchFamily="34" charset="0"/>
-                <a:cs typeface="Arial" panose="020B0604020202020204" pitchFamily="34" charset="0"/>
-              </a:rPr>
-              <a:t> o </a:t>
-            </a:r>
-            <a:r>
-              <a:rPr lang="it-IT" sz="1400" b="1" dirty="0">
-                <a:latin typeface="Arial" panose="020B0604020202020204" pitchFamily="34" charset="0"/>
-                <a:cs typeface="Arial" panose="020B0604020202020204" pitchFamily="34" charset="0"/>
-              </a:rPr>
-              <a:t>acido desossiribonucleico </a:t>
-            </a:r>
-            <a:r>
-              <a:rPr lang="it-IT" sz="1400" dirty="0">
-                <a:latin typeface="Arial" panose="020B0604020202020204" pitchFamily="34" charset="0"/>
-                <a:cs typeface="Arial" panose="020B0604020202020204" pitchFamily="34" charset="0"/>
-              </a:rPr>
-              <a:t>è una macromolecola contenente il patrimonio genetico degli esseri viventi.</a:t>
-            </a:r>
-          </a:p>
-        </p:txBody>
-      </p:sp>
-      <p:sp>
-        <p:nvSpPr>
-          <p:cNvPr id="12" name="Rettangolo 11"/>
-          <p:cNvSpPr/>
-          <p:nvPr/>
-        </p:nvSpPr>
-        <p:spPr>
-          <a:xfrm>
-            <a:off x="8255000" y="6366466"/>
-            <a:ext cx="280763" cy="501650"/>
-          </a:xfrm>
-          <a:prstGeom prst="rect">
-            <a:avLst/>
-          </a:prstGeom>
-          <a:solidFill>
-            <a:srgbClr val="003053"/>
-          </a:solidFill>
-        </p:spPr>
-        <p:style>
-          <a:lnRef idx="1">
-            <a:schemeClr val="accent1"/>
-          </a:lnRef>
-          <a:fillRef idx="3">
-            <a:schemeClr val="accent1"/>
-          </a:fillRef>
-          <a:effectRef idx="2">
-            <a:schemeClr val="accent1"/>
-          </a:effectRef>
-          <a:fontRef idx="minor">
-            <a:schemeClr val="lt1"/>
-          </a:fontRef>
-        </p:style>
-        <p:txBody>
-          <a:bodyPr rtlCol="0" anchor="ctr"/>
-          <a:lstStyle/>
-          <a:p>
-            <a:pPr algn="ctr"/>
-            <a:endParaRPr lang="it-IT">
-              <a:solidFill>
-                <a:srgbClr val="003257"/>
-              </a:solidFill>
-            </a:endParaRPr>
-          </a:p>
-        </p:txBody>
-      </p:sp>
-      <p:sp>
-        <p:nvSpPr>
-          <p:cNvPr id="11" name="Segnaposto numero diapositiva 10"/>
-          <p:cNvSpPr>
-            <a:spLocks noGrp="1"/>
-          </p:cNvSpPr>
-          <p:nvPr>
-            <p:ph type="sldNum" sz="quarter" idx="12"/>
-          </p:nvPr>
-        </p:nvSpPr>
-        <p:spPr>
-          <a:xfrm>
-            <a:off x="6402163" y="6356350"/>
-            <a:ext cx="2133600" cy="365125"/>
-          </a:xfrm>
-        </p:spPr>
-        <p:txBody>
-          <a:bodyPr/>
-          <a:lstStyle/>
-          <a:p>
-            <a:fld id="{8EB8520A-26EA-DE4B-B141-4532FC98FF0E}" type="slidenum">
-              <a:rPr lang="it-IT" b="1" smtClean="0">
-                <a:solidFill>
-                  <a:schemeClr val="bg1"/>
-                </a:solidFill>
-                <a:latin typeface="Arial"/>
-                <a:cs typeface="Arial"/>
-              </a:rPr>
-              <a:pPr/>
-              <a:t>2</a:t>
-            </a:fld>
-            <a:endParaRPr lang="it-IT" b="1" dirty="0">
-              <a:solidFill>
-                <a:schemeClr val="bg1"/>
-              </a:solidFill>
-              <a:latin typeface="Arial"/>
-              <a:cs typeface="Arial"/>
-            </a:endParaRPr>
-          </a:p>
-        </p:txBody>
-      </p:sp>
-      <p:sp>
-        <p:nvSpPr>
-          <p:cNvPr id="10" name="CasellaDiTesto 9"/>
-          <p:cNvSpPr txBox="1"/>
-          <p:nvPr/>
-        </p:nvSpPr>
-        <p:spPr>
-          <a:xfrm>
-            <a:off x="5735951" y="51433"/>
-            <a:ext cx="2957862" cy="215444"/>
-          </a:xfrm>
-          <a:prstGeom prst="rect">
-            <a:avLst/>
-          </a:prstGeom>
-          <a:noFill/>
-        </p:spPr>
-        <p:txBody>
-          <a:bodyPr wrap="none" rtlCol="0">
-            <a:spAutoFit/>
-          </a:bodyPr>
-          <a:lstStyle/>
-          <a:p>
-            <a:pPr algn="r"/>
-            <a:r>
-              <a:rPr lang="it-IT" sz="800" b="1" dirty="0">
-                <a:solidFill>
-                  <a:schemeClr val="bg1"/>
-                </a:solidFill>
-                <a:latin typeface="Arial"/>
-                <a:cs typeface="Arial"/>
-              </a:rPr>
-              <a:t>Applicazioni dell’algoritmica alla biologia: alberi evolutivi</a:t>
-            </a:r>
-          </a:p>
-        </p:txBody>
-      </p:sp>
-      <p:sp>
-        <p:nvSpPr>
-          <p:cNvPr id="14" name="CasellaDiTesto 13"/>
-          <p:cNvSpPr txBox="1"/>
-          <p:nvPr/>
-        </p:nvSpPr>
-        <p:spPr>
-          <a:xfrm>
-            <a:off x="7082015" y="403482"/>
-            <a:ext cx="1621846" cy="492443"/>
-          </a:xfrm>
-          <a:prstGeom prst="rect">
-            <a:avLst/>
-          </a:prstGeom>
-          <a:noFill/>
-        </p:spPr>
-        <p:txBody>
-          <a:bodyPr wrap="none" rtlCol="0">
-            <a:spAutoFit/>
-          </a:bodyPr>
-          <a:lstStyle/>
-          <a:p>
-            <a:pPr algn="r"/>
-            <a:r>
-              <a:rPr lang="it-IT" sz="800" dirty="0">
-                <a:solidFill>
-                  <a:schemeClr val="bg1"/>
-                </a:solidFill>
-                <a:latin typeface="Arial"/>
-                <a:cs typeface="Arial"/>
-              </a:rPr>
-              <a:t>Firenze, 12 luglio 2019</a:t>
-            </a:r>
-          </a:p>
-          <a:p>
-            <a:endParaRPr lang="it-IT" dirty="0"/>
-          </a:p>
-        </p:txBody>
-      </p:sp>
-      <p:sp>
-        <p:nvSpPr>
-          <p:cNvPr id="16" name="CasellaDiTesto 15">
-            <a:extLst>
-              <a:ext uri="{FF2B5EF4-FFF2-40B4-BE49-F238E27FC236}">
-                <a16:creationId xmlns:a16="http://schemas.microsoft.com/office/drawing/2014/main" id="{81755A96-1207-43B6-AFD7-F017181F64BC}"/>
-              </a:ext>
-            </a:extLst>
-          </p:cNvPr>
-          <p:cNvSpPr txBox="1"/>
-          <p:nvPr/>
-        </p:nvSpPr>
-        <p:spPr>
-          <a:xfrm>
-            <a:off x="5376004" y="2064733"/>
-            <a:ext cx="3412021" cy="523220"/>
-          </a:xfrm>
-          <a:prstGeom prst="rect">
-            <a:avLst/>
-          </a:prstGeom>
-          <a:noFill/>
-        </p:spPr>
-        <p:txBody>
-          <a:bodyPr wrap="square" rtlCol="0">
-            <a:spAutoFit/>
-          </a:bodyPr>
-          <a:lstStyle/>
-          <a:p>
-            <a:pPr marL="285750" indent="-285750">
-              <a:buFont typeface="Arial" panose="020B0604020202020204" pitchFamily="34" charset="0"/>
-              <a:buChar char="•"/>
-            </a:pPr>
-            <a:r>
-              <a:rPr lang="it-IT" sz="1400" dirty="0">
-                <a:latin typeface="Arial" panose="020B0604020202020204" pitchFamily="34" charset="0"/>
-                <a:cs typeface="Arial" panose="020B0604020202020204" pitchFamily="34" charset="0"/>
-              </a:rPr>
-              <a:t>Struttura a doppia elica di lunghezza variabile;</a:t>
-            </a:r>
-          </a:p>
-        </p:txBody>
-      </p:sp>
-      <p:pic>
-        <p:nvPicPr>
-          <p:cNvPr id="19" name="Immagine 18">
-            <a:extLst>
-              <a:ext uri="{FF2B5EF4-FFF2-40B4-BE49-F238E27FC236}">
-                <a16:creationId xmlns:a16="http://schemas.microsoft.com/office/drawing/2014/main" id="{4086DA60-4C7B-4433-A1C6-40EB2BC942EE}"/>
-              </a:ext>
-            </a:extLst>
-          </p:cNvPr>
-          <p:cNvPicPr>
-            <a:picLocks noChangeAspect="1"/>
-          </p:cNvPicPr>
-          <p:nvPr/>
-        </p:nvPicPr>
-        <p:blipFill rotWithShape="1">
-          <a:blip r:embed="rId4"/>
-          <a:srcRect t="57195"/>
-          <a:stretch/>
-        </p:blipFill>
-        <p:spPr>
-          <a:xfrm>
-            <a:off x="9061" y="1957773"/>
-            <a:ext cx="5203627" cy="1250740"/>
-          </a:xfrm>
-          <a:prstGeom prst="rect">
-            <a:avLst/>
-          </a:prstGeom>
-        </p:spPr>
-      </p:pic>
-      <p:sp>
-        <p:nvSpPr>
-          <p:cNvPr id="21" name="CasellaDiTesto 20">
-            <a:extLst>
-              <a:ext uri="{FF2B5EF4-FFF2-40B4-BE49-F238E27FC236}">
-                <a16:creationId xmlns:a16="http://schemas.microsoft.com/office/drawing/2014/main" id="{E87CB79F-8F8C-43DB-B9CB-998010991571}"/>
-              </a:ext>
-            </a:extLst>
-          </p:cNvPr>
-          <p:cNvSpPr txBox="1"/>
-          <p:nvPr/>
-        </p:nvSpPr>
-        <p:spPr>
-          <a:xfrm>
-            <a:off x="5376004" y="2525151"/>
-            <a:ext cx="3412021" cy="1169551"/>
-          </a:xfrm>
-          <a:prstGeom prst="rect">
-            <a:avLst/>
-          </a:prstGeom>
-          <a:noFill/>
-        </p:spPr>
-        <p:txBody>
-          <a:bodyPr wrap="square" rtlCol="0">
-            <a:spAutoFit/>
-          </a:bodyPr>
-          <a:lstStyle/>
-          <a:p>
-            <a:pPr marL="285750" indent="-285750">
-              <a:buFont typeface="Arial" panose="020B0604020202020204" pitchFamily="34" charset="0"/>
-              <a:buChar char="•"/>
-            </a:pPr>
-            <a:r>
-              <a:rPr lang="it-IT" sz="1400" dirty="0">
-                <a:latin typeface="Arial" panose="020B0604020202020204" pitchFamily="34" charset="0"/>
-                <a:cs typeface="Arial" panose="020B0604020202020204" pitchFamily="34" charset="0"/>
-              </a:rPr>
-              <a:t>4 tipi di basi azotate:</a:t>
-            </a:r>
-          </a:p>
-          <a:p>
-            <a:pPr marL="742950" lvl="1" indent="-285750">
-              <a:buFont typeface="Arial" panose="020B0604020202020204" pitchFamily="34" charset="0"/>
-              <a:buChar char="•"/>
-            </a:pPr>
-            <a:r>
-              <a:rPr lang="it-IT" sz="1400" dirty="0">
-                <a:latin typeface="Arial" panose="020B0604020202020204" pitchFamily="34" charset="0"/>
-                <a:cs typeface="Arial" panose="020B0604020202020204" pitchFamily="34" charset="0"/>
-              </a:rPr>
-              <a:t>Timina (T)</a:t>
-            </a:r>
-          </a:p>
-          <a:p>
-            <a:pPr marL="742950" lvl="1" indent="-285750">
-              <a:buFont typeface="Arial" panose="020B0604020202020204" pitchFamily="34" charset="0"/>
-              <a:buChar char="•"/>
-            </a:pPr>
-            <a:r>
-              <a:rPr lang="it-IT" sz="1400" dirty="0">
-                <a:latin typeface="Arial" panose="020B0604020202020204" pitchFamily="34" charset="0"/>
-                <a:cs typeface="Arial" panose="020B0604020202020204" pitchFamily="34" charset="0"/>
-              </a:rPr>
-              <a:t>Adenina (A)</a:t>
-            </a:r>
-          </a:p>
-          <a:p>
-            <a:pPr marL="742950" lvl="1" indent="-285750">
-              <a:buFont typeface="Arial" panose="020B0604020202020204" pitchFamily="34" charset="0"/>
-              <a:buChar char="•"/>
-            </a:pPr>
-            <a:r>
-              <a:rPr lang="it-IT" sz="1400" dirty="0">
-                <a:latin typeface="Arial" panose="020B0604020202020204" pitchFamily="34" charset="0"/>
-                <a:cs typeface="Arial" panose="020B0604020202020204" pitchFamily="34" charset="0"/>
-              </a:rPr>
-              <a:t>Guanina (G)</a:t>
-            </a:r>
-          </a:p>
-          <a:p>
-            <a:pPr marL="742950" lvl="1" indent="-285750">
-              <a:buFont typeface="Arial" panose="020B0604020202020204" pitchFamily="34" charset="0"/>
-              <a:buChar char="•"/>
-            </a:pPr>
-            <a:r>
-              <a:rPr lang="it-IT" sz="1400" dirty="0">
-                <a:latin typeface="Arial" panose="020B0604020202020204" pitchFamily="34" charset="0"/>
-                <a:cs typeface="Arial" panose="020B0604020202020204" pitchFamily="34" charset="0"/>
-              </a:rPr>
-              <a:t>Citosina (C)</a:t>
-            </a:r>
-          </a:p>
-        </p:txBody>
-      </p:sp>
-      <p:sp>
-        <p:nvSpPr>
-          <p:cNvPr id="22" name="CasellaDiTesto 21">
-            <a:extLst>
-              <a:ext uri="{FF2B5EF4-FFF2-40B4-BE49-F238E27FC236}">
-                <a16:creationId xmlns:a16="http://schemas.microsoft.com/office/drawing/2014/main" id="{89D3F274-A700-4B6F-907B-2CAD85377F28}"/>
-              </a:ext>
-            </a:extLst>
-          </p:cNvPr>
-          <p:cNvSpPr txBox="1"/>
-          <p:nvPr/>
-        </p:nvSpPr>
-        <p:spPr>
-          <a:xfrm>
-            <a:off x="1790498" y="5587540"/>
-            <a:ext cx="2974019" cy="307777"/>
-          </a:xfrm>
-          <a:prstGeom prst="rect">
-            <a:avLst/>
-          </a:prstGeom>
-          <a:noFill/>
-        </p:spPr>
-        <p:txBody>
-          <a:bodyPr wrap="square" rtlCol="0">
-            <a:spAutoFit/>
-          </a:bodyPr>
-          <a:lstStyle/>
-          <a:p>
-            <a:r>
-              <a:rPr lang="it-IT" sz="1400" dirty="0">
-                <a:latin typeface="Arial" panose="020B0604020202020204" pitchFamily="34" charset="0"/>
-                <a:cs typeface="Arial" panose="020B0604020202020204" pitchFamily="34" charset="0"/>
-              </a:rPr>
-              <a:t>Esempio di una sequenza di DNA</a:t>
-            </a:r>
-          </a:p>
-        </p:txBody>
-      </p:sp>
-      <p:sp>
-        <p:nvSpPr>
-          <p:cNvPr id="24" name="CasellaDiTesto 23">
-            <a:extLst>
-              <a:ext uri="{FF2B5EF4-FFF2-40B4-BE49-F238E27FC236}">
-                <a16:creationId xmlns:a16="http://schemas.microsoft.com/office/drawing/2014/main" id="{5644040A-8CC9-4D53-AD0F-F87742495383}"/>
-              </a:ext>
-            </a:extLst>
-          </p:cNvPr>
-          <p:cNvSpPr txBox="1"/>
-          <p:nvPr/>
-        </p:nvSpPr>
-        <p:spPr>
-          <a:xfrm>
-            <a:off x="5615326" y="5581636"/>
-            <a:ext cx="1387860" cy="307777"/>
-          </a:xfrm>
-          <a:prstGeom prst="rect">
-            <a:avLst/>
-          </a:prstGeom>
-          <a:noFill/>
-        </p:spPr>
-        <p:txBody>
-          <a:bodyPr wrap="square" rtlCol="0">
-            <a:spAutoFit/>
-          </a:bodyPr>
-          <a:lstStyle/>
-          <a:p>
-            <a:r>
-              <a:rPr lang="it-IT" sz="1400" dirty="0">
-                <a:latin typeface="Arial" panose="020B0604020202020204" pitchFamily="34" charset="0"/>
-                <a:cs typeface="Arial" panose="020B0604020202020204" pitchFamily="34" charset="0"/>
-              </a:rPr>
-              <a:t>ATGTAAGACT</a:t>
-            </a:r>
-          </a:p>
-        </p:txBody>
-      </p:sp>
-      <p:sp>
-        <p:nvSpPr>
-          <p:cNvPr id="25" name="CasellaDiTesto 24">
-            <a:extLst>
-              <a:ext uri="{FF2B5EF4-FFF2-40B4-BE49-F238E27FC236}">
-                <a16:creationId xmlns:a16="http://schemas.microsoft.com/office/drawing/2014/main" id="{3070D16C-A28B-45DB-B756-1AADA56E1860}"/>
-              </a:ext>
-            </a:extLst>
-          </p:cNvPr>
-          <p:cNvSpPr txBox="1"/>
-          <p:nvPr/>
-        </p:nvSpPr>
-        <p:spPr>
-          <a:xfrm>
-            <a:off x="1790498" y="4645151"/>
-            <a:ext cx="5203627" cy="307777"/>
-          </a:xfrm>
-          <a:prstGeom prst="rect">
-            <a:avLst/>
-          </a:prstGeom>
-          <a:noFill/>
-        </p:spPr>
-        <p:txBody>
-          <a:bodyPr wrap="square" rtlCol="0">
-            <a:spAutoFit/>
-          </a:bodyPr>
-          <a:lstStyle/>
-          <a:p>
-            <a:pPr algn="ctr"/>
-            <a:r>
-              <a:rPr lang="it-IT" sz="1400" dirty="0">
-                <a:latin typeface="Arial" panose="020B0604020202020204" pitchFamily="34" charset="0"/>
-                <a:cs typeface="Arial" panose="020B0604020202020204" pitchFamily="34" charset="0"/>
-              </a:rPr>
-              <a:t>Una successione di basi azotate prende il nome di </a:t>
-            </a:r>
-            <a:r>
-              <a:rPr lang="it-IT" sz="1400" b="1" dirty="0">
-                <a:latin typeface="Arial" panose="020B0604020202020204" pitchFamily="34" charset="0"/>
-                <a:cs typeface="Arial" panose="020B0604020202020204" pitchFamily="34" charset="0"/>
-              </a:rPr>
-              <a:t>sequenza</a:t>
-            </a:r>
-            <a:r>
-              <a:rPr lang="it-IT" sz="1400" dirty="0">
-                <a:latin typeface="Arial" panose="020B0604020202020204" pitchFamily="34" charset="0"/>
-                <a:cs typeface="Arial" panose="020B0604020202020204" pitchFamily="34" charset="0"/>
-              </a:rPr>
-              <a:t>.</a:t>
-            </a:r>
-          </a:p>
-        </p:txBody>
-      </p:sp>
-      <p:cxnSp>
-        <p:nvCxnSpPr>
-          <p:cNvPr id="4" name="Connettore 2 3">
-            <a:extLst>
-              <a:ext uri="{FF2B5EF4-FFF2-40B4-BE49-F238E27FC236}">
-                <a16:creationId xmlns:a16="http://schemas.microsoft.com/office/drawing/2014/main" id="{D5E82E6B-B26A-4DEB-8D40-07A73DBE6567}"/>
-              </a:ext>
-            </a:extLst>
-          </p:cNvPr>
-          <p:cNvCxnSpPr>
-            <a:cxnSpLocks/>
-          </p:cNvCxnSpPr>
-          <p:nvPr/>
-        </p:nvCxnSpPr>
-        <p:spPr>
-          <a:xfrm flipV="1">
-            <a:off x="4691362" y="5735525"/>
-            <a:ext cx="850809" cy="5904"/>
-          </a:xfrm>
-          <a:prstGeom prst="straightConnector1">
-            <a:avLst/>
-          </a:prstGeom>
-          <a:ln>
-            <a:tailEnd type="triangle"/>
-          </a:ln>
-        </p:spPr>
-        <p:style>
-          <a:lnRef idx="2">
-            <a:schemeClr val="accent1"/>
-          </a:lnRef>
-          <a:fillRef idx="0">
-            <a:schemeClr val="accent1"/>
-          </a:fillRef>
-          <a:effectRef idx="1">
-            <a:schemeClr val="accent1"/>
-          </a:effectRef>
-          <a:fontRef idx="minor">
-            <a:schemeClr val="tx1"/>
-          </a:fontRef>
-        </p:style>
-      </p:cxnSp>
-    </p:spTree>
-    <p:extLst>
-      <p:ext uri="{BB962C8B-B14F-4D97-AF65-F5344CB8AC3E}">
-        <p14:creationId xmlns:p14="http://schemas.microsoft.com/office/powerpoint/2010/main" val="3016431194"/>
-      </p:ext>
-    </p:extLst>
-  </p:cSld>
-  <p:clrMapOvr>
-    <a:masterClrMapping/>
-  </p:clrMapOvr>
-</p:sld>
-</file>
-
-<file path=ppt/slides/slide20.xml><?xml version="1.0" encoding="utf-8"?>
+<file path=ppt/slides/slide18.xml><?xml version="1.0" encoding="utf-8"?>
 <p:sld xmlns:a="http://schemas.openxmlformats.org/drawingml/2006/main" xmlns:r="http://schemas.openxmlformats.org/officeDocument/2006/relationships" xmlns:p="http://schemas.openxmlformats.org/presentationml/2006/main">
   <p:cSld>
     <p:spTree>
@@ -18976,7 +14851,7 @@
                 <a:cs typeface="Arial"/>
               </a:rPr>
               <a:pPr/>
-              <a:t>20</a:t>
+              <a:t>18</a:t>
             </a:fld>
             <a:endParaRPr lang="it-IT" b="1" dirty="0">
               <a:solidFill>
@@ -19101,8 +14976,8 @@
           </a:p>
         </p:txBody>
       </p:sp>
-      <mc:AlternateContent xmlns:mc="http://schemas.openxmlformats.org/markup-compatibility/2006">
-        <mc:Choice xmlns:a14="http://schemas.microsoft.com/office/drawing/2010/main" Requires="a14">
+      <mc:AlternateContent xmlns:mc="http://schemas.openxmlformats.org/markup-compatibility/2006" xmlns:a14="http://schemas.microsoft.com/office/drawing/2010/main">
+        <mc:Choice Requires="a14">
           <p:sp>
             <p:nvSpPr>
               <p:cNvPr id="28" name="CasellaDiTesto 27">
@@ -19237,7 +15112,7 @@
             </p:txBody>
           </p:sp>
         </mc:Choice>
-        <mc:Fallback>
+        <mc:Fallback xmlns="">
           <p:sp>
             <p:nvSpPr>
               <p:cNvPr id="28" name="CasellaDiTesto 27">
@@ -20156,7 +16031,7 @@
 </p:sld>
 </file>
 
-<file path=ppt/slides/slide21.xml><?xml version="1.0" encoding="utf-8"?>
+<file path=ppt/slides/slide19.xml><?xml version="1.0" encoding="utf-8"?>
 <p:sld xmlns:a="http://schemas.openxmlformats.org/drawingml/2006/main" xmlns:r="http://schemas.openxmlformats.org/officeDocument/2006/relationships" xmlns:p="http://schemas.openxmlformats.org/presentationml/2006/main">
   <p:cSld>
     <p:spTree>
@@ -20317,7 +16192,7 @@
                 <a:cs typeface="Arial"/>
               </a:rPr>
               <a:pPr/>
-              <a:t>21</a:t>
+              <a:t>19</a:t>
             </a:fld>
             <a:endParaRPr lang="it-IT" b="1" dirty="0">
               <a:solidFill>
@@ -20833,6 +16708,685 @@
 </p:sld>
 </file>
 
+<file path=ppt/slides/slide2.xml><?xml version="1.0" encoding="utf-8"?>
+<p:sld xmlns:a="http://schemas.openxmlformats.org/drawingml/2006/main" xmlns:r="http://schemas.openxmlformats.org/officeDocument/2006/relationships" xmlns:p="http://schemas.openxmlformats.org/presentationml/2006/main">
+  <p:cSld>
+    <p:spTree>
+      <p:nvGrpSpPr>
+        <p:cNvPr id="1" name=""/>
+        <p:cNvGrpSpPr/>
+        <p:nvPr/>
+      </p:nvGrpSpPr>
+      <p:grpSpPr>
+        <a:xfrm>
+          <a:off x="0" y="0"/>
+          <a:ext cx="0" cy="0"/>
+          <a:chOff x="0" y="0"/>
+          <a:chExt cx="0" cy="0"/>
+        </a:xfrm>
+      </p:grpSpPr>
+      <p:pic>
+        <p:nvPicPr>
+          <p:cNvPr id="2" name="Immagine 1"/>
+          <p:cNvPicPr>
+            <a:picLocks noChangeAspect="1"/>
+          </p:cNvPicPr>
+          <p:nvPr/>
+        </p:nvPicPr>
+        <p:blipFill>
+          <a:blip r:embed="rId3"/>
+          <a:stretch>
+            <a:fillRect/>
+          </a:stretch>
+        </p:blipFill>
+        <p:spPr>
+          <a:xfrm>
+            <a:off x="-183" y="3123"/>
+            <a:ext cx="9144000" cy="6872633"/>
+          </a:xfrm>
+          <a:prstGeom prst="rect">
+            <a:avLst/>
+          </a:prstGeom>
+        </p:spPr>
+      </p:pic>
+      <p:sp>
+        <p:nvSpPr>
+          <p:cNvPr id="7" name="CasellaDiTesto 6"/>
+          <p:cNvSpPr txBox="1"/>
+          <p:nvPr/>
+        </p:nvSpPr>
+        <p:spPr>
+          <a:xfrm>
+            <a:off x="9061" y="649703"/>
+            <a:ext cx="4663050" cy="461665"/>
+          </a:xfrm>
+          <a:prstGeom prst="rect">
+            <a:avLst/>
+          </a:prstGeom>
+          <a:noFill/>
+        </p:spPr>
+        <p:txBody>
+          <a:bodyPr wrap="square" rtlCol="0">
+            <a:spAutoFit/>
+          </a:bodyPr>
+          <a:lstStyle/>
+          <a:p>
+            <a:r>
+              <a:rPr lang="it-IT" sz="2400" b="1" dirty="0">
+                <a:solidFill>
+                  <a:schemeClr val="accent1">
+                    <a:lumMod val="75000"/>
+                  </a:schemeClr>
+                </a:solidFill>
+                <a:latin typeface="Arial"/>
+                <a:cs typeface="Arial"/>
+              </a:rPr>
+              <a:t>Concetti base di biologia</a:t>
+            </a:r>
+          </a:p>
+        </p:txBody>
+      </p:sp>
+      <p:sp>
+        <p:nvSpPr>
+          <p:cNvPr id="8" name="CasellaDiTesto 7"/>
+          <p:cNvSpPr txBox="1"/>
+          <p:nvPr/>
+        </p:nvSpPr>
+        <p:spPr>
+          <a:xfrm>
+            <a:off x="9061" y="1085353"/>
+            <a:ext cx="3660041" cy="369332"/>
+          </a:xfrm>
+          <a:prstGeom prst="rect">
+            <a:avLst/>
+          </a:prstGeom>
+          <a:noFill/>
+        </p:spPr>
+        <p:txBody>
+          <a:bodyPr wrap="square" rtlCol="0">
+            <a:spAutoFit/>
+          </a:bodyPr>
+          <a:lstStyle/>
+          <a:p>
+            <a:r>
+              <a:rPr lang="it-IT" i="1" dirty="0">
+                <a:latin typeface="Arial"/>
+                <a:cs typeface="Arial"/>
+              </a:rPr>
+              <a:t>DNA ed allineamento di sequenze</a:t>
+            </a:r>
+          </a:p>
+        </p:txBody>
+      </p:sp>
+      <p:sp>
+        <p:nvSpPr>
+          <p:cNvPr id="9" name="CasellaDiTesto 8"/>
+          <p:cNvSpPr txBox="1"/>
+          <p:nvPr/>
+        </p:nvSpPr>
+        <p:spPr>
+          <a:xfrm>
+            <a:off x="9061" y="1958606"/>
+            <a:ext cx="9134939" cy="307777"/>
+          </a:xfrm>
+          <a:prstGeom prst="rect">
+            <a:avLst/>
+          </a:prstGeom>
+          <a:noFill/>
+        </p:spPr>
+        <p:txBody>
+          <a:bodyPr wrap="square" rtlCol="0">
+            <a:spAutoFit/>
+          </a:bodyPr>
+          <a:lstStyle/>
+          <a:p>
+            <a:r>
+              <a:rPr lang="it-IT" sz="1400" dirty="0">
+                <a:latin typeface="Arial" panose="020B0604020202020204" pitchFamily="34" charset="0"/>
+                <a:cs typeface="Arial" panose="020B0604020202020204" pitchFamily="34" charset="0"/>
+              </a:rPr>
+              <a:t>Il </a:t>
+            </a:r>
+            <a:r>
+              <a:rPr lang="it-IT" sz="1400" b="1" dirty="0">
+                <a:latin typeface="Arial" panose="020B0604020202020204" pitchFamily="34" charset="0"/>
+                <a:cs typeface="Arial" panose="020B0604020202020204" pitchFamily="34" charset="0"/>
+              </a:rPr>
+              <a:t>DNA</a:t>
+            </a:r>
+            <a:r>
+              <a:rPr lang="it-IT" sz="1400" dirty="0">
+                <a:latin typeface="Arial" panose="020B0604020202020204" pitchFamily="34" charset="0"/>
+                <a:cs typeface="Arial" panose="020B0604020202020204" pitchFamily="34" charset="0"/>
+              </a:rPr>
+              <a:t> o </a:t>
+            </a:r>
+            <a:r>
+              <a:rPr lang="it-IT" sz="1400" b="1" dirty="0">
+                <a:latin typeface="Arial" panose="020B0604020202020204" pitchFamily="34" charset="0"/>
+                <a:cs typeface="Arial" panose="020B0604020202020204" pitchFamily="34" charset="0"/>
+              </a:rPr>
+              <a:t>acido desossiribonucleico </a:t>
+            </a:r>
+            <a:r>
+              <a:rPr lang="it-IT" sz="1400" dirty="0">
+                <a:latin typeface="Arial" panose="020B0604020202020204" pitchFamily="34" charset="0"/>
+                <a:cs typeface="Arial" panose="020B0604020202020204" pitchFamily="34" charset="0"/>
+              </a:rPr>
+              <a:t>è una macromolecola contenente il patrimonio genetico degli esseri viventi.</a:t>
+            </a:r>
+          </a:p>
+        </p:txBody>
+      </p:sp>
+      <p:sp>
+        <p:nvSpPr>
+          <p:cNvPr id="12" name="Rettangolo 11"/>
+          <p:cNvSpPr/>
+          <p:nvPr/>
+        </p:nvSpPr>
+        <p:spPr>
+          <a:xfrm>
+            <a:off x="8255000" y="6366466"/>
+            <a:ext cx="280763" cy="501650"/>
+          </a:xfrm>
+          <a:prstGeom prst="rect">
+            <a:avLst/>
+          </a:prstGeom>
+          <a:solidFill>
+            <a:srgbClr val="003053"/>
+          </a:solidFill>
+        </p:spPr>
+        <p:style>
+          <a:lnRef idx="1">
+            <a:schemeClr val="accent1"/>
+          </a:lnRef>
+          <a:fillRef idx="3">
+            <a:schemeClr val="accent1"/>
+          </a:fillRef>
+          <a:effectRef idx="2">
+            <a:schemeClr val="accent1"/>
+          </a:effectRef>
+          <a:fontRef idx="minor">
+            <a:schemeClr val="lt1"/>
+          </a:fontRef>
+        </p:style>
+        <p:txBody>
+          <a:bodyPr rtlCol="0" anchor="ctr"/>
+          <a:lstStyle/>
+          <a:p>
+            <a:pPr algn="ctr"/>
+            <a:endParaRPr lang="it-IT">
+              <a:solidFill>
+                <a:srgbClr val="003257"/>
+              </a:solidFill>
+            </a:endParaRPr>
+          </a:p>
+        </p:txBody>
+      </p:sp>
+      <p:sp>
+        <p:nvSpPr>
+          <p:cNvPr id="11" name="Segnaposto numero diapositiva 10"/>
+          <p:cNvSpPr>
+            <a:spLocks noGrp="1"/>
+          </p:cNvSpPr>
+          <p:nvPr>
+            <p:ph type="sldNum" sz="quarter" idx="12"/>
+          </p:nvPr>
+        </p:nvSpPr>
+        <p:spPr>
+          <a:xfrm>
+            <a:off x="6402163" y="6356350"/>
+            <a:ext cx="2133600" cy="365125"/>
+          </a:xfrm>
+        </p:spPr>
+        <p:txBody>
+          <a:bodyPr/>
+          <a:lstStyle/>
+          <a:p>
+            <a:fld id="{8EB8520A-26EA-DE4B-B141-4532FC98FF0E}" type="slidenum">
+              <a:rPr lang="it-IT" b="1" smtClean="0">
+                <a:solidFill>
+                  <a:schemeClr val="bg1"/>
+                </a:solidFill>
+                <a:latin typeface="Arial"/>
+                <a:cs typeface="Arial"/>
+              </a:rPr>
+              <a:pPr/>
+              <a:t>2</a:t>
+            </a:fld>
+            <a:endParaRPr lang="it-IT" b="1" dirty="0">
+              <a:solidFill>
+                <a:schemeClr val="bg1"/>
+              </a:solidFill>
+              <a:latin typeface="Arial"/>
+              <a:cs typeface="Arial"/>
+            </a:endParaRPr>
+          </a:p>
+        </p:txBody>
+      </p:sp>
+      <p:sp>
+        <p:nvSpPr>
+          <p:cNvPr id="10" name="CasellaDiTesto 9"/>
+          <p:cNvSpPr txBox="1"/>
+          <p:nvPr/>
+        </p:nvSpPr>
+        <p:spPr>
+          <a:xfrm>
+            <a:off x="5735951" y="51433"/>
+            <a:ext cx="2957862" cy="215444"/>
+          </a:xfrm>
+          <a:prstGeom prst="rect">
+            <a:avLst/>
+          </a:prstGeom>
+          <a:noFill/>
+        </p:spPr>
+        <p:txBody>
+          <a:bodyPr wrap="none" rtlCol="0">
+            <a:spAutoFit/>
+          </a:bodyPr>
+          <a:lstStyle/>
+          <a:p>
+            <a:pPr algn="r"/>
+            <a:r>
+              <a:rPr lang="it-IT" sz="800" b="1" dirty="0">
+                <a:solidFill>
+                  <a:schemeClr val="bg1"/>
+                </a:solidFill>
+                <a:latin typeface="Arial"/>
+                <a:cs typeface="Arial"/>
+              </a:rPr>
+              <a:t>Applicazioni dell’algoritmica alla biologia: alberi evolutivi</a:t>
+            </a:r>
+          </a:p>
+        </p:txBody>
+      </p:sp>
+      <p:sp>
+        <p:nvSpPr>
+          <p:cNvPr id="14" name="CasellaDiTesto 13"/>
+          <p:cNvSpPr txBox="1"/>
+          <p:nvPr/>
+        </p:nvSpPr>
+        <p:spPr>
+          <a:xfrm>
+            <a:off x="7082015" y="403482"/>
+            <a:ext cx="1621846" cy="492443"/>
+          </a:xfrm>
+          <a:prstGeom prst="rect">
+            <a:avLst/>
+          </a:prstGeom>
+          <a:noFill/>
+        </p:spPr>
+        <p:txBody>
+          <a:bodyPr wrap="none" rtlCol="0">
+            <a:spAutoFit/>
+          </a:bodyPr>
+          <a:lstStyle/>
+          <a:p>
+            <a:pPr algn="r"/>
+            <a:r>
+              <a:rPr lang="it-IT" sz="800" dirty="0">
+                <a:solidFill>
+                  <a:schemeClr val="bg1"/>
+                </a:solidFill>
+                <a:latin typeface="Arial"/>
+                <a:cs typeface="Arial"/>
+              </a:rPr>
+              <a:t>Firenze, 12 luglio 2019</a:t>
+            </a:r>
+          </a:p>
+          <a:p>
+            <a:endParaRPr lang="it-IT" dirty="0"/>
+          </a:p>
+        </p:txBody>
+      </p:sp>
+      <p:sp>
+        <p:nvSpPr>
+          <p:cNvPr id="16" name="CasellaDiTesto 15">
+            <a:extLst>
+              <a:ext uri="{FF2B5EF4-FFF2-40B4-BE49-F238E27FC236}">
+                <a16:creationId xmlns:a16="http://schemas.microsoft.com/office/drawing/2014/main" id="{81755A96-1207-43B6-AFD7-F017181F64BC}"/>
+              </a:ext>
+            </a:extLst>
+          </p:cNvPr>
+          <p:cNvSpPr txBox="1"/>
+          <p:nvPr/>
+        </p:nvSpPr>
+        <p:spPr>
+          <a:xfrm>
+            <a:off x="5376004" y="2373343"/>
+            <a:ext cx="3412021" cy="523220"/>
+          </a:xfrm>
+          <a:prstGeom prst="rect">
+            <a:avLst/>
+          </a:prstGeom>
+          <a:noFill/>
+        </p:spPr>
+        <p:txBody>
+          <a:bodyPr wrap="square" rtlCol="0">
+            <a:spAutoFit/>
+          </a:bodyPr>
+          <a:lstStyle/>
+          <a:p>
+            <a:pPr marL="285750" indent="-285750">
+              <a:buFont typeface="Arial" panose="020B0604020202020204" pitchFamily="34" charset="0"/>
+              <a:buChar char="•"/>
+            </a:pPr>
+            <a:r>
+              <a:rPr lang="it-IT" sz="1400" dirty="0">
+                <a:latin typeface="Arial" panose="020B0604020202020204" pitchFamily="34" charset="0"/>
+                <a:cs typeface="Arial" panose="020B0604020202020204" pitchFamily="34" charset="0"/>
+              </a:rPr>
+              <a:t>Struttura a doppia elica di lunghezza variabile;</a:t>
+            </a:r>
+          </a:p>
+        </p:txBody>
+      </p:sp>
+      <p:pic>
+        <p:nvPicPr>
+          <p:cNvPr id="19" name="Immagine 18">
+            <a:extLst>
+              <a:ext uri="{FF2B5EF4-FFF2-40B4-BE49-F238E27FC236}">
+                <a16:creationId xmlns:a16="http://schemas.microsoft.com/office/drawing/2014/main" id="{4086DA60-4C7B-4433-A1C6-40EB2BC942EE}"/>
+              </a:ext>
+            </a:extLst>
+          </p:cNvPr>
+          <p:cNvPicPr>
+            <a:picLocks noChangeAspect="1"/>
+          </p:cNvPicPr>
+          <p:nvPr/>
+        </p:nvPicPr>
+        <p:blipFill rotWithShape="1">
+          <a:blip r:embed="rId4"/>
+          <a:srcRect t="57195"/>
+          <a:stretch/>
+        </p:blipFill>
+        <p:spPr>
+          <a:xfrm>
+            <a:off x="9061" y="2266383"/>
+            <a:ext cx="5203627" cy="1250740"/>
+          </a:xfrm>
+          <a:prstGeom prst="rect">
+            <a:avLst/>
+          </a:prstGeom>
+        </p:spPr>
+      </p:pic>
+      <p:sp>
+        <p:nvSpPr>
+          <p:cNvPr id="21" name="CasellaDiTesto 20">
+            <a:extLst>
+              <a:ext uri="{FF2B5EF4-FFF2-40B4-BE49-F238E27FC236}">
+                <a16:creationId xmlns:a16="http://schemas.microsoft.com/office/drawing/2014/main" id="{E87CB79F-8F8C-43DB-B9CB-998010991571}"/>
+              </a:ext>
+            </a:extLst>
+          </p:cNvPr>
+          <p:cNvSpPr txBox="1"/>
+          <p:nvPr/>
+        </p:nvSpPr>
+        <p:spPr>
+          <a:xfrm>
+            <a:off x="5376004" y="2833761"/>
+            <a:ext cx="3412021" cy="1169551"/>
+          </a:xfrm>
+          <a:prstGeom prst="rect">
+            <a:avLst/>
+          </a:prstGeom>
+          <a:noFill/>
+        </p:spPr>
+        <p:txBody>
+          <a:bodyPr wrap="square" rtlCol="0">
+            <a:spAutoFit/>
+          </a:bodyPr>
+          <a:lstStyle/>
+          <a:p>
+            <a:pPr marL="285750" indent="-285750">
+              <a:buFont typeface="Arial" panose="020B0604020202020204" pitchFamily="34" charset="0"/>
+              <a:buChar char="•"/>
+            </a:pPr>
+            <a:r>
+              <a:rPr lang="it-IT" sz="1400" dirty="0">
+                <a:latin typeface="Arial" panose="020B0604020202020204" pitchFamily="34" charset="0"/>
+                <a:cs typeface="Arial" panose="020B0604020202020204" pitchFamily="34" charset="0"/>
+              </a:rPr>
+              <a:t>4 tipi di basi azotate:</a:t>
+            </a:r>
+          </a:p>
+          <a:p>
+            <a:pPr marL="742950" lvl="1" indent="-285750">
+              <a:buFont typeface="Arial" panose="020B0604020202020204" pitchFamily="34" charset="0"/>
+              <a:buChar char="•"/>
+            </a:pPr>
+            <a:r>
+              <a:rPr lang="it-IT" sz="1400" dirty="0">
+                <a:latin typeface="Arial" panose="020B0604020202020204" pitchFamily="34" charset="0"/>
+                <a:cs typeface="Arial" panose="020B0604020202020204" pitchFamily="34" charset="0"/>
+              </a:rPr>
+              <a:t>Timina (T)</a:t>
+            </a:r>
+          </a:p>
+          <a:p>
+            <a:pPr marL="742950" lvl="1" indent="-285750">
+              <a:buFont typeface="Arial" panose="020B0604020202020204" pitchFamily="34" charset="0"/>
+              <a:buChar char="•"/>
+            </a:pPr>
+            <a:r>
+              <a:rPr lang="it-IT" sz="1400" dirty="0">
+                <a:latin typeface="Arial" panose="020B0604020202020204" pitchFamily="34" charset="0"/>
+                <a:cs typeface="Arial" panose="020B0604020202020204" pitchFamily="34" charset="0"/>
+              </a:rPr>
+              <a:t>Adenina (A)</a:t>
+            </a:r>
+          </a:p>
+          <a:p>
+            <a:pPr marL="742950" lvl="1" indent="-285750">
+              <a:buFont typeface="Arial" panose="020B0604020202020204" pitchFamily="34" charset="0"/>
+              <a:buChar char="•"/>
+            </a:pPr>
+            <a:r>
+              <a:rPr lang="it-IT" sz="1400" dirty="0">
+                <a:latin typeface="Arial" panose="020B0604020202020204" pitchFamily="34" charset="0"/>
+                <a:cs typeface="Arial" panose="020B0604020202020204" pitchFamily="34" charset="0"/>
+              </a:rPr>
+              <a:t>Guanina (G)</a:t>
+            </a:r>
+          </a:p>
+          <a:p>
+            <a:pPr marL="742950" lvl="1" indent="-285750">
+              <a:buFont typeface="Arial" panose="020B0604020202020204" pitchFamily="34" charset="0"/>
+              <a:buChar char="•"/>
+            </a:pPr>
+            <a:r>
+              <a:rPr lang="it-IT" sz="1400" dirty="0">
+                <a:latin typeface="Arial" panose="020B0604020202020204" pitchFamily="34" charset="0"/>
+                <a:cs typeface="Arial" panose="020B0604020202020204" pitchFamily="34" charset="0"/>
+              </a:rPr>
+              <a:t>Citosina (C)</a:t>
+            </a:r>
+          </a:p>
+        </p:txBody>
+      </p:sp>
+      <p:sp>
+        <p:nvSpPr>
+          <p:cNvPr id="22" name="CasellaDiTesto 21">
+            <a:extLst>
+              <a:ext uri="{FF2B5EF4-FFF2-40B4-BE49-F238E27FC236}">
+                <a16:creationId xmlns:a16="http://schemas.microsoft.com/office/drawing/2014/main" id="{89D3F274-A700-4B6F-907B-2CAD85377F28}"/>
+              </a:ext>
+            </a:extLst>
+          </p:cNvPr>
+          <p:cNvSpPr txBox="1"/>
+          <p:nvPr/>
+        </p:nvSpPr>
+        <p:spPr>
+          <a:xfrm>
+            <a:off x="1790498" y="5896150"/>
+            <a:ext cx="2974019" cy="307777"/>
+          </a:xfrm>
+          <a:prstGeom prst="rect">
+            <a:avLst/>
+          </a:prstGeom>
+          <a:noFill/>
+        </p:spPr>
+        <p:txBody>
+          <a:bodyPr wrap="square" rtlCol="0">
+            <a:spAutoFit/>
+          </a:bodyPr>
+          <a:lstStyle/>
+          <a:p>
+            <a:r>
+              <a:rPr lang="it-IT" sz="1400" dirty="0">
+                <a:latin typeface="Arial" panose="020B0604020202020204" pitchFamily="34" charset="0"/>
+                <a:cs typeface="Arial" panose="020B0604020202020204" pitchFamily="34" charset="0"/>
+              </a:rPr>
+              <a:t>Esempio di una sequenza di DNA</a:t>
+            </a:r>
+          </a:p>
+        </p:txBody>
+      </p:sp>
+      <p:sp>
+        <p:nvSpPr>
+          <p:cNvPr id="24" name="CasellaDiTesto 23">
+            <a:extLst>
+              <a:ext uri="{FF2B5EF4-FFF2-40B4-BE49-F238E27FC236}">
+                <a16:creationId xmlns:a16="http://schemas.microsoft.com/office/drawing/2014/main" id="{5644040A-8CC9-4D53-AD0F-F87742495383}"/>
+              </a:ext>
+            </a:extLst>
+          </p:cNvPr>
+          <p:cNvSpPr txBox="1"/>
+          <p:nvPr/>
+        </p:nvSpPr>
+        <p:spPr>
+          <a:xfrm>
+            <a:off x="5615326" y="5890246"/>
+            <a:ext cx="1387860" cy="307777"/>
+          </a:xfrm>
+          <a:prstGeom prst="rect">
+            <a:avLst/>
+          </a:prstGeom>
+          <a:noFill/>
+        </p:spPr>
+        <p:txBody>
+          <a:bodyPr wrap="square" rtlCol="0">
+            <a:spAutoFit/>
+          </a:bodyPr>
+          <a:lstStyle/>
+          <a:p>
+            <a:r>
+              <a:rPr lang="it-IT" sz="1400" dirty="0">
+                <a:latin typeface="Arial" panose="020B0604020202020204" pitchFamily="34" charset="0"/>
+                <a:cs typeface="Arial" panose="020B0604020202020204" pitchFamily="34" charset="0"/>
+              </a:rPr>
+              <a:t>ATGTAAGACT</a:t>
+            </a:r>
+          </a:p>
+        </p:txBody>
+      </p:sp>
+      <p:sp>
+        <p:nvSpPr>
+          <p:cNvPr id="25" name="CasellaDiTesto 24">
+            <a:extLst>
+              <a:ext uri="{FF2B5EF4-FFF2-40B4-BE49-F238E27FC236}">
+                <a16:creationId xmlns:a16="http://schemas.microsoft.com/office/drawing/2014/main" id="{3070D16C-A28B-45DB-B756-1AADA56E1860}"/>
+              </a:ext>
+            </a:extLst>
+          </p:cNvPr>
+          <p:cNvSpPr txBox="1"/>
+          <p:nvPr/>
+        </p:nvSpPr>
+        <p:spPr>
+          <a:xfrm>
+            <a:off x="1790498" y="4953761"/>
+            <a:ext cx="5203627" cy="307777"/>
+          </a:xfrm>
+          <a:prstGeom prst="rect">
+            <a:avLst/>
+          </a:prstGeom>
+          <a:noFill/>
+        </p:spPr>
+        <p:txBody>
+          <a:bodyPr wrap="square" rtlCol="0">
+            <a:spAutoFit/>
+          </a:bodyPr>
+          <a:lstStyle/>
+          <a:p>
+            <a:pPr algn="ctr"/>
+            <a:r>
+              <a:rPr lang="it-IT" sz="1400" dirty="0">
+                <a:latin typeface="Arial" panose="020B0604020202020204" pitchFamily="34" charset="0"/>
+                <a:cs typeface="Arial" panose="020B0604020202020204" pitchFamily="34" charset="0"/>
+              </a:rPr>
+              <a:t>Una successione di basi azotate prende il nome di </a:t>
+            </a:r>
+            <a:r>
+              <a:rPr lang="it-IT" sz="1400" b="1" dirty="0">
+                <a:latin typeface="Arial" panose="020B0604020202020204" pitchFamily="34" charset="0"/>
+                <a:cs typeface="Arial" panose="020B0604020202020204" pitchFamily="34" charset="0"/>
+              </a:rPr>
+              <a:t>sequenza</a:t>
+            </a:r>
+            <a:r>
+              <a:rPr lang="it-IT" sz="1400" dirty="0">
+                <a:latin typeface="Arial" panose="020B0604020202020204" pitchFamily="34" charset="0"/>
+                <a:cs typeface="Arial" panose="020B0604020202020204" pitchFamily="34" charset="0"/>
+              </a:rPr>
+              <a:t>.</a:t>
+            </a:r>
+          </a:p>
+        </p:txBody>
+      </p:sp>
+      <p:cxnSp>
+        <p:nvCxnSpPr>
+          <p:cNvPr id="4" name="Connettore 2 3">
+            <a:extLst>
+              <a:ext uri="{FF2B5EF4-FFF2-40B4-BE49-F238E27FC236}">
+                <a16:creationId xmlns:a16="http://schemas.microsoft.com/office/drawing/2014/main" id="{D5E82E6B-B26A-4DEB-8D40-07A73DBE6567}"/>
+              </a:ext>
+            </a:extLst>
+          </p:cNvPr>
+          <p:cNvCxnSpPr>
+            <a:cxnSpLocks/>
+          </p:cNvCxnSpPr>
+          <p:nvPr/>
+        </p:nvCxnSpPr>
+        <p:spPr>
+          <a:xfrm flipV="1">
+            <a:off x="4691362" y="6044135"/>
+            <a:ext cx="850809" cy="5904"/>
+          </a:xfrm>
+          <a:prstGeom prst="straightConnector1">
+            <a:avLst/>
+          </a:prstGeom>
+          <a:ln>
+            <a:tailEnd type="triangle"/>
+          </a:ln>
+        </p:spPr>
+        <p:style>
+          <a:lnRef idx="2">
+            <a:schemeClr val="accent1"/>
+          </a:lnRef>
+          <a:fillRef idx="0">
+            <a:schemeClr val="accent1"/>
+          </a:fillRef>
+          <a:effectRef idx="1">
+            <a:schemeClr val="accent1"/>
+          </a:effectRef>
+          <a:fontRef idx="minor">
+            <a:schemeClr val="tx1"/>
+          </a:fontRef>
+        </p:style>
+      </p:cxnSp>
+    </p:spTree>
+    <p:extLst>
+      <p:ext uri="{BB962C8B-B14F-4D97-AF65-F5344CB8AC3E}">
+        <p14:creationId xmlns:p14="http://schemas.microsoft.com/office/powerpoint/2010/main" val="3016431194"/>
+      </p:ext>
+    </p:extLst>
+  </p:cSld>
+  <p:clrMapOvr>
+    <a:masterClrMapping/>
+  </p:clrMapOvr>
+</p:sld>
+</file>
+
 <file path=ppt/slides/slide3.xml><?xml version="1.0" encoding="utf-8"?>
 <p:sld xmlns:a="http://schemas.openxmlformats.org/drawingml/2006/main" xmlns:r="http://schemas.openxmlformats.org/officeDocument/2006/relationships" xmlns:p="http://schemas.openxmlformats.org/presentationml/2006/main">
   <p:cSld>
@@ -21086,7 +17640,7 @@
         </p:nvSpPr>
         <p:spPr>
           <a:xfrm>
-            <a:off x="140171" y="1856102"/>
+            <a:off x="140171" y="1913252"/>
             <a:ext cx="1387861" cy="307777"/>
           </a:xfrm>
           <a:prstGeom prst="rect">
@@ -21135,7 +17689,7 @@
         </p:nvSpPr>
         <p:spPr>
           <a:xfrm>
-            <a:off x="2413474" y="1748380"/>
+            <a:off x="2413474" y="1805530"/>
             <a:ext cx="6721465" cy="523220"/>
           </a:xfrm>
           <a:prstGeom prst="rect">
@@ -21173,7 +17727,7 @@
         </p:nvSpPr>
         <p:spPr>
           <a:xfrm>
-            <a:off x="3638528" y="2692286"/>
+            <a:off x="3638528" y="2909456"/>
             <a:ext cx="1866943" cy="369332"/>
           </a:xfrm>
           <a:prstGeom prst="rect">
@@ -21211,7 +17765,7 @@
         </p:nvSpPr>
         <p:spPr>
           <a:xfrm>
-            <a:off x="9062" y="3226261"/>
+            <a:off x="9062" y="3443431"/>
             <a:ext cx="9144000" cy="738664"/>
           </a:xfrm>
           <a:prstGeom prst="rect">
@@ -21356,7 +17910,7 @@
         </p:nvCxnSpPr>
         <p:spPr>
           <a:xfrm>
-            <a:off x="1358283" y="2009990"/>
+            <a:off x="1358283" y="2067140"/>
             <a:ext cx="1046313" cy="0"/>
           </a:xfrm>
           <a:prstGeom prst="straightConnector1">
@@ -21468,7 +18022,7 @@
         </p:blipFill>
         <p:spPr>
           <a:xfrm>
-            <a:off x="-1" y="3123"/>
+            <a:off x="-1" y="-8307"/>
             <a:ext cx="9143817" cy="6872495"/>
           </a:xfrm>
           <a:prstGeom prst="rect">
@@ -21689,7 +18243,7 @@
         <p:spPr>
           <a:xfrm>
             <a:off x="9062" y="1093155"/>
-            <a:ext cx="9125877" cy="523220"/>
+            <a:ext cx="9125877" cy="954107"/>
           </a:xfrm>
           <a:prstGeom prst="rect">
             <a:avLst/>
@@ -21709,6 +18263,45 @@
               </a:rPr>
               <a:t>È un diagramma che rappresenta le relazioni evolutive tra le entità biologiche, dove i nodi (o vertici) rappresentano tali entità, mentre gli archi mostrano loro relazioni.</a:t>
             </a:r>
+          </a:p>
+          <a:p>
+            <a:pPr marL="285750" indent="-285750">
+              <a:buFont typeface="Arial" panose="020B0604020202020204" pitchFamily="34" charset="0"/>
+              <a:buChar char="•"/>
+            </a:pPr>
+            <a:r>
+              <a:rPr lang="it-IT" sz="1400" dirty="0">
+                <a:latin typeface="Arial" panose="020B0604020202020204" pitchFamily="34" charset="0"/>
+                <a:cs typeface="Arial" panose="020B0604020202020204" pitchFamily="34" charset="0"/>
+              </a:rPr>
+              <a:t>Vertici con grado maggiore di 1 </a:t>
+            </a:r>
+            <a:r>
+              <a:rPr lang="it-IT" sz="1400" dirty="0">
+                <a:latin typeface="Arial" panose="020B0604020202020204" pitchFamily="34" charset="0"/>
+                <a:cs typeface="Arial" panose="020B0604020202020204" pitchFamily="34" charset="0"/>
+                <a:sym typeface="Wingdings" panose="05000000000000000000" pitchFamily="2" charset="2"/>
+              </a:rPr>
+              <a:t> nodi interni;</a:t>
+            </a:r>
+          </a:p>
+          <a:p>
+            <a:pPr marL="285750" indent="-285750">
+              <a:buFont typeface="Arial" panose="020B0604020202020204" pitchFamily="34" charset="0"/>
+              <a:buChar char="•"/>
+            </a:pPr>
+            <a:r>
+              <a:rPr lang="it-IT" sz="1400" dirty="0">
+                <a:latin typeface="Arial" panose="020B0604020202020204" pitchFamily="34" charset="0"/>
+                <a:cs typeface="Arial" panose="020B0604020202020204" pitchFamily="34" charset="0"/>
+                <a:sym typeface="Wingdings" panose="05000000000000000000" pitchFamily="2" charset="2"/>
+              </a:rPr>
+              <a:t>Vertici con grado uguale ad 1  foglie.</a:t>
+            </a:r>
+            <a:endParaRPr lang="it-IT" sz="1400" dirty="0">
+              <a:latin typeface="Arial" panose="020B0604020202020204" pitchFamily="34" charset="0"/>
+              <a:cs typeface="Arial" panose="020B0604020202020204" pitchFamily="34" charset="0"/>
+            </a:endParaRPr>
           </a:p>
         </p:txBody>
       </p:sp>
@@ -21726,7 +18319,7 @@
         </p:nvSpPr>
         <p:spPr>
           <a:xfrm>
-            <a:off x="3511299" y="1762499"/>
+            <a:off x="3511299" y="2356859"/>
             <a:ext cx="1518081" cy="307777"/>
           </a:xfrm>
           <a:prstGeom prst="rect">
@@ -21773,7 +18366,7 @@
         </p:blipFill>
         <p:spPr>
           <a:xfrm>
-            <a:off x="59577" y="2731897"/>
+            <a:off x="59577" y="3326257"/>
             <a:ext cx="4210763" cy="2032200"/>
           </a:xfrm>
           <a:prstGeom prst="rect">
@@ -21795,7 +18388,7 @@
         </p:nvSpPr>
         <p:spPr>
           <a:xfrm>
-            <a:off x="306721" y="2445538"/>
+            <a:off x="306721" y="3039898"/>
             <a:ext cx="2960879" cy="307777"/>
           </a:xfrm>
           <a:prstGeom prst="rect">
@@ -21841,7 +18434,7 @@
         </p:blipFill>
         <p:spPr>
           <a:xfrm>
-            <a:off x="5574859" y="2742606"/>
+            <a:off x="5574859" y="3336966"/>
             <a:ext cx="2573196" cy="2010782"/>
           </a:xfrm>
           <a:prstGeom prst="rect">
@@ -21863,7 +18456,7 @@
         </p:nvSpPr>
         <p:spPr>
           <a:xfrm>
-            <a:off x="4996357" y="2442076"/>
+            <a:off x="4996357" y="3036436"/>
             <a:ext cx="3101752" cy="307777"/>
           </a:xfrm>
           <a:prstGeom prst="rect">
@@ -21902,8 +18495,8 @@
         </p:nvSpPr>
         <p:spPr>
           <a:xfrm>
-            <a:off x="9061" y="4733897"/>
-            <a:ext cx="4210763" cy="1384995"/>
+            <a:off x="9061" y="5328257"/>
+            <a:ext cx="4210763" cy="523220"/>
           </a:xfrm>
           <a:prstGeom prst="rect">
             <a:avLst/>
@@ -21938,29 +18531,7 @@
                 <a:latin typeface="Arial" panose="020B0604020202020204" pitchFamily="34" charset="0"/>
                 <a:cs typeface="Arial" panose="020B0604020202020204" pitchFamily="34" charset="0"/>
               </a:rPr>
-              <a:t>Vertici (nodi interni) con grado maggiore di 1 sono gli antenati;</a:t>
-            </a:r>
-          </a:p>
-          <a:p>
-            <a:pPr marL="285750" indent="-285750">
-              <a:buFont typeface="Arial" panose="020B0604020202020204" pitchFamily="34" charset="0"/>
-              <a:buChar char="•"/>
-            </a:pPr>
-            <a:r>
-              <a:rPr lang="it-IT" sz="1400" dirty="0">
-                <a:latin typeface="Arial" panose="020B0604020202020204" pitchFamily="34" charset="0"/>
-                <a:cs typeface="Arial" panose="020B0604020202020204" pitchFamily="34" charset="0"/>
-              </a:rPr>
-              <a:t>Vertici (foglie) con grado 1 sono le specie attualmente esistenti;</a:t>
-            </a:r>
-          </a:p>
-          <a:p>
-            <a:r>
-              <a:rPr lang="it-IT" sz="1400" dirty="0">
-                <a:latin typeface="Arial" panose="020B0604020202020204" pitchFamily="34" charset="0"/>
-                <a:cs typeface="Arial" panose="020B0604020202020204" pitchFamily="34" charset="0"/>
-              </a:rPr>
-              <a:t>Quindi la radice è l’antenato comune a tutti i vertici.</a:t>
+              <a:t>La radice è l’antenato comune a tutti i vertici.</a:t>
             </a:r>
           </a:p>
         </p:txBody>
@@ -21979,8 +18550,8 @@
         </p:nvSpPr>
         <p:spPr>
           <a:xfrm>
-            <a:off x="4734255" y="4767671"/>
-            <a:ext cx="4409746" cy="1169551"/>
+            <a:off x="4734255" y="5362031"/>
+            <a:ext cx="4409746" cy="738664"/>
           </a:xfrm>
           <a:prstGeom prst="rect">
             <a:avLst/>
@@ -22010,28 +18581,6 @@
               <a:buFont typeface="Arial" panose="020B0604020202020204" pitchFamily="34" charset="0"/>
               <a:buChar char="•"/>
             </a:pPr>
-            <a:r>
-              <a:rPr lang="it-IT" sz="1400" dirty="0">
-                <a:latin typeface="Arial" panose="020B0604020202020204" pitchFamily="34" charset="0"/>
-                <a:cs typeface="Arial" panose="020B0604020202020204" pitchFamily="34" charset="0"/>
-              </a:rPr>
-              <a:t>Vertici con grado maggiore di 1 sono i nodi interni;</a:t>
-            </a:r>
-          </a:p>
-          <a:p>
-            <a:pPr marL="285750" indent="-285750">
-              <a:buFont typeface="Arial" panose="020B0604020202020204" pitchFamily="34" charset="0"/>
-              <a:buChar char="•"/>
-            </a:pPr>
-            <a:r>
-              <a:rPr lang="it-IT" sz="1400" dirty="0">
-                <a:latin typeface="Arial" panose="020B0604020202020204" pitchFamily="34" charset="0"/>
-                <a:cs typeface="Arial" panose="020B0604020202020204" pitchFamily="34" charset="0"/>
-              </a:rPr>
-              <a:t>Vertici con grado 1 sono dette foglie;</a:t>
-            </a:r>
-          </a:p>
-          <a:p>
             <a:r>
               <a:rPr lang="it-IT" sz="1400" dirty="0">
                 <a:latin typeface="Arial" panose="020B0604020202020204" pitchFamily="34" charset="0"/>
@@ -22059,7 +18608,7 @@
         </p:nvCxnSpPr>
         <p:spPr>
           <a:xfrm rot="10800000" flipV="1">
-            <a:off x="1787161" y="1916388"/>
+            <a:off x="1787161" y="2510748"/>
             <a:ext cx="1660612" cy="529150"/>
           </a:xfrm>
           <a:prstGeom prst="bentConnector2">
@@ -22101,7 +18650,7 @@
         </p:nvCxnSpPr>
         <p:spPr>
           <a:xfrm>
-            <a:off x="5029380" y="1916388"/>
+            <a:off x="5029380" y="2510748"/>
             <a:ext cx="1517853" cy="525688"/>
           </a:xfrm>
           <a:prstGeom prst="bentConnector2">
@@ -22140,7 +18689,7 @@
         </p:nvSpPr>
         <p:spPr>
           <a:xfrm>
-            <a:off x="2670148" y="6209709"/>
+            <a:off x="2670148" y="6266859"/>
             <a:ext cx="3803517" cy="307777"/>
           </a:xfrm>
           <a:prstGeom prst="rect">
@@ -22430,8 +18979,8 @@
         </p:nvSpPr>
         <p:spPr>
           <a:xfrm>
-            <a:off x="-8326" y="1155171"/>
-            <a:ext cx="9152326" cy="523220"/>
+            <a:off x="1475127" y="1246471"/>
+            <a:ext cx="6180526" cy="307777"/>
           </a:xfrm>
           <a:prstGeom prst="rect">
             <a:avLst/>
@@ -22444,26 +18993,19 @@
           </a:bodyPr>
           <a:lstStyle/>
           <a:p>
-            <a:r>
-              <a:rPr lang="it-IT" sz="1400" dirty="0">
-                <a:latin typeface="Arial" panose="020B0604020202020204" pitchFamily="34" charset="0"/>
-                <a:cs typeface="Arial" panose="020B0604020202020204" pitchFamily="34" charset="0"/>
-              </a:rPr>
-              <a:t>Gli algoritmi utilizzati per la costruzione degli alberi evolutivi prendono il nome di </a:t>
-            </a:r>
             <a:r>
               <a:rPr lang="it-IT" sz="1400" i="1" dirty="0">
                 <a:latin typeface="Arial" panose="020B0604020202020204" pitchFamily="34" charset="0"/>
                 <a:cs typeface="Arial" panose="020B0604020202020204" pitchFamily="34" charset="0"/>
               </a:rPr>
-              <a:t>algoritmi basati sulla distanza</a:t>
+              <a:t>Algoritmi basati sulla distanza</a:t>
             </a:r>
             <a:r>
               <a:rPr lang="it-IT" sz="1400" dirty="0">
                 <a:latin typeface="Arial" panose="020B0604020202020204" pitchFamily="34" charset="0"/>
                 <a:cs typeface="Arial" panose="020B0604020202020204" pitchFamily="34" charset="0"/>
               </a:rPr>
-              <a:t>, in quanto prendono in input una </a:t>
+              <a:t>: prendono in input una </a:t>
             </a:r>
             <a:r>
               <a:rPr lang="it-IT" sz="1400" i="1" dirty="0">
@@ -22639,12 +19181,12 @@
         </p:nvCxnSpPr>
         <p:spPr>
           <a:xfrm rot="5400000">
-            <a:off x="2649543" y="756015"/>
-            <a:ext cx="995919" cy="2840670"/>
+            <a:off x="2586248" y="695168"/>
+            <a:ext cx="1120062" cy="2838223"/>
           </a:xfrm>
           <a:prstGeom prst="bentConnector3">
             <a:avLst>
-              <a:gd name="adj1" fmla="val 17909"/>
+              <a:gd name="adj1" fmla="val 28570"/>
             </a:avLst>
           </a:prstGeom>
           <a:ln>
@@ -23126,8 +19668,8 @@
           </a:fontRef>
         </p:style>
       </p:cxnSp>
-      <mc:AlternateContent xmlns:mc="http://schemas.openxmlformats.org/markup-compatibility/2006" xmlns:a14="http://schemas.microsoft.com/office/drawing/2010/main">
-        <mc:Choice Requires="a14">
+      <mc:AlternateContent xmlns:mc="http://schemas.openxmlformats.org/markup-compatibility/2006">
+        <mc:Choice xmlns:a14="http://schemas.microsoft.com/office/drawing/2010/main" Requires="a14">
           <p:sp>
             <p:nvSpPr>
               <p:cNvPr id="23" name="CasellaDiTesto 22">
@@ -23187,16 +19729,23 @@
                     <a:latin typeface="Arial" panose="020B0604020202020204" pitchFamily="34" charset="0"/>
                     <a:cs typeface="Arial" panose="020B0604020202020204" pitchFamily="34" charset="0"/>
                   </a:rPr>
-                  <a:t>matrice </a:t>
+                  <a:t>matrice delle distanze </a:t>
                 </a:r>
                 <a14:m>
                   <m:oMath xmlns:m="http://schemas.openxmlformats.org/officeDocument/2006/math">
                     <m:r>
-                      <a:rPr lang="it-IT" sz="1400" i="1" dirty="0" smtClean="0">
+                      <a:rPr lang="it-IT" sz="1400" i="1" dirty="0">
                         <a:latin typeface="Cambria Math" panose="02040503050406030204" pitchFamily="18" charset="0"/>
                         <a:cs typeface="Arial" panose="020B0604020202020204" pitchFamily="34" charset="0"/>
                       </a:rPr>
                       <m:t>𝐷</m:t>
+                    </m:r>
+                    <m:r>
+                      <a:rPr lang="it-IT" sz="1400" i="1" dirty="0">
+                        <a:latin typeface="Cambria Math" panose="02040503050406030204" pitchFamily="18" charset="0"/>
+                        <a:cs typeface="Arial" panose="020B0604020202020204" pitchFamily="34" charset="0"/>
+                      </a:rPr>
+                      <m:t> </m:t>
                     </m:r>
                   </m:oMath>
                 </a14:m>
@@ -23205,7 +19754,7 @@
                     <a:latin typeface="Arial" panose="020B0604020202020204" pitchFamily="34" charset="0"/>
                     <a:cs typeface="Arial" panose="020B0604020202020204" pitchFamily="34" charset="0"/>
                   </a:rPr>
-                  <a:t> delle distanze di dimensione  </a:t>
+                  <a:t>di dimensione  </a:t>
                 </a:r>
                 <a14:m>
                   <m:oMath xmlns:m="http://schemas.openxmlformats.org/officeDocument/2006/math">
@@ -23250,7 +19799,7 @@
             </p:txBody>
           </p:sp>
         </mc:Choice>
-        <mc:Fallback xmlns="">
+        <mc:Fallback>
           <p:sp>
             <p:nvSpPr>
               <p:cNvPr id="23" name="CasellaDiTesto 22">
@@ -23317,7 +19866,7 @@
         </p:blipFill>
         <p:spPr>
           <a:xfrm>
-            <a:off x="1651248" y="4975740"/>
+            <a:off x="1651248" y="4987170"/>
             <a:ext cx="5681522" cy="1363902"/>
           </a:xfrm>
           <a:prstGeom prst="rect">
@@ -23339,7 +19888,7 @@
         </p:nvSpPr>
         <p:spPr>
           <a:xfrm>
-            <a:off x="4098470" y="4658263"/>
+            <a:off x="4098470" y="4669693"/>
             <a:ext cx="960950" cy="307777"/>
           </a:xfrm>
           <a:prstGeom prst="rect">
@@ -23382,7 +19931,7 @@
         <p:spPr>
           <a:xfrm>
             <a:off x="4576253" y="4396894"/>
-            <a:ext cx="2692" cy="261369"/>
+            <a:ext cx="2692" cy="272799"/>
           </a:xfrm>
           <a:prstGeom prst="straightConnector1">
             <a:avLst/>
@@ -23687,259 +20236,116 @@
           </a:prstGeom>
         </p:spPr>
       </p:pic>
-      <mc:AlternateContent xmlns:mc="http://schemas.openxmlformats.org/markup-compatibility/2006" xmlns:a14="http://schemas.microsoft.com/office/drawing/2010/main">
-        <mc:Choice Requires="a14">
-          <p:sp>
-            <p:nvSpPr>
-              <p:cNvPr id="15" name="CasellaDiTesto 14">
-                <a:extLst>
-                  <a:ext uri="{FF2B5EF4-FFF2-40B4-BE49-F238E27FC236}">
-                    <a16:creationId xmlns:a16="http://schemas.microsoft.com/office/drawing/2014/main" id="{0E11C606-8F48-4422-8E2B-D90C38B91667}"/>
-                  </a:ext>
-                </a:extLst>
-              </p:cNvPr>
-              <p:cNvSpPr txBox="1"/>
-              <p:nvPr/>
-            </p:nvSpPr>
-            <p:spPr>
-              <a:xfrm>
-                <a:off x="-8326" y="1155171"/>
-                <a:ext cx="4086989" cy="2031325"/>
-              </a:xfrm>
-              <a:prstGeom prst="rect">
-                <a:avLst/>
-              </a:prstGeom>
-              <a:noFill/>
-            </p:spPr>
-            <p:txBody>
-              <a:bodyPr wrap="square" rtlCol="0">
-                <a:spAutoFit/>
-              </a:bodyPr>
-              <a:lstStyle/>
-              <a:p>
-                <a:r>
-                  <a:rPr lang="it-IT" sz="1400" dirty="0">
-                    <a:latin typeface="Arial" panose="020B0604020202020204" pitchFamily="34" charset="0"/>
-                    <a:cs typeface="Arial" panose="020B0604020202020204" pitchFamily="34" charset="0"/>
-                  </a:rPr>
-                  <a:t>Proprietà dell’albero:</a:t>
-                </a:r>
-              </a:p>
-              <a:p>
-                <a:pPr marL="285750" indent="-285750">
-                  <a:buFont typeface="Arial" panose="020B0604020202020204" pitchFamily="34" charset="0"/>
-                  <a:buChar char="•"/>
-                </a:pPr>
-                <a:r>
-                  <a:rPr lang="it-IT" sz="1400" dirty="0">
-                    <a:latin typeface="Arial" panose="020B0604020202020204" pitchFamily="34" charset="0"/>
-                    <a:cs typeface="Arial" panose="020B0604020202020204" pitchFamily="34" charset="0"/>
-                  </a:rPr>
-                  <a:t>Numero non negativo su ogni arco rappresenta la distanza tra le foglie;</a:t>
-                </a:r>
-              </a:p>
-              <a:p>
-                <a:pPr marL="285750" indent="-285750">
-                  <a:buFont typeface="Arial" panose="020B0604020202020204" pitchFamily="34" charset="0"/>
-                  <a:buChar char="•"/>
-                </a:pPr>
-                <a:r>
-                  <a:rPr lang="it-IT" sz="1400" i="1" dirty="0">
-                    <a:latin typeface="Arial" panose="020B0604020202020204" pitchFamily="34" charset="0"/>
-                    <a:cs typeface="Arial" panose="020B0604020202020204" pitchFamily="34" charset="0"/>
-                  </a:rPr>
-                  <a:t>Distanza evolutiva </a:t>
-                </a:r>
-                <a:r>
-                  <a:rPr lang="it-IT" sz="1400" dirty="0">
-                    <a:latin typeface="Arial" panose="020B0604020202020204" pitchFamily="34" charset="0"/>
-                    <a:cs typeface="Arial" panose="020B0604020202020204" pitchFamily="34" charset="0"/>
-                  </a:rPr>
-                  <a:t>tra due entità biologiche </a:t>
-                </a:r>
-                <a14:m>
-                  <m:oMath xmlns:m="http://schemas.openxmlformats.org/officeDocument/2006/math">
-                    <m:r>
-                      <a:rPr lang="it-IT" sz="1400" b="0" i="1" smtClean="0">
-                        <a:latin typeface="Cambria Math" panose="02040503050406030204" pitchFamily="18" charset="0"/>
-                        <a:cs typeface="Arial" panose="020B0604020202020204" pitchFamily="34" charset="0"/>
-                      </a:rPr>
-                      <m:t>𝑖</m:t>
-                    </m:r>
-                  </m:oMath>
-                </a14:m>
-                <a:r>
-                  <a:rPr lang="it-IT" sz="1400" dirty="0">
-                    <a:latin typeface="Arial" panose="020B0604020202020204" pitchFamily="34" charset="0"/>
-                    <a:cs typeface="Arial" panose="020B0604020202020204" pitchFamily="34" charset="0"/>
-                  </a:rPr>
-                  <a:t> e </a:t>
-                </a:r>
-                <a14:m>
-                  <m:oMath xmlns:m="http://schemas.openxmlformats.org/officeDocument/2006/math">
-                    <m:r>
-                      <a:rPr lang="it-IT" sz="1400" b="0" i="1" smtClean="0">
-                        <a:latin typeface="Cambria Math" panose="02040503050406030204" pitchFamily="18" charset="0"/>
-                        <a:cs typeface="Arial" panose="020B0604020202020204" pitchFamily="34" charset="0"/>
-                      </a:rPr>
-                      <m:t>𝑗</m:t>
-                    </m:r>
-                  </m:oMath>
-                </a14:m>
-                <a:r>
-                  <a:rPr lang="it-IT" sz="1400" dirty="0">
-                    <a:latin typeface="Arial" panose="020B0604020202020204" pitchFamily="34" charset="0"/>
-                    <a:cs typeface="Arial" panose="020B0604020202020204" pitchFamily="34" charset="0"/>
-                    <a:sym typeface="Wingdings" panose="05000000000000000000" pitchFamily="2" charset="2"/>
-                  </a:rPr>
-                  <a:t>  somma del peso degli archi che  collegano </a:t>
-                </a:r>
-                <a14:m>
-                  <m:oMath xmlns:m="http://schemas.openxmlformats.org/officeDocument/2006/math">
-                    <m:r>
-                      <a:rPr lang="it-IT" sz="1400" i="1">
-                        <a:latin typeface="Cambria Math" panose="02040503050406030204" pitchFamily="18" charset="0"/>
-                        <a:cs typeface="Arial" panose="020B0604020202020204" pitchFamily="34" charset="0"/>
-                      </a:rPr>
-                      <m:t>𝑖</m:t>
-                    </m:r>
-                  </m:oMath>
-                </a14:m>
-                <a:r>
-                  <a:rPr lang="it-IT" sz="1400" dirty="0">
-                    <a:latin typeface="Arial" panose="020B0604020202020204" pitchFamily="34" charset="0"/>
-                    <a:cs typeface="Arial" panose="020B0604020202020204" pitchFamily="34" charset="0"/>
-                    <a:sym typeface="Wingdings" panose="05000000000000000000" pitchFamily="2" charset="2"/>
-                  </a:rPr>
-                  <a:t> e </a:t>
-                </a:r>
-                <a14:m>
-                  <m:oMath xmlns:m="http://schemas.openxmlformats.org/officeDocument/2006/math">
-                    <m:r>
-                      <a:rPr lang="it-IT" sz="1400" b="0" i="1" smtClean="0">
-                        <a:latin typeface="Cambria Math" panose="02040503050406030204" pitchFamily="18" charset="0"/>
-                        <a:cs typeface="Arial" panose="020B0604020202020204" pitchFamily="34" charset="0"/>
-                      </a:rPr>
-                      <m:t>𝑗</m:t>
-                    </m:r>
-                  </m:oMath>
-                </a14:m>
-                <a:r>
-                  <a:rPr lang="it-IT" sz="1400" dirty="0">
-                    <a:latin typeface="Arial" panose="020B0604020202020204" pitchFamily="34" charset="0"/>
-                    <a:cs typeface="Arial" panose="020B0604020202020204" pitchFamily="34" charset="0"/>
-                    <a:sym typeface="Wingdings" panose="05000000000000000000" pitchFamily="2" charset="2"/>
-                  </a:rPr>
-                  <a:t>;</a:t>
-                </a:r>
-              </a:p>
-              <a:p>
-                <a:pPr marL="285750" indent="-285750">
-                  <a:buFont typeface="Arial" panose="020B0604020202020204" pitchFamily="34" charset="0"/>
-                  <a:buChar char="•"/>
-                </a:pPr>
-                <a:r>
-                  <a:rPr lang="it-IT" sz="1400" dirty="0">
-                    <a:latin typeface="Arial" panose="020B0604020202020204" pitchFamily="34" charset="0"/>
-                    <a:cs typeface="Arial" panose="020B0604020202020204" pitchFamily="34" charset="0"/>
-                    <a:sym typeface="Wingdings" panose="05000000000000000000" pitchFamily="2" charset="2"/>
-                  </a:rPr>
-                  <a:t>Tutti i vertici hanno grado diverso da 2  </a:t>
-                </a:r>
-                <a:r>
-                  <a:rPr lang="it-IT" sz="1400" i="1" dirty="0">
-                    <a:latin typeface="Arial" panose="020B0604020202020204" pitchFamily="34" charset="0"/>
-                    <a:cs typeface="Arial" panose="020B0604020202020204" pitchFamily="34" charset="0"/>
-                    <a:sym typeface="Wingdings" panose="05000000000000000000" pitchFamily="2" charset="2"/>
-                  </a:rPr>
-                  <a:t>Albero semplice</a:t>
-                </a:r>
-                <a:r>
-                  <a:rPr lang="it-IT" sz="1400" dirty="0">
-                    <a:latin typeface="Arial" panose="020B0604020202020204" pitchFamily="34" charset="0"/>
-                    <a:cs typeface="Arial" panose="020B0604020202020204" pitchFamily="34" charset="0"/>
-                    <a:sym typeface="Wingdings" panose="05000000000000000000" pitchFamily="2" charset="2"/>
-                  </a:rPr>
-                  <a:t>;</a:t>
-                </a:r>
-              </a:p>
-              <a:p>
-                <a:pPr marL="285750" indent="-285750">
-                  <a:buFont typeface="Arial" panose="020B0604020202020204" pitchFamily="34" charset="0"/>
-                  <a:buChar char="•"/>
-                </a:pPr>
-                <a:r>
-                  <a:rPr lang="it-IT" sz="1400" dirty="0">
-                    <a:latin typeface="Arial" panose="020B0604020202020204" pitchFamily="34" charset="0"/>
-                    <a:cs typeface="Arial" panose="020B0604020202020204" pitchFamily="34" charset="0"/>
-                  </a:rPr>
-                  <a:t>L’albero si </a:t>
-                </a:r>
-                <a:r>
-                  <a:rPr lang="it-IT" sz="1400" i="1" dirty="0">
-                    <a:latin typeface="Arial" panose="020B0604020202020204" pitchFamily="34" charset="0"/>
-                    <a:cs typeface="Arial" panose="020B0604020202020204" pitchFamily="34" charset="0"/>
-                  </a:rPr>
-                  <a:t>adatta</a:t>
-                </a:r>
-                <a:r>
-                  <a:rPr lang="it-IT" sz="1400" dirty="0">
-                    <a:latin typeface="Arial" panose="020B0604020202020204" pitchFamily="34" charset="0"/>
-                    <a:cs typeface="Arial" panose="020B0604020202020204" pitchFamily="34" charset="0"/>
-                  </a:rPr>
-                  <a:t> alla matrice D.</a:t>
-                </a:r>
-              </a:p>
-            </p:txBody>
-          </p:sp>
-        </mc:Choice>
-        <mc:Fallback xmlns="">
-          <p:sp>
-            <p:nvSpPr>
-              <p:cNvPr id="15" name="CasellaDiTesto 14">
-                <a:extLst>
-                  <a:ext uri="{FF2B5EF4-FFF2-40B4-BE49-F238E27FC236}">
-                    <a16:creationId xmlns:a16="http://schemas.microsoft.com/office/drawing/2014/main" id="{0E11C606-8F48-4422-8E2B-D90C38B91667}"/>
-                  </a:ext>
-                </a:extLst>
-              </p:cNvPr>
-              <p:cNvSpPr txBox="1">
-                <a:spLocks noRot="1" noChangeAspect="1" noMove="1" noResize="1" noEditPoints="1" noAdjustHandles="1" noChangeArrowheads="1" noChangeShapeType="1" noTextEdit="1"/>
-              </p:cNvSpPr>
-              <p:nvPr/>
-            </p:nvSpPr>
-            <p:spPr>
-              <a:xfrm>
-                <a:off x="-8326" y="1155171"/>
-                <a:ext cx="4086989" cy="2031325"/>
-              </a:xfrm>
-              <a:prstGeom prst="rect">
-                <a:avLst/>
-              </a:prstGeom>
-              <a:blipFill>
-                <a:blip r:embed="rId6"/>
-                <a:stretch>
-                  <a:fillRect l="-448" t="-299" b="-2096"/>
-                </a:stretch>
-              </a:blipFill>
-            </p:spPr>
-            <p:txBody>
-              <a:bodyPr/>
-              <a:lstStyle/>
-              <a:p>
-                <a:r>
-                  <a:rPr lang="it-IT">
-                    <a:noFill/>
-                  </a:rPr>
-                  <a:t> </a:t>
-                </a:r>
-              </a:p>
-            </p:txBody>
-          </p:sp>
-        </mc:Fallback>
-      </mc:AlternateContent>
-      <mc:AlternateContent xmlns:mc="http://schemas.openxmlformats.org/markup-compatibility/2006" xmlns:a14="http://schemas.microsoft.com/office/drawing/2010/main">
-        <mc:Choice Requires="a14">
+      <p:sp>
+        <p:nvSpPr>
+          <p:cNvPr id="15" name="CasellaDiTesto 14">
+            <a:extLst>
+              <a:ext uri="{FF2B5EF4-FFF2-40B4-BE49-F238E27FC236}">
+                <a16:creationId xmlns:a16="http://schemas.microsoft.com/office/drawing/2014/main" id="{0E11C606-8F48-4422-8E2B-D90C38B91667}"/>
+              </a:ext>
+            </a:extLst>
+          </p:cNvPr>
+          <p:cNvSpPr txBox="1"/>
+          <p:nvPr/>
+        </p:nvSpPr>
+        <p:spPr>
+          <a:xfrm>
+            <a:off x="9061" y="1602031"/>
+            <a:ext cx="4086989" cy="1384995"/>
+          </a:xfrm>
+          <a:prstGeom prst="rect">
+            <a:avLst/>
+          </a:prstGeom>
+          <a:noFill/>
+        </p:spPr>
+        <p:txBody>
+          <a:bodyPr wrap="square" rtlCol="0">
+            <a:spAutoFit/>
+          </a:bodyPr>
+          <a:lstStyle/>
+          <a:p>
+            <a:r>
+              <a:rPr lang="it-IT" sz="1400" dirty="0">
+                <a:latin typeface="Arial" panose="020B0604020202020204" pitchFamily="34" charset="0"/>
+                <a:cs typeface="Arial" panose="020B0604020202020204" pitchFamily="34" charset="0"/>
+              </a:rPr>
+              <a:t>Proprietà dell’albero:</a:t>
+            </a:r>
+          </a:p>
+          <a:p>
+            <a:pPr marL="285750" indent="-285750">
+              <a:buFont typeface="Arial" panose="020B0604020202020204" pitchFamily="34" charset="0"/>
+              <a:buChar char="•"/>
+            </a:pPr>
+            <a:r>
+              <a:rPr lang="it-IT" sz="1400" dirty="0">
+                <a:latin typeface="Arial" panose="020B0604020202020204" pitchFamily="34" charset="0"/>
+                <a:cs typeface="Arial" panose="020B0604020202020204" pitchFamily="34" charset="0"/>
+              </a:rPr>
+              <a:t>Numero non negativo su ogni arco rappresenta la distanza tra le foglie;</a:t>
+            </a:r>
+          </a:p>
+          <a:p>
+            <a:pPr marL="285750" indent="-285750">
+              <a:buFont typeface="Arial" panose="020B0604020202020204" pitchFamily="34" charset="0"/>
+              <a:buChar char="•"/>
+            </a:pPr>
+            <a:r>
+              <a:rPr lang="it-IT" sz="1400" dirty="0">
+                <a:latin typeface="Arial" panose="020B0604020202020204" pitchFamily="34" charset="0"/>
+                <a:cs typeface="Arial" panose="020B0604020202020204" pitchFamily="34" charset="0"/>
+                <a:sym typeface="Wingdings" panose="05000000000000000000" pitchFamily="2" charset="2"/>
+              </a:rPr>
+              <a:t>Tutti i vertici hanno grado diverso da 2  </a:t>
+            </a:r>
+            <a:r>
+              <a:rPr lang="it-IT" sz="1400" i="1" dirty="0">
+                <a:latin typeface="Arial" panose="020B0604020202020204" pitchFamily="34" charset="0"/>
+                <a:cs typeface="Arial" panose="020B0604020202020204" pitchFamily="34" charset="0"/>
+                <a:sym typeface="Wingdings" panose="05000000000000000000" pitchFamily="2" charset="2"/>
+              </a:rPr>
+              <a:t>Albero semplice</a:t>
+            </a:r>
+            <a:r>
+              <a:rPr lang="it-IT" sz="1400" dirty="0">
+                <a:latin typeface="Arial" panose="020B0604020202020204" pitchFamily="34" charset="0"/>
+                <a:cs typeface="Arial" panose="020B0604020202020204" pitchFamily="34" charset="0"/>
+                <a:sym typeface="Wingdings" panose="05000000000000000000" pitchFamily="2" charset="2"/>
+              </a:rPr>
+              <a:t>;</a:t>
+            </a:r>
+          </a:p>
+          <a:p>
+            <a:pPr marL="285750" indent="-285750">
+              <a:buFont typeface="Arial" panose="020B0604020202020204" pitchFamily="34" charset="0"/>
+              <a:buChar char="•"/>
+            </a:pPr>
+            <a:r>
+              <a:rPr lang="it-IT" sz="1400" dirty="0">
+                <a:latin typeface="Arial" panose="020B0604020202020204" pitchFamily="34" charset="0"/>
+                <a:cs typeface="Arial" panose="020B0604020202020204" pitchFamily="34" charset="0"/>
+              </a:rPr>
+              <a:t>L’albero si </a:t>
+            </a:r>
+            <a:r>
+              <a:rPr lang="it-IT" sz="1400" i="1" dirty="0">
+                <a:latin typeface="Arial" panose="020B0604020202020204" pitchFamily="34" charset="0"/>
+                <a:cs typeface="Arial" panose="020B0604020202020204" pitchFamily="34" charset="0"/>
+              </a:rPr>
+              <a:t>adatta</a:t>
+            </a:r>
+            <a:r>
+              <a:rPr lang="it-IT" sz="1400" dirty="0">
+                <a:latin typeface="Arial" panose="020B0604020202020204" pitchFamily="34" charset="0"/>
+                <a:cs typeface="Arial" panose="020B0604020202020204" pitchFamily="34" charset="0"/>
+              </a:rPr>
+              <a:t> alla matrice D.</a:t>
+            </a:r>
+          </a:p>
+        </p:txBody>
+      </p:sp>
+      <mc:AlternateContent xmlns:mc="http://schemas.openxmlformats.org/markup-compatibility/2006">
+        <mc:Choice xmlns:a14="http://schemas.microsoft.com/office/drawing/2010/main" Requires="a14">
           <p:sp>
             <p:nvSpPr>
               <p:cNvPr id="16" name="CasellaDiTesto 15">
@@ -23954,7 +20360,7 @@
             </p:nvSpPr>
             <p:spPr>
               <a:xfrm>
-                <a:off x="144074" y="3558938"/>
+                <a:off x="715574" y="3856118"/>
                 <a:ext cx="4623235" cy="307777"/>
               </a:xfrm>
               <a:prstGeom prst="rect">
@@ -24029,7 +20435,7 @@
             </p:txBody>
           </p:sp>
         </mc:Choice>
-        <mc:Fallback xmlns="">
+        <mc:Fallback>
           <p:sp>
             <p:nvSpPr>
               <p:cNvPr id="16" name="CasellaDiTesto 15">
@@ -24046,16 +20452,16 @@
             </p:nvSpPr>
             <p:spPr>
               <a:xfrm>
-                <a:off x="144074" y="3558938"/>
+                <a:off x="715574" y="3856118"/>
                 <a:ext cx="4623235" cy="307777"/>
               </a:xfrm>
               <a:prstGeom prst="rect">
                 <a:avLst/>
               </a:prstGeom>
               <a:blipFill>
-                <a:blip r:embed="rId7"/>
+                <a:blip r:embed="rId6"/>
                 <a:stretch>
-                  <a:fillRect l="-396" t="-4000" r="-923" b="-20000"/>
+                  <a:fillRect l="-395" t="-4000" r="-791" b="-20000"/>
                 </a:stretch>
               </a:blipFill>
             </p:spPr>
@@ -24093,14 +20499,14 @@
           </p:nvPr>
         </p:nvPicPr>
         <p:blipFill>
-          <a:blip r:embed="rId8"/>
+          <a:blip r:embed="rId7"/>
           <a:stretch>
             <a:fillRect/>
           </a:stretch>
         </p:blipFill>
         <p:spPr>
           <a:xfrm>
-            <a:off x="5257690" y="3601003"/>
+            <a:off x="5829190" y="3898183"/>
             <a:ext cx="2106197" cy="229623"/>
           </a:xfrm>
           <a:prstGeom prst="rect">
@@ -24125,7 +20531,7 @@
         </p:nvCxnSpPr>
         <p:spPr>
           <a:xfrm>
-            <a:off x="4767309" y="3712827"/>
+            <a:off x="5338809" y="4010007"/>
             <a:ext cx="417250" cy="0"/>
           </a:xfrm>
           <a:prstGeom prst="straightConnector1">
@@ -24150,8 +20556,8 @@
           </a:fontRef>
         </p:style>
       </p:cxnSp>
-      <mc:AlternateContent xmlns:mc="http://schemas.openxmlformats.org/markup-compatibility/2006" xmlns:a14="http://schemas.microsoft.com/office/drawing/2010/main">
-        <mc:Choice Requires="a14">
+      <mc:AlternateContent xmlns:mc="http://schemas.openxmlformats.org/markup-compatibility/2006">
+        <mc:Choice xmlns:a14="http://schemas.microsoft.com/office/drawing/2010/main" Requires="a14">
           <p:sp>
             <p:nvSpPr>
               <p:cNvPr id="21" name="CasellaDiTesto 20">
@@ -24166,7 +20572,7 @@
             </p:nvSpPr>
             <p:spPr>
               <a:xfrm>
-                <a:off x="1228804" y="4009079"/>
+                <a:off x="1434544" y="4340549"/>
                 <a:ext cx="5699718" cy="307777"/>
               </a:xfrm>
               <a:prstGeom prst="rect">
@@ -24255,7 +20661,7 @@
             </p:txBody>
           </p:sp>
         </mc:Choice>
-        <mc:Fallback xmlns="">
+        <mc:Fallback>
           <p:sp>
             <p:nvSpPr>
               <p:cNvPr id="21" name="CasellaDiTesto 20">
@@ -24272,16 +20678,16 @@
             </p:nvSpPr>
             <p:spPr>
               <a:xfrm>
-                <a:off x="1228804" y="4009079"/>
+                <a:off x="1434544" y="4340549"/>
                 <a:ext cx="5699718" cy="307777"/>
               </a:xfrm>
               <a:prstGeom prst="rect">
                 <a:avLst/>
               </a:prstGeom>
               <a:blipFill>
-                <a:blip r:embed="rId9"/>
+                <a:blip r:embed="rId8"/>
                 <a:stretch>
-                  <a:fillRect l="-321" t="-4000" b="-20000"/>
+                  <a:fillRect l="-321" t="-3922" b="-19608"/>
                 </a:stretch>
               </a:blipFill>
             </p:spPr>
@@ -24314,7 +20720,7 @@
         </p:nvSpPr>
         <p:spPr>
           <a:xfrm>
-            <a:off x="144074" y="4631822"/>
+            <a:off x="144074" y="4986152"/>
             <a:ext cx="5699718" cy="307777"/>
           </a:xfrm>
           <a:prstGeom prst="rect">
@@ -24352,7 +20758,7 @@
         </p:nvSpPr>
         <p:spPr>
           <a:xfrm>
-            <a:off x="144074" y="4992207"/>
+            <a:off x="144074" y="5346537"/>
             <a:ext cx="7264201" cy="307777"/>
           </a:xfrm>
           <a:prstGeom prst="rect">
@@ -24404,7 +20810,7 @@
         </p:nvSpPr>
         <p:spPr>
           <a:xfrm>
-            <a:off x="261451" y="5720981"/>
+            <a:off x="261451" y="6006731"/>
             <a:ext cx="3467170" cy="307777"/>
           </a:xfrm>
           <a:prstGeom prst="rect">
@@ -24439,7 +20845,7 @@
         </p:nvSpPr>
         <p:spPr>
           <a:xfrm>
-            <a:off x="4838331" y="5722587"/>
+            <a:off x="4838331" y="6008337"/>
             <a:ext cx="4044218" cy="307777"/>
           </a:xfrm>
           <a:prstGeom prst="rect">
@@ -24474,7 +20880,7 @@
         </p:nvCxnSpPr>
         <p:spPr>
           <a:xfrm>
-            <a:off x="3736946" y="5877017"/>
+            <a:off x="3736946" y="6162767"/>
             <a:ext cx="1030363" cy="0"/>
           </a:xfrm>
           <a:prstGeom prst="straightConnector1">
@@ -24920,8 +21326,8 @@
         </p:blipFill>
         <p:spPr>
           <a:xfrm>
-            <a:off x="6402163" y="3449011"/>
-            <a:ext cx="2579825" cy="2094999"/>
+            <a:off x="5942921" y="3545381"/>
+            <a:ext cx="3196183" cy="2595525"/>
           </a:xfrm>
           <a:prstGeom prst="rect">
             <a:avLst/>
@@ -25194,6 +21600,7 @@
             </a:extLst>
           </p:cNvPr>
           <p:cNvCxnSpPr>
+            <a:cxnSpLocks/>
             <a:stCxn id="27" idx="2"/>
             <a:endCxn id="20" idx="0"/>
           </p:cNvCxnSpPr>
@@ -25201,8 +21608,8 @@
         </p:nvCxnSpPr>
         <p:spPr>
           <a:xfrm rot="5400000">
-            <a:off x="7469884" y="2858864"/>
-            <a:ext cx="812339" cy="367954"/>
+            <a:off x="7346168" y="2831518"/>
+            <a:ext cx="908709" cy="519017"/>
           </a:xfrm>
           <a:prstGeom prst="bentConnector3">
             <a:avLst/>
@@ -25252,7 +21659,7 @@
         </p:blipFill>
         <p:spPr>
           <a:xfrm>
-            <a:off x="4177594" y="3615610"/>
+            <a:off x="3351646" y="3606957"/>
             <a:ext cx="1735910" cy="251922"/>
           </a:xfrm>
           <a:prstGeom prst="rect">
@@ -25286,7 +21693,7 @@
         </p:blipFill>
         <p:spPr>
           <a:xfrm>
-            <a:off x="4210680" y="5123193"/>
+            <a:off x="3351646" y="4131647"/>
             <a:ext cx="1676190" cy="248381"/>
           </a:xfrm>
           <a:prstGeom prst="rect">
@@ -25320,7 +21727,7 @@
         </p:blipFill>
         <p:spPr>
           <a:xfrm>
-            <a:off x="1801667" y="4308582"/>
+            <a:off x="414919" y="4731441"/>
             <a:ext cx="1971809" cy="339810"/>
           </a:xfrm>
           <a:prstGeom prst="rect">
@@ -25328,8 +21735,8 @@
           </a:prstGeom>
         </p:spPr>
       </p:pic>
-      <mc:AlternateContent xmlns:mc="http://schemas.openxmlformats.org/markup-compatibility/2006" xmlns:a14="http://schemas.microsoft.com/office/drawing/2010/main">
-        <mc:Choice Requires="a14">
+      <mc:AlternateContent xmlns:mc="http://schemas.openxmlformats.org/markup-compatibility/2006">
+        <mc:Choice xmlns:a14="http://schemas.microsoft.com/office/drawing/2010/main" Requires="a14">
           <p:sp>
             <p:nvSpPr>
               <p:cNvPr id="43" name="CasellaDiTesto 42">
@@ -25344,7 +21751,7 @@
             </p:nvSpPr>
             <p:spPr>
               <a:xfrm>
-                <a:off x="4207454" y="4324684"/>
+                <a:off x="634193" y="3800604"/>
                 <a:ext cx="1676190" cy="325025"/>
               </a:xfrm>
               <a:prstGeom prst="rect">
@@ -25412,7 +21819,7 @@
             </p:txBody>
           </p:sp>
         </mc:Choice>
-        <mc:Fallback xmlns="">
+        <mc:Fallback>
           <p:sp>
             <p:nvSpPr>
               <p:cNvPr id="43" name="CasellaDiTesto 42">
@@ -25429,7 +21836,7 @@
             </p:nvSpPr>
             <p:spPr>
               <a:xfrm>
-                <a:off x="4207454" y="4324684"/>
+                <a:off x="634193" y="3800604"/>
                 <a:ext cx="1676190" cy="325025"/>
               </a:xfrm>
               <a:prstGeom prst="rect">
@@ -25457,132 +21864,6 @@
           </p:sp>
         </mc:Fallback>
       </mc:AlternateContent>
-      <p:cxnSp>
-        <p:nvCxnSpPr>
-          <p:cNvPr id="47" name="Connettore 2 46">
-            <a:extLst>
-              <a:ext uri="{FF2B5EF4-FFF2-40B4-BE49-F238E27FC236}">
-                <a16:creationId xmlns:a16="http://schemas.microsoft.com/office/drawing/2014/main" id="{4577F59B-D14A-4F65-9936-5653BC580E34}"/>
-              </a:ext>
-            </a:extLst>
-          </p:cNvPr>
-          <p:cNvCxnSpPr>
-            <a:stCxn id="38" idx="2"/>
-            <a:endCxn id="43" idx="0"/>
-          </p:cNvCxnSpPr>
-          <p:nvPr/>
-        </p:nvCxnSpPr>
-        <p:spPr>
-          <a:xfrm>
-            <a:off x="5045549" y="3867532"/>
-            <a:ext cx="0" cy="457152"/>
-          </a:xfrm>
-          <a:prstGeom prst="straightConnector1">
-            <a:avLst/>
-          </a:prstGeom>
-          <a:ln>
-            <a:tailEnd type="triangle"/>
-          </a:ln>
-        </p:spPr>
-        <p:style>
-          <a:lnRef idx="2">
-            <a:schemeClr val="accent1"/>
-          </a:lnRef>
-          <a:fillRef idx="0">
-            <a:schemeClr val="accent1"/>
-          </a:fillRef>
-          <a:effectRef idx="1">
-            <a:schemeClr val="accent1"/>
-          </a:effectRef>
-          <a:fontRef idx="minor">
-            <a:schemeClr val="tx1"/>
-          </a:fontRef>
-        </p:style>
-      </p:cxnSp>
-      <p:cxnSp>
-        <p:nvCxnSpPr>
-          <p:cNvPr id="49" name="Connettore 2 48">
-            <a:extLst>
-              <a:ext uri="{FF2B5EF4-FFF2-40B4-BE49-F238E27FC236}">
-                <a16:creationId xmlns:a16="http://schemas.microsoft.com/office/drawing/2014/main" id="{A13BAAB6-EA1A-4A27-A81D-C9116B203822}"/>
-              </a:ext>
-            </a:extLst>
-          </p:cNvPr>
-          <p:cNvCxnSpPr>
-            <a:stCxn id="40" idx="0"/>
-            <a:endCxn id="43" idx="2"/>
-          </p:cNvCxnSpPr>
-          <p:nvPr/>
-        </p:nvCxnSpPr>
-        <p:spPr>
-          <a:xfrm flipH="1" flipV="1">
-            <a:off x="5045549" y="4649709"/>
-            <a:ext cx="3226" cy="473484"/>
-          </a:xfrm>
-          <a:prstGeom prst="straightConnector1">
-            <a:avLst/>
-          </a:prstGeom>
-          <a:ln>
-            <a:tailEnd type="triangle"/>
-          </a:ln>
-        </p:spPr>
-        <p:style>
-          <a:lnRef idx="2">
-            <a:schemeClr val="accent1"/>
-          </a:lnRef>
-          <a:fillRef idx="0">
-            <a:schemeClr val="accent1"/>
-          </a:fillRef>
-          <a:effectRef idx="1">
-            <a:schemeClr val="accent1"/>
-          </a:effectRef>
-          <a:fontRef idx="minor">
-            <a:schemeClr val="tx1"/>
-          </a:fontRef>
-        </p:style>
-      </p:cxnSp>
-      <p:cxnSp>
-        <p:nvCxnSpPr>
-          <p:cNvPr id="51" name="Connettore 2 50">
-            <a:extLst>
-              <a:ext uri="{FF2B5EF4-FFF2-40B4-BE49-F238E27FC236}">
-                <a16:creationId xmlns:a16="http://schemas.microsoft.com/office/drawing/2014/main" id="{3767EA2D-621B-4D46-8787-FF6E01E39FA1}"/>
-              </a:ext>
-            </a:extLst>
-          </p:cNvPr>
-          <p:cNvCxnSpPr>
-            <a:cxnSpLocks/>
-            <a:stCxn id="43" idx="1"/>
-          </p:cNvCxnSpPr>
-          <p:nvPr/>
-        </p:nvCxnSpPr>
-        <p:spPr>
-          <a:xfrm flipH="1">
-            <a:off x="3800385" y="4487197"/>
-            <a:ext cx="407069" cy="9313"/>
-          </a:xfrm>
-          <a:prstGeom prst="straightConnector1">
-            <a:avLst/>
-          </a:prstGeom>
-          <a:ln>
-            <a:tailEnd type="triangle"/>
-          </a:ln>
-        </p:spPr>
-        <p:style>
-          <a:lnRef idx="2">
-            <a:schemeClr val="accent1"/>
-          </a:lnRef>
-          <a:fillRef idx="0">
-            <a:schemeClr val="accent1"/>
-          </a:fillRef>
-          <a:effectRef idx="1">
-            <a:schemeClr val="accent1"/>
-          </a:effectRef>
-          <a:fontRef idx="minor">
-            <a:schemeClr val="tx1"/>
-          </a:fontRef>
-        </p:style>
-      </p:cxnSp>
       <p:sp>
         <p:nvSpPr>
           <p:cNvPr id="53" name="CasellaDiTesto 52">
@@ -25621,8 +21902,8 @@
           </a:p>
         </p:txBody>
       </p:sp>
-      <mc:AlternateContent xmlns:mc="http://schemas.openxmlformats.org/markup-compatibility/2006" xmlns:a14="http://schemas.microsoft.com/office/drawing/2010/main">
-        <mc:Choice Requires="a14">
+      <mc:AlternateContent xmlns:mc="http://schemas.openxmlformats.org/markup-compatibility/2006">
+        <mc:Choice xmlns:a14="http://schemas.microsoft.com/office/drawing/2010/main" Requires="a14">
           <p:sp>
             <p:nvSpPr>
               <p:cNvPr id="54" name="CasellaDiTesto 53">
@@ -25637,8 +21918,8 @@
             </p:nvSpPr>
             <p:spPr>
               <a:xfrm>
-                <a:off x="9061" y="3865563"/>
-                <a:ext cx="1471375" cy="1225848"/>
+                <a:off x="-23705" y="5568179"/>
+                <a:ext cx="3028950" cy="557076"/>
               </a:xfrm>
               <a:prstGeom prst="rect">
                 <a:avLst/>
@@ -25795,7 +22076,7 @@
             </p:txBody>
           </p:sp>
         </mc:Choice>
-        <mc:Fallback xmlns="">
+        <mc:Fallback>
           <p:sp>
             <p:nvSpPr>
               <p:cNvPr id="54" name="CasellaDiTesto 53">
@@ -25812,8 +22093,8 @@
             </p:nvSpPr>
             <p:spPr>
               <a:xfrm>
-                <a:off x="9061" y="3865563"/>
-                <a:ext cx="1471375" cy="1225848"/>
+                <a:off x="-23705" y="5568179"/>
+                <a:ext cx="3028950" cy="557076"/>
               </a:xfrm>
               <a:prstGeom prst="rect">
                 <a:avLst/>
@@ -25821,7 +22102,7 @@
               <a:blipFill>
                 <a:blip r:embed="rId16"/>
                 <a:stretch>
-                  <a:fillRect l="-1240" t="-995" r="-2479"/>
+                  <a:fillRect l="-604" t="-1087" b="-7609"/>
                 </a:stretch>
               </a:blipFill>
             </p:spPr>
@@ -25842,24 +22123,149 @@
       </mc:AlternateContent>
       <p:cxnSp>
         <p:nvCxnSpPr>
-          <p:cNvPr id="56" name="Connettore 2 55">
+          <p:cNvPr id="26" name="Connettore a gomito 25">
             <a:extLst>
               <a:ext uri="{FF2B5EF4-FFF2-40B4-BE49-F238E27FC236}">
-                <a16:creationId xmlns:a16="http://schemas.microsoft.com/office/drawing/2014/main" id="{D7969D80-158E-46C1-A9B3-3C5EED014A3D}"/>
+                <a16:creationId xmlns:a16="http://schemas.microsoft.com/office/drawing/2014/main" id="{8872DA56-D320-47A6-8DD8-32233041DE81}"/>
               </a:ext>
             </a:extLst>
           </p:cNvPr>
           <p:cNvCxnSpPr>
             <a:cxnSpLocks/>
-            <a:stCxn id="42" idx="1"/>
-            <a:endCxn id="54" idx="3"/>
+            <a:stCxn id="20" idx="1"/>
           </p:cNvCxnSpPr>
           <p:nvPr/>
         </p:nvCxnSpPr>
         <p:spPr>
+          <a:xfrm rot="10800000">
+            <a:off x="5087557" y="4000500"/>
+            <a:ext cx="855365" cy="842644"/>
+          </a:xfrm>
+          <a:prstGeom prst="bentConnector3">
+            <a:avLst/>
+          </a:prstGeom>
+          <a:ln>
+            <a:tailEnd type="triangle"/>
+          </a:ln>
+        </p:spPr>
+        <p:style>
+          <a:lnRef idx="2">
+            <a:schemeClr val="accent1"/>
+          </a:lnRef>
+          <a:fillRef idx="0">
+            <a:schemeClr val="accent1"/>
+          </a:fillRef>
+          <a:effectRef idx="1">
+            <a:schemeClr val="accent1"/>
+          </a:effectRef>
+          <a:fontRef idx="minor">
+            <a:schemeClr val="tx1"/>
+          </a:fontRef>
+        </p:style>
+      </p:cxnSp>
+      <p:sp>
+        <p:nvSpPr>
+          <p:cNvPr id="30" name="Freccia a destra 29">
+            <a:extLst>
+              <a:ext uri="{FF2B5EF4-FFF2-40B4-BE49-F238E27FC236}">
+                <a16:creationId xmlns:a16="http://schemas.microsoft.com/office/drawing/2014/main" id="{B938C658-5951-4949-A0CC-90A3D7765844}"/>
+              </a:ext>
+            </a:extLst>
+          </p:cNvPr>
+          <p:cNvSpPr/>
+          <p:nvPr/>
+        </p:nvSpPr>
+        <p:spPr>
+          <a:xfrm rot="10800000">
+            <a:off x="2415240" y="3858879"/>
+            <a:ext cx="656602" cy="238145"/>
+          </a:xfrm>
+          <a:prstGeom prst="rightArrow">
+            <a:avLst/>
+          </a:prstGeom>
+        </p:spPr>
+        <p:style>
+          <a:lnRef idx="1">
+            <a:schemeClr val="accent1"/>
+          </a:lnRef>
+          <a:fillRef idx="3">
+            <a:schemeClr val="accent1"/>
+          </a:fillRef>
+          <a:effectRef idx="2">
+            <a:schemeClr val="accent1"/>
+          </a:effectRef>
+          <a:fontRef idx="minor">
+            <a:schemeClr val="lt1"/>
+          </a:fontRef>
+        </p:style>
+        <p:txBody>
+          <a:bodyPr rtlCol="0" anchor="ctr"/>
+          <a:lstStyle/>
+          <a:p>
+            <a:pPr algn="ctr"/>
+            <a:endParaRPr lang="it-IT"/>
+          </a:p>
+        </p:txBody>
+      </p:sp>
+      <p:cxnSp>
+        <p:nvCxnSpPr>
+          <p:cNvPr id="32" name="Connettore 2 31">
+            <a:extLst>
+              <a:ext uri="{FF2B5EF4-FFF2-40B4-BE49-F238E27FC236}">
+                <a16:creationId xmlns:a16="http://schemas.microsoft.com/office/drawing/2014/main" id="{65A4A76E-3EF0-47C9-B6C9-02CCC4C5B6A7}"/>
+              </a:ext>
+            </a:extLst>
+          </p:cNvPr>
+          <p:cNvCxnSpPr>
+            <a:stCxn id="43" idx="2"/>
+          </p:cNvCxnSpPr>
+          <p:nvPr/>
+        </p:nvCxnSpPr>
+        <p:spPr>
+          <a:xfrm>
+            <a:off x="1472288" y="4125629"/>
+            <a:ext cx="0" cy="480661"/>
+          </a:xfrm>
+          <a:prstGeom prst="straightConnector1">
+            <a:avLst/>
+          </a:prstGeom>
+          <a:ln>
+            <a:tailEnd type="triangle"/>
+          </a:ln>
+        </p:spPr>
+        <p:style>
+          <a:lnRef idx="2">
+            <a:schemeClr val="accent1"/>
+          </a:lnRef>
+          <a:fillRef idx="0">
+            <a:schemeClr val="accent1"/>
+          </a:fillRef>
+          <a:effectRef idx="1">
+            <a:schemeClr val="accent1"/>
+          </a:effectRef>
+          <a:fontRef idx="minor">
+            <a:schemeClr val="tx1"/>
+          </a:fontRef>
+        </p:style>
+      </p:cxnSp>
+      <p:cxnSp>
+        <p:nvCxnSpPr>
+          <p:cNvPr id="35" name="Connettore 2 34">
+            <a:extLst>
+              <a:ext uri="{FF2B5EF4-FFF2-40B4-BE49-F238E27FC236}">
+                <a16:creationId xmlns:a16="http://schemas.microsoft.com/office/drawing/2014/main" id="{A4A0AB2E-B63B-4749-A561-745E594EE9DC}"/>
+              </a:ext>
+            </a:extLst>
+          </p:cNvPr>
+          <p:cNvCxnSpPr>
+            <a:stCxn id="42" idx="2"/>
+          </p:cNvCxnSpPr>
+          <p:nvPr/>
+        </p:nvCxnSpPr>
+        <p:spPr>
           <a:xfrm flipH="1">
-            <a:off x="1480436" y="4478487"/>
-            <a:ext cx="321231" cy="0"/>
+            <a:off x="1400823" y="5071251"/>
+            <a:ext cx="1" cy="496928"/>
           </a:xfrm>
           <a:prstGeom prst="straightConnector1">
             <a:avLst/>
@@ -26199,7 +22605,7 @@
         </p:blipFill>
         <p:spPr>
           <a:xfrm>
-            <a:off x="31251" y="1932191"/>
+            <a:off x="31251" y="2549411"/>
             <a:ext cx="1762033" cy="180696"/>
           </a:xfrm>
           <a:prstGeom prst="rect">
@@ -26233,7 +22639,7 @@
         </p:blipFill>
         <p:spPr>
           <a:xfrm>
-            <a:off x="31250" y="2300254"/>
+            <a:off x="31250" y="2917474"/>
             <a:ext cx="1762033" cy="180696"/>
           </a:xfrm>
           <a:prstGeom prst="rect">
@@ -26262,7 +22668,7 @@
         </p:blipFill>
         <p:spPr>
           <a:xfrm>
-            <a:off x="2668323" y="1288923"/>
+            <a:off x="2668323" y="1906143"/>
             <a:ext cx="2347461" cy="1944210"/>
           </a:xfrm>
           <a:prstGeom prst="rect">
@@ -26284,7 +22690,7 @@
         </p:nvSpPr>
         <p:spPr>
           <a:xfrm>
-            <a:off x="1957704" y="2067371"/>
+            <a:off x="1957704" y="2684591"/>
             <a:ext cx="607938" cy="180696"/>
           </a:xfrm>
           <a:prstGeom prst="rightArrow">
@@ -26314,8 +22720,8 @@
           </a:p>
         </p:txBody>
       </p:sp>
-      <mc:AlternateContent xmlns:mc="http://schemas.openxmlformats.org/markup-compatibility/2006" xmlns:a14="http://schemas.microsoft.com/office/drawing/2010/main">
-        <mc:Choice Requires="a14">
+      <mc:AlternateContent xmlns:mc="http://schemas.openxmlformats.org/markup-compatibility/2006">
+        <mc:Choice xmlns:a14="http://schemas.microsoft.com/office/drawing/2010/main" Requires="a14">
           <p:sp>
             <p:nvSpPr>
               <p:cNvPr id="33" name="CasellaDiTesto 32">
@@ -26330,7 +22736,7 @@
             </p:nvSpPr>
             <p:spPr>
               <a:xfrm>
-                <a:off x="6592153" y="1174564"/>
+                <a:off x="6449511" y="1638050"/>
                 <a:ext cx="2347460" cy="738664"/>
               </a:xfrm>
               <a:prstGeom prst="rect">
@@ -26439,7 +22845,7 @@
             </p:txBody>
           </p:sp>
         </mc:Choice>
-        <mc:Fallback xmlns="">
+        <mc:Fallback>
           <p:sp>
             <p:nvSpPr>
               <p:cNvPr id="33" name="CasellaDiTesto 32">
@@ -26456,7 +22862,7 @@
             </p:nvSpPr>
             <p:spPr>
               <a:xfrm>
-                <a:off x="6592153" y="1174564"/>
+                <a:off x="6449511" y="1638050"/>
                 <a:ext cx="2347460" cy="738664"/>
               </a:xfrm>
               <a:prstGeom prst="rect">
@@ -26506,7 +22912,7 @@
         </p:blipFill>
         <p:spPr>
           <a:xfrm>
-            <a:off x="6317968" y="2067371"/>
+            <a:off x="6317968" y="2684591"/>
             <a:ext cx="2479003" cy="1153236"/>
           </a:xfrm>
           <a:prstGeom prst="rect">
@@ -26532,8 +22938,8 @@
         </p:nvCxnSpPr>
         <p:spPr>
           <a:xfrm flipV="1">
-            <a:off x="5015784" y="1543896"/>
-            <a:ext cx="1576369" cy="717132"/>
+            <a:off x="5015784" y="2007382"/>
+            <a:ext cx="1433727" cy="870866"/>
           </a:xfrm>
           <a:prstGeom prst="bentConnector3">
             <a:avLst>
@@ -26570,13 +22976,14 @@
           </p:cNvPr>
           <p:cNvCxnSpPr>
             <a:cxnSpLocks/>
+            <a:stCxn id="33" idx="2"/>
           </p:cNvCxnSpPr>
           <p:nvPr/>
         </p:nvCxnSpPr>
         <p:spPr>
           <a:xfrm>
-            <a:off x="7765883" y="1895472"/>
-            <a:ext cx="0" cy="181236"/>
+            <a:off x="7623241" y="2376714"/>
+            <a:ext cx="0" cy="263045"/>
           </a:xfrm>
           <a:prstGeom prst="straightConnector1">
             <a:avLst/>
@@ -26600,8 +23007,8 @@
           </a:fontRef>
         </p:style>
       </p:cxnSp>
-      <mc:AlternateContent xmlns:mc="http://schemas.openxmlformats.org/markup-compatibility/2006" xmlns:a14="http://schemas.microsoft.com/office/drawing/2010/main">
-        <mc:Choice Requires="a14">
+      <mc:AlternateContent xmlns:mc="http://schemas.openxmlformats.org/markup-compatibility/2006">
+        <mc:Choice xmlns:a14="http://schemas.microsoft.com/office/drawing/2010/main" Requires="a14">
           <p:sp>
             <p:nvSpPr>
               <p:cNvPr id="17" name="CasellaDiTesto 16">
@@ -26616,7 +23023,7 @@
             </p:nvSpPr>
             <p:spPr>
               <a:xfrm>
-                <a:off x="6107837" y="4419146"/>
+                <a:off x="6078054" y="5228407"/>
                 <a:ext cx="2958831" cy="954107"/>
               </a:xfrm>
               <a:prstGeom prst="rect">
@@ -26696,7 +23103,7 @@
             </p:txBody>
           </p:sp>
         </mc:Choice>
-        <mc:Fallback xmlns="">
+        <mc:Fallback>
           <p:sp>
             <p:nvSpPr>
               <p:cNvPr id="17" name="CasellaDiTesto 16">
@@ -26713,7 +23120,7 @@
             </p:nvSpPr>
             <p:spPr>
               <a:xfrm>
-                <a:off x="6107837" y="4419146"/>
+                <a:off x="6078054" y="5228407"/>
                 <a:ext cx="2958831" cy="954107"/>
               </a:xfrm>
               <a:prstGeom prst="rect">
@@ -26759,8 +23166,8 @@
         </p:nvCxnSpPr>
         <p:spPr>
           <a:xfrm>
-            <a:off x="7557470" y="3220607"/>
-            <a:ext cx="29783" cy="1198539"/>
+            <a:off x="7557470" y="3837827"/>
+            <a:ext cx="0" cy="1390580"/>
           </a:xfrm>
           <a:prstGeom prst="straightConnector1">
             <a:avLst/>
@@ -26805,7 +23212,7 @@
         </p:blipFill>
         <p:spPr>
           <a:xfrm>
-            <a:off x="1990393" y="3924093"/>
+            <a:off x="2053711" y="4733355"/>
             <a:ext cx="3576683" cy="1944211"/>
           </a:xfrm>
           <a:prstGeom prst="rect">
@@ -26829,9 +23236,9 @@
           <p:nvPr/>
         </p:nvCxnSpPr>
         <p:spPr>
-          <a:xfrm flipH="1" flipV="1">
-            <a:off x="5567076" y="4896199"/>
-            <a:ext cx="540761" cy="1"/>
+          <a:xfrm flipH="1">
+            <a:off x="5630394" y="5705461"/>
+            <a:ext cx="447660" cy="0"/>
           </a:xfrm>
           <a:prstGeom prst="straightConnector1">
             <a:avLst/>
@@ -28210,11 +24617,11 @@
 <file path=ppt/tags/tag18.xml><?xml version="1.0" encoding="utf-8"?>
 <p:tagLst xmlns:a="http://schemas.openxmlformats.org/drawingml/2006/main" xmlns:r="http://schemas.openxmlformats.org/officeDocument/2006/relationships" xmlns:p="http://schemas.openxmlformats.org/presentationml/2006/main">
   <p:tag name="OUTPUTDPI" val="1200"/>
-  <p:tag name="ORIGINALHEIGHT" val="125,2343"/>
-  <p:tag name="ORIGINALWIDTH" val="986,1267"/>
-  <p:tag name="LATEXADDIN" val="\documentclass{article}&#10;\usepackage{amsmath}&#10;\pagestyle{empty}&#10;\begin{document}&#10;&#10;&#10;$limbweight(b) = 2$&#10;&#10;\end{document}"/>
-  <p:tag name="IGUANATEXSIZE" val="20"/>
-  <p:tag name="IGUANATEXCURSOR" val="100"/>
+  <p:tag name="ORIGINALHEIGHT" val="87,73905"/>
+  <p:tag name="ORIGINALWIDTH" val="149,9813"/>
+  <p:tag name="LATEXADDIN" val="\documentclass{article}&#10;\usepackage{amsmath}&#10;\pagestyle{empty}&#10;\begin{document}&#10;&#10;&#10;$D^\star$&#10;&#10;\end{document}"/>
+  <p:tag name="IGUANATEXSIZE" val="14"/>
+  <p:tag name="IGUANATEXCURSOR" val="90"/>
   <p:tag name="TRANSPARENCY" val="Vero"/>
   <p:tag name="FILENAME" val=""/>
   <p:tag name="LATEXENGINEID" val="0"/>
@@ -28229,11 +24636,11 @@
 <file path=ppt/tags/tag19.xml><?xml version="1.0" encoding="utf-8"?>
 <p:tagLst xmlns:a="http://schemas.openxmlformats.org/drawingml/2006/main" xmlns:r="http://schemas.openxmlformats.org/officeDocument/2006/relationships" xmlns:p="http://schemas.openxmlformats.org/presentationml/2006/main">
   <p:tag name="OUTPUTDPI" val="1200"/>
-  <p:tag name="ORIGINALHEIGHT" val="165,7293"/>
-  <p:tag name="ORIGINALWIDTH" val="3520,81"/>
-  <p:tag name="LATEXADDIN" val="\documentclass{article}&#10;\usepackage{amsmath}&#10;\pagestyle{empty}&#10;\begin{document}&#10;&#10;$limbweight(b)=\frac{D_{f,b}+D_{b,u}-D_{f,u}}{2} \rightarrow limbweight(b)=0,\: quindi\rightarrow $&#10;&#10;&#10;\end{document}"/>
-  <p:tag name="IGUANATEXSIZE" val="20"/>
-  <p:tag name="IGUANATEXCURSOR" val="179"/>
+  <p:tag name="ORIGINALHEIGHT" val="87,73905"/>
+  <p:tag name="ORIGINALWIDTH" val="149,9813"/>
+  <p:tag name="LATEXADDIN" val="\documentclass{article}&#10;\usepackage{amsmath}&#10;\pagestyle{empty}&#10;\begin{document}&#10;&#10;&#10;$D^\star$&#10;&#10;\end{document}"/>
+  <p:tag name="IGUANATEXSIZE" val="14"/>
+  <p:tag name="IGUANATEXCURSOR" val="90"/>
   <p:tag name="TRANSPARENCY" val="Vero"/>
   <p:tag name="FILENAME" val=""/>
   <p:tag name="LATEXENGINEID" val="0"/>
@@ -28267,11 +24674,11 @@
 <file path=ppt/tags/tag20.xml><?xml version="1.0" encoding="utf-8"?>
 <p:tagLst xmlns:a="http://schemas.openxmlformats.org/drawingml/2006/main" xmlns:r="http://schemas.openxmlformats.org/officeDocument/2006/relationships" xmlns:p="http://schemas.openxmlformats.org/presentationml/2006/main">
   <p:tag name="OUTPUTDPI" val="1200"/>
-  <p:tag name="ORIGINALHEIGHT" val="165,7293"/>
-  <p:tag name="ORIGINALWIDTH" val="1184,102"/>
-  <p:tag name="LATEXADDIN" val="\documentclass{article}&#10;\usepackage{amsmath}&#10;\pagestyle{empty}&#10;\begin{document}&#10;&#10;$0=\frac{D_{f,b}+D_{b,u}-D_{f,u}}{2}\rightarrow$&#10;&#10;&#10;\end{document}"/>
+  <p:tag name="ORIGINALHEIGHT" val="344,207"/>
+  <p:tag name="ORIGINALWIDTH" val="3557,555"/>
+  <p:tag name="LATEXADDIN" val="\documentclass{article}&#10;\usepackage{amsmath}&#10;\pagestyle{empty}&#10;\begin{document}&#10;&#10;\[\forall \,f,b\in D,\: \, D^\star(f,b)=(n-2)\cdot D(f,b)-\sum_{k=1}^{n}D(f,k)-\sum_{k=1}^{n}D(b,k)\]&#10;&#10;&#10;\end{document}"/>
   <p:tag name="IGUANATEXSIZE" val="20"/>
-  <p:tag name="IGUANATEXCURSOR" val="128"/>
+  <p:tag name="IGUANATEXCURSOR" val="182"/>
   <p:tag name="TRANSPARENCY" val="Vero"/>
   <p:tag name="FILENAME" val=""/>
   <p:tag name="LATEXENGINEID" val="0"/>
@@ -28286,11 +24693,11 @@
 <file path=ppt/tags/tag21.xml><?xml version="1.0" encoding="utf-8"?>
 <p:tagLst xmlns:a="http://schemas.openxmlformats.org/drawingml/2006/main" xmlns:r="http://schemas.openxmlformats.org/officeDocument/2006/relationships" xmlns:p="http://schemas.openxmlformats.org/presentationml/2006/main">
   <p:tag name="OUTPUTDPI" val="1200"/>
-  <p:tag name="ORIGINALHEIGHT" val="121,4848"/>
-  <p:tag name="ORIGINALWIDTH" val="1030,371"/>
-  <p:tag name="LATEXADDIN" val="\documentclass{article}&#10;\usepackage{amsmath}&#10;\pagestyle{empty}&#10;\begin{document}&#10;&#10;$D_{f,u}=D_{f,b}+D_{b,u}$&#10;&#10;&#10;\end{document}"/>
-  <p:tag name="IGUANATEXSIZE" val="20"/>
-  <p:tag name="IGUANATEXCURSOR" val="105"/>
+  <p:tag name="ORIGINALHEIGHT" val="87,73905"/>
+  <p:tag name="ORIGINALWIDTH" val="149,9813"/>
+  <p:tag name="LATEXADDIN" val="\documentclass{article}&#10;\usepackage{amsmath}&#10;\pagestyle{empty}&#10;\begin{document}&#10;&#10;&#10;$D^\star$&#10;&#10;\end{document}"/>
+  <p:tag name="IGUANATEXSIZE" val="14"/>
+  <p:tag name="IGUANATEXCURSOR" val="90"/>
   <p:tag name="TRANSPARENCY" val="Vero"/>
   <p:tag name="FILENAME" val=""/>
   <p:tag name="LATEXENGINEID" val="0"/>
@@ -28324,82 +24731,6 @@
 <file path=ppt/tags/tag23.xml><?xml version="1.0" encoding="utf-8"?>
 <p:tagLst xmlns:a="http://schemas.openxmlformats.org/drawingml/2006/main" xmlns:r="http://schemas.openxmlformats.org/officeDocument/2006/relationships" xmlns:p="http://schemas.openxmlformats.org/presentationml/2006/main">
   <p:tag name="OUTPUTDPI" val="1200"/>
-  <p:tag name="ORIGINALHEIGHT" val="87,73905"/>
-  <p:tag name="ORIGINALWIDTH" val="149,9813"/>
-  <p:tag name="LATEXADDIN" val="\documentclass{article}&#10;\usepackage{amsmath}&#10;\pagestyle{empty}&#10;\begin{document}&#10;&#10;&#10;$D^\star$&#10;&#10;\end{document}"/>
-  <p:tag name="IGUANATEXSIZE" val="14"/>
-  <p:tag name="IGUANATEXCURSOR" val="90"/>
-  <p:tag name="TRANSPARENCY" val="Vero"/>
-  <p:tag name="FILENAME" val=""/>
-  <p:tag name="LATEXENGINEID" val="0"/>
-  <p:tag name="TEMPFOLDER" val="c:\temp\"/>
-  <p:tag name="LATEXFORMHEIGHT" val="312"/>
-  <p:tag name="LATEXFORMWIDTH" val="384"/>
-  <p:tag name="LATEXFORMWRAP" val="Vero"/>
-  <p:tag name="BITMAPVECTOR" val="0"/>
-</p:tagLst>
-</file>
-
-<file path=ppt/tags/tag24.xml><?xml version="1.0" encoding="utf-8"?>
-<p:tagLst xmlns:a="http://schemas.openxmlformats.org/drawingml/2006/main" xmlns:r="http://schemas.openxmlformats.org/officeDocument/2006/relationships" xmlns:p="http://schemas.openxmlformats.org/presentationml/2006/main">
-  <p:tag name="OUTPUTDPI" val="1200"/>
-  <p:tag name="ORIGINALHEIGHT" val="344,207"/>
-  <p:tag name="ORIGINALWIDTH" val="3557,555"/>
-  <p:tag name="LATEXADDIN" val="\documentclass{article}&#10;\usepackage{amsmath}&#10;\pagestyle{empty}&#10;\begin{document}&#10;&#10;\[\forall \,f,b\in D,\: \, D^\star(f,b)=(n-2)\cdot D(f,b)-\sum_{k=1}^{n}D(f,k)-\sum_{k=1}^{n}D(b,k)\]&#10;&#10;&#10;\end{document}"/>
-  <p:tag name="IGUANATEXSIZE" val="20"/>
-  <p:tag name="IGUANATEXCURSOR" val="182"/>
-  <p:tag name="TRANSPARENCY" val="Vero"/>
-  <p:tag name="FILENAME" val=""/>
-  <p:tag name="LATEXENGINEID" val="0"/>
-  <p:tag name="TEMPFOLDER" val="c:\temp\"/>
-  <p:tag name="LATEXFORMHEIGHT" val="312"/>
-  <p:tag name="LATEXFORMWIDTH" val="384"/>
-  <p:tag name="LATEXFORMWRAP" val="Vero"/>
-  <p:tag name="BITMAPVECTOR" val="0"/>
-</p:tagLst>
-</file>
-
-<file path=ppt/tags/tag25.xml><?xml version="1.0" encoding="utf-8"?>
-<p:tagLst xmlns:a="http://schemas.openxmlformats.org/drawingml/2006/main" xmlns:r="http://schemas.openxmlformats.org/officeDocument/2006/relationships" xmlns:p="http://schemas.openxmlformats.org/presentationml/2006/main">
-  <p:tag name="OUTPUTDPI" val="1200"/>
-  <p:tag name="ORIGINALHEIGHT" val="87,73905"/>
-  <p:tag name="ORIGINALWIDTH" val="149,9813"/>
-  <p:tag name="LATEXADDIN" val="\documentclass{article}&#10;\usepackage{amsmath}&#10;\pagestyle{empty}&#10;\begin{document}&#10;&#10;&#10;$D^\star$&#10;&#10;\end{document}"/>
-  <p:tag name="IGUANATEXSIZE" val="14"/>
-  <p:tag name="IGUANATEXCURSOR" val="90"/>
-  <p:tag name="TRANSPARENCY" val="Vero"/>
-  <p:tag name="FILENAME" val=""/>
-  <p:tag name="LATEXENGINEID" val="0"/>
-  <p:tag name="TEMPFOLDER" val="c:\temp\"/>
-  <p:tag name="LATEXFORMHEIGHT" val="312"/>
-  <p:tag name="LATEXFORMWIDTH" val="384"/>
-  <p:tag name="LATEXFORMWRAP" val="Vero"/>
-  <p:tag name="BITMAPVECTOR" val="0"/>
-</p:tagLst>
-</file>
-
-<file path=ppt/tags/tag26.xml><?xml version="1.0" encoding="utf-8"?>
-<p:tagLst xmlns:a="http://schemas.openxmlformats.org/drawingml/2006/main" xmlns:r="http://schemas.openxmlformats.org/officeDocument/2006/relationships" xmlns:p="http://schemas.openxmlformats.org/presentationml/2006/main">
-  <p:tag name="OUTPUTDPI" val="1200"/>
-  <p:tag name="ORIGINALHEIGHT" val="87,73905"/>
-  <p:tag name="ORIGINALWIDTH" val="149,9813"/>
-  <p:tag name="LATEXADDIN" val="\documentclass{article}&#10;\usepackage{amsmath}&#10;\pagestyle{empty}&#10;\begin{document}&#10;&#10;&#10;$D^\star$&#10;&#10;\end{document}"/>
-  <p:tag name="IGUANATEXSIZE" val="14"/>
-  <p:tag name="IGUANATEXCURSOR" val="90"/>
-  <p:tag name="TRANSPARENCY" val="Vero"/>
-  <p:tag name="FILENAME" val=""/>
-  <p:tag name="LATEXENGINEID" val="0"/>
-  <p:tag name="TEMPFOLDER" val="c:\temp\"/>
-  <p:tag name="LATEXFORMHEIGHT" val="312"/>
-  <p:tag name="LATEXFORMWIDTH" val="384"/>
-  <p:tag name="LATEXFORMWRAP" val="Vero"/>
-  <p:tag name="BITMAPVECTOR" val="0"/>
-</p:tagLst>
-</file>
-
-<file path=ppt/tags/tag27.xml><?xml version="1.0" encoding="utf-8"?>
-<p:tagLst xmlns:a="http://schemas.openxmlformats.org/drawingml/2006/main" xmlns:r="http://schemas.openxmlformats.org/officeDocument/2006/relationships" xmlns:p="http://schemas.openxmlformats.org/presentationml/2006/main">
-  <p:tag name="OUTPUTDPI" val="1200"/>
   <p:tag name="ORIGINALHEIGHT" val="140,9824"/>
   <p:tag name="ORIGINALWIDTH" val="588,6764"/>
   <p:tag name="LATEXADDIN" val="\documentclass{article}&#10;\usepackage{amsmath}&#10;\pagestyle{empty}&#10;\begin{document}&#10;&#10;$D^\star_{fb}=-16$&#10;&#10;&#10;\end{document}"/>
@@ -28416,7 +24747,7 @@
 </p:tagLst>
 </file>
 
-<file path=ppt/tags/tag28.xml><?xml version="1.0" encoding="utf-8"?>
+<file path=ppt/tags/tag24.xml><?xml version="1.0" encoding="utf-8"?>
 <p:tagLst xmlns:a="http://schemas.openxmlformats.org/drawingml/2006/main" xmlns:r="http://schemas.openxmlformats.org/officeDocument/2006/relationships" xmlns:p="http://schemas.openxmlformats.org/presentationml/2006/main">
   <p:tag name="OUTPUTDPI" val="1200"/>
   <p:tag name="ORIGINALHEIGHT" val="264,7169"/>
@@ -28435,7 +24766,7 @@
 </p:tagLst>
 </file>
 
-<file path=ppt/tags/tag29.xml><?xml version="1.0" encoding="utf-8"?>
+<file path=ppt/tags/tag25.xml><?xml version="1.0" encoding="utf-8"?>
 <p:tagLst xmlns:a="http://schemas.openxmlformats.org/drawingml/2006/main" xmlns:r="http://schemas.openxmlformats.org/officeDocument/2006/relationships" xmlns:p="http://schemas.openxmlformats.org/presentationml/2006/main">
   <p:tag name="OUTPUTDPI" val="1200"/>
   <p:tag name="ORIGINALHEIGHT" val="263,2171"/>
@@ -28443,6 +24774,82 @@
   <p:tag name="LATEXADDIN" val="\documentclass{article}&#10;\usepackage{amsmath}&#10;\pagestyle{empty}&#10;\begin{document}&#10;&#10;&#10;\[limbweight(f)=\frac{D_{fb}+\Delta_{fb}}{2}=\frac{3+(-1)}{2}=1\]&#10;&#10;\end{document}"/>
   <p:tag name="IGUANATEXSIZE" val="20"/>
   <p:tag name="IGUANATEXCURSOR" val="147"/>
+  <p:tag name="TRANSPARENCY" val="Vero"/>
+  <p:tag name="FILENAME" val=""/>
+  <p:tag name="LATEXENGINEID" val="0"/>
+  <p:tag name="TEMPFOLDER" val="c:\temp\"/>
+  <p:tag name="LATEXFORMHEIGHT" val="312"/>
+  <p:tag name="LATEXFORMWIDTH" val="384"/>
+  <p:tag name="LATEXFORMWRAP" val="Vero"/>
+  <p:tag name="BITMAPVECTOR" val="0"/>
+</p:tagLst>
+</file>
+
+<file path=ppt/tags/tag26.xml><?xml version="1.0" encoding="utf-8"?>
+<p:tagLst xmlns:a="http://schemas.openxmlformats.org/drawingml/2006/main" xmlns:r="http://schemas.openxmlformats.org/officeDocument/2006/relationships" xmlns:p="http://schemas.openxmlformats.org/presentationml/2006/main">
+  <p:tag name="OUTPUTDPI" val="1200"/>
+  <p:tag name="ORIGINALHEIGHT" val="263,2171"/>
+  <p:tag name="ORIGINALWIDTH" val="2423,697"/>
+  <p:tag name="LATEXADDIN" val="\documentclass{article}&#10;\usepackage{amsmath}&#10;\pagestyle{empty}&#10;\begin{document}&#10;&#10;&#10;\[limbweight(b)=\frac{D_{fb}-\Delta_{fb}}{2}=\frac{3-(-1)}{2}=2\]&#10;&#10;\end{document}"/>
+  <p:tag name="IGUANATEXSIZE" val="20"/>
+  <p:tag name="IGUANATEXCURSOR" val="147"/>
+  <p:tag name="TRANSPARENCY" val="Vero"/>
+  <p:tag name="FILENAME" val=""/>
+  <p:tag name="LATEXENGINEID" val="0"/>
+  <p:tag name="TEMPFOLDER" val="c:\temp\"/>
+  <p:tag name="LATEXFORMHEIGHT" val="312"/>
+  <p:tag name="LATEXFORMWIDTH" val="384"/>
+  <p:tag name="LATEXFORMWRAP" val="Vero"/>
+  <p:tag name="BITMAPVECTOR" val="0"/>
+</p:tagLst>
+</file>
+
+<file path=ppt/tags/tag27.xml><?xml version="1.0" encoding="utf-8"?>
+<p:tagLst xmlns:a="http://schemas.openxmlformats.org/drawingml/2006/main" xmlns:r="http://schemas.openxmlformats.org/officeDocument/2006/relationships" xmlns:p="http://schemas.openxmlformats.org/presentationml/2006/main">
+  <p:tag name="OUTPUTDPI" val="1200"/>
+  <p:tag name="ORIGINALHEIGHT" val="165,7293"/>
+  <p:tag name="ORIGINALWIDTH" val="2029,996"/>
+  <p:tag name="LATEXADDIN" val="\documentclass{article}&#10;\usepackage{amsmath}&#10;\pagestyle{empty}&#10;\begin{document}&#10;&#10;$\forall u\in D\setminus \, \{f,b\}, \; D_{up}=\frac{D_{fu}+D_{bu}-D_{fb}}{2}$&#10;&#10;&#10;\end{document}"/>
+  <p:tag name="IGUANATEXSIZE" val="14"/>
+  <p:tag name="IGUANATEXCURSOR" val="159"/>
+  <p:tag name="TRANSPARENCY" val="Vero"/>
+  <p:tag name="FILENAME" val=""/>
+  <p:tag name="LATEXENGINEID" val="0"/>
+  <p:tag name="TEMPFOLDER" val="c:\temp\"/>
+  <p:tag name="LATEXFORMHEIGHT" val="312"/>
+  <p:tag name="LATEXFORMWIDTH" val="384"/>
+  <p:tag name="LATEXFORMWRAP" val="Vero"/>
+  <p:tag name="BITMAPVECTOR" val="0"/>
+</p:tagLst>
+</file>
+
+<file path=ppt/tags/tag28.xml><?xml version="1.0" encoding="utf-8"?>
+<p:tagLst xmlns:a="http://schemas.openxmlformats.org/drawingml/2006/main" xmlns:r="http://schemas.openxmlformats.org/officeDocument/2006/relationships" xmlns:p="http://schemas.openxmlformats.org/presentationml/2006/main">
+  <p:tag name="OUTPUTDPI" val="1200"/>
+  <p:tag name="ORIGINALHEIGHT" val="621,6723"/>
+  <p:tag name="ORIGINALWIDTH" val="3415,823"/>
+  <p:tag name="LATEXADDIN" val="\documentclass{article}&#10;\usepackage{amsmath}&#10;\pagestyle{empty}&#10;\begin{document}&#10;&#10;\[Discrepancy(D(T),D)=\sum_{i=1}^{j-1}\sum_{j=i+1}^{n}(D_{ij}(T)-D_{ij})^2=\]&#10;\[=0+(3,5-4)^2+(3,5-3)^2+(4,5-4)^2+(4,5-5)^2+0=1\]&#10;&#10;&#10;\end{document}"/>
+  <p:tag name="IGUANATEXSIZE" val="20"/>
+  <p:tag name="IGUANATEXCURSOR" val="156"/>
+  <p:tag name="TRANSPARENCY" val="Vero"/>
+  <p:tag name="FILENAME" val=""/>
+  <p:tag name="LATEXENGINEID" val="0"/>
+  <p:tag name="TEMPFOLDER" val="c:\temp\"/>
+  <p:tag name="LATEXFORMHEIGHT" val="312"/>
+  <p:tag name="LATEXFORMWIDTH" val="384"/>
+  <p:tag name="LATEXFORMWRAP" val="Vero"/>
+  <p:tag name="BITMAPVECTOR" val="0"/>
+</p:tagLst>
+</file>
+
+<file path=ppt/tags/tag29.xml><?xml version="1.0" encoding="utf-8"?>
+<p:tagLst xmlns:a="http://schemas.openxmlformats.org/drawingml/2006/main" xmlns:r="http://schemas.openxmlformats.org/officeDocument/2006/relationships" xmlns:p="http://schemas.openxmlformats.org/presentationml/2006/main">
+  <p:tag name="OUTPUTDPI" val="1200"/>
+  <p:tag name="ORIGINALHEIGHT" val="87,73905"/>
+  <p:tag name="ORIGINALWIDTH" val="149,9813"/>
+  <p:tag name="LATEXADDIN" val="\documentclass{article}&#10;\usepackage{amsmath}&#10;\pagestyle{empty}&#10;\begin{document}&#10;&#10;&#10;$D^\star$&#10;&#10;\end{document}"/>
+  <p:tag name="IGUANATEXSIZE" val="14"/>
+  <p:tag name="IGUANATEXCURSOR" val="90"/>
   <p:tag name="TRANSPARENCY" val="Vero"/>
   <p:tag name="FILENAME" val=""/>
   <p:tag name="LATEXENGINEID" val="0"/>
@@ -28476,82 +24883,6 @@
 <file path=ppt/tags/tag30.xml><?xml version="1.0" encoding="utf-8"?>
 <p:tagLst xmlns:a="http://schemas.openxmlformats.org/drawingml/2006/main" xmlns:r="http://schemas.openxmlformats.org/officeDocument/2006/relationships" xmlns:p="http://schemas.openxmlformats.org/presentationml/2006/main">
   <p:tag name="OUTPUTDPI" val="1200"/>
-  <p:tag name="ORIGINALHEIGHT" val="263,2171"/>
-  <p:tag name="ORIGINALWIDTH" val="2423,697"/>
-  <p:tag name="LATEXADDIN" val="\documentclass{article}&#10;\usepackage{amsmath}&#10;\pagestyle{empty}&#10;\begin{document}&#10;&#10;&#10;\[limbweight(b)=\frac{D_{fb}-\Delta_{fb}}{2}=\frac{3-(-1)}{2}=2\]&#10;&#10;\end{document}"/>
-  <p:tag name="IGUANATEXSIZE" val="20"/>
-  <p:tag name="IGUANATEXCURSOR" val="147"/>
-  <p:tag name="TRANSPARENCY" val="Vero"/>
-  <p:tag name="FILENAME" val=""/>
-  <p:tag name="LATEXENGINEID" val="0"/>
-  <p:tag name="TEMPFOLDER" val="c:\temp\"/>
-  <p:tag name="LATEXFORMHEIGHT" val="312"/>
-  <p:tag name="LATEXFORMWIDTH" val="384"/>
-  <p:tag name="LATEXFORMWRAP" val="Vero"/>
-  <p:tag name="BITMAPVECTOR" val="0"/>
-</p:tagLst>
-</file>
-
-<file path=ppt/tags/tag31.xml><?xml version="1.0" encoding="utf-8"?>
-<p:tagLst xmlns:a="http://schemas.openxmlformats.org/drawingml/2006/main" xmlns:r="http://schemas.openxmlformats.org/officeDocument/2006/relationships" xmlns:p="http://schemas.openxmlformats.org/presentationml/2006/main">
-  <p:tag name="OUTPUTDPI" val="1200"/>
-  <p:tag name="ORIGINALHEIGHT" val="165,7293"/>
-  <p:tag name="ORIGINALWIDTH" val="2029,996"/>
-  <p:tag name="LATEXADDIN" val="\documentclass{article}&#10;\usepackage{amsmath}&#10;\pagestyle{empty}&#10;\begin{document}&#10;&#10;$\forall u\in D\setminus \, \{f,b\}, \; D_{up}=\frac{D_{fu}+D_{bu}-D_{fb}}{2}$&#10;&#10;&#10;\end{document}"/>
-  <p:tag name="IGUANATEXSIZE" val="14"/>
-  <p:tag name="IGUANATEXCURSOR" val="159"/>
-  <p:tag name="TRANSPARENCY" val="Vero"/>
-  <p:tag name="FILENAME" val=""/>
-  <p:tag name="LATEXENGINEID" val="0"/>
-  <p:tag name="TEMPFOLDER" val="c:\temp\"/>
-  <p:tag name="LATEXFORMHEIGHT" val="312"/>
-  <p:tag name="LATEXFORMWIDTH" val="384"/>
-  <p:tag name="LATEXFORMWRAP" val="Vero"/>
-  <p:tag name="BITMAPVECTOR" val="0"/>
-</p:tagLst>
-</file>
-
-<file path=ppt/tags/tag32.xml><?xml version="1.0" encoding="utf-8"?>
-<p:tagLst xmlns:a="http://schemas.openxmlformats.org/drawingml/2006/main" xmlns:r="http://schemas.openxmlformats.org/officeDocument/2006/relationships" xmlns:p="http://schemas.openxmlformats.org/presentationml/2006/main">
-  <p:tag name="OUTPUTDPI" val="1200"/>
-  <p:tag name="ORIGINALHEIGHT" val="621,6723"/>
-  <p:tag name="ORIGINALWIDTH" val="3415,823"/>
-  <p:tag name="LATEXADDIN" val="\documentclass{article}&#10;\usepackage{amsmath}&#10;\pagestyle{empty}&#10;\begin{document}&#10;&#10;\[Discrepancy(D(T),D)=\sum_{i=1}^{j-1}\sum_{j=i+1}^{n}(D_{ij}(T)-D_{ij})^2=\]&#10;\[=0+(3,5-4)^2+(3,5-3)^2+(4,5-4)^2+(4,5-5)^2+0=1\]&#10;&#10;&#10;\end{document}"/>
-  <p:tag name="IGUANATEXSIZE" val="20"/>
-  <p:tag name="IGUANATEXCURSOR" val="156"/>
-  <p:tag name="TRANSPARENCY" val="Vero"/>
-  <p:tag name="FILENAME" val=""/>
-  <p:tag name="LATEXENGINEID" val="0"/>
-  <p:tag name="TEMPFOLDER" val="c:\temp\"/>
-  <p:tag name="LATEXFORMHEIGHT" val="312"/>
-  <p:tag name="LATEXFORMWIDTH" val="384"/>
-  <p:tag name="LATEXFORMWRAP" val="Vero"/>
-  <p:tag name="BITMAPVECTOR" val="0"/>
-</p:tagLst>
-</file>
-
-<file path=ppt/tags/tag33.xml><?xml version="1.0" encoding="utf-8"?>
-<p:tagLst xmlns:a="http://schemas.openxmlformats.org/drawingml/2006/main" xmlns:r="http://schemas.openxmlformats.org/officeDocument/2006/relationships" xmlns:p="http://schemas.openxmlformats.org/presentationml/2006/main">
-  <p:tag name="OUTPUTDPI" val="1200"/>
-  <p:tag name="ORIGINALHEIGHT" val="87,73905"/>
-  <p:tag name="ORIGINALWIDTH" val="149,9813"/>
-  <p:tag name="LATEXADDIN" val="\documentclass{article}&#10;\usepackage{amsmath}&#10;\pagestyle{empty}&#10;\begin{document}&#10;&#10;&#10;$D^\star$&#10;&#10;\end{document}"/>
-  <p:tag name="IGUANATEXSIZE" val="14"/>
-  <p:tag name="IGUANATEXCURSOR" val="90"/>
-  <p:tag name="TRANSPARENCY" val="Vero"/>
-  <p:tag name="FILENAME" val=""/>
-  <p:tag name="LATEXENGINEID" val="0"/>
-  <p:tag name="TEMPFOLDER" val="c:\temp\"/>
-  <p:tag name="LATEXFORMHEIGHT" val="312"/>
-  <p:tag name="LATEXFORMWIDTH" val="384"/>
-  <p:tag name="LATEXFORMWRAP" val="Vero"/>
-  <p:tag name="BITMAPVECTOR" val="0"/>
-</p:tagLst>
-</file>
-
-<file path=ppt/tags/tag34.xml><?xml version="1.0" encoding="utf-8"?>
-<p:tagLst xmlns:a="http://schemas.openxmlformats.org/drawingml/2006/main" xmlns:r="http://schemas.openxmlformats.org/officeDocument/2006/relationships" xmlns:p="http://schemas.openxmlformats.org/presentationml/2006/main">
-  <p:tag name="OUTPUTDPI" val="1200"/>
   <p:tag name="ORIGINALHEIGHT" val="140,9824"/>
   <p:tag name="ORIGINALWIDTH" val="1808,024"/>
   <p:tag name="LATEXADDIN" val="\documentclass{article}&#10;\usepackage{amsmath}&#10;\pagestyle{empty}&#10;\begin{document}&#10;&#10; \[T(step1)=O(n) \times O(n)=O(n^2)\]&#10;&#10;&#10;\end{document}"/>
@@ -28568,7 +24899,7 @@
 </p:tagLst>
 </file>
 
-<file path=ppt/tags/tag35.xml><?xml version="1.0" encoding="utf-8"?>
+<file path=ppt/tags/tag31.xml><?xml version="1.0" encoding="utf-8"?>
 <p:tagLst xmlns:a="http://schemas.openxmlformats.org/drawingml/2006/main" xmlns:r="http://schemas.openxmlformats.org/officeDocument/2006/relationships" xmlns:p="http://schemas.openxmlformats.org/presentationml/2006/main">
   <p:tag name="OUTPUTDPI" val="1200"/>
   <p:tag name="ORIGINALHEIGHT" val="125,2343"/>
@@ -28587,7 +24918,7 @@
 </p:tagLst>
 </file>
 
-<file path=ppt/tags/tag36.xml><?xml version="1.0" encoding="utf-8"?>
+<file path=ppt/tags/tag32.xml><?xml version="1.0" encoding="utf-8"?>
 <p:tagLst xmlns:a="http://schemas.openxmlformats.org/drawingml/2006/main" xmlns:r="http://schemas.openxmlformats.org/officeDocument/2006/relationships" xmlns:p="http://schemas.openxmlformats.org/presentationml/2006/main">
   <p:tag name="OUTPUTDPI" val="1200"/>
   <p:tag name="ORIGINALHEIGHT" val="140,9824"/>
@@ -28606,7 +24937,7 @@
 </p:tagLst>
 </file>
 
-<file path=ppt/tags/tag37.xml><?xml version="1.0" encoding="utf-8"?>
+<file path=ppt/tags/tag33.xml><?xml version="1.0" encoding="utf-8"?>
 <p:tagLst xmlns:a="http://schemas.openxmlformats.org/drawingml/2006/main" xmlns:r="http://schemas.openxmlformats.org/officeDocument/2006/relationships" xmlns:p="http://schemas.openxmlformats.org/presentationml/2006/main">
   <p:tag name="OUTPUTDPI" val="1200"/>
   <p:tag name="ORIGINALHEIGHT" val="140,9824"/>
@@ -28625,7 +24956,7 @@
 </p:tagLst>
 </file>
 
-<file path=ppt/tags/tag38.xml><?xml version="1.0" encoding="utf-8"?>
+<file path=ppt/tags/tag34.xml><?xml version="1.0" encoding="utf-8"?>
 <p:tagLst xmlns:a="http://schemas.openxmlformats.org/drawingml/2006/main" xmlns:r="http://schemas.openxmlformats.org/officeDocument/2006/relationships" xmlns:p="http://schemas.openxmlformats.org/presentationml/2006/main">
   <p:tag name="OUTPUTDPI" val="1200"/>
   <p:tag name="ORIGINALHEIGHT" val="254,2182"/>
@@ -28644,7 +24975,7 @@
 </p:tagLst>
 </file>
 
-<file path=ppt/tags/tag39.xml><?xml version="1.0" encoding="utf-8"?>
+<file path=ppt/tags/tag35.xml><?xml version="1.0" encoding="utf-8"?>
 <p:tagLst xmlns:a="http://schemas.openxmlformats.org/drawingml/2006/main" xmlns:r="http://schemas.openxmlformats.org/officeDocument/2006/relationships" xmlns:p="http://schemas.openxmlformats.org/presentationml/2006/main">
   <p:tag name="OUTPUTDPI" val="1200"/>
   <p:tag name="ORIGINALHEIGHT" val="125,2343"/>
@@ -28652,6 +24983,82 @@
   <p:tag name="LATEXADDIN" val="\documentclass{article}&#10;\usepackage{amsmath}&#10;\pagestyle{empty}&#10;\begin{document}&#10;&#10;\[edgeweight(\{u, s\},s)=age(\{u, s\})-age(s)=1\]&#10;&#10;&#10;\end{document}"/>
   <p:tag name="IGUANATEXSIZE" val="20"/>
   <p:tag name="IGUANATEXCURSOR" val="126"/>
+  <p:tag name="TRANSPARENCY" val="Vero"/>
+  <p:tag name="FILENAME" val=""/>
+  <p:tag name="LATEXENGINEID" val="0"/>
+  <p:tag name="TEMPFOLDER" val="c:\temp\"/>
+  <p:tag name="LATEXFORMHEIGHT" val="312"/>
+  <p:tag name="LATEXFORMWIDTH" val="384"/>
+  <p:tag name="LATEXFORMWRAP" val="Vero"/>
+  <p:tag name="BITMAPVECTOR" val="0"/>
+</p:tagLst>
+</file>
+
+<file path=ppt/tags/tag36.xml><?xml version="1.0" encoding="utf-8"?>
+<p:tagLst xmlns:a="http://schemas.openxmlformats.org/drawingml/2006/main" xmlns:r="http://schemas.openxmlformats.org/officeDocument/2006/relationships" xmlns:p="http://schemas.openxmlformats.org/presentationml/2006/main">
+  <p:tag name="OUTPUTDPI" val="1200"/>
+  <p:tag name="ORIGINALHEIGHT" val="125,2343"/>
+  <p:tag name="ORIGINALWIDTH" val="2632,171"/>
+  <p:tag name="LATEXADDIN" val="\documentclass{article}&#10;\usepackage{amsmath}&#10;\pagestyle{empty}&#10;\begin{document}&#10;&#10;\[edgeweight(\{u, s\},u)=age(\{u, s\})-age(u)=1\]&#10;&#10;&#10;\end{document}"/>
+  <p:tag name="IGUANATEXSIZE" val="20"/>
+  <p:tag name="IGUANATEXCURSOR" val="127"/>
+  <p:tag name="TRANSPARENCY" val="Vero"/>
+  <p:tag name="FILENAME" val=""/>
+  <p:tag name="LATEXENGINEID" val="0"/>
+  <p:tag name="TEMPFOLDER" val="c:\temp\"/>
+  <p:tag name="LATEXFORMHEIGHT" val="312"/>
+  <p:tag name="LATEXFORMWIDTH" val="384"/>
+  <p:tag name="LATEXFORMWRAP" val="Vero"/>
+  <p:tag name="BITMAPVECTOR" val="0"/>
+</p:tagLst>
+</file>
+
+<file path=ppt/tags/tag37.xml><?xml version="1.0" encoding="utf-8"?>
+<p:tagLst xmlns:a="http://schemas.openxmlformats.org/drawingml/2006/main" xmlns:r="http://schemas.openxmlformats.org/officeDocument/2006/relationships" xmlns:p="http://schemas.openxmlformats.org/presentationml/2006/main">
+  <p:tag name="OUTPUTDPI" val="1200"/>
+  <p:tag name="ORIGINALHEIGHT" val="254,2182"/>
+  <p:tag name="ORIGINALWIDTH" val="1601,8"/>
+  <p:tag name="LATEXADDIN" val="\documentclass{article}&#10;\usepackage{amsmath}&#10;\pagestyle{empty}&#10;\begin{document}&#10;&#10;\[D_{f, \{u, s\}}=\frac{D_{f,u}+D_{f,s}}{2}=3,5\]&#10;&#10;&#10;\end{document}"/>
+  <p:tag name="IGUANATEXSIZE" val="20"/>
+  <p:tag name="IGUANATEXCURSOR" val="124"/>
+  <p:tag name="TRANSPARENCY" val="Vero"/>
+  <p:tag name="FILENAME" val=""/>
+  <p:tag name="LATEXENGINEID" val="0"/>
+  <p:tag name="TEMPFOLDER" val="c:\temp\"/>
+  <p:tag name="LATEXFORMHEIGHT" val="312"/>
+  <p:tag name="LATEXFORMWIDTH" val="384"/>
+  <p:tag name="LATEXFORMWRAP" val="Vero"/>
+  <p:tag name="BITMAPVECTOR" val="0"/>
+</p:tagLst>
+</file>
+
+<file path=ppt/tags/tag38.xml><?xml version="1.0" encoding="utf-8"?>
+<p:tagLst xmlns:a="http://schemas.openxmlformats.org/drawingml/2006/main" xmlns:r="http://schemas.openxmlformats.org/officeDocument/2006/relationships" xmlns:p="http://schemas.openxmlformats.org/presentationml/2006/main">
+  <p:tag name="OUTPUTDPI" val="1200"/>
+  <p:tag name="ORIGINALHEIGHT" val="254,2182"/>
+  <p:tag name="ORIGINALWIDTH" val="1574,053"/>
+  <p:tag name="LATEXADDIN" val="\documentclass{article}&#10;\usepackage{amsmath}&#10;\pagestyle{empty}&#10;\begin{document}&#10;&#10;\[D_{b, \{u, s\}}=\frac{D_{b,u}+D_{b,s}}{2}=4,5\]&#10;&#10;&#10;\end{document}"/>
+  <p:tag name="IGUANATEXSIZE" val="20"/>
+  <p:tag name="IGUANATEXCURSOR" val="124"/>
+  <p:tag name="TRANSPARENCY" val="Vero"/>
+  <p:tag name="FILENAME" val=""/>
+  <p:tag name="LATEXENGINEID" val="0"/>
+  <p:tag name="TEMPFOLDER" val="c:\temp\"/>
+  <p:tag name="LATEXFORMHEIGHT" val="312"/>
+  <p:tag name="LATEXFORMWIDTH" val="384"/>
+  <p:tag name="LATEXFORMWRAP" val="Vero"/>
+  <p:tag name="BITMAPVECTOR" val="0"/>
+</p:tagLst>
+</file>
+
+<file path=ppt/tags/tag39.xml><?xml version="1.0" encoding="utf-8"?>
+<p:tagLst xmlns:a="http://schemas.openxmlformats.org/drawingml/2006/main" xmlns:r="http://schemas.openxmlformats.org/officeDocument/2006/relationships" xmlns:p="http://schemas.openxmlformats.org/presentationml/2006/main">
+  <p:tag name="OUTPUTDPI" val="1200"/>
+  <p:tag name="ORIGINALHEIGHT" val="140,9824"/>
+  <p:tag name="ORIGINALWIDTH" val="2533,183"/>
+  <p:tag name="LATEXADDIN" val="\documentclass{article}&#10;\usepackage{amsmath}&#10;\pagestyle{empty}&#10;\begin{document}&#10;&#10;&#10;\[T(Totale)=T(UPGMA) \times O(n-2)\simeq O(n^2)\]&#10;&#10;\end{document}"/>
+  <p:tag name="IGUANATEXSIZE" val="20"/>
+  <p:tag name="IGUANATEXCURSOR" val="122"/>
   <p:tag name="TRANSPARENCY" val="Vero"/>
   <p:tag name="FILENAME" val=""/>
   <p:tag name="LATEXENGINEID" val="0"/>
@@ -28671,82 +25078,6 @@
   <p:tag name="LATEXADDIN" val="\documentclass{article}&#10;\usepackage{amsmath}&#10;\pagestyle{empty}&#10;\begin{document}&#10;&#10; \[d(x,y)\leq d(x,z)+d(y,z)\; \forall \: x,y,z\in R^k\]&#10;&#10;&#10;\end{document}"/>
   <p:tag name="IGUANATEXSIZE" val="20"/>
   <p:tag name="IGUANATEXCURSOR" val="110"/>
-  <p:tag name="TRANSPARENCY" val="Vero"/>
-  <p:tag name="FILENAME" val=""/>
-  <p:tag name="LATEXENGINEID" val="0"/>
-  <p:tag name="TEMPFOLDER" val="c:\temp\"/>
-  <p:tag name="LATEXFORMHEIGHT" val="312"/>
-  <p:tag name="LATEXFORMWIDTH" val="384"/>
-  <p:tag name="LATEXFORMWRAP" val="Vero"/>
-  <p:tag name="BITMAPVECTOR" val="0"/>
-</p:tagLst>
-</file>
-
-<file path=ppt/tags/tag40.xml><?xml version="1.0" encoding="utf-8"?>
-<p:tagLst xmlns:a="http://schemas.openxmlformats.org/drawingml/2006/main" xmlns:r="http://schemas.openxmlformats.org/officeDocument/2006/relationships" xmlns:p="http://schemas.openxmlformats.org/presentationml/2006/main">
-  <p:tag name="OUTPUTDPI" val="1200"/>
-  <p:tag name="ORIGINALHEIGHT" val="125,2343"/>
-  <p:tag name="ORIGINALWIDTH" val="2632,171"/>
-  <p:tag name="LATEXADDIN" val="\documentclass{article}&#10;\usepackage{amsmath}&#10;\pagestyle{empty}&#10;\begin{document}&#10;&#10;\[edgeweight(\{u, s\},u)=age(\{u, s\})-age(u)=1\]&#10;&#10;&#10;\end{document}"/>
-  <p:tag name="IGUANATEXSIZE" val="20"/>
-  <p:tag name="IGUANATEXCURSOR" val="127"/>
-  <p:tag name="TRANSPARENCY" val="Vero"/>
-  <p:tag name="FILENAME" val=""/>
-  <p:tag name="LATEXENGINEID" val="0"/>
-  <p:tag name="TEMPFOLDER" val="c:\temp\"/>
-  <p:tag name="LATEXFORMHEIGHT" val="312"/>
-  <p:tag name="LATEXFORMWIDTH" val="384"/>
-  <p:tag name="LATEXFORMWRAP" val="Vero"/>
-  <p:tag name="BITMAPVECTOR" val="0"/>
-</p:tagLst>
-</file>
-
-<file path=ppt/tags/tag41.xml><?xml version="1.0" encoding="utf-8"?>
-<p:tagLst xmlns:a="http://schemas.openxmlformats.org/drawingml/2006/main" xmlns:r="http://schemas.openxmlformats.org/officeDocument/2006/relationships" xmlns:p="http://schemas.openxmlformats.org/presentationml/2006/main">
-  <p:tag name="OUTPUTDPI" val="1200"/>
-  <p:tag name="ORIGINALHEIGHT" val="254,2182"/>
-  <p:tag name="ORIGINALWIDTH" val="1601,8"/>
-  <p:tag name="LATEXADDIN" val="\documentclass{article}&#10;\usepackage{amsmath}&#10;\pagestyle{empty}&#10;\begin{document}&#10;&#10;\[D_{f, \{u, s\}}=\frac{D_{f,u}+D_{f,s}}{2}=3,5\]&#10;&#10;&#10;\end{document}"/>
-  <p:tag name="IGUANATEXSIZE" val="20"/>
-  <p:tag name="IGUANATEXCURSOR" val="124"/>
-  <p:tag name="TRANSPARENCY" val="Vero"/>
-  <p:tag name="FILENAME" val=""/>
-  <p:tag name="LATEXENGINEID" val="0"/>
-  <p:tag name="TEMPFOLDER" val="c:\temp\"/>
-  <p:tag name="LATEXFORMHEIGHT" val="312"/>
-  <p:tag name="LATEXFORMWIDTH" val="384"/>
-  <p:tag name="LATEXFORMWRAP" val="Vero"/>
-  <p:tag name="BITMAPVECTOR" val="0"/>
-</p:tagLst>
-</file>
-
-<file path=ppt/tags/tag42.xml><?xml version="1.0" encoding="utf-8"?>
-<p:tagLst xmlns:a="http://schemas.openxmlformats.org/drawingml/2006/main" xmlns:r="http://schemas.openxmlformats.org/officeDocument/2006/relationships" xmlns:p="http://schemas.openxmlformats.org/presentationml/2006/main">
-  <p:tag name="OUTPUTDPI" val="1200"/>
-  <p:tag name="ORIGINALHEIGHT" val="254,2182"/>
-  <p:tag name="ORIGINALWIDTH" val="1574,053"/>
-  <p:tag name="LATEXADDIN" val="\documentclass{article}&#10;\usepackage{amsmath}&#10;\pagestyle{empty}&#10;\begin{document}&#10;&#10;\[D_{b, \{u, s\}}=\frac{D_{b,u}+D_{b,s}}{2}=4,5\]&#10;&#10;&#10;\end{document}"/>
-  <p:tag name="IGUANATEXSIZE" val="20"/>
-  <p:tag name="IGUANATEXCURSOR" val="124"/>
-  <p:tag name="TRANSPARENCY" val="Vero"/>
-  <p:tag name="FILENAME" val=""/>
-  <p:tag name="LATEXENGINEID" val="0"/>
-  <p:tag name="TEMPFOLDER" val="c:\temp\"/>
-  <p:tag name="LATEXFORMHEIGHT" val="312"/>
-  <p:tag name="LATEXFORMWIDTH" val="384"/>
-  <p:tag name="LATEXFORMWRAP" val="Vero"/>
-  <p:tag name="BITMAPVECTOR" val="0"/>
-</p:tagLst>
-</file>
-
-<file path=ppt/tags/tag43.xml><?xml version="1.0" encoding="utf-8"?>
-<p:tagLst xmlns:a="http://schemas.openxmlformats.org/drawingml/2006/main" xmlns:r="http://schemas.openxmlformats.org/officeDocument/2006/relationships" xmlns:p="http://schemas.openxmlformats.org/presentationml/2006/main">
-  <p:tag name="OUTPUTDPI" val="1200"/>
-  <p:tag name="ORIGINALHEIGHT" val="140,9824"/>
-  <p:tag name="ORIGINALWIDTH" val="2533,183"/>
-  <p:tag name="LATEXADDIN" val="\documentclass{article}&#10;\usepackage{amsmath}&#10;\pagestyle{empty}&#10;\begin{document}&#10;&#10;&#10;\[T(Totale)=T(UPGMA) \times O(n-2)\simeq O(n^2)\]&#10;&#10;\end{document}"/>
-  <p:tag name="IGUANATEXSIZE" val="20"/>
-  <p:tag name="IGUANATEXCURSOR" val="122"/>
   <p:tag name="TRANSPARENCY" val="Vero"/>
   <p:tag name="FILENAME" val=""/>
   <p:tag name="LATEXENGINEID" val="0"/>

--- a/Discussione Laurea/Slides v.1.0.pptx
+++ b/Discussione Laurea/Slides v.1.0.pptx
@@ -5,10 +5,10 @@
     <p:sldMasterId id="2147483648" r:id="rId1"/>
   </p:sldMasterIdLst>
   <p:notesMasterIdLst>
-    <p:notesMasterId r:id="rId21"/>
+    <p:notesMasterId r:id="rId20"/>
   </p:notesMasterIdLst>
   <p:handoutMasterIdLst>
-    <p:handoutMasterId r:id="rId22"/>
+    <p:handoutMasterId r:id="rId21"/>
   </p:handoutMasterIdLst>
   <p:sldIdLst>
     <p:sldId id="256" r:id="rId2"/>
@@ -20,16 +20,15 @@
     <p:sldId id="266" r:id="rId8"/>
     <p:sldId id="267" r:id="rId9"/>
     <p:sldId id="268" r:id="rId10"/>
-    <p:sldId id="269" r:id="rId11"/>
-    <p:sldId id="272" r:id="rId12"/>
-    <p:sldId id="273" r:id="rId13"/>
-    <p:sldId id="274" r:id="rId14"/>
-    <p:sldId id="275" r:id="rId15"/>
-    <p:sldId id="276" r:id="rId16"/>
-    <p:sldId id="278" r:id="rId17"/>
-    <p:sldId id="279" r:id="rId18"/>
-    <p:sldId id="281" r:id="rId19"/>
-    <p:sldId id="283" r:id="rId20"/>
+    <p:sldId id="272" r:id="rId11"/>
+    <p:sldId id="273" r:id="rId12"/>
+    <p:sldId id="274" r:id="rId13"/>
+    <p:sldId id="275" r:id="rId14"/>
+    <p:sldId id="276" r:id="rId15"/>
+    <p:sldId id="278" r:id="rId16"/>
+    <p:sldId id="279" r:id="rId17"/>
+    <p:sldId id="281" r:id="rId18"/>
+    <p:sldId id="283" r:id="rId19"/>
   </p:sldIdLst>
   <p:sldSz cx="9144000" cy="6858000" type="screen4x3"/>
   <p:notesSz cx="6858000" cy="9144000"/>
@@ -827,7 +826,7 @@
     </p:spTree>
     <p:extLst>
       <p:ext uri="{BB962C8B-B14F-4D97-AF65-F5344CB8AC3E}">
-        <p14:creationId xmlns:p14="http://schemas.microsoft.com/office/powerpoint/2010/main" val="3959567019"/>
+        <p14:creationId xmlns:p14="http://schemas.microsoft.com/office/powerpoint/2010/main" val="140573768"/>
       </p:ext>
     </p:extLst>
   </p:cSld>
@@ -912,7 +911,7 @@
     </p:spTree>
     <p:extLst>
       <p:ext uri="{BB962C8B-B14F-4D97-AF65-F5344CB8AC3E}">
-        <p14:creationId xmlns:p14="http://schemas.microsoft.com/office/powerpoint/2010/main" val="140573768"/>
+        <p14:creationId xmlns:p14="http://schemas.microsoft.com/office/powerpoint/2010/main" val="2620571570"/>
       </p:ext>
     </p:extLst>
   </p:cSld>
@@ -997,7 +996,7 @@
     </p:spTree>
     <p:extLst>
       <p:ext uri="{BB962C8B-B14F-4D97-AF65-F5344CB8AC3E}">
-        <p14:creationId xmlns:p14="http://schemas.microsoft.com/office/powerpoint/2010/main" val="2620571570"/>
+        <p14:creationId xmlns:p14="http://schemas.microsoft.com/office/powerpoint/2010/main" val="1461890236"/>
       </p:ext>
     </p:extLst>
   </p:cSld>
@@ -1082,7 +1081,7 @@
     </p:spTree>
     <p:extLst>
       <p:ext uri="{BB962C8B-B14F-4D97-AF65-F5344CB8AC3E}">
-        <p14:creationId xmlns:p14="http://schemas.microsoft.com/office/powerpoint/2010/main" val="1461890236"/>
+        <p14:creationId xmlns:p14="http://schemas.microsoft.com/office/powerpoint/2010/main" val="2850894603"/>
       </p:ext>
     </p:extLst>
   </p:cSld>
@@ -1167,7 +1166,7 @@
     </p:spTree>
     <p:extLst>
       <p:ext uri="{BB962C8B-B14F-4D97-AF65-F5344CB8AC3E}">
-        <p14:creationId xmlns:p14="http://schemas.microsoft.com/office/powerpoint/2010/main" val="2850894603"/>
+        <p14:creationId xmlns:p14="http://schemas.microsoft.com/office/powerpoint/2010/main" val="2919014423"/>
       </p:ext>
     </p:extLst>
   </p:cSld>
@@ -1252,7 +1251,7 @@
     </p:spTree>
     <p:extLst>
       <p:ext uri="{BB962C8B-B14F-4D97-AF65-F5344CB8AC3E}">
-        <p14:creationId xmlns:p14="http://schemas.microsoft.com/office/powerpoint/2010/main" val="2919014423"/>
+        <p14:creationId xmlns:p14="http://schemas.microsoft.com/office/powerpoint/2010/main" val="1192801064"/>
       </p:ext>
     </p:extLst>
   </p:cSld>
@@ -1337,7 +1336,7 @@
     </p:spTree>
     <p:extLst>
       <p:ext uri="{BB962C8B-B14F-4D97-AF65-F5344CB8AC3E}">
-        <p14:creationId xmlns:p14="http://schemas.microsoft.com/office/powerpoint/2010/main" val="1192801064"/>
+        <p14:creationId xmlns:p14="http://schemas.microsoft.com/office/powerpoint/2010/main" val="986275448"/>
       </p:ext>
     </p:extLst>
   </p:cSld>
@@ -1414,91 +1413,6 @@
               <a:rPr lang="it-IT" smtClean="0"/>
               <a:pPr/>
               <a:t>18</a:t>
-            </a:fld>
-            <a:endParaRPr lang="it-IT"/>
-          </a:p>
-        </p:txBody>
-      </p:sp>
-    </p:spTree>
-    <p:extLst>
-      <p:ext uri="{BB962C8B-B14F-4D97-AF65-F5344CB8AC3E}">
-        <p14:creationId xmlns:p14="http://schemas.microsoft.com/office/powerpoint/2010/main" val="986275448"/>
-      </p:ext>
-    </p:extLst>
-  </p:cSld>
-  <p:clrMapOvr>
-    <a:masterClrMapping/>
-  </p:clrMapOvr>
-</p:notes>
-</file>
-
-<file path=ppt/notesSlides/notesSlide18.xml><?xml version="1.0" encoding="utf-8"?>
-<p:notes xmlns:a="http://schemas.openxmlformats.org/drawingml/2006/main" xmlns:r="http://schemas.openxmlformats.org/officeDocument/2006/relationships" xmlns:p="http://schemas.openxmlformats.org/presentationml/2006/main">
-  <p:cSld>
-    <p:spTree>
-      <p:nvGrpSpPr>
-        <p:cNvPr id="1" name=""/>
-        <p:cNvGrpSpPr/>
-        <p:nvPr/>
-      </p:nvGrpSpPr>
-      <p:grpSpPr>
-        <a:xfrm>
-          <a:off x="0" y="0"/>
-          <a:ext cx="0" cy="0"/>
-          <a:chOff x="0" y="0"/>
-          <a:chExt cx="0" cy="0"/>
-        </a:xfrm>
-      </p:grpSpPr>
-      <p:sp>
-        <p:nvSpPr>
-          <p:cNvPr id="2" name="Segnaposto immagine diapositiva 1"/>
-          <p:cNvSpPr>
-            <a:spLocks noGrp="1" noRot="1" noChangeAspect="1"/>
-          </p:cNvSpPr>
-          <p:nvPr>
-            <p:ph type="sldImg"/>
-          </p:nvPr>
-        </p:nvSpPr>
-        <p:spPr/>
-      </p:sp>
-      <p:sp>
-        <p:nvSpPr>
-          <p:cNvPr id="3" name="Segnaposto note 2"/>
-          <p:cNvSpPr>
-            <a:spLocks noGrp="1"/>
-          </p:cNvSpPr>
-          <p:nvPr>
-            <p:ph type="body" idx="1"/>
-          </p:nvPr>
-        </p:nvSpPr>
-        <p:spPr/>
-        <p:txBody>
-          <a:bodyPr/>
-          <a:lstStyle/>
-          <a:p>
-            <a:endParaRPr lang="it-IT"/>
-          </a:p>
-        </p:txBody>
-      </p:sp>
-      <p:sp>
-        <p:nvSpPr>
-          <p:cNvPr id="4" name="Segnaposto numero diapositiva 3"/>
-          <p:cNvSpPr>
-            <a:spLocks noGrp="1"/>
-          </p:cNvSpPr>
-          <p:nvPr>
-            <p:ph type="sldNum" sz="quarter" idx="10"/>
-          </p:nvPr>
-        </p:nvSpPr>
-        <p:spPr/>
-        <p:txBody>
-          <a:bodyPr/>
-          <a:lstStyle/>
-          <a:p>
-            <a:fld id="{96986711-015B-0142-88C4-65D50E44FA77}" type="slidenum">
-              <a:rPr lang="it-IT" smtClean="0"/>
-              <a:pPr/>
-              <a:t>19</a:t>
             </a:fld>
             <a:endParaRPr lang="it-IT"/>
           </a:p>
@@ -2187,7 +2101,7 @@
     </p:spTree>
     <p:extLst>
       <p:ext uri="{BB962C8B-B14F-4D97-AF65-F5344CB8AC3E}">
-        <p14:creationId xmlns:p14="http://schemas.microsoft.com/office/powerpoint/2010/main" val="516373802"/>
+        <p14:creationId xmlns:p14="http://schemas.microsoft.com/office/powerpoint/2010/main" val="3959567019"/>
       </p:ext>
     </p:extLst>
   </p:cSld>
@@ -5464,14 +5378,14 @@
           <p:nvPr/>
         </p:nvPicPr>
         <p:blipFill>
-          <a:blip r:embed="rId4"/>
+          <a:blip r:embed="rId3"/>
           <a:stretch>
             <a:fillRect/>
           </a:stretch>
         </p:blipFill>
         <p:spPr>
           <a:xfrm>
-            <a:off x="-1" y="3123"/>
+            <a:off x="-1" y="-19737"/>
             <a:ext cx="9143817" cy="6872495"/>
           </a:xfrm>
           <a:prstGeom prst="rect">
@@ -5488,7 +5402,7 @@
         <p:spPr>
           <a:xfrm>
             <a:off x="9061" y="649703"/>
-            <a:ext cx="2490299" cy="461665"/>
+            <a:ext cx="3705689" cy="461665"/>
           </a:xfrm>
           <a:prstGeom prst="rect">
             <a:avLst/>
@@ -5511,7 +5425,7 @@
                 <a:latin typeface="Arial"/>
                 <a:cs typeface="Arial"/>
               </a:rPr>
-              <a:t>Albero Additivo</a:t>
+              <a:t>Criticità dell’algoritmo</a:t>
             </a:r>
           </a:p>
         </p:txBody>
@@ -5677,1219 +5591,8 @@
           </a:p>
         </p:txBody>
       </p:sp>
-      <p:sp>
-        <p:nvSpPr>
-          <p:cNvPr id="53" name="CasellaDiTesto 52">
-            <a:extLst>
-              <a:ext uri="{FF2B5EF4-FFF2-40B4-BE49-F238E27FC236}">
-                <a16:creationId xmlns:a16="http://schemas.microsoft.com/office/drawing/2014/main" id="{C4172192-17B0-4035-AFD1-CBC8BDE7E4CD}"/>
-              </a:ext>
-            </a:extLst>
-          </p:cNvPr>
-          <p:cNvSpPr txBox="1"/>
-          <p:nvPr/>
-        </p:nvSpPr>
-        <p:spPr>
-          <a:xfrm>
-            <a:off x="9062" y="1077183"/>
-            <a:ext cx="1082892" cy="369332"/>
-          </a:xfrm>
-          <a:prstGeom prst="rect">
-            <a:avLst/>
-          </a:prstGeom>
-          <a:noFill/>
-        </p:spPr>
-        <p:txBody>
-          <a:bodyPr wrap="square" rtlCol="0">
-            <a:spAutoFit/>
-          </a:bodyPr>
-          <a:lstStyle/>
-          <a:p>
-            <a:r>
-              <a:rPr lang="it-IT" i="1" dirty="0">
-                <a:latin typeface="Arial"/>
-                <a:cs typeface="Arial"/>
-              </a:rPr>
-              <a:t>Parte 1</a:t>
-            </a:r>
-          </a:p>
-        </p:txBody>
-      </p:sp>
       <mc:AlternateContent xmlns:mc="http://schemas.openxmlformats.org/markup-compatibility/2006" xmlns:a14="http://schemas.microsoft.com/office/drawing/2010/main">
         <mc:Choice Requires="a14">
-          <p:sp>
-            <p:nvSpPr>
-              <p:cNvPr id="26" name="CasellaDiTesto 25">
-                <a:extLst>
-                  <a:ext uri="{FF2B5EF4-FFF2-40B4-BE49-F238E27FC236}">
-                    <a16:creationId xmlns:a16="http://schemas.microsoft.com/office/drawing/2014/main" id="{B431A250-978E-46E5-B933-19E6232E36AE}"/>
-                  </a:ext>
-                </a:extLst>
-              </p:cNvPr>
-              <p:cNvSpPr txBox="1"/>
-              <p:nvPr/>
-            </p:nvSpPr>
-            <p:spPr>
-              <a:xfrm>
-                <a:off x="9062" y="1488049"/>
-                <a:ext cx="9134754" cy="307777"/>
-              </a:xfrm>
-              <a:prstGeom prst="rect">
-                <a:avLst/>
-              </a:prstGeom>
-              <a:noFill/>
-            </p:spPr>
-            <p:txBody>
-              <a:bodyPr wrap="square" rtlCol="0">
-                <a:spAutoFit/>
-              </a:bodyPr>
-              <a:lstStyle/>
-              <a:p>
-                <a:pPr algn="ctr"/>
-                <a:r>
-                  <a:rPr lang="it-IT" sz="1400" dirty="0">
-                    <a:latin typeface="Arial" panose="020B0604020202020204" pitchFamily="34" charset="0"/>
-                    <a:cs typeface="Arial" panose="020B0604020202020204" pitchFamily="34" charset="0"/>
-                  </a:rPr>
-                  <a:t>Criticità </a:t>
-                </a:r>
-                <a:r>
-                  <a:rPr lang="it-IT" sz="1400" dirty="0">
-                    <a:latin typeface="Arial" panose="020B0604020202020204" pitchFamily="34" charset="0"/>
-                    <a:cs typeface="Arial" panose="020B0604020202020204" pitchFamily="34" charset="0"/>
-                    <a:sym typeface="Wingdings" panose="05000000000000000000" pitchFamily="2" charset="2"/>
-                  </a:rPr>
-                  <a:t> l’elemento più piccolo della matrice </a:t>
-                </a:r>
-                <a14:m>
-                  <m:oMath xmlns:m="http://schemas.openxmlformats.org/officeDocument/2006/math">
-                    <m:r>
-                      <a:rPr lang="it-IT" sz="1400" i="1" dirty="0" smtClean="0">
-                        <a:latin typeface="Cambria Math" panose="02040503050406030204" pitchFamily="18" charset="0"/>
-                        <a:cs typeface="Arial" panose="020B0604020202020204" pitchFamily="34" charset="0"/>
-                        <a:sym typeface="Wingdings" panose="05000000000000000000" pitchFamily="2" charset="2"/>
-                      </a:rPr>
-                      <m:t>𝐷</m:t>
-                    </m:r>
-                  </m:oMath>
-                </a14:m>
-                <a:r>
-                  <a:rPr lang="it-IT" sz="1400" dirty="0">
-                    <a:latin typeface="Arial" panose="020B0604020202020204" pitchFamily="34" charset="0"/>
-                    <a:cs typeface="Arial" panose="020B0604020202020204" pitchFamily="34" charset="0"/>
-                    <a:sym typeface="Wingdings" panose="05000000000000000000" pitchFamily="2" charset="2"/>
-                  </a:rPr>
-                  <a:t> deve corrispondere a due foglie vicine nell’albero </a:t>
-                </a:r>
-                <a14:m>
-                  <m:oMath xmlns:m="http://schemas.openxmlformats.org/officeDocument/2006/math">
-                    <m:r>
-                      <a:rPr lang="it-IT" sz="1400" i="1" dirty="0" smtClean="0">
-                        <a:latin typeface="Cambria Math" panose="02040503050406030204" pitchFamily="18" charset="0"/>
-                        <a:cs typeface="Arial" panose="020B0604020202020204" pitchFamily="34" charset="0"/>
-                        <a:sym typeface="Wingdings" panose="05000000000000000000" pitchFamily="2" charset="2"/>
-                      </a:rPr>
-                      <m:t>𝑇</m:t>
-                    </m:r>
-                  </m:oMath>
-                </a14:m>
-                <a:r>
-                  <a:rPr lang="it-IT" sz="1400" dirty="0">
-                    <a:latin typeface="Arial" panose="020B0604020202020204" pitchFamily="34" charset="0"/>
-                    <a:cs typeface="Arial" panose="020B0604020202020204" pitchFamily="34" charset="0"/>
-                    <a:sym typeface="Wingdings" panose="05000000000000000000" pitchFamily="2" charset="2"/>
-                  </a:rPr>
-                  <a:t>.</a:t>
-                </a:r>
-                <a:endParaRPr lang="it-IT" sz="1400" dirty="0">
-                  <a:latin typeface="Arial" panose="020B0604020202020204" pitchFamily="34" charset="0"/>
-                  <a:cs typeface="Arial" panose="020B0604020202020204" pitchFamily="34" charset="0"/>
-                </a:endParaRPr>
-              </a:p>
-            </p:txBody>
-          </p:sp>
-        </mc:Choice>
-        <mc:Fallback xmlns="">
-          <p:sp>
-            <p:nvSpPr>
-              <p:cNvPr id="26" name="CasellaDiTesto 25">
-                <a:extLst>
-                  <a:ext uri="{FF2B5EF4-FFF2-40B4-BE49-F238E27FC236}">
-                    <a16:creationId xmlns:a16="http://schemas.microsoft.com/office/drawing/2014/main" id="{B431A250-978E-46E5-B933-19E6232E36AE}"/>
-                  </a:ext>
-                </a:extLst>
-              </p:cNvPr>
-              <p:cNvSpPr txBox="1">
-                <a:spLocks noRot="1" noChangeAspect="1" noMove="1" noResize="1" noEditPoints="1" noAdjustHandles="1" noChangeArrowheads="1" noChangeShapeType="1" noTextEdit="1"/>
-              </p:cNvSpPr>
-              <p:nvPr/>
-            </p:nvSpPr>
-            <p:spPr>
-              <a:xfrm>
-                <a:off x="9062" y="1488049"/>
-                <a:ext cx="9134754" cy="307777"/>
-              </a:xfrm>
-              <a:prstGeom prst="rect">
-                <a:avLst/>
-              </a:prstGeom>
-              <a:blipFill>
-                <a:blip r:embed="rId5"/>
-                <a:stretch>
-                  <a:fillRect t="-3922" b="-19608"/>
-                </a:stretch>
-              </a:blipFill>
-            </p:spPr>
-            <p:txBody>
-              <a:bodyPr/>
-              <a:lstStyle/>
-              <a:p>
-                <a:r>
-                  <a:rPr lang="it-IT">
-                    <a:noFill/>
-                  </a:rPr>
-                  <a:t> </a:t>
-                </a:r>
-              </a:p>
-            </p:txBody>
-          </p:sp>
-        </mc:Fallback>
-      </mc:AlternateContent>
-      <mc:AlternateContent xmlns:mc="http://schemas.openxmlformats.org/markup-compatibility/2006" xmlns:a14="http://schemas.microsoft.com/office/drawing/2010/main">
-        <mc:Choice Requires="a14">
-          <p:sp>
-            <p:nvSpPr>
-              <p:cNvPr id="27" name="CasellaDiTesto 26">
-                <a:extLst>
-                  <a:ext uri="{FF2B5EF4-FFF2-40B4-BE49-F238E27FC236}">
-                    <a16:creationId xmlns:a16="http://schemas.microsoft.com/office/drawing/2014/main" id="{E4A427C9-49C9-4F01-B579-DB27D679860D}"/>
-                  </a:ext>
-                </a:extLst>
-              </p:cNvPr>
-              <p:cNvSpPr txBox="1"/>
-              <p:nvPr/>
-            </p:nvSpPr>
-            <p:spPr>
-              <a:xfrm>
-                <a:off x="-1" y="2024763"/>
-                <a:ext cx="9134754" cy="307777"/>
-              </a:xfrm>
-              <a:prstGeom prst="rect">
-                <a:avLst/>
-              </a:prstGeom>
-              <a:noFill/>
-            </p:spPr>
-            <p:txBody>
-              <a:bodyPr wrap="square" rtlCol="0">
-                <a:spAutoFit/>
-              </a:bodyPr>
-              <a:lstStyle/>
-              <a:p>
-                <a:pPr algn="ctr"/>
-                <a:r>
-                  <a:rPr lang="it-IT" sz="1400" dirty="0">
-                    <a:latin typeface="Arial" panose="020B0604020202020204" pitchFamily="34" charset="0"/>
-                    <a:cs typeface="Arial" panose="020B0604020202020204" pitchFamily="34" charset="0"/>
-                  </a:rPr>
-                  <a:t>Possibile soluzione </a:t>
-                </a:r>
-                <a:r>
-                  <a:rPr lang="it-IT" sz="1400" dirty="0">
-                    <a:latin typeface="Arial" panose="020B0604020202020204" pitchFamily="34" charset="0"/>
-                    <a:cs typeface="Arial" panose="020B0604020202020204" pitchFamily="34" charset="0"/>
-                    <a:sym typeface="Wingdings" panose="05000000000000000000" pitchFamily="2" charset="2"/>
-                  </a:rPr>
-                  <a:t> Invece di cercare le foglie vicine in </a:t>
-                </a:r>
-                <a14:m>
-                  <m:oMath xmlns:m="http://schemas.openxmlformats.org/officeDocument/2006/math">
-                    <m:r>
-                      <a:rPr lang="it-IT" sz="1400" b="0" i="1" smtClean="0">
-                        <a:latin typeface="Cambria Math" panose="02040503050406030204" pitchFamily="18" charset="0"/>
-                        <a:cs typeface="Arial" panose="020B0604020202020204" pitchFamily="34" charset="0"/>
-                        <a:sym typeface="Wingdings" panose="05000000000000000000" pitchFamily="2" charset="2"/>
-                      </a:rPr>
-                      <m:t>𝑇</m:t>
-                    </m:r>
-                  </m:oMath>
-                </a14:m>
-                <a:r>
-                  <a:rPr lang="it-IT" sz="1400" dirty="0">
-                    <a:latin typeface="Arial" panose="020B0604020202020204" pitchFamily="34" charset="0"/>
-                    <a:cs typeface="Arial" panose="020B0604020202020204" pitchFamily="34" charset="0"/>
-                  </a:rPr>
-                  <a:t>, aggiungerle all’albero una alla volta.</a:t>
-                </a:r>
-              </a:p>
-            </p:txBody>
-          </p:sp>
-        </mc:Choice>
-        <mc:Fallback xmlns="">
-          <p:sp>
-            <p:nvSpPr>
-              <p:cNvPr id="27" name="CasellaDiTesto 26">
-                <a:extLst>
-                  <a:ext uri="{FF2B5EF4-FFF2-40B4-BE49-F238E27FC236}">
-                    <a16:creationId xmlns:a16="http://schemas.microsoft.com/office/drawing/2014/main" id="{E4A427C9-49C9-4F01-B579-DB27D679860D}"/>
-                  </a:ext>
-                </a:extLst>
-              </p:cNvPr>
-              <p:cNvSpPr txBox="1">
-                <a:spLocks noRot="1" noChangeAspect="1" noMove="1" noResize="1" noEditPoints="1" noAdjustHandles="1" noChangeArrowheads="1" noChangeShapeType="1" noTextEdit="1"/>
-              </p:cNvSpPr>
-              <p:nvPr/>
-            </p:nvSpPr>
-            <p:spPr>
-              <a:xfrm>
-                <a:off x="-1" y="2024763"/>
-                <a:ext cx="9134754" cy="307777"/>
-              </a:xfrm>
-              <a:prstGeom prst="rect">
-                <a:avLst/>
-              </a:prstGeom>
-              <a:blipFill>
-                <a:blip r:embed="rId6"/>
-                <a:stretch>
-                  <a:fillRect t="-3922" b="-19608"/>
-                </a:stretch>
-              </a:blipFill>
-            </p:spPr>
-            <p:txBody>
-              <a:bodyPr/>
-              <a:lstStyle/>
-              <a:p>
-                <a:r>
-                  <a:rPr lang="it-IT">
-                    <a:noFill/>
-                  </a:rPr>
-                  <a:t> </a:t>
-                </a:r>
-              </a:p>
-            </p:txBody>
-          </p:sp>
-        </mc:Fallback>
-      </mc:AlternateContent>
-      <p:cxnSp>
-        <p:nvCxnSpPr>
-          <p:cNvPr id="4" name="Connettore 2 3">
-            <a:extLst>
-              <a:ext uri="{FF2B5EF4-FFF2-40B4-BE49-F238E27FC236}">
-                <a16:creationId xmlns:a16="http://schemas.microsoft.com/office/drawing/2014/main" id="{2B5F6E44-8C16-4EFA-A1CA-072372EDC3C8}"/>
-              </a:ext>
-            </a:extLst>
-          </p:cNvPr>
-          <p:cNvCxnSpPr/>
-          <p:nvPr/>
-        </p:nvCxnSpPr>
-        <p:spPr>
-          <a:xfrm>
-            <a:off x="4571907" y="1795826"/>
-            <a:ext cx="0" cy="228937"/>
-          </a:xfrm>
-          <a:prstGeom prst="straightConnector1">
-            <a:avLst/>
-          </a:prstGeom>
-          <a:ln>
-            <a:tailEnd type="triangle"/>
-          </a:ln>
-        </p:spPr>
-        <p:style>
-          <a:lnRef idx="2">
-            <a:schemeClr val="accent1"/>
-          </a:lnRef>
-          <a:fillRef idx="0">
-            <a:schemeClr val="accent1"/>
-          </a:fillRef>
-          <a:effectRef idx="1">
-            <a:schemeClr val="accent1"/>
-          </a:effectRef>
-          <a:fontRef idx="minor">
-            <a:schemeClr val="tx1"/>
-          </a:fontRef>
-        </p:style>
-      </p:cxnSp>
-      <p:sp>
-        <p:nvSpPr>
-          <p:cNvPr id="29" name="CasellaDiTesto 28">
-            <a:extLst>
-              <a:ext uri="{FF2B5EF4-FFF2-40B4-BE49-F238E27FC236}">
-                <a16:creationId xmlns:a16="http://schemas.microsoft.com/office/drawing/2014/main" id="{2DF37E88-5AF1-4FBD-B36B-6E837A119FB5}"/>
-              </a:ext>
-            </a:extLst>
-          </p:cNvPr>
-          <p:cNvSpPr txBox="1"/>
-          <p:nvPr/>
-        </p:nvSpPr>
-        <p:spPr>
-          <a:xfrm>
-            <a:off x="-1" y="2559744"/>
-            <a:ext cx="9134754" cy="307777"/>
-          </a:xfrm>
-          <a:prstGeom prst="rect">
-            <a:avLst/>
-          </a:prstGeom>
-          <a:noFill/>
-        </p:spPr>
-        <p:txBody>
-          <a:bodyPr wrap="square" rtlCol="0">
-            <a:spAutoFit/>
-          </a:bodyPr>
-          <a:lstStyle/>
-          <a:p>
-            <a:pPr algn="ctr"/>
-            <a:r>
-              <a:rPr lang="it-IT" sz="1400" dirty="0">
-                <a:latin typeface="Arial" panose="020B0604020202020204" pitchFamily="34" charset="0"/>
-                <a:cs typeface="Arial" panose="020B0604020202020204" pitchFamily="34" charset="0"/>
-              </a:rPr>
-              <a:t>Nuovo problema </a:t>
-            </a:r>
-            <a:r>
-              <a:rPr lang="it-IT" sz="1400" dirty="0">
-                <a:latin typeface="Arial" panose="020B0604020202020204" pitchFamily="34" charset="0"/>
-                <a:cs typeface="Arial" panose="020B0604020202020204" pitchFamily="34" charset="0"/>
-                <a:sym typeface="Wingdings" panose="05000000000000000000" pitchFamily="2" charset="2"/>
-              </a:rPr>
-              <a:t> Calcolare il peso degli archi che collegano le foglie con i rispettivi genitori (</a:t>
-            </a:r>
-            <a:r>
-              <a:rPr lang="it-IT" sz="1400" i="1" dirty="0">
-                <a:latin typeface="Arial" panose="020B0604020202020204" pitchFamily="34" charset="0"/>
-                <a:cs typeface="Arial" panose="020B0604020202020204" pitchFamily="34" charset="0"/>
-                <a:sym typeface="Wingdings" panose="05000000000000000000" pitchFamily="2" charset="2"/>
-              </a:rPr>
-              <a:t>arti</a:t>
-            </a:r>
-            <a:r>
-              <a:rPr lang="it-IT" sz="1400" dirty="0">
-                <a:latin typeface="Arial" panose="020B0604020202020204" pitchFamily="34" charset="0"/>
-                <a:cs typeface="Arial" panose="020B0604020202020204" pitchFamily="34" charset="0"/>
-                <a:sym typeface="Wingdings" panose="05000000000000000000" pitchFamily="2" charset="2"/>
-              </a:rPr>
-              <a:t>).</a:t>
-            </a:r>
-            <a:endParaRPr lang="it-IT" sz="1400" dirty="0">
-              <a:latin typeface="Arial" panose="020B0604020202020204" pitchFamily="34" charset="0"/>
-              <a:cs typeface="Arial" panose="020B0604020202020204" pitchFamily="34" charset="0"/>
-            </a:endParaRPr>
-          </a:p>
-        </p:txBody>
-      </p:sp>
-      <p:cxnSp>
-        <p:nvCxnSpPr>
-          <p:cNvPr id="6" name="Connettore 2 5">
-            <a:extLst>
-              <a:ext uri="{FF2B5EF4-FFF2-40B4-BE49-F238E27FC236}">
-                <a16:creationId xmlns:a16="http://schemas.microsoft.com/office/drawing/2014/main" id="{9AF063F1-D1D3-4A2C-977D-499394212AE3}"/>
-              </a:ext>
-            </a:extLst>
-          </p:cNvPr>
-          <p:cNvCxnSpPr>
-            <a:cxnSpLocks/>
-            <a:stCxn id="27" idx="2"/>
-          </p:cNvCxnSpPr>
-          <p:nvPr/>
-        </p:nvCxnSpPr>
-        <p:spPr>
-          <a:xfrm>
-            <a:off x="4567376" y="2332540"/>
-            <a:ext cx="0" cy="227204"/>
-          </a:xfrm>
-          <a:prstGeom prst="straightConnector1">
-            <a:avLst/>
-          </a:prstGeom>
-          <a:ln>
-            <a:tailEnd type="triangle"/>
-          </a:ln>
-        </p:spPr>
-        <p:style>
-          <a:lnRef idx="2">
-            <a:schemeClr val="accent1"/>
-          </a:lnRef>
-          <a:fillRef idx="0">
-            <a:schemeClr val="accent1"/>
-          </a:fillRef>
-          <a:effectRef idx="1">
-            <a:schemeClr val="accent1"/>
-          </a:effectRef>
-          <a:fontRef idx="minor">
-            <a:schemeClr val="tx1"/>
-          </a:fontRef>
-        </p:style>
-      </p:cxnSp>
-      <p:sp>
-        <p:nvSpPr>
-          <p:cNvPr id="33" name="CasellaDiTesto 32">
-            <a:extLst>
-              <a:ext uri="{FF2B5EF4-FFF2-40B4-BE49-F238E27FC236}">
-                <a16:creationId xmlns:a16="http://schemas.microsoft.com/office/drawing/2014/main" id="{02EDAB93-891C-4E81-9C8A-6F0DA421FC6B}"/>
-              </a:ext>
-            </a:extLst>
-          </p:cNvPr>
-          <p:cNvSpPr txBox="1"/>
-          <p:nvPr/>
-        </p:nvSpPr>
-        <p:spPr>
-          <a:xfrm>
-            <a:off x="-1" y="3254503"/>
-            <a:ext cx="2959101" cy="338554"/>
-          </a:xfrm>
-          <a:prstGeom prst="rect">
-            <a:avLst/>
-          </a:prstGeom>
-          <a:noFill/>
-        </p:spPr>
-        <p:txBody>
-          <a:bodyPr wrap="square" rtlCol="0">
-            <a:spAutoFit/>
-          </a:bodyPr>
-          <a:lstStyle/>
-          <a:p>
-            <a:r>
-              <a:rPr lang="it-IT" sz="1600" b="1" dirty="0">
-                <a:solidFill>
-                  <a:schemeClr val="accent1">
-                    <a:lumMod val="75000"/>
-                  </a:schemeClr>
-                </a:solidFill>
-                <a:latin typeface="Arial"/>
-                <a:cs typeface="Arial"/>
-              </a:rPr>
-              <a:t>Teorema del peso degli arti:</a:t>
-            </a:r>
-          </a:p>
-        </p:txBody>
-      </p:sp>
-      <mc:AlternateContent xmlns:mc="http://schemas.openxmlformats.org/markup-compatibility/2006" xmlns:a14="http://schemas.microsoft.com/office/drawing/2010/main">
-        <mc:Choice Requires="a14">
-          <p:sp>
-            <p:nvSpPr>
-              <p:cNvPr id="35" name="CasellaDiTesto 34">
-                <a:extLst>
-                  <a:ext uri="{FF2B5EF4-FFF2-40B4-BE49-F238E27FC236}">
-                    <a16:creationId xmlns:a16="http://schemas.microsoft.com/office/drawing/2014/main" id="{C84EA05A-773C-46E3-BCEB-002221CFB655}"/>
-                  </a:ext>
-                </a:extLst>
-              </p:cNvPr>
-              <p:cNvSpPr txBox="1"/>
-              <p:nvPr/>
-            </p:nvSpPr>
-            <p:spPr>
-              <a:xfrm>
-                <a:off x="9246" y="3575326"/>
-                <a:ext cx="9134754" cy="523220"/>
-              </a:xfrm>
-              <a:prstGeom prst="rect">
-                <a:avLst/>
-              </a:prstGeom>
-              <a:noFill/>
-            </p:spPr>
-            <p:txBody>
-              <a:bodyPr wrap="square" rtlCol="0">
-                <a:spAutoFit/>
-              </a:bodyPr>
-              <a:lstStyle/>
-              <a:p>
-                <a:r>
-                  <a:rPr lang="it-IT" sz="1400" dirty="0">
-                    <a:latin typeface="Arial" panose="020B0604020202020204" pitchFamily="34" charset="0"/>
-                    <a:cs typeface="Arial" panose="020B0604020202020204" pitchFamily="34" charset="0"/>
-                  </a:rPr>
-                  <a:t>Sia </a:t>
-                </a:r>
-                <a14:m>
-                  <m:oMath xmlns:m="http://schemas.openxmlformats.org/officeDocument/2006/math">
-                    <m:r>
-                      <a:rPr lang="it-IT" sz="1400" b="0" i="1" smtClean="0">
-                        <a:latin typeface="Cambria Math" panose="02040503050406030204" pitchFamily="18" charset="0"/>
-                        <a:cs typeface="Arial" panose="020B0604020202020204" pitchFamily="34" charset="0"/>
-                      </a:rPr>
-                      <m:t>𝑙𝑖𝑚𝑏𝑤𝑒𝑖𝑔h𝑡</m:t>
-                    </m:r>
-                    <m:r>
-                      <a:rPr lang="it-IT" sz="1400" b="0" i="1" smtClean="0">
-                        <a:latin typeface="Cambria Math" panose="02040503050406030204" pitchFamily="18" charset="0"/>
-                        <a:cs typeface="Arial" panose="020B0604020202020204" pitchFamily="34" charset="0"/>
-                      </a:rPr>
-                      <m:t>(</m:t>
-                    </m:r>
-                    <m:r>
-                      <a:rPr lang="it-IT" sz="1400" b="0" i="1" smtClean="0">
-                        <a:latin typeface="Cambria Math" panose="02040503050406030204" pitchFamily="18" charset="0"/>
-                        <a:cs typeface="Arial" panose="020B0604020202020204" pitchFamily="34" charset="0"/>
-                      </a:rPr>
-                      <m:t>𝑗</m:t>
-                    </m:r>
-                    <m:r>
-                      <a:rPr lang="it-IT" sz="1400" b="0" i="1" smtClean="0">
-                        <a:latin typeface="Cambria Math" panose="02040503050406030204" pitchFamily="18" charset="0"/>
-                        <a:cs typeface="Arial" panose="020B0604020202020204" pitchFamily="34" charset="0"/>
-                      </a:rPr>
-                      <m:t>)</m:t>
-                    </m:r>
-                  </m:oMath>
-                </a14:m>
-                <a:r>
-                  <a:rPr lang="it-IT" sz="1400" dirty="0">
-                    <a:latin typeface="Arial" panose="020B0604020202020204" pitchFamily="34" charset="0"/>
-                    <a:cs typeface="Arial" panose="020B0604020202020204" pitchFamily="34" charset="0"/>
-                  </a:rPr>
-                  <a:t> il peso dell’arto di </a:t>
-                </a:r>
-                <a14:m>
-                  <m:oMath xmlns:m="http://schemas.openxmlformats.org/officeDocument/2006/math">
-                    <m:r>
-                      <a:rPr lang="it-IT" sz="1400" b="0" i="1" smtClean="0">
-                        <a:latin typeface="Cambria Math" panose="02040503050406030204" pitchFamily="18" charset="0"/>
-                        <a:cs typeface="Arial" panose="020B0604020202020204" pitchFamily="34" charset="0"/>
-                      </a:rPr>
-                      <m:t>𝑗</m:t>
-                    </m:r>
-                  </m:oMath>
-                </a14:m>
-                <a:r>
-                  <a:rPr lang="it-IT" sz="1400" dirty="0">
-                    <a:latin typeface="Arial" panose="020B0604020202020204" pitchFamily="34" charset="0"/>
-                    <a:cs typeface="Arial" panose="020B0604020202020204" pitchFamily="34" charset="0"/>
-                  </a:rPr>
-                  <a:t>. Data una matrice delle distanze additiva </a:t>
-                </a:r>
-                <a14:m>
-                  <m:oMath xmlns:m="http://schemas.openxmlformats.org/officeDocument/2006/math">
-                    <m:r>
-                      <a:rPr lang="it-IT" sz="1400" b="0" i="1" smtClean="0">
-                        <a:latin typeface="Cambria Math" panose="02040503050406030204" pitchFamily="18" charset="0"/>
-                        <a:cs typeface="Arial" panose="020B0604020202020204" pitchFamily="34" charset="0"/>
-                      </a:rPr>
-                      <m:t>𝐷</m:t>
-                    </m:r>
-                  </m:oMath>
-                </a14:m>
-                <a:r>
-                  <a:rPr lang="it-IT" sz="1400" dirty="0">
-                    <a:latin typeface="Arial" panose="020B0604020202020204" pitchFamily="34" charset="0"/>
-                    <a:cs typeface="Arial" panose="020B0604020202020204" pitchFamily="34" charset="0"/>
-                  </a:rPr>
-                  <a:t> ed una foglia </a:t>
-                </a:r>
-                <a14:m>
-                  <m:oMath xmlns:m="http://schemas.openxmlformats.org/officeDocument/2006/math">
-                    <m:r>
-                      <a:rPr lang="it-IT" sz="1400" i="1">
-                        <a:latin typeface="Cambria Math" panose="02040503050406030204" pitchFamily="18" charset="0"/>
-                        <a:cs typeface="Arial" panose="020B0604020202020204" pitchFamily="34" charset="0"/>
-                      </a:rPr>
-                      <m:t>𝑗</m:t>
-                    </m:r>
-                  </m:oMath>
-                </a14:m>
-                <a:r>
-                  <a:rPr lang="it-IT" sz="1400" dirty="0">
-                    <a:latin typeface="Arial" panose="020B0604020202020204" pitchFamily="34" charset="0"/>
-                    <a:cs typeface="Arial" panose="020B0604020202020204" pitchFamily="34" charset="0"/>
-                  </a:rPr>
-                  <a:t>, </a:t>
-                </a:r>
-                <a14:m>
-                  <m:oMath xmlns:m="http://schemas.openxmlformats.org/officeDocument/2006/math">
-                    <m:r>
-                      <a:rPr lang="it-IT" sz="1400" i="1">
-                        <a:latin typeface="Cambria Math" panose="02040503050406030204" pitchFamily="18" charset="0"/>
-                        <a:cs typeface="Arial" panose="020B0604020202020204" pitchFamily="34" charset="0"/>
-                      </a:rPr>
-                      <m:t>𝑙𝑖𝑚𝑏𝑤𝑒𝑖𝑔h𝑡</m:t>
-                    </m:r>
-                    <m:r>
-                      <a:rPr lang="it-IT" sz="1400" i="1">
-                        <a:latin typeface="Cambria Math" panose="02040503050406030204" pitchFamily="18" charset="0"/>
-                        <a:cs typeface="Arial" panose="020B0604020202020204" pitchFamily="34" charset="0"/>
-                      </a:rPr>
-                      <m:t>(</m:t>
-                    </m:r>
-                    <m:r>
-                      <a:rPr lang="it-IT" sz="1400" i="1">
-                        <a:latin typeface="Cambria Math" panose="02040503050406030204" pitchFamily="18" charset="0"/>
-                        <a:cs typeface="Arial" panose="020B0604020202020204" pitchFamily="34" charset="0"/>
-                      </a:rPr>
-                      <m:t>𝑗</m:t>
-                    </m:r>
-                    <m:r>
-                      <a:rPr lang="it-IT" sz="1400" i="1">
-                        <a:latin typeface="Cambria Math" panose="02040503050406030204" pitchFamily="18" charset="0"/>
-                        <a:cs typeface="Arial" panose="020B0604020202020204" pitchFamily="34" charset="0"/>
-                      </a:rPr>
-                      <m:t>)</m:t>
-                    </m:r>
-                  </m:oMath>
-                </a14:m>
-                <a:r>
-                  <a:rPr lang="it-IT" sz="1400" dirty="0">
-                    <a:latin typeface="Arial" panose="020B0604020202020204" pitchFamily="34" charset="0"/>
-                    <a:cs typeface="Arial" panose="020B0604020202020204" pitchFamily="34" charset="0"/>
-                  </a:rPr>
-                  <a:t> è uguale al valore minimo di			      tra tutte le foglie </a:t>
-                </a:r>
-                <a14:m>
-                  <m:oMath xmlns:m="http://schemas.openxmlformats.org/officeDocument/2006/math">
-                    <m:r>
-                      <a:rPr lang="it-IT" sz="1400" b="0" i="1" smtClean="0">
-                        <a:latin typeface="Cambria Math" panose="02040503050406030204" pitchFamily="18" charset="0"/>
-                        <a:cs typeface="Arial" panose="020B0604020202020204" pitchFamily="34" charset="0"/>
-                      </a:rPr>
-                      <m:t>𝑖</m:t>
-                    </m:r>
-                  </m:oMath>
-                </a14:m>
-                <a:r>
-                  <a:rPr lang="it-IT" sz="1400" dirty="0">
-                    <a:latin typeface="Arial" panose="020B0604020202020204" pitchFamily="34" charset="0"/>
-                    <a:cs typeface="Arial" panose="020B0604020202020204" pitchFamily="34" charset="0"/>
-                  </a:rPr>
-                  <a:t> e </a:t>
-                </a:r>
-                <a14:m>
-                  <m:oMath xmlns:m="http://schemas.openxmlformats.org/officeDocument/2006/math">
-                    <m:r>
-                      <a:rPr lang="it-IT" sz="1400" b="0" i="1" smtClean="0">
-                        <a:latin typeface="Cambria Math" panose="02040503050406030204" pitchFamily="18" charset="0"/>
-                        <a:cs typeface="Arial" panose="020B0604020202020204" pitchFamily="34" charset="0"/>
-                      </a:rPr>
-                      <m:t>𝑘</m:t>
-                    </m:r>
-                  </m:oMath>
-                </a14:m>
-                <a:r>
-                  <a:rPr lang="it-IT" sz="1400" dirty="0">
-                    <a:latin typeface="Arial" panose="020B0604020202020204" pitchFamily="34" charset="0"/>
-                    <a:cs typeface="Arial" panose="020B0604020202020204" pitchFamily="34" charset="0"/>
-                  </a:rPr>
-                  <a:t>.</a:t>
-                </a:r>
-              </a:p>
-            </p:txBody>
-          </p:sp>
-        </mc:Choice>
-        <mc:Fallback xmlns="">
-          <p:sp>
-            <p:nvSpPr>
-              <p:cNvPr id="35" name="CasellaDiTesto 34">
-                <a:extLst>
-                  <a:ext uri="{FF2B5EF4-FFF2-40B4-BE49-F238E27FC236}">
-                    <a16:creationId xmlns:a16="http://schemas.microsoft.com/office/drawing/2014/main" id="{C84EA05A-773C-46E3-BCEB-002221CFB655}"/>
-                  </a:ext>
-                </a:extLst>
-              </p:cNvPr>
-              <p:cNvSpPr txBox="1">
-                <a:spLocks noRot="1" noChangeAspect="1" noMove="1" noResize="1" noEditPoints="1" noAdjustHandles="1" noChangeArrowheads="1" noChangeShapeType="1" noTextEdit="1"/>
-              </p:cNvSpPr>
-              <p:nvPr/>
-            </p:nvSpPr>
-            <p:spPr>
-              <a:xfrm>
-                <a:off x="9246" y="3575326"/>
-                <a:ext cx="9134754" cy="523220"/>
-              </a:xfrm>
-              <a:prstGeom prst="rect">
-                <a:avLst/>
-              </a:prstGeom>
-              <a:blipFill>
-                <a:blip r:embed="rId7"/>
-                <a:stretch>
-                  <a:fillRect l="-200" t="-2353" r="-668" b="-11765"/>
-                </a:stretch>
-              </a:blipFill>
-            </p:spPr>
-            <p:txBody>
-              <a:bodyPr/>
-              <a:lstStyle/>
-              <a:p>
-                <a:r>
-                  <a:rPr lang="it-IT">
-                    <a:noFill/>
-                  </a:rPr>
-                  <a:t> </a:t>
-                </a:r>
-              </a:p>
-            </p:txBody>
-          </p:sp>
-        </mc:Fallback>
-      </mc:AlternateContent>
-      <p:pic>
-        <p:nvPicPr>
-          <p:cNvPr id="16" name="Immagine 15">
-            <a:extLst>
-              <a:ext uri="{FF2B5EF4-FFF2-40B4-BE49-F238E27FC236}">
-                <a16:creationId xmlns:a16="http://schemas.microsoft.com/office/drawing/2014/main" id="{5FA29C9E-E156-4A77-BD62-06B38441F900}"/>
-              </a:ext>
-            </a:extLst>
-          </p:cNvPr>
-          <p:cNvPicPr>
-            <a:picLocks noChangeAspect="1"/>
-          </p:cNvPicPr>
-          <p:nvPr>
-            <p:custDataLst>
-              <p:tags r:id="rId1"/>
-            </p:custDataLst>
-          </p:nvPr>
-        </p:nvPicPr>
-        <p:blipFill>
-          <a:blip r:embed="rId8"/>
-          <a:stretch>
-            <a:fillRect/>
-          </a:stretch>
-        </p:blipFill>
-        <p:spPr>
-          <a:xfrm>
-            <a:off x="2228850" y="3846680"/>
-            <a:ext cx="1312462" cy="294770"/>
-          </a:xfrm>
-          <a:prstGeom prst="rect">
-            <a:avLst/>
-          </a:prstGeom>
-        </p:spPr>
-      </p:pic>
-      <p:pic>
-        <p:nvPicPr>
-          <p:cNvPr id="17" name="Immagine 16">
-            <a:extLst>
-              <a:ext uri="{FF2B5EF4-FFF2-40B4-BE49-F238E27FC236}">
-                <a16:creationId xmlns:a16="http://schemas.microsoft.com/office/drawing/2014/main" id="{0F49FD56-3C32-4A32-B301-841F3A9B6CED}"/>
-              </a:ext>
-            </a:extLst>
-          </p:cNvPr>
-          <p:cNvPicPr>
-            <a:picLocks noChangeAspect="1"/>
-          </p:cNvPicPr>
-          <p:nvPr/>
-        </p:nvPicPr>
-        <p:blipFill>
-          <a:blip r:embed="rId9"/>
-          <a:stretch>
-            <a:fillRect/>
-          </a:stretch>
-        </p:blipFill>
-        <p:spPr>
-          <a:xfrm>
-            <a:off x="2885081" y="5030439"/>
-            <a:ext cx="3294750" cy="1484759"/>
-          </a:xfrm>
-          <a:prstGeom prst="rect">
-            <a:avLst/>
-          </a:prstGeom>
-        </p:spPr>
-      </p:pic>
-      <p:cxnSp>
-        <p:nvCxnSpPr>
-          <p:cNvPr id="42" name="Connettore 2 41">
-            <a:extLst>
-              <a:ext uri="{FF2B5EF4-FFF2-40B4-BE49-F238E27FC236}">
-                <a16:creationId xmlns:a16="http://schemas.microsoft.com/office/drawing/2014/main" id="{BFE0464B-922D-4792-B745-8246266338F9}"/>
-              </a:ext>
-            </a:extLst>
-          </p:cNvPr>
-          <p:cNvCxnSpPr>
-            <a:cxnSpLocks/>
-          </p:cNvCxnSpPr>
-          <p:nvPr/>
-        </p:nvCxnSpPr>
-        <p:spPr>
-          <a:xfrm>
-            <a:off x="4561026" y="2853240"/>
-            <a:ext cx="0" cy="455110"/>
-          </a:xfrm>
-          <a:prstGeom prst="straightConnector1">
-            <a:avLst/>
-          </a:prstGeom>
-          <a:ln>
-            <a:tailEnd type="triangle"/>
-          </a:ln>
-        </p:spPr>
-        <p:style>
-          <a:lnRef idx="2">
-            <a:schemeClr val="accent1"/>
-          </a:lnRef>
-          <a:fillRef idx="0">
-            <a:schemeClr val="accent1"/>
-          </a:fillRef>
-          <a:effectRef idx="1">
-            <a:schemeClr val="accent1"/>
-          </a:effectRef>
-          <a:fontRef idx="minor">
-            <a:schemeClr val="tx1"/>
-          </a:fontRef>
-        </p:style>
-      </p:cxnSp>
-      <p:sp>
-        <p:nvSpPr>
-          <p:cNvPr id="44" name="CasellaDiTesto 43">
-            <a:extLst>
-              <a:ext uri="{FF2B5EF4-FFF2-40B4-BE49-F238E27FC236}">
-                <a16:creationId xmlns:a16="http://schemas.microsoft.com/office/drawing/2014/main" id="{AF833B61-5666-402F-BC99-3BBAAE47915F}"/>
-              </a:ext>
-            </a:extLst>
-          </p:cNvPr>
-          <p:cNvSpPr txBox="1"/>
-          <p:nvPr/>
-        </p:nvSpPr>
-        <p:spPr>
-          <a:xfrm>
-            <a:off x="3042881" y="4352169"/>
-            <a:ext cx="2979149" cy="369332"/>
-          </a:xfrm>
-          <a:prstGeom prst="rect">
-            <a:avLst/>
-          </a:prstGeom>
-          <a:noFill/>
-        </p:spPr>
-        <p:txBody>
-          <a:bodyPr wrap="square" rtlCol="0">
-            <a:spAutoFit/>
-          </a:bodyPr>
-          <a:lstStyle/>
-          <a:p>
-            <a:r>
-              <a:rPr lang="it-IT" i="1" dirty="0">
-                <a:latin typeface="Arial"/>
-                <a:cs typeface="Arial"/>
-              </a:rPr>
-              <a:t>Algoritmo «albero additivo»</a:t>
-            </a:r>
-          </a:p>
-        </p:txBody>
-      </p:sp>
-      <p:sp>
-        <p:nvSpPr>
-          <p:cNvPr id="46" name="CasellaDiTesto 45">
-            <a:extLst>
-              <a:ext uri="{FF2B5EF4-FFF2-40B4-BE49-F238E27FC236}">
-                <a16:creationId xmlns:a16="http://schemas.microsoft.com/office/drawing/2014/main" id="{D516BF88-7C2B-43FB-A714-F6C4BC0E399F}"/>
-              </a:ext>
-            </a:extLst>
-          </p:cNvPr>
-          <p:cNvSpPr txBox="1"/>
-          <p:nvPr/>
-        </p:nvSpPr>
-        <p:spPr>
-          <a:xfrm>
-            <a:off x="550508" y="5750854"/>
-            <a:ext cx="1583431" cy="307777"/>
-          </a:xfrm>
-          <a:prstGeom prst="rect">
-            <a:avLst/>
-          </a:prstGeom>
-          <a:noFill/>
-        </p:spPr>
-        <p:txBody>
-          <a:bodyPr wrap="square" rtlCol="0">
-            <a:spAutoFit/>
-          </a:bodyPr>
-          <a:lstStyle/>
-          <a:p>
-            <a:pPr algn="ctr"/>
-            <a:r>
-              <a:rPr lang="it-IT" sz="1400" dirty="0">
-                <a:latin typeface="Arial" panose="020B0604020202020204" pitchFamily="34" charset="0"/>
-                <a:cs typeface="Arial" panose="020B0604020202020204" pitchFamily="34" charset="0"/>
-              </a:rPr>
-              <a:t>Matrice in input</a:t>
-            </a:r>
-          </a:p>
-        </p:txBody>
-      </p:sp>
-      <p:cxnSp>
-        <p:nvCxnSpPr>
-          <p:cNvPr id="23" name="Connettore 2 22">
-            <a:extLst>
-              <a:ext uri="{FF2B5EF4-FFF2-40B4-BE49-F238E27FC236}">
-                <a16:creationId xmlns:a16="http://schemas.microsoft.com/office/drawing/2014/main" id="{2166782C-E65B-4897-A2C6-3DA4F7EE81AF}"/>
-              </a:ext>
-            </a:extLst>
-          </p:cNvPr>
-          <p:cNvCxnSpPr>
-            <a:cxnSpLocks/>
-          </p:cNvCxnSpPr>
-          <p:nvPr/>
-        </p:nvCxnSpPr>
-        <p:spPr>
-          <a:xfrm>
-            <a:off x="2133939" y="5878046"/>
-            <a:ext cx="550509" cy="0"/>
-          </a:xfrm>
-          <a:prstGeom prst="straightConnector1">
-            <a:avLst/>
-          </a:prstGeom>
-          <a:ln>
-            <a:tailEnd type="triangle"/>
-          </a:ln>
-        </p:spPr>
-        <p:style>
-          <a:lnRef idx="2">
-            <a:schemeClr val="accent1"/>
-          </a:lnRef>
-          <a:fillRef idx="0">
-            <a:schemeClr val="accent1"/>
-          </a:fillRef>
-          <a:effectRef idx="1">
-            <a:schemeClr val="accent1"/>
-          </a:effectRef>
-          <a:fontRef idx="minor">
-            <a:schemeClr val="tx1"/>
-          </a:fontRef>
-        </p:style>
-      </p:cxnSp>
-    </p:spTree>
-    <p:extLst>
-      <p:ext uri="{BB962C8B-B14F-4D97-AF65-F5344CB8AC3E}">
-        <p14:creationId xmlns:p14="http://schemas.microsoft.com/office/powerpoint/2010/main" val="4237850848"/>
-      </p:ext>
-    </p:extLst>
-  </p:cSld>
-  <p:clrMapOvr>
-    <a:masterClrMapping/>
-  </p:clrMapOvr>
-</p:sld>
-</file>
-
-<file path=ppt/slides/slide11.xml><?xml version="1.0" encoding="utf-8"?>
-<p:sld xmlns:a="http://schemas.openxmlformats.org/drawingml/2006/main" xmlns:r="http://schemas.openxmlformats.org/officeDocument/2006/relationships" xmlns:p="http://schemas.openxmlformats.org/presentationml/2006/main">
-  <p:cSld>
-    <p:spTree>
-      <p:nvGrpSpPr>
-        <p:cNvPr id="1" name=""/>
-        <p:cNvGrpSpPr/>
-        <p:nvPr/>
-      </p:nvGrpSpPr>
-      <p:grpSpPr>
-        <a:xfrm>
-          <a:off x="0" y="0"/>
-          <a:ext cx="0" cy="0"/>
-          <a:chOff x="0" y="0"/>
-          <a:chExt cx="0" cy="0"/>
-        </a:xfrm>
-      </p:grpSpPr>
-      <p:pic>
-        <p:nvPicPr>
-          <p:cNvPr id="2" name="Immagine 1"/>
-          <p:cNvPicPr>
-            <a:picLocks noChangeAspect="1"/>
-          </p:cNvPicPr>
-          <p:nvPr/>
-        </p:nvPicPr>
-        <p:blipFill>
-          <a:blip r:embed="rId3"/>
-          <a:stretch>
-            <a:fillRect/>
-          </a:stretch>
-        </p:blipFill>
-        <p:spPr>
-          <a:xfrm>
-            <a:off x="-1" y="-19737"/>
-            <a:ext cx="9143817" cy="6872495"/>
-          </a:xfrm>
-          <a:prstGeom prst="rect">
-            <a:avLst/>
-          </a:prstGeom>
-        </p:spPr>
-      </p:pic>
-      <p:sp>
-        <p:nvSpPr>
-          <p:cNvPr id="7" name="CasellaDiTesto 6"/>
-          <p:cNvSpPr txBox="1"/>
-          <p:nvPr/>
-        </p:nvSpPr>
-        <p:spPr>
-          <a:xfrm>
-            <a:off x="9061" y="649703"/>
-            <a:ext cx="3705689" cy="461665"/>
-          </a:xfrm>
-          <a:prstGeom prst="rect">
-            <a:avLst/>
-          </a:prstGeom>
-          <a:noFill/>
-        </p:spPr>
-        <p:txBody>
-          <a:bodyPr wrap="square" rtlCol="0">
-            <a:spAutoFit/>
-          </a:bodyPr>
-          <a:lstStyle/>
-          <a:p>
-            <a:r>
-              <a:rPr lang="it-IT" sz="2400" b="1" dirty="0">
-                <a:solidFill>
-                  <a:schemeClr val="accent1">
-                    <a:lumMod val="75000"/>
-                  </a:schemeClr>
-                </a:solidFill>
-                <a:latin typeface="Arial"/>
-                <a:cs typeface="Arial"/>
-              </a:rPr>
-              <a:t>Criticità dell’algoritmo</a:t>
-            </a:r>
-          </a:p>
-        </p:txBody>
-      </p:sp>
-      <p:sp>
-        <p:nvSpPr>
-          <p:cNvPr id="12" name="Rettangolo 11"/>
-          <p:cNvSpPr/>
-          <p:nvPr/>
-        </p:nvSpPr>
-        <p:spPr>
-          <a:xfrm>
-            <a:off x="8255000" y="6366466"/>
-            <a:ext cx="280763" cy="501650"/>
-          </a:xfrm>
-          <a:prstGeom prst="rect">
-            <a:avLst/>
-          </a:prstGeom>
-          <a:solidFill>
-            <a:srgbClr val="003053"/>
-          </a:solidFill>
-        </p:spPr>
-        <p:style>
-          <a:lnRef idx="1">
-            <a:schemeClr val="accent1"/>
-          </a:lnRef>
-          <a:fillRef idx="3">
-            <a:schemeClr val="accent1"/>
-          </a:fillRef>
-          <a:effectRef idx="2">
-            <a:schemeClr val="accent1"/>
-          </a:effectRef>
-          <a:fontRef idx="minor">
-            <a:schemeClr val="lt1"/>
-          </a:fontRef>
-        </p:style>
-        <p:txBody>
-          <a:bodyPr rtlCol="0" anchor="ctr"/>
-          <a:lstStyle/>
-          <a:p>
-            <a:pPr algn="ctr"/>
-            <a:endParaRPr lang="it-IT">
-              <a:solidFill>
-                <a:srgbClr val="003257"/>
-              </a:solidFill>
-            </a:endParaRPr>
-          </a:p>
-        </p:txBody>
-      </p:sp>
-      <p:sp>
-        <p:nvSpPr>
-          <p:cNvPr id="11" name="Segnaposto numero diapositiva 10"/>
-          <p:cNvSpPr>
-            <a:spLocks noGrp="1"/>
-          </p:cNvSpPr>
-          <p:nvPr>
-            <p:ph type="sldNum" sz="quarter" idx="12"/>
-          </p:nvPr>
-        </p:nvSpPr>
-        <p:spPr>
-          <a:xfrm>
-            <a:off x="6402163" y="6356350"/>
-            <a:ext cx="2133600" cy="365125"/>
-          </a:xfrm>
-        </p:spPr>
-        <p:txBody>
-          <a:bodyPr/>
-          <a:lstStyle/>
-          <a:p>
-            <a:fld id="{8EB8520A-26EA-DE4B-B141-4532FC98FF0E}" type="slidenum">
-              <a:rPr lang="it-IT" b="1" smtClean="0">
-                <a:solidFill>
-                  <a:schemeClr val="bg1"/>
-                </a:solidFill>
-                <a:latin typeface="Arial"/>
-                <a:cs typeface="Arial"/>
-              </a:rPr>
-              <a:pPr/>
-              <a:t>11</a:t>
-            </a:fld>
-            <a:endParaRPr lang="it-IT" b="1" dirty="0">
-              <a:solidFill>
-                <a:schemeClr val="bg1"/>
-              </a:solidFill>
-              <a:latin typeface="Arial"/>
-              <a:cs typeface="Arial"/>
-            </a:endParaRPr>
-          </a:p>
-        </p:txBody>
-      </p:sp>
-      <p:sp>
-        <p:nvSpPr>
-          <p:cNvPr id="10" name="CasellaDiTesto 9"/>
-          <p:cNvSpPr txBox="1"/>
-          <p:nvPr/>
-        </p:nvSpPr>
-        <p:spPr>
-          <a:xfrm>
-            <a:off x="5735951" y="51433"/>
-            <a:ext cx="2957862" cy="215444"/>
-          </a:xfrm>
-          <a:prstGeom prst="rect">
-            <a:avLst/>
-          </a:prstGeom>
-          <a:noFill/>
-        </p:spPr>
-        <p:txBody>
-          <a:bodyPr wrap="none" rtlCol="0">
-            <a:spAutoFit/>
-          </a:bodyPr>
-          <a:lstStyle/>
-          <a:p>
-            <a:pPr algn="r"/>
-            <a:r>
-              <a:rPr lang="it-IT" sz="800" b="1" dirty="0">
-                <a:solidFill>
-                  <a:schemeClr val="bg1"/>
-                </a:solidFill>
-                <a:latin typeface="Arial"/>
-                <a:cs typeface="Arial"/>
-              </a:rPr>
-              <a:t>Applicazioni dell’algoritmica alla biologia: alberi evolutivi</a:t>
-            </a:r>
-          </a:p>
-        </p:txBody>
-      </p:sp>
-      <p:sp>
-        <p:nvSpPr>
-          <p:cNvPr id="14" name="CasellaDiTesto 13"/>
-          <p:cNvSpPr txBox="1"/>
-          <p:nvPr/>
-        </p:nvSpPr>
-        <p:spPr>
-          <a:xfrm>
-            <a:off x="7082015" y="403482"/>
-            <a:ext cx="1621846" cy="492443"/>
-          </a:xfrm>
-          <a:prstGeom prst="rect">
-            <a:avLst/>
-          </a:prstGeom>
-          <a:noFill/>
-        </p:spPr>
-        <p:txBody>
-          <a:bodyPr wrap="none" rtlCol="0">
-            <a:spAutoFit/>
-          </a:bodyPr>
-          <a:lstStyle/>
-          <a:p>
-            <a:pPr algn="r"/>
-            <a:r>
-              <a:rPr lang="it-IT" sz="800" dirty="0">
-                <a:solidFill>
-                  <a:schemeClr val="bg1"/>
-                </a:solidFill>
-                <a:latin typeface="Arial"/>
-                <a:cs typeface="Arial"/>
-              </a:rPr>
-              <a:t>Firenze, 12 luglio 2019</a:t>
-            </a:r>
-          </a:p>
-          <a:p>
-            <a:endParaRPr lang="it-IT" dirty="0"/>
-          </a:p>
-        </p:txBody>
-      </p:sp>
-      <mc:AlternateContent xmlns:mc="http://schemas.openxmlformats.org/markup-compatibility/2006">
-        <mc:Choice xmlns:a14="http://schemas.microsoft.com/office/drawing/2010/main" Requires="a14">
           <p:sp>
             <p:nvSpPr>
               <p:cNvPr id="32" name="CasellaDiTesto 31">
@@ -7023,7 +5726,7 @@
             </p:txBody>
           </p:sp>
         </mc:Choice>
-        <mc:Fallback>
+        <mc:Fallback xmlns="">
           <p:sp>
             <p:nvSpPr>
               <p:cNvPr id="32" name="CasellaDiTesto 31">
@@ -7107,8 +5810,8 @@
           </a:p>
         </p:txBody>
       </p:sp>
-      <mc:AlternateContent xmlns:mc="http://schemas.openxmlformats.org/markup-compatibility/2006">
-        <mc:Choice xmlns:a14="http://schemas.microsoft.com/office/drawing/2010/main" Requires="a14">
+      <mc:AlternateContent xmlns:mc="http://schemas.openxmlformats.org/markup-compatibility/2006" xmlns:a14="http://schemas.microsoft.com/office/drawing/2010/main">
+        <mc:Choice Requires="a14">
           <p:sp>
             <p:nvSpPr>
               <p:cNvPr id="24" name="CasellaDiTesto 23">
@@ -7185,7 +5888,7 @@
             </p:txBody>
           </p:sp>
         </mc:Choice>
-        <mc:Fallback>
+        <mc:Fallback xmlns="">
           <p:sp>
             <p:nvSpPr>
               <p:cNvPr id="24" name="CasellaDiTesto 23">
@@ -7418,7 +6121,7 @@
 </p:sld>
 </file>
 
-<file path=ppt/slides/slide12.xml><?xml version="1.0" encoding="utf-8"?>
+<file path=ppt/slides/slide11.xml><?xml version="1.0" encoding="utf-8"?>
 <p:sld xmlns:a="http://schemas.openxmlformats.org/drawingml/2006/main" xmlns:r="http://schemas.openxmlformats.org/officeDocument/2006/relationships" xmlns:p="http://schemas.openxmlformats.org/presentationml/2006/main">
   <p:cSld>
     <p:spTree>
@@ -7570,7 +6273,7 @@
                 <a:cs typeface="Arial"/>
               </a:rPr>
               <a:pPr/>
-              <a:t>12</a:t>
+              <a:t>11</a:t>
             </a:fld>
             <a:endParaRPr lang="it-IT" b="1" dirty="0">
               <a:solidFill>
@@ -8478,7 +7181,7 @@
 </p:sld>
 </file>
 
-<file path=ppt/slides/slide13.xml><?xml version="1.0" encoding="utf-8"?>
+<file path=ppt/slides/slide12.xml><?xml version="1.0" encoding="utf-8"?>
 <p:sld xmlns:a="http://schemas.openxmlformats.org/drawingml/2006/main" xmlns:r="http://schemas.openxmlformats.org/officeDocument/2006/relationships" xmlns:p="http://schemas.openxmlformats.org/presentationml/2006/main">
   <p:cSld>
     <p:spTree>
@@ -8630,7 +7333,7 @@
                 <a:cs typeface="Arial"/>
               </a:rPr>
               <a:pPr/>
-              <a:t>13</a:t>
+              <a:t>12</a:t>
             </a:fld>
             <a:endParaRPr lang="it-IT" b="1" dirty="0">
               <a:solidFill>
@@ -9955,7 +8658,7 @@
 </p:sld>
 </file>
 
-<file path=ppt/slides/slide14.xml><?xml version="1.0" encoding="utf-8"?>
+<file path=ppt/slides/slide13.xml><?xml version="1.0" encoding="utf-8"?>
 <p:sld xmlns:a="http://schemas.openxmlformats.org/drawingml/2006/main" xmlns:r="http://schemas.openxmlformats.org/officeDocument/2006/relationships" xmlns:p="http://schemas.openxmlformats.org/presentationml/2006/main">
   <p:cSld>
     <p:spTree>
@@ -10107,7 +8810,7 @@
                 <a:cs typeface="Arial"/>
               </a:rPr>
               <a:pPr/>
-              <a:t>14</a:t>
+              <a:t>13</a:t>
             </a:fld>
             <a:endParaRPr lang="it-IT" b="1" dirty="0">
               <a:solidFill>
@@ -10878,7 +9581,7 @@
 </p:sld>
 </file>
 
-<file path=ppt/slides/slide15.xml><?xml version="1.0" encoding="utf-8"?>
+<file path=ppt/slides/slide14.xml><?xml version="1.0" encoding="utf-8"?>
 <p:sld xmlns:a="http://schemas.openxmlformats.org/drawingml/2006/main" xmlns:r="http://schemas.openxmlformats.org/officeDocument/2006/relationships" xmlns:p="http://schemas.openxmlformats.org/presentationml/2006/main">
   <p:cSld>
     <p:spTree>
@@ -11030,7 +9733,7 @@
                 <a:cs typeface="Arial"/>
               </a:rPr>
               <a:pPr/>
-              <a:t>15</a:t>
+              <a:t>14</a:t>
             </a:fld>
             <a:endParaRPr lang="it-IT" b="1" dirty="0">
               <a:solidFill>
@@ -12242,7 +10945,7 @@
 </p:sld>
 </file>
 
-<file path=ppt/slides/slide16.xml><?xml version="1.0" encoding="utf-8"?>
+<file path=ppt/slides/slide15.xml><?xml version="1.0" encoding="utf-8"?>
 <p:sld xmlns:a="http://schemas.openxmlformats.org/drawingml/2006/main" xmlns:r="http://schemas.openxmlformats.org/officeDocument/2006/relationships" xmlns:p="http://schemas.openxmlformats.org/presentationml/2006/main">
   <p:cSld>
     <p:spTree>
@@ -12403,7 +11106,7 @@
                 <a:cs typeface="Arial"/>
               </a:rPr>
               <a:pPr/>
-              <a:t>16</a:t>
+              <a:t>15</a:t>
             </a:fld>
             <a:endParaRPr lang="it-IT" b="1" dirty="0">
               <a:solidFill>
@@ -13190,7 +11893,7 @@
 </p:sld>
 </file>
 
-<file path=ppt/slides/slide17.xml><?xml version="1.0" encoding="utf-8"?>
+<file path=ppt/slides/slide16.xml><?xml version="1.0" encoding="utf-8"?>
 <p:sld xmlns:a="http://schemas.openxmlformats.org/drawingml/2006/main" xmlns:r="http://schemas.openxmlformats.org/officeDocument/2006/relationships" xmlns:p="http://schemas.openxmlformats.org/presentationml/2006/main">
   <p:cSld>
     <p:spTree>
@@ -13351,7 +12054,7 @@
                 <a:cs typeface="Arial"/>
               </a:rPr>
               <a:pPr/>
-              <a:t>17</a:t>
+              <a:t>16</a:t>
             </a:fld>
             <a:endParaRPr lang="it-IT" b="1" dirty="0">
               <a:solidFill>
@@ -14690,7 +13393,7 @@
 </p:sld>
 </file>
 
-<file path=ppt/slides/slide18.xml><?xml version="1.0" encoding="utf-8"?>
+<file path=ppt/slides/slide17.xml><?xml version="1.0" encoding="utf-8"?>
 <p:sld xmlns:a="http://schemas.openxmlformats.org/drawingml/2006/main" xmlns:r="http://schemas.openxmlformats.org/officeDocument/2006/relationships" xmlns:p="http://schemas.openxmlformats.org/presentationml/2006/main">
   <p:cSld>
     <p:spTree>
@@ -14851,7 +13554,7 @@
                 <a:cs typeface="Arial"/>
               </a:rPr>
               <a:pPr/>
-              <a:t>18</a:t>
+              <a:t>17</a:t>
             </a:fld>
             <a:endParaRPr lang="it-IT" b="1" dirty="0">
               <a:solidFill>
@@ -16031,7 +14734,7 @@
 </p:sld>
 </file>
 
-<file path=ppt/slides/slide19.xml><?xml version="1.0" encoding="utf-8"?>
+<file path=ppt/slides/slide18.xml><?xml version="1.0" encoding="utf-8"?>
 <p:sld xmlns:a="http://schemas.openxmlformats.org/drawingml/2006/main" xmlns:r="http://schemas.openxmlformats.org/officeDocument/2006/relationships" xmlns:p="http://schemas.openxmlformats.org/presentationml/2006/main">
   <p:cSld>
     <p:spTree>
@@ -16192,7 +14895,7 @@
                 <a:cs typeface="Arial"/>
               </a:rPr>
               <a:pPr/>
-              <a:t>19</a:t>
+              <a:t>18</a:t>
             </a:fld>
             <a:endParaRPr lang="it-IT" b="1" dirty="0">
               <a:solidFill>
@@ -19668,8 +18371,8 @@
           </a:fontRef>
         </p:style>
       </p:cxnSp>
-      <mc:AlternateContent xmlns:mc="http://schemas.openxmlformats.org/markup-compatibility/2006">
-        <mc:Choice xmlns:a14="http://schemas.microsoft.com/office/drawing/2010/main" Requires="a14">
+      <mc:AlternateContent xmlns:mc="http://schemas.openxmlformats.org/markup-compatibility/2006" xmlns:a14="http://schemas.microsoft.com/office/drawing/2010/main">
+        <mc:Choice Requires="a14">
           <p:sp>
             <p:nvSpPr>
               <p:cNvPr id="23" name="CasellaDiTesto 22">
@@ -19799,7 +18502,7 @@
             </p:txBody>
           </p:sp>
         </mc:Choice>
-        <mc:Fallback>
+        <mc:Fallback xmlns="">
           <p:sp>
             <p:nvSpPr>
               <p:cNvPr id="23" name="CasellaDiTesto 22">
@@ -20344,8 +19047,8 @@
           </a:p>
         </p:txBody>
       </p:sp>
-      <mc:AlternateContent xmlns:mc="http://schemas.openxmlformats.org/markup-compatibility/2006">
-        <mc:Choice xmlns:a14="http://schemas.microsoft.com/office/drawing/2010/main" Requires="a14">
+      <mc:AlternateContent xmlns:mc="http://schemas.openxmlformats.org/markup-compatibility/2006" xmlns:a14="http://schemas.microsoft.com/office/drawing/2010/main">
+        <mc:Choice Requires="a14">
           <p:sp>
             <p:nvSpPr>
               <p:cNvPr id="16" name="CasellaDiTesto 15">
@@ -20435,7 +19138,7 @@
             </p:txBody>
           </p:sp>
         </mc:Choice>
-        <mc:Fallback>
+        <mc:Fallback xmlns="">
           <p:sp>
             <p:nvSpPr>
               <p:cNvPr id="16" name="CasellaDiTesto 15">
@@ -20556,8 +19259,8 @@
           </a:fontRef>
         </p:style>
       </p:cxnSp>
-      <mc:AlternateContent xmlns:mc="http://schemas.openxmlformats.org/markup-compatibility/2006">
-        <mc:Choice xmlns:a14="http://schemas.microsoft.com/office/drawing/2010/main" Requires="a14">
+      <mc:AlternateContent xmlns:mc="http://schemas.openxmlformats.org/markup-compatibility/2006" xmlns:a14="http://schemas.microsoft.com/office/drawing/2010/main">
+        <mc:Choice Requires="a14">
           <p:sp>
             <p:nvSpPr>
               <p:cNvPr id="21" name="CasellaDiTesto 20">
@@ -20661,7 +19364,7 @@
             </p:txBody>
           </p:sp>
         </mc:Choice>
-        <mc:Fallback>
+        <mc:Fallback xmlns="">
           <p:sp>
             <p:nvSpPr>
               <p:cNvPr id="21" name="CasellaDiTesto 20">
@@ -21735,8 +20438,8 @@
           </a:prstGeom>
         </p:spPr>
       </p:pic>
-      <mc:AlternateContent xmlns:mc="http://schemas.openxmlformats.org/markup-compatibility/2006">
-        <mc:Choice xmlns:a14="http://schemas.microsoft.com/office/drawing/2010/main" Requires="a14">
+      <mc:AlternateContent xmlns:mc="http://schemas.openxmlformats.org/markup-compatibility/2006" xmlns:a14="http://schemas.microsoft.com/office/drawing/2010/main">
+        <mc:Choice Requires="a14">
           <p:sp>
             <p:nvSpPr>
               <p:cNvPr id="43" name="CasellaDiTesto 42">
@@ -21819,7 +20522,7 @@
             </p:txBody>
           </p:sp>
         </mc:Choice>
-        <mc:Fallback>
+        <mc:Fallback xmlns="">
           <p:sp>
             <p:nvSpPr>
               <p:cNvPr id="43" name="CasellaDiTesto 42">
@@ -21902,8 +20605,8 @@
           </a:p>
         </p:txBody>
       </p:sp>
-      <mc:AlternateContent xmlns:mc="http://schemas.openxmlformats.org/markup-compatibility/2006">
-        <mc:Choice xmlns:a14="http://schemas.microsoft.com/office/drawing/2010/main" Requires="a14">
+      <mc:AlternateContent xmlns:mc="http://schemas.openxmlformats.org/markup-compatibility/2006" xmlns:a14="http://schemas.microsoft.com/office/drawing/2010/main">
+        <mc:Choice Requires="a14">
           <p:sp>
             <p:nvSpPr>
               <p:cNvPr id="54" name="CasellaDiTesto 53">
@@ -22076,7 +20779,7 @@
             </p:txBody>
           </p:sp>
         </mc:Choice>
-        <mc:Fallback>
+        <mc:Fallback xmlns="">
           <p:sp>
             <p:nvSpPr>
               <p:cNvPr id="54" name="CasellaDiTesto 53">
@@ -22720,8 +21423,8 @@
           </a:p>
         </p:txBody>
       </p:sp>
-      <mc:AlternateContent xmlns:mc="http://schemas.openxmlformats.org/markup-compatibility/2006">
-        <mc:Choice xmlns:a14="http://schemas.microsoft.com/office/drawing/2010/main" Requires="a14">
+      <mc:AlternateContent xmlns:mc="http://schemas.openxmlformats.org/markup-compatibility/2006" xmlns:a14="http://schemas.microsoft.com/office/drawing/2010/main">
+        <mc:Choice Requires="a14">
           <p:sp>
             <p:nvSpPr>
               <p:cNvPr id="33" name="CasellaDiTesto 32">
@@ -22845,7 +21548,7 @@
             </p:txBody>
           </p:sp>
         </mc:Choice>
-        <mc:Fallback>
+        <mc:Fallback xmlns="">
           <p:sp>
             <p:nvSpPr>
               <p:cNvPr id="33" name="CasellaDiTesto 32">
@@ -23007,8 +21710,8 @@
           </a:fontRef>
         </p:style>
       </p:cxnSp>
-      <mc:AlternateContent xmlns:mc="http://schemas.openxmlformats.org/markup-compatibility/2006">
-        <mc:Choice xmlns:a14="http://schemas.microsoft.com/office/drawing/2010/main" Requires="a14">
+      <mc:AlternateContent xmlns:mc="http://schemas.openxmlformats.org/markup-compatibility/2006" xmlns:a14="http://schemas.microsoft.com/office/drawing/2010/main">
+        <mc:Choice Requires="a14">
           <p:sp>
             <p:nvSpPr>
               <p:cNvPr id="17" name="CasellaDiTesto 16">
@@ -23103,7 +21806,7 @@
             </p:txBody>
           </p:sp>
         </mc:Choice>
-        <mc:Fallback>
+        <mc:Fallback xmlns="">
           <p:sp>
             <p:nvSpPr>
               <p:cNvPr id="17" name="CasellaDiTesto 16">
@@ -24598,11 +23301,11 @@
 <file path=ppt/tags/tag17.xml><?xml version="1.0" encoding="utf-8"?>
 <p:tagLst xmlns:a="http://schemas.openxmlformats.org/drawingml/2006/main" xmlns:r="http://schemas.openxmlformats.org/officeDocument/2006/relationships" xmlns:p="http://schemas.openxmlformats.org/presentationml/2006/main">
   <p:tag name="OUTPUTDPI" val="1200"/>
-  <p:tag name="ORIGINALHEIGHT" val="165,7293"/>
-  <p:tag name="ORIGINALWIDTH" val="737,9077"/>
-  <p:tag name="LATEXADDIN" val="\documentclass{article}&#10;\usepackage{amsmath}&#10;\pagestyle{empty}&#10;\begin{document}&#10;&#10;&#10;$\frac{D_{j,i}+D_{j,k}-D_{i,k}}{2}$&#10;&#10;\end{document}"/>
+  <p:tag name="ORIGINALHEIGHT" val="87,73905"/>
+  <p:tag name="ORIGINALWIDTH" val="149,9813"/>
+  <p:tag name="LATEXADDIN" val="\documentclass{article}&#10;\usepackage{amsmath}&#10;\pagestyle{empty}&#10;\begin{document}&#10;&#10;&#10;$D^\star$&#10;&#10;\end{document}"/>
   <p:tag name="IGUANATEXSIZE" val="14"/>
-  <p:tag name="IGUANATEXCURSOR" val="117"/>
+  <p:tag name="IGUANATEXCURSOR" val="90"/>
   <p:tag name="TRANSPARENCY" val="Vero"/>
   <p:tag name="FILENAME" val=""/>
   <p:tag name="LATEXENGINEID" val="0"/>
@@ -24636,11 +23339,11 @@
 <file path=ppt/tags/tag19.xml><?xml version="1.0" encoding="utf-8"?>
 <p:tagLst xmlns:a="http://schemas.openxmlformats.org/drawingml/2006/main" xmlns:r="http://schemas.openxmlformats.org/officeDocument/2006/relationships" xmlns:p="http://schemas.openxmlformats.org/presentationml/2006/main">
   <p:tag name="OUTPUTDPI" val="1200"/>
-  <p:tag name="ORIGINALHEIGHT" val="87,73905"/>
-  <p:tag name="ORIGINALWIDTH" val="149,9813"/>
-  <p:tag name="LATEXADDIN" val="\documentclass{article}&#10;\usepackage{amsmath}&#10;\pagestyle{empty}&#10;\begin{document}&#10;&#10;&#10;$D^\star$&#10;&#10;\end{document}"/>
-  <p:tag name="IGUANATEXSIZE" val="14"/>
-  <p:tag name="IGUANATEXCURSOR" val="90"/>
+  <p:tag name="ORIGINALHEIGHT" val="344,207"/>
+  <p:tag name="ORIGINALWIDTH" val="3557,555"/>
+  <p:tag name="LATEXADDIN" val="\documentclass{article}&#10;\usepackage{amsmath}&#10;\pagestyle{empty}&#10;\begin{document}&#10;&#10;\[\forall \,f,b\in D,\: \, D^\star(f,b)=(n-2)\cdot D(f,b)-\sum_{k=1}^{n}D(f,k)-\sum_{k=1}^{n}D(b,k)\]&#10;&#10;&#10;\end{document}"/>
+  <p:tag name="IGUANATEXSIZE" val="20"/>
+  <p:tag name="IGUANATEXCURSOR" val="182"/>
   <p:tag name="TRANSPARENCY" val="Vero"/>
   <p:tag name="FILENAME" val=""/>
   <p:tag name="LATEXENGINEID" val="0"/>
@@ -24674,11 +23377,11 @@
 <file path=ppt/tags/tag20.xml><?xml version="1.0" encoding="utf-8"?>
 <p:tagLst xmlns:a="http://schemas.openxmlformats.org/drawingml/2006/main" xmlns:r="http://schemas.openxmlformats.org/officeDocument/2006/relationships" xmlns:p="http://schemas.openxmlformats.org/presentationml/2006/main">
   <p:tag name="OUTPUTDPI" val="1200"/>
-  <p:tag name="ORIGINALHEIGHT" val="344,207"/>
-  <p:tag name="ORIGINALWIDTH" val="3557,555"/>
-  <p:tag name="LATEXADDIN" val="\documentclass{article}&#10;\usepackage{amsmath}&#10;\pagestyle{empty}&#10;\begin{document}&#10;&#10;\[\forall \,f,b\in D,\: \, D^\star(f,b)=(n-2)\cdot D(f,b)-\sum_{k=1}^{n}D(f,k)-\sum_{k=1}^{n}D(b,k)\]&#10;&#10;&#10;\end{document}"/>
-  <p:tag name="IGUANATEXSIZE" val="20"/>
-  <p:tag name="IGUANATEXCURSOR" val="182"/>
+  <p:tag name="ORIGINALHEIGHT" val="87,73905"/>
+  <p:tag name="ORIGINALWIDTH" val="149,9813"/>
+  <p:tag name="LATEXADDIN" val="\documentclass{article}&#10;\usepackage{amsmath}&#10;\pagestyle{empty}&#10;\begin{document}&#10;&#10;&#10;$D^\star$&#10;&#10;\end{document}"/>
+  <p:tag name="IGUANATEXSIZE" val="14"/>
+  <p:tag name="IGUANATEXCURSOR" val="90"/>
   <p:tag name="TRANSPARENCY" val="Vero"/>
   <p:tag name="FILENAME" val=""/>
   <p:tag name="LATEXENGINEID" val="0"/>
@@ -24712,25 +23415,6 @@
 <file path=ppt/tags/tag22.xml><?xml version="1.0" encoding="utf-8"?>
 <p:tagLst xmlns:a="http://schemas.openxmlformats.org/drawingml/2006/main" xmlns:r="http://schemas.openxmlformats.org/officeDocument/2006/relationships" xmlns:p="http://schemas.openxmlformats.org/presentationml/2006/main">
   <p:tag name="OUTPUTDPI" val="1200"/>
-  <p:tag name="ORIGINALHEIGHT" val="87,73905"/>
-  <p:tag name="ORIGINALWIDTH" val="149,9813"/>
-  <p:tag name="LATEXADDIN" val="\documentclass{article}&#10;\usepackage{amsmath}&#10;\pagestyle{empty}&#10;\begin{document}&#10;&#10;&#10;$D^\star$&#10;&#10;\end{document}"/>
-  <p:tag name="IGUANATEXSIZE" val="14"/>
-  <p:tag name="IGUANATEXCURSOR" val="90"/>
-  <p:tag name="TRANSPARENCY" val="Vero"/>
-  <p:tag name="FILENAME" val=""/>
-  <p:tag name="LATEXENGINEID" val="0"/>
-  <p:tag name="TEMPFOLDER" val="c:\temp\"/>
-  <p:tag name="LATEXFORMHEIGHT" val="312"/>
-  <p:tag name="LATEXFORMWIDTH" val="384"/>
-  <p:tag name="LATEXFORMWRAP" val="Vero"/>
-  <p:tag name="BITMAPVECTOR" val="0"/>
-</p:tagLst>
-</file>
-
-<file path=ppt/tags/tag23.xml><?xml version="1.0" encoding="utf-8"?>
-<p:tagLst xmlns:a="http://schemas.openxmlformats.org/drawingml/2006/main" xmlns:r="http://schemas.openxmlformats.org/officeDocument/2006/relationships" xmlns:p="http://schemas.openxmlformats.org/presentationml/2006/main">
-  <p:tag name="OUTPUTDPI" val="1200"/>
   <p:tag name="ORIGINALHEIGHT" val="140,9824"/>
   <p:tag name="ORIGINALWIDTH" val="588,6764"/>
   <p:tag name="LATEXADDIN" val="\documentclass{article}&#10;\usepackage{amsmath}&#10;\pagestyle{empty}&#10;\begin{document}&#10;&#10;$D^\star_{fb}=-16$&#10;&#10;&#10;\end{document}"/>
@@ -24747,7 +23431,7 @@
 </p:tagLst>
 </file>
 
-<file path=ppt/tags/tag24.xml><?xml version="1.0" encoding="utf-8"?>
+<file path=ppt/tags/tag23.xml><?xml version="1.0" encoding="utf-8"?>
 <p:tagLst xmlns:a="http://schemas.openxmlformats.org/drawingml/2006/main" xmlns:r="http://schemas.openxmlformats.org/officeDocument/2006/relationships" xmlns:p="http://schemas.openxmlformats.org/presentationml/2006/main">
   <p:tag name="OUTPUTDPI" val="1200"/>
   <p:tag name="ORIGINALHEIGHT" val="264,7169"/>
@@ -24766,7 +23450,7 @@
 </p:tagLst>
 </file>
 
-<file path=ppt/tags/tag25.xml><?xml version="1.0" encoding="utf-8"?>
+<file path=ppt/tags/tag24.xml><?xml version="1.0" encoding="utf-8"?>
 <p:tagLst xmlns:a="http://schemas.openxmlformats.org/drawingml/2006/main" xmlns:r="http://schemas.openxmlformats.org/officeDocument/2006/relationships" xmlns:p="http://schemas.openxmlformats.org/presentationml/2006/main">
   <p:tag name="OUTPUTDPI" val="1200"/>
   <p:tag name="ORIGINALHEIGHT" val="263,2171"/>
@@ -24785,7 +23469,7 @@
 </p:tagLst>
 </file>
 
-<file path=ppt/tags/tag26.xml><?xml version="1.0" encoding="utf-8"?>
+<file path=ppt/tags/tag25.xml><?xml version="1.0" encoding="utf-8"?>
 <p:tagLst xmlns:a="http://schemas.openxmlformats.org/drawingml/2006/main" xmlns:r="http://schemas.openxmlformats.org/officeDocument/2006/relationships" xmlns:p="http://schemas.openxmlformats.org/presentationml/2006/main">
   <p:tag name="OUTPUTDPI" val="1200"/>
   <p:tag name="ORIGINALHEIGHT" val="263,2171"/>
@@ -24804,7 +23488,7 @@
 </p:tagLst>
 </file>
 
-<file path=ppt/tags/tag27.xml><?xml version="1.0" encoding="utf-8"?>
+<file path=ppt/tags/tag26.xml><?xml version="1.0" encoding="utf-8"?>
 <p:tagLst xmlns:a="http://schemas.openxmlformats.org/drawingml/2006/main" xmlns:r="http://schemas.openxmlformats.org/officeDocument/2006/relationships" xmlns:p="http://schemas.openxmlformats.org/presentationml/2006/main">
   <p:tag name="OUTPUTDPI" val="1200"/>
   <p:tag name="ORIGINALHEIGHT" val="165,7293"/>
@@ -24823,7 +23507,7 @@
 </p:tagLst>
 </file>
 
-<file path=ppt/tags/tag28.xml><?xml version="1.0" encoding="utf-8"?>
+<file path=ppt/tags/tag27.xml><?xml version="1.0" encoding="utf-8"?>
 <p:tagLst xmlns:a="http://schemas.openxmlformats.org/drawingml/2006/main" xmlns:r="http://schemas.openxmlformats.org/officeDocument/2006/relationships" xmlns:p="http://schemas.openxmlformats.org/presentationml/2006/main">
   <p:tag name="OUTPUTDPI" val="1200"/>
   <p:tag name="ORIGINALHEIGHT" val="621,6723"/>
@@ -24842,7 +23526,7 @@
 </p:tagLst>
 </file>
 
-<file path=ppt/tags/tag29.xml><?xml version="1.0" encoding="utf-8"?>
+<file path=ppt/tags/tag28.xml><?xml version="1.0" encoding="utf-8"?>
 <p:tagLst xmlns:a="http://schemas.openxmlformats.org/drawingml/2006/main" xmlns:r="http://schemas.openxmlformats.org/officeDocument/2006/relationships" xmlns:p="http://schemas.openxmlformats.org/presentationml/2006/main">
   <p:tag name="OUTPUTDPI" val="1200"/>
   <p:tag name="ORIGINALHEIGHT" val="87,73905"/>
@@ -24850,6 +23534,25 @@
   <p:tag name="LATEXADDIN" val="\documentclass{article}&#10;\usepackage{amsmath}&#10;\pagestyle{empty}&#10;\begin{document}&#10;&#10;&#10;$D^\star$&#10;&#10;\end{document}"/>
   <p:tag name="IGUANATEXSIZE" val="14"/>
   <p:tag name="IGUANATEXCURSOR" val="90"/>
+  <p:tag name="TRANSPARENCY" val="Vero"/>
+  <p:tag name="FILENAME" val=""/>
+  <p:tag name="LATEXENGINEID" val="0"/>
+  <p:tag name="TEMPFOLDER" val="c:\temp\"/>
+  <p:tag name="LATEXFORMHEIGHT" val="312"/>
+  <p:tag name="LATEXFORMWIDTH" val="384"/>
+  <p:tag name="LATEXFORMWRAP" val="Vero"/>
+  <p:tag name="BITMAPVECTOR" val="0"/>
+</p:tagLst>
+</file>
+
+<file path=ppt/tags/tag29.xml><?xml version="1.0" encoding="utf-8"?>
+<p:tagLst xmlns:a="http://schemas.openxmlformats.org/drawingml/2006/main" xmlns:r="http://schemas.openxmlformats.org/officeDocument/2006/relationships" xmlns:p="http://schemas.openxmlformats.org/presentationml/2006/main">
+  <p:tag name="OUTPUTDPI" val="1200"/>
+  <p:tag name="ORIGINALHEIGHT" val="140,9824"/>
+  <p:tag name="ORIGINALWIDTH" val="1808,024"/>
+  <p:tag name="LATEXADDIN" val="\documentclass{article}&#10;\usepackage{amsmath}&#10;\pagestyle{empty}&#10;\begin{document}&#10;&#10; \[T(step1)=O(n) \times O(n)=O(n^2)\]&#10;&#10;&#10;\end{document}"/>
+  <p:tag name="IGUANATEXSIZE" val="20"/>
+  <p:tag name="IGUANATEXCURSOR" val="118"/>
   <p:tag name="TRANSPARENCY" val="Vero"/>
   <p:tag name="FILENAME" val=""/>
   <p:tag name="LATEXENGINEID" val="0"/>
@@ -24883,25 +23586,6 @@
 <file path=ppt/tags/tag30.xml><?xml version="1.0" encoding="utf-8"?>
 <p:tagLst xmlns:a="http://schemas.openxmlformats.org/drawingml/2006/main" xmlns:r="http://schemas.openxmlformats.org/officeDocument/2006/relationships" xmlns:p="http://schemas.openxmlformats.org/presentationml/2006/main">
   <p:tag name="OUTPUTDPI" val="1200"/>
-  <p:tag name="ORIGINALHEIGHT" val="140,9824"/>
-  <p:tag name="ORIGINALWIDTH" val="1808,024"/>
-  <p:tag name="LATEXADDIN" val="\documentclass{article}&#10;\usepackage{amsmath}&#10;\pagestyle{empty}&#10;\begin{document}&#10;&#10; \[T(step1)=O(n) \times O(n)=O(n^2)\]&#10;&#10;&#10;\end{document}"/>
-  <p:tag name="IGUANATEXSIZE" val="20"/>
-  <p:tag name="IGUANATEXCURSOR" val="118"/>
-  <p:tag name="TRANSPARENCY" val="Vero"/>
-  <p:tag name="FILENAME" val=""/>
-  <p:tag name="LATEXENGINEID" val="0"/>
-  <p:tag name="TEMPFOLDER" val="c:\temp\"/>
-  <p:tag name="LATEXFORMHEIGHT" val="312"/>
-  <p:tag name="LATEXFORMWIDTH" val="384"/>
-  <p:tag name="LATEXFORMWRAP" val="Vero"/>
-  <p:tag name="BITMAPVECTOR" val="0"/>
-</p:tagLst>
-</file>
-
-<file path=ppt/tags/tag31.xml><?xml version="1.0" encoding="utf-8"?>
-<p:tagLst xmlns:a="http://schemas.openxmlformats.org/drawingml/2006/main" xmlns:r="http://schemas.openxmlformats.org/officeDocument/2006/relationships" xmlns:p="http://schemas.openxmlformats.org/presentationml/2006/main">
-  <p:tag name="OUTPUTDPI" val="1200"/>
   <p:tag name="ORIGINALHEIGHT" val="125,2343"/>
   <p:tag name="ORIGINALWIDTH" val="894,6382"/>
   <p:tag name="LATEXADDIN" val="\documentclass{article}&#10;\usepackage{amsmath}&#10;\pagestyle{empty}&#10;\begin{document}&#10;&#10;\[T(step2)=O(n)\] &#10;&#10;&#10;\end{document}"/>
@@ -24918,7 +23602,7 @@
 </p:tagLst>
 </file>
 
-<file path=ppt/tags/tag32.xml><?xml version="1.0" encoding="utf-8"?>
+<file path=ppt/tags/tag31.xml><?xml version="1.0" encoding="utf-8"?>
 <p:tagLst xmlns:a="http://schemas.openxmlformats.org/drawingml/2006/main" xmlns:r="http://schemas.openxmlformats.org/officeDocument/2006/relationships" xmlns:p="http://schemas.openxmlformats.org/presentationml/2006/main">
   <p:tag name="OUTPUTDPI" val="1200"/>
   <p:tag name="ORIGINALHEIGHT" val="140,9824"/>
@@ -24937,7 +23621,7 @@
 </p:tagLst>
 </file>
 
-<file path=ppt/tags/tag33.xml><?xml version="1.0" encoding="utf-8"?>
+<file path=ppt/tags/tag32.xml><?xml version="1.0" encoding="utf-8"?>
 <p:tagLst xmlns:a="http://schemas.openxmlformats.org/drawingml/2006/main" xmlns:r="http://schemas.openxmlformats.org/officeDocument/2006/relationships" xmlns:p="http://schemas.openxmlformats.org/presentationml/2006/main">
   <p:tag name="OUTPUTDPI" val="1200"/>
   <p:tag name="ORIGINALHEIGHT" val="140,9824"/>
@@ -24956,7 +23640,7 @@
 </p:tagLst>
 </file>
 
-<file path=ppt/tags/tag34.xml><?xml version="1.0" encoding="utf-8"?>
+<file path=ppt/tags/tag33.xml><?xml version="1.0" encoding="utf-8"?>
 <p:tagLst xmlns:a="http://schemas.openxmlformats.org/drawingml/2006/main" xmlns:r="http://schemas.openxmlformats.org/officeDocument/2006/relationships" xmlns:p="http://schemas.openxmlformats.org/presentationml/2006/main">
   <p:tag name="OUTPUTDPI" val="1200"/>
   <p:tag name="ORIGINALHEIGHT" val="254,2182"/>
@@ -24975,7 +23659,7 @@
 </p:tagLst>
 </file>
 
-<file path=ppt/tags/tag35.xml><?xml version="1.0" encoding="utf-8"?>
+<file path=ppt/tags/tag34.xml><?xml version="1.0" encoding="utf-8"?>
 <p:tagLst xmlns:a="http://schemas.openxmlformats.org/drawingml/2006/main" xmlns:r="http://schemas.openxmlformats.org/officeDocument/2006/relationships" xmlns:p="http://schemas.openxmlformats.org/presentationml/2006/main">
   <p:tag name="OUTPUTDPI" val="1200"/>
   <p:tag name="ORIGINALHEIGHT" val="125,2343"/>
@@ -24994,7 +23678,7 @@
 </p:tagLst>
 </file>
 
-<file path=ppt/tags/tag36.xml><?xml version="1.0" encoding="utf-8"?>
+<file path=ppt/tags/tag35.xml><?xml version="1.0" encoding="utf-8"?>
 <p:tagLst xmlns:a="http://schemas.openxmlformats.org/drawingml/2006/main" xmlns:r="http://schemas.openxmlformats.org/officeDocument/2006/relationships" xmlns:p="http://schemas.openxmlformats.org/presentationml/2006/main">
   <p:tag name="OUTPUTDPI" val="1200"/>
   <p:tag name="ORIGINALHEIGHT" val="125,2343"/>
@@ -25013,7 +23697,7 @@
 </p:tagLst>
 </file>
 
-<file path=ppt/tags/tag37.xml><?xml version="1.0" encoding="utf-8"?>
+<file path=ppt/tags/tag36.xml><?xml version="1.0" encoding="utf-8"?>
 <p:tagLst xmlns:a="http://schemas.openxmlformats.org/drawingml/2006/main" xmlns:r="http://schemas.openxmlformats.org/officeDocument/2006/relationships" xmlns:p="http://schemas.openxmlformats.org/presentationml/2006/main">
   <p:tag name="OUTPUTDPI" val="1200"/>
   <p:tag name="ORIGINALHEIGHT" val="254,2182"/>
@@ -25032,7 +23716,7 @@
 </p:tagLst>
 </file>
 
-<file path=ppt/tags/tag38.xml><?xml version="1.0" encoding="utf-8"?>
+<file path=ppt/tags/tag37.xml><?xml version="1.0" encoding="utf-8"?>
 <p:tagLst xmlns:a="http://schemas.openxmlformats.org/drawingml/2006/main" xmlns:r="http://schemas.openxmlformats.org/officeDocument/2006/relationships" xmlns:p="http://schemas.openxmlformats.org/presentationml/2006/main">
   <p:tag name="OUTPUTDPI" val="1200"/>
   <p:tag name="ORIGINALHEIGHT" val="254,2182"/>
@@ -25051,7 +23735,7 @@
 </p:tagLst>
 </file>
 
-<file path=ppt/tags/tag39.xml><?xml version="1.0" encoding="utf-8"?>
+<file path=ppt/tags/tag38.xml><?xml version="1.0" encoding="utf-8"?>
 <p:tagLst xmlns:a="http://schemas.openxmlformats.org/drawingml/2006/main" xmlns:r="http://schemas.openxmlformats.org/officeDocument/2006/relationships" xmlns:p="http://schemas.openxmlformats.org/presentationml/2006/main">
   <p:tag name="OUTPUTDPI" val="1200"/>
   <p:tag name="ORIGINALHEIGHT" val="140,9824"/>

--- a/Discussione Laurea/Slides v.1.0.pptx
+++ b/Discussione Laurea/Slides v.1.0.pptx
@@ -11831,7 +11831,7 @@
         </p:blipFill>
         <p:spPr>
           <a:xfrm>
-            <a:off x="6071538" y="5446385"/>
+            <a:off x="5911518" y="5446385"/>
             <a:ext cx="3035807" cy="327956"/>
           </a:xfrm>
           <a:prstGeom prst="rect">
@@ -11855,7 +11855,7 @@
         </p:nvCxnSpPr>
         <p:spPr>
           <a:xfrm>
-            <a:off x="7589441" y="4939698"/>
+            <a:off x="7429421" y="4939698"/>
             <a:ext cx="1" cy="506687"/>
           </a:xfrm>
           <a:prstGeom prst="straightConnector1">
@@ -11926,7 +11926,7 @@
         </p:blipFill>
         <p:spPr>
           <a:xfrm>
-            <a:off x="183" y="3123"/>
+            <a:off x="183" y="-8307"/>
             <a:ext cx="9143817" cy="6872495"/>
           </a:xfrm>
           <a:prstGeom prst="rect">
@@ -13110,8 +13110,8 @@
         </p:blipFill>
         <p:spPr>
           <a:xfrm>
-            <a:off x="3517486" y="3647322"/>
-            <a:ext cx="1922596" cy="391873"/>
+            <a:off x="3381711" y="3651055"/>
+            <a:ext cx="2194143" cy="447221"/>
           </a:xfrm>
           <a:prstGeom prst="rect">
             <a:avLst/>
@@ -13145,7 +13145,7 @@
         <p:spPr>
           <a:xfrm>
             <a:off x="34719" y="4429320"/>
-            <a:ext cx="3712870" cy="178551"/>
+            <a:ext cx="4287608" cy="206190"/>
           </a:xfrm>
           <a:prstGeom prst="rect">
             <a:avLst/>
@@ -13220,8 +13220,8 @@
         </p:blipFill>
         <p:spPr>
           <a:xfrm>
-            <a:off x="5357685" y="4429320"/>
-            <a:ext cx="3751596" cy="178886"/>
+            <a:off x="4785066" y="4429320"/>
+            <a:ext cx="4324215" cy="206190"/>
           </a:xfrm>
           <a:prstGeom prst="rect">
             <a:avLst/>
@@ -13245,8 +13245,8 @@
         </p:nvCxnSpPr>
         <p:spPr>
           <a:xfrm rot="10800000" flipV="1">
-            <a:off x="1891155" y="3843258"/>
-            <a:ext cx="1482361" cy="586061"/>
+            <a:off x="2178524" y="3883282"/>
+            <a:ext cx="1043091" cy="546037"/>
           </a:xfrm>
           <a:prstGeom prst="bentConnector2">
             <a:avLst/>
@@ -13287,8 +13287,8 @@
         </p:nvCxnSpPr>
         <p:spPr>
           <a:xfrm>
-            <a:off x="5584052" y="3856211"/>
-            <a:ext cx="1649431" cy="573109"/>
+            <a:off x="5735951" y="3874665"/>
+            <a:ext cx="1211223" cy="554655"/>
           </a:xfrm>
           <a:prstGeom prst="bentConnector2">
             <a:avLst/>
@@ -13334,8 +13334,8 @@
         </p:blipFill>
         <p:spPr>
           <a:xfrm>
-            <a:off x="2623052" y="5524608"/>
-            <a:ext cx="3897896" cy="1139772"/>
+            <a:off x="2534559" y="5472856"/>
+            <a:ext cx="4074882" cy="1191524"/>
           </a:xfrm>
           <a:prstGeom prst="rect">
             <a:avLst/>
@@ -15374,7 +15374,7 @@
         <p:spPr>
           <a:xfrm>
             <a:off x="-7109" y="4440250"/>
-            <a:ext cx="9143817" cy="307777"/>
+            <a:ext cx="9143817" cy="400110"/>
           </a:xfrm>
           <a:prstGeom prst="rect">
             <a:avLst/>
@@ -15389,11 +15389,11 @@
           <a:p>
             <a:pPr algn="ctr"/>
             <a:r>
-              <a:rPr lang="it-IT" sz="1400" b="1" dirty="0">
+              <a:rPr lang="it-IT" sz="2000" b="1" dirty="0">
                 <a:latin typeface="Arial" panose="020B0604020202020204" pitchFamily="34" charset="0"/>
                 <a:cs typeface="Arial" panose="020B0604020202020204" pitchFamily="34" charset="0"/>
               </a:rPr>
-              <a:t>La discussione è terminata!</a:t>
+              <a:t>La presentazione è terminata!</a:t>
             </a:r>
           </a:p>
         </p:txBody>

--- a/Discussione Laurea/Slides v.1.0.pptx
+++ b/Discussione Laurea/Slides v.1.0.pptx
@@ -19654,7 +19654,7 @@
         </p:blipFill>
         <p:spPr>
           <a:xfrm>
-            <a:off x="-1" y="3123"/>
+            <a:off x="-2368" y="-7099"/>
             <a:ext cx="9143817" cy="6872495"/>
           </a:xfrm>
           <a:prstGeom prst="rect">
@@ -20000,7 +20000,7 @@
         </p:blipFill>
         <p:spPr>
           <a:xfrm>
-            <a:off x="4897922" y="2037743"/>
+            <a:off x="4897922" y="2084009"/>
             <a:ext cx="1581643" cy="226504"/>
           </a:xfrm>
           <a:prstGeom prst="rect">
@@ -20396,8 +20396,8 @@
         </p:blipFill>
         <p:spPr>
           <a:xfrm>
-            <a:off x="3351646" y="4131647"/>
-            <a:ext cx="1676190" cy="248381"/>
+            <a:off x="3291926" y="4131647"/>
+            <a:ext cx="1735910" cy="257230"/>
           </a:xfrm>
           <a:prstGeom prst="rect">
             <a:avLst/>
@@ -20430,8 +20430,8 @@
         </p:blipFill>
         <p:spPr>
           <a:xfrm>
-            <a:off x="414919" y="4731441"/>
-            <a:ext cx="1971809" cy="339810"/>
+            <a:off x="70297" y="4731440"/>
+            <a:ext cx="2517290" cy="433815"/>
           </a:xfrm>
           <a:prstGeom prst="rect">
             <a:avLst/>
@@ -20605,8 +20605,8 @@
           </a:p>
         </p:txBody>
       </p:sp>
-      <mc:AlternateContent xmlns:mc="http://schemas.openxmlformats.org/markup-compatibility/2006" xmlns:a14="http://schemas.microsoft.com/office/drawing/2010/main">
-        <mc:Choice Requires="a14">
+      <mc:AlternateContent xmlns:mc="http://schemas.openxmlformats.org/markup-compatibility/2006">
+        <mc:Choice xmlns:a14="http://schemas.microsoft.com/office/drawing/2010/main" Requires="a14">
           <p:sp>
             <p:nvSpPr>
               <p:cNvPr id="54" name="CasellaDiTesto 53">
@@ -20621,7 +20621,7 @@
             </p:nvSpPr>
             <p:spPr>
               <a:xfrm>
-                <a:off x="-23705" y="5568179"/>
+                <a:off x="12111" y="5898328"/>
                 <a:ext cx="3028950" cy="557076"/>
               </a:xfrm>
               <a:prstGeom prst="rect">
@@ -20779,7 +20779,7 @@
             </p:txBody>
           </p:sp>
         </mc:Choice>
-        <mc:Fallback xmlns="">
+        <mc:Fallback>
           <p:sp>
             <p:nvSpPr>
               <p:cNvPr id="54" name="CasellaDiTesto 53">
@@ -20796,7 +20796,7 @@
             </p:nvSpPr>
             <p:spPr>
               <a:xfrm>
-                <a:off x="-23705" y="5568179"/>
+                <a:off x="12111" y="5898328"/>
                 <a:ext cx="3028950" cy="557076"/>
               </a:xfrm>
               <a:prstGeom prst="rect">
@@ -20805,7 +20805,7 @@
               <a:blipFill>
                 <a:blip r:embed="rId16"/>
                 <a:stretch>
-                  <a:fillRect l="-604" t="-1087" b="-7609"/>
+                  <a:fillRect l="-604" t="-2198" b="-7692"/>
                 </a:stretch>
               </a:blipFill>
             </p:spPr>
@@ -20961,13 +20961,13 @@
             </a:extLst>
           </p:cNvPr>
           <p:cNvCxnSpPr>
-            <a:stCxn id="42" idx="2"/>
+            <a:cxnSpLocks/>
           </p:cNvCxnSpPr>
           <p:nvPr/>
         </p:nvCxnSpPr>
         <p:spPr>
           <a:xfrm flipH="1">
-            <a:off x="1400823" y="5071251"/>
+            <a:off x="1472287" y="5236325"/>
             <a:ext cx="1" cy="496928"/>
           </a:xfrm>
           <a:prstGeom prst="straightConnector1">
@@ -21038,7 +21038,7 @@
         </p:blipFill>
         <p:spPr>
           <a:xfrm>
-            <a:off x="-1" y="3123"/>
+            <a:off x="-2368" y="-3065"/>
             <a:ext cx="9143817" cy="6872495"/>
           </a:xfrm>
           <a:prstGeom prst="rect">
@@ -21371,8 +21371,8 @@
         </p:blipFill>
         <p:spPr>
           <a:xfrm>
-            <a:off x="2668323" y="1906143"/>
-            <a:ext cx="2347461" cy="1944210"/>
+            <a:off x="2668322" y="1737411"/>
+            <a:ext cx="2671159" cy="2212303"/>
           </a:xfrm>
           <a:prstGeom prst="rect">
             <a:avLst/>
@@ -21641,12 +21641,12 @@
         </p:nvCxnSpPr>
         <p:spPr>
           <a:xfrm flipV="1">
-            <a:off x="5015784" y="2007382"/>
-            <a:ext cx="1433727" cy="870866"/>
+            <a:off x="5339481" y="2007382"/>
+            <a:ext cx="1110030" cy="836181"/>
           </a:xfrm>
           <a:prstGeom prst="bentConnector3">
             <a:avLst>
-              <a:gd name="adj1" fmla="val 50000"/>
+              <a:gd name="adj1" fmla="val 32495"/>
             </a:avLst>
           </a:prstGeom>
           <a:ln>
@@ -21915,8 +21915,8 @@
         </p:blipFill>
         <p:spPr>
           <a:xfrm>
-            <a:off x="2053711" y="4733355"/>
-            <a:ext cx="3576683" cy="1944211"/>
+            <a:off x="1957704" y="4654556"/>
+            <a:ext cx="3866609" cy="2101809"/>
           </a:xfrm>
           <a:prstGeom prst="rect">
             <a:avLst/>
@@ -21933,6 +21933,7 @@
             </a:extLst>
           </p:cNvPr>
           <p:cNvCxnSpPr>
+            <a:cxnSpLocks/>
             <a:stCxn id="17" idx="1"/>
             <a:endCxn id="16" idx="3"/>
           </p:cNvCxnSpPr>
@@ -21940,8 +21941,8 @@
         </p:nvCxnSpPr>
         <p:spPr>
           <a:xfrm flipH="1">
-            <a:off x="5630394" y="5705461"/>
-            <a:ext cx="447660" cy="0"/>
+            <a:off x="5824313" y="5705461"/>
+            <a:ext cx="253741" cy="0"/>
           </a:xfrm>
           <a:prstGeom prst="straightConnector1">
             <a:avLst/>

--- a/Discussione Laurea/Slides v.1.0.pptx
+++ b/Discussione Laurea/Slides v.1.0.pptx
@@ -229,7 +229,7 @@
             <a:fld id="{45BF3CCC-77DD-F84F-A249-CA3C5045A043}" type="datetime1">
               <a:rPr lang="it-IT" smtClean="0"/>
               <a:pPr/>
-              <a:t>03/07/2019</a:t>
+              <a:t>04/07/2019</a:t>
             </a:fld>
             <a:endParaRPr lang="it-IT"/>
           </a:p>
@@ -397,7 +397,7 @@
             <a:fld id="{FE692227-D6DC-FD45-9507-DB2BAD58473C}" type="datetime1">
               <a:rPr lang="it-IT" smtClean="0"/>
               <a:pPr/>
-              <a:t>03/07/2019</a:t>
+              <a:t>04/07/2019</a:t>
             </a:fld>
             <a:endParaRPr lang="it-IT"/>
           </a:p>
@@ -2291,7 +2291,7 @@
             <a:fld id="{AD8BF249-6BAC-CD40-AAE9-334F110649E5}" type="datetimeFigureOut">
               <a:rPr lang="it-IT" smtClean="0"/>
               <a:pPr/>
-              <a:t>03/07/2019</a:t>
+              <a:t>04/07/2019</a:t>
             </a:fld>
             <a:endParaRPr lang="it-IT"/>
           </a:p>
@@ -2461,7 +2461,7 @@
             <a:fld id="{AD8BF249-6BAC-CD40-AAE9-334F110649E5}" type="datetimeFigureOut">
               <a:rPr lang="it-IT" smtClean="0"/>
               <a:pPr/>
-              <a:t>03/07/2019</a:t>
+              <a:t>04/07/2019</a:t>
             </a:fld>
             <a:endParaRPr lang="it-IT"/>
           </a:p>
@@ -2641,7 +2641,7 @@
             <a:fld id="{AD8BF249-6BAC-CD40-AAE9-334F110649E5}" type="datetimeFigureOut">
               <a:rPr lang="it-IT" smtClean="0"/>
               <a:pPr/>
-              <a:t>03/07/2019</a:t>
+              <a:t>04/07/2019</a:t>
             </a:fld>
             <a:endParaRPr lang="it-IT"/>
           </a:p>
@@ -2811,7 +2811,7 @@
             <a:fld id="{AD8BF249-6BAC-CD40-AAE9-334F110649E5}" type="datetimeFigureOut">
               <a:rPr lang="it-IT" smtClean="0"/>
               <a:pPr/>
-              <a:t>03/07/2019</a:t>
+              <a:t>04/07/2019</a:t>
             </a:fld>
             <a:endParaRPr lang="it-IT"/>
           </a:p>
@@ -3058,7 +3058,7 @@
             <a:fld id="{AD8BF249-6BAC-CD40-AAE9-334F110649E5}" type="datetimeFigureOut">
               <a:rPr lang="it-IT" smtClean="0"/>
               <a:pPr/>
-              <a:t>03/07/2019</a:t>
+              <a:t>04/07/2019</a:t>
             </a:fld>
             <a:endParaRPr lang="it-IT"/>
           </a:p>
@@ -3345,7 +3345,7 @@
             <a:fld id="{AD8BF249-6BAC-CD40-AAE9-334F110649E5}" type="datetimeFigureOut">
               <a:rPr lang="it-IT" smtClean="0"/>
               <a:pPr/>
-              <a:t>03/07/2019</a:t>
+              <a:t>04/07/2019</a:t>
             </a:fld>
             <a:endParaRPr lang="it-IT"/>
           </a:p>
@@ -3766,7 +3766,7 @@
             <a:fld id="{AD8BF249-6BAC-CD40-AAE9-334F110649E5}" type="datetimeFigureOut">
               <a:rPr lang="it-IT" smtClean="0"/>
               <a:pPr/>
-              <a:t>03/07/2019</a:t>
+              <a:t>04/07/2019</a:t>
             </a:fld>
             <a:endParaRPr lang="it-IT"/>
           </a:p>
@@ -3885,7 +3885,7 @@
             <a:fld id="{AD8BF249-6BAC-CD40-AAE9-334F110649E5}" type="datetimeFigureOut">
               <a:rPr lang="it-IT" smtClean="0"/>
               <a:pPr/>
-              <a:t>03/07/2019</a:t>
+              <a:t>04/07/2019</a:t>
             </a:fld>
             <a:endParaRPr lang="it-IT"/>
           </a:p>
@@ -3982,7 +3982,7 @@
             <a:fld id="{AD8BF249-6BAC-CD40-AAE9-334F110649E5}" type="datetimeFigureOut">
               <a:rPr lang="it-IT" smtClean="0"/>
               <a:pPr/>
-              <a:t>03/07/2019</a:t>
+              <a:t>04/07/2019</a:t>
             </a:fld>
             <a:endParaRPr lang="it-IT"/>
           </a:p>
@@ -4259,7 +4259,7 @@
             <a:fld id="{AD8BF249-6BAC-CD40-AAE9-334F110649E5}" type="datetimeFigureOut">
               <a:rPr lang="it-IT" smtClean="0"/>
               <a:pPr/>
-              <a:t>03/07/2019</a:t>
+              <a:t>04/07/2019</a:t>
             </a:fld>
             <a:endParaRPr lang="it-IT"/>
           </a:p>
@@ -4513,7 +4513,7 @@
             <a:fld id="{AD8BF249-6BAC-CD40-AAE9-334F110649E5}" type="datetimeFigureOut">
               <a:rPr lang="it-IT" smtClean="0"/>
               <a:pPr/>
-              <a:t>03/07/2019</a:t>
+              <a:t>04/07/2019</a:t>
             </a:fld>
             <a:endParaRPr lang="it-IT"/>
           </a:p>
@@ -4726,7 +4726,7 @@
             <a:fld id="{AD8BF249-6BAC-CD40-AAE9-334F110649E5}" type="datetimeFigureOut">
               <a:rPr lang="it-IT" smtClean="0"/>
               <a:pPr/>
-              <a:t>03/07/2019</a:t>
+              <a:t>04/07/2019</a:t>
             </a:fld>
             <a:endParaRPr lang="it-IT"/>
           </a:p>
@@ -20605,8 +20605,8 @@
           </a:p>
         </p:txBody>
       </p:sp>
-      <mc:AlternateContent xmlns:mc="http://schemas.openxmlformats.org/markup-compatibility/2006">
-        <mc:Choice xmlns:a14="http://schemas.microsoft.com/office/drawing/2010/main" Requires="a14">
+      <mc:AlternateContent xmlns:mc="http://schemas.openxmlformats.org/markup-compatibility/2006" xmlns:a14="http://schemas.microsoft.com/office/drawing/2010/main">
+        <mc:Choice Requires="a14">
           <p:sp>
             <p:nvSpPr>
               <p:cNvPr id="54" name="CasellaDiTesto 53">
@@ -20779,7 +20779,7 @@
             </p:txBody>
           </p:sp>
         </mc:Choice>
-        <mc:Fallback>
+        <mc:Fallback xmlns="">
           <p:sp>
             <p:nvSpPr>
               <p:cNvPr id="54" name="CasellaDiTesto 53">
@@ -22005,7 +22005,7 @@
           <p:nvPr/>
         </p:nvPicPr>
         <p:blipFill>
-          <a:blip r:embed="rId8"/>
+          <a:blip r:embed="rId7"/>
           <a:stretch>
             <a:fillRect/>
           </a:stretch>
@@ -22275,7 +22275,7 @@
           </p:nvPr>
         </p:nvPicPr>
         <p:blipFill>
-          <a:blip r:embed="rId9"/>
+          <a:blip r:embed="rId8"/>
           <a:stretch>
             <a:fillRect/>
           </a:stretch>
@@ -22305,7 +22305,7 @@
           <p:nvPr/>
         </p:nvPicPr>
         <p:blipFill rotWithShape="1">
-          <a:blip r:embed="rId10"/>
+          <a:blip r:embed="rId9"/>
           <a:srcRect l="903" t="570" r="1103"/>
           <a:stretch/>
         </p:blipFill>
@@ -22647,8 +22647,8 @@
           </a:p>
         </p:txBody>
       </p:sp>
-      <mc:AlternateContent xmlns:mc="http://schemas.openxmlformats.org/markup-compatibility/2006" xmlns:a14="http://schemas.microsoft.com/office/drawing/2010/main">
-        <mc:Choice Requires="a14">
+      <mc:AlternateContent xmlns:mc="http://schemas.openxmlformats.org/markup-compatibility/2006">
+        <mc:Choice xmlns:a14="http://schemas.microsoft.com/office/drawing/2010/main" Requires="a14">
           <p:sp>
             <p:nvSpPr>
               <p:cNvPr id="40" name="CasellaDiTesto 39">
@@ -22663,7 +22663,7 @@
             </p:nvSpPr>
             <p:spPr>
               <a:xfrm>
-                <a:off x="5126657" y="2014280"/>
+                <a:off x="5134982" y="2330757"/>
                 <a:ext cx="4017159" cy="738664"/>
               </a:xfrm>
               <a:prstGeom prst="rect">
@@ -22682,7 +22682,7 @@
                     <a:latin typeface="Arial" panose="020B0604020202020204" pitchFamily="34" charset="0"/>
                     <a:cs typeface="Arial" panose="020B0604020202020204" pitchFamily="34" charset="0"/>
                   </a:rPr>
-                  <a:t>3 Step:</a:t>
+                  <a:t>2 Step:</a:t>
                 </a:r>
               </a:p>
               <a:p>
@@ -22765,7 +22765,7 @@
             </p:txBody>
           </p:sp>
         </mc:Choice>
-        <mc:Fallback xmlns="">
+        <mc:Fallback>
           <p:sp>
             <p:nvSpPr>
               <p:cNvPr id="40" name="CasellaDiTesto 39">
@@ -22782,7 +22782,7 @@
             </p:nvSpPr>
             <p:spPr>
               <a:xfrm>
-                <a:off x="5126657" y="2014280"/>
+                <a:off x="5134982" y="2330757"/>
                 <a:ext cx="4017159" cy="738664"/>
               </a:xfrm>
               <a:prstGeom prst="rect">
@@ -22836,7 +22836,7 @@
         </p:blipFill>
         <p:spPr>
           <a:xfrm>
-            <a:off x="5964030" y="2562527"/>
+            <a:off x="5964030" y="2925921"/>
             <a:ext cx="2571733" cy="200533"/>
           </a:xfrm>
           <a:prstGeom prst="rect">
@@ -22844,120 +22844,54 @@
           </a:prstGeom>
         </p:spPr>
       </p:pic>
-      <mc:AlternateContent xmlns:mc="http://schemas.openxmlformats.org/markup-compatibility/2006" xmlns:a14="http://schemas.microsoft.com/office/drawing/2010/main">
-        <mc:Choice Requires="a14">
-          <p:sp>
-            <p:nvSpPr>
-              <p:cNvPr id="47" name="CasellaDiTesto 46">
-                <a:extLst>
-                  <a:ext uri="{FF2B5EF4-FFF2-40B4-BE49-F238E27FC236}">
-                    <a16:creationId xmlns:a16="http://schemas.microsoft.com/office/drawing/2014/main" id="{E12B5A93-DEC9-4958-9188-F913DDBC305F}"/>
-                  </a:ext>
-                </a:extLst>
-              </p:cNvPr>
-              <p:cNvSpPr txBox="1"/>
-              <p:nvPr/>
-            </p:nvSpPr>
-            <p:spPr>
-              <a:xfrm>
-                <a:off x="5119261" y="2771265"/>
-                <a:ext cx="4017159" cy="738664"/>
-              </a:xfrm>
-              <a:prstGeom prst="rect">
-                <a:avLst/>
-              </a:prstGeom>
-              <a:noFill/>
-            </p:spPr>
-            <p:txBody>
-              <a:bodyPr wrap="square" rtlCol="0">
-                <a:spAutoFit/>
-              </a:bodyPr>
-              <a:lstStyle/>
-              <a:p>
-                <a:pPr marL="285750" indent="-285750">
-                  <a:buFont typeface="Arial" panose="020B0604020202020204" pitchFamily="34" charset="0"/>
-                  <a:buChar char="•"/>
-                </a:pPr>
-                <a:r>
-                  <a:rPr lang="it-IT" sz="1400" dirty="0">
-                    <a:latin typeface="Arial" panose="020B0604020202020204" pitchFamily="34" charset="0"/>
-                    <a:cs typeface="Arial" panose="020B0604020202020204" pitchFamily="34" charset="0"/>
-                  </a:rPr>
-                  <a:t>Trovare il genitore per ogni coppia di foglie e calcolare la distanza di tutte le </a:t>
-                </a:r>
-                <a14:m>
-                  <m:oMath xmlns:m="http://schemas.openxmlformats.org/officeDocument/2006/math">
-                    <m:r>
-                      <a:rPr lang="it-IT" sz="1400" i="1" dirty="0" smtClean="0">
-                        <a:latin typeface="Cambria Math" panose="02040503050406030204" pitchFamily="18" charset="0"/>
-                        <a:cs typeface="Arial" panose="020B0604020202020204" pitchFamily="34" charset="0"/>
-                      </a:rPr>
-                      <m:t>𝑛</m:t>
-                    </m:r>
-                  </m:oMath>
-                </a14:m>
-                <a:r>
-                  <a:rPr lang="it-IT" sz="1400" dirty="0">
-                    <a:latin typeface="Arial" panose="020B0604020202020204" pitchFamily="34" charset="0"/>
-                    <a:cs typeface="Arial" panose="020B0604020202020204" pitchFamily="34" charset="0"/>
-                  </a:rPr>
-                  <a:t> foglie rispetto al genitore stesso</a:t>
-                </a:r>
-              </a:p>
-            </p:txBody>
-          </p:sp>
-        </mc:Choice>
-        <mc:Fallback xmlns="">
-          <p:sp>
-            <p:nvSpPr>
-              <p:cNvPr id="47" name="CasellaDiTesto 46">
-                <a:extLst>
-                  <a:ext uri="{FF2B5EF4-FFF2-40B4-BE49-F238E27FC236}">
-                    <a16:creationId xmlns:a16="http://schemas.microsoft.com/office/drawing/2014/main" id="{E12B5A93-DEC9-4958-9188-F913DDBC305F}"/>
-                  </a:ext>
-                </a:extLst>
-              </p:cNvPr>
-              <p:cNvSpPr txBox="1">
-                <a:spLocks noRot="1" noChangeAspect="1" noMove="1" noResize="1" noEditPoints="1" noAdjustHandles="1" noChangeArrowheads="1" noChangeShapeType="1" noTextEdit="1"/>
-              </p:cNvSpPr>
-              <p:nvPr/>
-            </p:nvSpPr>
-            <p:spPr>
-              <a:xfrm>
-                <a:off x="5119261" y="2771265"/>
-                <a:ext cx="4017159" cy="738664"/>
-              </a:xfrm>
-              <a:prstGeom prst="rect">
-                <a:avLst/>
-              </a:prstGeom>
-              <a:blipFill>
-                <a:blip r:embed="rId14"/>
-                <a:stretch>
-                  <a:fillRect l="-303" t="-1653" r="-152" b="-7438"/>
-                </a:stretch>
-              </a:blipFill>
-            </p:spPr>
-            <p:txBody>
-              <a:bodyPr/>
-              <a:lstStyle/>
-              <a:p>
-                <a:r>
-                  <a:rPr lang="it-IT">
-                    <a:noFill/>
-                  </a:rPr>
-                  <a:t> </a:t>
-                </a:r>
-              </a:p>
-            </p:txBody>
-          </p:sp>
-        </mc:Fallback>
-      </mc:AlternateContent>
+      <p:sp>
+        <p:nvSpPr>
+          <p:cNvPr id="51" name="CasellaDiTesto 50">
+            <a:extLst>
+              <a:ext uri="{FF2B5EF4-FFF2-40B4-BE49-F238E27FC236}">
+                <a16:creationId xmlns:a16="http://schemas.microsoft.com/office/drawing/2014/main" id="{ACF07961-80C8-4C63-9B53-3E8A5BAA36AC}"/>
+              </a:ext>
+            </a:extLst>
+          </p:cNvPr>
+          <p:cNvSpPr txBox="1"/>
+          <p:nvPr/>
+        </p:nvSpPr>
+        <p:spPr>
+          <a:xfrm>
+            <a:off x="5126657" y="3237115"/>
+            <a:ext cx="4017159" cy="523220"/>
+          </a:xfrm>
+          <a:prstGeom prst="rect">
+            <a:avLst/>
+          </a:prstGeom>
+          <a:noFill/>
+        </p:spPr>
+        <p:txBody>
+          <a:bodyPr wrap="square" rtlCol="0">
+            <a:spAutoFit/>
+          </a:bodyPr>
+          <a:lstStyle/>
+          <a:p>
+            <a:pPr marL="285750" indent="-285750">
+              <a:buFont typeface="Arial" panose="020B0604020202020204" pitchFamily="34" charset="0"/>
+              <a:buChar char="•"/>
+            </a:pPr>
+            <a:r>
+              <a:rPr lang="it-IT" sz="1400" dirty="0">
+                <a:latin typeface="Arial" panose="020B0604020202020204" pitchFamily="34" charset="0"/>
+                <a:cs typeface="Arial" panose="020B0604020202020204" pitchFamily="34" charset="0"/>
+              </a:rPr>
+              <a:t>2.	Calcolare la distanza tra le foglie ed aggiornare la matrice D.</a:t>
+            </a:r>
+          </a:p>
+        </p:txBody>
+      </p:sp>
       <p:pic>
         <p:nvPicPr>
-          <p:cNvPr id="49" name="Immagine 48">
+          <p:cNvPr id="4" name="Immagine 3">
             <a:extLst>
               <a:ext uri="{FF2B5EF4-FFF2-40B4-BE49-F238E27FC236}">
-                <a16:creationId xmlns:a16="http://schemas.microsoft.com/office/drawing/2014/main" id="{9F940E34-E853-4F26-AE59-57FE617C10CA}"/>
+                <a16:creationId xmlns:a16="http://schemas.microsoft.com/office/drawing/2014/main" id="{887120D8-B8CD-4D65-A0C4-925724C68F56}"/>
               </a:ext>
             </a:extLst>
           </p:cNvPr>
@@ -22971,69 +22905,27 @@
           </p:nvPr>
         </p:nvPicPr>
         <p:blipFill>
-          <a:blip r:embed="rId15"/>
+          <a:blip r:embed="rId14"/>
           <a:stretch>
             <a:fillRect/>
           </a:stretch>
         </p:blipFill>
         <p:spPr>
           <a:xfrm>
-            <a:off x="5956634" y="3584946"/>
-            <a:ext cx="2475766" cy="179383"/>
+            <a:off x="5964030" y="3891832"/>
+            <a:ext cx="1450238" cy="180056"/>
           </a:xfrm>
           <a:prstGeom prst="rect">
             <a:avLst/>
           </a:prstGeom>
         </p:spPr>
       </p:pic>
-      <p:sp>
-        <p:nvSpPr>
-          <p:cNvPr id="51" name="CasellaDiTesto 50">
+      <p:pic>
+        <p:nvPicPr>
+          <p:cNvPr id="6" name="Immagine 5">
             <a:extLst>
               <a:ext uri="{FF2B5EF4-FFF2-40B4-BE49-F238E27FC236}">
-                <a16:creationId xmlns:a16="http://schemas.microsoft.com/office/drawing/2014/main" id="{ACF07961-80C8-4C63-9B53-3E8A5BAA36AC}"/>
-              </a:ext>
-            </a:extLst>
-          </p:cNvPr>
-          <p:cNvSpPr txBox="1"/>
-          <p:nvPr/>
-        </p:nvSpPr>
-        <p:spPr>
-          <a:xfrm>
-            <a:off x="5073435" y="3839346"/>
-            <a:ext cx="4017159" cy="523220"/>
-          </a:xfrm>
-          <a:prstGeom prst="rect">
-            <a:avLst/>
-          </a:prstGeom>
-          <a:noFill/>
-        </p:spPr>
-        <p:txBody>
-          <a:bodyPr wrap="square" rtlCol="0">
-            <a:spAutoFit/>
-          </a:bodyPr>
-          <a:lstStyle/>
-          <a:p>
-            <a:pPr marL="285750" indent="-285750">
-              <a:buFont typeface="Arial" panose="020B0604020202020204" pitchFamily="34" charset="0"/>
-              <a:buChar char="•"/>
-            </a:pPr>
-            <a:r>
-              <a:rPr lang="it-IT" sz="1400" dirty="0">
-                <a:latin typeface="Arial" panose="020B0604020202020204" pitchFamily="34" charset="0"/>
-                <a:cs typeface="Arial" panose="020B0604020202020204" pitchFamily="34" charset="0"/>
-              </a:rPr>
-              <a:t>Calcolare la distanza tra le foglie interne (genitori)</a:t>
-            </a:r>
-          </a:p>
-        </p:txBody>
-      </p:sp>
-      <p:pic>
-        <p:nvPicPr>
-          <p:cNvPr id="54" name="Immagine 53">
-            <a:extLst>
-              <a:ext uri="{FF2B5EF4-FFF2-40B4-BE49-F238E27FC236}">
-                <a16:creationId xmlns:a16="http://schemas.microsoft.com/office/drawing/2014/main" id="{ED2E1232-4512-4FA4-9977-6A66C80C8281}"/>
+                <a16:creationId xmlns:a16="http://schemas.microsoft.com/office/drawing/2014/main" id="{B09CD041-5608-44FA-9A54-9DB4F729F22C}"/>
               </a:ext>
             </a:extLst>
           </p:cNvPr>
@@ -23047,49 +22939,15 @@
           </p:nvPr>
         </p:nvPicPr>
         <p:blipFill>
-          <a:blip r:embed="rId16"/>
+          <a:blip r:embed="rId15"/>
           <a:stretch>
             <a:fillRect/>
           </a:stretch>
         </p:blipFill>
         <p:spPr>
           <a:xfrm>
-            <a:off x="5910808" y="4573126"/>
-            <a:ext cx="1450063" cy="179719"/>
-          </a:xfrm>
-          <a:prstGeom prst="rect">
-            <a:avLst/>
-          </a:prstGeom>
-        </p:spPr>
-      </p:pic>
-      <p:pic>
-        <p:nvPicPr>
-          <p:cNvPr id="57" name="Immagine 56">
-            <a:extLst>
-              <a:ext uri="{FF2B5EF4-FFF2-40B4-BE49-F238E27FC236}">
-                <a16:creationId xmlns:a16="http://schemas.microsoft.com/office/drawing/2014/main" id="{9B727038-6828-4A63-ACB2-90318637F942}"/>
-              </a:ext>
-            </a:extLst>
-          </p:cNvPr>
-          <p:cNvPicPr>
-            <a:picLocks noChangeAspect="1"/>
-          </p:cNvPicPr>
-          <p:nvPr>
-            <p:custDataLst>
-              <p:tags r:id="rId5"/>
-            </p:custDataLst>
-          </p:nvPr>
-        </p:nvPicPr>
-        <p:blipFill>
-          <a:blip r:embed="rId17"/>
-          <a:stretch>
-            <a:fillRect/>
-          </a:stretch>
-        </p:blipFill>
-        <p:spPr>
-          <a:xfrm>
-            <a:off x="4977657" y="5165136"/>
-            <a:ext cx="4079660" cy="202698"/>
+            <a:off x="5314371" y="4650962"/>
+            <a:ext cx="3191728" cy="204120"/>
           </a:xfrm>
           <a:prstGeom prst="rect">
             <a:avLst/>
@@ -23246,10 +23104,10 @@
 <p:tagLst xmlns:a="http://schemas.openxmlformats.org/drawingml/2006/main" xmlns:r="http://schemas.openxmlformats.org/officeDocument/2006/relationships" xmlns:p="http://schemas.openxmlformats.org/presentationml/2006/main">
   <p:tag name="OUTPUTDPI" val="1200"/>
   <p:tag name="ORIGINALHEIGHT" val="125,2343"/>
-  <p:tag name="ORIGINALWIDTH" val="1740,532"/>
-  <p:tag name="LATEXADDIN" val="\documentclass{article}&#10;\usepackage{amsmath}&#10;\pagestyle{empty}&#10;\begin{document}&#10;&#10;\[T(step 2)=O(n)+O(1) \simeq O(n)\]&#10;&#10;&#10;\end{document}"/>
+  <p:tag name="ORIGINALWIDTH" val="1019,123"/>
+  <p:tag name="LATEXADDIN" val="\documentclass{article}&#10;\usepackage{amsmath}&#10;\pagestyle{empty}&#10;\begin{document}&#10;&#10; \[T(step 2)=O(n/2)\]&#10;&#10;&#10;\end{document}"/>
   <p:tag name="IGUANATEXSIZE" val="14"/>
-  <p:tag name="IGUANATEXCURSOR" val="116"/>
+  <p:tag name="IGUANATEXCURSOR" val="92"/>
   <p:tag name="TRANSPARENCY" val="Vero"/>
   <p:tag name="FILENAME" val=""/>
   <p:tag name="LATEXENGINEID" val="0"/>
@@ -23264,11 +23122,11 @@
 <file path=ppt/tags/tag15.xml><?xml version="1.0" encoding="utf-8"?>
 <p:tagLst xmlns:a="http://schemas.openxmlformats.org/drawingml/2006/main" xmlns:r="http://schemas.openxmlformats.org/officeDocument/2006/relationships" xmlns:p="http://schemas.openxmlformats.org/presentationml/2006/main">
   <p:tag name="OUTPUTDPI" val="1200"/>
-  <p:tag name="ORIGINALHEIGHT" val="125,2343"/>
-  <p:tag name="ORIGINALWIDTH" val="1019,123"/>
-  <p:tag name="LATEXADDIN" val="\documentclass{article}&#10;\usepackage{amsmath}&#10;\pagestyle{empty}&#10;\begin{document}&#10;&#10; \[T(step 3)=O(n/2)\]&#10;&#10;&#10;\end{document}"/>
+  <p:tag name="ORIGINALHEIGHT" val="140,9824"/>
+  <p:tag name="ORIGINALWIDTH" val="2242,22"/>
+  <p:tag name="LATEXADDIN" val="\documentclass{article}&#10;\usepackage{amsmath}&#10;\pagestyle{empty}&#10;\begin{document}&#10;&#10;\[T(totale)=T(step 1)+T(step 2) \simeq O(n^2)\]&#10;&#10;&#10;\end{document}"/>
   <p:tag name="IGUANATEXSIZE" val="14"/>
-  <p:tag name="IGUANATEXCURSOR" val="102"/>
+  <p:tag name="IGUANATEXCURSOR" val="112"/>
   <p:tag name="TRANSPARENCY" val="Vero"/>
   <p:tag name="FILENAME" val=""/>
   <p:tag name="LATEXENGINEID" val="0"/>
@@ -23283,11 +23141,11 @@
 <file path=ppt/tags/tag16.xml><?xml version="1.0" encoding="utf-8"?>
 <p:tagLst xmlns:a="http://schemas.openxmlformats.org/drawingml/2006/main" xmlns:r="http://schemas.openxmlformats.org/officeDocument/2006/relationships" xmlns:p="http://schemas.openxmlformats.org/presentationml/2006/main">
   <p:tag name="OUTPUTDPI" val="1200"/>
-  <p:tag name="ORIGINALHEIGHT" val="140,9824"/>
-  <p:tag name="ORIGINALWIDTH" val="2866,892"/>
-  <p:tag name="LATEXADDIN" val="\documentclass{article}&#10;\usepackage{amsmath}&#10;\pagestyle{empty}&#10;\begin{document}&#10;&#10;\[T(totale)=T(step 1)+T(step 2)+T(step 3) \simeq O(n^2)\]&#10;&#10;&#10;\end{document}"/>
+  <p:tag name="ORIGINALHEIGHT" val="87,73905"/>
+  <p:tag name="ORIGINALWIDTH" val="149,9813"/>
+  <p:tag name="LATEXADDIN" val="\documentclass{article}&#10;\usepackage{amsmath}&#10;\pagestyle{empty}&#10;\begin{document}&#10;&#10;&#10;$D^\star$&#10;&#10;\end{document}"/>
   <p:tag name="IGUANATEXSIZE" val="14"/>
-  <p:tag name="IGUANATEXCURSOR" val="136"/>
+  <p:tag name="IGUANATEXCURSOR" val="90"/>
   <p:tag name="TRANSPARENCY" val="Vero"/>
   <p:tag name="FILENAME" val=""/>
   <p:tag name="LATEXENGINEID" val="0"/>
@@ -23321,11 +23179,11 @@
 <file path=ppt/tags/tag18.xml><?xml version="1.0" encoding="utf-8"?>
 <p:tagLst xmlns:a="http://schemas.openxmlformats.org/drawingml/2006/main" xmlns:r="http://schemas.openxmlformats.org/officeDocument/2006/relationships" xmlns:p="http://schemas.openxmlformats.org/presentationml/2006/main">
   <p:tag name="OUTPUTDPI" val="1200"/>
-  <p:tag name="ORIGINALHEIGHT" val="87,73905"/>
-  <p:tag name="ORIGINALWIDTH" val="149,9813"/>
-  <p:tag name="LATEXADDIN" val="\documentclass{article}&#10;\usepackage{amsmath}&#10;\pagestyle{empty}&#10;\begin{document}&#10;&#10;&#10;$D^\star$&#10;&#10;\end{document}"/>
-  <p:tag name="IGUANATEXSIZE" val="14"/>
-  <p:tag name="IGUANATEXCURSOR" val="90"/>
+  <p:tag name="ORIGINALHEIGHT" val="344,207"/>
+  <p:tag name="ORIGINALWIDTH" val="3557,555"/>
+  <p:tag name="LATEXADDIN" val="\documentclass{article}&#10;\usepackage{amsmath}&#10;\pagestyle{empty}&#10;\begin{document}&#10;&#10;\[\forall \,f,b\in D,\: \, D^\star(f,b)=(n-2)\cdot D(f,b)-\sum_{k=1}^{n}D(f,k)-\sum_{k=1}^{n}D(b,k)\]&#10;&#10;&#10;\end{document}"/>
+  <p:tag name="IGUANATEXSIZE" val="20"/>
+  <p:tag name="IGUANATEXCURSOR" val="182"/>
   <p:tag name="TRANSPARENCY" val="Vero"/>
   <p:tag name="FILENAME" val=""/>
   <p:tag name="LATEXENGINEID" val="0"/>
@@ -23340,11 +23198,11 @@
 <file path=ppt/tags/tag19.xml><?xml version="1.0" encoding="utf-8"?>
 <p:tagLst xmlns:a="http://schemas.openxmlformats.org/drawingml/2006/main" xmlns:r="http://schemas.openxmlformats.org/officeDocument/2006/relationships" xmlns:p="http://schemas.openxmlformats.org/presentationml/2006/main">
   <p:tag name="OUTPUTDPI" val="1200"/>
-  <p:tag name="ORIGINALHEIGHT" val="344,207"/>
-  <p:tag name="ORIGINALWIDTH" val="3557,555"/>
-  <p:tag name="LATEXADDIN" val="\documentclass{article}&#10;\usepackage{amsmath}&#10;\pagestyle{empty}&#10;\begin{document}&#10;&#10;\[\forall \,f,b\in D,\: \, D^\star(f,b)=(n-2)\cdot D(f,b)-\sum_{k=1}^{n}D(f,k)-\sum_{k=1}^{n}D(b,k)\]&#10;&#10;&#10;\end{document}"/>
-  <p:tag name="IGUANATEXSIZE" val="20"/>
-  <p:tag name="IGUANATEXCURSOR" val="182"/>
+  <p:tag name="ORIGINALHEIGHT" val="87,73905"/>
+  <p:tag name="ORIGINALWIDTH" val="149,9813"/>
+  <p:tag name="LATEXADDIN" val="\documentclass{article}&#10;\usepackage{amsmath}&#10;\pagestyle{empty}&#10;\begin{document}&#10;&#10;&#10;$D^\star$&#10;&#10;\end{document}"/>
+  <p:tag name="IGUANATEXSIZE" val="14"/>
+  <p:tag name="IGUANATEXCURSOR" val="90"/>
   <p:tag name="TRANSPARENCY" val="Vero"/>
   <p:tag name="FILENAME" val=""/>
   <p:tag name="LATEXENGINEID" val="0"/>
@@ -23397,25 +23255,6 @@
 <file path=ppt/tags/tag21.xml><?xml version="1.0" encoding="utf-8"?>
 <p:tagLst xmlns:a="http://schemas.openxmlformats.org/drawingml/2006/main" xmlns:r="http://schemas.openxmlformats.org/officeDocument/2006/relationships" xmlns:p="http://schemas.openxmlformats.org/presentationml/2006/main">
   <p:tag name="OUTPUTDPI" val="1200"/>
-  <p:tag name="ORIGINALHEIGHT" val="87,73905"/>
-  <p:tag name="ORIGINALWIDTH" val="149,9813"/>
-  <p:tag name="LATEXADDIN" val="\documentclass{article}&#10;\usepackage{amsmath}&#10;\pagestyle{empty}&#10;\begin{document}&#10;&#10;&#10;$D^\star$&#10;&#10;\end{document}"/>
-  <p:tag name="IGUANATEXSIZE" val="14"/>
-  <p:tag name="IGUANATEXCURSOR" val="90"/>
-  <p:tag name="TRANSPARENCY" val="Vero"/>
-  <p:tag name="FILENAME" val=""/>
-  <p:tag name="LATEXENGINEID" val="0"/>
-  <p:tag name="TEMPFOLDER" val="c:\temp\"/>
-  <p:tag name="LATEXFORMHEIGHT" val="312"/>
-  <p:tag name="LATEXFORMWIDTH" val="384"/>
-  <p:tag name="LATEXFORMWRAP" val="Vero"/>
-  <p:tag name="BITMAPVECTOR" val="0"/>
-</p:tagLst>
-</file>
-
-<file path=ppt/tags/tag22.xml><?xml version="1.0" encoding="utf-8"?>
-<p:tagLst xmlns:a="http://schemas.openxmlformats.org/drawingml/2006/main" xmlns:r="http://schemas.openxmlformats.org/officeDocument/2006/relationships" xmlns:p="http://schemas.openxmlformats.org/presentationml/2006/main">
-  <p:tag name="OUTPUTDPI" val="1200"/>
   <p:tag name="ORIGINALHEIGHT" val="140,9824"/>
   <p:tag name="ORIGINALWIDTH" val="588,6764"/>
   <p:tag name="LATEXADDIN" val="\documentclass{article}&#10;\usepackage{amsmath}&#10;\pagestyle{empty}&#10;\begin{document}&#10;&#10;$D^\star_{fb}=-16$&#10;&#10;&#10;\end{document}"/>
@@ -23432,7 +23271,7 @@
 </p:tagLst>
 </file>
 
-<file path=ppt/tags/tag23.xml><?xml version="1.0" encoding="utf-8"?>
+<file path=ppt/tags/tag22.xml><?xml version="1.0" encoding="utf-8"?>
 <p:tagLst xmlns:a="http://schemas.openxmlformats.org/drawingml/2006/main" xmlns:r="http://schemas.openxmlformats.org/officeDocument/2006/relationships" xmlns:p="http://schemas.openxmlformats.org/presentationml/2006/main">
   <p:tag name="OUTPUTDPI" val="1200"/>
   <p:tag name="ORIGINALHEIGHT" val="264,7169"/>
@@ -23451,7 +23290,7 @@
 </p:tagLst>
 </file>
 
-<file path=ppt/tags/tag24.xml><?xml version="1.0" encoding="utf-8"?>
+<file path=ppt/tags/tag23.xml><?xml version="1.0" encoding="utf-8"?>
 <p:tagLst xmlns:a="http://schemas.openxmlformats.org/drawingml/2006/main" xmlns:r="http://schemas.openxmlformats.org/officeDocument/2006/relationships" xmlns:p="http://schemas.openxmlformats.org/presentationml/2006/main">
   <p:tag name="OUTPUTDPI" val="1200"/>
   <p:tag name="ORIGINALHEIGHT" val="263,2171"/>
@@ -23470,7 +23309,7 @@
 </p:tagLst>
 </file>
 
-<file path=ppt/tags/tag25.xml><?xml version="1.0" encoding="utf-8"?>
+<file path=ppt/tags/tag24.xml><?xml version="1.0" encoding="utf-8"?>
 <p:tagLst xmlns:a="http://schemas.openxmlformats.org/drawingml/2006/main" xmlns:r="http://schemas.openxmlformats.org/officeDocument/2006/relationships" xmlns:p="http://schemas.openxmlformats.org/presentationml/2006/main">
   <p:tag name="OUTPUTDPI" val="1200"/>
   <p:tag name="ORIGINALHEIGHT" val="263,2171"/>
@@ -23489,7 +23328,7 @@
 </p:tagLst>
 </file>
 
-<file path=ppt/tags/tag26.xml><?xml version="1.0" encoding="utf-8"?>
+<file path=ppt/tags/tag25.xml><?xml version="1.0" encoding="utf-8"?>
 <p:tagLst xmlns:a="http://schemas.openxmlformats.org/drawingml/2006/main" xmlns:r="http://schemas.openxmlformats.org/officeDocument/2006/relationships" xmlns:p="http://schemas.openxmlformats.org/presentationml/2006/main">
   <p:tag name="OUTPUTDPI" val="1200"/>
   <p:tag name="ORIGINALHEIGHT" val="165,7293"/>
@@ -23508,7 +23347,7 @@
 </p:tagLst>
 </file>
 
-<file path=ppt/tags/tag27.xml><?xml version="1.0" encoding="utf-8"?>
+<file path=ppt/tags/tag26.xml><?xml version="1.0" encoding="utf-8"?>
 <p:tagLst xmlns:a="http://schemas.openxmlformats.org/drawingml/2006/main" xmlns:r="http://schemas.openxmlformats.org/officeDocument/2006/relationships" xmlns:p="http://schemas.openxmlformats.org/presentationml/2006/main">
   <p:tag name="OUTPUTDPI" val="1200"/>
   <p:tag name="ORIGINALHEIGHT" val="621,6723"/>
@@ -23527,7 +23366,7 @@
 </p:tagLst>
 </file>
 
-<file path=ppt/tags/tag28.xml><?xml version="1.0" encoding="utf-8"?>
+<file path=ppt/tags/tag27.xml><?xml version="1.0" encoding="utf-8"?>
 <p:tagLst xmlns:a="http://schemas.openxmlformats.org/drawingml/2006/main" xmlns:r="http://schemas.openxmlformats.org/officeDocument/2006/relationships" xmlns:p="http://schemas.openxmlformats.org/presentationml/2006/main">
   <p:tag name="OUTPUTDPI" val="1200"/>
   <p:tag name="ORIGINALHEIGHT" val="87,73905"/>
@@ -23546,7 +23385,7 @@
 </p:tagLst>
 </file>
 
-<file path=ppt/tags/tag29.xml><?xml version="1.0" encoding="utf-8"?>
+<file path=ppt/tags/tag28.xml><?xml version="1.0" encoding="utf-8"?>
 <p:tagLst xmlns:a="http://schemas.openxmlformats.org/drawingml/2006/main" xmlns:r="http://schemas.openxmlformats.org/officeDocument/2006/relationships" xmlns:p="http://schemas.openxmlformats.org/presentationml/2006/main">
   <p:tag name="OUTPUTDPI" val="1200"/>
   <p:tag name="ORIGINALHEIGHT" val="140,9824"/>
@@ -23554,6 +23393,25 @@
   <p:tag name="LATEXADDIN" val="\documentclass{article}&#10;\usepackage{amsmath}&#10;\pagestyle{empty}&#10;\begin{document}&#10;&#10; \[T(step1)=O(n) \times O(n)=O(n^2)\]&#10;&#10;&#10;\end{document}"/>
   <p:tag name="IGUANATEXSIZE" val="20"/>
   <p:tag name="IGUANATEXCURSOR" val="118"/>
+  <p:tag name="TRANSPARENCY" val="Vero"/>
+  <p:tag name="FILENAME" val=""/>
+  <p:tag name="LATEXENGINEID" val="0"/>
+  <p:tag name="TEMPFOLDER" val="c:\temp\"/>
+  <p:tag name="LATEXFORMHEIGHT" val="312"/>
+  <p:tag name="LATEXFORMWIDTH" val="384"/>
+  <p:tag name="LATEXFORMWRAP" val="Vero"/>
+  <p:tag name="BITMAPVECTOR" val="0"/>
+</p:tagLst>
+</file>
+
+<file path=ppt/tags/tag29.xml><?xml version="1.0" encoding="utf-8"?>
+<p:tagLst xmlns:a="http://schemas.openxmlformats.org/drawingml/2006/main" xmlns:r="http://schemas.openxmlformats.org/officeDocument/2006/relationships" xmlns:p="http://schemas.openxmlformats.org/presentationml/2006/main">
+  <p:tag name="OUTPUTDPI" val="1200"/>
+  <p:tag name="ORIGINALHEIGHT" val="125,2343"/>
+  <p:tag name="ORIGINALWIDTH" val="894,6382"/>
+  <p:tag name="LATEXADDIN" val="\documentclass{article}&#10;\usepackage{amsmath}&#10;\pagestyle{empty}&#10;\begin{document}&#10;&#10;\[T(step2)=O(n)\] &#10;&#10;&#10;\end{document}"/>
+  <p:tag name="IGUANATEXSIZE" val="20"/>
+  <p:tag name="IGUANATEXCURSOR" val="93"/>
   <p:tag name="TRANSPARENCY" val="Vero"/>
   <p:tag name="FILENAME" val=""/>
   <p:tag name="LATEXENGINEID" val="0"/>
@@ -23587,25 +23445,6 @@
 <file path=ppt/tags/tag30.xml><?xml version="1.0" encoding="utf-8"?>
 <p:tagLst xmlns:a="http://schemas.openxmlformats.org/drawingml/2006/main" xmlns:r="http://schemas.openxmlformats.org/officeDocument/2006/relationships" xmlns:p="http://schemas.openxmlformats.org/presentationml/2006/main">
   <p:tag name="OUTPUTDPI" val="1200"/>
-  <p:tag name="ORIGINALHEIGHT" val="125,2343"/>
-  <p:tag name="ORIGINALWIDTH" val="894,6382"/>
-  <p:tag name="LATEXADDIN" val="\documentclass{article}&#10;\usepackage{amsmath}&#10;\pagestyle{empty}&#10;\begin{document}&#10;&#10;\[T(step2)=O(n)\] &#10;&#10;&#10;\end{document}"/>
-  <p:tag name="IGUANATEXSIZE" val="20"/>
-  <p:tag name="IGUANATEXCURSOR" val="93"/>
-  <p:tag name="TRANSPARENCY" val="Vero"/>
-  <p:tag name="FILENAME" val=""/>
-  <p:tag name="LATEXENGINEID" val="0"/>
-  <p:tag name="TEMPFOLDER" val="c:\temp\"/>
-  <p:tag name="LATEXFORMHEIGHT" val="312"/>
-  <p:tag name="LATEXFORMWIDTH" val="384"/>
-  <p:tag name="LATEXFORMWRAP" val="Vero"/>
-  <p:tag name="BITMAPVECTOR" val="0"/>
-</p:tagLst>
-</file>
-
-<file path=ppt/tags/tag31.xml><?xml version="1.0" encoding="utf-8"?>
-<p:tagLst xmlns:a="http://schemas.openxmlformats.org/drawingml/2006/main" xmlns:r="http://schemas.openxmlformats.org/officeDocument/2006/relationships" xmlns:p="http://schemas.openxmlformats.org/presentationml/2006/main">
-  <p:tag name="OUTPUTDPI" val="1200"/>
   <p:tag name="ORIGINALHEIGHT" val="140,9824"/>
   <p:tag name="ORIGINALWIDTH" val="3805,774"/>
   <p:tag name="LATEXADDIN" val="\documentclass{article}&#10;\usepackage{amsmath}&#10;\pagestyle{empty}&#10;\begin{document}&#10;&#10;&#10;\[T(NeighborJoining)=T(step1)+T(step2)=O(n^2)+O(n)=O(n^2)\]&#10;&#10;\end{document}"/>
@@ -23622,7 +23461,7 @@
 </p:tagLst>
 </file>
 
-<file path=ppt/tags/tag32.xml><?xml version="1.0" encoding="utf-8"?>
+<file path=ppt/tags/tag31.xml><?xml version="1.0" encoding="utf-8"?>
 <p:tagLst xmlns:a="http://schemas.openxmlformats.org/drawingml/2006/main" xmlns:r="http://schemas.openxmlformats.org/officeDocument/2006/relationships" xmlns:p="http://schemas.openxmlformats.org/presentationml/2006/main">
   <p:tag name="OUTPUTDPI" val="1200"/>
   <p:tag name="ORIGINALHEIGHT" val="140,9824"/>
@@ -23641,7 +23480,7 @@
 </p:tagLst>
 </file>
 
-<file path=ppt/tags/tag33.xml><?xml version="1.0" encoding="utf-8"?>
+<file path=ppt/tags/tag32.xml><?xml version="1.0" encoding="utf-8"?>
 <p:tagLst xmlns:a="http://schemas.openxmlformats.org/drawingml/2006/main" xmlns:r="http://schemas.openxmlformats.org/officeDocument/2006/relationships" xmlns:p="http://schemas.openxmlformats.org/presentationml/2006/main">
   <p:tag name="OUTPUTDPI" val="1200"/>
   <p:tag name="ORIGINALHEIGHT" val="254,2182"/>
@@ -23660,7 +23499,7 @@
 </p:tagLst>
 </file>
 
-<file path=ppt/tags/tag34.xml><?xml version="1.0" encoding="utf-8"?>
+<file path=ppt/tags/tag33.xml><?xml version="1.0" encoding="utf-8"?>
 <p:tagLst xmlns:a="http://schemas.openxmlformats.org/drawingml/2006/main" xmlns:r="http://schemas.openxmlformats.org/officeDocument/2006/relationships" xmlns:p="http://schemas.openxmlformats.org/presentationml/2006/main">
   <p:tag name="OUTPUTDPI" val="1200"/>
   <p:tag name="ORIGINALHEIGHT" val="125,2343"/>
@@ -23679,7 +23518,7 @@
 </p:tagLst>
 </file>
 
-<file path=ppt/tags/tag35.xml><?xml version="1.0" encoding="utf-8"?>
+<file path=ppt/tags/tag34.xml><?xml version="1.0" encoding="utf-8"?>
 <p:tagLst xmlns:a="http://schemas.openxmlformats.org/drawingml/2006/main" xmlns:r="http://schemas.openxmlformats.org/officeDocument/2006/relationships" xmlns:p="http://schemas.openxmlformats.org/presentationml/2006/main">
   <p:tag name="OUTPUTDPI" val="1200"/>
   <p:tag name="ORIGINALHEIGHT" val="125,2343"/>
@@ -23698,7 +23537,7 @@
 </p:tagLst>
 </file>
 
-<file path=ppt/tags/tag36.xml><?xml version="1.0" encoding="utf-8"?>
+<file path=ppt/tags/tag35.xml><?xml version="1.0" encoding="utf-8"?>
 <p:tagLst xmlns:a="http://schemas.openxmlformats.org/drawingml/2006/main" xmlns:r="http://schemas.openxmlformats.org/officeDocument/2006/relationships" xmlns:p="http://schemas.openxmlformats.org/presentationml/2006/main">
   <p:tag name="OUTPUTDPI" val="1200"/>
   <p:tag name="ORIGINALHEIGHT" val="254,2182"/>
@@ -23717,7 +23556,7 @@
 </p:tagLst>
 </file>
 
-<file path=ppt/tags/tag37.xml><?xml version="1.0" encoding="utf-8"?>
+<file path=ppt/tags/tag36.xml><?xml version="1.0" encoding="utf-8"?>
 <p:tagLst xmlns:a="http://schemas.openxmlformats.org/drawingml/2006/main" xmlns:r="http://schemas.openxmlformats.org/officeDocument/2006/relationships" xmlns:p="http://schemas.openxmlformats.org/presentationml/2006/main">
   <p:tag name="OUTPUTDPI" val="1200"/>
   <p:tag name="ORIGINALHEIGHT" val="254,2182"/>
@@ -23736,7 +23575,7 @@
 </p:tagLst>
 </file>
 
-<file path=ppt/tags/tag38.xml><?xml version="1.0" encoding="utf-8"?>
+<file path=ppt/tags/tag37.xml><?xml version="1.0" encoding="utf-8"?>
 <p:tagLst xmlns:a="http://schemas.openxmlformats.org/drawingml/2006/main" xmlns:r="http://schemas.openxmlformats.org/officeDocument/2006/relationships" xmlns:p="http://schemas.openxmlformats.org/presentationml/2006/main">
   <p:tag name="OUTPUTDPI" val="1200"/>
   <p:tag name="ORIGINALHEIGHT" val="140,9824"/>

--- a/Discussione Laurea/Slides v.1.0.pptx
+++ b/Discussione Laurea/Slides v.1.0.pptx
@@ -229,7 +229,7 @@
             <a:fld id="{45BF3CCC-77DD-F84F-A249-CA3C5045A043}" type="datetime1">
               <a:rPr lang="it-IT" smtClean="0"/>
               <a:pPr/>
-              <a:t>04/07/2019</a:t>
+              <a:t>05/07/2019</a:t>
             </a:fld>
             <a:endParaRPr lang="it-IT"/>
           </a:p>
@@ -397,7 +397,7 @@
             <a:fld id="{FE692227-D6DC-FD45-9507-DB2BAD58473C}" type="datetime1">
               <a:rPr lang="it-IT" smtClean="0"/>
               <a:pPr/>
-              <a:t>04/07/2019</a:t>
+              <a:t>05/07/2019</a:t>
             </a:fld>
             <a:endParaRPr lang="it-IT"/>
           </a:p>
@@ -2291,7 +2291,7 @@
             <a:fld id="{AD8BF249-6BAC-CD40-AAE9-334F110649E5}" type="datetimeFigureOut">
               <a:rPr lang="it-IT" smtClean="0"/>
               <a:pPr/>
-              <a:t>04/07/2019</a:t>
+              <a:t>05/07/2019</a:t>
             </a:fld>
             <a:endParaRPr lang="it-IT"/>
           </a:p>
@@ -2461,7 +2461,7 @@
             <a:fld id="{AD8BF249-6BAC-CD40-AAE9-334F110649E5}" type="datetimeFigureOut">
               <a:rPr lang="it-IT" smtClean="0"/>
               <a:pPr/>
-              <a:t>04/07/2019</a:t>
+              <a:t>05/07/2019</a:t>
             </a:fld>
             <a:endParaRPr lang="it-IT"/>
           </a:p>
@@ -2641,7 +2641,7 @@
             <a:fld id="{AD8BF249-6BAC-CD40-AAE9-334F110649E5}" type="datetimeFigureOut">
               <a:rPr lang="it-IT" smtClean="0"/>
               <a:pPr/>
-              <a:t>04/07/2019</a:t>
+              <a:t>05/07/2019</a:t>
             </a:fld>
             <a:endParaRPr lang="it-IT"/>
           </a:p>
@@ -2811,7 +2811,7 @@
             <a:fld id="{AD8BF249-6BAC-CD40-AAE9-334F110649E5}" type="datetimeFigureOut">
               <a:rPr lang="it-IT" smtClean="0"/>
               <a:pPr/>
-              <a:t>04/07/2019</a:t>
+              <a:t>05/07/2019</a:t>
             </a:fld>
             <a:endParaRPr lang="it-IT"/>
           </a:p>
@@ -3058,7 +3058,7 @@
             <a:fld id="{AD8BF249-6BAC-CD40-AAE9-334F110649E5}" type="datetimeFigureOut">
               <a:rPr lang="it-IT" smtClean="0"/>
               <a:pPr/>
-              <a:t>04/07/2019</a:t>
+              <a:t>05/07/2019</a:t>
             </a:fld>
             <a:endParaRPr lang="it-IT"/>
           </a:p>
@@ -3345,7 +3345,7 @@
             <a:fld id="{AD8BF249-6BAC-CD40-AAE9-334F110649E5}" type="datetimeFigureOut">
               <a:rPr lang="it-IT" smtClean="0"/>
               <a:pPr/>
-              <a:t>04/07/2019</a:t>
+              <a:t>05/07/2019</a:t>
             </a:fld>
             <a:endParaRPr lang="it-IT"/>
           </a:p>
@@ -3766,7 +3766,7 @@
             <a:fld id="{AD8BF249-6BAC-CD40-AAE9-334F110649E5}" type="datetimeFigureOut">
               <a:rPr lang="it-IT" smtClean="0"/>
               <a:pPr/>
-              <a:t>04/07/2019</a:t>
+              <a:t>05/07/2019</a:t>
             </a:fld>
             <a:endParaRPr lang="it-IT"/>
           </a:p>
@@ -3885,7 +3885,7 @@
             <a:fld id="{AD8BF249-6BAC-CD40-AAE9-334F110649E5}" type="datetimeFigureOut">
               <a:rPr lang="it-IT" smtClean="0"/>
               <a:pPr/>
-              <a:t>04/07/2019</a:t>
+              <a:t>05/07/2019</a:t>
             </a:fld>
             <a:endParaRPr lang="it-IT"/>
           </a:p>
@@ -3982,7 +3982,7 @@
             <a:fld id="{AD8BF249-6BAC-CD40-AAE9-334F110649E5}" type="datetimeFigureOut">
               <a:rPr lang="it-IT" smtClean="0"/>
               <a:pPr/>
-              <a:t>04/07/2019</a:t>
+              <a:t>05/07/2019</a:t>
             </a:fld>
             <a:endParaRPr lang="it-IT"/>
           </a:p>
@@ -4259,7 +4259,7 @@
             <a:fld id="{AD8BF249-6BAC-CD40-AAE9-334F110649E5}" type="datetimeFigureOut">
               <a:rPr lang="it-IT" smtClean="0"/>
               <a:pPr/>
-              <a:t>04/07/2019</a:t>
+              <a:t>05/07/2019</a:t>
             </a:fld>
             <a:endParaRPr lang="it-IT"/>
           </a:p>
@@ -4513,7 +4513,7 @@
             <a:fld id="{AD8BF249-6BAC-CD40-AAE9-334F110649E5}" type="datetimeFigureOut">
               <a:rPr lang="it-IT" smtClean="0"/>
               <a:pPr/>
-              <a:t>04/07/2019</a:t>
+              <a:t>05/07/2019</a:t>
             </a:fld>
             <a:endParaRPr lang="it-IT"/>
           </a:p>
@@ -4726,7 +4726,7 @@
             <a:fld id="{AD8BF249-6BAC-CD40-AAE9-334F110649E5}" type="datetimeFigureOut">
               <a:rPr lang="it-IT" smtClean="0"/>
               <a:pPr/>
-              <a:t>04/07/2019</a:t>
+              <a:t>05/07/2019</a:t>
             </a:fld>
             <a:endParaRPr lang="it-IT"/>
           </a:p>
@@ -5385,7 +5385,7 @@
         </p:blipFill>
         <p:spPr>
           <a:xfrm>
-            <a:off x="-1" y="-19737"/>
+            <a:off x="-1" y="3123"/>
             <a:ext cx="9143817" cy="6872495"/>
           </a:xfrm>
           <a:prstGeom prst="rect">
@@ -5607,7 +5607,7 @@
             </p:nvSpPr>
             <p:spPr>
               <a:xfrm>
-                <a:off x="-185" y="2218684"/>
+                <a:off x="-185" y="2237868"/>
                 <a:ext cx="9134754" cy="738664"/>
               </a:xfrm>
               <a:prstGeom prst="rect">
@@ -5621,70 +5621,13 @@
               </a:bodyPr>
               <a:lstStyle/>
               <a:p>
-                <a:pPr marL="285750" indent="-285750">
-                  <a:buFont typeface="Arial" panose="020B0604020202020204" pitchFamily="34" charset="0"/>
-                  <a:buChar char="•"/>
-                </a:pPr>
-                <a:r>
-                  <a:rPr lang="it-IT" sz="1400" dirty="0">
-                    <a:latin typeface="Arial" panose="020B0604020202020204" pitchFamily="34" charset="0"/>
-                    <a:cs typeface="Arial" panose="020B0604020202020204" pitchFamily="34" charset="0"/>
-                    <a:sym typeface="Wingdings" panose="05000000000000000000" pitchFamily="2" charset="2"/>
-                  </a:rPr>
-                  <a:t>Risolve il problema degli alberi basati sulla distanza solamente se l’elemento più piccolo della matrice </a:t>
-                </a:r>
-                <a14:m>
-                  <m:oMath xmlns:m="http://schemas.openxmlformats.org/officeDocument/2006/math">
-                    <m:r>
-                      <a:rPr lang="it-IT" sz="1400" i="1" dirty="0">
-                        <a:latin typeface="Cambria Math" panose="02040503050406030204" pitchFamily="18" charset="0"/>
-                        <a:cs typeface="Arial" panose="020B0604020202020204" pitchFamily="34" charset="0"/>
-                        <a:sym typeface="Wingdings" panose="05000000000000000000" pitchFamily="2" charset="2"/>
-                      </a:rPr>
-                      <m:t>𝐷</m:t>
-                    </m:r>
-                  </m:oMath>
-                </a14:m>
-                <a:r>
-                  <a:rPr lang="it-IT" sz="1400" dirty="0">
-                    <a:latin typeface="Arial" panose="020B0604020202020204" pitchFamily="34" charset="0"/>
-                    <a:cs typeface="Arial" panose="020B0604020202020204" pitchFamily="34" charset="0"/>
-                    <a:sym typeface="Wingdings" panose="05000000000000000000" pitchFamily="2" charset="2"/>
-                  </a:rPr>
-                  <a:t> corrisponde a due foglie vicine nell’albero </a:t>
-                </a:r>
-                <a14:m>
-                  <m:oMath xmlns:m="http://schemas.openxmlformats.org/officeDocument/2006/math">
-                    <m:r>
-                      <a:rPr lang="it-IT" sz="1400" i="1" dirty="0">
-                        <a:latin typeface="Cambria Math" panose="02040503050406030204" pitchFamily="18" charset="0"/>
-                        <a:cs typeface="Arial" panose="020B0604020202020204" pitchFamily="34" charset="0"/>
-                        <a:sym typeface="Wingdings" panose="05000000000000000000" pitchFamily="2" charset="2"/>
-                      </a:rPr>
-                      <m:t>𝑇</m:t>
-                    </m:r>
-                  </m:oMath>
-                </a14:m>
-                <a:r>
-                  <a:rPr lang="it-IT" sz="1400" b="0" dirty="0">
-                    <a:latin typeface="Cambria Math" panose="02040503050406030204" pitchFamily="18" charset="0"/>
-                    <a:cs typeface="Arial" panose="020B0604020202020204" pitchFamily="34" charset="0"/>
-                    <a:sym typeface="Wingdings" panose="05000000000000000000" pitchFamily="2" charset="2"/>
-                  </a:rPr>
-                  <a:t>;</a:t>
-                </a:r>
-              </a:p>
-              <a:p>
-                <a:pPr marL="285750" indent="-285750">
-                  <a:buFont typeface="Arial" panose="020B0604020202020204" pitchFamily="34" charset="0"/>
-                  <a:buChar char="•"/>
-                </a:pPr>
+                <a:pPr algn="ctr"/>
                 <a:r>
                   <a:rPr lang="it-IT" sz="1400" dirty="0">
                     <a:latin typeface="Arial" panose="020B0604020202020204" pitchFamily="34" charset="0"/>
                     <a:cs typeface="Arial" panose="020B0604020202020204" pitchFamily="34" charset="0"/>
                   </a:rPr>
-                  <a:t>Non riesce a costruire </a:t>
+                  <a:t>L’algoritmo costruisce </a:t>
                 </a:r>
                 <a14:m>
                   <m:oMath xmlns:m="http://schemas.openxmlformats.org/officeDocument/2006/math">
@@ -5702,8 +5645,63 @@
                     <a:latin typeface="Arial" panose="020B0604020202020204" pitchFamily="34" charset="0"/>
                     <a:cs typeface="Arial" panose="020B0604020202020204" pitchFamily="34" charset="0"/>
                   </a:rPr>
-                  <a:t> se </a:t>
+                  <a:t> se:</a:t>
                 </a:r>
+              </a:p>
+              <a:p>
+                <a:pPr marL="285750" indent="-285750" algn="ctr">
+                  <a:buFont typeface="Arial" panose="020B0604020202020204" pitchFamily="34" charset="0"/>
+                  <a:buChar char="•"/>
+                </a:pPr>
+                <a:r>
+                  <a:rPr lang="it-IT" sz="1400" dirty="0">
+                    <a:latin typeface="Arial" panose="020B0604020202020204" pitchFamily="34" charset="0"/>
+                    <a:cs typeface="Arial" panose="020B0604020202020204" pitchFamily="34" charset="0"/>
+                  </a:rPr>
+                  <a:t>L’elemento più piccolo in </a:t>
+                </a:r>
+                <a14:m>
+                  <m:oMath xmlns:m="http://schemas.openxmlformats.org/officeDocument/2006/math">
+                    <m:r>
+                      <a:rPr lang="it-IT" sz="1400" i="1" dirty="0" smtClean="0">
+                        <a:latin typeface="Cambria Math" panose="02040503050406030204" pitchFamily="18" charset="0"/>
+                        <a:cs typeface="Arial" panose="020B0604020202020204" pitchFamily="34" charset="0"/>
+                      </a:rPr>
+                      <m:t>𝐷</m:t>
+                    </m:r>
+                  </m:oMath>
+                </a14:m>
+                <a:r>
+                  <a:rPr lang="it-IT" sz="1400" dirty="0">
+                    <a:latin typeface="Arial" panose="020B0604020202020204" pitchFamily="34" charset="0"/>
+                    <a:cs typeface="Arial" panose="020B0604020202020204" pitchFamily="34" charset="0"/>
+                  </a:rPr>
+                  <a:t> corrisponde a due foglie vicine in </a:t>
+                </a:r>
+                <a14:m>
+                  <m:oMath xmlns:m="http://schemas.openxmlformats.org/officeDocument/2006/math">
+                    <m:r>
+                      <a:rPr lang="it-IT" sz="1400" i="1" dirty="0" smtClean="0">
+                        <a:latin typeface="Cambria Math" panose="02040503050406030204" pitchFamily="18" charset="0"/>
+                        <a:cs typeface="Arial" panose="020B0604020202020204" pitchFamily="34" charset="0"/>
+                      </a:rPr>
+                      <m:t>𝑇</m:t>
+                    </m:r>
+                  </m:oMath>
+                </a14:m>
+                <a:r>
+                  <a:rPr lang="it-IT" sz="1400" dirty="0">
+                    <a:latin typeface="Arial" panose="020B0604020202020204" pitchFamily="34" charset="0"/>
+                    <a:cs typeface="Arial" panose="020B0604020202020204" pitchFamily="34" charset="0"/>
+                  </a:rPr>
+                  <a:t>;</a:t>
+                </a:r>
+              </a:p>
+              <a:p>
+                <a:pPr marL="285750" indent="-285750" algn="ctr">
+                  <a:buFont typeface="Arial" panose="020B0604020202020204" pitchFamily="34" charset="0"/>
+                  <a:buChar char="•"/>
+                </a:pPr>
                 <a14:m>
                   <m:oMath xmlns:m="http://schemas.openxmlformats.org/officeDocument/2006/math">
                     <m:r>
@@ -5720,7 +5718,21 @@
                     <a:latin typeface="Arial" panose="020B0604020202020204" pitchFamily="34" charset="0"/>
                     <a:cs typeface="Arial" panose="020B0604020202020204" pitchFamily="34" charset="0"/>
                   </a:rPr>
-                  <a:t> non è additiva.</a:t>
+                  <a:t> deve essere </a:t>
+                </a:r>
+                <a:r>
+                  <a:rPr lang="it-IT" sz="1400" i="1" dirty="0">
+                    <a:latin typeface="Arial" panose="020B0604020202020204" pitchFamily="34" charset="0"/>
+                    <a:cs typeface="Arial" panose="020B0604020202020204" pitchFamily="34" charset="0"/>
+                  </a:rPr>
+                  <a:t>additiva</a:t>
+                </a:r>
+                <a:r>
+                  <a:rPr lang="it-IT" sz="1400" dirty="0">
+                    <a:latin typeface="Arial" panose="020B0604020202020204" pitchFamily="34" charset="0"/>
+                    <a:cs typeface="Arial" panose="020B0604020202020204" pitchFamily="34" charset="0"/>
+                  </a:rPr>
+                  <a:t>.</a:t>
                 </a:r>
               </a:p>
             </p:txBody>
@@ -5743,7 +5755,7 @@
             </p:nvSpPr>
             <p:spPr>
               <a:xfrm>
-                <a:off x="-185" y="2218684"/>
+                <a:off x="-185" y="2237868"/>
                 <a:ext cx="9134754" cy="738664"/>
               </a:xfrm>
               <a:prstGeom prst="rect">
@@ -5752,7 +5764,7 @@
               <a:blipFill>
                 <a:blip r:embed="rId4"/>
                 <a:stretch>
-                  <a:fillRect l="-134" t="-1653" b="-7438"/>
+                  <a:fillRect t="-1653" b="-8264"/>
                 </a:stretch>
               </a:blipFill>
             </p:spPr>
@@ -5882,7 +5894,7 @@
                     <a:latin typeface="Arial" panose="020B0604020202020204" pitchFamily="34" charset="0"/>
                     <a:cs typeface="Arial" panose="020B0604020202020204" pitchFamily="34" charset="0"/>
                   </a:rPr>
-                  <a:t>.</a:t>
+                  <a:t> non additiva.</a:t>
                 </a:r>
               </a:p>
             </p:txBody>
@@ -5987,13 +5999,14 @@
           <p:cNvCxnSpPr>
             <a:cxnSpLocks/>
             <a:stCxn id="24" idx="2"/>
+            <a:endCxn id="27" idx="0"/>
           </p:cNvCxnSpPr>
           <p:nvPr/>
         </p:nvCxnSpPr>
         <p:spPr>
           <a:xfrm>
             <a:off x="4576623" y="4908370"/>
-            <a:ext cx="0" cy="358437"/>
+            <a:ext cx="1999" cy="587037"/>
           </a:xfrm>
           <a:prstGeom prst="straightConnector1">
             <a:avLst/>
@@ -6031,7 +6044,7 @@
         </p:nvSpPr>
         <p:spPr>
           <a:xfrm>
-            <a:off x="-185" y="5266807"/>
+            <a:off x="11245" y="5495407"/>
             <a:ext cx="9134754" cy="307777"/>
           </a:xfrm>
           <a:prstGeom prst="rect">
@@ -6077,14 +6090,15 @@
             </a:extLst>
           </p:cNvPr>
           <p:cNvCxnSpPr>
+            <a:cxnSpLocks/>
             <a:stCxn id="32" idx="2"/>
           </p:cNvCxnSpPr>
           <p:nvPr/>
         </p:nvCxnSpPr>
         <p:spPr>
           <a:xfrm>
-            <a:off x="4567192" y="2957348"/>
-            <a:ext cx="9431" cy="643996"/>
+            <a:off x="4567192" y="2976532"/>
+            <a:ext cx="11430" cy="587037"/>
           </a:xfrm>
           <a:prstGeom prst="straightConnector1">
             <a:avLst/>
@@ -6567,7 +6581,7 @@
                     <a:latin typeface="Arial" panose="020B0604020202020204" pitchFamily="34" charset="0"/>
                     <a:cs typeface="Arial" panose="020B0604020202020204" pitchFamily="34" charset="0"/>
                   </a:rPr>
-                  <a:t> che approssimi al meglio le distanze tra le foglie in </a:t>
+                  <a:t> che approssimi al meglio </a:t>
                 </a:r>
                 <a14:m>
                   <m:oMath xmlns:m="http://schemas.openxmlformats.org/officeDocument/2006/math">
@@ -6645,13 +6659,15 @@
               </a:ext>
             </a:extLst>
           </p:cNvPr>
-          <p:cNvCxnSpPr/>
+          <p:cNvCxnSpPr>
+            <a:cxnSpLocks/>
+          </p:cNvCxnSpPr>
           <p:nvPr/>
         </p:nvCxnSpPr>
         <p:spPr>
           <a:xfrm>
-            <a:off x="4952061" y="2328334"/>
-            <a:ext cx="847606" cy="0"/>
+            <a:off x="5094300" y="2328334"/>
+            <a:ext cx="705367" cy="0"/>
           </a:xfrm>
           <a:prstGeom prst="straightConnector1">
             <a:avLst/>
@@ -6741,7 +6757,7 @@
                     <a:latin typeface="Arial" panose="020B0604020202020204" pitchFamily="34" charset="0"/>
                     <a:cs typeface="Arial" panose="020B0604020202020204" pitchFamily="34" charset="0"/>
                   </a:rPr>
-                  <a:t> si definisce        la seguente matrice:</a:t>
+                  <a:t> si definisce        la matrice ottenuta dalla seguente formula:</a:t>
                 </a:r>
               </a:p>
             </p:txBody>
@@ -6886,8 +6902,8 @@
         </p:blipFill>
         <p:spPr>
           <a:xfrm>
-            <a:off x="957431" y="3354285"/>
-            <a:ext cx="7228952" cy="699429"/>
+            <a:off x="1307253" y="3444875"/>
+            <a:ext cx="6529308" cy="631735"/>
           </a:xfrm>
           <a:prstGeom prst="rect">
             <a:avLst/>
@@ -6916,8 +6932,8 @@
         </p:blipFill>
         <p:spPr>
           <a:xfrm>
-            <a:off x="1981200" y="4416321"/>
-            <a:ext cx="4412207" cy="1577422"/>
+            <a:off x="2238941" y="4438274"/>
+            <a:ext cx="3929641" cy="1460492"/>
           </a:xfrm>
           <a:prstGeom prst="rect">
             <a:avLst/>
@@ -7596,8 +7612,8 @@
             </p:nvSpPr>
             <p:spPr>
               <a:xfrm>
-                <a:off x="-10253" y="2071805"/>
-                <a:ext cx="8443052" cy="325025"/>
+                <a:off x="-49715" y="2483446"/>
+                <a:ext cx="2461446" cy="307777"/>
               </a:xfrm>
               <a:prstGeom prst="rect">
                 <a:avLst/>
@@ -7649,49 +7665,7 @@
                         <a:latin typeface="Cambria Math" panose="02040503050406030204" pitchFamily="18" charset="0"/>
                         <a:cs typeface="Arial" panose="020B0604020202020204" pitchFamily="34" charset="0"/>
                       </a:rPr>
-                      <m:t>𝑡𝑜𝑡𝑎𝑙𝐷𝑖𝑠𝑡𝑎𝑛𝑐𝑒</m:t>
-                    </m:r>
-                    <m:r>
-                      <a:rPr lang="it-IT" sz="1400" b="0" i="1" smtClean="0">
-                        <a:latin typeface="Cambria Math" panose="02040503050406030204" pitchFamily="18" charset="0"/>
-                        <a:cs typeface="Arial" panose="020B0604020202020204" pitchFamily="34" charset="0"/>
-                      </a:rPr>
-                      <m:t>(</m:t>
-                    </m:r>
-                    <m:sSub>
-                      <m:sSubPr>
-                        <m:ctrlPr>
-                          <a:rPr lang="it-IT" sz="1400" b="0" i="1" smtClean="0">
-                            <a:latin typeface="Cambria Math" panose="02040503050406030204" pitchFamily="18" charset="0"/>
-                            <a:cs typeface="Arial" panose="020B0604020202020204" pitchFamily="34" charset="0"/>
-                          </a:rPr>
-                        </m:ctrlPr>
-                      </m:sSubPr>
-                      <m:e>
-                        <m:r>
-                          <a:rPr lang="it-IT" sz="1400" b="0" i="1" smtClean="0">
-                            <a:latin typeface="Cambria Math" panose="02040503050406030204" pitchFamily="18" charset="0"/>
-                            <a:cs typeface="Arial" panose="020B0604020202020204" pitchFamily="34" charset="0"/>
-                          </a:rPr>
-                          <m:t>𝐷</m:t>
-                        </m:r>
-                      </m:e>
-                      <m:sub>
-                        <m:r>
-                          <a:rPr lang="it-IT" sz="1400" b="0" i="1" smtClean="0">
-                            <a:latin typeface="Cambria Math" panose="02040503050406030204" pitchFamily="18" charset="0"/>
-                            <a:cs typeface="Arial" panose="020B0604020202020204" pitchFamily="34" charset="0"/>
-                          </a:rPr>
-                          <m:t>𝑓</m:t>
-                        </m:r>
-                      </m:sub>
-                    </m:sSub>
-                    <m:r>
-                      <a:rPr lang="it-IT" sz="1400" b="0" i="1" smtClean="0">
-                        <a:latin typeface="Cambria Math" panose="02040503050406030204" pitchFamily="18" charset="0"/>
-                        <a:cs typeface="Arial" panose="020B0604020202020204" pitchFamily="34" charset="0"/>
-                      </a:rPr>
-                      <m:t>)</m:t>
+                      <m:t>𝑓</m:t>
                     </m:r>
                   </m:oMath>
                 </a14:m>
@@ -7706,52 +7680,12 @@
                 <a14:m>
                   <m:oMath xmlns:m="http://schemas.openxmlformats.org/officeDocument/2006/math">
                     <m:r>
-                      <a:rPr lang="it-IT" sz="1400" i="1">
+                      <a:rPr lang="it-IT" sz="1400" i="1" smtClean="0">
                         <a:latin typeface="Cambria Math" panose="02040503050406030204" pitchFamily="18" charset="0"/>
                         <a:cs typeface="Arial" panose="020B0604020202020204" pitchFamily="34" charset="0"/>
                       </a:rPr>
-                      <m:t>𝑡𝑜𝑡𝑎𝑙𝐷𝑖𝑠𝑡𝑎𝑛𝑐𝑒</m:t>
+                      <m:t>𝑏</m:t>
                     </m:r>
-                    <m:d>
-                      <m:dPr>
-                        <m:ctrlPr>
-                          <a:rPr lang="it-IT" sz="1400" i="1">
-                            <a:latin typeface="Cambria Math" panose="02040503050406030204" pitchFamily="18" charset="0"/>
-                            <a:cs typeface="Arial" panose="020B0604020202020204" pitchFamily="34" charset="0"/>
-                          </a:rPr>
-                        </m:ctrlPr>
-                      </m:dPr>
-                      <m:e>
-                        <m:sSub>
-                          <m:sSubPr>
-                            <m:ctrlPr>
-                              <a:rPr lang="it-IT" sz="1400" i="1">
-                                <a:latin typeface="Cambria Math" panose="02040503050406030204" pitchFamily="18" charset="0"/>
-                                <a:cs typeface="Arial" panose="020B0604020202020204" pitchFamily="34" charset="0"/>
-                              </a:rPr>
-                            </m:ctrlPr>
-                          </m:sSubPr>
-                          <m:e>
-                            <m:r>
-                              <a:rPr lang="it-IT" sz="1400" i="1">
-                                <a:latin typeface="Cambria Math" panose="02040503050406030204" pitchFamily="18" charset="0"/>
-                                <a:cs typeface="Arial" panose="020B0604020202020204" pitchFamily="34" charset="0"/>
-                              </a:rPr>
-                              <m:t>𝐷</m:t>
-                            </m:r>
-                          </m:e>
-                          <m:sub>
-                            <m:r>
-                              <a:rPr lang="it-IT" sz="1400" b="0" i="1" smtClean="0">
-                                <a:latin typeface="Cambria Math" panose="02040503050406030204" pitchFamily="18" charset="0"/>
-                                <a:cs typeface="Arial" panose="020B0604020202020204" pitchFamily="34" charset="0"/>
-                              </a:rPr>
-                              <m:t>𝑏</m:t>
-                            </m:r>
-                          </m:sub>
-                        </m:sSub>
-                      </m:e>
-                    </m:d>
                   </m:oMath>
                 </a14:m>
                 <a:r>
@@ -7782,8 +7716,8 @@
             </p:nvSpPr>
             <p:spPr>
               <a:xfrm>
-                <a:off x="-10253" y="2071805"/>
-                <a:ext cx="8443052" cy="325025"/>
+                <a:off x="-49715" y="2483446"/>
+                <a:ext cx="2461446" cy="307777"/>
               </a:xfrm>
               <a:prstGeom prst="rect">
                 <a:avLst/>
@@ -7791,7 +7725,7 @@
               <a:blipFill>
                 <a:blip r:embed="rId12"/>
                 <a:stretch>
-                  <a:fillRect l="-72" t="-3774" b="-13208"/>
+                  <a:fillRect l="-495" t="-1961" b="-19608"/>
                 </a:stretch>
               </a:blipFill>
             </p:spPr>
@@ -7812,10 +7746,10 @@
       </mc:AlternateContent>
       <p:pic>
         <p:nvPicPr>
-          <p:cNvPr id="21" name="Immagine 20">
+          <p:cNvPr id="8" name="Immagine 7">
             <a:extLst>
               <a:ext uri="{FF2B5EF4-FFF2-40B4-BE49-F238E27FC236}">
-                <a16:creationId xmlns:a16="http://schemas.microsoft.com/office/drawing/2014/main" id="{F4981A49-0193-4A3A-AAF3-11CCA4DD7E37}"/>
+                <a16:creationId xmlns:a16="http://schemas.microsoft.com/office/drawing/2014/main" id="{08CC85AA-D08E-430C-93D5-AC913944FDD7}"/>
               </a:ext>
             </a:extLst>
           </p:cNvPr>
@@ -7836,55 +7770,14 @@
         </p:blipFill>
         <p:spPr>
           <a:xfrm>
-            <a:off x="1587485" y="2703360"/>
-            <a:ext cx="5494530" cy="415236"/>
+            <a:off x="2988285" y="2351483"/>
+            <a:ext cx="4583989" cy="488060"/>
           </a:xfrm>
           <a:prstGeom prst="rect">
             <a:avLst/>
           </a:prstGeom>
         </p:spPr>
       </p:pic>
-      <p:cxnSp>
-        <p:nvCxnSpPr>
-          <p:cNvPr id="27" name="Connettore 2 26">
-            <a:extLst>
-              <a:ext uri="{FF2B5EF4-FFF2-40B4-BE49-F238E27FC236}">
-                <a16:creationId xmlns:a16="http://schemas.microsoft.com/office/drawing/2014/main" id="{3C8B2C2C-8FF8-453A-8C4D-88DE7B23D9D6}"/>
-              </a:ext>
-            </a:extLst>
-          </p:cNvPr>
-          <p:cNvCxnSpPr>
-            <a:cxnSpLocks/>
-          </p:cNvCxnSpPr>
-          <p:nvPr/>
-        </p:nvCxnSpPr>
-        <p:spPr>
-          <a:xfrm>
-            <a:off x="4348480" y="2396830"/>
-            <a:ext cx="0" cy="250263"/>
-          </a:xfrm>
-          <a:prstGeom prst="straightConnector1">
-            <a:avLst/>
-          </a:prstGeom>
-          <a:ln>
-            <a:tailEnd type="triangle"/>
-          </a:ln>
-        </p:spPr>
-        <p:style>
-          <a:lnRef idx="2">
-            <a:schemeClr val="accent1"/>
-          </a:lnRef>
-          <a:fillRef idx="0">
-            <a:schemeClr val="accent1"/>
-          </a:fillRef>
-          <a:effectRef idx="1">
-            <a:schemeClr val="accent1"/>
-          </a:effectRef>
-          <a:fontRef idx="minor">
-            <a:schemeClr val="tx1"/>
-          </a:fontRef>
-        </p:style>
-      </p:cxnSp>
       <mc:AlternateContent xmlns:mc="http://schemas.openxmlformats.org/markup-compatibility/2006" xmlns:a14="http://schemas.microsoft.com/office/drawing/2010/main">
         <mc:Choice Requires="a14">
           <p:sp>
@@ -7901,7 +7794,7 @@
             </p:nvSpPr>
             <p:spPr>
               <a:xfrm>
-                <a:off x="-10253" y="3911810"/>
+                <a:off x="1177" y="3728930"/>
                 <a:ext cx="3901533" cy="307777"/>
               </a:xfrm>
               <a:prstGeom prst="rect">
@@ -7933,7 +7826,7 @@
                         <a:latin typeface="Cambria Math" panose="02040503050406030204" pitchFamily="18" charset="0"/>
                         <a:cs typeface="Arial" panose="020B0604020202020204" pitchFamily="34" charset="0"/>
                       </a:rPr>
-                      <m:t>𝑙𝑖𝑚𝑏𝑤𝑒𝑖𝑔h𝑡</m:t>
+                      <m:t>𝑒𝑑𝑔𝑒𝑤𝑒𝑖𝑔h𝑡</m:t>
                     </m:r>
                     <m:r>
                       <a:rPr lang="it-IT" sz="1400" b="0" i="1" smtClean="0">
@@ -7972,7 +7865,7 @@
                         <a:latin typeface="Cambria Math" panose="02040503050406030204" pitchFamily="18" charset="0"/>
                         <a:cs typeface="Arial" panose="020B0604020202020204" pitchFamily="34" charset="0"/>
                       </a:rPr>
-                      <m:t>𝑙𝑖𝑚𝑏𝑤𝑒𝑖𝑔h𝑡</m:t>
+                      <m:t>𝑒𝑑𝑔𝑒𝑤𝑒𝑖𝑔h𝑡</m:t>
                     </m:r>
                     <m:r>
                       <a:rPr lang="it-IT" sz="1400" i="1">
@@ -8022,7 +7915,7 @@
             </p:nvSpPr>
             <p:spPr>
               <a:xfrm>
-                <a:off x="-10253" y="3911810"/>
+                <a:off x="1177" y="3728930"/>
                 <a:ext cx="3901533" cy="307777"/>
               </a:xfrm>
               <a:prstGeom prst="rect">
@@ -8052,10 +7945,10 @@
       </mc:AlternateContent>
       <p:pic>
         <p:nvPicPr>
-          <p:cNvPr id="32" name="Immagine 31">
+          <p:cNvPr id="22" name="Immagine 21">
             <a:extLst>
               <a:ext uri="{FF2B5EF4-FFF2-40B4-BE49-F238E27FC236}">
-                <a16:creationId xmlns:a16="http://schemas.microsoft.com/office/drawing/2014/main" id="{EA0361F7-E5BA-4B00-9B6E-A444A7348F39}"/>
+                <a16:creationId xmlns:a16="http://schemas.microsoft.com/office/drawing/2014/main" id="{9BD5B4D5-AD95-413E-9CA6-556B9A31D1DE}"/>
               </a:ext>
             </a:extLst>
           </p:cNvPr>
@@ -8076,8 +7969,8 @@
         </p:blipFill>
         <p:spPr>
           <a:xfrm>
-            <a:off x="4288883" y="3439370"/>
-            <a:ext cx="4836982" cy="521591"/>
+            <a:off x="4300313" y="3256490"/>
+            <a:ext cx="4837368" cy="522022"/>
           </a:xfrm>
           <a:prstGeom prst="rect">
             <a:avLst/>
@@ -8086,10 +7979,10 @@
       </p:pic>
       <p:pic>
         <p:nvPicPr>
-          <p:cNvPr id="35" name="Immagine 34">
+          <p:cNvPr id="26" name="Immagine 25">
             <a:extLst>
               <a:ext uri="{FF2B5EF4-FFF2-40B4-BE49-F238E27FC236}">
-                <a16:creationId xmlns:a16="http://schemas.microsoft.com/office/drawing/2014/main" id="{9F8768C0-602E-4800-AA62-8AD63384B72E}"/>
+                <a16:creationId xmlns:a16="http://schemas.microsoft.com/office/drawing/2014/main" id="{20476C1E-3F23-4380-9504-D02F36DD70B2}"/>
               </a:ext>
             </a:extLst>
           </p:cNvPr>
@@ -8110,8 +8003,8 @@
         </p:blipFill>
         <p:spPr>
           <a:xfrm>
-            <a:off x="4287878" y="4060553"/>
-            <a:ext cx="4804663" cy="522022"/>
+            <a:off x="4299308" y="3877673"/>
+            <a:ext cx="4804558" cy="522453"/>
           </a:xfrm>
           <a:prstGeom prst="rect">
             <a:avLst/>
@@ -8134,7 +8027,7 @@
         </p:nvCxnSpPr>
         <p:spPr>
           <a:xfrm rot="5400000" flipH="1" flipV="1">
-            <a:off x="2970071" y="2670609"/>
+            <a:off x="2981501" y="2487729"/>
             <a:ext cx="211645" cy="2270759"/>
           </a:xfrm>
           <a:prstGeom prst="bentConnector2">
@@ -8175,7 +8068,7 @@
         </p:nvCxnSpPr>
         <p:spPr>
           <a:xfrm>
-            <a:off x="3075893" y="4219587"/>
+            <a:off x="3087323" y="4036707"/>
             <a:ext cx="1079547" cy="128893"/>
           </a:xfrm>
           <a:prstGeom prst="bentConnector3">
@@ -8218,8 +8111,8 @@
             </p:nvSpPr>
             <p:spPr>
               <a:xfrm>
-                <a:off x="-10254" y="4986422"/>
-                <a:ext cx="9408254" cy="307777"/>
+                <a:off x="-14356" y="4824181"/>
+                <a:ext cx="9249796" cy="307777"/>
               </a:xfrm>
               <a:prstGeom prst="rect">
                 <a:avLst/>
@@ -8363,8 +8256,8 @@
             </p:nvSpPr>
             <p:spPr>
               <a:xfrm>
-                <a:off x="-10254" y="4986422"/>
-                <a:ext cx="9408254" cy="307777"/>
+                <a:off x="-14356" y="4824181"/>
+                <a:ext cx="9249796" cy="307777"/>
               </a:xfrm>
               <a:prstGeom prst="rect">
                 <a:avLst/>
@@ -8372,7 +8265,7 @@
               <a:blipFill>
                 <a:blip r:embed="rId17"/>
                 <a:stretch>
-                  <a:fillRect l="-65" t="-4000" b="-20000"/>
+                  <a:fillRect l="-132" t="-1961" r="-66" b="-19608"/>
                 </a:stretch>
               </a:blipFill>
             </p:spPr>
@@ -8460,7 +8353,7 @@
                     <a:latin typeface="Arial" panose="020B0604020202020204" pitchFamily="34" charset="0"/>
                     <a:cs typeface="Arial" panose="020B0604020202020204" pitchFamily="34" charset="0"/>
                   </a:rPr>
-                  <a:t>Infine si eliminano </a:t>
+                  <a:t>Infine elimina </a:t>
                 </a:r>
                 <a14:m>
                   <m:oMath xmlns:m="http://schemas.openxmlformats.org/officeDocument/2006/math">
@@ -8622,6 +8515,48 @@
           <a:xfrm flipH="1">
             <a:off x="4420303" y="5964885"/>
             <a:ext cx="4277" cy="282691"/>
+          </a:xfrm>
+          <a:prstGeom prst="straightConnector1">
+            <a:avLst/>
+          </a:prstGeom>
+          <a:ln>
+            <a:tailEnd type="triangle"/>
+          </a:ln>
+        </p:spPr>
+        <p:style>
+          <a:lnRef idx="2">
+            <a:schemeClr val="accent1"/>
+          </a:lnRef>
+          <a:fillRef idx="0">
+            <a:schemeClr val="accent1"/>
+          </a:fillRef>
+          <a:effectRef idx="1">
+            <a:schemeClr val="accent1"/>
+          </a:effectRef>
+          <a:fontRef idx="minor">
+            <a:schemeClr val="tx1"/>
+          </a:fontRef>
+        </p:style>
+      </p:cxnSp>
+      <p:cxnSp>
+        <p:nvCxnSpPr>
+          <p:cNvPr id="18" name="Connettore 2 17">
+            <a:extLst>
+              <a:ext uri="{FF2B5EF4-FFF2-40B4-BE49-F238E27FC236}">
+                <a16:creationId xmlns:a16="http://schemas.microsoft.com/office/drawing/2014/main" id="{D5068F28-24BF-43A7-8DC5-7FB82B38C07A}"/>
+              </a:ext>
+            </a:extLst>
+          </p:cNvPr>
+          <p:cNvCxnSpPr>
+            <a:cxnSpLocks/>
+            <a:stCxn id="25" idx="3"/>
+          </p:cNvCxnSpPr>
+          <p:nvPr/>
+        </p:nvCxnSpPr>
+        <p:spPr>
+          <a:xfrm>
+            <a:off x="2411731" y="2637335"/>
+            <a:ext cx="504188" cy="0"/>
           </a:xfrm>
           <a:prstGeom prst="straightConnector1">
             <a:avLst/>
@@ -9285,8 +9220,8 @@
             </p:nvSpPr>
             <p:spPr>
               <a:xfrm>
-                <a:off x="-1" y="3098340"/>
-                <a:ext cx="4572001" cy="523220"/>
+                <a:off x="0" y="3098340"/>
+                <a:ext cx="3120570" cy="523220"/>
               </a:xfrm>
               <a:prstGeom prst="rect">
                 <a:avLst/>
@@ -9333,7 +9268,22 @@
                     <a:latin typeface="Arial" panose="020B0604020202020204" pitchFamily="34" charset="0"/>
                     <a:cs typeface="Arial" panose="020B0604020202020204" pitchFamily="34" charset="0"/>
                   </a:rPr>
-                  <a:t> sono nodi interni collegati da un arco di peso 1,5.</a:t>
+                  <a:t> nodi interni </a:t>
+                </a:r>
+                <a:r>
+                  <a:rPr lang="it-IT" sz="1400" dirty="0">
+                    <a:latin typeface="Arial" panose="020B0604020202020204" pitchFamily="34" charset="0"/>
+                    <a:cs typeface="Arial" panose="020B0604020202020204" pitchFamily="34" charset="0"/>
+                    <a:sym typeface="Wingdings" panose="05000000000000000000" pitchFamily="2" charset="2"/>
+                  </a:rPr>
+                  <a:t> </a:t>
+                </a:r>
+                <a:r>
+                  <a:rPr lang="it-IT" sz="1400" dirty="0">
+                    <a:latin typeface="Arial" panose="020B0604020202020204" pitchFamily="34" charset="0"/>
+                    <a:cs typeface="Arial" panose="020B0604020202020204" pitchFamily="34" charset="0"/>
+                  </a:rPr>
+                  <a:t>arco di peso 1,5.</a:t>
                 </a:r>
                 <a:br>
                   <a:rPr lang="it-IT" sz="1400" dirty="0">
@@ -9346,7 +9296,7 @@
                     <a:latin typeface="Arial" panose="020B0604020202020204" pitchFamily="34" charset="0"/>
                     <a:cs typeface="Arial" panose="020B0604020202020204" pitchFamily="34" charset="0"/>
                   </a:rPr>
-                  <a:t>Adesso si può costruire l’albero finale </a:t>
+                  <a:t>Adesso si può costruire </a:t>
                 </a:r>
                 <a14:m>
                   <m:oMath xmlns:m="http://schemas.openxmlformats.org/officeDocument/2006/math">
@@ -9387,8 +9337,8 @@
             </p:nvSpPr>
             <p:spPr>
               <a:xfrm>
-                <a:off x="-1" y="3098340"/>
-                <a:ext cx="4572001" cy="523220"/>
+                <a:off x="0" y="3098340"/>
+                <a:ext cx="3120570" cy="523220"/>
               </a:xfrm>
               <a:prstGeom prst="rect">
                 <a:avLst/>
@@ -9396,7 +9346,7 @@
               <a:blipFill>
                 <a:blip r:embed="rId7"/>
                 <a:stretch>
-                  <a:fillRect l="-400" t="-1163" b="-11628"/>
+                  <a:fillRect l="-586" t="-1163" b="-11628"/>
                 </a:stretch>
               </a:blipFill>
             </p:spPr>
@@ -9454,13 +9404,15 @@
               </a:ext>
             </a:extLst>
           </p:cNvPr>
-          <p:cNvCxnSpPr/>
+          <p:cNvCxnSpPr>
+            <a:cxnSpLocks/>
+          </p:cNvCxnSpPr>
           <p:nvPr/>
         </p:nvCxnSpPr>
         <p:spPr>
           <a:xfrm flipH="1">
-            <a:off x="4572000" y="3401329"/>
-            <a:ext cx="1747520" cy="0"/>
+            <a:off x="3120570" y="3401329"/>
+            <a:ext cx="3073400" cy="0"/>
           </a:xfrm>
           <a:prstGeom prst="straightConnector1">
             <a:avLst/>
@@ -9496,19 +9448,17 @@
           <p:cNvCxnSpPr>
             <a:cxnSpLocks/>
             <a:stCxn id="36" idx="2"/>
-            <a:endCxn id="19" idx="0"/>
+            <a:endCxn id="19" idx="1"/>
           </p:cNvCxnSpPr>
           <p:nvPr/>
         </p:nvCxnSpPr>
         <p:spPr>
           <a:xfrm rot="16200000" flipH="1">
-            <a:off x="3241767" y="2665792"/>
-            <a:ext cx="371506" cy="2283041"/>
-          </a:xfrm>
-          <a:prstGeom prst="bentConnector3">
-            <a:avLst>
-              <a:gd name="adj1" fmla="val 50000"/>
-            </a:avLst>
+            <a:off x="1292406" y="3889438"/>
+            <a:ext cx="1486346" cy="950589"/>
+          </a:xfrm>
+          <a:prstGeom prst="bentConnector2">
+            <a:avLst/>
           </a:prstGeom>
           <a:ln>
             <a:tailEnd type="triangle"/>
@@ -9614,7 +9564,7 @@
         </p:blipFill>
         <p:spPr>
           <a:xfrm>
-            <a:off x="-1" y="3123"/>
+            <a:off x="9063" y="-16271"/>
             <a:ext cx="9143817" cy="6872495"/>
           </a:xfrm>
           <a:prstGeom prst="rect">
@@ -9820,52 +9770,14 @@
           </a:p>
         </p:txBody>
       </p:sp>
-      <p:sp>
-        <p:nvSpPr>
-          <p:cNvPr id="53" name="CasellaDiTesto 52">
-            <a:extLst>
-              <a:ext uri="{FF2B5EF4-FFF2-40B4-BE49-F238E27FC236}">
-                <a16:creationId xmlns:a16="http://schemas.microsoft.com/office/drawing/2014/main" id="{C4172192-17B0-4035-AFD1-CBC8BDE7E4CD}"/>
-              </a:ext>
-            </a:extLst>
-          </p:cNvPr>
-          <p:cNvSpPr txBox="1"/>
-          <p:nvPr/>
-        </p:nvSpPr>
-        <p:spPr>
-          <a:xfrm>
-            <a:off x="9062" y="1077183"/>
-            <a:ext cx="1078058" cy="369332"/>
-          </a:xfrm>
-          <a:prstGeom prst="rect">
-            <a:avLst/>
-          </a:prstGeom>
-          <a:noFill/>
-        </p:spPr>
-        <p:txBody>
-          <a:bodyPr wrap="square" rtlCol="0">
-            <a:spAutoFit/>
-          </a:bodyPr>
-          <a:lstStyle/>
-          <a:p>
-            <a:r>
-              <a:rPr lang="it-IT" i="1" dirty="0">
-                <a:latin typeface="Arial"/>
-                <a:cs typeface="Arial"/>
-              </a:rPr>
-              <a:t>Parte 4</a:t>
-            </a:r>
-          </a:p>
-        </p:txBody>
-      </p:sp>
       <mc:AlternateContent xmlns:mc="http://schemas.openxmlformats.org/markup-compatibility/2006" xmlns:a14="http://schemas.microsoft.com/office/drawing/2010/main">
         <mc:Choice Requires="a14">
           <p:sp>
             <p:nvSpPr>
-              <p:cNvPr id="33" name="CasellaDiTesto 32">
+              <p:cNvPr id="53" name="CasellaDiTesto 52">
                 <a:extLst>
                   <a:ext uri="{FF2B5EF4-FFF2-40B4-BE49-F238E27FC236}">
-                    <a16:creationId xmlns:a16="http://schemas.microsoft.com/office/drawing/2014/main" id="{E850FC2F-845B-4A56-BEE2-E421A688F911}"/>
+                    <a16:creationId xmlns:a16="http://schemas.microsoft.com/office/drawing/2014/main" id="{C4172192-17B0-4035-AFD1-CBC8BDE7E4CD}"/>
                   </a:ext>
                 </a:extLst>
               </p:cNvPr>
@@ -9874,7 +9786,257 @@
             </p:nvSpPr>
             <p:spPr>
               <a:xfrm>
-                <a:off x="-2" y="1496338"/>
+                <a:off x="9062" y="1077183"/>
+                <a:ext cx="4557162" cy="369332"/>
+              </a:xfrm>
+              <a:prstGeom prst="rect">
+                <a:avLst/>
+              </a:prstGeom>
+              <a:noFill/>
+            </p:spPr>
+            <p:txBody>
+              <a:bodyPr wrap="square" rtlCol="0">
+                <a:spAutoFit/>
+              </a:bodyPr>
+              <a:lstStyle/>
+              <a:p>
+                <a:r>
+                  <a:rPr lang="it-IT" i="1" dirty="0">
+                    <a:latin typeface="Arial"/>
+                    <a:cs typeface="Arial"/>
+                  </a:rPr>
+                  <a:t>Parte 4 - </a:t>
+                </a:r>
+                <a:r>
+                  <a:rPr lang="it-IT" dirty="0">
+                    <a:latin typeface="Arial" panose="020B0604020202020204" pitchFamily="34" charset="0"/>
+                    <a:cs typeface="Arial" panose="020B0604020202020204" pitchFamily="34" charset="0"/>
+                  </a:rPr>
+                  <a:t>Calcolo discrepanza tra </a:t>
+                </a:r>
+                <a14:m>
+                  <m:oMath xmlns:m="http://schemas.openxmlformats.org/officeDocument/2006/math">
+                    <m:r>
+                      <a:rPr lang="it-IT" i="1">
+                        <a:latin typeface="Cambria Math" panose="02040503050406030204" pitchFamily="18" charset="0"/>
+                        <a:cs typeface="Arial" panose="020B0604020202020204" pitchFamily="34" charset="0"/>
+                      </a:rPr>
+                      <m:t>𝐷</m:t>
+                    </m:r>
+                  </m:oMath>
+                </a14:m>
+                <a:r>
+                  <a:rPr lang="it-IT" dirty="0">
+                    <a:latin typeface="Arial" panose="020B0604020202020204" pitchFamily="34" charset="0"/>
+                    <a:cs typeface="Arial" panose="020B0604020202020204" pitchFamily="34" charset="0"/>
+                  </a:rPr>
+                  <a:t> e </a:t>
+                </a:r>
+                <a14:m>
+                  <m:oMath xmlns:m="http://schemas.openxmlformats.org/officeDocument/2006/math">
+                    <m:r>
+                      <a:rPr lang="it-IT" i="1">
+                        <a:latin typeface="Cambria Math" panose="02040503050406030204" pitchFamily="18" charset="0"/>
+                        <a:cs typeface="Arial" panose="020B0604020202020204" pitchFamily="34" charset="0"/>
+                      </a:rPr>
+                      <m:t>𝐷</m:t>
+                    </m:r>
+                    <m:d>
+                      <m:dPr>
+                        <m:ctrlPr>
+                          <a:rPr lang="it-IT" i="1">
+                            <a:latin typeface="Cambria Math" panose="02040503050406030204" pitchFamily="18" charset="0"/>
+                            <a:cs typeface="Arial" panose="020B0604020202020204" pitchFamily="34" charset="0"/>
+                          </a:rPr>
+                        </m:ctrlPr>
+                      </m:dPr>
+                      <m:e>
+                        <m:r>
+                          <a:rPr lang="it-IT" i="1">
+                            <a:latin typeface="Cambria Math" panose="02040503050406030204" pitchFamily="18" charset="0"/>
+                            <a:cs typeface="Arial" panose="020B0604020202020204" pitchFamily="34" charset="0"/>
+                          </a:rPr>
+                          <m:t>𝑇</m:t>
+                        </m:r>
+                      </m:e>
+                    </m:d>
+                  </m:oMath>
+                </a14:m>
+                <a:endParaRPr lang="it-IT" i="1" dirty="0">
+                  <a:latin typeface="Arial"/>
+                  <a:cs typeface="Arial"/>
+                </a:endParaRPr>
+              </a:p>
+            </p:txBody>
+          </p:sp>
+        </mc:Choice>
+        <mc:Fallback xmlns="">
+          <p:sp>
+            <p:nvSpPr>
+              <p:cNvPr id="53" name="CasellaDiTesto 52">
+                <a:extLst>
+                  <a:ext uri="{FF2B5EF4-FFF2-40B4-BE49-F238E27FC236}">
+                    <a16:creationId xmlns:a16="http://schemas.microsoft.com/office/drawing/2014/main" id="{C4172192-17B0-4035-AFD1-CBC8BDE7E4CD}"/>
+                  </a:ext>
+                </a:extLst>
+              </p:cNvPr>
+              <p:cNvSpPr txBox="1">
+                <a:spLocks noRot="1" noChangeAspect="1" noMove="1" noResize="1" noEditPoints="1" noAdjustHandles="1" noChangeArrowheads="1" noChangeShapeType="1" noTextEdit="1"/>
+              </p:cNvSpPr>
+              <p:nvPr/>
+            </p:nvSpPr>
+            <p:spPr>
+              <a:xfrm>
+                <a:off x="9062" y="1077183"/>
+                <a:ext cx="4557162" cy="369332"/>
+              </a:xfrm>
+              <a:prstGeom prst="rect">
+                <a:avLst/>
+              </a:prstGeom>
+              <a:blipFill>
+                <a:blip r:embed="rId10"/>
+                <a:stretch>
+                  <a:fillRect l="-1070" t="-10000" b="-26667"/>
+                </a:stretch>
+              </a:blipFill>
+            </p:spPr>
+            <p:txBody>
+              <a:bodyPr/>
+              <a:lstStyle/>
+              <a:p>
+                <a:r>
+                  <a:rPr lang="it-IT">
+                    <a:noFill/>
+                  </a:rPr>
+                  <a:t> </a:t>
+                </a:r>
+              </a:p>
+            </p:txBody>
+          </p:sp>
+        </mc:Fallback>
+      </mc:AlternateContent>
+      <p:pic>
+        <p:nvPicPr>
+          <p:cNvPr id="3" name="Immagine 2">
+            <a:extLst>
+              <a:ext uri="{FF2B5EF4-FFF2-40B4-BE49-F238E27FC236}">
+                <a16:creationId xmlns:a16="http://schemas.microsoft.com/office/drawing/2014/main" id="{1BBB9CBA-BD57-4FF9-938C-0ACB28B146B2}"/>
+              </a:ext>
+            </a:extLst>
+          </p:cNvPr>
+          <p:cNvPicPr>
+            <a:picLocks noChangeAspect="1"/>
+          </p:cNvPicPr>
+          <p:nvPr/>
+        </p:nvPicPr>
+        <p:blipFill>
+          <a:blip r:embed="rId11"/>
+          <a:stretch>
+            <a:fillRect/>
+          </a:stretch>
+        </p:blipFill>
+        <p:spPr>
+          <a:xfrm>
+            <a:off x="9062" y="1679255"/>
+            <a:ext cx="3133633" cy="1189894"/>
+          </a:xfrm>
+          <a:prstGeom prst="rect">
+            <a:avLst/>
+          </a:prstGeom>
+        </p:spPr>
+      </p:pic>
+      <p:pic>
+        <p:nvPicPr>
+          <p:cNvPr id="13" name="Immagine 12">
+            <a:extLst>
+              <a:ext uri="{FF2B5EF4-FFF2-40B4-BE49-F238E27FC236}">
+                <a16:creationId xmlns:a16="http://schemas.microsoft.com/office/drawing/2014/main" id="{2C84896A-6507-40DD-BDA5-9898DA2B8B12}"/>
+              </a:ext>
+            </a:extLst>
+          </p:cNvPr>
+          <p:cNvPicPr>
+            <a:picLocks noChangeAspect="1"/>
+          </p:cNvPicPr>
+          <p:nvPr>
+            <p:custDataLst>
+              <p:tags r:id="rId1"/>
+            </p:custDataLst>
+          </p:nvPr>
+        </p:nvPicPr>
+        <p:blipFill>
+          <a:blip r:embed="rId12"/>
+          <a:stretch>
+            <a:fillRect/>
+          </a:stretch>
+        </p:blipFill>
+        <p:spPr>
+          <a:xfrm>
+            <a:off x="4478738" y="2010338"/>
+            <a:ext cx="4376788" cy="565409"/>
+          </a:xfrm>
+          <a:prstGeom prst="rect">
+            <a:avLst/>
+          </a:prstGeom>
+        </p:spPr>
+      </p:pic>
+      <p:cxnSp>
+        <p:nvCxnSpPr>
+          <p:cNvPr id="18" name="Connettore 2 17">
+            <a:extLst>
+              <a:ext uri="{FF2B5EF4-FFF2-40B4-BE49-F238E27FC236}">
+                <a16:creationId xmlns:a16="http://schemas.microsoft.com/office/drawing/2014/main" id="{AE008E4E-9B8D-4D2D-B2F5-849EDF25E22C}"/>
+              </a:ext>
+            </a:extLst>
+          </p:cNvPr>
+          <p:cNvCxnSpPr>
+            <a:cxnSpLocks/>
+          </p:cNvCxnSpPr>
+          <p:nvPr/>
+        </p:nvCxnSpPr>
+        <p:spPr>
+          <a:xfrm>
+            <a:off x="3318005" y="2274202"/>
+            <a:ext cx="985422" cy="7821"/>
+          </a:xfrm>
+          <a:prstGeom prst="straightConnector1">
+            <a:avLst/>
+          </a:prstGeom>
+          <a:ln>
+            <a:tailEnd type="triangle"/>
+          </a:ln>
+        </p:spPr>
+        <p:style>
+          <a:lnRef idx="2">
+            <a:schemeClr val="accent1"/>
+          </a:lnRef>
+          <a:fillRef idx="0">
+            <a:schemeClr val="accent1"/>
+          </a:fillRef>
+          <a:effectRef idx="1">
+            <a:schemeClr val="accent1"/>
+          </a:effectRef>
+          <a:fontRef idx="minor">
+            <a:schemeClr val="tx1"/>
+          </a:fontRef>
+        </p:style>
+      </p:cxnSp>
+      <mc:AlternateContent xmlns:mc="http://schemas.openxmlformats.org/markup-compatibility/2006" xmlns:a14="http://schemas.microsoft.com/office/drawing/2010/main">
+        <mc:Choice Requires="a14">
+          <p:sp>
+            <p:nvSpPr>
+              <p:cNvPr id="24" name="CasellaDiTesto 23">
+                <a:extLst>
+                  <a:ext uri="{FF2B5EF4-FFF2-40B4-BE49-F238E27FC236}">
+                    <a16:creationId xmlns:a16="http://schemas.microsoft.com/office/drawing/2014/main" id="{DAAD4E65-013D-4226-B5A8-21B5F3CCF070}"/>
+                  </a:ext>
+                </a:extLst>
+              </p:cNvPr>
+              <p:cNvSpPr txBox="1"/>
+              <p:nvPr/>
+            </p:nvSpPr>
+            <p:spPr>
+              <a:xfrm>
+                <a:off x="183" y="2988258"/>
                 <a:ext cx="9143817" cy="307777"/>
               </a:xfrm>
               <a:prstGeom prst="rect">
@@ -9888,35 +10050,18 @@
               </a:bodyPr>
               <a:lstStyle/>
               <a:p>
+                <a:pPr algn="ctr"/>
                 <a:r>
                   <a:rPr lang="it-IT" sz="1400" dirty="0">
                     <a:latin typeface="Arial" panose="020B0604020202020204" pitchFamily="34" charset="0"/>
                     <a:cs typeface="Arial" panose="020B0604020202020204" pitchFamily="34" charset="0"/>
                   </a:rPr>
-                  <a:t>Per capire quanto </a:t>
+                  <a:t>Poca discrepanza tra </a:t>
                 </a:r>
                 <a14:m>
                   <m:oMath xmlns:m="http://schemas.openxmlformats.org/officeDocument/2006/math">
                     <m:r>
-                      <a:rPr lang="it-IT" sz="1400" b="0" i="1" smtClean="0">
-                        <a:latin typeface="Cambria Math" panose="02040503050406030204" pitchFamily="18" charset="0"/>
-                        <a:cs typeface="Arial" panose="020B0604020202020204" pitchFamily="34" charset="0"/>
-                      </a:rPr>
-                      <m:t>𝑇</m:t>
-                    </m:r>
-                  </m:oMath>
-                </a14:m>
-                <a:r>
-                  <a:rPr lang="it-IT" sz="1400" dirty="0">
-                    <a:latin typeface="Arial" panose="020B0604020202020204" pitchFamily="34" charset="0"/>
-                    <a:cs typeface="Arial" panose="020B0604020202020204" pitchFamily="34" charset="0"/>
-                  </a:rPr>
-                  <a:t> approssimi al meglio </a:t>
-                </a:r>
-                <a14:m>
-                  <m:oMath xmlns:m="http://schemas.openxmlformats.org/officeDocument/2006/math">
-                    <m:r>
-                      <a:rPr lang="it-IT" sz="1400" b="0" i="1" smtClean="0">
+                      <a:rPr lang="it-IT" sz="1400" i="1" dirty="0" smtClean="0">
                         <a:latin typeface="Cambria Math" panose="02040503050406030204" pitchFamily="18" charset="0"/>
                         <a:cs typeface="Arial" panose="020B0604020202020204" pitchFamily="34" charset="0"/>
                       </a:rPr>
@@ -9929,7 +10074,7 @@
                     <a:latin typeface="Arial" panose="020B0604020202020204" pitchFamily="34" charset="0"/>
                     <a:cs typeface="Arial" panose="020B0604020202020204" pitchFamily="34" charset="0"/>
                   </a:rPr>
-                  <a:t> si costruisce </a:t>
+                  <a:t> e </a:t>
                 </a:r>
                 <a14:m>
                   <m:oMath xmlns:m="http://schemas.openxmlformats.org/officeDocument/2006/math">
@@ -9968,62 +10113,7 @@
                     <a:latin typeface="Arial" panose="020B0604020202020204" pitchFamily="34" charset="0"/>
                     <a:cs typeface="Arial" panose="020B0604020202020204" pitchFamily="34" charset="0"/>
                   </a:rPr>
-                  <a:t> e si calcola la discrepanza tra </a:t>
-                </a:r>
-                <a14:m>
-                  <m:oMath xmlns:m="http://schemas.openxmlformats.org/officeDocument/2006/math">
-                    <m:r>
-                      <a:rPr lang="it-IT" sz="1400" b="0" i="1" smtClean="0">
-                        <a:latin typeface="Cambria Math" panose="02040503050406030204" pitchFamily="18" charset="0"/>
-                        <a:cs typeface="Arial" panose="020B0604020202020204" pitchFamily="34" charset="0"/>
-                      </a:rPr>
-                      <m:t>𝐷</m:t>
-                    </m:r>
-                  </m:oMath>
-                </a14:m>
-                <a:r>
-                  <a:rPr lang="it-IT" sz="1400" dirty="0">
-                    <a:latin typeface="Arial" panose="020B0604020202020204" pitchFamily="34" charset="0"/>
-                    <a:cs typeface="Arial" panose="020B0604020202020204" pitchFamily="34" charset="0"/>
-                  </a:rPr>
-                  <a:t> e </a:t>
-                </a:r>
-                <a14:m>
-                  <m:oMath xmlns:m="http://schemas.openxmlformats.org/officeDocument/2006/math">
-                    <m:r>
-                      <a:rPr lang="it-IT" sz="1400" b="0" i="1" smtClean="0">
-                        <a:latin typeface="Cambria Math" panose="02040503050406030204" pitchFamily="18" charset="0"/>
-                        <a:cs typeface="Arial" panose="020B0604020202020204" pitchFamily="34" charset="0"/>
-                      </a:rPr>
-                      <m:t>𝐷</m:t>
-                    </m:r>
-                    <m:d>
-                      <m:dPr>
-                        <m:ctrlPr>
-                          <a:rPr lang="it-IT" sz="1400" b="0" i="1" smtClean="0">
-                            <a:latin typeface="Cambria Math" panose="02040503050406030204" pitchFamily="18" charset="0"/>
-                            <a:cs typeface="Arial" panose="020B0604020202020204" pitchFamily="34" charset="0"/>
-                          </a:rPr>
-                        </m:ctrlPr>
-                      </m:dPr>
-                      <m:e>
-                        <m:r>
-                          <a:rPr lang="it-IT" sz="1400" b="0" i="1" smtClean="0">
-                            <a:latin typeface="Cambria Math" panose="02040503050406030204" pitchFamily="18" charset="0"/>
-                            <a:cs typeface="Arial" panose="020B0604020202020204" pitchFamily="34" charset="0"/>
-                          </a:rPr>
-                          <m:t>𝑇</m:t>
-                        </m:r>
-                      </m:e>
-                    </m:d>
-                  </m:oMath>
-                </a14:m>
-                <a:r>
-                  <a:rPr lang="it-IT" sz="1400" dirty="0">
-                    <a:latin typeface="Arial" panose="020B0604020202020204" pitchFamily="34" charset="0"/>
-                    <a:cs typeface="Arial" panose="020B0604020202020204" pitchFamily="34" charset="0"/>
-                  </a:rPr>
-                  <a:t>. Quindi:</a:t>
+                  <a:t>.</a:t>
                 </a:r>
               </a:p>
             </p:txBody>
@@ -10032,10 +10122,10 @@
         <mc:Fallback xmlns="">
           <p:sp>
             <p:nvSpPr>
-              <p:cNvPr id="33" name="CasellaDiTesto 32">
+              <p:cNvPr id="24" name="CasellaDiTesto 23">
                 <a:extLst>
                   <a:ext uri="{FF2B5EF4-FFF2-40B4-BE49-F238E27FC236}">
-                    <a16:creationId xmlns:a16="http://schemas.microsoft.com/office/drawing/2014/main" id="{E850FC2F-845B-4A56-BEE2-E421A688F911}"/>
+                    <a16:creationId xmlns:a16="http://schemas.microsoft.com/office/drawing/2014/main" id="{DAAD4E65-013D-4226-B5A8-21B5F3CCF070}"/>
                   </a:ext>
                 </a:extLst>
               </p:cNvPr>
@@ -10046,16 +10136,16 @@
             </p:nvSpPr>
             <p:spPr>
               <a:xfrm>
-                <a:off x="-2" y="1496338"/>
+                <a:off x="183" y="2988258"/>
                 <a:ext cx="9143817" cy="307777"/>
               </a:xfrm>
               <a:prstGeom prst="rect">
                 <a:avLst/>
               </a:prstGeom>
               <a:blipFill>
-                <a:blip r:embed="rId10"/>
+                <a:blip r:embed="rId13"/>
                 <a:stretch>
-                  <a:fillRect l="-200" t="-1961" b="-19608"/>
+                  <a:fillRect t="-3922" b="-19608"/>
                 </a:stretch>
               </a:blipFill>
             </p:spPr>
@@ -10074,151 +10164,6 @@
           </p:sp>
         </mc:Fallback>
       </mc:AlternateContent>
-      <p:pic>
-        <p:nvPicPr>
-          <p:cNvPr id="3" name="Immagine 2">
-            <a:extLst>
-              <a:ext uri="{FF2B5EF4-FFF2-40B4-BE49-F238E27FC236}">
-                <a16:creationId xmlns:a16="http://schemas.microsoft.com/office/drawing/2014/main" id="{1BBB9CBA-BD57-4FF9-938C-0ACB28B146B2}"/>
-              </a:ext>
-            </a:extLst>
-          </p:cNvPr>
-          <p:cNvPicPr>
-            <a:picLocks noChangeAspect="1"/>
-          </p:cNvPicPr>
-          <p:nvPr/>
-        </p:nvPicPr>
-        <p:blipFill>
-          <a:blip r:embed="rId11"/>
-          <a:stretch>
-            <a:fillRect/>
-          </a:stretch>
-        </p:blipFill>
-        <p:spPr>
-          <a:xfrm>
-            <a:off x="9062" y="2113595"/>
-            <a:ext cx="3133633" cy="1189894"/>
-          </a:xfrm>
-          <a:prstGeom prst="rect">
-            <a:avLst/>
-          </a:prstGeom>
-        </p:spPr>
-      </p:pic>
-      <p:pic>
-        <p:nvPicPr>
-          <p:cNvPr id="16" name="Immagine 15">
-            <a:extLst>
-              <a:ext uri="{FF2B5EF4-FFF2-40B4-BE49-F238E27FC236}">
-                <a16:creationId xmlns:a16="http://schemas.microsoft.com/office/drawing/2014/main" id="{85D1E377-2E6B-4AA8-912E-55BE6CF48411}"/>
-              </a:ext>
-            </a:extLst>
-          </p:cNvPr>
-          <p:cNvPicPr>
-            <a:picLocks noChangeAspect="1"/>
-          </p:cNvPicPr>
-          <p:nvPr>
-            <p:custDataLst>
-              <p:tags r:id="rId1"/>
-            </p:custDataLst>
-          </p:nvPr>
-        </p:nvPicPr>
-        <p:blipFill>
-          <a:blip r:embed="rId12"/>
-          <a:stretch>
-            <a:fillRect/>
-          </a:stretch>
-        </p:blipFill>
-        <p:spPr>
-          <a:xfrm>
-            <a:off x="4022921" y="2251298"/>
-            <a:ext cx="4996607" cy="914487"/>
-          </a:xfrm>
-          <a:prstGeom prst="rect">
-            <a:avLst/>
-          </a:prstGeom>
-        </p:spPr>
-      </p:pic>
-      <p:cxnSp>
-        <p:nvCxnSpPr>
-          <p:cNvPr id="18" name="Connettore 2 17">
-            <a:extLst>
-              <a:ext uri="{FF2B5EF4-FFF2-40B4-BE49-F238E27FC236}">
-                <a16:creationId xmlns:a16="http://schemas.microsoft.com/office/drawing/2014/main" id="{AE008E4E-9B8D-4D2D-B2F5-849EDF25E22C}"/>
-              </a:ext>
-            </a:extLst>
-          </p:cNvPr>
-          <p:cNvCxnSpPr>
-            <a:stCxn id="3" idx="3"/>
-            <a:endCxn id="16" idx="1"/>
-          </p:cNvCxnSpPr>
-          <p:nvPr/>
-        </p:nvCxnSpPr>
-        <p:spPr>
-          <a:xfrm>
-            <a:off x="3142695" y="2708542"/>
-            <a:ext cx="880226" cy="0"/>
-          </a:xfrm>
-          <a:prstGeom prst="straightConnector1">
-            <a:avLst/>
-          </a:prstGeom>
-          <a:ln>
-            <a:tailEnd type="triangle"/>
-          </a:ln>
-        </p:spPr>
-        <p:style>
-          <a:lnRef idx="2">
-            <a:schemeClr val="accent1"/>
-          </a:lnRef>
-          <a:fillRef idx="0">
-            <a:schemeClr val="accent1"/>
-          </a:fillRef>
-          <a:effectRef idx="1">
-            <a:schemeClr val="accent1"/>
-          </a:effectRef>
-          <a:fontRef idx="minor">
-            <a:schemeClr val="tx1"/>
-          </a:fontRef>
-        </p:style>
-      </p:cxnSp>
-      <p:sp>
-        <p:nvSpPr>
-          <p:cNvPr id="24" name="CasellaDiTesto 23">
-            <a:extLst>
-              <a:ext uri="{FF2B5EF4-FFF2-40B4-BE49-F238E27FC236}">
-                <a16:creationId xmlns:a16="http://schemas.microsoft.com/office/drawing/2014/main" id="{DAAD4E65-013D-4226-B5A8-21B5F3CCF070}"/>
-              </a:ext>
-            </a:extLst>
-          </p:cNvPr>
-          <p:cNvSpPr txBox="1"/>
-          <p:nvPr/>
-        </p:nvSpPr>
-        <p:spPr>
-          <a:xfrm>
-            <a:off x="183" y="3468318"/>
-            <a:ext cx="9143817" cy="307777"/>
-          </a:xfrm>
-          <a:prstGeom prst="rect">
-            <a:avLst/>
-          </a:prstGeom>
-          <a:noFill/>
-        </p:spPr>
-        <p:txBody>
-          <a:bodyPr wrap="square" rtlCol="0">
-            <a:spAutoFit/>
-          </a:bodyPr>
-          <a:lstStyle/>
-          <a:p>
-            <a:pPr algn="ctr"/>
-            <a:r>
-              <a:rPr lang="it-IT" sz="1400" dirty="0">
-                <a:latin typeface="Arial" panose="020B0604020202020204" pitchFamily="34" charset="0"/>
-                <a:cs typeface="Arial" panose="020B0604020202020204" pitchFamily="34" charset="0"/>
-              </a:rPr>
-              <a:t>Il risultato mostra che c’è poca discrepanza tra le due matrici.</a:t>
-            </a:r>
-          </a:p>
-        </p:txBody>
-      </p:sp>
       <p:cxnSp>
         <p:nvCxnSpPr>
           <p:cNvPr id="25" name="Connettore diritto 24">
@@ -10235,7 +10180,7 @@
         </p:nvCxnSpPr>
         <p:spPr>
           <a:xfrm>
-            <a:off x="436880" y="3835297"/>
+            <a:off x="436880" y="3583837"/>
             <a:ext cx="8098883" cy="0"/>
           </a:xfrm>
           <a:prstGeom prst="line">
@@ -10271,7 +10216,7 @@
         </p:nvSpPr>
         <p:spPr>
           <a:xfrm>
-            <a:off x="-185" y="3893962"/>
+            <a:off x="-185" y="3688222"/>
             <a:ext cx="2663486" cy="369332"/>
           </a:xfrm>
           <a:prstGeom prst="rect">
@@ -10311,8 +10256,8 @@
             </p:nvSpPr>
             <p:spPr>
               <a:xfrm>
-                <a:off x="9063" y="4302484"/>
-                <a:ext cx="5468460" cy="738664"/>
+                <a:off x="9062" y="4073884"/>
+                <a:ext cx="5637357" cy="954107"/>
               </a:xfrm>
               <a:prstGeom prst="rect">
                 <a:avLst/>
@@ -10347,6 +10292,12 @@
                 </a:r>
               </a:p>
               <a:p>
+                <a:endParaRPr lang="it-IT" sz="1400" dirty="0">
+                  <a:latin typeface="Arial" panose="020B0604020202020204" pitchFamily="34" charset="0"/>
+                  <a:cs typeface="Arial" panose="020B0604020202020204" pitchFamily="34" charset="0"/>
+                </a:endParaRPr>
+              </a:p>
+              <a:p>
                 <a:pPr marL="285750" indent="-285750">
                   <a:buFont typeface="Arial" panose="020B0604020202020204" pitchFamily="34" charset="0"/>
                   <a:buChar char="•"/>
@@ -10370,7 +10321,7 @@
                     <a:latin typeface="Arial" panose="020B0604020202020204" pitchFamily="34" charset="0"/>
                     <a:cs typeface="Arial" panose="020B0604020202020204" pitchFamily="34" charset="0"/>
                   </a:rPr>
-                  <a:t>, il peso degli arti ed infine aggiorna la matrice </a:t>
+                  <a:t>, il peso degli archi ed infine aggiorna la matrice </a:t>
                 </a:r>
                 <a14:m>
                   <m:oMath xmlns:m="http://schemas.openxmlformats.org/officeDocument/2006/math">
@@ -10408,16 +10359,16 @@
             </p:nvSpPr>
             <p:spPr>
               <a:xfrm>
-                <a:off x="9063" y="4302484"/>
-                <a:ext cx="5468460" cy="738664"/>
+                <a:off x="9062" y="4073884"/>
+                <a:ext cx="5637357" cy="954107"/>
               </a:xfrm>
               <a:prstGeom prst="rect">
                 <a:avLst/>
               </a:prstGeom>
               <a:blipFill>
-                <a:blip r:embed="rId13"/>
+                <a:blip r:embed="rId14"/>
                 <a:stretch>
-                  <a:fillRect l="-334" t="-1653" b="-7438"/>
+                  <a:fillRect l="-324" t="-637" b="-5732"/>
                 </a:stretch>
               </a:blipFill>
             </p:spPr>
@@ -10455,15 +10406,15 @@
           </p:nvPr>
         </p:nvPicPr>
         <p:blipFill>
-          <a:blip r:embed="rId14"/>
+          <a:blip r:embed="rId15"/>
           <a:stretch>
             <a:fillRect/>
           </a:stretch>
         </p:blipFill>
         <p:spPr>
           <a:xfrm>
-            <a:off x="802641" y="4593578"/>
-            <a:ext cx="284479" cy="166420"/>
+            <a:off x="810084" y="4364978"/>
+            <a:ext cx="277036" cy="162066"/>
           </a:xfrm>
           <a:prstGeom prst="rect">
             <a:avLst/>
@@ -10489,15 +10440,15 @@
           </p:nvPr>
         </p:nvPicPr>
         <p:blipFill>
-          <a:blip r:embed="rId15"/>
+          <a:blip r:embed="rId16"/>
           <a:stretch>
             <a:fillRect/>
           </a:stretch>
         </p:blipFill>
         <p:spPr>
           <a:xfrm>
-            <a:off x="3703873" y="4580380"/>
-            <a:ext cx="2377330" cy="185375"/>
+            <a:off x="3713357" y="4325874"/>
+            <a:ext cx="3009677" cy="234683"/>
           </a:xfrm>
           <a:prstGeom prst="rect">
             <a:avLst/>
@@ -10520,7 +10471,7 @@
         </p:nvCxnSpPr>
         <p:spPr>
           <a:xfrm>
-            <a:off x="3240351" y="4671816"/>
+            <a:off x="3240351" y="4443216"/>
             <a:ext cx="369091" cy="0"/>
           </a:xfrm>
           <a:prstGeom prst="straightConnector1">
@@ -10564,15 +10515,15 @@
           </p:nvPr>
         </p:nvPicPr>
         <p:blipFill>
-          <a:blip r:embed="rId16"/>
+          <a:blip r:embed="rId17"/>
           <a:stretch>
             <a:fillRect/>
           </a:stretch>
         </p:blipFill>
         <p:spPr>
           <a:xfrm>
-            <a:off x="5735951" y="4810764"/>
-            <a:ext cx="1176779" cy="166135"/>
+            <a:off x="6050122" y="4747077"/>
+            <a:ext cx="1719280" cy="242724"/>
           </a:xfrm>
           <a:prstGeom prst="rect">
             <a:avLst/>
@@ -10588,13 +10539,15 @@
               </a:ext>
             </a:extLst>
           </p:cNvPr>
-          <p:cNvCxnSpPr/>
+          <p:cNvCxnSpPr>
+            <a:cxnSpLocks/>
+          </p:cNvCxnSpPr>
           <p:nvPr/>
         </p:nvCxnSpPr>
         <p:spPr>
           <a:xfrm>
-            <a:off x="5379868" y="4893831"/>
-            <a:ext cx="275208" cy="0"/>
+            <a:off x="5549153" y="4866202"/>
+            <a:ext cx="417307" cy="2237"/>
           </a:xfrm>
           <a:prstGeom prst="straightConnector1">
             <a:avLst/>
@@ -10620,10 +10573,10 @@
       </p:cxnSp>
       <p:pic>
         <p:nvPicPr>
-          <p:cNvPr id="45" name="Immagine 44">
+          <p:cNvPr id="9" name="Immagine 8">
             <a:extLst>
               <a:ext uri="{FF2B5EF4-FFF2-40B4-BE49-F238E27FC236}">
-                <a16:creationId xmlns:a16="http://schemas.microsoft.com/office/drawing/2014/main" id="{1BA9652B-EEC5-4F43-952B-E1B15E552D30}"/>
+                <a16:creationId xmlns:a16="http://schemas.microsoft.com/office/drawing/2014/main" id="{1F85403B-710A-468C-8688-5BC964239137}"/>
               </a:ext>
             </a:extLst>
           </p:cNvPr>
@@ -10637,15 +10590,15 @@
           </p:nvPr>
         </p:nvPicPr>
         <p:blipFill>
-          <a:blip r:embed="rId17"/>
+          <a:blip r:embed="rId18"/>
           <a:stretch>
             <a:fillRect/>
           </a:stretch>
         </p:blipFill>
         <p:spPr>
           <a:xfrm>
-            <a:off x="1471272" y="5287366"/>
-            <a:ext cx="6201456" cy="231310"/>
+            <a:off x="2842296" y="5396066"/>
+            <a:ext cx="3458855" cy="232933"/>
           </a:xfrm>
           <a:prstGeom prst="rect">
             <a:avLst/>
@@ -10754,7 +10707,7 @@
                 <a:avLst/>
               </a:prstGeom>
               <a:blipFill>
-                <a:blip r:embed="rId18"/>
+                <a:blip r:embed="rId19"/>
                 <a:stretch>
                   <a:fillRect t="-4000" b="-20000"/>
                 </a:stretch>
@@ -10777,10 +10730,10 @@
       </mc:AlternateContent>
       <p:pic>
         <p:nvPicPr>
-          <p:cNvPr id="51" name="Immagine 50">
+          <p:cNvPr id="15" name="Immagine 14">
             <a:extLst>
               <a:ext uri="{FF2B5EF4-FFF2-40B4-BE49-F238E27FC236}">
-                <a16:creationId xmlns:a16="http://schemas.microsoft.com/office/drawing/2014/main" id="{A583B48E-1844-4F31-B2F9-0B7A3DBC741F}"/>
+                <a16:creationId xmlns:a16="http://schemas.microsoft.com/office/drawing/2014/main" id="{BD840F16-C3E0-4EA6-A0F9-E13186DF7A6B}"/>
               </a:ext>
             </a:extLst>
           </p:cNvPr>
@@ -10794,15 +10747,15 @@
           </p:nvPr>
         </p:nvPicPr>
         <p:blipFill>
-          <a:blip r:embed="rId19"/>
+          <a:blip r:embed="rId20"/>
           <a:stretch>
             <a:fillRect/>
           </a:stretch>
         </p:blipFill>
         <p:spPr>
           <a:xfrm>
-            <a:off x="1917466" y="6428968"/>
-            <a:ext cx="5308514" cy="271048"/>
+            <a:off x="2651475" y="6380710"/>
+            <a:ext cx="3829496" cy="272950"/>
           </a:xfrm>
           <a:prstGeom prst="rect">
             <a:avLst/>
@@ -10818,97 +10771,15 @@
               </a:ext>
             </a:extLst>
           </p:cNvPr>
-          <p:cNvCxnSpPr/>
-          <p:nvPr/>
-        </p:nvCxnSpPr>
-        <p:spPr>
-          <a:xfrm>
-            <a:off x="4566223" y="5049061"/>
-            <a:ext cx="0" cy="174056"/>
-          </a:xfrm>
-          <a:prstGeom prst="straightConnector1">
-            <a:avLst/>
-          </a:prstGeom>
-          <a:ln>
-            <a:tailEnd type="triangle"/>
-          </a:ln>
-        </p:spPr>
-        <p:style>
-          <a:lnRef idx="2">
-            <a:schemeClr val="accent1"/>
-          </a:lnRef>
-          <a:fillRef idx="0">
-            <a:schemeClr val="accent1"/>
-          </a:fillRef>
-          <a:effectRef idx="1">
-            <a:schemeClr val="accent1"/>
-          </a:effectRef>
-          <a:fontRef idx="minor">
-            <a:schemeClr val="tx1"/>
-          </a:fontRef>
-        </p:style>
-      </p:cxnSp>
-      <p:cxnSp>
-        <p:nvCxnSpPr>
-          <p:cNvPr id="56" name="Connettore 2 55">
-            <a:extLst>
-              <a:ext uri="{FF2B5EF4-FFF2-40B4-BE49-F238E27FC236}">
-                <a16:creationId xmlns:a16="http://schemas.microsoft.com/office/drawing/2014/main" id="{E515FCDB-5805-421E-AA51-3CFD049A6A40}"/>
-              </a:ext>
-            </a:extLst>
-          </p:cNvPr>
           <p:cNvCxnSpPr>
-            <a:stCxn id="45" idx="2"/>
-            <a:endCxn id="50" idx="0"/>
+            <a:cxnSpLocks/>
           </p:cNvCxnSpPr>
           <p:nvPr/>
         </p:nvCxnSpPr>
         <p:spPr>
-          <a:xfrm flipH="1">
-            <a:off x="4571724" y="5518676"/>
-            <a:ext cx="276" cy="308239"/>
-          </a:xfrm>
-          <a:prstGeom prst="straightConnector1">
-            <a:avLst/>
-          </a:prstGeom>
-          <a:ln>
-            <a:tailEnd type="triangle"/>
-          </a:ln>
-        </p:spPr>
-        <p:style>
-          <a:lnRef idx="2">
-            <a:schemeClr val="accent1"/>
-          </a:lnRef>
-          <a:fillRef idx="0">
-            <a:schemeClr val="accent1"/>
-          </a:fillRef>
-          <a:effectRef idx="1">
-            <a:schemeClr val="accent1"/>
-          </a:effectRef>
-          <a:fontRef idx="minor">
-            <a:schemeClr val="tx1"/>
-          </a:fontRef>
-        </p:style>
-      </p:cxnSp>
-      <p:cxnSp>
-        <p:nvCxnSpPr>
-          <p:cNvPr id="58" name="Connettore 2 57">
-            <a:extLst>
-              <a:ext uri="{FF2B5EF4-FFF2-40B4-BE49-F238E27FC236}">
-                <a16:creationId xmlns:a16="http://schemas.microsoft.com/office/drawing/2014/main" id="{DCB1334B-7B61-4857-97FA-820154D9844C}"/>
-              </a:ext>
-            </a:extLst>
-          </p:cNvPr>
-          <p:cNvCxnSpPr>
-            <a:stCxn id="50" idx="2"/>
-            <a:endCxn id="51" idx="0"/>
-          </p:cNvCxnSpPr>
-          <p:nvPr/>
-        </p:nvCxnSpPr>
-        <p:spPr>
-          <a:xfrm flipH="1">
-            <a:off x="4571723" y="6134692"/>
-            <a:ext cx="1" cy="294276"/>
+          <a:xfrm>
+            <a:off x="4566223" y="5049061"/>
+            <a:ext cx="0" cy="254459"/>
           </a:xfrm>
           <a:prstGeom prst="straightConnector1">
             <a:avLst/>
@@ -11656,7 +11527,7 @@
             <p:spPr>
               <a:xfrm>
                 <a:off x="5530588" y="4416478"/>
-                <a:ext cx="3604349" cy="523220"/>
+                <a:ext cx="3604349" cy="307777"/>
               </a:xfrm>
               <a:prstGeom prst="rect">
                 <a:avLst/>
@@ -11696,25 +11567,7 @@
                     <a:latin typeface="Arial" panose="020B0604020202020204" pitchFamily="34" charset="0"/>
                     <a:cs typeface="Arial" panose="020B0604020202020204" pitchFamily="34" charset="0"/>
                   </a:rPr>
-                  <a:t> crea </a:t>
-                </a:r>
-                <a14:m>
-                  <m:oMath xmlns:m="http://schemas.openxmlformats.org/officeDocument/2006/math">
-                    <m:r>
-                      <a:rPr lang="it-IT" sz="1400" b="0" i="1" dirty="0" smtClean="0">
-                        <a:latin typeface="Cambria Math" panose="02040503050406030204" pitchFamily="18" charset="0"/>
-                        <a:cs typeface="Arial" panose="020B0604020202020204" pitchFamily="34" charset="0"/>
-                      </a:rPr>
-                      <m:t>𝑛</m:t>
-                    </m:r>
-                  </m:oMath>
-                </a14:m>
-                <a:r>
-                  <a:rPr lang="it-IT" sz="1400" dirty="0">
-                    <a:latin typeface="Arial" panose="020B0604020202020204" pitchFamily="34" charset="0"/>
-                    <a:cs typeface="Arial" panose="020B0604020202020204" pitchFamily="34" charset="0"/>
-                  </a:rPr>
-                  <a:t> cluster, uno per  ogni foglia</a:t>
+                  <a:t> crea un cluster per foglia</a:t>
                 </a:r>
               </a:p>
             </p:txBody>
@@ -11738,7 +11591,7 @@
             <p:spPr>
               <a:xfrm>
                 <a:off x="5530588" y="4416478"/>
-                <a:ext cx="3604349" cy="523220"/>
+                <a:ext cx="3604349" cy="307777"/>
               </a:xfrm>
               <a:prstGeom prst="rect">
                 <a:avLst/>
@@ -11746,7 +11599,7 @@
               <a:blipFill>
                 <a:blip r:embed="rId6"/>
                 <a:stretch>
-                  <a:fillRect l="-169" t="-1163" b="-11628"/>
+                  <a:fillRect l="-169" t="-1961" r="-169" b="-19608"/>
                 </a:stretch>
               </a:blipFill>
             </p:spPr>
@@ -11776,18 +11629,19 @@
           </p:cNvPr>
           <p:cNvCxnSpPr>
             <a:cxnSpLocks/>
+            <a:stCxn id="4" idx="3"/>
             <a:endCxn id="37" idx="1"/>
           </p:cNvCxnSpPr>
           <p:nvPr/>
         </p:nvCxnSpPr>
         <p:spPr>
           <a:xfrm flipV="1">
-            <a:off x="4922535" y="4678088"/>
-            <a:ext cx="608053" cy="564115"/>
+            <a:off x="4922535" y="4570367"/>
+            <a:ext cx="608053" cy="507382"/>
           </a:xfrm>
           <a:prstGeom prst="bentConnector3">
             <a:avLst>
-              <a:gd name="adj1" fmla="val 35400"/>
+              <a:gd name="adj1" fmla="val 32480"/>
             </a:avLst>
           </a:prstGeom>
           <a:ln>
@@ -12179,8 +12033,8 @@
           </a:p>
         </p:txBody>
       </p:sp>
-      <mc:AlternateContent xmlns:mc="http://schemas.openxmlformats.org/markup-compatibility/2006" xmlns:a14="http://schemas.microsoft.com/office/drawing/2010/main">
-        <mc:Choice Requires="a14">
+      <mc:AlternateContent xmlns:mc="http://schemas.openxmlformats.org/markup-compatibility/2006">
+        <mc:Choice xmlns:a14="http://schemas.microsoft.com/office/drawing/2010/main" Requires="a14">
           <p:sp>
             <p:nvSpPr>
               <p:cNvPr id="37" name="CasellaDiTesto 36">
@@ -12195,8 +12049,8 @@
             </p:nvSpPr>
             <p:spPr>
               <a:xfrm>
-                <a:off x="-1" y="2578386"/>
-                <a:ext cx="6015054" cy="307777"/>
+                <a:off x="-1" y="2471853"/>
+                <a:ext cx="6609442" cy="307777"/>
               </a:xfrm>
               <a:prstGeom prst="rect">
                 <a:avLst/>
@@ -12222,13 +12076,45 @@
                 </a:r>
                 <a14:m>
                   <m:oMath xmlns:m="http://schemas.openxmlformats.org/officeDocument/2006/math">
-                    <m:r>
-                      <a:rPr lang="it-IT" sz="1400" i="1" dirty="0" smtClean="0">
-                        <a:latin typeface="Cambria Math" panose="02040503050406030204" pitchFamily="18" charset="0"/>
-                        <a:cs typeface="Arial" panose="020B0604020202020204" pitchFamily="34" charset="0"/>
-                      </a:rPr>
-                      <m:t>𝑍</m:t>
-                    </m:r>
+                    <m:d>
+                      <m:dPr>
+                        <m:begChr m:val="{"/>
+                        <m:endChr m:val="}"/>
+                        <m:ctrlPr>
+                          <a:rPr lang="it-IT" sz="1400" i="1">
+                            <a:latin typeface="Cambria Math" panose="02040503050406030204" pitchFamily="18" charset="0"/>
+                            <a:cs typeface="Arial" panose="020B0604020202020204" pitchFamily="34" charset="0"/>
+                            <a:sym typeface="Wingdings" panose="05000000000000000000" pitchFamily="2" charset="2"/>
+                          </a:rPr>
+                        </m:ctrlPr>
+                      </m:dPr>
+                      <m:e>
+                        <m:r>
+                          <a:rPr lang="it-IT" sz="1400" i="1">
+                            <a:latin typeface="Cambria Math" panose="02040503050406030204" pitchFamily="18" charset="0"/>
+                            <a:cs typeface="Arial" panose="020B0604020202020204" pitchFamily="34" charset="0"/>
+                            <a:sym typeface="Wingdings" panose="05000000000000000000" pitchFamily="2" charset="2"/>
+                          </a:rPr>
+                          <m:t>𝑢</m:t>
+                        </m:r>
+                        <m:r>
+                          <a:rPr lang="it-IT" sz="1400" i="1">
+                            <a:latin typeface="Cambria Math" panose="02040503050406030204" pitchFamily="18" charset="0"/>
+                            <a:cs typeface="Arial" panose="020B0604020202020204" pitchFamily="34" charset="0"/>
+                            <a:sym typeface="Wingdings" panose="05000000000000000000" pitchFamily="2" charset="2"/>
+                          </a:rPr>
+                          <m:t>,</m:t>
+                        </m:r>
+                        <m:r>
+                          <a:rPr lang="it-IT" sz="1400" i="1">
+                            <a:latin typeface="Cambria Math" panose="02040503050406030204" pitchFamily="18" charset="0"/>
+                            <a:cs typeface="Arial" panose="020B0604020202020204" pitchFamily="34" charset="0"/>
+                            <a:sym typeface="Wingdings" panose="05000000000000000000" pitchFamily="2" charset="2"/>
+                          </a:rPr>
+                          <m:t>𝑠</m:t>
+                        </m:r>
+                      </m:e>
+                    </m:d>
                   </m:oMath>
                 </a14:m>
                 <a:r>
@@ -12236,43 +12122,7 @@
                     <a:latin typeface="Arial" panose="020B0604020202020204" pitchFamily="34" charset="0"/>
                     <a:cs typeface="Arial" panose="020B0604020202020204" pitchFamily="34" charset="0"/>
                   </a:rPr>
-                  <a:t> che è dato dall’unione di </a:t>
-                </a:r>
-                <a14:m>
-                  <m:oMath xmlns:m="http://schemas.openxmlformats.org/officeDocument/2006/math">
-                    <m:r>
-                      <a:rPr lang="it-IT" sz="1400" i="1" dirty="0" smtClean="0">
-                        <a:latin typeface="Cambria Math" panose="02040503050406030204" pitchFamily="18" charset="0"/>
-                        <a:cs typeface="Arial" panose="020B0604020202020204" pitchFamily="34" charset="0"/>
-                      </a:rPr>
-                      <m:t>𝑋</m:t>
-                    </m:r>
-                  </m:oMath>
-                </a14:m>
-                <a:r>
-                  <a:rPr lang="it-IT" sz="1400" dirty="0">
-                    <a:latin typeface="Arial" panose="020B0604020202020204" pitchFamily="34" charset="0"/>
-                    <a:cs typeface="Arial" panose="020B0604020202020204" pitchFamily="34" charset="0"/>
-                  </a:rPr>
-                  <a:t> ed </a:t>
-                </a:r>
-                <a14:m>
-                  <m:oMath xmlns:m="http://schemas.openxmlformats.org/officeDocument/2006/math">
-                    <m:r>
-                      <a:rPr lang="it-IT" sz="1400" i="1" dirty="0" smtClean="0">
-                        <a:latin typeface="Cambria Math" panose="02040503050406030204" pitchFamily="18" charset="0"/>
-                        <a:cs typeface="Arial" panose="020B0604020202020204" pitchFamily="34" charset="0"/>
-                      </a:rPr>
-                      <m:t>𝑌</m:t>
-                    </m:r>
-                  </m:oMath>
-                </a14:m>
-                <a:r>
-                  <a:rPr lang="it-IT" sz="1400" dirty="0">
-                    <a:latin typeface="Arial" panose="020B0604020202020204" pitchFamily="34" charset="0"/>
-                    <a:cs typeface="Arial" panose="020B0604020202020204" pitchFamily="34" charset="0"/>
-                  </a:rPr>
-                  <a:t> </a:t>
+                  <a:t> tale che </a:t>
                 </a:r>
                 <a:r>
                   <a:rPr lang="it-IT" sz="1400" dirty="0">
@@ -12391,7 +12241,7 @@
             </p:txBody>
           </p:sp>
         </mc:Choice>
-        <mc:Fallback xmlns="">
+        <mc:Fallback>
           <p:sp>
             <p:nvSpPr>
               <p:cNvPr id="37" name="CasellaDiTesto 36">
@@ -12408,8 +12258,8 @@
             </p:nvSpPr>
             <p:spPr>
               <a:xfrm>
-                <a:off x="-1" y="2578386"/>
-                <a:ext cx="6015054" cy="307777"/>
+                <a:off x="-1" y="2471853"/>
+                <a:ext cx="6609442" cy="307777"/>
               </a:xfrm>
               <a:prstGeom prst="rect">
                 <a:avLst/>
@@ -12417,7 +12267,7 @@
               <a:blipFill>
                 <a:blip r:embed="rId7"/>
                 <a:stretch>
-                  <a:fillRect l="-101" t="-4000" b="-20000"/>
+                  <a:fillRect l="-92" t="-1961" b="-19608"/>
                 </a:stretch>
               </a:blipFill>
             </p:spPr>
@@ -12436,8 +12286,8 @@
           </p:sp>
         </mc:Fallback>
       </mc:AlternateContent>
-      <mc:AlternateContent xmlns:mc="http://schemas.openxmlformats.org/markup-compatibility/2006" xmlns:a14="http://schemas.microsoft.com/office/drawing/2010/main">
-        <mc:Choice Requires="a14">
+      <mc:AlternateContent xmlns:mc="http://schemas.openxmlformats.org/markup-compatibility/2006">
+        <mc:Choice xmlns:a14="http://schemas.microsoft.com/office/drawing/2010/main" Requires="a14">
           <p:sp>
             <p:nvSpPr>
               <p:cNvPr id="24" name="CasellaDiTesto 23">
@@ -12452,8 +12302,8 @@
             </p:nvSpPr>
             <p:spPr>
               <a:xfrm>
-                <a:off x="9062" y="1532315"/>
-                <a:ext cx="2849548" cy="738664"/>
+                <a:off x="9062" y="1692112"/>
+                <a:ext cx="4083544" cy="523220"/>
               </a:xfrm>
               <a:prstGeom prst="rect">
                 <a:avLst/>
@@ -12517,7 +12367,7 @@
             </p:txBody>
           </p:sp>
         </mc:Choice>
-        <mc:Fallback xmlns="">
+        <mc:Fallback>
           <p:sp>
             <p:nvSpPr>
               <p:cNvPr id="24" name="CasellaDiTesto 23">
@@ -12534,8 +12384,8 @@
             </p:nvSpPr>
             <p:spPr>
               <a:xfrm>
-                <a:off x="9062" y="1532315"/>
-                <a:ext cx="2849548" cy="738664"/>
+                <a:off x="9062" y="1692112"/>
+                <a:ext cx="4083544" cy="523220"/>
               </a:xfrm>
               <a:prstGeom prst="rect">
                 <a:avLst/>
@@ -12543,7 +12393,7 @@
               <a:blipFill>
                 <a:blip r:embed="rId8"/>
                 <a:stretch>
-                  <a:fillRect l="-214" t="-820" b="-7377"/>
+                  <a:fillRect l="-149" t="-2353" b="-11765"/>
                 </a:stretch>
               </a:blipFill>
             </p:spPr>
@@ -12583,7 +12433,7 @@
         </p:blipFill>
         <p:spPr>
           <a:xfrm>
-            <a:off x="3598658" y="1563277"/>
+            <a:off x="4709822" y="1660100"/>
             <a:ext cx="2607267" cy="676739"/>
           </a:xfrm>
           <a:prstGeom prst="rect">
@@ -12591,8 +12441,8 @@
           </a:prstGeom>
         </p:spPr>
       </p:pic>
-      <mc:AlternateContent xmlns:mc="http://schemas.openxmlformats.org/markup-compatibility/2006" xmlns:a14="http://schemas.microsoft.com/office/drawing/2010/main">
-        <mc:Choice Requires="a14">
+      <mc:AlternateContent xmlns:mc="http://schemas.openxmlformats.org/markup-compatibility/2006">
+        <mc:Choice xmlns:a14="http://schemas.microsoft.com/office/drawing/2010/main" Requires="a14">
           <p:sp>
             <p:nvSpPr>
               <p:cNvPr id="26" name="CasellaDiTesto 25">
@@ -12607,7 +12457,7 @@
             </p:nvSpPr>
             <p:spPr>
               <a:xfrm>
-                <a:off x="7016995" y="1743044"/>
+                <a:off x="7915016" y="1831033"/>
                 <a:ext cx="1043930" cy="317203"/>
               </a:xfrm>
               <a:prstGeom prst="rect">
@@ -12688,7 +12538,7 @@
             </p:txBody>
           </p:sp>
         </mc:Choice>
-        <mc:Fallback xmlns="">
+        <mc:Fallback>
           <p:sp>
             <p:nvSpPr>
               <p:cNvPr id="26" name="CasellaDiTesto 25">
@@ -12705,7 +12555,7 @@
             </p:nvSpPr>
             <p:spPr>
               <a:xfrm>
-                <a:off x="7016995" y="1743044"/>
+                <a:off x="7915016" y="1831033"/>
                 <a:ext cx="1043930" cy="317203"/>
               </a:xfrm>
               <a:prstGeom prst="rect">
@@ -12749,8 +12599,8 @@
         </p:nvCxnSpPr>
         <p:spPr>
           <a:xfrm flipV="1">
-            <a:off x="6347969" y="1901646"/>
-            <a:ext cx="740049" cy="1"/>
+            <a:off x="7440646" y="1981796"/>
+            <a:ext cx="452292" cy="1"/>
           </a:xfrm>
           <a:prstGeom prst="straightConnector1">
             <a:avLst/>
@@ -12790,8 +12640,8 @@
         </p:nvCxnSpPr>
         <p:spPr>
           <a:xfrm>
-            <a:off x="2752077" y="1901647"/>
-            <a:ext cx="740048" cy="0"/>
+            <a:off x="4055710" y="1989636"/>
+            <a:ext cx="516290" cy="0"/>
           </a:xfrm>
           <a:prstGeom prst="straightConnector1">
             <a:avLst/>
@@ -12832,7 +12682,7 @@
             <p:spPr>
               <a:xfrm>
                 <a:off x="-2" y="3030295"/>
-                <a:ext cx="8957571" cy="401905"/>
+                <a:ext cx="8957571" cy="307777"/>
               </a:xfrm>
               <a:prstGeom prst="rect">
                 <a:avLst/>
@@ -12876,12 +12726,62 @@
                 </a:r>
                 <a14:m>
                   <m:oMath xmlns:m="http://schemas.openxmlformats.org/officeDocument/2006/math">
+                    <m:d>
+                      <m:dPr>
+                        <m:begChr m:val="{"/>
+                        <m:endChr m:val="}"/>
+                        <m:ctrlPr>
+                          <a:rPr lang="it-IT" sz="1400" i="1">
+                            <a:latin typeface="Cambria Math" panose="02040503050406030204" pitchFamily="18" charset="0"/>
+                            <a:cs typeface="Arial" panose="020B0604020202020204" pitchFamily="34" charset="0"/>
+                            <a:sym typeface="Wingdings" panose="05000000000000000000" pitchFamily="2" charset="2"/>
+                          </a:rPr>
+                        </m:ctrlPr>
+                      </m:dPr>
+                      <m:e>
+                        <m:r>
+                          <a:rPr lang="it-IT" sz="1400" i="1">
+                            <a:latin typeface="Cambria Math" panose="02040503050406030204" pitchFamily="18" charset="0"/>
+                            <a:cs typeface="Arial" panose="020B0604020202020204" pitchFamily="34" charset="0"/>
+                            <a:sym typeface="Wingdings" panose="05000000000000000000" pitchFamily="2" charset="2"/>
+                          </a:rPr>
+                          <m:t>𝑢</m:t>
+                        </m:r>
+                        <m:r>
+                          <a:rPr lang="it-IT" sz="1400" i="1">
+                            <a:latin typeface="Cambria Math" panose="02040503050406030204" pitchFamily="18" charset="0"/>
+                            <a:cs typeface="Arial" panose="020B0604020202020204" pitchFamily="34" charset="0"/>
+                            <a:sym typeface="Wingdings" panose="05000000000000000000" pitchFamily="2" charset="2"/>
+                          </a:rPr>
+                          <m:t>,</m:t>
+                        </m:r>
+                        <m:r>
+                          <a:rPr lang="it-IT" sz="1400" i="1">
+                            <a:latin typeface="Cambria Math" panose="02040503050406030204" pitchFamily="18" charset="0"/>
+                            <a:cs typeface="Arial" panose="020B0604020202020204" pitchFamily="34" charset="0"/>
+                            <a:sym typeface="Wingdings" panose="05000000000000000000" pitchFamily="2" charset="2"/>
+                          </a:rPr>
+                          <m:t>𝑠</m:t>
+                        </m:r>
+                      </m:e>
+                    </m:d>
+                  </m:oMath>
+                </a14:m>
+                <a:r>
+                  <a:rPr lang="it-IT" sz="1400" dirty="0">
+                    <a:latin typeface="Arial" panose="020B0604020202020204" pitchFamily="34" charset="0"/>
+                    <a:cs typeface="Arial" panose="020B0604020202020204" pitchFamily="34" charset="0"/>
+                  </a:rPr>
+                  <a:t>, calcola la sua età ed il peso degli archi di </a:t>
+                </a:r>
+                <a14:m>
+                  <m:oMath xmlns:m="http://schemas.openxmlformats.org/officeDocument/2006/math">
                     <m:r>
                       <a:rPr lang="it-IT" sz="1400" b="0" i="1" smtClean="0">
                         <a:latin typeface="Cambria Math" panose="02040503050406030204" pitchFamily="18" charset="0"/>
                         <a:cs typeface="Arial" panose="020B0604020202020204" pitchFamily="34" charset="0"/>
                       </a:rPr>
-                      <m:t>𝑍</m:t>
+                      <m:t>𝑢</m:t>
                     </m:r>
                   </m:oMath>
                 </a14:m>
@@ -12890,7 +12790,7 @@
                     <a:latin typeface="Arial" panose="020B0604020202020204" pitchFamily="34" charset="0"/>
                     <a:cs typeface="Arial" panose="020B0604020202020204" pitchFamily="34" charset="0"/>
                   </a:rPr>
-                  <a:t>, calcola la sua età (</a:t>
+                  <a:t> e </a:t>
                 </a:r>
                 <a14:m>
                   <m:oMath xmlns:m="http://schemas.openxmlformats.org/officeDocument/2006/math">
@@ -12899,132 +12799,7 @@
                         <a:latin typeface="Cambria Math" panose="02040503050406030204" pitchFamily="18" charset="0"/>
                         <a:cs typeface="Arial" panose="020B0604020202020204" pitchFamily="34" charset="0"/>
                       </a:rPr>
-                      <m:t>𝑎𝑔𝑒</m:t>
-                    </m:r>
-                    <m:d>
-                      <m:dPr>
-                        <m:ctrlPr>
-                          <a:rPr lang="it-IT" sz="1400" b="0" i="1" smtClean="0">
-                            <a:latin typeface="Cambria Math" panose="02040503050406030204" pitchFamily="18" charset="0"/>
-                            <a:cs typeface="Arial" panose="020B0604020202020204" pitchFamily="34" charset="0"/>
-                          </a:rPr>
-                        </m:ctrlPr>
-                      </m:dPr>
-                      <m:e>
-                        <m:r>
-                          <a:rPr lang="it-IT" sz="1400" b="0" i="1" smtClean="0">
-                            <a:latin typeface="Cambria Math" panose="02040503050406030204" pitchFamily="18" charset="0"/>
-                            <a:cs typeface="Arial" panose="020B0604020202020204" pitchFamily="34" charset="0"/>
-                          </a:rPr>
-                          <m:t>𝑍</m:t>
-                        </m:r>
-                      </m:e>
-                    </m:d>
-                    <m:r>
-                      <a:rPr lang="it-IT" sz="1400" b="0" i="1" smtClean="0">
-                        <a:latin typeface="Cambria Math" panose="02040503050406030204" pitchFamily="18" charset="0"/>
-                        <a:cs typeface="Arial" panose="020B0604020202020204" pitchFamily="34" charset="0"/>
-                      </a:rPr>
-                      <m:t>=</m:t>
-                    </m:r>
-                    <m:f>
-                      <m:fPr>
-                        <m:ctrlPr>
-                          <a:rPr lang="it-IT" sz="1400" b="0" i="1" smtClean="0">
-                            <a:latin typeface="Cambria Math" panose="02040503050406030204" pitchFamily="18" charset="0"/>
-                            <a:cs typeface="Arial" panose="020B0604020202020204" pitchFamily="34" charset="0"/>
-                          </a:rPr>
-                        </m:ctrlPr>
-                      </m:fPr>
-                      <m:num>
-                        <m:sSub>
-                          <m:sSubPr>
-                            <m:ctrlPr>
-                              <a:rPr lang="it-IT" sz="1400" b="0" i="1" smtClean="0">
-                                <a:latin typeface="Cambria Math" panose="02040503050406030204" pitchFamily="18" charset="0"/>
-                                <a:cs typeface="Arial" panose="020B0604020202020204" pitchFamily="34" charset="0"/>
-                              </a:rPr>
-                            </m:ctrlPr>
-                          </m:sSubPr>
-                          <m:e>
-                            <m:r>
-                              <a:rPr lang="it-IT" sz="1400" b="0" i="1" smtClean="0">
-                                <a:latin typeface="Cambria Math" panose="02040503050406030204" pitchFamily="18" charset="0"/>
-                                <a:cs typeface="Arial" panose="020B0604020202020204" pitchFamily="34" charset="0"/>
-                              </a:rPr>
-                              <m:t>𝐷</m:t>
-                            </m:r>
-                          </m:e>
-                          <m:sub>
-                            <m:r>
-                              <a:rPr lang="it-IT" sz="1400" b="0" i="1" smtClean="0">
-                                <a:latin typeface="Cambria Math" panose="02040503050406030204" pitchFamily="18" charset="0"/>
-                                <a:cs typeface="Arial" panose="020B0604020202020204" pitchFamily="34" charset="0"/>
-                              </a:rPr>
-                              <m:t>𝑋</m:t>
-                            </m:r>
-                            <m:r>
-                              <a:rPr lang="it-IT" sz="1400" b="0" i="1" smtClean="0">
-                                <a:latin typeface="Cambria Math" panose="02040503050406030204" pitchFamily="18" charset="0"/>
-                                <a:cs typeface="Arial" panose="020B0604020202020204" pitchFamily="34" charset="0"/>
-                              </a:rPr>
-                              <m:t>,</m:t>
-                            </m:r>
-                            <m:r>
-                              <a:rPr lang="it-IT" sz="1400" b="0" i="1" smtClean="0">
-                                <a:latin typeface="Cambria Math" panose="02040503050406030204" pitchFamily="18" charset="0"/>
-                                <a:cs typeface="Arial" panose="020B0604020202020204" pitchFamily="34" charset="0"/>
-                              </a:rPr>
-                              <m:t>𝑌</m:t>
-                            </m:r>
-                          </m:sub>
-                        </m:sSub>
-                      </m:num>
-                      <m:den>
-                        <m:r>
-                          <a:rPr lang="it-IT" sz="1400" b="0" i="1" smtClean="0">
-                            <a:latin typeface="Cambria Math" panose="02040503050406030204" pitchFamily="18" charset="0"/>
-                            <a:cs typeface="Arial" panose="020B0604020202020204" pitchFamily="34" charset="0"/>
-                          </a:rPr>
-                          <m:t>2</m:t>
-                        </m:r>
-                      </m:den>
-                    </m:f>
-                  </m:oMath>
-                </a14:m>
-                <a:r>
-                  <a:rPr lang="it-IT" sz="1400" dirty="0">
-                    <a:latin typeface="Arial" panose="020B0604020202020204" pitchFamily="34" charset="0"/>
-                    <a:cs typeface="Arial" panose="020B0604020202020204" pitchFamily="34" charset="0"/>
-                  </a:rPr>
-                  <a:t>) ed il peso degli archi di </a:t>
-                </a:r>
-                <a14:m>
-                  <m:oMath xmlns:m="http://schemas.openxmlformats.org/officeDocument/2006/math">
-                    <m:r>
-                      <a:rPr lang="it-IT" sz="1400" b="0" i="1" smtClean="0">
-                        <a:latin typeface="Cambria Math" panose="02040503050406030204" pitchFamily="18" charset="0"/>
-                        <a:cs typeface="Arial" panose="020B0604020202020204" pitchFamily="34" charset="0"/>
-                      </a:rPr>
-                      <m:t>𝑥</m:t>
-                    </m:r>
-                  </m:oMath>
-                </a14:m>
-                <a:r>
-                  <a:rPr lang="it-IT" sz="1400" dirty="0">
-                    <a:latin typeface="Arial" panose="020B0604020202020204" pitchFamily="34" charset="0"/>
-                    <a:cs typeface="Arial" panose="020B0604020202020204" pitchFamily="34" charset="0"/>
-                  </a:rPr>
-                  <a:t> ed </a:t>
-                </a:r>
-                <a14:m>
-                  <m:oMath xmlns:m="http://schemas.openxmlformats.org/officeDocument/2006/math">
-                    <m:r>
-                      <a:rPr lang="it-IT" sz="1400" b="0" i="1" smtClean="0">
-                        <a:latin typeface="Cambria Math" panose="02040503050406030204" pitchFamily="18" charset="0"/>
-                        <a:cs typeface="Arial" panose="020B0604020202020204" pitchFamily="34" charset="0"/>
-                      </a:rPr>
-                      <m:t>𝑦</m:t>
+                      <m:t>𝑠</m:t>
                     </m:r>
                   </m:oMath>
                 </a14:m>
@@ -13057,7 +12832,7 @@
             <p:spPr>
               <a:xfrm>
                 <a:off x="-2" y="3030295"/>
-                <a:ext cx="8957571" cy="401905"/>
+                <a:ext cx="8957571" cy="307777"/>
               </a:xfrm>
               <a:prstGeom prst="rect">
                 <a:avLst/>
@@ -13065,7 +12840,7 @@
               <a:blipFill>
                 <a:blip r:embed="rId11"/>
                 <a:stretch>
-                  <a:fillRect l="-68" b="-4545"/>
+                  <a:fillRect l="-68" t="-3922" b="-19608"/>
                 </a:stretch>
               </a:blipFill>
             </p:spPr>
@@ -13168,9 +12943,9 @@
           <p:nvPr/>
         </p:nvCxnSpPr>
         <p:spPr>
-          <a:xfrm flipH="1">
-            <a:off x="4478783" y="3432200"/>
-            <a:ext cx="1" cy="225400"/>
+          <a:xfrm>
+            <a:off x="4478784" y="3338072"/>
+            <a:ext cx="0" cy="319528"/>
           </a:xfrm>
           <a:prstGeom prst="straightConnector1">
             <a:avLst/>
@@ -13334,8 +13109,8 @@
         </p:blipFill>
         <p:spPr>
           <a:xfrm>
-            <a:off x="2534559" y="5472856"/>
-            <a:ext cx="4074882" cy="1191524"/>
+            <a:off x="2367984" y="5375441"/>
+            <a:ext cx="4408031" cy="1288939"/>
           </a:xfrm>
           <a:prstGeom prst="rect">
             <a:avLst/>
@@ -13356,7 +13131,7 @@
         </p:nvSpPr>
         <p:spPr>
           <a:xfrm>
-            <a:off x="3791721" y="5113299"/>
+            <a:off x="3791721" y="4904837"/>
             <a:ext cx="1648361" cy="307777"/>
           </a:xfrm>
           <a:prstGeom prst="rect">
@@ -13754,7 +13529,7 @@
                         <a:cs typeface="Arial" panose="020B0604020202020204" pitchFamily="34" charset="0"/>
                         <a:sym typeface="Wingdings" panose="05000000000000000000" pitchFamily="2" charset="2"/>
                       </a:rPr>
-                      <m:t>𝑋</m:t>
+                      <m:t>𝑢</m:t>
                     </m:r>
                   </m:oMath>
                 </a14:m>
@@ -13764,7 +13539,7 @@
                     <a:cs typeface="Arial" panose="020B0604020202020204" pitchFamily="34" charset="0"/>
                     <a:sym typeface="Wingdings" panose="05000000000000000000" pitchFamily="2" charset="2"/>
                   </a:rPr>
-                  <a:t> ed </a:t>
+                  <a:t> e </a:t>
                 </a:r>
                 <a14:m>
                   <m:oMath xmlns:m="http://schemas.openxmlformats.org/officeDocument/2006/math">
@@ -13774,7 +13549,7 @@
                         <a:cs typeface="Arial" panose="020B0604020202020204" pitchFamily="34" charset="0"/>
                         <a:sym typeface="Wingdings" panose="05000000000000000000" pitchFamily="2" charset="2"/>
                       </a:rPr>
-                      <m:t>𝑌</m:t>
+                      <m:t>𝑠</m:t>
                     </m:r>
                   </m:oMath>
                 </a14:m>
@@ -13796,11 +13571,39 @@
                 <a14:m>
                   <m:oMath xmlns:m="http://schemas.openxmlformats.org/officeDocument/2006/math">
                     <m:r>
-                      <a:rPr lang="it-IT" sz="1400" i="1" dirty="0" smtClean="0">
+                      <a:rPr lang="it-IT" sz="1400" b="0" i="1" dirty="0" smtClean="0">
                         <a:latin typeface="Cambria Math" panose="02040503050406030204" pitchFamily="18" charset="0"/>
                         <a:cs typeface="Arial" panose="020B0604020202020204" pitchFamily="34" charset="0"/>
                       </a:rPr>
-                      <m:t>𝑍</m:t>
+                      <m:t>{</m:t>
+                    </m:r>
+                    <m:r>
+                      <a:rPr lang="it-IT" sz="1400" b="0" i="1" dirty="0" smtClean="0">
+                        <a:latin typeface="Cambria Math" panose="02040503050406030204" pitchFamily="18" charset="0"/>
+                        <a:cs typeface="Arial" panose="020B0604020202020204" pitchFamily="34" charset="0"/>
+                      </a:rPr>
+                      <m:t>𝑢</m:t>
+                    </m:r>
+                    <m:r>
+                      <a:rPr lang="it-IT" sz="1400" b="0" i="1" dirty="0" smtClean="0">
+                        <a:latin typeface="Cambria Math" panose="02040503050406030204" pitchFamily="18" charset="0"/>
+                        <a:cs typeface="Arial" panose="020B0604020202020204" pitchFamily="34" charset="0"/>
+                      </a:rPr>
+                      <m:t>, </m:t>
+                    </m:r>
+                    <m:r>
+                      <a:rPr lang="it-IT" sz="1400" b="0" i="1" dirty="0" smtClean="0">
+                        <a:latin typeface="Cambria Math" panose="02040503050406030204" pitchFamily="18" charset="0"/>
+                        <a:cs typeface="Arial" panose="020B0604020202020204" pitchFamily="34" charset="0"/>
+                      </a:rPr>
+                      <m:t>𝑠</m:t>
+                    </m:r>
+                    <m:r>
+                      <a:rPr lang="it-IT" sz="1400" b="0" i="1" dirty="0" smtClean="0">
+                        <a:latin typeface="Cambria Math" panose="02040503050406030204" pitchFamily="18" charset="0"/>
+                        <a:cs typeface="Arial" panose="020B0604020202020204" pitchFamily="34" charset="0"/>
+                      </a:rPr>
+                      <m:t>}</m:t>
                     </m:r>
                   </m:oMath>
                 </a14:m>
@@ -13886,8 +13689,8 @@
         </p:blipFill>
         <p:spPr>
           <a:xfrm>
-            <a:off x="80887" y="1939107"/>
-            <a:ext cx="2076388" cy="329539"/>
+            <a:off x="80887" y="2102977"/>
+            <a:ext cx="2196174" cy="348550"/>
           </a:xfrm>
           <a:prstGeom prst="rect">
             <a:avLst/>
@@ -13920,8 +13723,8 @@
         </p:blipFill>
         <p:spPr>
           <a:xfrm>
-            <a:off x="80887" y="2546409"/>
-            <a:ext cx="2041440" cy="329822"/>
+            <a:off x="80886" y="2729289"/>
+            <a:ext cx="2157357" cy="348550"/>
           </a:xfrm>
           <a:prstGeom prst="rect">
             <a:avLst/>
@@ -13950,7 +13753,7 @@
         </p:blipFill>
         <p:spPr>
           <a:xfrm>
-            <a:off x="3377585" y="1939107"/>
+            <a:off x="3377585" y="2121987"/>
             <a:ext cx="2534945" cy="943235"/>
           </a:xfrm>
           <a:prstGeom prst="rect">
@@ -13972,8 +13775,8 @@
         </p:nvSpPr>
         <p:spPr>
           <a:xfrm>
-            <a:off x="2323547" y="2326731"/>
-            <a:ext cx="887767" cy="142078"/>
+            <a:off x="2427676" y="2509045"/>
+            <a:ext cx="783638" cy="142644"/>
           </a:xfrm>
           <a:prstGeom prst="rightArrow">
             <a:avLst/>
@@ -14018,7 +13821,7 @@
             </p:nvSpPr>
             <p:spPr>
               <a:xfrm>
-                <a:off x="6862439" y="2055127"/>
+                <a:off x="6862439" y="2238007"/>
                 <a:ext cx="2282354" cy="738664"/>
               </a:xfrm>
               <a:prstGeom prst="rect">
@@ -14086,7 +13889,7 @@
             </p:nvSpPr>
             <p:spPr>
               <a:xfrm>
-                <a:off x="6862439" y="2055127"/>
+                <a:off x="6862439" y="2238007"/>
                 <a:ext cx="2282354" cy="738664"/>
               </a:xfrm>
               <a:prstGeom prst="rect">
@@ -14128,7 +13931,7 @@
         </p:nvSpPr>
         <p:spPr>
           <a:xfrm>
-            <a:off x="6019061" y="2326731"/>
+            <a:off x="6033740" y="2526196"/>
             <a:ext cx="736846" cy="142078"/>
           </a:xfrm>
           <a:prstGeom prst="rightArrow">
@@ -14276,8 +14079,8 @@
           </a:p>
         </p:txBody>
       </p:sp>
-      <mc:AlternateContent xmlns:mc="http://schemas.openxmlformats.org/markup-compatibility/2006" xmlns:a14="http://schemas.microsoft.com/office/drawing/2010/main">
-        <mc:Choice Requires="a14">
+      <mc:AlternateContent xmlns:mc="http://schemas.openxmlformats.org/markup-compatibility/2006">
+        <mc:Choice xmlns:a14="http://schemas.microsoft.com/office/drawing/2010/main" Requires="a14">
           <p:sp>
             <p:nvSpPr>
               <p:cNvPr id="40" name="CasellaDiTesto 39">
@@ -14292,8 +14095,8 @@
             </p:nvSpPr>
             <p:spPr>
               <a:xfrm>
-                <a:off x="3717094" y="3701377"/>
-                <a:ext cx="5468703" cy="307777"/>
+                <a:off x="3717095" y="3701377"/>
+                <a:ext cx="2950035" cy="307777"/>
               </a:xfrm>
               <a:prstGeom prst="rect">
                 <a:avLst/>
@@ -14385,7 +14188,7 @@
                     <a:latin typeface="Arial" panose="020B0604020202020204" pitchFamily="34" charset="0"/>
                     <a:cs typeface="Arial" panose="020B0604020202020204" pitchFamily="34" charset="0"/>
                   </a:rPr>
-                  <a:t> contiene tutte le specie ed </a:t>
+                  <a:t> </a:t>
                 </a:r>
                 <a:r>
                   <a:rPr lang="it-IT" sz="1400" dirty="0">
@@ -14412,13 +14215,13 @@
                     <a:latin typeface="Arial" panose="020B0604020202020204" pitchFamily="34" charset="0"/>
                     <a:cs typeface="Arial" panose="020B0604020202020204" pitchFamily="34" charset="0"/>
                   </a:rPr>
-                  <a:t>.</a:t>
+                  <a:t>. </a:t>
                 </a:r>
               </a:p>
             </p:txBody>
           </p:sp>
         </mc:Choice>
-        <mc:Fallback xmlns="">
+        <mc:Fallback>
           <p:sp>
             <p:nvSpPr>
               <p:cNvPr id="40" name="CasellaDiTesto 39">
@@ -14435,8 +14238,8 @@
             </p:nvSpPr>
             <p:spPr>
               <a:xfrm>
-                <a:off x="3717094" y="3701377"/>
-                <a:ext cx="5468703" cy="307777"/>
+                <a:off x="3717095" y="3701377"/>
+                <a:ext cx="2950035" cy="307777"/>
               </a:xfrm>
               <a:prstGeom prst="rect">
                 <a:avLst/>
@@ -14444,7 +14247,7 @@
               <a:blipFill>
                 <a:blip r:embed="rId12"/>
                 <a:stretch>
-                  <a:fillRect l="-334" t="-3922" b="-19608"/>
+                  <a:fillRect l="-620" t="-3922" r="-207" b="-19608"/>
                 </a:stretch>
               </a:blipFill>
             </p:spPr>
@@ -14485,203 +14288,14 @@
         </p:blipFill>
         <p:spPr>
           <a:xfrm>
-            <a:off x="2541383" y="4402952"/>
-            <a:ext cx="3910062" cy="2287197"/>
+            <a:off x="2207625" y="4304291"/>
+            <a:ext cx="4246227" cy="2483837"/>
           </a:xfrm>
           <a:prstGeom prst="rect">
             <a:avLst/>
           </a:prstGeom>
         </p:spPr>
       </p:pic>
-      <p:sp>
-        <p:nvSpPr>
-          <p:cNvPr id="41" name="Freccia a destra 40">
-            <a:extLst>
-              <a:ext uri="{FF2B5EF4-FFF2-40B4-BE49-F238E27FC236}">
-                <a16:creationId xmlns:a16="http://schemas.microsoft.com/office/drawing/2014/main" id="{69FB28F1-A257-44F0-A809-D4D17B142241}"/>
-              </a:ext>
-            </a:extLst>
-          </p:cNvPr>
-          <p:cNvSpPr/>
-          <p:nvPr/>
-        </p:nvSpPr>
-        <p:spPr>
-          <a:xfrm>
-            <a:off x="76203" y="5475511"/>
-            <a:ext cx="534878" cy="142078"/>
-          </a:xfrm>
-          <a:prstGeom prst="rightArrow">
-            <a:avLst/>
-          </a:prstGeom>
-        </p:spPr>
-        <p:style>
-          <a:lnRef idx="1">
-            <a:schemeClr val="accent1"/>
-          </a:lnRef>
-          <a:fillRef idx="3">
-            <a:schemeClr val="accent1"/>
-          </a:fillRef>
-          <a:effectRef idx="2">
-            <a:schemeClr val="accent1"/>
-          </a:effectRef>
-          <a:fontRef idx="minor">
-            <a:schemeClr val="lt1"/>
-          </a:fontRef>
-        </p:style>
-        <p:txBody>
-          <a:bodyPr rtlCol="0" anchor="ctr"/>
-          <a:lstStyle/>
-          <a:p>
-            <a:pPr algn="ctr"/>
-            <a:endParaRPr lang="it-IT"/>
-          </a:p>
-        </p:txBody>
-      </p:sp>
-      <mc:AlternateContent xmlns:mc="http://schemas.openxmlformats.org/markup-compatibility/2006" xmlns:a14="http://schemas.microsoft.com/office/drawing/2010/main">
-        <mc:Choice Requires="a14">
-          <p:sp>
-            <p:nvSpPr>
-              <p:cNvPr id="42" name="CasellaDiTesto 41">
-                <a:extLst>
-                  <a:ext uri="{FF2B5EF4-FFF2-40B4-BE49-F238E27FC236}">
-                    <a16:creationId xmlns:a16="http://schemas.microsoft.com/office/drawing/2014/main" id="{1FE56245-9E92-46D5-B150-A64943F5748A}"/>
-                  </a:ext>
-                </a:extLst>
-              </p:cNvPr>
-              <p:cNvSpPr txBox="1"/>
-              <p:nvPr/>
-            </p:nvSpPr>
-            <p:spPr>
-              <a:xfrm>
-                <a:off x="686308" y="5392661"/>
-                <a:ext cx="1353810" cy="307777"/>
-              </a:xfrm>
-              <a:prstGeom prst="rect">
-                <a:avLst/>
-              </a:prstGeom>
-              <a:noFill/>
-            </p:spPr>
-            <p:txBody>
-              <a:bodyPr wrap="square" rtlCol="0">
-                <a:spAutoFit/>
-              </a:bodyPr>
-              <a:lstStyle/>
-              <a:p>
-                <a:r>
-                  <a:rPr lang="it-IT" sz="1400" dirty="0">
-                    <a:latin typeface="Arial" panose="020B0604020202020204" pitchFamily="34" charset="0"/>
-                    <a:cs typeface="Arial" panose="020B0604020202020204" pitchFamily="34" charset="0"/>
-                  </a:rPr>
-                  <a:t>Albero finale </a:t>
-                </a:r>
-                <a14:m>
-                  <m:oMath xmlns:m="http://schemas.openxmlformats.org/officeDocument/2006/math">
-                    <m:r>
-                      <a:rPr lang="it-IT" sz="1400" b="0" i="1" smtClean="0">
-                        <a:latin typeface="Cambria Math" panose="02040503050406030204" pitchFamily="18" charset="0"/>
-                        <a:cs typeface="Arial" panose="020B0604020202020204" pitchFamily="34" charset="0"/>
-                      </a:rPr>
-                      <m:t>𝑇</m:t>
-                    </m:r>
-                  </m:oMath>
-                </a14:m>
-                <a:endParaRPr lang="it-IT" sz="1400" dirty="0">
-                  <a:latin typeface="Arial" panose="020B0604020202020204" pitchFamily="34" charset="0"/>
-                  <a:cs typeface="Arial" panose="020B0604020202020204" pitchFamily="34" charset="0"/>
-                </a:endParaRPr>
-              </a:p>
-            </p:txBody>
-          </p:sp>
-        </mc:Choice>
-        <mc:Fallback xmlns="">
-          <p:sp>
-            <p:nvSpPr>
-              <p:cNvPr id="42" name="CasellaDiTesto 41">
-                <a:extLst>
-                  <a:ext uri="{FF2B5EF4-FFF2-40B4-BE49-F238E27FC236}">
-                    <a16:creationId xmlns:a16="http://schemas.microsoft.com/office/drawing/2014/main" id="{1FE56245-9E92-46D5-B150-A64943F5748A}"/>
-                  </a:ext>
-                </a:extLst>
-              </p:cNvPr>
-              <p:cNvSpPr txBox="1">
-                <a:spLocks noRot="1" noChangeAspect="1" noMove="1" noResize="1" noEditPoints="1" noAdjustHandles="1" noChangeArrowheads="1" noChangeShapeType="1" noTextEdit="1"/>
-              </p:cNvSpPr>
-              <p:nvPr/>
-            </p:nvSpPr>
-            <p:spPr>
-              <a:xfrm>
-                <a:off x="686308" y="5392661"/>
-                <a:ext cx="1353810" cy="307777"/>
-              </a:xfrm>
-              <a:prstGeom prst="rect">
-                <a:avLst/>
-              </a:prstGeom>
-              <a:blipFill>
-                <a:blip r:embed="rId14"/>
-                <a:stretch>
-                  <a:fillRect l="-1351" t="-4000" b="-20000"/>
-                </a:stretch>
-              </a:blipFill>
-            </p:spPr>
-            <p:txBody>
-              <a:bodyPr/>
-              <a:lstStyle/>
-              <a:p>
-                <a:r>
-                  <a:rPr lang="it-IT">
-                    <a:noFill/>
-                  </a:rPr>
-                  <a:t> </a:t>
-                </a:r>
-              </a:p>
-            </p:txBody>
-          </p:sp>
-        </mc:Fallback>
-      </mc:AlternateContent>
-      <p:sp>
-        <p:nvSpPr>
-          <p:cNvPr id="43" name="Freccia a destra 42">
-            <a:extLst>
-              <a:ext uri="{FF2B5EF4-FFF2-40B4-BE49-F238E27FC236}">
-                <a16:creationId xmlns:a16="http://schemas.microsoft.com/office/drawing/2014/main" id="{23663A61-5271-414D-9E59-5C46044CF962}"/>
-              </a:ext>
-            </a:extLst>
-          </p:cNvPr>
-          <p:cNvSpPr/>
-          <p:nvPr/>
-        </p:nvSpPr>
-        <p:spPr>
-          <a:xfrm>
-            <a:off x="2122327" y="5475510"/>
-            <a:ext cx="534878" cy="142078"/>
-          </a:xfrm>
-          <a:prstGeom prst="rightArrow">
-            <a:avLst/>
-          </a:prstGeom>
-        </p:spPr>
-        <p:style>
-          <a:lnRef idx="1">
-            <a:schemeClr val="accent1"/>
-          </a:lnRef>
-          <a:fillRef idx="3">
-            <a:schemeClr val="accent1"/>
-          </a:fillRef>
-          <a:effectRef idx="2">
-            <a:schemeClr val="accent1"/>
-          </a:effectRef>
-          <a:fontRef idx="minor">
-            <a:schemeClr val="lt1"/>
-          </a:fontRef>
-        </p:style>
-        <p:txBody>
-          <a:bodyPr rtlCol="0" anchor="ctr"/>
-          <a:lstStyle/>
-          <a:p>
-            <a:pPr algn="ctr"/>
-            <a:endParaRPr lang="it-IT"/>
-          </a:p>
-        </p:txBody>
-      </p:sp>
       <p:sp>
         <p:nvSpPr>
           <p:cNvPr id="44" name="CasellaDiTesto 43">
@@ -14721,6 +14335,51 @@
           </a:p>
         </p:txBody>
       </p:sp>
+      <p:cxnSp>
+        <p:nvCxnSpPr>
+          <p:cNvPr id="5" name="Connettore a gomito 4">
+            <a:extLst>
+              <a:ext uri="{FF2B5EF4-FFF2-40B4-BE49-F238E27FC236}">
+                <a16:creationId xmlns:a16="http://schemas.microsoft.com/office/drawing/2014/main" id="{C98A8746-964A-4517-BFC9-04F4A96E5301}"/>
+              </a:ext>
+            </a:extLst>
+          </p:cNvPr>
+          <p:cNvCxnSpPr>
+            <a:cxnSpLocks/>
+            <a:stCxn id="40" idx="2"/>
+            <a:endCxn id="19" idx="0"/>
+          </p:cNvCxnSpPr>
+          <p:nvPr/>
+        </p:nvCxnSpPr>
+        <p:spPr>
+          <a:xfrm rot="5400000">
+            <a:off x="4613858" y="3726035"/>
+            <a:ext cx="295137" cy="861374"/>
+          </a:xfrm>
+          <a:prstGeom prst="bentConnector3">
+            <a:avLst>
+              <a:gd name="adj1" fmla="val 37967"/>
+            </a:avLst>
+          </a:prstGeom>
+          <a:ln>
+            <a:tailEnd type="triangle"/>
+          </a:ln>
+        </p:spPr>
+        <p:style>
+          <a:lnRef idx="2">
+            <a:schemeClr val="accent1"/>
+          </a:lnRef>
+          <a:fillRef idx="0">
+            <a:schemeClr val="accent1"/>
+          </a:fillRef>
+          <a:effectRef idx="1">
+            <a:schemeClr val="accent1"/>
+          </a:effectRef>
+          <a:fontRef idx="minor">
+            <a:schemeClr val="tx1"/>
+          </a:fontRef>
+        </p:style>
+      </p:cxnSp>
     </p:spTree>
     <p:extLst>
       <p:ext uri="{BB962C8B-B14F-4D97-AF65-F5344CB8AC3E}">
@@ -15133,7 +14792,7 @@
                     <a:latin typeface="Arial" panose="020B0604020202020204" pitchFamily="34" charset="0"/>
                     <a:cs typeface="Arial" panose="020B0604020202020204" pitchFamily="34" charset="0"/>
                   </a:rPr>
-                  <a:t>Queste iterazioni vengono fatte </a:t>
+                  <a:t>Queste operazioni vengono iterate </a:t>
                 </a:r>
                 <a14:m>
                   <m:oMath xmlns:m="http://schemas.openxmlformats.org/officeDocument/2006/math">
@@ -15393,7 +15052,7 @@
                 <a:latin typeface="Arial" panose="020B0604020202020204" pitchFamily="34" charset="0"/>
                 <a:cs typeface="Arial" panose="020B0604020202020204" pitchFamily="34" charset="0"/>
               </a:rPr>
-              <a:t>La presentazione è terminata!</a:t>
+              <a:t>La discussione è terminata!</a:t>
             </a:r>
           </a:p>
         </p:txBody>
@@ -16945,8 +16604,8 @@
         </p:nvSpPr>
         <p:spPr>
           <a:xfrm>
-            <a:off x="9062" y="1093155"/>
-            <a:ext cx="9125877" cy="954107"/>
+            <a:off x="-186" y="1448457"/>
+            <a:ext cx="9125877" cy="523220"/>
           </a:xfrm>
           <a:prstGeom prst="rect">
             <a:avLst/>
@@ -16964,47 +16623,8 @@
                 <a:latin typeface="Arial" panose="020B0604020202020204" pitchFamily="34" charset="0"/>
                 <a:cs typeface="Arial" panose="020B0604020202020204" pitchFamily="34" charset="0"/>
               </a:rPr>
-              <a:t>È un diagramma che rappresenta le relazioni evolutive tra le entità biologiche, dove i nodi (o vertici) rappresentano tali entità, mentre gli archi mostrano loro relazioni.</a:t>
+              <a:t>È un albero che rappresenta le relazioni evolutive tra le entità biologiche, dove i nodi (o vertici) rappresentano tali entità, mentre gli archi mostrano loro relazioni.</a:t>
             </a:r>
-          </a:p>
-          <a:p>
-            <a:pPr marL="285750" indent="-285750">
-              <a:buFont typeface="Arial" panose="020B0604020202020204" pitchFamily="34" charset="0"/>
-              <a:buChar char="•"/>
-            </a:pPr>
-            <a:r>
-              <a:rPr lang="it-IT" sz="1400" dirty="0">
-                <a:latin typeface="Arial" panose="020B0604020202020204" pitchFamily="34" charset="0"/>
-                <a:cs typeface="Arial" panose="020B0604020202020204" pitchFamily="34" charset="0"/>
-              </a:rPr>
-              <a:t>Vertici con grado maggiore di 1 </a:t>
-            </a:r>
-            <a:r>
-              <a:rPr lang="it-IT" sz="1400" dirty="0">
-                <a:latin typeface="Arial" panose="020B0604020202020204" pitchFamily="34" charset="0"/>
-                <a:cs typeface="Arial" panose="020B0604020202020204" pitchFamily="34" charset="0"/>
-                <a:sym typeface="Wingdings" panose="05000000000000000000" pitchFamily="2" charset="2"/>
-              </a:rPr>
-              <a:t> nodi interni;</a:t>
-            </a:r>
-          </a:p>
-          <a:p>
-            <a:pPr marL="285750" indent="-285750">
-              <a:buFont typeface="Arial" panose="020B0604020202020204" pitchFamily="34" charset="0"/>
-              <a:buChar char="•"/>
-            </a:pPr>
-            <a:r>
-              <a:rPr lang="it-IT" sz="1400" dirty="0">
-                <a:latin typeface="Arial" panose="020B0604020202020204" pitchFamily="34" charset="0"/>
-                <a:cs typeface="Arial" panose="020B0604020202020204" pitchFamily="34" charset="0"/>
-                <a:sym typeface="Wingdings" panose="05000000000000000000" pitchFamily="2" charset="2"/>
-              </a:rPr>
-              <a:t>Vertici con grado uguale ad 1  foglie.</a:t>
-            </a:r>
-            <a:endParaRPr lang="it-IT" sz="1400" dirty="0">
-              <a:latin typeface="Arial" panose="020B0604020202020204" pitchFamily="34" charset="0"/>
-              <a:cs typeface="Arial" panose="020B0604020202020204" pitchFamily="34" charset="0"/>
-            </a:endParaRPr>
           </a:p>
         </p:txBody>
       </p:sp>
@@ -17254,7 +16874,7 @@
         <p:spPr>
           <a:xfrm>
             <a:off x="4734255" y="5362031"/>
-            <a:ext cx="4409746" cy="738664"/>
+            <a:ext cx="4409746" cy="523220"/>
           </a:xfrm>
           <a:prstGeom prst="rect">
             <a:avLst/>
@@ -17289,7 +16909,7 @@
                 <a:latin typeface="Arial" panose="020B0604020202020204" pitchFamily="34" charset="0"/>
                 <a:cs typeface="Arial" panose="020B0604020202020204" pitchFamily="34" charset="0"/>
               </a:rPr>
-              <a:t>Usati per mostrare le relazioni tra le entità piuttosto che mostrare l’antenato comune a tutti.</a:t>
+              <a:t>Usati per mostrare le relazioni tra le entità.</a:t>
             </a:r>
           </a:p>
         </p:txBody>
@@ -18985,7 +18605,7 @@
                 <a:latin typeface="Arial" panose="020B0604020202020204" pitchFamily="34" charset="0"/>
                 <a:cs typeface="Arial" panose="020B0604020202020204" pitchFamily="34" charset="0"/>
               </a:rPr>
-              <a:t>Numero non negativo su ogni arco rappresenta la distanza tra le foglie;</a:t>
+              <a:t>Numero non negativo su ogni arco rappresenta la distanza tra i nodi;</a:t>
             </a:r>
           </a:p>
           <a:p>
@@ -20000,7 +19620,7 @@
         </p:blipFill>
         <p:spPr>
           <a:xfrm>
-            <a:off x="4897922" y="2084009"/>
+            <a:off x="4820520" y="2084009"/>
             <a:ext cx="1581643" cy="226504"/>
           </a:xfrm>
           <a:prstGeom prst="rect">
@@ -20037,8 +19657,8 @@
           </a:prstGeom>
         </p:spPr>
       </p:pic>
-      <mc:AlternateContent xmlns:mc="http://schemas.openxmlformats.org/markup-compatibility/2006" xmlns:a14="http://schemas.microsoft.com/office/drawing/2010/main">
-        <mc:Choice Requires="a14">
+      <mc:AlternateContent xmlns:mc="http://schemas.openxmlformats.org/markup-compatibility/2006">
+        <mc:Choice xmlns:a14="http://schemas.microsoft.com/office/drawing/2010/main" Requires="a14">
           <p:sp>
             <p:nvSpPr>
               <p:cNvPr id="27" name="CasellaDiTesto 26">
@@ -20166,7 +19786,7 @@
                     <a:latin typeface="Arial" panose="020B0604020202020204" pitchFamily="34" charset="0"/>
                     <a:cs typeface="Arial" panose="020B0604020202020204" pitchFamily="34" charset="0"/>
                   </a:rPr>
-                  <a:t>Si aggiunge </a:t>
+                  <a:t>Aggiungi </a:t>
                 </a:r>
                 <a14:m>
                   <m:oMath xmlns:m="http://schemas.openxmlformats.org/officeDocument/2006/math">
@@ -20220,7 +19840,7 @@
                     <a:latin typeface="Arial" panose="020B0604020202020204" pitchFamily="34" charset="0"/>
                     <a:cs typeface="Arial" panose="020B0604020202020204" pitchFamily="34" charset="0"/>
                   </a:rPr>
-                  <a:t> e si scrivono le distanze in funzione di </a:t>
+                  <a:t> e scrivi le distanze in funzione di </a:t>
                 </a:r>
                 <a14:m>
                   <m:oMath xmlns:m="http://schemas.openxmlformats.org/officeDocument/2006/math">
@@ -20248,7 +19868,7 @@
             </p:txBody>
           </p:sp>
         </mc:Choice>
-        <mc:Fallback xmlns="">
+        <mc:Fallback>
           <p:sp>
             <p:nvSpPr>
               <p:cNvPr id="27" name="CasellaDiTesto 26">
@@ -20274,7 +19894,7 @@
               <a:blipFill>
                 <a:blip r:embed="rId11"/>
                 <a:stretch>
-                  <a:fillRect l="-850" t="-1250" r="-1133" b="-5625"/>
+                  <a:fillRect l="-850" t="-1250" b="-5625"/>
                 </a:stretch>
               </a:blipFill>
             </p:spPr>
@@ -20605,8 +20225,8 @@
           </a:p>
         </p:txBody>
       </p:sp>
-      <mc:AlternateContent xmlns:mc="http://schemas.openxmlformats.org/markup-compatibility/2006" xmlns:a14="http://schemas.microsoft.com/office/drawing/2010/main">
-        <mc:Choice Requires="a14">
+      <mc:AlternateContent xmlns:mc="http://schemas.openxmlformats.org/markup-compatibility/2006">
+        <mc:Choice xmlns:a14="http://schemas.microsoft.com/office/drawing/2010/main" Requires="a14">
           <p:sp>
             <p:nvSpPr>
               <p:cNvPr id="54" name="CasellaDiTesto 53">
@@ -20621,8 +20241,8 @@
             </p:nvSpPr>
             <p:spPr>
               <a:xfrm>
-                <a:off x="12111" y="5898328"/>
-                <a:ext cx="3028950" cy="557076"/>
+                <a:off x="2568537" y="6140906"/>
+                <a:ext cx="2768698" cy="325025"/>
               </a:xfrm>
               <a:prstGeom prst="rect">
                 <a:avLst/>
@@ -20640,53 +20260,14 @@
                     <a:latin typeface="Arial" panose="020B0604020202020204" pitchFamily="34" charset="0"/>
                     <a:cs typeface="Arial" panose="020B0604020202020204" pitchFamily="34" charset="0"/>
                   </a:rPr>
-                  <a:t>Sostituendo </a:t>
+                  <a:t>Si </a:t>
                 </a:r>
-                <a14:m>
-                  <m:oMath xmlns:m="http://schemas.openxmlformats.org/officeDocument/2006/math">
-                    <m:sSub>
-                      <m:sSubPr>
-                        <m:ctrlPr>
-                          <a:rPr lang="it-IT" sz="1400" i="1">
-                            <a:latin typeface="Cambria Math" panose="02040503050406030204" pitchFamily="18" charset="0"/>
-                            <a:cs typeface="Arial" panose="020B0604020202020204" pitchFamily="34" charset="0"/>
-                          </a:rPr>
-                        </m:ctrlPr>
-                      </m:sSubPr>
-                      <m:e>
-                        <m:r>
-                          <a:rPr lang="it-IT" sz="1400" i="1">
-                            <a:latin typeface="Cambria Math" panose="02040503050406030204" pitchFamily="18" charset="0"/>
-                            <a:cs typeface="Arial" panose="020B0604020202020204" pitchFamily="34" charset="0"/>
-                          </a:rPr>
-                          <m:t>𝑑</m:t>
-                        </m:r>
-                      </m:e>
-                      <m:sub>
-                        <m:r>
-                          <a:rPr lang="it-IT" sz="1400" b="0" i="1" smtClean="0">
-                            <a:latin typeface="Cambria Math" panose="02040503050406030204" pitchFamily="18" charset="0"/>
-                            <a:cs typeface="Arial" panose="020B0604020202020204" pitchFamily="34" charset="0"/>
-                          </a:rPr>
-                          <m:t>𝑢</m:t>
-                        </m:r>
-                        <m:r>
-                          <a:rPr lang="it-IT" sz="1400" i="1">
-                            <a:latin typeface="Cambria Math" panose="02040503050406030204" pitchFamily="18" charset="0"/>
-                            <a:cs typeface="Arial" panose="020B0604020202020204" pitchFamily="34" charset="0"/>
-                          </a:rPr>
-                          <m:t>𝑝</m:t>
-                        </m:r>
-                      </m:sub>
-                    </m:sSub>
-                  </m:oMath>
-                </a14:m>
                 <a:r>
                   <a:rPr lang="it-IT" sz="1400" dirty="0">
                     <a:latin typeface="Arial" panose="020B0604020202020204" pitchFamily="34" charset="0"/>
                     <a:cs typeface="Arial" panose="020B0604020202020204" pitchFamily="34" charset="0"/>
                   </a:rPr>
-                  <a:t> alle due formule si ottiene che </a:t>
+                  <a:t>ottiene che </a:t>
                 </a:r>
                 <a14:m>
                   <m:oMath xmlns:m="http://schemas.openxmlformats.org/officeDocument/2006/math">
@@ -20779,7 +20360,7 @@
             </p:txBody>
           </p:sp>
         </mc:Choice>
-        <mc:Fallback xmlns="">
+        <mc:Fallback>
           <p:sp>
             <p:nvSpPr>
               <p:cNvPr id="54" name="CasellaDiTesto 53">
@@ -20796,8 +20377,8 @@
             </p:nvSpPr>
             <p:spPr>
               <a:xfrm>
-                <a:off x="12111" y="5898328"/>
-                <a:ext cx="3028950" cy="557076"/>
+                <a:off x="2568537" y="6140906"/>
+                <a:ext cx="2768698" cy="325025"/>
               </a:xfrm>
               <a:prstGeom prst="rect">
                 <a:avLst/>
@@ -20805,7 +20386,7 @@
               <a:blipFill>
                 <a:blip r:embed="rId16"/>
                 <a:stretch>
-                  <a:fillRect l="-604" t="-2198" b="-7692"/>
+                  <a:fillRect l="-659" t="-1852" b="-12963"/>
                 </a:stretch>
               </a:blipFill>
             </p:spPr>
@@ -20951,47 +20532,50 @@
           </a:fontRef>
         </p:style>
       </p:cxnSp>
-      <p:cxnSp>
-        <p:nvCxnSpPr>
-          <p:cNvPr id="35" name="Connettore 2 34">
+      <p:sp>
+        <p:nvSpPr>
+          <p:cNvPr id="31" name="Freccia a destra 30">
             <a:extLst>
               <a:ext uri="{FF2B5EF4-FFF2-40B4-BE49-F238E27FC236}">
-                <a16:creationId xmlns:a16="http://schemas.microsoft.com/office/drawing/2014/main" id="{A4A0AB2E-B63B-4749-A561-745E594EE9DC}"/>
+                <a16:creationId xmlns:a16="http://schemas.microsoft.com/office/drawing/2014/main" id="{22995C81-14E8-4BBA-8368-E2E9F64E3BB2}"/>
               </a:ext>
             </a:extLst>
           </p:cNvPr>
-          <p:cNvCxnSpPr>
-            <a:cxnSpLocks/>
-          </p:cNvCxnSpPr>
+          <p:cNvSpPr/>
           <p:nvPr/>
-        </p:nvCxnSpPr>
-        <p:spPr>
-          <a:xfrm flipH="1">
-            <a:off x="1472287" y="5236325"/>
-            <a:ext cx="1" cy="496928"/>
-          </a:xfrm>
-          <a:prstGeom prst="straightConnector1">
-            <a:avLst/>
-          </a:prstGeom>
-          <a:ln>
-            <a:tailEnd type="triangle"/>
-          </a:ln>
+        </p:nvSpPr>
+        <p:spPr>
+          <a:xfrm rot="3658164">
+            <a:off x="2017591" y="5557173"/>
+            <a:ext cx="859551" cy="163722"/>
+          </a:xfrm>
+          <a:prstGeom prst="rightArrow">
+            <a:avLst/>
+          </a:prstGeom>
         </p:spPr>
         <p:style>
-          <a:lnRef idx="2">
+          <a:lnRef idx="1">
             <a:schemeClr val="accent1"/>
           </a:lnRef>
-          <a:fillRef idx="0">
+          <a:fillRef idx="3">
             <a:schemeClr val="accent1"/>
           </a:fillRef>
-          <a:effectRef idx="1">
+          <a:effectRef idx="2">
             <a:schemeClr val="accent1"/>
           </a:effectRef>
           <a:fontRef idx="minor">
-            <a:schemeClr val="tx1"/>
+            <a:schemeClr val="lt1"/>
           </a:fontRef>
         </p:style>
-      </p:cxnSp>
+        <p:txBody>
+          <a:bodyPr rtlCol="0" anchor="ctr"/>
+          <a:lstStyle/>
+          <a:p>
+            <a:pPr algn="ctr"/>
+            <a:endParaRPr lang="it-IT"/>
+          </a:p>
+        </p:txBody>
+      </p:sp>
     </p:spTree>
     <p:extLst>
       <p:ext uri="{BB962C8B-B14F-4D97-AF65-F5344CB8AC3E}">
@@ -21423,8 +21007,8 @@
           </a:p>
         </p:txBody>
       </p:sp>
-      <mc:AlternateContent xmlns:mc="http://schemas.openxmlformats.org/markup-compatibility/2006" xmlns:a14="http://schemas.microsoft.com/office/drawing/2010/main">
-        <mc:Choice Requires="a14">
+      <mc:AlternateContent xmlns:mc="http://schemas.openxmlformats.org/markup-compatibility/2006">
+        <mc:Choice xmlns:a14="http://schemas.microsoft.com/office/drawing/2010/main" Requires="a14">
           <p:sp>
             <p:nvSpPr>
               <p:cNvPr id="33" name="CasellaDiTesto 32">
@@ -21440,7 +21024,7 @@
             <p:spPr>
               <a:xfrm>
                 <a:off x="6449511" y="1638050"/>
-                <a:ext cx="2347460" cy="738664"/>
+                <a:ext cx="2702630" cy="523220"/>
               </a:xfrm>
               <a:prstGeom prst="rect">
                 <a:avLst/>
@@ -21459,7 +21043,7 @@
                     <a:latin typeface="Arial" panose="020B0604020202020204" pitchFamily="34" charset="0"/>
                     <a:cs typeface="Arial" panose="020B0604020202020204" pitchFamily="34" charset="0"/>
                   </a:rPr>
-                  <a:t>Aggiorniamo </a:t>
+                  <a:t>Aggiorna </a:t>
                 </a:r>
                 <a14:m>
                   <m:oMath xmlns:m="http://schemas.openxmlformats.org/officeDocument/2006/math">
@@ -21477,7 +21061,7 @@
                     <a:latin typeface="Arial" panose="020B0604020202020204" pitchFamily="34" charset="0"/>
                     <a:cs typeface="Arial" panose="020B0604020202020204" pitchFamily="34" charset="0"/>
                   </a:rPr>
-                  <a:t>: si elimina </a:t>
+                  <a:t>: elimina </a:t>
                 </a:r>
                 <a14:m>
                   <m:oMath xmlns:m="http://schemas.openxmlformats.org/officeDocument/2006/math">
@@ -21548,7 +21132,7 @@
             </p:txBody>
           </p:sp>
         </mc:Choice>
-        <mc:Fallback xmlns="">
+        <mc:Fallback>
           <p:sp>
             <p:nvSpPr>
               <p:cNvPr id="33" name="CasellaDiTesto 32">
@@ -21566,7 +21150,7 @@
             <p:spPr>
               <a:xfrm>
                 <a:off x="6449511" y="1638050"/>
-                <a:ext cx="2347460" cy="738664"/>
+                <a:ext cx="2702630" cy="523220"/>
               </a:xfrm>
               <a:prstGeom prst="rect">
                 <a:avLst/>
@@ -21574,7 +21158,7 @@
               <a:blipFill>
                 <a:blip r:embed="rId9"/>
                 <a:stretch>
-                  <a:fillRect t="-1653" b="-7438"/>
+                  <a:fillRect t="-2326" r="-677" b="-10465"/>
                 </a:stretch>
               </a:blipFill>
             </p:spPr>
@@ -21615,7 +21199,7 @@
         </p:blipFill>
         <p:spPr>
           <a:xfrm>
-            <a:off x="6317968" y="2684591"/>
+            <a:off x="6564825" y="2683897"/>
             <a:ext cx="2479003" cy="1153236"/>
           </a:xfrm>
           <a:prstGeom prst="rect">
@@ -21641,12 +21225,12 @@
         </p:nvCxnSpPr>
         <p:spPr>
           <a:xfrm flipV="1">
-            <a:off x="5339481" y="2007382"/>
-            <a:ext cx="1110030" cy="836181"/>
+            <a:off x="5339481" y="1899660"/>
+            <a:ext cx="1110030" cy="943903"/>
           </a:xfrm>
           <a:prstGeom prst="bentConnector3">
             <a:avLst>
-              <a:gd name="adj1" fmla="val 32495"/>
+              <a:gd name="adj1" fmla="val 50000"/>
             </a:avLst>
           </a:prstGeom>
           <a:ln>
@@ -21685,8 +21269,8 @@
         </p:nvCxnSpPr>
         <p:spPr>
           <a:xfrm>
-            <a:off x="7623241" y="2376714"/>
-            <a:ext cx="0" cy="263045"/>
+            <a:off x="7800826" y="2161270"/>
+            <a:ext cx="0" cy="451897"/>
           </a:xfrm>
           <a:prstGeom prst="straightConnector1">
             <a:avLst/>
@@ -21710,8 +21294,8 @@
           </a:fontRef>
         </p:style>
       </p:cxnSp>
-      <mc:AlternateContent xmlns:mc="http://schemas.openxmlformats.org/markup-compatibility/2006" xmlns:a14="http://schemas.microsoft.com/office/drawing/2010/main">
-        <mc:Choice Requires="a14">
+      <mc:AlternateContent xmlns:mc="http://schemas.openxmlformats.org/markup-compatibility/2006">
+        <mc:Choice xmlns:a14="http://schemas.microsoft.com/office/drawing/2010/main" Requires="a14">
           <p:sp>
             <p:nvSpPr>
               <p:cNvPr id="17" name="CasellaDiTesto 16">
@@ -21726,8 +21310,8 @@
             </p:nvSpPr>
             <p:spPr>
               <a:xfrm>
-                <a:off x="6078054" y="5228407"/>
-                <a:ext cx="2958831" cy="954107"/>
+                <a:off x="6080609" y="5336128"/>
+                <a:ext cx="3063391" cy="738664"/>
               </a:xfrm>
               <a:prstGeom prst="rect">
                 <a:avLst/>
@@ -21782,7 +21366,7 @@
                     <a:latin typeface="Arial" panose="020B0604020202020204" pitchFamily="34" charset="0"/>
                     <a:cs typeface="Arial" panose="020B0604020202020204" pitchFamily="34" charset="0"/>
                   </a:rPr>
-                  <a:t>? Si sceglie un generico nodo interno </a:t>
+                  <a:t>? Scegli un nodo </a:t>
                 </a:r>
                 <a14:m>
                   <m:oMath xmlns:m="http://schemas.openxmlformats.org/officeDocument/2006/math">
@@ -21800,13 +21384,13 @@
                     <a:latin typeface="Arial" panose="020B0604020202020204" pitchFamily="34" charset="0"/>
                     <a:cs typeface="Arial" panose="020B0604020202020204" pitchFamily="34" charset="0"/>
                   </a:rPr>
-                  <a:t> e si applicano ricorsivamente gli step precedenti</a:t>
+                  <a:t> e applica ricorsivamente gli step precedenti</a:t>
                 </a:r>
               </a:p>
             </p:txBody>
           </p:sp>
         </mc:Choice>
-        <mc:Fallback xmlns="">
+        <mc:Fallback>
           <p:sp>
             <p:nvSpPr>
               <p:cNvPr id="17" name="CasellaDiTesto 16">
@@ -21823,8 +21407,8 @@
             </p:nvSpPr>
             <p:spPr>
               <a:xfrm>
-                <a:off x="6078054" y="5228407"/>
-                <a:ext cx="2958831" cy="954107"/>
+                <a:off x="6080609" y="5336128"/>
+                <a:ext cx="3063391" cy="738664"/>
               </a:xfrm>
               <a:prstGeom prst="rect">
                 <a:avLst/>
@@ -21832,7 +21416,7 @@
               <a:blipFill>
                 <a:blip r:embed="rId11"/>
                 <a:stretch>
-                  <a:fillRect t="-1282" b="-5769"/>
+                  <a:fillRect l="-398" t="-820" b="-7377"/>
                 </a:stretch>
               </a:blipFill>
             </p:spPr>
@@ -21862,15 +21446,13 @@
           </p:cNvPr>
           <p:cNvCxnSpPr>
             <a:cxnSpLocks/>
-            <a:stCxn id="15" idx="2"/>
-            <a:endCxn id="17" idx="0"/>
           </p:cNvCxnSpPr>
           <p:nvPr/>
         </p:nvCxnSpPr>
         <p:spPr>
           <a:xfrm>
-            <a:off x="7557470" y="3837827"/>
-            <a:ext cx="0" cy="1390580"/>
+            <a:off x="7800826" y="3944821"/>
+            <a:ext cx="0" cy="1310760"/>
           </a:xfrm>
           <a:prstGeom prst="straightConnector1">
             <a:avLst/>
@@ -21941,8 +21523,8 @@
         </p:nvCxnSpPr>
         <p:spPr>
           <a:xfrm flipH="1">
-            <a:off x="5824313" y="5705461"/>
-            <a:ext cx="253741" cy="0"/>
+            <a:off x="5824313" y="5705460"/>
+            <a:ext cx="256296" cy="1"/>
           </a:xfrm>
           <a:prstGeom prst="straightConnector1">
             <a:avLst/>
@@ -22647,8 +22229,8 @@
           </a:p>
         </p:txBody>
       </p:sp>
-      <mc:AlternateContent xmlns:mc="http://schemas.openxmlformats.org/markup-compatibility/2006">
-        <mc:Choice xmlns:a14="http://schemas.microsoft.com/office/drawing/2010/main" Requires="a14">
+      <mc:AlternateContent xmlns:mc="http://schemas.openxmlformats.org/markup-compatibility/2006" xmlns:a14="http://schemas.microsoft.com/office/drawing/2010/main">
+        <mc:Choice Requires="a14">
           <p:sp>
             <p:nvSpPr>
               <p:cNvPr id="40" name="CasellaDiTesto 39">
@@ -22663,8 +22245,8 @@
             </p:nvSpPr>
             <p:spPr>
               <a:xfrm>
-                <a:off x="5134982" y="2330757"/>
-                <a:ext cx="4017159" cy="738664"/>
+                <a:off x="5134982" y="2147433"/>
+                <a:ext cx="4017159" cy="954107"/>
               </a:xfrm>
               <a:prstGeom prst="rect">
                 <a:avLst/>
@@ -22684,6 +22266,12 @@
                   </a:rPr>
                   <a:t>2 Step:</a:t>
                 </a:r>
+              </a:p>
+              <a:p>
+                <a:endParaRPr lang="it-IT" sz="1400" dirty="0">
+                  <a:latin typeface="Arial" panose="020B0604020202020204" pitchFamily="34" charset="0"/>
+                  <a:cs typeface="Arial" panose="020B0604020202020204" pitchFamily="34" charset="0"/>
+                </a:endParaRPr>
               </a:p>
               <a:p>
                 <a:pPr marL="285750" indent="-285750">
@@ -22765,7 +22353,7 @@
             </p:txBody>
           </p:sp>
         </mc:Choice>
-        <mc:Fallback>
+        <mc:Fallback xmlns="">
           <p:sp>
             <p:nvSpPr>
               <p:cNvPr id="40" name="CasellaDiTesto 39">
@@ -22782,8 +22370,8 @@
             </p:nvSpPr>
             <p:spPr>
               <a:xfrm>
-                <a:off x="5134982" y="2330757"/>
-                <a:ext cx="4017159" cy="738664"/>
+                <a:off x="5134982" y="2147433"/>
+                <a:ext cx="4017159" cy="954107"/>
               </a:xfrm>
               <a:prstGeom prst="rect">
                 <a:avLst/>
@@ -22791,7 +22379,7 @@
               <a:blipFill>
                 <a:blip r:embed="rId12"/>
                 <a:stretch>
-                  <a:fillRect l="-455" t="-820"/>
+                  <a:fillRect l="-455" t="-637"/>
                 </a:stretch>
               </a:blipFill>
             </p:spPr>
@@ -22836,7 +22424,7 @@
         </p:blipFill>
         <p:spPr>
           <a:xfrm>
-            <a:off x="5964030" y="2925921"/>
+            <a:off x="5964030" y="3040221"/>
             <a:ext cx="2571733" cy="200533"/>
           </a:xfrm>
           <a:prstGeom prst="rect">
@@ -22858,7 +22446,7 @@
         </p:nvSpPr>
         <p:spPr>
           <a:xfrm>
-            <a:off x="5126657" y="3237115"/>
+            <a:off x="5126657" y="3431425"/>
             <a:ext cx="4017159" cy="523220"/>
           </a:xfrm>
           <a:prstGeom prst="rect">
@@ -22881,7 +22469,7 @@
                 <a:latin typeface="Arial" panose="020B0604020202020204" pitchFamily="34" charset="0"/>
                 <a:cs typeface="Arial" panose="020B0604020202020204" pitchFamily="34" charset="0"/>
               </a:rPr>
-              <a:t>2.	Calcolare la distanza tra le foglie ed aggiornare la matrice D.</a:t>
+              <a:t>Calcolare la distanza tra le foglie ed aggiornare la matrice D.</a:t>
             </a:r>
           </a:p>
         </p:txBody>
@@ -22912,7 +22500,7 @@
         </p:blipFill>
         <p:spPr>
           <a:xfrm>
-            <a:off x="5964030" y="3891832"/>
+            <a:off x="5964030" y="4086142"/>
             <a:ext cx="1450238" cy="180056"/>
           </a:xfrm>
           <a:prstGeom prst="rect">
@@ -22946,7 +22534,7 @@
         </p:blipFill>
         <p:spPr>
           <a:xfrm>
-            <a:off x="5314371" y="4650962"/>
+            <a:off x="5314371" y="5075626"/>
             <a:ext cx="3191728" cy="204120"/>
           </a:xfrm>
           <a:prstGeom prst="rect">
@@ -22976,6 +22564,47 @@
           <a:prstGeom prst="line">
             <a:avLst/>
           </a:prstGeom>
+        </p:spPr>
+        <p:style>
+          <a:lnRef idx="2">
+            <a:schemeClr val="accent1"/>
+          </a:lnRef>
+          <a:fillRef idx="0">
+            <a:schemeClr val="accent1"/>
+          </a:fillRef>
+          <a:effectRef idx="1">
+            <a:schemeClr val="accent1"/>
+          </a:effectRef>
+          <a:fontRef idx="minor">
+            <a:schemeClr val="tx1"/>
+          </a:fontRef>
+        </p:style>
+      </p:cxnSp>
+      <p:cxnSp>
+        <p:nvCxnSpPr>
+          <p:cNvPr id="5" name="Connettore 2 4">
+            <a:extLst>
+              <a:ext uri="{FF2B5EF4-FFF2-40B4-BE49-F238E27FC236}">
+                <a16:creationId xmlns:a16="http://schemas.microsoft.com/office/drawing/2014/main" id="{087E58CB-CEA2-43E1-8AC8-A0C3DBEB484A}"/>
+              </a:ext>
+            </a:extLst>
+          </p:cNvPr>
+          <p:cNvCxnSpPr>
+            <a:cxnSpLocks/>
+          </p:cNvCxnSpPr>
+          <p:nvPr/>
+        </p:nvCxnSpPr>
+        <p:spPr>
+          <a:xfrm>
+            <a:off x="6812732" y="4370907"/>
+            <a:ext cx="0" cy="548632"/>
+          </a:xfrm>
+          <a:prstGeom prst="straightConnector1">
+            <a:avLst/>
+          </a:prstGeom>
+          <a:ln>
+            <a:tailEnd type="triangle"/>
+          </a:ln>
         </p:spPr>
         <p:style>
           <a:lnRef idx="2">
@@ -23274,11 +22903,11 @@
 <file path=ppt/tags/tag22.xml><?xml version="1.0" encoding="utf-8"?>
 <p:tagLst xmlns:a="http://schemas.openxmlformats.org/drawingml/2006/main" xmlns:r="http://schemas.openxmlformats.org/officeDocument/2006/relationships" xmlns:p="http://schemas.openxmlformats.org/presentationml/2006/main">
   <p:tag name="OUTPUTDPI" val="1200"/>
-  <p:tag name="ORIGINALHEIGHT" val="264,7169"/>
-  <p:tag name="ORIGINALWIDTH" val="3502,812"/>
-  <p:tag name="LATEXADDIN" val="\documentclass{article}&#10;\usepackage{amsmath}&#10;\pagestyle{empty}&#10;\begin{document}&#10;&#10;\[\Delta_{fb}=\frac{totalDistance(D_f)-totalDistance(D_b)}{n-2}=\frac{10-12}{4-2}=-1\]&#10;&#10;&#10;\end{document}"/>
+  <p:tag name="ORIGINALHEIGHT" val="273,7158"/>
+  <p:tag name="ORIGINALWIDTH" val="2920,885"/>
+  <p:tag name="LATEXADDIN" val="\documentclass{article}&#10;\usepackage{amsmath}&#10;\pagestyle{empty}&#10;\begin{document}&#10;&#10;\[\Delta_{fb}=\frac{\sum_{k=1}^{n}D(f,k)-\sum_{k=1}^{n}D(b,k)}{n-2}=\frac{10-12}{4-2}=-1\]&#10;&#10;&#10;\end{document}"/>
   <p:tag name="IGUANATEXSIZE" val="14"/>
-  <p:tag name="IGUANATEXCURSOR" val="167"/>
+  <p:tag name="IGUANATEXCURSOR" val="142"/>
   <p:tag name="TRANSPARENCY" val="Vero"/>
   <p:tag name="FILENAME" val=""/>
   <p:tag name="LATEXENGINEID" val="0"/>
@@ -23294,10 +22923,10 @@
 <p:tagLst xmlns:a="http://schemas.openxmlformats.org/drawingml/2006/main" xmlns:r="http://schemas.openxmlformats.org/officeDocument/2006/relationships" xmlns:p="http://schemas.openxmlformats.org/presentationml/2006/main">
   <p:tag name="OUTPUTDPI" val="1200"/>
   <p:tag name="ORIGINALHEIGHT" val="263,2171"/>
-  <p:tag name="ORIGINALWIDTH" val="2440,945"/>
-  <p:tag name="LATEXADDIN" val="\documentclass{article}&#10;\usepackage{amsmath}&#10;\pagestyle{empty}&#10;\begin{document}&#10;&#10;&#10;\[limbweight(f)=\frac{D_{fb}+\Delta_{fb}}{2}=\frac{3+(-1)}{2}=1\]&#10;&#10;\end{document}"/>
+  <p:tag name="ORIGINALWIDTH" val="2440,195"/>
+  <p:tag name="LATEXADDIN" val="\documentclass{article}&#10;\usepackage{amsmath}&#10;\pagestyle{empty}&#10;\begin{document}&#10;&#10;&#10;\[edgeweight(f)=\frac{D_{fb}+\Delta_{fb}}{2}=\frac{3+(-1)}{2}=1\]&#10;&#10;\end{document}"/>
   <p:tag name="IGUANATEXSIZE" val="20"/>
-  <p:tag name="IGUANATEXCURSOR" val="147"/>
+  <p:tag name="IGUANATEXCURSOR" val="84"/>
   <p:tag name="TRANSPARENCY" val="Vero"/>
   <p:tag name="FILENAME" val=""/>
   <p:tag name="LATEXENGINEID" val="0"/>
@@ -23313,10 +22942,10 @@
 <p:tagLst xmlns:a="http://schemas.openxmlformats.org/drawingml/2006/main" xmlns:r="http://schemas.openxmlformats.org/officeDocument/2006/relationships" xmlns:p="http://schemas.openxmlformats.org/presentationml/2006/main">
   <p:tag name="OUTPUTDPI" val="1200"/>
   <p:tag name="ORIGINALHEIGHT" val="263,2171"/>
-  <p:tag name="ORIGINALWIDTH" val="2423,697"/>
-  <p:tag name="LATEXADDIN" val="\documentclass{article}&#10;\usepackage{amsmath}&#10;\pagestyle{empty}&#10;\begin{document}&#10;&#10;&#10;\[limbweight(b)=\frac{D_{fb}-\Delta_{fb}}{2}=\frac{3-(-1)}{2}=2\]&#10;&#10;\end{document}"/>
+  <p:tag name="ORIGINALWIDTH" val="2422,947"/>
+  <p:tag name="LATEXADDIN" val="\documentclass{article}&#10;\usepackage{amsmath}&#10;\pagestyle{empty}&#10;\begin{document}&#10;&#10;&#10;\[edgeweight(b)=\frac{D_{fb}-\Delta_{fb}}{2}=\frac{3-(-1)}{2}=2\]&#10;&#10;\end{document}"/>
   <p:tag name="IGUANATEXSIZE" val="20"/>
-  <p:tag name="IGUANATEXCURSOR" val="147"/>
+  <p:tag name="IGUANATEXCURSOR" val="94"/>
   <p:tag name="TRANSPARENCY" val="Vero"/>
   <p:tag name="FILENAME" val=""/>
   <p:tag name="LATEXENGINEID" val="0"/>
@@ -23350,11 +22979,11 @@
 <file path=ppt/tags/tag26.xml><?xml version="1.0" encoding="utf-8"?>
 <p:tagLst xmlns:a="http://schemas.openxmlformats.org/drawingml/2006/main" xmlns:r="http://schemas.openxmlformats.org/officeDocument/2006/relationships" xmlns:p="http://schemas.openxmlformats.org/presentationml/2006/main">
   <p:tag name="OUTPUTDPI" val="1200"/>
-  <p:tag name="ORIGINALHEIGHT" val="621,6723"/>
-  <p:tag name="ORIGINALWIDTH" val="3415,823"/>
-  <p:tag name="LATEXADDIN" val="\documentclass{article}&#10;\usepackage{amsmath}&#10;\pagestyle{empty}&#10;\begin{document}&#10;&#10;\[Discrepancy(D(T),D)=\sum_{i=1}^{j-1}\sum_{j=i+1}^{n}(D_{ij}(T)-D_{ij})^2=\]&#10;\[=0+(3,5-4)^2+(3,5-3)^2+(4,5-4)^2+(4,5-5)^2+0=1\]&#10;&#10;&#10;\end{document}"/>
+  <p:tag name="ORIGINALHEIGHT" val="383,952"/>
+  <p:tag name="ORIGINALWIDTH" val="2991,376"/>
+  <p:tag name="LATEXADDIN" val="\documentclass{article}&#10;\usepackage{amsmath}&#10;\pagestyle{empty}&#10;\begin{document}&#10;&#10;\[Discrepancy(D(T),D)=\sum_{i=1}^{j-1}\sum_{j=i+1}^{n}(D_{ij}(T)-D_{ij})^2=1\]&#10;&#10;&#10;\end{document}"/>
   <p:tag name="IGUANATEXSIZE" val="20"/>
-  <p:tag name="IGUANATEXCURSOR" val="156"/>
+  <p:tag name="IGUANATEXCURSOR" val="155"/>
   <p:tag name="TRANSPARENCY" val="Vero"/>
   <p:tag name="FILENAME" val=""/>
   <p:tag name="LATEXENGINEID" val="0"/>
@@ -23446,10 +23075,10 @@
 <p:tagLst xmlns:a="http://schemas.openxmlformats.org/drawingml/2006/main" xmlns:r="http://schemas.openxmlformats.org/officeDocument/2006/relationships" xmlns:p="http://schemas.openxmlformats.org/presentationml/2006/main">
   <p:tag name="OUTPUTDPI" val="1200"/>
   <p:tag name="ORIGINALHEIGHT" val="140,9824"/>
-  <p:tag name="ORIGINALWIDTH" val="3805,774"/>
-  <p:tag name="LATEXADDIN" val="\documentclass{article}&#10;\usepackage{amsmath}&#10;\pagestyle{empty}&#10;\begin{document}&#10;&#10;&#10;\[T(NeighborJoining)=T(step1)+T(step2)=O(n^2)+O(n)=O(n^2)\]&#10;&#10;\end{document}"/>
+  <p:tag name="ORIGINALWIDTH" val="2122,235"/>
+  <p:tag name="LATEXADDIN" val="\documentclass{article}&#10;\usepackage{amsmath}&#10;\pagestyle{empty}&#10;\begin{document}&#10;&#10;&#10;\[T(NJ)=T(step1)+T(step2)=O(n^2)\]&#10;&#10;\end{document}"/>
   <p:tag name="IGUANATEXSIZE" val="20"/>
-  <p:tag name="IGUANATEXCURSOR" val="120"/>
+  <p:tag name="IGUANATEXCURSOR" val="107"/>
   <p:tag name="TRANSPARENCY" val="Vero"/>
   <p:tag name="FILENAME" val=""/>
   <p:tag name="LATEXENGINEID" val="0"/>
@@ -23465,10 +23094,10 @@
 <p:tagLst xmlns:a="http://schemas.openxmlformats.org/drawingml/2006/main" xmlns:r="http://schemas.openxmlformats.org/officeDocument/2006/relationships" xmlns:p="http://schemas.openxmlformats.org/presentationml/2006/main">
   <p:tag name="OUTPUTDPI" val="1200"/>
   <p:tag name="ORIGINALHEIGHT" val="140,9824"/>
-  <p:tag name="ORIGINALWIDTH" val="2761,155"/>
-  <p:tag name="LATEXADDIN" val="\documentclass{article}&#10;\usepackage{amsmath}&#10;\pagestyle{empty}&#10;\begin{document}&#10;&#10;&#10;\[T(Totale)=T(NeighborJoining) \times O(n)= O(n^3)\]&#10;&#10;\end{document}"/>
+  <p:tag name="ORIGINALWIDTH" val="1991,751"/>
+  <p:tag name="LATEXADDIN" val="\documentclass{article}&#10;\usepackage{amsmath}&#10;\pagestyle{empty}&#10;\begin{document}&#10;&#10;&#10;\[T(Totale)=T(NJ) \times O(n)= O(n^3)\]&#10;&#10;\end{document}"/>
   <p:tag name="IGUANATEXSIZE" val="20"/>
-  <p:tag name="IGUANATEXCURSOR" val="132"/>
+  <p:tag name="IGUANATEXCURSOR" val="98"/>
   <p:tag name="TRANSPARENCY" val="Vero"/>
   <p:tag name="FILENAME" val=""/>
   <p:tag name="LATEXENGINEID" val="0"/>

--- a/Discussione Laurea/Slides v.1.0.pptx
+++ b/Discussione Laurea/Slides v.1.0.pptx
@@ -12033,8 +12033,8 @@
           </a:p>
         </p:txBody>
       </p:sp>
-      <mc:AlternateContent xmlns:mc="http://schemas.openxmlformats.org/markup-compatibility/2006">
-        <mc:Choice xmlns:a14="http://schemas.microsoft.com/office/drawing/2010/main" Requires="a14">
+      <mc:AlternateContent xmlns:mc="http://schemas.openxmlformats.org/markup-compatibility/2006" xmlns:a14="http://schemas.microsoft.com/office/drawing/2010/main">
+        <mc:Choice Requires="a14">
           <p:sp>
             <p:nvSpPr>
               <p:cNvPr id="37" name="CasellaDiTesto 36">
@@ -12241,7 +12241,7 @@
             </p:txBody>
           </p:sp>
         </mc:Choice>
-        <mc:Fallback>
+        <mc:Fallback xmlns="">
           <p:sp>
             <p:nvSpPr>
               <p:cNvPr id="37" name="CasellaDiTesto 36">
@@ -12286,8 +12286,8 @@
           </p:sp>
         </mc:Fallback>
       </mc:AlternateContent>
-      <mc:AlternateContent xmlns:mc="http://schemas.openxmlformats.org/markup-compatibility/2006">
-        <mc:Choice xmlns:a14="http://schemas.microsoft.com/office/drawing/2010/main" Requires="a14">
+      <mc:AlternateContent xmlns:mc="http://schemas.openxmlformats.org/markup-compatibility/2006" xmlns:a14="http://schemas.microsoft.com/office/drawing/2010/main">
+        <mc:Choice Requires="a14">
           <p:sp>
             <p:nvSpPr>
               <p:cNvPr id="24" name="CasellaDiTesto 23">
@@ -12367,7 +12367,7 @@
             </p:txBody>
           </p:sp>
         </mc:Choice>
-        <mc:Fallback>
+        <mc:Fallback xmlns="">
           <p:sp>
             <p:nvSpPr>
               <p:cNvPr id="24" name="CasellaDiTesto 23">
@@ -12441,8 +12441,8 @@
           </a:prstGeom>
         </p:spPr>
       </p:pic>
-      <mc:AlternateContent xmlns:mc="http://schemas.openxmlformats.org/markup-compatibility/2006">
-        <mc:Choice xmlns:a14="http://schemas.microsoft.com/office/drawing/2010/main" Requires="a14">
+      <mc:AlternateContent xmlns:mc="http://schemas.openxmlformats.org/markup-compatibility/2006" xmlns:a14="http://schemas.microsoft.com/office/drawing/2010/main">
+        <mc:Choice Requires="a14">
           <p:sp>
             <p:nvSpPr>
               <p:cNvPr id="26" name="CasellaDiTesto 25">
@@ -12538,7 +12538,7 @@
             </p:txBody>
           </p:sp>
         </mc:Choice>
-        <mc:Fallback>
+        <mc:Fallback xmlns="">
           <p:sp>
             <p:nvSpPr>
               <p:cNvPr id="26" name="CasellaDiTesto 25">
@@ -14079,8 +14079,8 @@
           </a:p>
         </p:txBody>
       </p:sp>
-      <mc:AlternateContent xmlns:mc="http://schemas.openxmlformats.org/markup-compatibility/2006">
-        <mc:Choice xmlns:a14="http://schemas.microsoft.com/office/drawing/2010/main" Requires="a14">
+      <mc:AlternateContent xmlns:mc="http://schemas.openxmlformats.org/markup-compatibility/2006" xmlns:a14="http://schemas.microsoft.com/office/drawing/2010/main">
+        <mc:Choice Requires="a14">
           <p:sp>
             <p:nvSpPr>
               <p:cNvPr id="40" name="CasellaDiTesto 39">
@@ -14221,7 +14221,7 @@
             </p:txBody>
           </p:sp>
         </mc:Choice>
-        <mc:Fallback>
+        <mc:Fallback xmlns="">
           <p:sp>
             <p:nvSpPr>
               <p:cNvPr id="40" name="CasellaDiTesto 39">
@@ -19657,8 +19657,8 @@
           </a:prstGeom>
         </p:spPr>
       </p:pic>
-      <mc:AlternateContent xmlns:mc="http://schemas.openxmlformats.org/markup-compatibility/2006">
-        <mc:Choice xmlns:a14="http://schemas.microsoft.com/office/drawing/2010/main" Requires="a14">
+      <mc:AlternateContent xmlns:mc="http://schemas.openxmlformats.org/markup-compatibility/2006" xmlns:a14="http://schemas.microsoft.com/office/drawing/2010/main">
+        <mc:Choice Requires="a14">
           <p:sp>
             <p:nvSpPr>
               <p:cNvPr id="27" name="CasellaDiTesto 26">
@@ -19868,7 +19868,7 @@
             </p:txBody>
           </p:sp>
         </mc:Choice>
-        <mc:Fallback>
+        <mc:Fallback xmlns="">
           <p:sp>
             <p:nvSpPr>
               <p:cNvPr id="27" name="CasellaDiTesto 26">
@@ -20225,8 +20225,8 @@
           </a:p>
         </p:txBody>
       </p:sp>
-      <mc:AlternateContent xmlns:mc="http://schemas.openxmlformats.org/markup-compatibility/2006">
-        <mc:Choice xmlns:a14="http://schemas.microsoft.com/office/drawing/2010/main" Requires="a14">
+      <mc:AlternateContent xmlns:mc="http://schemas.openxmlformats.org/markup-compatibility/2006" xmlns:a14="http://schemas.microsoft.com/office/drawing/2010/main">
+        <mc:Choice Requires="a14">
           <p:sp>
             <p:nvSpPr>
               <p:cNvPr id="54" name="CasellaDiTesto 53">
@@ -20360,7 +20360,7 @@
             </p:txBody>
           </p:sp>
         </mc:Choice>
-        <mc:Fallback>
+        <mc:Fallback xmlns="">
           <p:sp>
             <p:nvSpPr>
               <p:cNvPr id="54" name="CasellaDiTesto 53">
@@ -20892,8 +20892,8 @@
         </p:blipFill>
         <p:spPr>
           <a:xfrm>
-            <a:off x="31251" y="2549411"/>
-            <a:ext cx="1762033" cy="180696"/>
+            <a:off x="31251" y="2492280"/>
+            <a:ext cx="1823773" cy="187027"/>
           </a:xfrm>
           <a:prstGeom prst="rect">
             <a:avLst/>
@@ -20926,8 +20926,8 @@
         </p:blipFill>
         <p:spPr>
           <a:xfrm>
-            <a:off x="31250" y="2917474"/>
-            <a:ext cx="1762033" cy="180696"/>
+            <a:off x="31250" y="2968273"/>
+            <a:ext cx="1823773" cy="187027"/>
           </a:xfrm>
           <a:prstGeom prst="rect">
             <a:avLst/>
@@ -20977,8 +20977,8 @@
         </p:nvSpPr>
         <p:spPr>
           <a:xfrm>
-            <a:off x="1957704" y="2684591"/>
-            <a:ext cx="607938" cy="180696"/>
+            <a:off x="2062480" y="2684591"/>
+            <a:ext cx="503162" cy="158972"/>
           </a:xfrm>
           <a:prstGeom prst="rightArrow">
             <a:avLst/>
@@ -21007,8 +21007,8 @@
           </a:p>
         </p:txBody>
       </p:sp>
-      <mc:AlternateContent xmlns:mc="http://schemas.openxmlformats.org/markup-compatibility/2006">
-        <mc:Choice xmlns:a14="http://schemas.microsoft.com/office/drawing/2010/main" Requires="a14">
+      <mc:AlternateContent xmlns:mc="http://schemas.openxmlformats.org/markup-compatibility/2006" xmlns:a14="http://schemas.microsoft.com/office/drawing/2010/main">
+        <mc:Choice Requires="a14">
           <p:sp>
             <p:nvSpPr>
               <p:cNvPr id="33" name="CasellaDiTesto 32">
@@ -21132,7 +21132,7 @@
             </p:txBody>
           </p:sp>
         </mc:Choice>
-        <mc:Fallback>
+        <mc:Fallback xmlns="">
           <p:sp>
             <p:nvSpPr>
               <p:cNvPr id="33" name="CasellaDiTesto 32">
@@ -21294,8 +21294,8 @@
           </a:fontRef>
         </p:style>
       </p:cxnSp>
-      <mc:AlternateContent xmlns:mc="http://schemas.openxmlformats.org/markup-compatibility/2006">
-        <mc:Choice xmlns:a14="http://schemas.microsoft.com/office/drawing/2010/main" Requires="a14">
+      <mc:AlternateContent xmlns:mc="http://schemas.openxmlformats.org/markup-compatibility/2006" xmlns:a14="http://schemas.microsoft.com/office/drawing/2010/main">
+        <mc:Choice Requires="a14">
           <p:sp>
             <p:nvSpPr>
               <p:cNvPr id="17" name="CasellaDiTesto 16">
@@ -21390,7 +21390,7 @@
             </p:txBody>
           </p:sp>
         </mc:Choice>
-        <mc:Fallback>
+        <mc:Fallback xmlns="">
           <p:sp>
             <p:nvSpPr>
               <p:cNvPr id="17" name="CasellaDiTesto 16">
@@ -22469,7 +22469,7 @@
                 <a:latin typeface="Arial" panose="020B0604020202020204" pitchFamily="34" charset="0"/>
                 <a:cs typeface="Arial" panose="020B0604020202020204" pitchFamily="34" charset="0"/>
               </a:rPr>
-              <a:t>Calcolare la distanza tra le foglie ed aggiornare la matrice D.</a:t>
+              <a:t>Calcolare la distanza dei vertici genitori ed aggiornare la matrice D.</a:t>
             </a:r>
           </a:p>
         </p:txBody>

--- a/Discussione Laurea/Slides v.1.0.pptx
+++ b/Discussione Laurea/Slides v.1.0.pptx
@@ -229,7 +229,7 @@
             <a:fld id="{45BF3CCC-77DD-F84F-A249-CA3C5045A043}" type="datetime1">
               <a:rPr lang="it-IT" smtClean="0"/>
               <a:pPr/>
-              <a:t>05/07/2019</a:t>
+              <a:t>06/07/2019</a:t>
             </a:fld>
             <a:endParaRPr lang="it-IT"/>
           </a:p>
@@ -397,7 +397,7 @@
             <a:fld id="{FE692227-D6DC-FD45-9507-DB2BAD58473C}" type="datetime1">
               <a:rPr lang="it-IT" smtClean="0"/>
               <a:pPr/>
-              <a:t>05/07/2019</a:t>
+              <a:t>06/07/2019</a:t>
             </a:fld>
             <a:endParaRPr lang="it-IT"/>
           </a:p>
@@ -2291,7 +2291,7 @@
             <a:fld id="{AD8BF249-6BAC-CD40-AAE9-334F110649E5}" type="datetimeFigureOut">
               <a:rPr lang="it-IT" smtClean="0"/>
               <a:pPr/>
-              <a:t>05/07/2019</a:t>
+              <a:t>06/07/2019</a:t>
             </a:fld>
             <a:endParaRPr lang="it-IT"/>
           </a:p>
@@ -2461,7 +2461,7 @@
             <a:fld id="{AD8BF249-6BAC-CD40-AAE9-334F110649E5}" type="datetimeFigureOut">
               <a:rPr lang="it-IT" smtClean="0"/>
               <a:pPr/>
-              <a:t>05/07/2019</a:t>
+              <a:t>06/07/2019</a:t>
             </a:fld>
             <a:endParaRPr lang="it-IT"/>
           </a:p>
@@ -2641,7 +2641,7 @@
             <a:fld id="{AD8BF249-6BAC-CD40-AAE9-334F110649E5}" type="datetimeFigureOut">
               <a:rPr lang="it-IT" smtClean="0"/>
               <a:pPr/>
-              <a:t>05/07/2019</a:t>
+              <a:t>06/07/2019</a:t>
             </a:fld>
             <a:endParaRPr lang="it-IT"/>
           </a:p>
@@ -2811,7 +2811,7 @@
             <a:fld id="{AD8BF249-6BAC-CD40-AAE9-334F110649E5}" type="datetimeFigureOut">
               <a:rPr lang="it-IT" smtClean="0"/>
               <a:pPr/>
-              <a:t>05/07/2019</a:t>
+              <a:t>06/07/2019</a:t>
             </a:fld>
             <a:endParaRPr lang="it-IT"/>
           </a:p>
@@ -3058,7 +3058,7 @@
             <a:fld id="{AD8BF249-6BAC-CD40-AAE9-334F110649E5}" type="datetimeFigureOut">
               <a:rPr lang="it-IT" smtClean="0"/>
               <a:pPr/>
-              <a:t>05/07/2019</a:t>
+              <a:t>06/07/2019</a:t>
             </a:fld>
             <a:endParaRPr lang="it-IT"/>
           </a:p>
@@ -3345,7 +3345,7 @@
             <a:fld id="{AD8BF249-6BAC-CD40-AAE9-334F110649E5}" type="datetimeFigureOut">
               <a:rPr lang="it-IT" smtClean="0"/>
               <a:pPr/>
-              <a:t>05/07/2019</a:t>
+              <a:t>06/07/2019</a:t>
             </a:fld>
             <a:endParaRPr lang="it-IT"/>
           </a:p>
@@ -3766,7 +3766,7 @@
             <a:fld id="{AD8BF249-6BAC-CD40-AAE9-334F110649E5}" type="datetimeFigureOut">
               <a:rPr lang="it-IT" smtClean="0"/>
               <a:pPr/>
-              <a:t>05/07/2019</a:t>
+              <a:t>06/07/2019</a:t>
             </a:fld>
             <a:endParaRPr lang="it-IT"/>
           </a:p>
@@ -3885,7 +3885,7 @@
             <a:fld id="{AD8BF249-6BAC-CD40-AAE9-334F110649E5}" type="datetimeFigureOut">
               <a:rPr lang="it-IT" smtClean="0"/>
               <a:pPr/>
-              <a:t>05/07/2019</a:t>
+              <a:t>06/07/2019</a:t>
             </a:fld>
             <a:endParaRPr lang="it-IT"/>
           </a:p>
@@ -3982,7 +3982,7 @@
             <a:fld id="{AD8BF249-6BAC-CD40-AAE9-334F110649E5}" type="datetimeFigureOut">
               <a:rPr lang="it-IT" smtClean="0"/>
               <a:pPr/>
-              <a:t>05/07/2019</a:t>
+              <a:t>06/07/2019</a:t>
             </a:fld>
             <a:endParaRPr lang="it-IT"/>
           </a:p>
@@ -4259,7 +4259,7 @@
             <a:fld id="{AD8BF249-6BAC-CD40-AAE9-334F110649E5}" type="datetimeFigureOut">
               <a:rPr lang="it-IT" smtClean="0"/>
               <a:pPr/>
-              <a:t>05/07/2019</a:t>
+              <a:t>06/07/2019</a:t>
             </a:fld>
             <a:endParaRPr lang="it-IT"/>
           </a:p>
@@ -4513,7 +4513,7 @@
             <a:fld id="{AD8BF249-6BAC-CD40-AAE9-334F110649E5}" type="datetimeFigureOut">
               <a:rPr lang="it-IT" smtClean="0"/>
               <a:pPr/>
-              <a:t>05/07/2019</a:t>
+              <a:t>06/07/2019</a:t>
             </a:fld>
             <a:endParaRPr lang="it-IT"/>
           </a:p>
@@ -4726,7 +4726,7 @@
             <a:fld id="{AD8BF249-6BAC-CD40-AAE9-334F110649E5}" type="datetimeFigureOut">
               <a:rPr lang="it-IT" smtClean="0"/>
               <a:pPr/>
-              <a:t>05/07/2019</a:t>
+              <a:t>06/07/2019</a:t>
             </a:fld>
             <a:endParaRPr lang="it-IT"/>
           </a:p>
@@ -6708,7 +6708,7 @@
             <p:spPr>
               <a:xfrm>
                 <a:off x="9061" y="3022080"/>
-                <a:ext cx="9134939" cy="307777"/>
+                <a:ext cx="5294459" cy="307777"/>
               </a:xfrm>
               <a:prstGeom prst="rect">
                 <a:avLst/>
@@ -6757,7 +6757,7 @@
                     <a:latin typeface="Arial" panose="020B0604020202020204" pitchFamily="34" charset="0"/>
                     <a:cs typeface="Arial" panose="020B0604020202020204" pitchFamily="34" charset="0"/>
                   </a:rPr>
-                  <a:t> si definisce        la matrice ottenuta dalla seguente formula:</a:t>
+                  <a:t> si definisce       :</a:t>
                 </a:r>
               </a:p>
             </p:txBody>
@@ -6781,7 +6781,7 @@
             <p:spPr>
               <a:xfrm>
                 <a:off x="9061" y="3022080"/>
-                <a:ext cx="9134939" cy="307777"/>
+                <a:ext cx="5294459" cy="307777"/>
               </a:xfrm>
               <a:prstGeom prst="rect">
                 <a:avLst/>
@@ -6789,7 +6789,7 @@
               <a:blipFill>
                 <a:blip r:embed="rId10"/>
                 <a:stretch>
-                  <a:fillRect l="-67" t="-4000" b="-20000"/>
+                  <a:fillRect l="-115" t="-4000" b="-20000"/>
                 </a:stretch>
               </a:blipFill>
             </p:spPr>
@@ -8112,7 +8112,7 @@
             <p:spPr>
               <a:xfrm>
                 <a:off x="-14356" y="4824181"/>
-                <a:ext cx="9249796" cy="307777"/>
+                <a:ext cx="9143817" cy="307777"/>
               </a:xfrm>
               <a:prstGeom prst="rect">
                 <a:avLst/>
@@ -8197,24 +8197,6 @@
                     <a:latin typeface="Arial" panose="020B0604020202020204" pitchFamily="34" charset="0"/>
                     <a:cs typeface="Arial" panose="020B0604020202020204" pitchFamily="34" charset="0"/>
                   </a:rPr>
-                  <a:t> in </a:t>
-                </a:r>
-                <a14:m>
-                  <m:oMath xmlns:m="http://schemas.openxmlformats.org/officeDocument/2006/math">
-                    <m:r>
-                      <a:rPr lang="it-IT" sz="1400" b="0" i="1" smtClean="0">
-                        <a:latin typeface="Cambria Math" panose="02040503050406030204" pitchFamily="18" charset="0"/>
-                        <a:cs typeface="Arial" panose="020B0604020202020204" pitchFamily="34" charset="0"/>
-                      </a:rPr>
-                      <m:t>𝐷</m:t>
-                    </m:r>
-                  </m:oMath>
-                </a14:m>
-                <a:r>
-                  <a:rPr lang="it-IT" sz="1400" dirty="0">
-                    <a:latin typeface="Arial" panose="020B0604020202020204" pitchFamily="34" charset="0"/>
-                    <a:cs typeface="Arial" panose="020B0604020202020204" pitchFamily="34" charset="0"/>
-                  </a:rPr>
                   <a:t>, ovvero una riga ed una colonna </a:t>
                 </a:r>
                 <a14:m>
@@ -8257,7 +8239,7 @@
             <p:spPr>
               <a:xfrm>
                 <a:off x="-14356" y="4824181"/>
-                <a:ext cx="9249796" cy="307777"/>
+                <a:ext cx="9143817" cy="307777"/>
               </a:xfrm>
               <a:prstGeom prst="rect">
                 <a:avLst/>
@@ -8265,7 +8247,7 @@
               <a:blipFill>
                 <a:blip r:embed="rId17"/>
                 <a:stretch>
-                  <a:fillRect l="-132" t="-1961" r="-66" b="-19608"/>
+                  <a:fillRect l="-133" t="-1961" b="-19608"/>
                 </a:stretch>
               </a:blipFill>
             </p:spPr>
@@ -8334,8 +8316,8 @@
             </p:nvSpPr>
             <p:spPr>
               <a:xfrm>
-                <a:off x="3075893" y="6259742"/>
-                <a:ext cx="2773866" cy="307777"/>
+                <a:off x="3545340" y="6309514"/>
+                <a:ext cx="1758480" cy="307777"/>
               </a:xfrm>
               <a:prstGeom prst="rect">
                 <a:avLst/>
@@ -8353,7 +8335,7 @@
                     <a:latin typeface="Arial" panose="020B0604020202020204" pitchFamily="34" charset="0"/>
                     <a:cs typeface="Arial" panose="020B0604020202020204" pitchFamily="34" charset="0"/>
                   </a:rPr>
-                  <a:t>Infine elimina </a:t>
+                  <a:t>Elimina </a:t>
                 </a:r>
                 <a14:m>
                   <m:oMath xmlns:m="http://schemas.openxmlformats.org/officeDocument/2006/math">
@@ -8430,8 +8412,8 @@
             </p:nvSpPr>
             <p:spPr>
               <a:xfrm>
-                <a:off x="3075893" y="6259742"/>
-                <a:ext cx="2773866" cy="307777"/>
+                <a:off x="3545340" y="6309514"/>
+                <a:ext cx="1758480" cy="307777"/>
               </a:xfrm>
               <a:prstGeom prst="rect">
                 <a:avLst/>
@@ -8439,7 +8421,7 @@
               <a:blipFill>
                 <a:blip r:embed="rId19"/>
                 <a:stretch>
-                  <a:fillRect l="-659" t="-4000" b="-20000"/>
+                  <a:fillRect l="-1042" t="-3922" b="-19608"/>
                 </a:stretch>
               </a:blipFill>
             </p:spPr>
@@ -9234,6 +9216,7 @@
               </a:bodyPr>
               <a:lstStyle/>
               <a:p>
+                <a:pPr algn="ctr"/>
                 <a14:m>
                   <m:oMath xmlns:m="http://schemas.openxmlformats.org/officeDocument/2006/math">
                     <m:r>
@@ -9296,7 +9279,7 @@
                     <a:latin typeface="Arial" panose="020B0604020202020204" pitchFamily="34" charset="0"/>
                     <a:cs typeface="Arial" panose="020B0604020202020204" pitchFamily="34" charset="0"/>
                   </a:rPr>
-                  <a:t>Adesso si può costruire </a:t>
+                  <a:t>Adesso costruisci </a:t>
                 </a:r>
                 <a14:m>
                   <m:oMath xmlns:m="http://schemas.openxmlformats.org/officeDocument/2006/math">
@@ -9346,7 +9329,7 @@
               <a:blipFill>
                 <a:blip r:embed="rId7"/>
                 <a:stretch>
-                  <a:fillRect l="-586" t="-1163" b="-11628"/>
+                  <a:fillRect t="-1163" b="-11628"/>
                 </a:stretch>
               </a:blipFill>
             </p:spPr>
@@ -10307,21 +10290,7 @@
                     <a:latin typeface="Arial" panose="020B0604020202020204" pitchFamily="34" charset="0"/>
                     <a:cs typeface="Arial" panose="020B0604020202020204" pitchFamily="34" charset="0"/>
                   </a:rPr>
-                  <a:t>Calcola il </a:t>
-                </a:r>
-                <a:r>
-                  <a:rPr lang="it-IT" sz="1400" i="1" dirty="0">
-                    <a:latin typeface="Arial" panose="020B0604020202020204" pitchFamily="34" charset="0"/>
-                    <a:cs typeface="Arial" panose="020B0604020202020204" pitchFamily="34" charset="0"/>
-                  </a:rPr>
-                  <a:t>delta</a:t>
-                </a:r>
-                <a:r>
-                  <a:rPr lang="it-IT" sz="1400" dirty="0">
-                    <a:latin typeface="Arial" panose="020B0604020202020204" pitchFamily="34" charset="0"/>
-                    <a:cs typeface="Arial" panose="020B0604020202020204" pitchFamily="34" charset="0"/>
-                  </a:rPr>
-                  <a:t>, il peso degli archi ed infine aggiorna la matrice </a:t>
+                  <a:t>Calcola il peso degli archi delle foglie ed aggiorna la matrice </a:t>
                 </a:r>
                 <a14:m>
                   <m:oMath xmlns:m="http://schemas.openxmlformats.org/officeDocument/2006/math">
@@ -11102,267 +11071,163 @@
           </a:p>
         </p:txBody>
       </p:sp>
-      <mc:AlternateContent xmlns:mc="http://schemas.openxmlformats.org/markup-compatibility/2006" xmlns:a14="http://schemas.microsoft.com/office/drawing/2010/main">
-        <mc:Choice Requires="a14">
-          <p:sp>
-            <p:nvSpPr>
-              <p:cNvPr id="29" name="CasellaDiTesto 28">
-                <a:extLst>
-                  <a:ext uri="{FF2B5EF4-FFF2-40B4-BE49-F238E27FC236}">
-                    <a16:creationId xmlns:a16="http://schemas.microsoft.com/office/drawing/2014/main" id="{D3A9FC43-F2C9-4408-B899-F2A86937801E}"/>
-                  </a:ext>
-                </a:extLst>
-              </p:cNvPr>
-              <p:cNvSpPr txBox="1"/>
-              <p:nvPr/>
-            </p:nvSpPr>
-            <p:spPr>
-              <a:xfrm>
-                <a:off x="-2" y="1496338"/>
-                <a:ext cx="9143817" cy="1600438"/>
-              </a:xfrm>
-              <a:prstGeom prst="rect">
-                <a:avLst/>
-              </a:prstGeom>
-              <a:noFill/>
-            </p:spPr>
-            <p:txBody>
-              <a:bodyPr wrap="square" rtlCol="0">
-                <a:spAutoFit/>
-              </a:bodyPr>
-              <a:lstStyle/>
-              <a:p>
-                <a:r>
-                  <a:rPr lang="en-US" sz="1400" b="1" dirty="0">
-                    <a:latin typeface="Arial" panose="020B0604020202020204" pitchFamily="34" charset="0"/>
-                    <a:cs typeface="Arial" panose="020B0604020202020204" pitchFamily="34" charset="0"/>
-                  </a:rPr>
-                  <a:t>UPGMA (Unweighted Pair Group Method with Arithmetic Mean) </a:t>
-                </a:r>
-                <a:r>
-                  <a:rPr lang="it-IT" sz="1400" dirty="0">
-                    <a:latin typeface="Arial" panose="020B0604020202020204" pitchFamily="34" charset="0"/>
-                    <a:cs typeface="Arial" panose="020B0604020202020204" pitchFamily="34" charset="0"/>
-                    <a:sym typeface="Wingdings" panose="05000000000000000000" pitchFamily="2" charset="2"/>
-                  </a:rPr>
-                  <a:t> data in input una matrice delle distanze </a:t>
-                </a:r>
-                <a14:m>
-                  <m:oMath xmlns:m="http://schemas.openxmlformats.org/officeDocument/2006/math">
-                    <m:r>
-                      <a:rPr lang="it-IT" sz="1400" i="1" dirty="0" smtClean="0">
-                        <a:latin typeface="Cambria Math" panose="02040503050406030204" pitchFamily="18" charset="0"/>
-                        <a:cs typeface="Arial" panose="020B0604020202020204" pitchFamily="34" charset="0"/>
-                        <a:sym typeface="Wingdings" panose="05000000000000000000" pitchFamily="2" charset="2"/>
-                      </a:rPr>
-                      <m:t>𝐷</m:t>
-                    </m:r>
-                  </m:oMath>
-                </a14:m>
-                <a:r>
-                  <a:rPr lang="it-IT" sz="1400" dirty="0">
-                    <a:latin typeface="Arial" panose="020B0604020202020204" pitchFamily="34" charset="0"/>
-                    <a:cs typeface="Arial" panose="020B0604020202020204" pitchFamily="34" charset="0"/>
-                    <a:sym typeface="Wingdings" panose="05000000000000000000" pitchFamily="2" charset="2"/>
-                  </a:rPr>
-                  <a:t> </a:t>
-                </a:r>
-                <a:r>
-                  <a:rPr lang="it-IT" sz="1400" i="1" dirty="0">
-                    <a:latin typeface="Arial" panose="020B0604020202020204" pitchFamily="34" charset="0"/>
-                    <a:cs typeface="Arial" panose="020B0604020202020204" pitchFamily="34" charset="0"/>
-                    <a:sym typeface="Wingdings" panose="05000000000000000000" pitchFamily="2" charset="2"/>
-                  </a:rPr>
-                  <a:t>additiva</a:t>
-                </a:r>
-                <a:r>
-                  <a:rPr lang="it-IT" sz="1400" dirty="0">
-                    <a:latin typeface="Arial" panose="020B0604020202020204" pitchFamily="34" charset="0"/>
-                    <a:cs typeface="Arial" panose="020B0604020202020204" pitchFamily="34" charset="0"/>
-                    <a:sym typeface="Wingdings" panose="05000000000000000000" pitchFamily="2" charset="2"/>
-                  </a:rPr>
-                  <a:t> o </a:t>
-                </a:r>
-                <a:r>
-                  <a:rPr lang="it-IT" sz="1400" i="1" dirty="0">
-                    <a:latin typeface="Arial" panose="020B0604020202020204" pitchFamily="34" charset="0"/>
-                    <a:cs typeface="Arial" panose="020B0604020202020204" pitchFamily="34" charset="0"/>
-                    <a:sym typeface="Wingdings" panose="05000000000000000000" pitchFamily="2" charset="2"/>
-                  </a:rPr>
-                  <a:t>non additiva</a:t>
-                </a:r>
-                <a:r>
-                  <a:rPr lang="it-IT" sz="1400" dirty="0">
-                    <a:latin typeface="Arial" panose="020B0604020202020204" pitchFamily="34" charset="0"/>
-                    <a:cs typeface="Arial" panose="020B0604020202020204" pitchFamily="34" charset="0"/>
-                    <a:sym typeface="Wingdings" panose="05000000000000000000" pitchFamily="2" charset="2"/>
-                  </a:rPr>
-                  <a:t>, restituisce un albero </a:t>
-                </a:r>
-                <a:r>
-                  <a:rPr lang="it-IT" sz="1400" i="1" dirty="0">
-                    <a:latin typeface="Arial" panose="020B0604020202020204" pitchFamily="34" charset="0"/>
-                    <a:cs typeface="Arial" panose="020B0604020202020204" pitchFamily="34" charset="0"/>
-                    <a:sym typeface="Wingdings" panose="05000000000000000000" pitchFamily="2" charset="2"/>
-                  </a:rPr>
-                  <a:t>radicato</a:t>
-                </a:r>
-                <a:r>
-                  <a:rPr lang="it-IT" sz="1400" dirty="0">
-                    <a:latin typeface="Arial" panose="020B0604020202020204" pitchFamily="34" charset="0"/>
-                    <a:cs typeface="Arial" panose="020B0604020202020204" pitchFamily="34" charset="0"/>
-                    <a:sym typeface="Wingdings" panose="05000000000000000000" pitchFamily="2" charset="2"/>
-                  </a:rPr>
-                  <a:t> </a:t>
-                </a:r>
-                <a14:m>
-                  <m:oMath xmlns:m="http://schemas.openxmlformats.org/officeDocument/2006/math">
-                    <m:r>
-                      <a:rPr lang="it-IT" sz="1400" i="1" dirty="0" smtClean="0">
-                        <a:latin typeface="Cambria Math" panose="02040503050406030204" pitchFamily="18" charset="0"/>
-                        <a:cs typeface="Arial" panose="020B0604020202020204" pitchFamily="34" charset="0"/>
-                        <a:sym typeface="Wingdings" panose="05000000000000000000" pitchFamily="2" charset="2"/>
-                      </a:rPr>
-                      <m:t>𝑇</m:t>
-                    </m:r>
-                  </m:oMath>
-                </a14:m>
-                <a:r>
-                  <a:rPr lang="it-IT" sz="1400" dirty="0">
-                    <a:latin typeface="Arial" panose="020B0604020202020204" pitchFamily="34" charset="0"/>
-                    <a:cs typeface="Arial" panose="020B0604020202020204" pitchFamily="34" charset="0"/>
-                    <a:sym typeface="Wingdings" panose="05000000000000000000" pitchFamily="2" charset="2"/>
-                  </a:rPr>
-                  <a:t> in cui tutte le foglie sono alla stessa distanza dalla radice (</a:t>
-                </a:r>
-                <a:r>
-                  <a:rPr lang="it-IT" sz="1400" i="1" dirty="0">
-                    <a:latin typeface="Arial" panose="020B0604020202020204" pitchFamily="34" charset="0"/>
-                    <a:cs typeface="Arial" panose="020B0604020202020204" pitchFamily="34" charset="0"/>
-                    <a:sym typeface="Wingdings" panose="05000000000000000000" pitchFamily="2" charset="2"/>
-                  </a:rPr>
-                  <a:t>albero ultrametrico</a:t>
-                </a:r>
-                <a:r>
-                  <a:rPr lang="it-IT" sz="1400" dirty="0">
-                    <a:latin typeface="Arial" panose="020B0604020202020204" pitchFamily="34" charset="0"/>
-                    <a:cs typeface="Arial" panose="020B0604020202020204" pitchFamily="34" charset="0"/>
-                    <a:sym typeface="Wingdings" panose="05000000000000000000" pitchFamily="2" charset="2"/>
-                  </a:rPr>
-                  <a:t>).</a:t>
-                </a:r>
-              </a:p>
-              <a:p>
-                <a:pPr marL="285750" indent="-285750">
-                  <a:buFont typeface="Arial" panose="020B0604020202020204" pitchFamily="34" charset="0"/>
-                  <a:buChar char="•"/>
-                </a:pPr>
-                <a:r>
-                  <a:rPr lang="it-IT" sz="1400" dirty="0">
-                    <a:latin typeface="Arial" panose="020B0604020202020204" pitchFamily="34" charset="0"/>
-                    <a:cs typeface="Arial" panose="020B0604020202020204" pitchFamily="34" charset="0"/>
-                  </a:rPr>
-                  <a:t>Foglie </a:t>
-                </a:r>
-                <a:r>
-                  <a:rPr lang="it-IT" sz="1400" dirty="0">
-                    <a:latin typeface="Arial" panose="020B0604020202020204" pitchFamily="34" charset="0"/>
-                    <a:cs typeface="Arial" panose="020B0604020202020204" pitchFamily="34" charset="0"/>
-                    <a:sym typeface="Wingdings" panose="05000000000000000000" pitchFamily="2" charset="2"/>
-                  </a:rPr>
-                  <a:t> entità biologiche attualmente esistenti;</a:t>
-                </a:r>
-              </a:p>
-              <a:p>
-                <a:pPr marL="285750" indent="-285750">
-                  <a:buFont typeface="Arial" panose="020B0604020202020204" pitchFamily="34" charset="0"/>
-                  <a:buChar char="•"/>
-                </a:pPr>
-                <a:r>
-                  <a:rPr lang="it-IT" sz="1400" dirty="0">
-                    <a:latin typeface="Arial" panose="020B0604020202020204" pitchFamily="34" charset="0"/>
-                    <a:cs typeface="Arial" panose="020B0604020202020204" pitchFamily="34" charset="0"/>
-                    <a:sym typeface="Wingdings" panose="05000000000000000000" pitchFamily="2" charset="2"/>
-                  </a:rPr>
-                  <a:t>Nodi interni  Speciazioni (processi in cui si formano nuove specie).</a:t>
-                </a:r>
-              </a:p>
-              <a:p>
-                <a:pPr marL="285750" indent="-285750">
-                  <a:buFont typeface="Arial" panose="020B0604020202020204" pitchFamily="34" charset="0"/>
-                  <a:buChar char="•"/>
-                </a:pPr>
-                <a:r>
-                  <a:rPr lang="it-IT" sz="1400" dirty="0">
-                    <a:latin typeface="Arial" panose="020B0604020202020204" pitchFamily="34" charset="0"/>
-                    <a:cs typeface="Arial" panose="020B0604020202020204" pitchFamily="34" charset="0"/>
-                    <a:sym typeface="Wingdings" panose="05000000000000000000" pitchFamily="2" charset="2"/>
-                  </a:rPr>
-                  <a:t>Ogni vertice ha associato un numero non negativo  età del vertice;</a:t>
-                </a:r>
-              </a:p>
-              <a:p>
-                <a:pPr marL="285750" indent="-285750">
-                  <a:buFont typeface="Arial" panose="020B0604020202020204" pitchFamily="34" charset="0"/>
-                  <a:buChar char="•"/>
-                </a:pPr>
-                <a:r>
-                  <a:rPr lang="it-IT" sz="1400" dirty="0">
-                    <a:latin typeface="Arial" panose="020B0604020202020204" pitchFamily="34" charset="0"/>
-                    <a:cs typeface="Arial" panose="020B0604020202020204" pitchFamily="34" charset="0"/>
-                    <a:sym typeface="Wingdings" panose="05000000000000000000" pitchFamily="2" charset="2"/>
-                  </a:rPr>
-                  <a:t>Peso degli archi  differenza tra le età dei nodi;</a:t>
-                </a:r>
-              </a:p>
-            </p:txBody>
-          </p:sp>
-        </mc:Choice>
-        <mc:Fallback xmlns="">
-          <p:sp>
-            <p:nvSpPr>
-              <p:cNvPr id="29" name="CasellaDiTesto 28">
-                <a:extLst>
-                  <a:ext uri="{FF2B5EF4-FFF2-40B4-BE49-F238E27FC236}">
-                    <a16:creationId xmlns:a16="http://schemas.microsoft.com/office/drawing/2014/main" id="{D3A9FC43-F2C9-4408-B899-F2A86937801E}"/>
-                  </a:ext>
-                </a:extLst>
-              </p:cNvPr>
-              <p:cNvSpPr txBox="1">
-                <a:spLocks noRot="1" noChangeAspect="1" noMove="1" noResize="1" noEditPoints="1" noAdjustHandles="1" noChangeArrowheads="1" noChangeShapeType="1" noTextEdit="1"/>
-              </p:cNvSpPr>
-              <p:nvPr/>
-            </p:nvSpPr>
-            <p:spPr>
-              <a:xfrm>
-                <a:off x="-2" y="1496338"/>
-                <a:ext cx="9143817" cy="1600438"/>
-              </a:xfrm>
-              <a:prstGeom prst="rect">
-                <a:avLst/>
-              </a:prstGeom>
-              <a:blipFill>
-                <a:blip r:embed="rId4"/>
-                <a:stretch>
-                  <a:fillRect l="-200" t="-380" b="-3042"/>
-                </a:stretch>
-              </a:blipFill>
-            </p:spPr>
-            <p:txBody>
-              <a:bodyPr/>
-              <a:lstStyle/>
-              <a:p>
-                <a:r>
-                  <a:rPr lang="it-IT">
-                    <a:noFill/>
-                  </a:rPr>
-                  <a:t> </a:t>
-                </a:r>
-              </a:p>
-            </p:txBody>
-          </p:sp>
-        </mc:Fallback>
-      </mc:AlternateContent>
+      <p:sp>
+        <p:nvSpPr>
+          <p:cNvPr id="29" name="CasellaDiTesto 28">
+            <a:extLst>
+              <a:ext uri="{FF2B5EF4-FFF2-40B4-BE49-F238E27FC236}">
+                <a16:creationId xmlns:a16="http://schemas.microsoft.com/office/drawing/2014/main" id="{D3A9FC43-F2C9-4408-B899-F2A86937801E}"/>
+              </a:ext>
+            </a:extLst>
+          </p:cNvPr>
+          <p:cNvSpPr txBox="1"/>
+          <p:nvPr/>
+        </p:nvSpPr>
+        <p:spPr>
+          <a:xfrm>
+            <a:off x="-2" y="1496338"/>
+            <a:ext cx="9143817" cy="1384995"/>
+          </a:xfrm>
+          <a:prstGeom prst="rect">
+            <a:avLst/>
+          </a:prstGeom>
+          <a:noFill/>
+        </p:spPr>
+        <p:txBody>
+          <a:bodyPr wrap="square" rtlCol="0">
+            <a:spAutoFit/>
+          </a:bodyPr>
+          <a:lstStyle/>
+          <a:p>
+            <a:r>
+              <a:rPr lang="en-US" sz="1400" b="1" dirty="0">
+                <a:latin typeface="Arial" panose="020B0604020202020204" pitchFamily="34" charset="0"/>
+                <a:cs typeface="Arial" panose="020B0604020202020204" pitchFamily="34" charset="0"/>
+              </a:rPr>
+              <a:t>UPGMA (Unweighted Pair Group Method with Arithmetic Mean) </a:t>
+            </a:r>
+            <a:r>
+              <a:rPr lang="it-IT" sz="1400" dirty="0">
+                <a:latin typeface="Arial" panose="020B0604020202020204" pitchFamily="34" charset="0"/>
+                <a:cs typeface="Arial" panose="020B0604020202020204" pitchFamily="34" charset="0"/>
+                <a:sym typeface="Wingdings" panose="05000000000000000000" pitchFamily="2" charset="2"/>
+              </a:rPr>
+              <a:t> data in input una matrice delle distanze </a:t>
+            </a:r>
+            <a:r>
+              <a:rPr lang="it-IT" sz="1400" i="1" dirty="0">
+                <a:latin typeface="Arial" panose="020B0604020202020204" pitchFamily="34" charset="0"/>
+                <a:cs typeface="Arial" panose="020B0604020202020204" pitchFamily="34" charset="0"/>
+                <a:sym typeface="Wingdings" panose="05000000000000000000" pitchFamily="2" charset="2"/>
+              </a:rPr>
+              <a:t>additiva</a:t>
+            </a:r>
+            <a:r>
+              <a:rPr lang="it-IT" sz="1400" dirty="0">
+                <a:latin typeface="Arial" panose="020B0604020202020204" pitchFamily="34" charset="0"/>
+                <a:cs typeface="Arial" panose="020B0604020202020204" pitchFamily="34" charset="0"/>
+                <a:sym typeface="Wingdings" panose="05000000000000000000" pitchFamily="2" charset="2"/>
+              </a:rPr>
+              <a:t> o </a:t>
+            </a:r>
+            <a:r>
+              <a:rPr lang="it-IT" sz="1400" i="1" dirty="0">
+                <a:latin typeface="Arial" panose="020B0604020202020204" pitchFamily="34" charset="0"/>
+                <a:cs typeface="Arial" panose="020B0604020202020204" pitchFamily="34" charset="0"/>
+                <a:sym typeface="Wingdings" panose="05000000000000000000" pitchFamily="2" charset="2"/>
+              </a:rPr>
+              <a:t>non</a:t>
+            </a:r>
+            <a:r>
+              <a:rPr lang="it-IT" sz="1400" dirty="0">
+                <a:latin typeface="Arial" panose="020B0604020202020204" pitchFamily="34" charset="0"/>
+                <a:cs typeface="Arial" panose="020B0604020202020204" pitchFamily="34" charset="0"/>
+                <a:sym typeface="Wingdings" panose="05000000000000000000" pitchFamily="2" charset="2"/>
+              </a:rPr>
+              <a:t>, restituisce un albero </a:t>
+            </a:r>
+            <a:r>
+              <a:rPr lang="it-IT" sz="1400" i="1" dirty="0">
+                <a:latin typeface="Arial" panose="020B0604020202020204" pitchFamily="34" charset="0"/>
+                <a:cs typeface="Arial" panose="020B0604020202020204" pitchFamily="34" charset="0"/>
+                <a:sym typeface="Wingdings" panose="05000000000000000000" pitchFamily="2" charset="2"/>
+              </a:rPr>
+              <a:t>radicato</a:t>
+            </a:r>
+            <a:r>
+              <a:rPr lang="it-IT" sz="1400" dirty="0">
+                <a:latin typeface="Arial" panose="020B0604020202020204" pitchFamily="34" charset="0"/>
+                <a:cs typeface="Arial" panose="020B0604020202020204" pitchFamily="34" charset="0"/>
+                <a:sym typeface="Wingdings" panose="05000000000000000000" pitchFamily="2" charset="2"/>
+              </a:rPr>
+              <a:t> in cui tutte le foglie sono alla stessa distanza dalla radice.</a:t>
+            </a:r>
+          </a:p>
+          <a:p>
+            <a:pPr marL="285750" indent="-285750">
+              <a:buFont typeface="Arial" panose="020B0604020202020204" pitchFamily="34" charset="0"/>
+              <a:buChar char="•"/>
+            </a:pPr>
+            <a:r>
+              <a:rPr lang="it-IT" sz="1400" dirty="0">
+                <a:latin typeface="Arial" panose="020B0604020202020204" pitchFamily="34" charset="0"/>
+                <a:cs typeface="Arial" panose="020B0604020202020204" pitchFamily="34" charset="0"/>
+              </a:rPr>
+              <a:t>Foglie </a:t>
+            </a:r>
+            <a:r>
+              <a:rPr lang="it-IT" sz="1400" dirty="0">
+                <a:latin typeface="Arial" panose="020B0604020202020204" pitchFamily="34" charset="0"/>
+                <a:cs typeface="Arial" panose="020B0604020202020204" pitchFamily="34" charset="0"/>
+                <a:sym typeface="Wingdings" panose="05000000000000000000" pitchFamily="2" charset="2"/>
+              </a:rPr>
+              <a:t> entità biologiche attualmente esistenti;</a:t>
+            </a:r>
+          </a:p>
+          <a:p>
+            <a:pPr marL="285750" indent="-285750">
+              <a:buFont typeface="Arial" panose="020B0604020202020204" pitchFamily="34" charset="0"/>
+              <a:buChar char="•"/>
+            </a:pPr>
+            <a:r>
+              <a:rPr lang="it-IT" sz="1400" dirty="0">
+                <a:latin typeface="Arial" panose="020B0604020202020204" pitchFamily="34" charset="0"/>
+                <a:cs typeface="Arial" panose="020B0604020202020204" pitchFamily="34" charset="0"/>
+                <a:sym typeface="Wingdings" panose="05000000000000000000" pitchFamily="2" charset="2"/>
+              </a:rPr>
+              <a:t>Nodi interni  speciazioni;</a:t>
+            </a:r>
+          </a:p>
+          <a:p>
+            <a:pPr marL="285750" indent="-285750">
+              <a:buFont typeface="Arial" panose="020B0604020202020204" pitchFamily="34" charset="0"/>
+              <a:buChar char="•"/>
+            </a:pPr>
+            <a:r>
+              <a:rPr lang="it-IT" sz="1400" dirty="0">
+                <a:latin typeface="Arial" panose="020B0604020202020204" pitchFamily="34" charset="0"/>
+                <a:cs typeface="Arial" panose="020B0604020202020204" pitchFamily="34" charset="0"/>
+                <a:sym typeface="Wingdings" panose="05000000000000000000" pitchFamily="2" charset="2"/>
+              </a:rPr>
+              <a:t>Ogni vertice ha associato un numero non negativo  età del vertice;</a:t>
+            </a:r>
+          </a:p>
+          <a:p>
+            <a:pPr marL="285750" indent="-285750">
+              <a:buFont typeface="Arial" panose="020B0604020202020204" pitchFamily="34" charset="0"/>
+              <a:buChar char="•"/>
+            </a:pPr>
+            <a:r>
+              <a:rPr lang="it-IT" sz="1400" dirty="0">
+                <a:latin typeface="Arial" panose="020B0604020202020204" pitchFamily="34" charset="0"/>
+                <a:cs typeface="Arial" panose="020B0604020202020204" pitchFamily="34" charset="0"/>
+                <a:sym typeface="Wingdings" panose="05000000000000000000" pitchFamily="2" charset="2"/>
+              </a:rPr>
+              <a:t>Peso degli archi  differenza tra le età dei nodi;</a:t>
+            </a:r>
+          </a:p>
+        </p:txBody>
+      </p:sp>
       <p:pic>
         <p:nvPicPr>
           <p:cNvPr id="4" name="Immagine 3">
@@ -11378,7 +11243,7 @@
           <p:nvPr/>
         </p:nvPicPr>
         <p:blipFill>
-          <a:blip r:embed="rId5"/>
+          <a:blip r:embed="rId4"/>
           <a:stretch>
             <a:fillRect/>
           </a:stretch>
@@ -11488,7 +11353,7 @@
         </p:nvCxnSpPr>
         <p:spPr>
           <a:xfrm>
-            <a:off x="361303" y="3640610"/>
+            <a:off x="484676" y="3422038"/>
             <a:ext cx="8174460" cy="6622"/>
           </a:xfrm>
           <a:prstGeom prst="line">
@@ -13454,8 +13319,8 @@
           </a:p>
         </p:txBody>
       </p:sp>
-      <mc:AlternateContent xmlns:mc="http://schemas.openxmlformats.org/markup-compatibility/2006" xmlns:a14="http://schemas.microsoft.com/office/drawing/2010/main">
-        <mc:Choice Requires="a14">
+      <mc:AlternateContent xmlns:mc="http://schemas.openxmlformats.org/markup-compatibility/2006">
+        <mc:Choice xmlns:a14="http://schemas.microsoft.com/office/drawing/2010/main" Requires="a14">
           <p:sp>
             <p:nvSpPr>
               <p:cNvPr id="28" name="CasellaDiTesto 27">
@@ -13471,7 +13336,7 @@
             <p:spPr>
               <a:xfrm>
                 <a:off x="9060" y="1440875"/>
-                <a:ext cx="9134939" cy="523220"/>
+                <a:ext cx="9134939" cy="307777"/>
               </a:xfrm>
               <a:prstGeom prst="rect">
                 <a:avLst/>
@@ -13559,51 +13424,44 @@
                     <a:cs typeface="Arial" panose="020B0604020202020204" pitchFamily="34" charset="0"/>
                     <a:sym typeface="Wingdings" panose="05000000000000000000" pitchFamily="2" charset="2"/>
                   </a:rPr>
-                  <a:t> e </a:t>
-                </a:r>
-                <a:r>
-                  <a:rPr lang="it-IT" sz="1400" dirty="0">
-                    <a:latin typeface="Arial" panose="020B0604020202020204" pitchFamily="34" charset="0"/>
-                    <a:cs typeface="Arial" panose="020B0604020202020204" pitchFamily="34" charset="0"/>
-                  </a:rPr>
-                  <a:t>calcola la distanza tra </a:t>
+                  <a:t> ed aggiungi </a:t>
                 </a:r>
                 <a14:m>
                   <m:oMath xmlns:m="http://schemas.openxmlformats.org/officeDocument/2006/math">
                     <m:r>
-                      <a:rPr lang="it-IT" sz="1400" b="0" i="1" dirty="0" smtClean="0">
+                      <a:rPr lang="it-IT" sz="1400" i="1" dirty="0">
                         <a:latin typeface="Cambria Math" panose="02040503050406030204" pitchFamily="18" charset="0"/>
                         <a:cs typeface="Arial" panose="020B0604020202020204" pitchFamily="34" charset="0"/>
                       </a:rPr>
                       <m:t>{</m:t>
                     </m:r>
                     <m:r>
-                      <a:rPr lang="it-IT" sz="1400" b="0" i="1" dirty="0" smtClean="0">
+                      <a:rPr lang="it-IT" sz="1400" i="1" dirty="0">
                         <a:latin typeface="Cambria Math" panose="02040503050406030204" pitchFamily="18" charset="0"/>
                         <a:cs typeface="Arial" panose="020B0604020202020204" pitchFamily="34" charset="0"/>
                       </a:rPr>
                       <m:t>𝑢</m:t>
                     </m:r>
                     <m:r>
-                      <a:rPr lang="it-IT" sz="1400" b="0" i="1" dirty="0" smtClean="0">
+                      <a:rPr lang="it-IT" sz="1400" i="1" dirty="0">
                         <a:latin typeface="Cambria Math" panose="02040503050406030204" pitchFamily="18" charset="0"/>
                         <a:cs typeface="Arial" panose="020B0604020202020204" pitchFamily="34" charset="0"/>
                       </a:rPr>
                       <m:t>, </m:t>
                     </m:r>
                     <m:r>
-                      <a:rPr lang="it-IT" sz="1400" b="0" i="1" dirty="0" smtClean="0">
+                      <a:rPr lang="it-IT" sz="1400" i="1" dirty="0">
                         <a:latin typeface="Cambria Math" panose="02040503050406030204" pitchFamily="18" charset="0"/>
                         <a:cs typeface="Arial" panose="020B0604020202020204" pitchFamily="34" charset="0"/>
                       </a:rPr>
                       <m:t>𝑠</m:t>
                     </m:r>
                     <m:r>
-                      <a:rPr lang="it-IT" sz="1400" b="0" i="1" dirty="0" smtClean="0">
+                      <a:rPr lang="it-IT" sz="1400" i="1" dirty="0">
                         <a:latin typeface="Cambria Math" panose="02040503050406030204" pitchFamily="18" charset="0"/>
                         <a:cs typeface="Arial" panose="020B0604020202020204" pitchFamily="34" charset="0"/>
                       </a:rPr>
-                      <m:t>}</m:t>
+                      <m:t>} </m:t>
                     </m:r>
                   </m:oMath>
                 </a14:m>
@@ -13611,14 +13469,22 @@
                   <a:rPr lang="it-IT" sz="1400" dirty="0">
                     <a:latin typeface="Arial" panose="020B0604020202020204" pitchFamily="34" charset="0"/>
                     <a:cs typeface="Arial" panose="020B0604020202020204" pitchFamily="34" charset="0"/>
+                    <a:sym typeface="Wingdings" panose="05000000000000000000" pitchFamily="2" charset="2"/>
                   </a:rPr>
-                  <a:t> e gli altri elementi presenti in D usando la formula dello step 2</a:t>
+                  <a:t>calcolando la distanza </a:t>
+                </a:r>
+                <a:r>
+                  <a:rPr lang="it-IT" sz="1400" dirty="0">
+                    <a:latin typeface="Arial" panose="020B0604020202020204" pitchFamily="34" charset="0"/>
+                    <a:cs typeface="Arial" panose="020B0604020202020204" pitchFamily="34" charset="0"/>
+                  </a:rPr>
+                  <a:t>con gli altri elementi</a:t>
                 </a:r>
               </a:p>
             </p:txBody>
           </p:sp>
         </mc:Choice>
-        <mc:Fallback xmlns="">
+        <mc:Fallback>
           <p:sp>
             <p:nvSpPr>
               <p:cNvPr id="28" name="CasellaDiTesto 27">
@@ -13636,7 +13502,7 @@
             <p:spPr>
               <a:xfrm>
                 <a:off x="9060" y="1440875"/>
-                <a:ext cx="9134939" cy="523220"/>
+                <a:ext cx="9134939" cy="307777"/>
               </a:xfrm>
               <a:prstGeom prst="rect">
                 <a:avLst/>
@@ -13644,7 +13510,7 @@
               <a:blipFill>
                 <a:blip r:embed="rId6"/>
                 <a:stretch>
-                  <a:fillRect l="-67" t="-1163" b="-11628"/>
+                  <a:fillRect l="-67" t="-1961" b="-19608"/>
                 </a:stretch>
               </a:blipFill>
             </p:spPr>
@@ -14744,6 +14610,49 @@
                 </a:r>
                 <a14:m>
                   <m:oMath xmlns:m="http://schemas.openxmlformats.org/officeDocument/2006/math">
+                    <m:r>
+                      <m:rPr>
+                        <m:sty m:val="p"/>
+                      </m:rPr>
+                      <a:rPr lang="it-IT" sz="1400" b="0" i="0" smtClean="0">
+                        <a:latin typeface="Cambria Math" panose="02040503050406030204" pitchFamily="18" charset="0"/>
+                        <a:cs typeface="Arial" panose="020B0604020202020204" pitchFamily="34" charset="0"/>
+                        <a:sym typeface="Wingdings" panose="05000000000000000000" pitchFamily="2" charset="2"/>
+                      </a:rPr>
+                      <m:t>T</m:t>
+                    </m:r>
+                    <m:d>
+                      <m:dPr>
+                        <m:ctrlPr>
+                          <a:rPr lang="it-IT" sz="1400" b="0" i="1" smtClean="0">
+                            <a:latin typeface="Cambria Math" panose="02040503050406030204" pitchFamily="18" charset="0"/>
+                            <a:cs typeface="Arial" panose="020B0604020202020204" pitchFamily="34" charset="0"/>
+                            <a:sym typeface="Wingdings" panose="05000000000000000000" pitchFamily="2" charset="2"/>
+                          </a:rPr>
+                        </m:ctrlPr>
+                      </m:dPr>
+                      <m:e>
+                        <m:r>
+                          <m:rPr>
+                            <m:sty m:val="p"/>
+                          </m:rPr>
+                          <a:rPr lang="it-IT" sz="1400" b="0" i="0" smtClean="0">
+                            <a:latin typeface="Cambria Math" panose="02040503050406030204" pitchFamily="18" charset="0"/>
+                            <a:cs typeface="Arial" panose="020B0604020202020204" pitchFamily="34" charset="0"/>
+                            <a:sym typeface="Wingdings" panose="05000000000000000000" pitchFamily="2" charset="2"/>
+                          </a:rPr>
+                          <m:t>UPGMA</m:t>
+                        </m:r>
+                      </m:e>
+                    </m:d>
+                    <m:r>
+                      <a:rPr lang="it-IT" sz="1400" b="0" i="0" smtClean="0">
+                        <a:latin typeface="Cambria Math" panose="02040503050406030204" pitchFamily="18" charset="0"/>
+                        <a:cs typeface="Arial" panose="020B0604020202020204" pitchFamily="34" charset="0"/>
+                        <a:sym typeface="Wingdings" panose="05000000000000000000" pitchFamily="2" charset="2"/>
+                      </a:rPr>
+                      <m:t>=</m:t>
+                    </m:r>
                     <m:r>
                       <a:rPr lang="it-IT" sz="1400" b="0" i="1" smtClean="0">
                         <a:latin typeface="Cambria Math" panose="02040503050406030204" pitchFamily="18" charset="0"/>
@@ -16819,7 +16728,7 @@
         <p:spPr>
           <a:xfrm>
             <a:off x="9061" y="5328257"/>
-            <a:ext cx="4210763" cy="523220"/>
+            <a:ext cx="4210763" cy="307777"/>
           </a:xfrm>
           <a:prstGeom prst="rect">
             <a:avLst/>
@@ -16841,9 +16750,38 @@
                 <a:latin typeface="Arial" panose="020B0604020202020204" pitchFamily="34" charset="0"/>
                 <a:cs typeface="Arial" panose="020B0604020202020204" pitchFamily="34" charset="0"/>
               </a:rPr>
-              <a:t>Nodo speciale, chiamato radice;</a:t>
+              <a:t>Nodo speciale, chiamato radice</a:t>
             </a:r>
           </a:p>
+        </p:txBody>
+      </p:sp>
+      <p:sp>
+        <p:nvSpPr>
+          <p:cNvPr id="19" name="CasellaDiTesto 18">
+            <a:extLst>
+              <a:ext uri="{FF2B5EF4-FFF2-40B4-BE49-F238E27FC236}">
+                <a16:creationId xmlns:a16="http://schemas.microsoft.com/office/drawing/2014/main" id="{81405EB9-6F38-4F75-8441-F0F3DBC799FA}"/>
+              </a:ext>
+            </a:extLst>
+          </p:cNvPr>
+          <p:cNvSpPr txBox="1"/>
+          <p:nvPr/>
+        </p:nvSpPr>
+        <p:spPr>
+          <a:xfrm>
+            <a:off x="4734255" y="5362031"/>
+            <a:ext cx="4409746" cy="307777"/>
+          </a:xfrm>
+          <a:prstGeom prst="rect">
+            <a:avLst/>
+          </a:prstGeom>
+          <a:noFill/>
+        </p:spPr>
+        <p:txBody>
+          <a:bodyPr wrap="square" rtlCol="0">
+            <a:spAutoFit/>
+          </a:bodyPr>
+          <a:lstStyle/>
           <a:p>
             <a:pPr marL="285750" indent="-285750">
               <a:buFont typeface="Arial" panose="020B0604020202020204" pitchFamily="34" charset="0"/>
@@ -16854,62 +16792,7 @@
                 <a:latin typeface="Arial" panose="020B0604020202020204" pitchFamily="34" charset="0"/>
                 <a:cs typeface="Arial" panose="020B0604020202020204" pitchFamily="34" charset="0"/>
               </a:rPr>
-              <a:t>La radice è l’antenato comune a tutti i vertici.</a:t>
-            </a:r>
-          </a:p>
-        </p:txBody>
-      </p:sp>
-      <p:sp>
-        <p:nvSpPr>
-          <p:cNvPr id="19" name="CasellaDiTesto 18">
-            <a:extLst>
-              <a:ext uri="{FF2B5EF4-FFF2-40B4-BE49-F238E27FC236}">
-                <a16:creationId xmlns:a16="http://schemas.microsoft.com/office/drawing/2014/main" id="{81405EB9-6F38-4F75-8441-F0F3DBC799FA}"/>
-              </a:ext>
-            </a:extLst>
-          </p:cNvPr>
-          <p:cNvSpPr txBox="1"/>
-          <p:nvPr/>
-        </p:nvSpPr>
-        <p:spPr>
-          <a:xfrm>
-            <a:off x="4734255" y="5362031"/>
-            <a:ext cx="4409746" cy="523220"/>
-          </a:xfrm>
-          <a:prstGeom prst="rect">
-            <a:avLst/>
-          </a:prstGeom>
-          <a:noFill/>
-        </p:spPr>
-        <p:txBody>
-          <a:bodyPr wrap="square" rtlCol="0">
-            <a:spAutoFit/>
-          </a:bodyPr>
-          <a:lstStyle/>
-          <a:p>
-            <a:pPr marL="285750" indent="-285750">
-              <a:buFont typeface="Arial" panose="020B0604020202020204" pitchFamily="34" charset="0"/>
-              <a:buChar char="•"/>
-            </a:pPr>
-            <a:r>
-              <a:rPr lang="it-IT" sz="1400" dirty="0">
-                <a:latin typeface="Arial" panose="020B0604020202020204" pitchFamily="34" charset="0"/>
-                <a:cs typeface="Arial" panose="020B0604020202020204" pitchFamily="34" charset="0"/>
-              </a:rPr>
-              <a:t>Alberi senza la radice;</a:t>
-            </a:r>
-          </a:p>
-          <a:p>
-            <a:pPr marL="285750" indent="-285750">
-              <a:buFont typeface="Arial" panose="020B0604020202020204" pitchFamily="34" charset="0"/>
-              <a:buChar char="•"/>
-            </a:pPr>
-            <a:r>
-              <a:rPr lang="it-IT" sz="1400" dirty="0">
-                <a:latin typeface="Arial" panose="020B0604020202020204" pitchFamily="34" charset="0"/>
-                <a:cs typeface="Arial" panose="020B0604020202020204" pitchFamily="34" charset="0"/>
-              </a:rPr>
-              <a:t>Usati per mostrare le relazioni tra le entità.</a:t>
+              <a:t>Albero senza la radice</a:t>
             </a:r>
           </a:p>
         </p:txBody>
@@ -18189,8 +18072,8 @@
         </p:blipFill>
         <p:spPr>
           <a:xfrm>
-            <a:off x="1651248" y="4987170"/>
-            <a:ext cx="5681522" cy="1363902"/>
+            <a:off x="1204380" y="5110510"/>
+            <a:ext cx="6749129" cy="1620190"/>
           </a:xfrm>
           <a:prstGeom prst="rect">
             <a:avLst/>
@@ -18662,7 +18545,7 @@
                 <a:latin typeface="Arial" panose="020B0604020202020204" pitchFamily="34" charset="0"/>
                 <a:cs typeface="Arial" panose="020B0604020202020204" pitchFamily="34" charset="0"/>
               </a:rPr>
-              <a:t> alla matrice D.</a:t>
+              <a:t> alla matrice.</a:t>
             </a:r>
           </a:p>
         </p:txBody>

--- a/Discussione Laurea/Slides v.1.0.pptx
+++ b/Discussione Laurea/Slides v.1.0.pptx
@@ -229,7 +229,7 @@
             <a:fld id="{45BF3CCC-77DD-F84F-A249-CA3C5045A043}" type="datetime1">
               <a:rPr lang="it-IT" smtClean="0"/>
               <a:pPr/>
-              <a:t>06/07/2019</a:t>
+              <a:t>07/07/2019</a:t>
             </a:fld>
             <a:endParaRPr lang="it-IT"/>
           </a:p>
@@ -397,7 +397,7 @@
             <a:fld id="{FE692227-D6DC-FD45-9507-DB2BAD58473C}" type="datetime1">
               <a:rPr lang="it-IT" smtClean="0"/>
               <a:pPr/>
-              <a:t>06/07/2019</a:t>
+              <a:t>07/07/2019</a:t>
             </a:fld>
             <a:endParaRPr lang="it-IT"/>
           </a:p>
@@ -2291,7 +2291,7 @@
             <a:fld id="{AD8BF249-6BAC-CD40-AAE9-334F110649E5}" type="datetimeFigureOut">
               <a:rPr lang="it-IT" smtClean="0"/>
               <a:pPr/>
-              <a:t>06/07/2019</a:t>
+              <a:t>07/07/2019</a:t>
             </a:fld>
             <a:endParaRPr lang="it-IT"/>
           </a:p>
@@ -2461,7 +2461,7 @@
             <a:fld id="{AD8BF249-6BAC-CD40-AAE9-334F110649E5}" type="datetimeFigureOut">
               <a:rPr lang="it-IT" smtClean="0"/>
               <a:pPr/>
-              <a:t>06/07/2019</a:t>
+              <a:t>07/07/2019</a:t>
             </a:fld>
             <a:endParaRPr lang="it-IT"/>
           </a:p>
@@ -2641,7 +2641,7 @@
             <a:fld id="{AD8BF249-6BAC-CD40-AAE9-334F110649E5}" type="datetimeFigureOut">
               <a:rPr lang="it-IT" smtClean="0"/>
               <a:pPr/>
-              <a:t>06/07/2019</a:t>
+              <a:t>07/07/2019</a:t>
             </a:fld>
             <a:endParaRPr lang="it-IT"/>
           </a:p>
@@ -2811,7 +2811,7 @@
             <a:fld id="{AD8BF249-6BAC-CD40-AAE9-334F110649E5}" type="datetimeFigureOut">
               <a:rPr lang="it-IT" smtClean="0"/>
               <a:pPr/>
-              <a:t>06/07/2019</a:t>
+              <a:t>07/07/2019</a:t>
             </a:fld>
             <a:endParaRPr lang="it-IT"/>
           </a:p>
@@ -3058,7 +3058,7 @@
             <a:fld id="{AD8BF249-6BAC-CD40-AAE9-334F110649E5}" type="datetimeFigureOut">
               <a:rPr lang="it-IT" smtClean="0"/>
               <a:pPr/>
-              <a:t>06/07/2019</a:t>
+              <a:t>07/07/2019</a:t>
             </a:fld>
             <a:endParaRPr lang="it-IT"/>
           </a:p>
@@ -3345,7 +3345,7 @@
             <a:fld id="{AD8BF249-6BAC-CD40-AAE9-334F110649E5}" type="datetimeFigureOut">
               <a:rPr lang="it-IT" smtClean="0"/>
               <a:pPr/>
-              <a:t>06/07/2019</a:t>
+              <a:t>07/07/2019</a:t>
             </a:fld>
             <a:endParaRPr lang="it-IT"/>
           </a:p>
@@ -3766,7 +3766,7 @@
             <a:fld id="{AD8BF249-6BAC-CD40-AAE9-334F110649E5}" type="datetimeFigureOut">
               <a:rPr lang="it-IT" smtClean="0"/>
               <a:pPr/>
-              <a:t>06/07/2019</a:t>
+              <a:t>07/07/2019</a:t>
             </a:fld>
             <a:endParaRPr lang="it-IT"/>
           </a:p>
@@ -3885,7 +3885,7 @@
             <a:fld id="{AD8BF249-6BAC-CD40-AAE9-334F110649E5}" type="datetimeFigureOut">
               <a:rPr lang="it-IT" smtClean="0"/>
               <a:pPr/>
-              <a:t>06/07/2019</a:t>
+              <a:t>07/07/2019</a:t>
             </a:fld>
             <a:endParaRPr lang="it-IT"/>
           </a:p>
@@ -3982,7 +3982,7 @@
             <a:fld id="{AD8BF249-6BAC-CD40-AAE9-334F110649E5}" type="datetimeFigureOut">
               <a:rPr lang="it-IT" smtClean="0"/>
               <a:pPr/>
-              <a:t>06/07/2019</a:t>
+              <a:t>07/07/2019</a:t>
             </a:fld>
             <a:endParaRPr lang="it-IT"/>
           </a:p>
@@ -4259,7 +4259,7 @@
             <a:fld id="{AD8BF249-6BAC-CD40-AAE9-334F110649E5}" type="datetimeFigureOut">
               <a:rPr lang="it-IT" smtClean="0"/>
               <a:pPr/>
-              <a:t>06/07/2019</a:t>
+              <a:t>07/07/2019</a:t>
             </a:fld>
             <a:endParaRPr lang="it-IT"/>
           </a:p>
@@ -4513,7 +4513,7 @@
             <a:fld id="{AD8BF249-6BAC-CD40-AAE9-334F110649E5}" type="datetimeFigureOut">
               <a:rPr lang="it-IT" smtClean="0"/>
               <a:pPr/>
-              <a:t>06/07/2019</a:t>
+              <a:t>07/07/2019</a:t>
             </a:fld>
             <a:endParaRPr lang="it-IT"/>
           </a:p>
@@ -4726,7 +4726,7 @@
             <a:fld id="{AD8BF249-6BAC-CD40-AAE9-334F110649E5}" type="datetimeFigureOut">
               <a:rPr lang="it-IT" smtClean="0"/>
               <a:pPr/>
-              <a:t>06/07/2019</a:t>
+              <a:t>07/07/2019</a:t>
             </a:fld>
             <a:endParaRPr lang="it-IT"/>
           </a:p>
@@ -5591,8 +5591,8 @@
           </a:p>
         </p:txBody>
       </p:sp>
-      <mc:AlternateContent xmlns:mc="http://schemas.openxmlformats.org/markup-compatibility/2006" xmlns:a14="http://schemas.microsoft.com/office/drawing/2010/main">
-        <mc:Choice Requires="a14">
+      <mc:AlternateContent xmlns:mc="http://schemas.openxmlformats.org/markup-compatibility/2006">
+        <mc:Choice xmlns:a14="http://schemas.microsoft.com/office/drawing/2010/main" Requires="a14">
           <p:sp>
             <p:nvSpPr>
               <p:cNvPr id="32" name="CasellaDiTesto 31">
@@ -5645,7 +5645,7 @@
                     <a:latin typeface="Arial" panose="020B0604020202020204" pitchFamily="34" charset="0"/>
                     <a:cs typeface="Arial" panose="020B0604020202020204" pitchFamily="34" charset="0"/>
                   </a:rPr>
-                  <a:t> se:</a:t>
+                  <a:t> se e solo se:</a:t>
                 </a:r>
               </a:p>
               <a:p>
@@ -5718,7 +5718,7 @@
                     <a:latin typeface="Arial" panose="020B0604020202020204" pitchFamily="34" charset="0"/>
                     <a:cs typeface="Arial" panose="020B0604020202020204" pitchFamily="34" charset="0"/>
                   </a:rPr>
-                  <a:t> deve essere </a:t>
+                  <a:t> è </a:t>
                 </a:r>
                 <a:r>
                   <a:rPr lang="it-IT" sz="1400" i="1" dirty="0">
@@ -5738,7 +5738,7 @@
             </p:txBody>
           </p:sp>
         </mc:Choice>
-        <mc:Fallback xmlns="">
+        <mc:Fallback>
           <p:sp>
             <p:nvSpPr>
               <p:cNvPr id="32" name="CasellaDiTesto 31">
@@ -8095,8 +8095,8 @@
           </a:fontRef>
         </p:style>
       </p:cxnSp>
-      <mc:AlternateContent xmlns:mc="http://schemas.openxmlformats.org/markup-compatibility/2006" xmlns:a14="http://schemas.microsoft.com/office/drawing/2010/main">
-        <mc:Choice Requires="a14">
+      <mc:AlternateContent xmlns:mc="http://schemas.openxmlformats.org/markup-compatibility/2006">
+        <mc:Choice xmlns:a14="http://schemas.microsoft.com/office/drawing/2010/main" Requires="a14">
           <p:sp>
             <p:nvSpPr>
               <p:cNvPr id="46" name="CasellaDiTesto 45">
@@ -8160,7 +8160,7 @@
                     <a:cs typeface="Arial" panose="020B0604020202020204" pitchFamily="34" charset="0"/>
                     <a:sym typeface="Wingdings" panose="05000000000000000000" pitchFamily="2" charset="2"/>
                   </a:rPr>
-                  <a:t> Aggiungi il genitore non noto di </a:t>
+                  <a:t> Aggiungi il genitore di </a:t>
                 </a:r>
                 <a14:m>
                   <m:oMath xmlns:m="http://schemas.openxmlformats.org/officeDocument/2006/math">
@@ -8221,7 +8221,7 @@
             </p:txBody>
           </p:sp>
         </mc:Choice>
-        <mc:Fallback xmlns="">
+        <mc:Fallback>
           <p:sp>
             <p:nvSpPr>
               <p:cNvPr id="46" name="CasellaDiTesto 45">
@@ -9186,8 +9186,8 @@
           </a:fontRef>
         </p:style>
       </p:cxnSp>
-      <mc:AlternateContent xmlns:mc="http://schemas.openxmlformats.org/markup-compatibility/2006" xmlns:a14="http://schemas.microsoft.com/office/drawing/2010/main">
-        <mc:Choice Requires="a14">
+      <mc:AlternateContent xmlns:mc="http://schemas.openxmlformats.org/markup-compatibility/2006">
+        <mc:Choice xmlns:a14="http://schemas.microsoft.com/office/drawing/2010/main" Requires="a14">
           <p:sp>
             <p:nvSpPr>
               <p:cNvPr id="36" name="CasellaDiTesto 35">
@@ -9279,7 +9279,7 @@
                     <a:latin typeface="Arial" panose="020B0604020202020204" pitchFamily="34" charset="0"/>
                     <a:cs typeface="Arial" panose="020B0604020202020204" pitchFamily="34" charset="0"/>
                   </a:rPr>
-                  <a:t>Adesso costruisci </a:t>
+                  <a:t>Costruisci </a:t>
                 </a:r>
                 <a14:m>
                   <m:oMath xmlns:m="http://schemas.openxmlformats.org/officeDocument/2006/math">
@@ -9303,7 +9303,7 @@
             </p:txBody>
           </p:sp>
         </mc:Choice>
-        <mc:Fallback xmlns="">
+        <mc:Fallback>
           <p:sp>
             <p:nvSpPr>
               <p:cNvPr id="36" name="CasellaDiTesto 35">
@@ -9370,8 +9370,8 @@
         </p:blipFill>
         <p:spPr>
           <a:xfrm>
-            <a:off x="2510874" y="3993066"/>
-            <a:ext cx="4116333" cy="2229680"/>
+            <a:off x="2292246" y="4202144"/>
+            <a:ext cx="4559321" cy="2469631"/>
           </a:xfrm>
           <a:prstGeom prst="rect">
             <a:avLst/>
@@ -9437,8 +9437,8 @@
         </p:nvCxnSpPr>
         <p:spPr>
           <a:xfrm rot="16200000" flipH="1">
-            <a:off x="1292406" y="3889438"/>
-            <a:ext cx="1486346" cy="950589"/>
+            <a:off x="1018565" y="4163279"/>
+            <a:ext cx="1815400" cy="731961"/>
           </a:xfrm>
           <a:prstGeom prst="bentConnector2">
             <a:avLst/>
@@ -9476,7 +9476,7 @@
         </p:nvSpPr>
         <p:spPr>
           <a:xfrm>
-            <a:off x="3447449" y="6356350"/>
+            <a:off x="6900818" y="5315390"/>
             <a:ext cx="2243182" cy="307777"/>
           </a:xfrm>
           <a:prstGeom prst="rect">
@@ -9920,8 +9920,8 @@
         </p:blipFill>
         <p:spPr>
           <a:xfrm>
-            <a:off x="9062" y="1679255"/>
-            <a:ext cx="3133633" cy="1189894"/>
+            <a:off x="9062" y="1679254"/>
+            <a:ext cx="3390514" cy="1287436"/>
           </a:xfrm>
           <a:prstGeom prst="rect">
             <a:avLst/>
@@ -9954,7 +9954,7 @@
         </p:blipFill>
         <p:spPr>
           <a:xfrm>
-            <a:off x="4478738" y="2010338"/>
+            <a:off x="4580971" y="2135047"/>
             <a:ext cx="4376788" cy="565409"/>
           </a:xfrm>
           <a:prstGeom prst="rect">
@@ -9978,8 +9978,8 @@
         </p:nvCxnSpPr>
         <p:spPr>
           <a:xfrm>
-            <a:off x="3318005" y="2274202"/>
-            <a:ext cx="985422" cy="7821"/>
+            <a:off x="3548628" y="2399573"/>
+            <a:ext cx="883291" cy="7821"/>
           </a:xfrm>
           <a:prstGeom prst="straightConnector1">
             <a:avLst/>
@@ -10003,8 +10003,8 @@
           </a:fontRef>
         </p:style>
       </p:cxnSp>
-      <mc:AlternateContent xmlns:mc="http://schemas.openxmlformats.org/markup-compatibility/2006" xmlns:a14="http://schemas.microsoft.com/office/drawing/2010/main">
-        <mc:Choice Requires="a14">
+      <mc:AlternateContent xmlns:mc="http://schemas.openxmlformats.org/markup-compatibility/2006">
+        <mc:Choice xmlns:a14="http://schemas.microsoft.com/office/drawing/2010/main" Requires="a14">
           <p:sp>
             <p:nvSpPr>
               <p:cNvPr id="24" name="CasellaDiTesto 23">
@@ -10019,7 +10019,7 @@
             </p:nvSpPr>
             <p:spPr>
               <a:xfrm>
-                <a:off x="183" y="2988258"/>
+                <a:off x="-8880" y="3015115"/>
                 <a:ext cx="9143817" cy="307777"/>
               </a:xfrm>
               <a:prstGeom prst="rect">
@@ -10102,7 +10102,7 @@
             </p:txBody>
           </p:sp>
         </mc:Choice>
-        <mc:Fallback xmlns="">
+        <mc:Fallback>
           <p:sp>
             <p:nvSpPr>
               <p:cNvPr id="24" name="CasellaDiTesto 23">
@@ -10119,7 +10119,7 @@
             </p:nvSpPr>
             <p:spPr>
               <a:xfrm>
-                <a:off x="183" y="2988258"/>
+                <a:off x="-8880" y="3015115"/>
                 <a:ext cx="9143817" cy="307777"/>
               </a:xfrm>
               <a:prstGeom prst="rect">
@@ -10128,7 +10128,7 @@
               <a:blipFill>
                 <a:blip r:embed="rId13"/>
                 <a:stretch>
-                  <a:fillRect t="-3922" b="-19608"/>
+                  <a:fillRect t="-4000" b="-20000"/>
                 </a:stretch>
               </a:blipFill>
             </p:spPr>
@@ -10392,10 +10392,10 @@
       </p:pic>
       <p:pic>
         <p:nvPicPr>
-          <p:cNvPr id="22" name="Immagine 21">
+          <p:cNvPr id="6" name="Immagine 5">
             <a:extLst>
               <a:ext uri="{FF2B5EF4-FFF2-40B4-BE49-F238E27FC236}">
-                <a16:creationId xmlns:a16="http://schemas.microsoft.com/office/drawing/2014/main" id="{1EB13141-CF8B-4CB1-BBBC-2C0AA67D822B}"/>
+                <a16:creationId xmlns:a16="http://schemas.microsoft.com/office/drawing/2014/main" id="{7550C6C8-34D3-4DD8-A2D8-F382FAE0B6C7}"/>
               </a:ext>
             </a:extLst>
           </p:cNvPr>
@@ -10416,8 +10416,8 @@
         </p:blipFill>
         <p:spPr>
           <a:xfrm>
-            <a:off x="3713357" y="4325874"/>
-            <a:ext cx="3009677" cy="234683"/>
+            <a:off x="3713357" y="4325873"/>
+            <a:ext cx="1581631" cy="236330"/>
           </a:xfrm>
           <a:prstGeom prst="rect">
             <a:avLst/>
@@ -11085,7 +11085,7 @@
         </p:nvSpPr>
         <p:spPr>
           <a:xfrm>
-            <a:off x="-2" y="1496338"/>
+            <a:off x="-2" y="1558484"/>
             <a:ext cx="9143817" cy="1384995"/>
           </a:xfrm>
           <a:prstGeom prst="rect">
@@ -11353,7 +11353,7 @@
         </p:nvCxnSpPr>
         <p:spPr>
           <a:xfrm>
-            <a:off x="484676" y="3422038"/>
+            <a:off x="449164" y="3422038"/>
             <a:ext cx="8174460" cy="6622"/>
           </a:xfrm>
           <a:prstGeom prst="line">
@@ -12530,8 +12530,8 @@
           </a:fontRef>
         </p:style>
       </p:cxnSp>
-      <mc:AlternateContent xmlns:mc="http://schemas.openxmlformats.org/markup-compatibility/2006" xmlns:a14="http://schemas.microsoft.com/office/drawing/2010/main">
-        <mc:Choice Requires="a14">
+      <mc:AlternateContent xmlns:mc="http://schemas.openxmlformats.org/markup-compatibility/2006">
+        <mc:Choice xmlns:a14="http://schemas.microsoft.com/office/drawing/2010/main" Requires="a14">
           <p:sp>
             <p:nvSpPr>
               <p:cNvPr id="49" name="CasellaDiTesto 48">
@@ -12547,7 +12547,7 @@
             <p:spPr>
               <a:xfrm>
                 <a:off x="-2" y="3030295"/>
-                <a:ext cx="8957571" cy="307777"/>
+                <a:ext cx="9144002" cy="307777"/>
               </a:xfrm>
               <a:prstGeom prst="rect">
                 <a:avLst/>
@@ -12587,7 +12587,7 @@
                     <a:latin typeface="Arial" panose="020B0604020202020204" pitchFamily="34" charset="0"/>
                     <a:cs typeface="Arial" panose="020B0604020202020204" pitchFamily="34" charset="0"/>
                   </a:rPr>
-                  <a:t> un nodo interno per il cluster </a:t>
+                  <a:t> un nodo interno per </a:t>
                 </a:r>
                 <a14:m>
                   <m:oMath xmlns:m="http://schemas.openxmlformats.org/officeDocument/2006/math">
@@ -12679,7 +12679,7 @@
             </p:txBody>
           </p:sp>
         </mc:Choice>
-        <mc:Fallback xmlns="">
+        <mc:Fallback>
           <p:sp>
             <p:nvSpPr>
               <p:cNvPr id="49" name="CasellaDiTesto 48">
@@ -12697,7 +12697,7 @@
             <p:spPr>
               <a:xfrm>
                 <a:off x="-2" y="3030295"/>
-                <a:ext cx="8957571" cy="307777"/>
+                <a:ext cx="9144002" cy="307777"/>
               </a:xfrm>
               <a:prstGeom prst="rect">
                 <a:avLst/>
@@ -12705,7 +12705,7 @@
               <a:blipFill>
                 <a:blip r:embed="rId11"/>
                 <a:stretch>
-                  <a:fillRect l="-68" t="-3922" b="-19608"/>
+                  <a:fillRect l="-67" t="-3922" b="-19608"/>
                 </a:stretch>
               </a:blipFill>
             </p:spPr>
@@ -12803,14 +12803,13 @@
           </p:cNvPr>
           <p:cNvCxnSpPr>
             <a:cxnSpLocks/>
-            <a:stCxn id="49" idx="2"/>
           </p:cNvCxnSpPr>
           <p:nvPr/>
         </p:nvCxnSpPr>
         <p:spPr>
           <a:xfrm>
-            <a:off x="4478784" y="3338072"/>
-            <a:ext cx="0" cy="319528"/>
+            <a:off x="4478783" y="3344421"/>
+            <a:ext cx="0" cy="288878"/>
           </a:xfrm>
           <a:prstGeom prst="straightConnector1">
             <a:avLst/>
@@ -12974,8 +12973,8 @@
         </p:blipFill>
         <p:spPr>
           <a:xfrm>
-            <a:off x="2367984" y="5375441"/>
-            <a:ext cx="4408031" cy="1288939"/>
+            <a:off x="1960983" y="5189524"/>
+            <a:ext cx="5309836" cy="1552633"/>
           </a:xfrm>
           <a:prstGeom prst="rect">
             <a:avLst/>
@@ -13319,8 +13318,8 @@
           </a:p>
         </p:txBody>
       </p:sp>
-      <mc:AlternateContent xmlns:mc="http://schemas.openxmlformats.org/markup-compatibility/2006">
-        <mc:Choice xmlns:a14="http://schemas.microsoft.com/office/drawing/2010/main" Requires="a14">
+      <mc:AlternateContent xmlns:mc="http://schemas.openxmlformats.org/markup-compatibility/2006" xmlns:a14="http://schemas.microsoft.com/office/drawing/2010/main">
+        <mc:Choice Requires="a14">
           <p:sp>
             <p:nvSpPr>
               <p:cNvPr id="28" name="CasellaDiTesto 27">
@@ -13484,7 +13483,7 @@
             </p:txBody>
           </p:sp>
         </mc:Choice>
-        <mc:Fallback>
+        <mc:Fallback xmlns="">
           <p:sp>
             <p:nvSpPr>
               <p:cNvPr id="28" name="CasellaDiTesto 27">
@@ -14961,7 +14960,7 @@
                 <a:latin typeface="Arial" panose="020B0604020202020204" pitchFamily="34" charset="0"/>
                 <a:cs typeface="Arial" panose="020B0604020202020204" pitchFamily="34" charset="0"/>
               </a:rPr>
-              <a:t>La discussione è terminata!</a:t>
+              <a:t>La discussione è terminata, grazie per l’attenzione!</a:t>
             </a:r>
           </a:p>
         </p:txBody>
@@ -15097,7 +15096,7 @@
         </p:nvSpPr>
         <p:spPr>
           <a:xfrm>
-            <a:off x="9061" y="1958606"/>
+            <a:off x="9061" y="2011874"/>
             <a:ext cx="9134939" cy="307777"/>
           </a:xfrm>
           <a:prstGeom prst="rect">
@@ -15324,7 +15323,7 @@
         </p:nvSpPr>
         <p:spPr>
           <a:xfrm>
-            <a:off x="5376004" y="2373343"/>
+            <a:off x="5376004" y="2657435"/>
             <a:ext cx="3412021" cy="523220"/>
           </a:xfrm>
           <a:prstGeom prst="rect">
@@ -15373,7 +15372,7 @@
         </p:blipFill>
         <p:spPr>
           <a:xfrm>
-            <a:off x="9061" y="2266383"/>
+            <a:off x="9061" y="2550475"/>
             <a:ext cx="5203627" cy="1250740"/>
           </a:xfrm>
           <a:prstGeom prst="rect">
@@ -15395,7 +15394,7 @@
         </p:nvSpPr>
         <p:spPr>
           <a:xfrm>
-            <a:off x="5376004" y="2833761"/>
+            <a:off x="5376004" y="3117853"/>
             <a:ext cx="3412021" cy="1169551"/>
           </a:xfrm>
           <a:prstGeom prst="rect">
@@ -15489,7 +15488,7 @@
         </p:nvSpPr>
         <p:spPr>
           <a:xfrm>
-            <a:off x="1790498" y="5896150"/>
+            <a:off x="2021320" y="5896150"/>
             <a:ext cx="2974019" cy="307777"/>
           </a:xfrm>
           <a:prstGeom prst="rect">
@@ -15527,7 +15526,7 @@
         </p:nvSpPr>
         <p:spPr>
           <a:xfrm>
-            <a:off x="5615326" y="5890246"/>
+            <a:off x="5846148" y="5890246"/>
             <a:ext cx="1387860" cy="307777"/>
           </a:xfrm>
           <a:prstGeom prst="rect">
@@ -15565,7 +15564,7 @@
         </p:nvSpPr>
         <p:spPr>
           <a:xfrm>
-            <a:off x="1790498" y="4953761"/>
+            <a:off x="1970003" y="5011881"/>
             <a:ext cx="5203627" cy="307777"/>
           </a:xfrm>
           <a:prstGeom prst="rect">
@@ -15620,7 +15619,7 @@
         </p:nvCxnSpPr>
         <p:spPr>
           <a:xfrm flipV="1">
-            <a:off x="4691362" y="6044135"/>
+            <a:off x="4922184" y="6044135"/>
             <a:ext cx="850809" cy="5904"/>
           </a:xfrm>
           <a:prstGeom prst="straightConnector1">
@@ -15960,8 +15959,8 @@
         </p:nvSpPr>
         <p:spPr>
           <a:xfrm>
-            <a:off x="2413474" y="1805530"/>
-            <a:ext cx="6721465" cy="523220"/>
+            <a:off x="2413474" y="1911076"/>
+            <a:ext cx="5203567" cy="307777"/>
           </a:xfrm>
           <a:prstGeom prst="rect">
             <a:avLst/>
@@ -15979,7 +15978,7 @@
                 <a:latin typeface="Arial" panose="020B0604020202020204" pitchFamily="34" charset="0"/>
                 <a:cs typeface="Arial" panose="020B0604020202020204" pitchFamily="34" charset="0"/>
               </a:rPr>
-              <a:t>il risultato dell’incontro tra l’informatica ed altre scienze di base, quali la biologia, la chimica, l’astronomia ecc.</a:t>
+              <a:t>Il risultato dell’incontro tra l’informatica ed altre scienze di base.</a:t>
             </a:r>
           </a:p>
         </p:txBody>
@@ -16132,7 +16131,7 @@
                 <a:latin typeface="Arial" panose="020B0604020202020204" pitchFamily="34" charset="0"/>
                 <a:cs typeface="Arial" panose="020B0604020202020204" pitchFamily="34" charset="0"/>
               </a:rPr>
-              <a:t>Area di ricerca che studia le relazioni evolutive tra le entità biologiche attraverso la costruzione di </a:t>
+              <a:t>Studia le relazioni evolutive tra le entità biologiche attraverso la costruzione di </a:t>
             </a:r>
             <a:r>
               <a:rPr lang="it-IT" sz="1400" b="1" dirty="0">
@@ -16146,7 +16145,7 @@
                 <a:latin typeface="Arial" panose="020B0604020202020204" pitchFamily="34" charset="0"/>
                 <a:cs typeface="Arial" panose="020B0604020202020204" pitchFamily="34" charset="0"/>
               </a:rPr>
-              <a:t>(chiamati anche </a:t>
+              <a:t>(o </a:t>
             </a:r>
             <a:r>
               <a:rPr lang="it-IT" sz="1400" b="1" dirty="0">
@@ -16514,7 +16513,7 @@
         <p:spPr>
           <a:xfrm>
             <a:off x="-186" y="1448457"/>
-            <a:ext cx="9125877" cy="523220"/>
+            <a:ext cx="9143817" cy="523220"/>
           </a:xfrm>
           <a:prstGeom prst="rect">
             <a:avLst/>
@@ -16532,7 +16531,7 @@
                 <a:latin typeface="Arial" panose="020B0604020202020204" pitchFamily="34" charset="0"/>
                 <a:cs typeface="Arial" panose="020B0604020202020204" pitchFamily="34" charset="0"/>
               </a:rPr>
-              <a:t>È un albero che rappresenta le relazioni evolutive tra le entità biologiche, dove i nodi (o vertici) rappresentano tali entità, mentre gli archi mostrano loro relazioni.</a:t>
+              <a:t>È un albero che rappresenta le relazioni evolutive tra le entità biologiche, dove i nodi (o vertici) rappresentano tali entità, mentre gli archi mostrano le loro relazioni.</a:t>
             </a:r>
           </a:p>
         </p:txBody>
@@ -16551,7 +16550,7 @@
         </p:nvSpPr>
         <p:spPr>
           <a:xfrm>
-            <a:off x="3511299" y="2356859"/>
+            <a:off x="3812865" y="2350168"/>
             <a:ext cx="1518081" cy="307777"/>
           </a:xfrm>
           <a:prstGeom prst="rect">
@@ -16598,7 +16597,7 @@
         </p:blipFill>
         <p:spPr>
           <a:xfrm>
-            <a:off x="59577" y="3326257"/>
+            <a:off x="254887" y="3326257"/>
             <a:ext cx="4210763" cy="2032200"/>
           </a:xfrm>
           <a:prstGeom prst="rect">
@@ -16620,7 +16619,7 @@
         </p:nvSpPr>
         <p:spPr>
           <a:xfrm>
-            <a:off x="306721" y="3039898"/>
+            <a:off x="502031" y="3039898"/>
             <a:ext cx="2960879" cy="307777"/>
           </a:xfrm>
           <a:prstGeom prst="rect">
@@ -16640,7 +16639,7 @@
                 <a:latin typeface="Arial" panose="020B0604020202020204" pitchFamily="34" charset="0"/>
                 <a:cs typeface="Arial" panose="020B0604020202020204" pitchFamily="34" charset="0"/>
               </a:rPr>
-              <a:t>Albero radicato (o con radice)</a:t>
+              <a:t>Albero radicato</a:t>
             </a:r>
           </a:p>
         </p:txBody>
@@ -16666,7 +16665,7 @@
         </p:blipFill>
         <p:spPr>
           <a:xfrm>
-            <a:off x="5574859" y="3336966"/>
+            <a:off x="5770169" y="3336966"/>
             <a:ext cx="2573196" cy="2010782"/>
           </a:xfrm>
           <a:prstGeom prst="rect">
@@ -16688,7 +16687,7 @@
         </p:nvSpPr>
         <p:spPr>
           <a:xfrm>
-            <a:off x="4996357" y="3036436"/>
+            <a:off x="5191667" y="3036436"/>
             <a:ext cx="3101752" cy="307777"/>
           </a:xfrm>
           <a:prstGeom prst="rect">
@@ -16708,7 +16707,7 @@
                 <a:latin typeface="Arial" panose="020B0604020202020204" pitchFamily="34" charset="0"/>
                 <a:cs typeface="Arial" panose="020B0604020202020204" pitchFamily="34" charset="0"/>
               </a:rPr>
-              <a:t>Albero non radicato (o senza radice)</a:t>
+              <a:t>Albero non radicato</a:t>
             </a:r>
           </a:p>
         </p:txBody>
@@ -16727,8 +16726,8 @@
         </p:nvSpPr>
         <p:spPr>
           <a:xfrm>
-            <a:off x="9061" y="5328257"/>
-            <a:ext cx="4210763" cy="307777"/>
+            <a:off x="204371" y="5328257"/>
+            <a:ext cx="4261279" cy="307777"/>
           </a:xfrm>
           <a:prstGeom prst="rect">
             <a:avLst/>
@@ -16750,7 +16749,7 @@
                 <a:latin typeface="Arial" panose="020B0604020202020204" pitchFamily="34" charset="0"/>
                 <a:cs typeface="Arial" panose="020B0604020202020204" pitchFamily="34" charset="0"/>
               </a:rPr>
-              <a:t>Nodo speciale, chiamato radice</a:t>
+              <a:t>Nodo speciale chiamato radice</a:t>
             </a:r>
           </a:p>
         </p:txBody>
@@ -16769,8 +16768,8 @@
         </p:nvSpPr>
         <p:spPr>
           <a:xfrm>
-            <a:off x="4734255" y="5362031"/>
-            <a:ext cx="4409746" cy="307777"/>
+            <a:off x="5690588" y="5362031"/>
+            <a:ext cx="3648723" cy="307777"/>
           </a:xfrm>
           <a:prstGeom prst="rect">
             <a:avLst/>
@@ -16814,7 +16813,7 @@
         </p:nvCxnSpPr>
         <p:spPr>
           <a:xfrm rot="10800000" flipV="1">
-            <a:off x="1787161" y="2510748"/>
+            <a:off x="1982471" y="2510748"/>
             <a:ext cx="1660612" cy="529150"/>
           </a:xfrm>
           <a:prstGeom prst="bentConnector2">
@@ -16849,15 +16848,15 @@
             </a:extLst>
           </p:cNvPr>
           <p:cNvCxnSpPr>
-            <a:stCxn id="9" idx="3"/>
+            <a:cxnSpLocks/>
             <a:endCxn id="17" idx="0"/>
           </p:cNvCxnSpPr>
           <p:nvPr/>
         </p:nvCxnSpPr>
         <p:spPr>
           <a:xfrm>
-            <a:off x="5029380" y="2510748"/>
-            <a:ext cx="1517853" cy="525688"/>
+            <a:off x="5526256" y="2504057"/>
+            <a:ext cx="1216287" cy="532379"/>
           </a:xfrm>
           <a:prstGeom prst="bentConnector2">
             <a:avLst/>
@@ -17230,8 +17229,8 @@
           </a:p>
         </p:txBody>
       </p:sp>
-      <mc:AlternateContent xmlns:mc="http://schemas.openxmlformats.org/markup-compatibility/2006" xmlns:a14="http://schemas.microsoft.com/office/drawing/2010/main">
-        <mc:Choice Requires="a14">
+      <mc:AlternateContent xmlns:mc="http://schemas.openxmlformats.org/markup-compatibility/2006">
+        <mc:Choice xmlns:a14="http://schemas.microsoft.com/office/drawing/2010/main" Requires="a14">
           <p:sp>
             <p:nvSpPr>
               <p:cNvPr id="22" name="CasellaDiTesto 21">
@@ -17324,7 +17323,7 @@
             </p:txBody>
           </p:sp>
         </mc:Choice>
-        <mc:Fallback xmlns="">
+        <mc:Fallback>
           <p:sp>
             <p:nvSpPr>
               <p:cNvPr id="22" name="CasellaDiTesto 21">
@@ -17392,7 +17391,7 @@
           </a:xfrm>
           <a:prstGeom prst="bentConnector3">
             <a:avLst>
-              <a:gd name="adj1" fmla="val 28570"/>
+              <a:gd name="adj1" fmla="val 22229"/>
             </a:avLst>
           </a:prstGeom>
           <a:ln>
@@ -17440,7 +17439,7 @@
         </p:blipFill>
         <p:spPr>
           <a:xfrm>
-            <a:off x="5925952" y="2178799"/>
+            <a:off x="5890440" y="2178799"/>
             <a:ext cx="1944401" cy="221813"/>
           </a:xfrm>
           <a:prstGeom prst="rect">
@@ -17462,7 +17461,7 @@
         </p:nvSpPr>
         <p:spPr>
           <a:xfrm>
-            <a:off x="4565390" y="2145039"/>
+            <a:off x="4494366" y="2145039"/>
             <a:ext cx="1455938" cy="307777"/>
           </a:xfrm>
           <a:prstGeom prst="rect">
@@ -17512,7 +17511,7 @@
         </p:blipFill>
         <p:spPr>
           <a:xfrm>
-            <a:off x="5927432" y="2526514"/>
+            <a:off x="5891920" y="2526514"/>
             <a:ext cx="1719832" cy="194256"/>
           </a:xfrm>
           <a:prstGeom prst="rect">
@@ -17534,7 +17533,7 @@
         </p:nvSpPr>
         <p:spPr>
           <a:xfrm>
-            <a:off x="4566870" y="2474998"/>
+            <a:off x="4495846" y="2474998"/>
             <a:ext cx="1455938" cy="307777"/>
           </a:xfrm>
           <a:prstGeom prst="rect">
@@ -17584,7 +17583,7 @@
         </p:blipFill>
         <p:spPr>
           <a:xfrm>
-            <a:off x="5927430" y="2854978"/>
+            <a:off x="5891918" y="2854978"/>
             <a:ext cx="2251528" cy="226414"/>
           </a:xfrm>
           <a:prstGeom prst="rect">
@@ -17606,7 +17605,7 @@
         </p:nvSpPr>
         <p:spPr>
           <a:xfrm>
-            <a:off x="4566868" y="2821218"/>
+            <a:off x="4495844" y="2821218"/>
             <a:ext cx="1455938" cy="307777"/>
           </a:xfrm>
           <a:prstGeom prst="rect">
@@ -17656,7 +17655,7 @@
         </p:blipFill>
         <p:spPr>
           <a:xfrm>
-            <a:off x="5928910" y="3300353"/>
+            <a:off x="5893398" y="3300353"/>
             <a:ext cx="3179267" cy="224870"/>
           </a:xfrm>
           <a:prstGeom prst="rect">
@@ -17678,7 +17677,7 @@
         </p:nvSpPr>
         <p:spPr>
           <a:xfrm>
-            <a:off x="4568348" y="3151178"/>
+            <a:off x="4497324" y="3151178"/>
             <a:ext cx="1455938" cy="523220"/>
           </a:xfrm>
           <a:prstGeom prst="rect">
@@ -17721,7 +17720,7 @@
         <p:spPr>
           <a:xfrm flipV="1">
             <a:off x="3462660" y="2298928"/>
-            <a:ext cx="1102730" cy="529271"/>
+            <a:ext cx="1031706" cy="529271"/>
           </a:xfrm>
           <a:prstGeom prst="bentConnector3">
             <a:avLst/>
@@ -17757,13 +17756,14 @@
           <p:cNvCxnSpPr>
             <a:cxnSpLocks/>
             <a:stCxn id="22" idx="3"/>
+            <a:endCxn id="48" idx="1"/>
           </p:cNvCxnSpPr>
           <p:nvPr/>
         </p:nvCxnSpPr>
         <p:spPr>
           <a:xfrm flipV="1">
-            <a:off x="3462660" y="2638889"/>
-            <a:ext cx="1113593" cy="189310"/>
+            <a:off x="3462660" y="2628887"/>
+            <a:ext cx="1033186" cy="199312"/>
           </a:xfrm>
           <a:prstGeom prst="bentConnector3">
             <a:avLst>
@@ -17801,13 +17801,14 @@
           <p:cNvCxnSpPr>
             <a:cxnSpLocks/>
             <a:stCxn id="22" idx="3"/>
+            <a:endCxn id="50" idx="1"/>
           </p:cNvCxnSpPr>
           <p:nvPr/>
         </p:nvCxnSpPr>
         <p:spPr>
           <a:xfrm>
             <a:off x="3462660" y="2828199"/>
-            <a:ext cx="1104208" cy="153888"/>
+            <a:ext cx="1033184" cy="146908"/>
           </a:xfrm>
           <a:prstGeom prst="bentConnector3">
             <a:avLst/>
@@ -17848,7 +17849,7 @@
         <p:spPr>
           <a:xfrm>
             <a:off x="3470985" y="2828198"/>
-            <a:ext cx="1072447" cy="546147"/>
+            <a:ext cx="1023381" cy="523220"/>
           </a:xfrm>
           <a:prstGeom prst="bentConnector3">
             <a:avLst>
@@ -17874,8 +17875,8 @@
           </a:fontRef>
         </p:style>
       </p:cxnSp>
-      <mc:AlternateContent xmlns:mc="http://schemas.openxmlformats.org/markup-compatibility/2006" xmlns:a14="http://schemas.microsoft.com/office/drawing/2010/main">
-        <mc:Choice Requires="a14">
+      <mc:AlternateContent xmlns:mc="http://schemas.openxmlformats.org/markup-compatibility/2006">
+        <mc:Choice xmlns:a14="http://schemas.microsoft.com/office/drawing/2010/main" Requires="a14">
           <p:sp>
             <p:nvSpPr>
               <p:cNvPr id="23" name="CasellaDiTesto 22">
@@ -17890,8 +17891,8 @@
             </p:nvSpPr>
             <p:spPr>
               <a:xfrm>
-                <a:off x="162205" y="3873674"/>
-                <a:ext cx="8828096" cy="523220"/>
+                <a:off x="0" y="3996359"/>
+                <a:ext cx="9143816" cy="307777"/>
               </a:xfrm>
               <a:prstGeom prst="rect">
                 <a:avLst/>
@@ -17953,17 +17954,6 @@
                       </a:rPr>
                       <m:t> </m:t>
                     </m:r>
-                  </m:oMath>
-                </a14:m>
-                <a:r>
-                  <a:rPr lang="it-IT" sz="1400" i="1" dirty="0">
-                    <a:latin typeface="Arial" panose="020B0604020202020204" pitchFamily="34" charset="0"/>
-                    <a:cs typeface="Arial" panose="020B0604020202020204" pitchFamily="34" charset="0"/>
-                  </a:rPr>
-                  <a:t>di dimensione  </a:t>
-                </a:r>
-                <a14:m>
-                  <m:oMath xmlns:m="http://schemas.openxmlformats.org/officeDocument/2006/math">
                     <m:r>
                       <a:rPr lang="it-IT" sz="1400" b="0" i="1" smtClean="0">
                         <a:latin typeface="Cambria Math" panose="02040503050406030204" pitchFamily="18" charset="0"/>
@@ -18005,7 +17995,7 @@
             </p:txBody>
           </p:sp>
         </mc:Choice>
-        <mc:Fallback xmlns="">
+        <mc:Fallback>
           <p:sp>
             <p:nvSpPr>
               <p:cNvPr id="23" name="CasellaDiTesto 22">
@@ -18022,8 +18012,8 @@
             </p:nvSpPr>
             <p:spPr>
               <a:xfrm>
-                <a:off x="162205" y="3873674"/>
-                <a:ext cx="8828096" cy="523220"/>
+                <a:off x="0" y="3996359"/>
+                <a:ext cx="9143816" cy="307777"/>
               </a:xfrm>
               <a:prstGeom prst="rect">
                 <a:avLst/>
@@ -18031,7 +18021,7 @@
               <a:blipFill>
                 <a:blip r:embed="rId13"/>
                 <a:stretch>
-                  <a:fillRect t="-1163" b="-11628"/>
+                  <a:fillRect t="-4000" b="-20000"/>
                 </a:stretch>
               </a:blipFill>
             </p:spPr>
@@ -18064,16 +18054,15 @@
           </p:cNvPicPr>
           <p:nvPr/>
         </p:nvPicPr>
-        <p:blipFill>
+        <p:blipFill rotWithShape="1">
           <a:blip r:embed="rId14"/>
-          <a:stretch>
-            <a:fillRect/>
-          </a:stretch>
+          <a:srcRect l="1114" t="1579" r="1507" b="6645"/>
+          <a:stretch/>
         </p:blipFill>
         <p:spPr>
           <a:xfrm>
-            <a:off x="1204380" y="5110510"/>
-            <a:ext cx="6749129" cy="1620190"/>
+            <a:off x="553509" y="4889229"/>
+            <a:ext cx="7589937" cy="1824777"/>
           </a:xfrm>
           <a:prstGeom prst="rect">
             <a:avLst/>
@@ -18094,7 +18083,7 @@
         </p:nvSpPr>
         <p:spPr>
           <a:xfrm>
-            <a:off x="4098470" y="4669693"/>
+            <a:off x="4098470" y="4634181"/>
             <a:ext cx="960950" cy="307777"/>
           </a:xfrm>
           <a:prstGeom prst="rect">
@@ -18129,15 +18118,15 @@
             </a:extLst>
           </p:cNvPr>
           <p:cNvCxnSpPr>
+            <a:cxnSpLocks/>
             <a:stCxn id="23" idx="2"/>
-            <a:endCxn id="25" idx="0"/>
           </p:cNvCxnSpPr>
           <p:nvPr/>
         </p:nvCxnSpPr>
         <p:spPr>
           <a:xfrm>
-            <a:off x="4576253" y="4396894"/>
-            <a:ext cx="2692" cy="272799"/>
+            <a:off x="4571908" y="4304136"/>
+            <a:ext cx="7037" cy="292953"/>
           </a:xfrm>
           <a:prstGeom prst="straightConnector1">
             <a:avLst/>
@@ -18488,7 +18477,22 @@
                 <a:latin typeface="Arial" panose="020B0604020202020204" pitchFamily="34" charset="0"/>
                 <a:cs typeface="Arial" panose="020B0604020202020204" pitchFamily="34" charset="0"/>
               </a:rPr>
-              <a:t>Numero non negativo su ogni arco rappresenta la distanza tra i nodi;</a:t>
+              <a:t>Numero non negativo su ogni arco </a:t>
+            </a:r>
+            <a:r>
+              <a:rPr lang="it-IT" sz="1400" dirty="0">
+                <a:latin typeface="Arial" panose="020B0604020202020204" pitchFamily="34" charset="0"/>
+                <a:cs typeface="Arial" panose="020B0604020202020204" pitchFamily="34" charset="0"/>
+                <a:sym typeface="Wingdings" panose="05000000000000000000" pitchFamily="2" charset="2"/>
+              </a:rPr>
+              <a:t>  </a:t>
+            </a:r>
+            <a:r>
+              <a:rPr lang="it-IT" sz="1400" dirty="0">
+                <a:latin typeface="Arial" panose="020B0604020202020204" pitchFamily="34" charset="0"/>
+                <a:cs typeface="Arial" panose="020B0604020202020204" pitchFamily="34" charset="0"/>
+              </a:rPr>
+              <a:t>distanza tra i nodi;</a:t>
             </a:r>
           </a:p>
           <a:p>
@@ -19416,13 +19420,12 @@
           </p:cNvPr>
           <p:cNvCxnSpPr>
             <a:cxnSpLocks/>
-            <a:stCxn id="16" idx="3"/>
           </p:cNvCxnSpPr>
           <p:nvPr/>
         </p:nvCxnSpPr>
         <p:spPr>
           <a:xfrm>
-            <a:off x="1400824" y="2150995"/>
+            <a:off x="1374190" y="2150995"/>
             <a:ext cx="454609" cy="0"/>
           </a:xfrm>
           <a:prstGeom prst="straightConnector1">
@@ -19540,8 +19543,8 @@
           </a:prstGeom>
         </p:spPr>
       </p:pic>
-      <mc:AlternateContent xmlns:mc="http://schemas.openxmlformats.org/markup-compatibility/2006" xmlns:a14="http://schemas.microsoft.com/office/drawing/2010/main">
-        <mc:Choice Requires="a14">
+      <mc:AlternateContent xmlns:mc="http://schemas.openxmlformats.org/markup-compatibility/2006">
+        <mc:Choice xmlns:a14="http://schemas.microsoft.com/office/drawing/2010/main" Requires="a14">
           <p:sp>
             <p:nvSpPr>
               <p:cNvPr id="27" name="CasellaDiTesto 26">
@@ -19556,8 +19559,8 @@
             </p:nvSpPr>
             <p:spPr>
               <a:xfrm>
-                <a:off x="6985121" y="1665316"/>
-                <a:ext cx="2149818" cy="971356"/>
+                <a:off x="6791417" y="1780730"/>
+                <a:ext cx="2343522" cy="755913"/>
               </a:xfrm>
               <a:prstGeom prst="rect">
                 <a:avLst/>
@@ -19570,13 +19573,6 @@
               </a:bodyPr>
               <a:lstStyle/>
               <a:p>
-                <a:r>
-                  <a:rPr lang="it-IT" sz="1400" b="0" dirty="0">
-                    <a:latin typeface="Arial" panose="020B0604020202020204" pitchFamily="34" charset="0"/>
-                    <a:cs typeface="Arial" panose="020B0604020202020204" pitchFamily="34" charset="0"/>
-                  </a:rPr>
-                  <a:t>Come trovare </a:t>
-                </a:r>
                 <a14:m>
                   <m:oMath xmlns:m="http://schemas.openxmlformats.org/officeDocument/2006/math">
                     <m:sSub>
@@ -19660,16 +19656,7 @@
                     <a:latin typeface="Arial" panose="020B0604020202020204" pitchFamily="34" charset="0"/>
                     <a:cs typeface="Arial" panose="020B0604020202020204" pitchFamily="34" charset="0"/>
                   </a:rPr>
-                  <a:t>?</a:t>
-                </a:r>
-              </a:p>
-              <a:p>
-                <a:r>
-                  <a:rPr lang="it-IT" sz="1400" dirty="0">
-                    <a:latin typeface="Arial" panose="020B0604020202020204" pitchFamily="34" charset="0"/>
-                    <a:cs typeface="Arial" panose="020B0604020202020204" pitchFamily="34" charset="0"/>
-                  </a:rPr>
-                  <a:t>Aggiungi </a:t>
+                  <a:t>? Aggiungi </a:t>
                 </a:r>
                 <a14:m>
                   <m:oMath xmlns:m="http://schemas.openxmlformats.org/officeDocument/2006/math">
@@ -19751,7 +19738,7 @@
             </p:txBody>
           </p:sp>
         </mc:Choice>
-        <mc:Fallback xmlns="">
+        <mc:Fallback>
           <p:sp>
             <p:nvSpPr>
               <p:cNvPr id="27" name="CasellaDiTesto 26">
@@ -19768,8 +19755,8 @@
             </p:nvSpPr>
             <p:spPr>
               <a:xfrm>
-                <a:off x="6985121" y="1665316"/>
-                <a:ext cx="2149818" cy="971356"/>
+                <a:off x="6791417" y="1780730"/>
+                <a:ext cx="2343522" cy="755913"/>
               </a:xfrm>
               <a:prstGeom prst="rect">
                 <a:avLst/>
@@ -19777,7 +19764,7 @@
               <a:blipFill>
                 <a:blip r:embed="rId11"/>
                 <a:stretch>
-                  <a:fillRect l="-850" t="-1250" b="-5625"/>
+                  <a:fillRect l="-779" t="-1613" b="-8065"/>
                 </a:stretch>
               </a:blipFill>
             </p:spPr>
@@ -19814,8 +19801,8 @@
         </p:nvCxnSpPr>
         <p:spPr>
           <a:xfrm rot="5400000">
-            <a:off x="7346168" y="2831518"/>
-            <a:ext cx="908709" cy="519017"/>
+            <a:off x="7247727" y="2829930"/>
+            <a:ext cx="1008738" cy="422165"/>
           </a:xfrm>
           <a:prstGeom prst="bentConnector3">
             <a:avLst/>
@@ -19941,8 +19928,8 @@
           </a:prstGeom>
         </p:spPr>
       </p:pic>
-      <mc:AlternateContent xmlns:mc="http://schemas.openxmlformats.org/markup-compatibility/2006" xmlns:a14="http://schemas.microsoft.com/office/drawing/2010/main">
-        <mc:Choice Requires="a14">
+      <mc:AlternateContent xmlns:mc="http://schemas.openxmlformats.org/markup-compatibility/2006">
+        <mc:Choice xmlns:a14="http://schemas.microsoft.com/office/drawing/2010/main" Requires="a14">
           <p:sp>
             <p:nvSpPr>
               <p:cNvPr id="43" name="CasellaDiTesto 42">
@@ -19971,51 +19958,49 @@
               </a:bodyPr>
               <a:lstStyle/>
               <a:p>
-                <a:r>
-                  <a:rPr lang="it-IT" sz="1400" b="0" dirty="0">
-                    <a:latin typeface="Arial" panose="020B0604020202020204" pitchFamily="34" charset="0"/>
-                    <a:cs typeface="Arial" panose="020B0604020202020204" pitchFamily="34" charset="0"/>
-                  </a:rPr>
-                  <a:t>Come trovare </a:t>
-                </a:r>
                 <a14:m>
-                  <m:oMath xmlns:m="http://schemas.openxmlformats.org/officeDocument/2006/math">
-                    <m:sSub>
-                      <m:sSubPr>
-                        <m:ctrlPr>
-                          <a:rPr lang="it-IT" sz="1400" b="0" i="1" smtClean="0">
-                            <a:latin typeface="Cambria Math" panose="02040503050406030204" pitchFamily="18" charset="0"/>
-                            <a:cs typeface="Arial" panose="020B0604020202020204" pitchFamily="34" charset="0"/>
-                          </a:rPr>
-                        </m:ctrlPr>
-                      </m:sSubPr>
-                      <m:e>
-                        <m:r>
-                          <a:rPr lang="it-IT" sz="1400" b="0" i="1" smtClean="0">
-                            <a:latin typeface="Cambria Math" panose="02040503050406030204" pitchFamily="18" charset="0"/>
-                            <a:cs typeface="Arial" panose="020B0604020202020204" pitchFamily="34" charset="0"/>
-                          </a:rPr>
-                          <m:t>𝑑</m:t>
-                        </m:r>
-                      </m:e>
-                      <m:sub>
-                        <m:r>
-                          <a:rPr lang="it-IT" sz="1400" b="0" i="1" smtClean="0">
-                            <a:latin typeface="Cambria Math" panose="02040503050406030204" pitchFamily="18" charset="0"/>
-                            <a:cs typeface="Arial" panose="020B0604020202020204" pitchFamily="34" charset="0"/>
-                          </a:rPr>
-                          <m:t>𝑢𝑝</m:t>
-                        </m:r>
-                      </m:sub>
-                    </m:sSub>
-                    <m:r>
-                      <a:rPr lang="it-IT" sz="1400" b="0" i="0" smtClean="0">
-                        <a:latin typeface="Cambria Math" panose="02040503050406030204" pitchFamily="18" charset="0"/>
-                        <a:cs typeface="Arial" panose="020B0604020202020204" pitchFamily="34" charset="0"/>
-                      </a:rPr>
-                      <m:t>?</m:t>
-                    </m:r>
-                  </m:oMath>
+                  <m:oMathPara xmlns:m="http://schemas.openxmlformats.org/officeDocument/2006/math">
+                    <m:oMathParaPr>
+                      <m:jc m:val="centerGroup"/>
+                    </m:oMathParaPr>
+                    <m:oMath xmlns:m="http://schemas.openxmlformats.org/officeDocument/2006/math">
+                      <m:sSub>
+                        <m:sSubPr>
+                          <m:ctrlPr>
+                            <a:rPr lang="it-IT" sz="1400" b="0" i="1" smtClean="0">
+                              <a:latin typeface="Cambria Math" panose="02040503050406030204" pitchFamily="18" charset="0"/>
+                              <a:cs typeface="Arial" panose="020B0604020202020204" pitchFamily="34" charset="0"/>
+                            </a:rPr>
+                          </m:ctrlPr>
+                        </m:sSubPr>
+                        <m:e>
+                          <m:r>
+                            <a:rPr lang="it-IT" sz="1400" b="0" i="1" smtClean="0">
+                              <a:latin typeface="Cambria Math" panose="02040503050406030204" pitchFamily="18" charset="0"/>
+                              <a:cs typeface="Arial" panose="020B0604020202020204" pitchFamily="34" charset="0"/>
+                            </a:rPr>
+                            <m:t>𝑑</m:t>
+                          </m:r>
+                        </m:e>
+                        <m:sub>
+                          <m:r>
+                            <a:rPr lang="it-IT" sz="1400" b="0" i="1" smtClean="0">
+                              <a:latin typeface="Cambria Math" panose="02040503050406030204" pitchFamily="18" charset="0"/>
+                              <a:cs typeface="Arial" panose="020B0604020202020204" pitchFamily="34" charset="0"/>
+                            </a:rPr>
+                            <m:t>𝑢𝑝</m:t>
+                          </m:r>
+                        </m:sub>
+                      </m:sSub>
+                      <m:r>
+                        <a:rPr lang="it-IT" sz="1400" b="0" i="0" smtClean="0">
+                          <a:latin typeface="Cambria Math" panose="02040503050406030204" pitchFamily="18" charset="0"/>
+                          <a:cs typeface="Arial" panose="020B0604020202020204" pitchFamily="34" charset="0"/>
+                        </a:rPr>
+                        <m:t>?</m:t>
+                      </m:r>
+                    </m:oMath>
+                  </m:oMathPara>
                 </a14:m>
                 <a:endParaRPr lang="it-IT" sz="1400" dirty="0">
                   <a:latin typeface="Arial" panose="020B0604020202020204" pitchFamily="34" charset="0"/>
@@ -20025,7 +20010,7 @@
             </p:txBody>
           </p:sp>
         </mc:Choice>
-        <mc:Fallback xmlns="">
+        <mc:Fallback>
           <p:sp>
             <p:nvSpPr>
               <p:cNvPr id="43" name="CasellaDiTesto 42">
@@ -20051,7 +20036,7 @@
               <a:blipFill>
                 <a:blip r:embed="rId15"/>
                 <a:stretch>
-                  <a:fillRect l="-1091" t="-1852" b="-12963"/>
+                  <a:fillRect/>
                 </a:stretch>
               </a:blipFill>
             </p:spPr>
@@ -20374,47 +20359,6 @@
           </a:p>
         </p:txBody>
       </p:sp>
-      <p:cxnSp>
-        <p:nvCxnSpPr>
-          <p:cNvPr id="32" name="Connettore 2 31">
-            <a:extLst>
-              <a:ext uri="{FF2B5EF4-FFF2-40B4-BE49-F238E27FC236}">
-                <a16:creationId xmlns:a16="http://schemas.microsoft.com/office/drawing/2014/main" id="{65A4A76E-3EF0-47C9-B6C9-02CCC4C5B6A7}"/>
-              </a:ext>
-            </a:extLst>
-          </p:cNvPr>
-          <p:cNvCxnSpPr>
-            <a:stCxn id="43" idx="2"/>
-          </p:cNvCxnSpPr>
-          <p:nvPr/>
-        </p:nvCxnSpPr>
-        <p:spPr>
-          <a:xfrm>
-            <a:off x="1472288" y="4125629"/>
-            <a:ext cx="0" cy="480661"/>
-          </a:xfrm>
-          <a:prstGeom prst="straightConnector1">
-            <a:avLst/>
-          </a:prstGeom>
-          <a:ln>
-            <a:tailEnd type="triangle"/>
-          </a:ln>
-        </p:spPr>
-        <p:style>
-          <a:lnRef idx="2">
-            <a:schemeClr val="accent1"/>
-          </a:lnRef>
-          <a:fillRef idx="0">
-            <a:schemeClr val="accent1"/>
-          </a:fillRef>
-          <a:effectRef idx="1">
-            <a:schemeClr val="accent1"/>
-          </a:effectRef>
-          <a:fontRef idx="minor">
-            <a:schemeClr val="tx1"/>
-          </a:fontRef>
-        </p:style>
-      </p:cxnSp>
       <p:sp>
         <p:nvSpPr>
           <p:cNvPr id="31" name="Freccia a destra 30">
@@ -20431,6 +20375,50 @@
           <a:xfrm rot="3658164">
             <a:off x="2017591" y="5557173"/>
             <a:ext cx="859551" cy="163722"/>
+          </a:xfrm>
+          <a:prstGeom prst="rightArrow">
+            <a:avLst/>
+          </a:prstGeom>
+        </p:spPr>
+        <p:style>
+          <a:lnRef idx="1">
+            <a:schemeClr val="accent1"/>
+          </a:lnRef>
+          <a:fillRef idx="3">
+            <a:schemeClr val="accent1"/>
+          </a:fillRef>
+          <a:effectRef idx="2">
+            <a:schemeClr val="accent1"/>
+          </a:effectRef>
+          <a:fontRef idx="minor">
+            <a:schemeClr val="lt1"/>
+          </a:fontRef>
+        </p:style>
+        <p:txBody>
+          <a:bodyPr rtlCol="0" anchor="ctr"/>
+          <a:lstStyle/>
+          <a:p>
+            <a:pPr algn="ctr"/>
+            <a:endParaRPr lang="it-IT"/>
+          </a:p>
+        </p:txBody>
+      </p:sp>
+      <p:sp>
+        <p:nvSpPr>
+          <p:cNvPr id="28" name="Freccia a destra 27">
+            <a:extLst>
+              <a:ext uri="{FF2B5EF4-FFF2-40B4-BE49-F238E27FC236}">
+                <a16:creationId xmlns:a16="http://schemas.microsoft.com/office/drawing/2014/main" id="{5F6AA9EC-CEEB-421F-A3B2-BF2F2FFFB60B}"/>
+              </a:ext>
+            </a:extLst>
+          </p:cNvPr>
+          <p:cNvSpPr/>
+          <p:nvPr/>
+        </p:nvSpPr>
+        <p:spPr>
+          <a:xfrm rot="5400000">
+            <a:off x="1287577" y="4350337"/>
+            <a:ext cx="325026" cy="77080"/>
           </a:xfrm>
           <a:prstGeom prst="rightArrow">
             <a:avLst/>
@@ -21776,139 +21764,52 @@
         </p:blipFill>
         <p:spPr>
           <a:xfrm>
-            <a:off x="186195" y="3295783"/>
-            <a:ext cx="3888658" cy="2150249"/>
+            <a:off x="115681" y="2693406"/>
+            <a:ext cx="4561823" cy="2522478"/>
           </a:xfrm>
           <a:prstGeom prst="rect">
             <a:avLst/>
           </a:prstGeom>
         </p:spPr>
       </p:pic>
-      <mc:AlternateContent xmlns:mc="http://schemas.openxmlformats.org/markup-compatibility/2006" xmlns:a14="http://schemas.microsoft.com/office/drawing/2010/main">
-        <mc:Choice Requires="a14">
-          <p:sp>
-            <p:nvSpPr>
-              <p:cNvPr id="26" name="CasellaDiTesto 25">
-                <a:extLst>
-                  <a:ext uri="{FF2B5EF4-FFF2-40B4-BE49-F238E27FC236}">
-                    <a16:creationId xmlns:a16="http://schemas.microsoft.com/office/drawing/2014/main" id="{B431A250-978E-46E5-B933-19E6232E36AE}"/>
-                  </a:ext>
-                </a:extLst>
-              </p:cNvPr>
-              <p:cNvSpPr txBox="1"/>
-              <p:nvPr/>
-            </p:nvSpPr>
-            <p:spPr>
-              <a:xfrm>
-                <a:off x="9062" y="1604059"/>
-                <a:ext cx="1917387" cy="324384"/>
-              </a:xfrm>
-              <a:prstGeom prst="rect">
-                <a:avLst/>
-              </a:prstGeom>
-              <a:noFill/>
-            </p:spPr>
-            <p:txBody>
-              <a:bodyPr wrap="square" rtlCol="0">
-                <a:spAutoFit/>
-              </a:bodyPr>
-              <a:lstStyle/>
-              <a:p>
-                <a:r>
-                  <a:rPr lang="it-IT" sz="1400" dirty="0">
-                    <a:latin typeface="Arial" panose="020B0604020202020204" pitchFamily="34" charset="0"/>
-                    <a:cs typeface="Arial" panose="020B0604020202020204" pitchFamily="34" charset="0"/>
-                  </a:rPr>
-                  <a:t>Infine si calcola </a:t>
-                </a:r>
-                <a14:m>
-                  <m:oMath xmlns:m="http://schemas.openxmlformats.org/officeDocument/2006/math">
-                    <m:sSub>
-                      <m:sSubPr>
-                        <m:ctrlPr>
-                          <a:rPr lang="it-IT" sz="1400" b="0" i="1" smtClean="0">
-                            <a:latin typeface="Cambria Math" panose="02040503050406030204" pitchFamily="18" charset="0"/>
-                            <a:cs typeface="Arial" panose="020B0604020202020204" pitchFamily="34" charset="0"/>
-                          </a:rPr>
-                        </m:ctrlPr>
-                      </m:sSubPr>
-                      <m:e>
-                        <m:r>
-                          <a:rPr lang="it-IT" sz="1400" b="0" i="1" smtClean="0">
-                            <a:latin typeface="Cambria Math" panose="02040503050406030204" pitchFamily="18" charset="0"/>
-                            <a:cs typeface="Arial" panose="020B0604020202020204" pitchFamily="34" charset="0"/>
-                          </a:rPr>
-                          <m:t>𝑑</m:t>
-                        </m:r>
-                      </m:e>
-                      <m:sub>
-                        <m:r>
-                          <a:rPr lang="it-IT" sz="1400" b="0" i="1" smtClean="0">
-                            <a:latin typeface="Cambria Math" panose="02040503050406030204" pitchFamily="18" charset="0"/>
-                            <a:cs typeface="Arial" panose="020B0604020202020204" pitchFamily="34" charset="0"/>
-                          </a:rPr>
-                          <m:t>𝑘𝑝</m:t>
-                        </m:r>
-                      </m:sub>
-                    </m:sSub>
-                  </m:oMath>
-                </a14:m>
-                <a:r>
-                  <a:rPr lang="it-IT" sz="1400" dirty="0">
-                    <a:latin typeface="Arial" panose="020B0604020202020204" pitchFamily="34" charset="0"/>
-                    <a:cs typeface="Arial" panose="020B0604020202020204" pitchFamily="34" charset="0"/>
-                  </a:rPr>
-                  <a:t>:</a:t>
-                </a:r>
-              </a:p>
-            </p:txBody>
-          </p:sp>
-        </mc:Choice>
-        <mc:Fallback xmlns="">
-          <p:sp>
-            <p:nvSpPr>
-              <p:cNvPr id="26" name="CasellaDiTesto 25">
-                <a:extLst>
-                  <a:ext uri="{FF2B5EF4-FFF2-40B4-BE49-F238E27FC236}">
-                    <a16:creationId xmlns:a16="http://schemas.microsoft.com/office/drawing/2014/main" id="{B431A250-978E-46E5-B933-19E6232E36AE}"/>
-                  </a:ext>
-                </a:extLst>
-              </p:cNvPr>
-              <p:cNvSpPr txBox="1">
-                <a:spLocks noRot="1" noChangeAspect="1" noMove="1" noResize="1" noEditPoints="1" noAdjustHandles="1" noChangeArrowheads="1" noChangeShapeType="1" noTextEdit="1"/>
-              </p:cNvSpPr>
-              <p:nvPr/>
-            </p:nvSpPr>
-            <p:spPr>
-              <a:xfrm>
-                <a:off x="9062" y="1604059"/>
-                <a:ext cx="1917387" cy="324384"/>
-              </a:xfrm>
-              <a:prstGeom prst="rect">
-                <a:avLst/>
-              </a:prstGeom>
-              <a:blipFill>
-                <a:blip r:embed="rId11"/>
-                <a:stretch>
-                  <a:fillRect l="-952" t="-3774" b="-15094"/>
-                </a:stretch>
-              </a:blipFill>
-            </p:spPr>
-            <p:txBody>
-              <a:bodyPr/>
-              <a:lstStyle/>
-              <a:p>
-                <a:r>
-                  <a:rPr lang="it-IT">
-                    <a:noFill/>
-                  </a:rPr>
-                  <a:t> </a:t>
-                </a:r>
-              </a:p>
-            </p:txBody>
-          </p:sp>
-        </mc:Fallback>
-      </mc:AlternateContent>
+      <p:sp>
+        <p:nvSpPr>
+          <p:cNvPr id="26" name="CasellaDiTesto 25">
+            <a:extLst>
+              <a:ext uri="{FF2B5EF4-FFF2-40B4-BE49-F238E27FC236}">
+                <a16:creationId xmlns:a16="http://schemas.microsoft.com/office/drawing/2014/main" id="{B431A250-978E-46E5-B933-19E6232E36AE}"/>
+              </a:ext>
+            </a:extLst>
+          </p:cNvPr>
+          <p:cNvSpPr txBox="1"/>
+          <p:nvPr/>
+        </p:nvSpPr>
+        <p:spPr>
+          <a:xfrm>
+            <a:off x="297686" y="1593121"/>
+            <a:ext cx="1425433" cy="307777"/>
+          </a:xfrm>
+          <a:prstGeom prst="rect">
+            <a:avLst/>
+          </a:prstGeom>
+          <a:noFill/>
+        </p:spPr>
+        <p:txBody>
+          <a:bodyPr wrap="square" rtlCol="0">
+            <a:spAutoFit/>
+          </a:bodyPr>
+          <a:lstStyle/>
+          <a:p>
+            <a:r>
+              <a:rPr lang="it-IT" sz="1400" dirty="0">
+                <a:latin typeface="Arial" panose="020B0604020202020204" pitchFamily="34" charset="0"/>
+                <a:cs typeface="Arial" panose="020B0604020202020204" pitchFamily="34" charset="0"/>
+              </a:rPr>
+              <a:t>Infine si calcola</a:t>
+            </a:r>
+          </a:p>
+        </p:txBody>
+      </p:sp>
       <p:sp>
         <p:nvSpPr>
           <p:cNvPr id="30" name="CasellaDiTesto 29">
@@ -21923,7 +21824,7 @@
         </p:nvSpPr>
         <p:spPr>
           <a:xfrm>
-            <a:off x="1517904" y="2400351"/>
+            <a:off x="1837618" y="2418900"/>
             <a:ext cx="1171971" cy="307777"/>
           </a:xfrm>
           <a:prstGeom prst="rect">
@@ -21958,55 +21859,13 @@
           </p:cNvPr>
           <p:cNvCxnSpPr>
             <a:cxnSpLocks/>
-            <a:endCxn id="30" idx="0"/>
           </p:cNvCxnSpPr>
           <p:nvPr/>
         </p:nvCxnSpPr>
         <p:spPr>
           <a:xfrm>
-            <a:off x="2103889" y="1907660"/>
+            <a:off x="2441240" y="1922774"/>
             <a:ext cx="1" cy="492691"/>
-          </a:xfrm>
-          <a:prstGeom prst="straightConnector1">
-            <a:avLst/>
-          </a:prstGeom>
-          <a:ln>
-            <a:tailEnd type="triangle"/>
-          </a:ln>
-        </p:spPr>
-        <p:style>
-          <a:lnRef idx="2">
-            <a:schemeClr val="accent1"/>
-          </a:lnRef>
-          <a:fillRef idx="0">
-            <a:schemeClr val="accent1"/>
-          </a:fillRef>
-          <a:effectRef idx="1">
-            <a:schemeClr val="accent1"/>
-          </a:effectRef>
-          <a:fontRef idx="minor">
-            <a:schemeClr val="tx1"/>
-          </a:fontRef>
-        </p:style>
-      </p:cxnSp>
-      <p:cxnSp>
-        <p:nvCxnSpPr>
-          <p:cNvPr id="34" name="Connettore 2 33">
-            <a:extLst>
-              <a:ext uri="{FF2B5EF4-FFF2-40B4-BE49-F238E27FC236}">
-                <a16:creationId xmlns:a16="http://schemas.microsoft.com/office/drawing/2014/main" id="{6CAE33B5-8DD6-44E9-9D13-39C63D0F6B24}"/>
-              </a:ext>
-            </a:extLst>
-          </p:cNvPr>
-          <p:cNvCxnSpPr>
-            <a:cxnSpLocks/>
-          </p:cNvCxnSpPr>
-          <p:nvPr/>
-        </p:nvCxnSpPr>
-        <p:spPr>
-          <a:xfrm>
-            <a:off x="2103890" y="2708128"/>
-            <a:ext cx="0" cy="534153"/>
           </a:xfrm>
           <a:prstGeom prst="straightConnector1">
             <a:avLst/>
@@ -22283,10 +22142,10 @@
       </mc:AlternateContent>
       <p:pic>
         <p:nvPicPr>
-          <p:cNvPr id="41" name="Immagine 40">
+          <p:cNvPr id="8" name="Immagine 7">
             <a:extLst>
               <a:ext uri="{FF2B5EF4-FFF2-40B4-BE49-F238E27FC236}">
-                <a16:creationId xmlns:a16="http://schemas.microsoft.com/office/drawing/2014/main" id="{CF414978-8B26-4CBA-A5C6-D1CE39B4DCD7}"/>
+                <a16:creationId xmlns:a16="http://schemas.microsoft.com/office/drawing/2014/main" id="{10DA24C6-1EDA-42FE-8548-9089EACC598F}"/>
               </a:ext>
             </a:extLst>
           </p:cNvPr>
@@ -22307,8 +22166,8 @@
         </p:blipFill>
         <p:spPr>
           <a:xfrm>
-            <a:off x="5964030" y="3040221"/>
-            <a:ext cx="2571733" cy="200533"/>
+            <a:off x="5964030" y="3040220"/>
+            <a:ext cx="1351484" cy="201940"/>
           </a:xfrm>
           <a:prstGeom prst="rect">
             <a:avLst/>
@@ -22359,10 +22218,10 @@
       </p:sp>
       <p:pic>
         <p:nvPicPr>
-          <p:cNvPr id="4" name="Immagine 3">
+          <p:cNvPr id="13" name="Immagine 12">
             <a:extLst>
               <a:ext uri="{FF2B5EF4-FFF2-40B4-BE49-F238E27FC236}">
-                <a16:creationId xmlns:a16="http://schemas.microsoft.com/office/drawing/2014/main" id="{887120D8-B8CD-4D65-A0C4-925724C68F56}"/>
+                <a16:creationId xmlns:a16="http://schemas.microsoft.com/office/drawing/2014/main" id="{3F276095-E3A6-48BE-A9BA-92ABB2FC4EEA}"/>
               </a:ext>
             </a:extLst>
           </p:cNvPr>
@@ -22383,8 +22242,8 @@
         </p:blipFill>
         <p:spPr>
           <a:xfrm>
-            <a:off x="5964030" y="4086142"/>
-            <a:ext cx="1450238" cy="180056"/>
+            <a:off x="5964030" y="4086141"/>
+            <a:ext cx="1273247" cy="180394"/>
           </a:xfrm>
           <a:prstGeom prst="rect">
             <a:avLst/>
@@ -22597,10 +22456,10 @@
 <p:tagLst xmlns:a="http://schemas.openxmlformats.org/drawingml/2006/main" xmlns:r="http://schemas.openxmlformats.org/officeDocument/2006/relationships" xmlns:p="http://schemas.openxmlformats.org/presentationml/2006/main">
   <p:tag name="OUTPUTDPI" val="1200"/>
   <p:tag name="ORIGINALHEIGHT" val="140,9824"/>
-  <p:tag name="ORIGINALWIDTH" val="1808,024"/>
-  <p:tag name="LATEXADDIN" val="\documentclass{article}&#10;\usepackage{amsmath}&#10;\pagestyle{empty}&#10;\begin{document}&#10;&#10;\[T(step 1)=O(n) \times O(n) = O(n^2)\]&#10;&#10;&#10;\end{document}"/>
+  <p:tag name="ORIGINALWIDTH" val="950,1313"/>
+  <p:tag name="LATEXADDIN" val="\documentclass{article}&#10;\usepackage{amsmath}&#10;\pagestyle{empty}&#10;\begin{document}&#10;&#10;\[T(step 1) = O(n^2)\]&#10;&#10;&#10;\end{document}"/>
   <p:tag name="IGUANATEXSIZE" val="14"/>
-  <p:tag name="IGUANATEXCURSOR" val="120"/>
+  <p:tag name="IGUANATEXCURSOR" val="93"/>
   <p:tag name="TRANSPARENCY" val="Vero"/>
   <p:tag name="FILENAME" val=""/>
   <p:tag name="LATEXENGINEID" val="0"/>
@@ -22616,10 +22475,10 @@
 <p:tagLst xmlns:a="http://schemas.openxmlformats.org/drawingml/2006/main" xmlns:r="http://schemas.openxmlformats.org/officeDocument/2006/relationships" xmlns:p="http://schemas.openxmlformats.org/presentationml/2006/main">
   <p:tag name="OUTPUTDPI" val="1200"/>
   <p:tag name="ORIGINALHEIGHT" val="125,2343"/>
-  <p:tag name="ORIGINALWIDTH" val="1019,123"/>
-  <p:tag name="LATEXADDIN" val="\documentclass{article}&#10;\usepackage{amsmath}&#10;\pagestyle{empty}&#10;\begin{document}&#10;&#10; \[T(step 2)=O(n/2)\]&#10;&#10;&#10;\end{document}"/>
+  <p:tag name="ORIGINALWIDTH" val="894,6382"/>
+  <p:tag name="LATEXADDIN" val="\documentclass{article}&#10;\usepackage{amsmath}&#10;\pagestyle{empty}&#10;\begin{document}&#10;&#10; \[T(step 2)=O(n)\]&#10;&#10;&#10;\end{document}"/>
   <p:tag name="IGUANATEXSIZE" val="14"/>
-  <p:tag name="IGUANATEXCURSOR" val="92"/>
+  <p:tag name="IGUANATEXCURSOR" val="97"/>
   <p:tag name="TRANSPARENCY" val="Vero"/>
   <p:tag name="FILENAME" val=""/>
   <p:tag name="LATEXENGINEID" val="0"/>
@@ -22901,10 +22760,10 @@
 <p:tagLst xmlns:a="http://schemas.openxmlformats.org/drawingml/2006/main" xmlns:r="http://schemas.openxmlformats.org/officeDocument/2006/relationships" xmlns:p="http://schemas.openxmlformats.org/presentationml/2006/main">
   <p:tag name="OUTPUTDPI" val="1200"/>
   <p:tag name="ORIGINALHEIGHT" val="140,9824"/>
-  <p:tag name="ORIGINALWIDTH" val="1808,024"/>
-  <p:tag name="LATEXADDIN" val="\documentclass{article}&#10;\usepackage{amsmath}&#10;\pagestyle{empty}&#10;\begin{document}&#10;&#10; \[T(step1)=O(n) \times O(n)=O(n^2)\]&#10;&#10;&#10;\end{document}"/>
+  <p:tag name="ORIGINALWIDTH" val="950,1313"/>
+  <p:tag name="LATEXADDIN" val="\documentclass{article}&#10;\usepackage{amsmath}&#10;\pagestyle{empty}&#10;\begin{document}&#10;&#10; \[T(step1)=O(n^2)\]&#10;&#10;&#10;\end{document}"/>
   <p:tag name="IGUANATEXSIZE" val="20"/>
-  <p:tag name="IGUANATEXCURSOR" val="118"/>
+  <p:tag name="IGUANATEXCURSOR" val="92"/>
   <p:tag name="TRANSPARENCY" val="Vero"/>
   <p:tag name="FILENAME" val=""/>
   <p:tag name="LATEXENGINEID" val="0"/>

--- a/Discussione Laurea/Slides v.1.0.pptx
+++ b/Discussione Laurea/Slides v.1.0.pptx
@@ -5591,8 +5591,8 @@
           </a:p>
         </p:txBody>
       </p:sp>
-      <mc:AlternateContent xmlns:mc="http://schemas.openxmlformats.org/markup-compatibility/2006">
-        <mc:Choice xmlns:a14="http://schemas.microsoft.com/office/drawing/2010/main" Requires="a14">
+      <mc:AlternateContent xmlns:mc="http://schemas.openxmlformats.org/markup-compatibility/2006" xmlns:a14="http://schemas.microsoft.com/office/drawing/2010/main">
+        <mc:Choice Requires="a14">
           <p:sp>
             <p:nvSpPr>
               <p:cNvPr id="32" name="CasellaDiTesto 31">
@@ -5738,7 +5738,7 @@
             </p:txBody>
           </p:sp>
         </mc:Choice>
-        <mc:Fallback>
+        <mc:Fallback xmlns="">
           <p:sp>
             <p:nvSpPr>
               <p:cNvPr id="32" name="CasellaDiTesto 31">
@@ -8095,8 +8095,8 @@
           </a:fontRef>
         </p:style>
       </p:cxnSp>
-      <mc:AlternateContent xmlns:mc="http://schemas.openxmlformats.org/markup-compatibility/2006">
-        <mc:Choice xmlns:a14="http://schemas.microsoft.com/office/drawing/2010/main" Requires="a14">
+      <mc:AlternateContent xmlns:mc="http://schemas.openxmlformats.org/markup-compatibility/2006" xmlns:a14="http://schemas.microsoft.com/office/drawing/2010/main">
+        <mc:Choice Requires="a14">
           <p:sp>
             <p:nvSpPr>
               <p:cNvPr id="46" name="CasellaDiTesto 45">
@@ -8221,7 +8221,7 @@
             </p:txBody>
           </p:sp>
         </mc:Choice>
-        <mc:Fallback>
+        <mc:Fallback xmlns="">
           <p:sp>
             <p:nvSpPr>
               <p:cNvPr id="46" name="CasellaDiTesto 45">
@@ -9186,8 +9186,8 @@
           </a:fontRef>
         </p:style>
       </p:cxnSp>
-      <mc:AlternateContent xmlns:mc="http://schemas.openxmlformats.org/markup-compatibility/2006">
-        <mc:Choice xmlns:a14="http://schemas.microsoft.com/office/drawing/2010/main" Requires="a14">
+      <mc:AlternateContent xmlns:mc="http://schemas.openxmlformats.org/markup-compatibility/2006" xmlns:a14="http://schemas.microsoft.com/office/drawing/2010/main">
+        <mc:Choice Requires="a14">
           <p:sp>
             <p:nvSpPr>
               <p:cNvPr id="36" name="CasellaDiTesto 35">
@@ -9303,7 +9303,7 @@
             </p:txBody>
           </p:sp>
         </mc:Choice>
-        <mc:Fallback>
+        <mc:Fallback xmlns="">
           <p:sp>
             <p:nvSpPr>
               <p:cNvPr id="36" name="CasellaDiTesto 35">
@@ -10003,8 +10003,8 @@
           </a:fontRef>
         </p:style>
       </p:cxnSp>
-      <mc:AlternateContent xmlns:mc="http://schemas.openxmlformats.org/markup-compatibility/2006">
-        <mc:Choice xmlns:a14="http://schemas.microsoft.com/office/drawing/2010/main" Requires="a14">
+      <mc:AlternateContent xmlns:mc="http://schemas.openxmlformats.org/markup-compatibility/2006" xmlns:a14="http://schemas.microsoft.com/office/drawing/2010/main">
+        <mc:Choice Requires="a14">
           <p:sp>
             <p:nvSpPr>
               <p:cNvPr id="24" name="CasellaDiTesto 23">
@@ -10102,7 +10102,7 @@
             </p:txBody>
           </p:sp>
         </mc:Choice>
-        <mc:Fallback>
+        <mc:Fallback xmlns="">
           <p:sp>
             <p:nvSpPr>
               <p:cNvPr id="24" name="CasellaDiTesto 23">
@@ -12530,8 +12530,8 @@
           </a:fontRef>
         </p:style>
       </p:cxnSp>
-      <mc:AlternateContent xmlns:mc="http://schemas.openxmlformats.org/markup-compatibility/2006">
-        <mc:Choice xmlns:a14="http://schemas.microsoft.com/office/drawing/2010/main" Requires="a14">
+      <mc:AlternateContent xmlns:mc="http://schemas.openxmlformats.org/markup-compatibility/2006" xmlns:a14="http://schemas.microsoft.com/office/drawing/2010/main">
+        <mc:Choice Requires="a14">
           <p:sp>
             <p:nvSpPr>
               <p:cNvPr id="49" name="CasellaDiTesto 48">
@@ -12679,7 +12679,7 @@
             </p:txBody>
           </p:sp>
         </mc:Choice>
-        <mc:Fallback>
+        <mc:Fallback xmlns="">
           <p:sp>
             <p:nvSpPr>
               <p:cNvPr id="49" name="CasellaDiTesto 48">
@@ -17229,8 +17229,8 @@
           </a:p>
         </p:txBody>
       </p:sp>
-      <mc:AlternateContent xmlns:mc="http://schemas.openxmlformats.org/markup-compatibility/2006">
-        <mc:Choice xmlns:a14="http://schemas.microsoft.com/office/drawing/2010/main" Requires="a14">
+      <mc:AlternateContent xmlns:mc="http://schemas.openxmlformats.org/markup-compatibility/2006" xmlns:a14="http://schemas.microsoft.com/office/drawing/2010/main">
+        <mc:Choice Requires="a14">
           <p:sp>
             <p:nvSpPr>
               <p:cNvPr id="22" name="CasellaDiTesto 21">
@@ -17323,7 +17323,7 @@
             </p:txBody>
           </p:sp>
         </mc:Choice>
-        <mc:Fallback>
+        <mc:Fallback xmlns="">
           <p:sp>
             <p:nvSpPr>
               <p:cNvPr id="22" name="CasellaDiTesto 21">
@@ -17875,8 +17875,8 @@
           </a:fontRef>
         </p:style>
       </p:cxnSp>
-      <mc:AlternateContent xmlns:mc="http://schemas.openxmlformats.org/markup-compatibility/2006">
-        <mc:Choice xmlns:a14="http://schemas.microsoft.com/office/drawing/2010/main" Requires="a14">
+      <mc:AlternateContent xmlns:mc="http://schemas.openxmlformats.org/markup-compatibility/2006" xmlns:a14="http://schemas.microsoft.com/office/drawing/2010/main">
+        <mc:Choice Requires="a14">
           <p:sp>
             <p:nvSpPr>
               <p:cNvPr id="23" name="CasellaDiTesto 22">
@@ -17995,7 +17995,7 @@
             </p:txBody>
           </p:sp>
         </mc:Choice>
-        <mc:Fallback>
+        <mc:Fallback xmlns="">
           <p:sp>
             <p:nvSpPr>
               <p:cNvPr id="23" name="CasellaDiTesto 22">
@@ -19543,8 +19543,8 @@
           </a:prstGeom>
         </p:spPr>
       </p:pic>
-      <mc:AlternateContent xmlns:mc="http://schemas.openxmlformats.org/markup-compatibility/2006">
-        <mc:Choice xmlns:a14="http://schemas.microsoft.com/office/drawing/2010/main" Requires="a14">
+      <mc:AlternateContent xmlns:mc="http://schemas.openxmlformats.org/markup-compatibility/2006" xmlns:a14="http://schemas.microsoft.com/office/drawing/2010/main">
+        <mc:Choice Requires="a14">
           <p:sp>
             <p:nvSpPr>
               <p:cNvPr id="27" name="CasellaDiTesto 26">
@@ -19738,7 +19738,7 @@
             </p:txBody>
           </p:sp>
         </mc:Choice>
-        <mc:Fallback>
+        <mc:Fallback xmlns="">
           <p:sp>
             <p:nvSpPr>
               <p:cNvPr id="27" name="CasellaDiTesto 26">
@@ -19896,10 +19896,10 @@
       </p:pic>
       <p:pic>
         <p:nvPicPr>
-          <p:cNvPr id="42" name="Immagine 41">
+          <p:cNvPr id="5" name="Immagine 4">
             <a:extLst>
               <a:ext uri="{FF2B5EF4-FFF2-40B4-BE49-F238E27FC236}">
-                <a16:creationId xmlns:a16="http://schemas.microsoft.com/office/drawing/2014/main" id="{90C8C20A-4C3A-4039-8B10-7686F67703AB}"/>
+                <a16:creationId xmlns:a16="http://schemas.microsoft.com/office/drawing/2014/main" id="{071454B9-4F50-4BA8-88A6-2DD9FDCCD01E}"/>
               </a:ext>
             </a:extLst>
           </p:cNvPr>
@@ -19920,16 +19920,16 @@
         </p:blipFill>
         <p:spPr>
           <a:xfrm>
-            <a:off x="70297" y="4731440"/>
-            <a:ext cx="2517290" cy="433815"/>
+            <a:off x="70297" y="4731439"/>
+            <a:ext cx="2747914" cy="430514"/>
           </a:xfrm>
           <a:prstGeom prst="rect">
             <a:avLst/>
           </a:prstGeom>
         </p:spPr>
       </p:pic>
-      <mc:AlternateContent xmlns:mc="http://schemas.openxmlformats.org/markup-compatibility/2006">
-        <mc:Choice xmlns:a14="http://schemas.microsoft.com/office/drawing/2010/main" Requires="a14">
+      <mc:AlternateContent xmlns:mc="http://schemas.openxmlformats.org/markup-compatibility/2006" xmlns:a14="http://schemas.microsoft.com/office/drawing/2010/main">
+        <mc:Choice Requires="a14">
           <p:sp>
             <p:nvSpPr>
               <p:cNvPr id="43" name="CasellaDiTesto 42">
@@ -19958,6 +19958,7 @@
               </a:bodyPr>
               <a:lstStyle/>
               <a:p>
+                <a:pPr/>
                 <a14:m>
                   <m:oMathPara xmlns:m="http://schemas.openxmlformats.org/officeDocument/2006/math">
                     <m:oMathParaPr>
@@ -20010,7 +20011,7 @@
             </p:txBody>
           </p:sp>
         </mc:Choice>
-        <mc:Fallback>
+        <mc:Fallback xmlns="">
           <p:sp>
             <p:nvSpPr>
               <p:cNvPr id="43" name="CasellaDiTesto 42">
@@ -20093,8 +20094,8 @@
           </a:p>
         </p:txBody>
       </p:sp>
-      <mc:AlternateContent xmlns:mc="http://schemas.openxmlformats.org/markup-compatibility/2006" xmlns:a14="http://schemas.microsoft.com/office/drawing/2010/main">
-        <mc:Choice Requires="a14">
+      <mc:AlternateContent xmlns:mc="http://schemas.openxmlformats.org/markup-compatibility/2006">
+        <mc:Choice xmlns:a14="http://schemas.microsoft.com/office/drawing/2010/main" Requires="a14">
           <p:sp>
             <p:nvSpPr>
               <p:cNvPr id="54" name="CasellaDiTesto 53">
@@ -20149,10 +20150,10 @@
                       </m:sSubPr>
                       <m:e>
                         <m:r>
-                          <a:rPr lang="it-IT" sz="1400" i="1">
+                          <a:rPr lang="it-IT" sz="1400" b="0" i="1" smtClean="0">
                             <a:latin typeface="Cambria Math" panose="02040503050406030204" pitchFamily="18" charset="0"/>
                           </a:rPr>
-                          <m:t>𝐷</m:t>
+                          <m:t>𝑑</m:t>
                         </m:r>
                       </m:e>
                       <m:sub>
@@ -20197,10 +20198,10 @@
                       </m:sSubPr>
                       <m:e>
                         <m:r>
-                          <a:rPr lang="it-IT" sz="1400" i="1">
+                          <a:rPr lang="it-IT" sz="1400" b="0" i="1" smtClean="0">
                             <a:latin typeface="Cambria Math" panose="02040503050406030204" pitchFamily="18" charset="0"/>
                           </a:rPr>
-                          <m:t>𝐷</m:t>
+                          <m:t>𝑑</m:t>
                         </m:r>
                       </m:e>
                       <m:sub>
@@ -20228,7 +20229,7 @@
             </p:txBody>
           </p:sp>
         </mc:Choice>
-        <mc:Fallback xmlns="">
+        <mc:Fallback>
           <p:sp>
             <p:nvSpPr>
               <p:cNvPr id="54" name="CasellaDiTesto 53">
@@ -23063,11 +23064,11 @@
 <file path=ppt/tags/tag9.xml><?xml version="1.0" encoding="utf-8"?>
 <p:tagLst xmlns:a="http://schemas.openxmlformats.org/drawingml/2006/main" xmlns:r="http://schemas.openxmlformats.org/officeDocument/2006/relationships" xmlns:p="http://schemas.openxmlformats.org/presentationml/2006/main">
   <p:tag name="OUTPUTDPI" val="1200"/>
-  <p:tag name="ORIGINALHEIGHT" val="167,2291"/>
-  <p:tag name="ORIGINALWIDTH" val="970,3787"/>
-  <p:tag name="LATEXADDIN" val="\documentclass{article}&#10;\usepackage{amsmath}&#10;\pagestyle{empty}&#10;\begin{document}&#10;&#10;&#10;$d_{up}=\frac{d_{fu}+d_{bu}-d_{fb}}2$&#10;&#10;\end{document}"/>
+  <p:tag name="ORIGINALHEIGHT" val="165,7293"/>
+  <p:tag name="ORIGINALWIDTH" val="1058,868"/>
+  <p:tag name="LATEXADDIN" val="\documentclass{article}&#10;\usepackage{amsmath}&#10;\pagestyle{empty}&#10;\begin{document}&#10;&#10;&#10;$d_{up}=\frac{D_{fu}+D_{bu}-D_{fb}}2$&#10;&#10;\end{document}"/>
   <p:tag name="IGUANATEXSIZE" val="20"/>
-  <p:tag name="IGUANATEXCURSOR" val="119"/>
+  <p:tag name="IGUANATEXCURSOR" val="111"/>
   <p:tag name="TRANSPARENCY" val="Vero"/>
   <p:tag name="FILENAME" val=""/>
   <p:tag name="LATEXENGINEID" val="0"/>

--- a/Discussione Laurea/Slides v.1.0.pptx
+++ b/Discussione Laurea/Slides v.1.0.pptx
@@ -229,7 +229,7 @@
             <a:fld id="{45BF3CCC-77DD-F84F-A249-CA3C5045A043}" type="datetime1">
               <a:rPr lang="it-IT" smtClean="0"/>
               <a:pPr/>
-              <a:t>07/07/2019</a:t>
+              <a:t>09/07/2019</a:t>
             </a:fld>
             <a:endParaRPr lang="it-IT"/>
           </a:p>
@@ -397,7 +397,7 @@
             <a:fld id="{FE692227-D6DC-FD45-9507-DB2BAD58473C}" type="datetime1">
               <a:rPr lang="it-IT" smtClean="0"/>
               <a:pPr/>
-              <a:t>07/07/2019</a:t>
+              <a:t>09/07/2019</a:t>
             </a:fld>
             <a:endParaRPr lang="it-IT"/>
           </a:p>
@@ -2291,7 +2291,7 @@
             <a:fld id="{AD8BF249-6BAC-CD40-AAE9-334F110649E5}" type="datetimeFigureOut">
               <a:rPr lang="it-IT" smtClean="0"/>
               <a:pPr/>
-              <a:t>07/07/2019</a:t>
+              <a:t>09/07/2019</a:t>
             </a:fld>
             <a:endParaRPr lang="it-IT"/>
           </a:p>
@@ -2461,7 +2461,7 @@
             <a:fld id="{AD8BF249-6BAC-CD40-AAE9-334F110649E5}" type="datetimeFigureOut">
               <a:rPr lang="it-IT" smtClean="0"/>
               <a:pPr/>
-              <a:t>07/07/2019</a:t>
+              <a:t>09/07/2019</a:t>
             </a:fld>
             <a:endParaRPr lang="it-IT"/>
           </a:p>
@@ -2641,7 +2641,7 @@
             <a:fld id="{AD8BF249-6BAC-CD40-AAE9-334F110649E5}" type="datetimeFigureOut">
               <a:rPr lang="it-IT" smtClean="0"/>
               <a:pPr/>
-              <a:t>07/07/2019</a:t>
+              <a:t>09/07/2019</a:t>
             </a:fld>
             <a:endParaRPr lang="it-IT"/>
           </a:p>
@@ -2811,7 +2811,7 @@
             <a:fld id="{AD8BF249-6BAC-CD40-AAE9-334F110649E5}" type="datetimeFigureOut">
               <a:rPr lang="it-IT" smtClean="0"/>
               <a:pPr/>
-              <a:t>07/07/2019</a:t>
+              <a:t>09/07/2019</a:t>
             </a:fld>
             <a:endParaRPr lang="it-IT"/>
           </a:p>
@@ -3058,7 +3058,7 @@
             <a:fld id="{AD8BF249-6BAC-CD40-AAE9-334F110649E5}" type="datetimeFigureOut">
               <a:rPr lang="it-IT" smtClean="0"/>
               <a:pPr/>
-              <a:t>07/07/2019</a:t>
+              <a:t>09/07/2019</a:t>
             </a:fld>
             <a:endParaRPr lang="it-IT"/>
           </a:p>
@@ -3345,7 +3345,7 @@
             <a:fld id="{AD8BF249-6BAC-CD40-AAE9-334F110649E5}" type="datetimeFigureOut">
               <a:rPr lang="it-IT" smtClean="0"/>
               <a:pPr/>
-              <a:t>07/07/2019</a:t>
+              <a:t>09/07/2019</a:t>
             </a:fld>
             <a:endParaRPr lang="it-IT"/>
           </a:p>
@@ -3766,7 +3766,7 @@
             <a:fld id="{AD8BF249-6BAC-CD40-AAE9-334F110649E5}" type="datetimeFigureOut">
               <a:rPr lang="it-IT" smtClean="0"/>
               <a:pPr/>
-              <a:t>07/07/2019</a:t>
+              <a:t>09/07/2019</a:t>
             </a:fld>
             <a:endParaRPr lang="it-IT"/>
           </a:p>
@@ -3885,7 +3885,7 @@
             <a:fld id="{AD8BF249-6BAC-CD40-AAE9-334F110649E5}" type="datetimeFigureOut">
               <a:rPr lang="it-IT" smtClean="0"/>
               <a:pPr/>
-              <a:t>07/07/2019</a:t>
+              <a:t>09/07/2019</a:t>
             </a:fld>
             <a:endParaRPr lang="it-IT"/>
           </a:p>
@@ -3982,7 +3982,7 @@
             <a:fld id="{AD8BF249-6BAC-CD40-AAE9-334F110649E5}" type="datetimeFigureOut">
               <a:rPr lang="it-IT" smtClean="0"/>
               <a:pPr/>
-              <a:t>07/07/2019</a:t>
+              <a:t>09/07/2019</a:t>
             </a:fld>
             <a:endParaRPr lang="it-IT"/>
           </a:p>
@@ -4259,7 +4259,7 @@
             <a:fld id="{AD8BF249-6BAC-CD40-AAE9-334F110649E5}" type="datetimeFigureOut">
               <a:rPr lang="it-IT" smtClean="0"/>
               <a:pPr/>
-              <a:t>07/07/2019</a:t>
+              <a:t>09/07/2019</a:t>
             </a:fld>
             <a:endParaRPr lang="it-IT"/>
           </a:p>
@@ -4513,7 +4513,7 @@
             <a:fld id="{AD8BF249-6BAC-CD40-AAE9-334F110649E5}" type="datetimeFigureOut">
               <a:rPr lang="it-IT" smtClean="0"/>
               <a:pPr/>
-              <a:t>07/07/2019</a:t>
+              <a:t>09/07/2019</a:t>
             </a:fld>
             <a:endParaRPr lang="it-IT"/>
           </a:p>
@@ -4726,7 +4726,7 @@
             <a:fld id="{AD8BF249-6BAC-CD40-AAE9-334F110649E5}" type="datetimeFigureOut">
               <a:rPr lang="it-IT" smtClean="0"/>
               <a:pPr/>
-              <a:t>07/07/2019</a:t>
+              <a:t>09/07/2019</a:t>
             </a:fld>
             <a:endParaRPr lang="it-IT"/>
           </a:p>
@@ -7746,10 +7746,10 @@
       </mc:AlternateContent>
       <p:pic>
         <p:nvPicPr>
-          <p:cNvPr id="8" name="Immagine 7">
+          <p:cNvPr id="4" name="Immagine 3">
             <a:extLst>
               <a:ext uri="{FF2B5EF4-FFF2-40B4-BE49-F238E27FC236}">
-                <a16:creationId xmlns:a16="http://schemas.microsoft.com/office/drawing/2014/main" id="{08CC85AA-D08E-430C-93D5-AC913944FDD7}"/>
+                <a16:creationId xmlns:a16="http://schemas.microsoft.com/office/drawing/2014/main" id="{A118652F-B981-4BA7-9111-BA551DADAF5A}"/>
               </a:ext>
             </a:extLst>
           </p:cNvPr>
@@ -7771,7 +7771,7 @@
         <p:spPr>
           <a:xfrm>
             <a:off x="2988285" y="2351483"/>
-            <a:ext cx="4583989" cy="488060"/>
+            <a:ext cx="3648289" cy="489340"/>
           </a:xfrm>
           <a:prstGeom prst="rect">
             <a:avLst/>
@@ -7945,10 +7945,10 @@
       </mc:AlternateContent>
       <p:pic>
         <p:nvPicPr>
-          <p:cNvPr id="22" name="Immagine 21">
+          <p:cNvPr id="9" name="Immagine 8">
             <a:extLst>
               <a:ext uri="{FF2B5EF4-FFF2-40B4-BE49-F238E27FC236}">
-                <a16:creationId xmlns:a16="http://schemas.microsoft.com/office/drawing/2014/main" id="{9BD5B4D5-AD95-413E-9CA6-556B9A31D1DE}"/>
+                <a16:creationId xmlns:a16="http://schemas.microsoft.com/office/drawing/2014/main" id="{AC6916A2-01F7-41F1-A401-F48BA0AC1F85}"/>
               </a:ext>
             </a:extLst>
           </p:cNvPr>
@@ -7969,8 +7969,8 @@
         </p:blipFill>
         <p:spPr>
           <a:xfrm>
-            <a:off x="4300313" y="3256490"/>
-            <a:ext cx="4837368" cy="522022"/>
+            <a:off x="4300313" y="3256489"/>
+            <a:ext cx="3517556" cy="513522"/>
           </a:xfrm>
           <a:prstGeom prst="rect">
             <a:avLst/>
@@ -7979,10 +7979,10 @@
       </p:pic>
       <p:pic>
         <p:nvPicPr>
-          <p:cNvPr id="26" name="Immagine 25">
+          <p:cNvPr id="16" name="Immagine 15">
             <a:extLst>
               <a:ext uri="{FF2B5EF4-FFF2-40B4-BE49-F238E27FC236}">
-                <a16:creationId xmlns:a16="http://schemas.microsoft.com/office/drawing/2014/main" id="{20476C1E-3F23-4380-9504-D02F36DD70B2}"/>
+                <a16:creationId xmlns:a16="http://schemas.microsoft.com/office/drawing/2014/main" id="{1A9AAFC1-7A9D-46F6-9750-FD6572F350AA}"/>
               </a:ext>
             </a:extLst>
           </p:cNvPr>
@@ -8004,7 +8004,7 @@
         <p:spPr>
           <a:xfrm>
             <a:off x="4299308" y="3877673"/>
-            <a:ext cx="4804558" cy="522453"/>
+            <a:ext cx="3485448" cy="513946"/>
           </a:xfrm>
           <a:prstGeom prst="rect">
             <a:avLst/>
@@ -13686,8 +13686,8 @@
             </p:nvSpPr>
             <p:spPr>
               <a:xfrm>
-                <a:off x="6862439" y="2238007"/>
-                <a:ext cx="2282354" cy="738664"/>
+                <a:off x="6638489" y="2374197"/>
+                <a:ext cx="2504535" cy="523220"/>
               </a:xfrm>
               <a:prstGeom prst="rect">
                 <a:avLst/>
@@ -13705,7 +13705,7 @@
                     <a:latin typeface="Arial" panose="020B0604020202020204" pitchFamily="34" charset="0"/>
                     <a:cs typeface="Arial" panose="020B0604020202020204" pitchFamily="34" charset="0"/>
                   </a:rPr>
-                  <a:t>Esegui gli step fino a che non ottieni una matrice di dimensione </a:t>
+                  <a:t>Esegui gli step fino a che non ottieni una matrice </a:t>
                 </a:r>
                 <a14:m>
                   <m:oMath xmlns:m="http://schemas.openxmlformats.org/officeDocument/2006/math">
@@ -13714,7 +13714,7 @@
                         <a:latin typeface="Cambria Math" panose="02040503050406030204" pitchFamily="18" charset="0"/>
                         <a:cs typeface="Arial" panose="020B0604020202020204" pitchFamily="34" charset="0"/>
                       </a:rPr>
-                      <m:t>2</m:t>
+                      <m:t>1</m:t>
                     </m:r>
                     <m:r>
                       <a:rPr lang="it-IT" sz="1400" b="0" i="1" smtClean="0">
@@ -13722,7 +13722,7 @@
                         <a:ea typeface="Cambria Math" panose="02040503050406030204" pitchFamily="18" charset="0"/>
                         <a:cs typeface="Arial" panose="020B0604020202020204" pitchFamily="34" charset="0"/>
                       </a:rPr>
-                      <m:t>×2</m:t>
+                      <m:t>×1</m:t>
                     </m:r>
                   </m:oMath>
                 </a14:m>
@@ -13754,8 +13754,8 @@
             </p:nvSpPr>
             <p:spPr>
               <a:xfrm>
-                <a:off x="6862439" y="2238007"/>
-                <a:ext cx="2282354" cy="738664"/>
+                <a:off x="6638489" y="2374197"/>
+                <a:ext cx="2504535" cy="523220"/>
               </a:xfrm>
               <a:prstGeom prst="rect">
                 <a:avLst/>
@@ -13763,7 +13763,7 @@
               <a:blipFill>
                 <a:blip r:embed="rId10"/>
                 <a:stretch>
-                  <a:fillRect l="-802" t="-1653" b="-8264"/>
+                  <a:fillRect l="-730" t="-1163" r="-2433" b="-11628"/>
                 </a:stretch>
               </a:blipFill>
             </p:spPr>
@@ -13796,8 +13796,8 @@
         </p:nvSpPr>
         <p:spPr>
           <a:xfrm>
-            <a:off x="6033740" y="2526196"/>
-            <a:ext cx="736846" cy="142078"/>
+            <a:off x="6033950" y="2509045"/>
+            <a:ext cx="483119" cy="142643"/>
           </a:xfrm>
           <a:prstGeom prst="rightArrow">
             <a:avLst/>
@@ -13826,36 +13826,6 @@
           </a:p>
         </p:txBody>
       </p:sp>
-      <p:pic>
-        <p:nvPicPr>
-          <p:cNvPr id="17" name="Immagine 16">
-            <a:extLst>
-              <a:ext uri="{FF2B5EF4-FFF2-40B4-BE49-F238E27FC236}">
-                <a16:creationId xmlns:a16="http://schemas.microsoft.com/office/drawing/2014/main" id="{10AA3CA1-7437-4E5E-817D-B8DFF2F1DF8D}"/>
-              </a:ext>
-            </a:extLst>
-          </p:cNvPr>
-          <p:cNvPicPr>
-            <a:picLocks noChangeAspect="1"/>
-          </p:cNvPicPr>
-          <p:nvPr/>
-        </p:nvPicPr>
-        <p:blipFill>
-          <a:blip r:embed="rId11"/>
-          <a:stretch>
-            <a:fillRect/>
-          </a:stretch>
-        </p:blipFill>
-        <p:spPr>
-          <a:xfrm>
-            <a:off x="699870" y="3390754"/>
-            <a:ext cx="2276533" cy="778814"/>
-          </a:xfrm>
-          <a:prstGeom prst="rect">
-            <a:avLst/>
-          </a:prstGeom>
-        </p:spPr>
-      </p:pic>
       <p:sp>
         <p:nvSpPr>
           <p:cNvPr id="36" name="Freccia a destra 35">
@@ -14245,6 +14215,36 @@
           </a:fontRef>
         </p:style>
       </p:cxnSp>
+      <p:pic>
+        <p:nvPicPr>
+          <p:cNvPr id="3" name="Immagine 2">
+            <a:extLst>
+              <a:ext uri="{FF2B5EF4-FFF2-40B4-BE49-F238E27FC236}">
+                <a16:creationId xmlns:a16="http://schemas.microsoft.com/office/drawing/2014/main" id="{C656466D-BD8A-4154-9BAD-4E9EC7A50E66}"/>
+              </a:ext>
+            </a:extLst>
+          </p:cNvPr>
+          <p:cNvPicPr>
+            <a:picLocks noChangeAspect="1"/>
+          </p:cNvPicPr>
+          <p:nvPr/>
+        </p:nvPicPr>
+        <p:blipFill>
+          <a:blip r:embed="rId14"/>
+          <a:stretch>
+            <a:fillRect/>
+          </a:stretch>
+        </p:blipFill>
+        <p:spPr>
+          <a:xfrm>
+            <a:off x="715180" y="3530079"/>
+            <a:ext cx="2307615" cy="619124"/>
+          </a:xfrm>
+          <a:prstGeom prst="rect">
+            <a:avLst/>
+          </a:prstGeom>
+        </p:spPr>
+      </p:pic>
     </p:spTree>
     <p:extLst>
       <p:ext uri="{BB962C8B-B14F-4D97-AF65-F5344CB8AC3E}">
@@ -14716,7 +14716,7 @@
                         <a:latin typeface="Cambria Math" panose="02040503050406030204" pitchFamily="18" charset="0"/>
                         <a:cs typeface="Arial" panose="020B0604020202020204" pitchFamily="34" charset="0"/>
                       </a:rPr>
-                      <m:t>−2</m:t>
+                      <m:t>−1</m:t>
                     </m:r>
                   </m:oMath>
                 </a14:m>
@@ -14730,11 +14730,12 @@
                 <a14:m>
                   <m:oMath xmlns:m="http://schemas.openxmlformats.org/officeDocument/2006/math">
                     <m:r>
-                      <a:rPr lang="it-IT" sz="1400" b="0" i="1" smtClean="0">
+                      <a:rPr lang="it-IT" sz="1400" b="0" i="0" smtClean="0">
                         <a:latin typeface="Cambria Math" panose="02040503050406030204" pitchFamily="18" charset="0"/>
+                        <a:ea typeface="Cambria Math" panose="02040503050406030204" pitchFamily="18" charset="0"/>
                         <a:cs typeface="Arial" panose="020B0604020202020204" pitchFamily="34" charset="0"/>
                       </a:rPr>
-                      <m:t>2</m:t>
+                      <m:t>1</m:t>
                     </m:r>
                     <m:r>
                       <a:rPr lang="it-IT" sz="1400" b="0" i="1" smtClean="0">
@@ -14742,7 +14743,7 @@
                         <a:ea typeface="Cambria Math" panose="02040503050406030204" pitchFamily="18" charset="0"/>
                         <a:cs typeface="Arial" panose="020B0604020202020204" pitchFamily="34" charset="0"/>
                       </a:rPr>
-                      <m:t>×2</m:t>
+                      <m:t>×1</m:t>
                     </m:r>
                   </m:oMath>
                 </a14:m>
@@ -14786,7 +14787,7 @@
                         <a:cs typeface="Arial" panose="020B0604020202020204" pitchFamily="34" charset="0"/>
                         <a:sym typeface="Wingdings" panose="05000000000000000000" pitchFamily="2" charset="2"/>
                       </a:rPr>
-                      <m:t>−2</m:t>
+                      <m:t>−1</m:t>
                     </m:r>
                     <m:r>
                       <a:rPr lang="it-IT" sz="1400" i="1">
@@ -14853,10 +14854,10 @@
       </mc:AlternateContent>
       <p:pic>
         <p:nvPicPr>
-          <p:cNvPr id="5" name="Immagine 4">
+          <p:cNvPr id="4" name="Immagine 3">
             <a:extLst>
               <a:ext uri="{FF2B5EF4-FFF2-40B4-BE49-F238E27FC236}">
-                <a16:creationId xmlns:a16="http://schemas.microsoft.com/office/drawing/2014/main" id="{8CD65936-78F3-4826-B7B2-81CAA1D1C501}"/>
+                <a16:creationId xmlns:a16="http://schemas.microsoft.com/office/drawing/2014/main" id="{06AA4C96-487C-4655-BC30-3B9A243B02AD}"/>
               </a:ext>
             </a:extLst>
           </p:cNvPr>
@@ -14877,8 +14878,8 @@
         </p:blipFill>
         <p:spPr>
           <a:xfrm>
-            <a:off x="2282536" y="2871698"/>
-            <a:ext cx="4596868" cy="257615"/>
+            <a:off x="2282536" y="2871699"/>
+            <a:ext cx="4597200" cy="259423"/>
           </a:xfrm>
           <a:prstGeom prst="rect">
             <a:avLst/>
@@ -20094,8 +20095,8 @@
           </a:p>
         </p:txBody>
       </p:sp>
-      <mc:AlternateContent xmlns:mc="http://schemas.openxmlformats.org/markup-compatibility/2006">
-        <mc:Choice xmlns:a14="http://schemas.microsoft.com/office/drawing/2010/main" Requires="a14">
+      <mc:AlternateContent xmlns:mc="http://schemas.openxmlformats.org/markup-compatibility/2006" xmlns:a14="http://schemas.microsoft.com/office/drawing/2010/main">
+        <mc:Choice Requires="a14">
           <p:sp>
             <p:nvSpPr>
               <p:cNvPr id="54" name="CasellaDiTesto 53">
@@ -20229,7 +20230,7 @@
             </p:txBody>
           </p:sp>
         </mc:Choice>
-        <mc:Fallback>
+        <mc:Fallback xmlns="">
           <p:sp>
             <p:nvSpPr>
               <p:cNvPr id="54" name="CasellaDiTesto 53">
@@ -22647,10 +22648,10 @@
 <p:tagLst xmlns:a="http://schemas.openxmlformats.org/drawingml/2006/main" xmlns:r="http://schemas.openxmlformats.org/officeDocument/2006/relationships" xmlns:p="http://schemas.openxmlformats.org/presentationml/2006/main">
   <p:tag name="OUTPUTDPI" val="1200"/>
   <p:tag name="ORIGINALHEIGHT" val="273,7158"/>
-  <p:tag name="ORIGINALWIDTH" val="2920,885"/>
-  <p:tag name="LATEXADDIN" val="\documentclass{article}&#10;\usepackage{amsmath}&#10;\pagestyle{empty}&#10;\begin{document}&#10;&#10;\[\Delta_{fb}=\frac{\sum_{k=1}^{n}D(f,k)-\sum_{k=1}^{n}D(b,k)}{n-2}=\frac{10-12}{4-2}=-1\]&#10;&#10;&#10;\end{document}"/>
+  <p:tag name="ORIGINALWIDTH" val="2323,959"/>
+  <p:tag name="LATEXADDIN" val="\documentclass{article}&#10;\usepackage{amsmath}&#10;\pagestyle{empty}&#10;\begin{document}&#10;&#10;\[\Delta_{fb}=\frac{\sum_{k=1}^{n}D(f,k)-\sum_{k=1}^{n}D(b,k)}{n-2}=-1\]&#10;&#10;&#10;\end{document}"/>
   <p:tag name="IGUANATEXSIZE" val="14"/>
-  <p:tag name="IGUANATEXCURSOR" val="142"/>
+  <p:tag name="IGUANATEXCURSOR" val="148"/>
   <p:tag name="TRANSPARENCY" val="Vero"/>
   <p:tag name="FILENAME" val=""/>
   <p:tag name="LATEXENGINEID" val="0"/>
@@ -22665,11 +22666,11 @@
 <file path=ppt/tags/tag23.xml><?xml version="1.0" encoding="utf-8"?>
 <p:tagLst xmlns:a="http://schemas.openxmlformats.org/drawingml/2006/main" xmlns:r="http://schemas.openxmlformats.org/officeDocument/2006/relationships" xmlns:p="http://schemas.openxmlformats.org/presentationml/2006/main">
   <p:tag name="OUTPUTDPI" val="1200"/>
-  <p:tag name="ORIGINALHEIGHT" val="263,2171"/>
-  <p:tag name="ORIGINALWIDTH" val="2440,195"/>
-  <p:tag name="LATEXADDIN" val="\documentclass{article}&#10;\usepackage{amsmath}&#10;\pagestyle{empty}&#10;\begin{document}&#10;&#10;&#10;\[edgeweight(f)=\frac{D_{fb}+\Delta_{fb}}{2}=\frac{3+(-1)}{2}=1\]&#10;&#10;\end{document}"/>
+  <p:tag name="ORIGINALHEIGHT" val="258,7177"/>
+  <p:tag name="ORIGINALWIDTH" val="1774,278"/>
+  <p:tag name="LATEXADDIN" val="\documentclass{article}&#10;\usepackage{amsmath}&#10;\pagestyle{empty}&#10;\begin{document}&#10;&#10;&#10;\[edgeweight(f)=\frac{D_{fb}+\Delta_{fb}}{2}=1\]&#10;&#10;\end{document}"/>
   <p:tag name="IGUANATEXSIZE" val="20"/>
-  <p:tag name="IGUANATEXCURSOR" val="84"/>
+  <p:tag name="IGUANATEXCURSOR" val="126"/>
   <p:tag name="TRANSPARENCY" val="Vero"/>
   <p:tag name="FILENAME" val=""/>
   <p:tag name="LATEXENGINEID" val="0"/>
@@ -22684,11 +22685,11 @@
 <file path=ppt/tags/tag24.xml><?xml version="1.0" encoding="utf-8"?>
 <p:tagLst xmlns:a="http://schemas.openxmlformats.org/drawingml/2006/main" xmlns:r="http://schemas.openxmlformats.org/officeDocument/2006/relationships" xmlns:p="http://schemas.openxmlformats.org/presentationml/2006/main">
   <p:tag name="OUTPUTDPI" val="1200"/>
-  <p:tag name="ORIGINALHEIGHT" val="263,2171"/>
-  <p:tag name="ORIGINALWIDTH" val="2422,947"/>
-  <p:tag name="LATEXADDIN" val="\documentclass{article}&#10;\usepackage{amsmath}&#10;\pagestyle{empty}&#10;\begin{document}&#10;&#10;&#10;\[edgeweight(b)=\frac{D_{fb}-\Delta_{fb}}{2}=\frac{3-(-1)}{2}=2\]&#10;&#10;\end{document}"/>
+  <p:tag name="ORIGINALHEIGHT" val="258,7177"/>
+  <p:tag name="ORIGINALWIDTH" val="1757,03"/>
+  <p:tag name="LATEXADDIN" val="\documentclass{article}&#10;\usepackage{amsmath}&#10;\pagestyle{empty}&#10;\begin{document}&#10;&#10;&#10;\[edgeweight(b)=\frac{D_{fb}-\Delta_{fb}}{2}=2\]&#10;&#10;\end{document}"/>
   <p:tag name="IGUANATEXSIZE" val="20"/>
-  <p:tag name="IGUANATEXCURSOR" val="94"/>
+  <p:tag name="IGUANATEXCURSOR" val="127"/>
   <p:tag name="TRANSPARENCY" val="Vero"/>
   <p:tag name="FILENAME" val=""/>
   <p:tag name="LATEXENGINEID" val="0"/>
@@ -22952,9 +22953,9 @@
   <p:tag name="OUTPUTDPI" val="1200"/>
   <p:tag name="ORIGINALHEIGHT" val="140,9824"/>
   <p:tag name="ORIGINALWIDTH" val="2533,183"/>
-  <p:tag name="LATEXADDIN" val="\documentclass{article}&#10;\usepackage{amsmath}&#10;\pagestyle{empty}&#10;\begin{document}&#10;&#10;&#10;\[T(Totale)=T(UPGMA) \times O(n-2)\simeq O(n^2)\]&#10;&#10;\end{document}"/>
+  <p:tag name="LATEXADDIN" val="\documentclass{article}&#10;\usepackage{amsmath}&#10;\pagestyle{empty}&#10;\begin{document}&#10;&#10;&#10;\[T(Totale)=T(UPGMA) \times O(n-1)\simeq O(n^2)\]&#10;&#10;\end{document}"/>
   <p:tag name="IGUANATEXSIZE" val="20"/>
-  <p:tag name="IGUANATEXCURSOR" val="122"/>
+  <p:tag name="IGUANATEXCURSOR" val="115"/>
   <p:tag name="TRANSPARENCY" val="Vero"/>
   <p:tag name="FILENAME" val=""/>
   <p:tag name="LATEXENGINEID" val="0"/>

--- a/Discussione Laurea/Slides v.1.0.pptx
+++ b/Discussione Laurea/Slides v.1.0.pptx
@@ -229,7 +229,7 @@
             <a:fld id="{45BF3CCC-77DD-F84F-A249-CA3C5045A043}" type="datetime1">
               <a:rPr lang="it-IT" smtClean="0"/>
               <a:pPr/>
-              <a:t>09/07/2019</a:t>
+              <a:t>10/07/2019</a:t>
             </a:fld>
             <a:endParaRPr lang="it-IT"/>
           </a:p>
@@ -397,7 +397,7 @@
             <a:fld id="{FE692227-D6DC-FD45-9507-DB2BAD58473C}" type="datetime1">
               <a:rPr lang="it-IT" smtClean="0"/>
               <a:pPr/>
-              <a:t>09/07/2019</a:t>
+              <a:t>10/07/2019</a:t>
             </a:fld>
             <a:endParaRPr lang="it-IT"/>
           </a:p>
@@ -2291,7 +2291,7 @@
             <a:fld id="{AD8BF249-6BAC-CD40-AAE9-334F110649E5}" type="datetimeFigureOut">
               <a:rPr lang="it-IT" smtClean="0"/>
               <a:pPr/>
-              <a:t>09/07/2019</a:t>
+              <a:t>10/07/2019</a:t>
             </a:fld>
             <a:endParaRPr lang="it-IT"/>
           </a:p>
@@ -2461,7 +2461,7 @@
             <a:fld id="{AD8BF249-6BAC-CD40-AAE9-334F110649E5}" type="datetimeFigureOut">
               <a:rPr lang="it-IT" smtClean="0"/>
               <a:pPr/>
-              <a:t>09/07/2019</a:t>
+              <a:t>10/07/2019</a:t>
             </a:fld>
             <a:endParaRPr lang="it-IT"/>
           </a:p>
@@ -2641,7 +2641,7 @@
             <a:fld id="{AD8BF249-6BAC-CD40-AAE9-334F110649E5}" type="datetimeFigureOut">
               <a:rPr lang="it-IT" smtClean="0"/>
               <a:pPr/>
-              <a:t>09/07/2019</a:t>
+              <a:t>10/07/2019</a:t>
             </a:fld>
             <a:endParaRPr lang="it-IT"/>
           </a:p>
@@ -2811,7 +2811,7 @@
             <a:fld id="{AD8BF249-6BAC-CD40-AAE9-334F110649E5}" type="datetimeFigureOut">
               <a:rPr lang="it-IT" smtClean="0"/>
               <a:pPr/>
-              <a:t>09/07/2019</a:t>
+              <a:t>10/07/2019</a:t>
             </a:fld>
             <a:endParaRPr lang="it-IT"/>
           </a:p>
@@ -3058,7 +3058,7 @@
             <a:fld id="{AD8BF249-6BAC-CD40-AAE9-334F110649E5}" type="datetimeFigureOut">
               <a:rPr lang="it-IT" smtClean="0"/>
               <a:pPr/>
-              <a:t>09/07/2019</a:t>
+              <a:t>10/07/2019</a:t>
             </a:fld>
             <a:endParaRPr lang="it-IT"/>
           </a:p>
@@ -3345,7 +3345,7 @@
             <a:fld id="{AD8BF249-6BAC-CD40-AAE9-334F110649E5}" type="datetimeFigureOut">
               <a:rPr lang="it-IT" smtClean="0"/>
               <a:pPr/>
-              <a:t>09/07/2019</a:t>
+              <a:t>10/07/2019</a:t>
             </a:fld>
             <a:endParaRPr lang="it-IT"/>
           </a:p>
@@ -3766,7 +3766,7 @@
             <a:fld id="{AD8BF249-6BAC-CD40-AAE9-334F110649E5}" type="datetimeFigureOut">
               <a:rPr lang="it-IT" smtClean="0"/>
               <a:pPr/>
-              <a:t>09/07/2019</a:t>
+              <a:t>10/07/2019</a:t>
             </a:fld>
             <a:endParaRPr lang="it-IT"/>
           </a:p>
@@ -3885,7 +3885,7 @@
             <a:fld id="{AD8BF249-6BAC-CD40-AAE9-334F110649E5}" type="datetimeFigureOut">
               <a:rPr lang="it-IT" smtClean="0"/>
               <a:pPr/>
-              <a:t>09/07/2019</a:t>
+              <a:t>10/07/2019</a:t>
             </a:fld>
             <a:endParaRPr lang="it-IT"/>
           </a:p>
@@ -3982,7 +3982,7 @@
             <a:fld id="{AD8BF249-6BAC-CD40-AAE9-334F110649E5}" type="datetimeFigureOut">
               <a:rPr lang="it-IT" smtClean="0"/>
               <a:pPr/>
-              <a:t>09/07/2019</a:t>
+              <a:t>10/07/2019</a:t>
             </a:fld>
             <a:endParaRPr lang="it-IT"/>
           </a:p>
@@ -4259,7 +4259,7 @@
             <a:fld id="{AD8BF249-6BAC-CD40-AAE9-334F110649E5}" type="datetimeFigureOut">
               <a:rPr lang="it-IT" smtClean="0"/>
               <a:pPr/>
-              <a:t>09/07/2019</a:t>
+              <a:t>10/07/2019</a:t>
             </a:fld>
             <a:endParaRPr lang="it-IT"/>
           </a:p>
@@ -4513,7 +4513,7 @@
             <a:fld id="{AD8BF249-6BAC-CD40-AAE9-334F110649E5}" type="datetimeFigureOut">
               <a:rPr lang="it-IT" smtClean="0"/>
               <a:pPr/>
-              <a:t>09/07/2019</a:t>
+              <a:t>10/07/2019</a:t>
             </a:fld>
             <a:endParaRPr lang="it-IT"/>
           </a:p>
@@ -4726,7 +4726,7 @@
             <a:fld id="{AD8BF249-6BAC-CD40-AAE9-334F110649E5}" type="datetimeFigureOut">
               <a:rPr lang="it-IT" smtClean="0"/>
               <a:pPr/>
-              <a:t>09/07/2019</a:t>
+              <a:t>10/07/2019</a:t>
             </a:fld>
             <a:endParaRPr lang="it-IT"/>
           </a:p>
@@ -7771,7 +7771,7 @@
         <p:spPr>
           <a:xfrm>
             <a:off x="2988285" y="2351483"/>
-            <a:ext cx="3648289" cy="489340"/>
+            <a:ext cx="4093730" cy="489340"/>
           </a:xfrm>
           <a:prstGeom prst="rect">
             <a:avLst/>

--- a/Discussione Laurea/Slides v.1.0.pptx
+++ b/Discussione Laurea/Slides v.1.0.pptx
@@ -13318,8 +13318,8 @@
           </a:p>
         </p:txBody>
       </p:sp>
-      <mc:AlternateContent xmlns:mc="http://schemas.openxmlformats.org/markup-compatibility/2006" xmlns:a14="http://schemas.microsoft.com/office/drawing/2010/main">
-        <mc:Choice Requires="a14">
+      <mc:AlternateContent xmlns:mc="http://schemas.openxmlformats.org/markup-compatibility/2006">
+        <mc:Choice xmlns:a14="http://schemas.microsoft.com/office/drawing/2010/main" Requires="a14">
           <p:sp>
             <p:nvSpPr>
               <p:cNvPr id="28" name="CasellaDiTesto 27">
@@ -13470,7 +13470,7 @@
                     <a:cs typeface="Arial" panose="020B0604020202020204" pitchFamily="34" charset="0"/>
                     <a:sym typeface="Wingdings" panose="05000000000000000000" pitchFamily="2" charset="2"/>
                   </a:rPr>
-                  <a:t>calcolando la distanza </a:t>
+                  <a:t>calcolando la distanza media </a:t>
                 </a:r>
                 <a:r>
                   <a:rPr lang="it-IT" sz="1400" dirty="0">
@@ -13483,7 +13483,7 @@
             </p:txBody>
           </p:sp>
         </mc:Choice>
-        <mc:Fallback xmlns="">
+        <mc:Fallback>
           <p:sp>
             <p:nvSpPr>
               <p:cNvPr id="28" name="CasellaDiTesto 27">

--- a/Discussione Laurea/Slides v.1.0.pptx
+++ b/Discussione Laurea/Slides v.1.0.pptx
@@ -13477,7 +13477,7 @@
                     <a:latin typeface="Arial" panose="020B0604020202020204" pitchFamily="34" charset="0"/>
                     <a:cs typeface="Arial" panose="020B0604020202020204" pitchFamily="34" charset="0"/>
                   </a:rPr>
-                  <a:t>con gli altri elementi</a:t>
+                  <a:t>tra coppie di cluster</a:t>
                 </a:r>
               </a:p>
             </p:txBody>
@@ -14560,8 +14560,8 @@
             </p:nvSpPr>
             <p:spPr>
               <a:xfrm>
-                <a:off x="9061" y="1754259"/>
-                <a:ext cx="9143817" cy="738664"/>
+                <a:off x="-7109" y="2267379"/>
+                <a:ext cx="9143817" cy="523220"/>
               </a:xfrm>
               <a:prstGeom prst="rect">
                 <a:avLst/>
@@ -14597,7 +14597,7 @@
                     <a:latin typeface="Arial" panose="020B0604020202020204" pitchFamily="34" charset="0"/>
                     <a:cs typeface="Arial" panose="020B0604020202020204" pitchFamily="34" charset="0"/>
                   </a:rPr>
-                  <a:t> calcolando la distanza tra il cluster appena inserito e gli altri elementi </a:t>
+                  <a:t> </a:t>
                 </a:r>
                 <a:r>
                   <a:rPr lang="it-IT" sz="1400" dirty="0">
@@ -14824,8 +14824,8 @@
             </p:nvSpPr>
             <p:spPr>
               <a:xfrm>
-                <a:off x="9061" y="1754259"/>
-                <a:ext cx="9143817" cy="738664"/>
+                <a:off x="-7109" y="2267379"/>
+                <a:ext cx="9143817" cy="523220"/>
               </a:xfrm>
               <a:prstGeom prst="rect">
                 <a:avLst/>
@@ -14833,7 +14833,7 @@
               <a:blipFill>
                 <a:blip r:embed="rId5"/>
                 <a:stretch>
-                  <a:fillRect l="-200" t="-1653" b="-7438"/>
+                  <a:fillRect l="-200" t="-2326" b="-10465"/>
                 </a:stretch>
               </a:blipFill>
             </p:spPr>
@@ -14878,7 +14878,7 @@
         </p:blipFill>
         <p:spPr>
           <a:xfrm>
-            <a:off x="2282536" y="2871699"/>
+            <a:off x="2282536" y="3422115"/>
             <a:ext cx="4597200" cy="259423"/>
           </a:xfrm>
           <a:prstGeom prst="rect">
@@ -14896,14 +14896,15 @@
             </a:extLst>
           </p:cNvPr>
           <p:cNvCxnSpPr>
+            <a:cxnSpLocks/>
             <a:stCxn id="28" idx="2"/>
           </p:cNvCxnSpPr>
           <p:nvPr/>
         </p:nvCxnSpPr>
         <p:spPr>
-          <a:xfrm flipH="1">
-            <a:off x="4580969" y="2492923"/>
-            <a:ext cx="1" cy="378775"/>
+          <a:xfrm>
+            <a:off x="4564800" y="2790599"/>
+            <a:ext cx="0" cy="594219"/>
           </a:xfrm>
           <a:prstGeom prst="straightConnector1">
             <a:avLst/>
@@ -14941,7 +14942,7 @@
         </p:nvSpPr>
         <p:spPr>
           <a:xfrm>
-            <a:off x="-7109" y="4440250"/>
+            <a:off x="-7109" y="4617806"/>
             <a:ext cx="9143817" cy="400110"/>
           </a:xfrm>
           <a:prstGeom prst="rect">
